--- a/presentation/PFunc-EduPar-11.pptx
+++ b/presentation/PFunc-EduPar-11.pptx
@@ -10,14 +10,14 @@
   <p:sldIdLst>
     <p:sldId id="257" r:id="rId2"/>
   </p:sldIdLst>
-  <p:sldSz cx="43891200" cy="32918400"/>
+  <p:sldSz cx="32918400" cy="21945600"/>
   <p:notesSz cx="9144000" cy="6858000"/>
   <p:defaultTextStyle>
     <a:defPPr>
       <a:defRPr lang="en-US"/>
     </a:defPPr>
-    <a:lvl1pPr marL="0" algn="l" defTabSz="2194514" rtl="0" eaLnBrk="1" latinLnBrk="0" hangingPunct="1">
-      <a:defRPr sz="8700" kern="1200">
+    <a:lvl1pPr marL="0" algn="l" defTabSz="1567322" rtl="0" eaLnBrk="1" latinLnBrk="0" hangingPunct="1">
+      <a:defRPr sz="6200" kern="1200">
         <a:solidFill>
           <a:schemeClr val="tx1"/>
         </a:solidFill>
@@ -26,8 +26,8 @@
         <a:cs typeface="+mn-cs"/>
       </a:defRPr>
     </a:lvl1pPr>
-    <a:lvl2pPr marL="2194514" algn="l" defTabSz="2194514" rtl="0" eaLnBrk="1" latinLnBrk="0" hangingPunct="1">
-      <a:defRPr sz="8700" kern="1200">
+    <a:lvl2pPr marL="1567322" algn="l" defTabSz="1567322" rtl="0" eaLnBrk="1" latinLnBrk="0" hangingPunct="1">
+      <a:defRPr sz="6200" kern="1200">
         <a:solidFill>
           <a:schemeClr val="tx1"/>
         </a:solidFill>
@@ -36,8 +36,8 @@
         <a:cs typeface="+mn-cs"/>
       </a:defRPr>
     </a:lvl2pPr>
-    <a:lvl3pPr marL="4389028" algn="l" defTabSz="2194514" rtl="0" eaLnBrk="1" latinLnBrk="0" hangingPunct="1">
-      <a:defRPr sz="8700" kern="1200">
+    <a:lvl3pPr marL="3134644" algn="l" defTabSz="1567322" rtl="0" eaLnBrk="1" latinLnBrk="0" hangingPunct="1">
+      <a:defRPr sz="6200" kern="1200">
         <a:solidFill>
           <a:schemeClr val="tx1"/>
         </a:solidFill>
@@ -46,8 +46,8 @@
         <a:cs typeface="+mn-cs"/>
       </a:defRPr>
     </a:lvl3pPr>
-    <a:lvl4pPr marL="6583543" algn="l" defTabSz="2194514" rtl="0" eaLnBrk="1" latinLnBrk="0" hangingPunct="1">
-      <a:defRPr sz="8700" kern="1200">
+    <a:lvl4pPr marL="4701966" algn="l" defTabSz="1567322" rtl="0" eaLnBrk="1" latinLnBrk="0" hangingPunct="1">
+      <a:defRPr sz="6200" kern="1200">
         <a:solidFill>
           <a:schemeClr val="tx1"/>
         </a:solidFill>
@@ -56,8 +56,8 @@
         <a:cs typeface="+mn-cs"/>
       </a:defRPr>
     </a:lvl4pPr>
-    <a:lvl5pPr marL="8778057" algn="l" defTabSz="2194514" rtl="0" eaLnBrk="1" latinLnBrk="0" hangingPunct="1">
-      <a:defRPr sz="8700" kern="1200">
+    <a:lvl5pPr marL="6269288" algn="l" defTabSz="1567322" rtl="0" eaLnBrk="1" latinLnBrk="0" hangingPunct="1">
+      <a:defRPr sz="6200" kern="1200">
         <a:solidFill>
           <a:schemeClr val="tx1"/>
         </a:solidFill>
@@ -66,8 +66,8 @@
         <a:cs typeface="+mn-cs"/>
       </a:defRPr>
     </a:lvl5pPr>
-    <a:lvl6pPr marL="10972571" algn="l" defTabSz="2194514" rtl="0" eaLnBrk="1" latinLnBrk="0" hangingPunct="1">
-      <a:defRPr sz="8700" kern="1200">
+    <a:lvl6pPr marL="7836610" algn="l" defTabSz="1567322" rtl="0" eaLnBrk="1" latinLnBrk="0" hangingPunct="1">
+      <a:defRPr sz="6200" kern="1200">
         <a:solidFill>
           <a:schemeClr val="tx1"/>
         </a:solidFill>
@@ -76,8 +76,8 @@
         <a:cs typeface="+mn-cs"/>
       </a:defRPr>
     </a:lvl6pPr>
-    <a:lvl7pPr marL="13167085" algn="l" defTabSz="2194514" rtl="0" eaLnBrk="1" latinLnBrk="0" hangingPunct="1">
-      <a:defRPr sz="8700" kern="1200">
+    <a:lvl7pPr marL="9403932" algn="l" defTabSz="1567322" rtl="0" eaLnBrk="1" latinLnBrk="0" hangingPunct="1">
+      <a:defRPr sz="6200" kern="1200">
         <a:solidFill>
           <a:schemeClr val="tx1"/>
         </a:solidFill>
@@ -86,8 +86,8 @@
         <a:cs typeface="+mn-cs"/>
       </a:defRPr>
     </a:lvl7pPr>
-    <a:lvl8pPr marL="15361599" algn="l" defTabSz="2194514" rtl="0" eaLnBrk="1" latinLnBrk="0" hangingPunct="1">
-      <a:defRPr sz="8700" kern="1200">
+    <a:lvl8pPr marL="10971254" algn="l" defTabSz="1567322" rtl="0" eaLnBrk="1" latinLnBrk="0" hangingPunct="1">
+      <a:defRPr sz="6200" kern="1200">
         <a:solidFill>
           <a:schemeClr val="tx1"/>
         </a:solidFill>
@@ -96,8 +96,8 @@
         <a:cs typeface="+mn-cs"/>
       </a:defRPr>
     </a:lvl8pPr>
-    <a:lvl9pPr marL="17556115" algn="l" defTabSz="2194514" rtl="0" eaLnBrk="1" latinLnBrk="0" hangingPunct="1">
-      <a:defRPr sz="8700" kern="1200">
+    <a:lvl9pPr marL="12538577" algn="l" defTabSz="1567322" rtl="0" eaLnBrk="1" latinLnBrk="0" hangingPunct="1">
+      <a:defRPr sz="6200" kern="1200">
         <a:solidFill>
           <a:schemeClr val="tx1"/>
         </a:solidFill>
@@ -193,7 +193,7 @@
             <a:fld id="{DC7960C1-A2F1-3341-880E-86FEA866A0CB}" type="datetimeFigureOut">
               <a:rPr lang="en-US" smtClean="0"/>
               <a:pPr/>
-              <a:t>4/20/11</a:t>
+              <a:t>4/24/11</a:t>
             </a:fld>
             <a:endParaRPr lang="en-US"/>
           </a:p>
@@ -211,8 +211,8 @@
         </p:nvSpPr>
         <p:spPr>
           <a:xfrm>
-            <a:off x="2857500" y="514350"/>
-            <a:ext cx="3429000" cy="2571750"/>
+            <a:off x="2643188" y="514350"/>
+            <a:ext cx="3857625" cy="2571750"/>
           </a:xfrm>
           <a:prstGeom prst="rect">
             <a:avLst/>
@@ -365,8 +365,8 @@
   </p:cSld>
   <p:clrMap bg1="lt1" tx1="dk1" bg2="lt2" tx2="dk2" accent1="accent1" accent2="accent2" accent3="accent3" accent4="accent4" accent5="accent5" accent6="accent6" hlink="hlink" folHlink="folHlink"/>
   <p:notesStyle>
-    <a:lvl1pPr marL="0" algn="l" defTabSz="2194514" rtl="0" eaLnBrk="1" latinLnBrk="0" hangingPunct="1">
-      <a:defRPr sz="5700" kern="1200">
+    <a:lvl1pPr marL="0" algn="l" defTabSz="1567322" rtl="0" eaLnBrk="1" latinLnBrk="0" hangingPunct="1">
+      <a:defRPr sz="4100" kern="1200">
         <a:solidFill>
           <a:schemeClr val="tx1"/>
         </a:solidFill>
@@ -375,8 +375,8 @@
         <a:cs typeface="+mn-cs"/>
       </a:defRPr>
     </a:lvl1pPr>
-    <a:lvl2pPr marL="2194514" algn="l" defTabSz="2194514" rtl="0" eaLnBrk="1" latinLnBrk="0" hangingPunct="1">
-      <a:defRPr sz="5700" kern="1200">
+    <a:lvl2pPr marL="1567322" algn="l" defTabSz="1567322" rtl="0" eaLnBrk="1" latinLnBrk="0" hangingPunct="1">
+      <a:defRPr sz="4100" kern="1200">
         <a:solidFill>
           <a:schemeClr val="tx1"/>
         </a:solidFill>
@@ -385,8 +385,8 @@
         <a:cs typeface="+mn-cs"/>
       </a:defRPr>
     </a:lvl2pPr>
-    <a:lvl3pPr marL="4389028" algn="l" defTabSz="2194514" rtl="0" eaLnBrk="1" latinLnBrk="0" hangingPunct="1">
-      <a:defRPr sz="5700" kern="1200">
+    <a:lvl3pPr marL="3134644" algn="l" defTabSz="1567322" rtl="0" eaLnBrk="1" latinLnBrk="0" hangingPunct="1">
+      <a:defRPr sz="4100" kern="1200">
         <a:solidFill>
           <a:schemeClr val="tx1"/>
         </a:solidFill>
@@ -395,8 +395,8 @@
         <a:cs typeface="+mn-cs"/>
       </a:defRPr>
     </a:lvl3pPr>
-    <a:lvl4pPr marL="6583543" algn="l" defTabSz="2194514" rtl="0" eaLnBrk="1" latinLnBrk="0" hangingPunct="1">
-      <a:defRPr sz="5700" kern="1200">
+    <a:lvl4pPr marL="4701966" algn="l" defTabSz="1567322" rtl="0" eaLnBrk="1" latinLnBrk="0" hangingPunct="1">
+      <a:defRPr sz="4100" kern="1200">
         <a:solidFill>
           <a:schemeClr val="tx1"/>
         </a:solidFill>
@@ -405,8 +405,8 @@
         <a:cs typeface="+mn-cs"/>
       </a:defRPr>
     </a:lvl4pPr>
-    <a:lvl5pPr marL="8778057" algn="l" defTabSz="2194514" rtl="0" eaLnBrk="1" latinLnBrk="0" hangingPunct="1">
-      <a:defRPr sz="5700" kern="1200">
+    <a:lvl5pPr marL="6269288" algn="l" defTabSz="1567322" rtl="0" eaLnBrk="1" latinLnBrk="0" hangingPunct="1">
+      <a:defRPr sz="4100" kern="1200">
         <a:solidFill>
           <a:schemeClr val="tx1"/>
         </a:solidFill>
@@ -415,8 +415,8 @@
         <a:cs typeface="+mn-cs"/>
       </a:defRPr>
     </a:lvl5pPr>
-    <a:lvl6pPr marL="10972571" algn="l" defTabSz="2194514" rtl="0" eaLnBrk="1" latinLnBrk="0" hangingPunct="1">
-      <a:defRPr sz="5700" kern="1200">
+    <a:lvl6pPr marL="7836610" algn="l" defTabSz="1567322" rtl="0" eaLnBrk="1" latinLnBrk="0" hangingPunct="1">
+      <a:defRPr sz="4100" kern="1200">
         <a:solidFill>
           <a:schemeClr val="tx1"/>
         </a:solidFill>
@@ -425,8 +425,8 @@
         <a:cs typeface="+mn-cs"/>
       </a:defRPr>
     </a:lvl6pPr>
-    <a:lvl7pPr marL="13167085" algn="l" defTabSz="2194514" rtl="0" eaLnBrk="1" latinLnBrk="0" hangingPunct="1">
-      <a:defRPr sz="5700" kern="1200">
+    <a:lvl7pPr marL="9403932" algn="l" defTabSz="1567322" rtl="0" eaLnBrk="1" latinLnBrk="0" hangingPunct="1">
+      <a:defRPr sz="4100" kern="1200">
         <a:solidFill>
           <a:schemeClr val="tx1"/>
         </a:solidFill>
@@ -435,8 +435,8 @@
         <a:cs typeface="+mn-cs"/>
       </a:defRPr>
     </a:lvl7pPr>
-    <a:lvl8pPr marL="15361599" algn="l" defTabSz="2194514" rtl="0" eaLnBrk="1" latinLnBrk="0" hangingPunct="1">
-      <a:defRPr sz="5700" kern="1200">
+    <a:lvl8pPr marL="10971254" algn="l" defTabSz="1567322" rtl="0" eaLnBrk="1" latinLnBrk="0" hangingPunct="1">
+      <a:defRPr sz="4100" kern="1200">
         <a:solidFill>
           <a:schemeClr val="tx1"/>
         </a:solidFill>
@@ -445,8 +445,8 @@
         <a:cs typeface="+mn-cs"/>
       </a:defRPr>
     </a:lvl8pPr>
-    <a:lvl9pPr marL="17556115" algn="l" defTabSz="2194514" rtl="0" eaLnBrk="1" latinLnBrk="0" hangingPunct="1">
-      <a:defRPr sz="5700" kern="1200">
+    <a:lvl9pPr marL="12538577" algn="l" defTabSz="1567322" rtl="0" eaLnBrk="1" latinLnBrk="0" hangingPunct="1">
+      <a:defRPr sz="4100" kern="1200">
         <a:solidFill>
           <a:schemeClr val="tx1"/>
         </a:solidFill>
@@ -488,8 +488,8 @@
         </p:nvSpPr>
         <p:spPr>
           <a:xfrm>
-            <a:off x="3291840" y="10226043"/>
-            <a:ext cx="37307520" cy="7056120"/>
+            <a:off x="2468880" y="6817362"/>
+            <a:ext cx="27980640" cy="4704080"/>
           </a:xfrm>
         </p:spPr>
         <p:txBody>
@@ -516,8 +516,8 @@
         </p:nvSpPr>
         <p:spPr>
           <a:xfrm>
-            <a:off x="6583680" y="18653760"/>
-            <a:ext cx="30723840" cy="8412480"/>
+            <a:off x="4937760" y="12435840"/>
+            <a:ext cx="23042880" cy="5608320"/>
           </a:xfrm>
         </p:spPr>
         <p:txBody>
@@ -533,7 +533,7 @@
                 </a:solidFill>
               </a:defRPr>
             </a:lvl1pPr>
-            <a:lvl2pPr marL="2194514" indent="0" algn="ctr">
+            <a:lvl2pPr marL="1567322" indent="0" algn="ctr">
               <a:buNone/>
               <a:defRPr>
                 <a:solidFill>
@@ -543,7 +543,7 @@
                 </a:solidFill>
               </a:defRPr>
             </a:lvl2pPr>
-            <a:lvl3pPr marL="4389028" indent="0" algn="ctr">
+            <a:lvl3pPr marL="3134644" indent="0" algn="ctr">
               <a:buNone/>
               <a:defRPr>
                 <a:solidFill>
@@ -553,7 +553,7 @@
                 </a:solidFill>
               </a:defRPr>
             </a:lvl3pPr>
-            <a:lvl4pPr marL="6583543" indent="0" algn="ctr">
+            <a:lvl4pPr marL="4701966" indent="0" algn="ctr">
               <a:buNone/>
               <a:defRPr>
                 <a:solidFill>
@@ -563,7 +563,7 @@
                 </a:solidFill>
               </a:defRPr>
             </a:lvl4pPr>
-            <a:lvl5pPr marL="8778057" indent="0" algn="ctr">
+            <a:lvl5pPr marL="6269288" indent="0" algn="ctr">
               <a:buNone/>
               <a:defRPr>
                 <a:solidFill>
@@ -573,7 +573,7 @@
                 </a:solidFill>
               </a:defRPr>
             </a:lvl5pPr>
-            <a:lvl6pPr marL="10972571" indent="0" algn="ctr">
+            <a:lvl6pPr marL="7836610" indent="0" algn="ctr">
               <a:buNone/>
               <a:defRPr>
                 <a:solidFill>
@@ -583,7 +583,7 @@
                 </a:solidFill>
               </a:defRPr>
             </a:lvl6pPr>
-            <a:lvl7pPr marL="13167085" indent="0" algn="ctr">
+            <a:lvl7pPr marL="9403932" indent="0" algn="ctr">
               <a:buNone/>
               <a:defRPr>
                 <a:solidFill>
@@ -593,7 +593,7 @@
                 </a:solidFill>
               </a:defRPr>
             </a:lvl7pPr>
-            <a:lvl8pPr marL="15361599" indent="0" algn="ctr">
+            <a:lvl8pPr marL="10971254" indent="0" algn="ctr">
               <a:buNone/>
               <a:defRPr>
                 <a:solidFill>
@@ -603,7 +603,7 @@
                 </a:solidFill>
               </a:defRPr>
             </a:lvl8pPr>
-            <a:lvl9pPr marL="17556115" indent="0" algn="ctr">
+            <a:lvl9pPr marL="12538577" indent="0" algn="ctr">
               <a:buNone/>
               <a:defRPr>
                 <a:solidFill>
@@ -641,7 +641,7 @@
             <a:fld id="{B07B2FB9-680A-AF4E-8AA6-0FAA227F6367}" type="datetimeFigureOut">
               <a:rPr lang="en-US" smtClean="0"/>
               <a:pPr/>
-              <a:t>4/20/11</a:t>
+              <a:t>4/24/11</a:t>
             </a:fld>
             <a:endParaRPr lang="en-US"/>
           </a:p>
@@ -808,7 +808,7 @@
             <a:fld id="{B07B2FB9-680A-AF4E-8AA6-0FAA227F6367}" type="datetimeFigureOut">
               <a:rPr lang="en-US" smtClean="0"/>
               <a:pPr/>
-              <a:t>4/20/11</a:t>
+              <a:t>4/24/11</a:t>
             </a:fld>
             <a:endParaRPr lang="en-US"/>
           </a:p>
@@ -894,8 +894,8 @@
         </p:nvSpPr>
         <p:spPr>
           <a:xfrm>
-            <a:off x="31821120" y="1318265"/>
-            <a:ext cx="9875520" cy="28087320"/>
+            <a:off x="23865840" y="878843"/>
+            <a:ext cx="7406640" cy="18724880"/>
           </a:xfrm>
         </p:spPr>
         <p:txBody>
@@ -922,8 +922,8 @@
         </p:nvSpPr>
         <p:spPr>
           <a:xfrm>
-            <a:off x="2194560" y="1318265"/>
-            <a:ext cx="28895040" cy="28087320"/>
+            <a:off x="1645920" y="878843"/>
+            <a:ext cx="21671280" cy="18724880"/>
           </a:xfrm>
         </p:spPr>
         <p:txBody>
@@ -985,7 +985,7 @@
             <a:fld id="{B07B2FB9-680A-AF4E-8AA6-0FAA227F6367}" type="datetimeFigureOut">
               <a:rPr lang="en-US" smtClean="0"/>
               <a:pPr/>
-              <a:t>4/20/11</a:t>
+              <a:t>4/24/11</a:t>
             </a:fld>
             <a:endParaRPr lang="en-US"/>
           </a:p>
@@ -1152,7 +1152,7 @@
             <a:fld id="{B07B2FB9-680A-AF4E-8AA6-0FAA227F6367}" type="datetimeFigureOut">
               <a:rPr lang="en-US" smtClean="0"/>
               <a:pPr/>
-              <a:t>4/20/11</a:t>
+              <a:t>4/24/11</a:t>
             </a:fld>
             <a:endParaRPr lang="en-US"/>
           </a:p>
@@ -1238,15 +1238,15 @@
         </p:nvSpPr>
         <p:spPr>
           <a:xfrm>
-            <a:off x="3467103" y="21153123"/>
-            <a:ext cx="37307520" cy="6537960"/>
+            <a:off x="2600327" y="14102082"/>
+            <a:ext cx="27980640" cy="4358640"/>
           </a:xfrm>
         </p:spPr>
         <p:txBody>
           <a:bodyPr anchor="t"/>
           <a:lstStyle>
             <a:lvl1pPr algn="l">
-              <a:defRPr sz="19200" b="1" cap="all"/>
+              <a:defRPr sz="13700" b="1" cap="all"/>
             </a:lvl1pPr>
           </a:lstStyle>
           <a:p>
@@ -1270,8 +1270,8 @@
         </p:nvSpPr>
         <p:spPr>
           <a:xfrm>
-            <a:off x="3467103" y="13952225"/>
-            <a:ext cx="37307520" cy="7200897"/>
+            <a:off x="2600327" y="9301484"/>
+            <a:ext cx="27980640" cy="4800598"/>
           </a:xfrm>
         </p:spPr>
         <p:txBody>
@@ -1279,7 +1279,7 @@
           <a:lstStyle>
             <a:lvl1pPr marL="0" indent="0">
               <a:buNone/>
-              <a:defRPr sz="9700">
+              <a:defRPr sz="6900">
                 <a:solidFill>
                   <a:schemeClr val="tx1">
                     <a:tint val="75000"/>
@@ -1287,9 +1287,9 @@
                 </a:solidFill>
               </a:defRPr>
             </a:lvl1pPr>
-            <a:lvl2pPr marL="2194514" indent="0">
+            <a:lvl2pPr marL="1567322" indent="0">
               <a:buNone/>
-              <a:defRPr sz="8700">
+              <a:defRPr sz="6200">
                 <a:solidFill>
                   <a:schemeClr val="tx1">
                     <a:tint val="75000"/>
@@ -1297,9 +1297,9 @@
                 </a:solidFill>
               </a:defRPr>
             </a:lvl2pPr>
-            <a:lvl3pPr marL="4389028" indent="0">
+            <a:lvl3pPr marL="3134644" indent="0">
               <a:buNone/>
-              <a:defRPr sz="7700">
+              <a:defRPr sz="5500">
                 <a:solidFill>
                   <a:schemeClr val="tx1">
                     <a:tint val="75000"/>
@@ -1307,9 +1307,9 @@
                 </a:solidFill>
               </a:defRPr>
             </a:lvl3pPr>
-            <a:lvl4pPr marL="6583543" indent="0">
+            <a:lvl4pPr marL="4701966" indent="0">
               <a:buNone/>
-              <a:defRPr sz="6700">
+              <a:defRPr sz="4800">
                 <a:solidFill>
                   <a:schemeClr val="tx1">
                     <a:tint val="75000"/>
@@ -1317,9 +1317,9 @@
                 </a:solidFill>
               </a:defRPr>
             </a:lvl4pPr>
-            <a:lvl5pPr marL="8778057" indent="0">
+            <a:lvl5pPr marL="6269288" indent="0">
               <a:buNone/>
-              <a:defRPr sz="6700">
+              <a:defRPr sz="4800">
                 <a:solidFill>
                   <a:schemeClr val="tx1">
                     <a:tint val="75000"/>
@@ -1327,9 +1327,9 @@
                 </a:solidFill>
               </a:defRPr>
             </a:lvl5pPr>
-            <a:lvl6pPr marL="10972571" indent="0">
+            <a:lvl6pPr marL="7836610" indent="0">
               <a:buNone/>
-              <a:defRPr sz="6700">
+              <a:defRPr sz="4800">
                 <a:solidFill>
                   <a:schemeClr val="tx1">
                     <a:tint val="75000"/>
@@ -1337,9 +1337,9 @@
                 </a:solidFill>
               </a:defRPr>
             </a:lvl6pPr>
-            <a:lvl7pPr marL="13167085" indent="0">
+            <a:lvl7pPr marL="9403932" indent="0">
               <a:buNone/>
-              <a:defRPr sz="6700">
+              <a:defRPr sz="4800">
                 <a:solidFill>
                   <a:schemeClr val="tx1">
                     <a:tint val="75000"/>
@@ -1347,9 +1347,9 @@
                 </a:solidFill>
               </a:defRPr>
             </a:lvl7pPr>
-            <a:lvl8pPr marL="15361599" indent="0">
+            <a:lvl8pPr marL="10971254" indent="0">
               <a:buNone/>
-              <a:defRPr sz="6700">
+              <a:defRPr sz="4800">
                 <a:solidFill>
                   <a:schemeClr val="tx1">
                     <a:tint val="75000"/>
@@ -1357,9 +1357,9 @@
                 </a:solidFill>
               </a:defRPr>
             </a:lvl8pPr>
-            <a:lvl9pPr marL="17556115" indent="0">
+            <a:lvl9pPr marL="12538577" indent="0">
               <a:buNone/>
-              <a:defRPr sz="6700">
+              <a:defRPr sz="4800">
                 <a:solidFill>
                   <a:schemeClr val="tx1">
                     <a:tint val="75000"/>
@@ -1395,7 +1395,7 @@
             <a:fld id="{B07B2FB9-680A-AF4E-8AA6-0FAA227F6367}" type="datetimeFigureOut">
               <a:rPr lang="en-US" smtClean="0"/>
               <a:pPr/>
-              <a:t>4/20/11</a:t>
+              <a:t>4/24/11</a:t>
             </a:fld>
             <a:endParaRPr lang="en-US"/>
           </a:p>
@@ -1504,39 +1504,39 @@
         </p:nvSpPr>
         <p:spPr>
           <a:xfrm>
-            <a:off x="2194560" y="7680962"/>
-            <a:ext cx="19385280" cy="21724623"/>
+            <a:off x="1645920" y="5120642"/>
+            <a:ext cx="14538960" cy="14483082"/>
           </a:xfrm>
         </p:spPr>
         <p:txBody>
           <a:bodyPr/>
           <a:lstStyle>
             <a:lvl1pPr>
-              <a:defRPr sz="13400"/>
+              <a:defRPr sz="9600"/>
             </a:lvl1pPr>
             <a:lvl2pPr>
-              <a:defRPr sz="11500"/>
+              <a:defRPr sz="8200"/>
             </a:lvl2pPr>
             <a:lvl3pPr>
-              <a:defRPr sz="9700"/>
+              <a:defRPr sz="6900"/>
             </a:lvl3pPr>
             <a:lvl4pPr>
-              <a:defRPr sz="8700"/>
+              <a:defRPr sz="6200"/>
             </a:lvl4pPr>
             <a:lvl5pPr>
-              <a:defRPr sz="8700"/>
+              <a:defRPr sz="6200"/>
             </a:lvl5pPr>
             <a:lvl6pPr>
-              <a:defRPr sz="8700"/>
+              <a:defRPr sz="6200"/>
             </a:lvl6pPr>
             <a:lvl7pPr>
-              <a:defRPr sz="8700"/>
+              <a:defRPr sz="6200"/>
             </a:lvl7pPr>
             <a:lvl8pPr>
-              <a:defRPr sz="8700"/>
+              <a:defRPr sz="6200"/>
             </a:lvl8pPr>
             <a:lvl9pPr>
-              <a:defRPr sz="8700"/>
+              <a:defRPr sz="6200"/>
             </a:lvl9pPr>
           </a:lstStyle>
           <a:p>
@@ -1589,39 +1589,39 @@
         </p:nvSpPr>
         <p:spPr>
           <a:xfrm>
-            <a:off x="22311360" y="7680962"/>
-            <a:ext cx="19385280" cy="21724623"/>
+            <a:off x="16733520" y="5120642"/>
+            <a:ext cx="14538960" cy="14483082"/>
           </a:xfrm>
         </p:spPr>
         <p:txBody>
           <a:bodyPr/>
           <a:lstStyle>
             <a:lvl1pPr>
-              <a:defRPr sz="13400"/>
+              <a:defRPr sz="9600"/>
             </a:lvl1pPr>
             <a:lvl2pPr>
-              <a:defRPr sz="11500"/>
+              <a:defRPr sz="8200"/>
             </a:lvl2pPr>
             <a:lvl3pPr>
-              <a:defRPr sz="9700"/>
+              <a:defRPr sz="6900"/>
             </a:lvl3pPr>
             <a:lvl4pPr>
-              <a:defRPr sz="8700"/>
+              <a:defRPr sz="6200"/>
             </a:lvl4pPr>
             <a:lvl5pPr>
-              <a:defRPr sz="8700"/>
+              <a:defRPr sz="6200"/>
             </a:lvl5pPr>
             <a:lvl6pPr>
-              <a:defRPr sz="8700"/>
+              <a:defRPr sz="6200"/>
             </a:lvl6pPr>
             <a:lvl7pPr>
-              <a:defRPr sz="8700"/>
+              <a:defRPr sz="6200"/>
             </a:lvl7pPr>
             <a:lvl8pPr>
-              <a:defRPr sz="8700"/>
+              <a:defRPr sz="6200"/>
             </a:lvl8pPr>
             <a:lvl9pPr>
-              <a:defRPr sz="8700"/>
+              <a:defRPr sz="6200"/>
             </a:lvl9pPr>
           </a:lstStyle>
           <a:p>
@@ -1680,7 +1680,7 @@
             <a:fld id="{B07B2FB9-680A-AF4E-8AA6-0FAA227F6367}" type="datetimeFigureOut">
               <a:rPr lang="en-US" smtClean="0"/>
               <a:pPr/>
-              <a:t>4/20/11</a:t>
+              <a:t>4/24/11</a:t>
             </a:fld>
             <a:endParaRPr lang="en-US"/>
           </a:p>
@@ -1793,8 +1793,8 @@
         </p:nvSpPr>
         <p:spPr>
           <a:xfrm>
-            <a:off x="2194562" y="7368544"/>
-            <a:ext cx="19392903" cy="3070857"/>
+            <a:off x="1645922" y="4912363"/>
+            <a:ext cx="14544677" cy="2047238"/>
           </a:xfrm>
         </p:spPr>
         <p:txBody>
@@ -1802,39 +1802,39 @@
           <a:lstStyle>
             <a:lvl1pPr marL="0" indent="0">
               <a:buNone/>
-              <a:defRPr sz="11500" b="1"/>
+              <a:defRPr sz="8200" b="1"/>
             </a:lvl1pPr>
-            <a:lvl2pPr marL="2194514" indent="0">
+            <a:lvl2pPr marL="1567322" indent="0">
               <a:buNone/>
-              <a:defRPr sz="9700" b="1"/>
+              <a:defRPr sz="6900" b="1"/>
             </a:lvl2pPr>
-            <a:lvl3pPr marL="4389028" indent="0">
+            <a:lvl3pPr marL="3134644" indent="0">
               <a:buNone/>
-              <a:defRPr sz="8700" b="1"/>
+              <a:defRPr sz="6200" b="1"/>
             </a:lvl3pPr>
-            <a:lvl4pPr marL="6583543" indent="0">
+            <a:lvl4pPr marL="4701966" indent="0">
               <a:buNone/>
-              <a:defRPr sz="7700" b="1"/>
+              <a:defRPr sz="5500" b="1"/>
             </a:lvl4pPr>
-            <a:lvl5pPr marL="8778057" indent="0">
+            <a:lvl5pPr marL="6269288" indent="0">
               <a:buNone/>
-              <a:defRPr sz="7700" b="1"/>
+              <a:defRPr sz="5500" b="1"/>
             </a:lvl5pPr>
-            <a:lvl6pPr marL="10972571" indent="0">
+            <a:lvl6pPr marL="7836610" indent="0">
               <a:buNone/>
-              <a:defRPr sz="7700" b="1"/>
+              <a:defRPr sz="5500" b="1"/>
             </a:lvl6pPr>
-            <a:lvl7pPr marL="13167085" indent="0">
+            <a:lvl7pPr marL="9403932" indent="0">
               <a:buNone/>
-              <a:defRPr sz="7700" b="1"/>
+              <a:defRPr sz="5500" b="1"/>
             </a:lvl7pPr>
-            <a:lvl8pPr marL="15361599" indent="0">
+            <a:lvl8pPr marL="10971254" indent="0">
               <a:buNone/>
-              <a:defRPr sz="7700" b="1"/>
+              <a:defRPr sz="5500" b="1"/>
             </a:lvl8pPr>
-            <a:lvl9pPr marL="17556115" indent="0">
+            <a:lvl9pPr marL="12538577" indent="0">
               <a:buNone/>
-              <a:defRPr sz="7700" b="1"/>
+              <a:defRPr sz="5500" b="1"/>
             </a:lvl9pPr>
           </a:lstStyle>
           <a:p>
@@ -1858,39 +1858,39 @@
         </p:nvSpPr>
         <p:spPr>
           <a:xfrm>
-            <a:off x="2194562" y="10439401"/>
-            <a:ext cx="19392903" cy="18966183"/>
+            <a:off x="1645922" y="6959601"/>
+            <a:ext cx="14544677" cy="12644122"/>
           </a:xfrm>
         </p:spPr>
         <p:txBody>
           <a:bodyPr/>
           <a:lstStyle>
             <a:lvl1pPr>
-              <a:defRPr sz="11500"/>
+              <a:defRPr sz="8200"/>
             </a:lvl1pPr>
             <a:lvl2pPr>
-              <a:defRPr sz="9700"/>
+              <a:defRPr sz="6900"/>
             </a:lvl2pPr>
             <a:lvl3pPr>
-              <a:defRPr sz="8700"/>
+              <a:defRPr sz="6200"/>
             </a:lvl3pPr>
             <a:lvl4pPr>
-              <a:defRPr sz="7700"/>
+              <a:defRPr sz="5500"/>
             </a:lvl4pPr>
             <a:lvl5pPr>
-              <a:defRPr sz="7700"/>
+              <a:defRPr sz="5500"/>
             </a:lvl5pPr>
             <a:lvl6pPr>
-              <a:defRPr sz="7700"/>
+              <a:defRPr sz="5500"/>
             </a:lvl6pPr>
             <a:lvl7pPr>
-              <a:defRPr sz="7700"/>
+              <a:defRPr sz="5500"/>
             </a:lvl7pPr>
             <a:lvl8pPr>
-              <a:defRPr sz="7700"/>
+              <a:defRPr sz="5500"/>
             </a:lvl8pPr>
             <a:lvl9pPr>
-              <a:defRPr sz="7700"/>
+              <a:defRPr sz="5500"/>
             </a:lvl9pPr>
           </a:lstStyle>
           <a:p>
@@ -1943,8 +1943,8 @@
         </p:nvSpPr>
         <p:spPr>
           <a:xfrm>
-            <a:off x="22296123" y="7368544"/>
-            <a:ext cx="19400520" cy="3070857"/>
+            <a:off x="16722092" y="4912363"/>
+            <a:ext cx="14550390" cy="2047238"/>
           </a:xfrm>
         </p:spPr>
         <p:txBody>
@@ -1952,39 +1952,39 @@
           <a:lstStyle>
             <a:lvl1pPr marL="0" indent="0">
               <a:buNone/>
-              <a:defRPr sz="11500" b="1"/>
+              <a:defRPr sz="8200" b="1"/>
             </a:lvl1pPr>
-            <a:lvl2pPr marL="2194514" indent="0">
+            <a:lvl2pPr marL="1567322" indent="0">
               <a:buNone/>
-              <a:defRPr sz="9700" b="1"/>
+              <a:defRPr sz="6900" b="1"/>
             </a:lvl2pPr>
-            <a:lvl3pPr marL="4389028" indent="0">
+            <a:lvl3pPr marL="3134644" indent="0">
               <a:buNone/>
-              <a:defRPr sz="8700" b="1"/>
+              <a:defRPr sz="6200" b="1"/>
             </a:lvl3pPr>
-            <a:lvl4pPr marL="6583543" indent="0">
+            <a:lvl4pPr marL="4701966" indent="0">
               <a:buNone/>
-              <a:defRPr sz="7700" b="1"/>
+              <a:defRPr sz="5500" b="1"/>
             </a:lvl4pPr>
-            <a:lvl5pPr marL="8778057" indent="0">
+            <a:lvl5pPr marL="6269288" indent="0">
               <a:buNone/>
-              <a:defRPr sz="7700" b="1"/>
+              <a:defRPr sz="5500" b="1"/>
             </a:lvl5pPr>
-            <a:lvl6pPr marL="10972571" indent="0">
+            <a:lvl6pPr marL="7836610" indent="0">
               <a:buNone/>
-              <a:defRPr sz="7700" b="1"/>
+              <a:defRPr sz="5500" b="1"/>
             </a:lvl6pPr>
-            <a:lvl7pPr marL="13167085" indent="0">
+            <a:lvl7pPr marL="9403932" indent="0">
               <a:buNone/>
-              <a:defRPr sz="7700" b="1"/>
+              <a:defRPr sz="5500" b="1"/>
             </a:lvl7pPr>
-            <a:lvl8pPr marL="15361599" indent="0">
+            <a:lvl8pPr marL="10971254" indent="0">
               <a:buNone/>
-              <a:defRPr sz="7700" b="1"/>
+              <a:defRPr sz="5500" b="1"/>
             </a:lvl8pPr>
-            <a:lvl9pPr marL="17556115" indent="0">
+            <a:lvl9pPr marL="12538577" indent="0">
               <a:buNone/>
-              <a:defRPr sz="7700" b="1"/>
+              <a:defRPr sz="5500" b="1"/>
             </a:lvl9pPr>
           </a:lstStyle>
           <a:p>
@@ -2008,39 +2008,39 @@
         </p:nvSpPr>
         <p:spPr>
           <a:xfrm>
-            <a:off x="22296123" y="10439401"/>
-            <a:ext cx="19400520" cy="18966183"/>
+            <a:off x="16722092" y="6959601"/>
+            <a:ext cx="14550390" cy="12644122"/>
           </a:xfrm>
         </p:spPr>
         <p:txBody>
           <a:bodyPr/>
           <a:lstStyle>
             <a:lvl1pPr>
-              <a:defRPr sz="11500"/>
+              <a:defRPr sz="8200"/>
             </a:lvl1pPr>
             <a:lvl2pPr>
-              <a:defRPr sz="9700"/>
+              <a:defRPr sz="6900"/>
             </a:lvl2pPr>
             <a:lvl3pPr>
-              <a:defRPr sz="8700"/>
+              <a:defRPr sz="6200"/>
             </a:lvl3pPr>
             <a:lvl4pPr>
-              <a:defRPr sz="7700"/>
+              <a:defRPr sz="5500"/>
             </a:lvl4pPr>
             <a:lvl5pPr>
-              <a:defRPr sz="7700"/>
+              <a:defRPr sz="5500"/>
             </a:lvl5pPr>
             <a:lvl6pPr>
-              <a:defRPr sz="7700"/>
+              <a:defRPr sz="5500"/>
             </a:lvl6pPr>
             <a:lvl7pPr>
-              <a:defRPr sz="7700"/>
+              <a:defRPr sz="5500"/>
             </a:lvl7pPr>
             <a:lvl8pPr>
-              <a:defRPr sz="7700"/>
+              <a:defRPr sz="5500"/>
             </a:lvl8pPr>
             <a:lvl9pPr>
-              <a:defRPr sz="7700"/>
+              <a:defRPr sz="5500"/>
             </a:lvl9pPr>
           </a:lstStyle>
           <a:p>
@@ -2099,7 +2099,7 @@
             <a:fld id="{B07B2FB9-680A-AF4E-8AA6-0FAA227F6367}" type="datetimeFigureOut">
               <a:rPr lang="en-US" smtClean="0"/>
               <a:pPr/>
-              <a:t>4/20/11</a:t>
+              <a:t>4/24/11</a:t>
             </a:fld>
             <a:endParaRPr lang="en-US"/>
           </a:p>
@@ -2214,7 +2214,7 @@
             <a:fld id="{B07B2FB9-680A-AF4E-8AA6-0FAA227F6367}" type="datetimeFigureOut">
               <a:rPr lang="en-US" smtClean="0"/>
               <a:pPr/>
-              <a:t>4/20/11</a:t>
+              <a:t>4/24/11</a:t>
             </a:fld>
             <a:endParaRPr lang="en-US"/>
           </a:p>
@@ -2306,7 +2306,7 @@
             <a:fld id="{B07B2FB9-680A-AF4E-8AA6-0FAA227F6367}" type="datetimeFigureOut">
               <a:rPr lang="en-US" smtClean="0"/>
               <a:pPr/>
-              <a:t>4/20/11</a:t>
+              <a:t>4/24/11</a:t>
             </a:fld>
             <a:endParaRPr lang="en-US"/>
           </a:p>
@@ -2392,15 +2392,15 @@
         </p:nvSpPr>
         <p:spPr>
           <a:xfrm>
-            <a:off x="2194565" y="1310640"/>
-            <a:ext cx="14439903" cy="5577840"/>
+            <a:off x="1645924" y="873760"/>
+            <a:ext cx="10829927" cy="3718560"/>
           </a:xfrm>
         </p:spPr>
         <p:txBody>
           <a:bodyPr anchor="b"/>
           <a:lstStyle>
             <a:lvl1pPr algn="l">
-              <a:defRPr sz="9700" b="1"/>
+              <a:defRPr sz="6900" b="1"/>
             </a:lvl1pPr>
           </a:lstStyle>
           <a:p>
@@ -2424,39 +2424,39 @@
         </p:nvSpPr>
         <p:spPr>
           <a:xfrm>
-            <a:off x="17160240" y="1310642"/>
-            <a:ext cx="24536400" cy="28094943"/>
+            <a:off x="12870180" y="873762"/>
+            <a:ext cx="18402300" cy="18729962"/>
           </a:xfrm>
         </p:spPr>
         <p:txBody>
           <a:bodyPr/>
           <a:lstStyle>
             <a:lvl1pPr>
-              <a:defRPr sz="15400"/>
+              <a:defRPr sz="11000"/>
             </a:lvl1pPr>
             <a:lvl2pPr>
-              <a:defRPr sz="13400"/>
+              <a:defRPr sz="9600"/>
             </a:lvl2pPr>
             <a:lvl3pPr>
-              <a:defRPr sz="11500"/>
+              <a:defRPr sz="8200"/>
             </a:lvl3pPr>
             <a:lvl4pPr>
-              <a:defRPr sz="9700"/>
+              <a:defRPr sz="6900"/>
             </a:lvl4pPr>
             <a:lvl5pPr>
-              <a:defRPr sz="9700"/>
+              <a:defRPr sz="6900"/>
             </a:lvl5pPr>
             <a:lvl6pPr>
-              <a:defRPr sz="9700"/>
+              <a:defRPr sz="6900"/>
             </a:lvl6pPr>
             <a:lvl7pPr>
-              <a:defRPr sz="9700"/>
+              <a:defRPr sz="6900"/>
             </a:lvl7pPr>
             <a:lvl8pPr>
-              <a:defRPr sz="9700"/>
+              <a:defRPr sz="6900"/>
             </a:lvl8pPr>
             <a:lvl9pPr>
-              <a:defRPr sz="9700"/>
+              <a:defRPr sz="6900"/>
             </a:lvl9pPr>
           </a:lstStyle>
           <a:p>
@@ -2509,8 +2509,8 @@
         </p:nvSpPr>
         <p:spPr>
           <a:xfrm>
-            <a:off x="2194565" y="6888482"/>
-            <a:ext cx="14439903" cy="22517103"/>
+            <a:off x="1645924" y="4592322"/>
+            <a:ext cx="10829927" cy="15011402"/>
           </a:xfrm>
         </p:spPr>
         <p:txBody>
@@ -2518,39 +2518,39 @@
           <a:lstStyle>
             <a:lvl1pPr marL="0" indent="0">
               <a:buNone/>
-              <a:defRPr sz="6700"/>
+              <a:defRPr sz="4800"/>
             </a:lvl1pPr>
-            <a:lvl2pPr marL="2194514" indent="0">
+            <a:lvl2pPr marL="1567322" indent="0">
               <a:buNone/>
-              <a:defRPr sz="5700"/>
+              <a:defRPr sz="4100"/>
             </a:lvl2pPr>
-            <a:lvl3pPr marL="4389028" indent="0">
+            <a:lvl3pPr marL="3134644" indent="0">
               <a:buNone/>
-              <a:defRPr sz="4800"/>
+              <a:defRPr sz="3400"/>
             </a:lvl3pPr>
-            <a:lvl4pPr marL="6583543" indent="0">
+            <a:lvl4pPr marL="4701966" indent="0">
               <a:buNone/>
-              <a:defRPr sz="4300"/>
+              <a:defRPr sz="3100"/>
             </a:lvl4pPr>
-            <a:lvl5pPr marL="8778057" indent="0">
+            <a:lvl5pPr marL="6269288" indent="0">
               <a:buNone/>
-              <a:defRPr sz="4300"/>
+              <a:defRPr sz="3100"/>
             </a:lvl5pPr>
-            <a:lvl6pPr marL="10972571" indent="0">
+            <a:lvl6pPr marL="7836610" indent="0">
               <a:buNone/>
-              <a:defRPr sz="4300"/>
+              <a:defRPr sz="3100"/>
             </a:lvl6pPr>
-            <a:lvl7pPr marL="13167085" indent="0">
+            <a:lvl7pPr marL="9403932" indent="0">
               <a:buNone/>
-              <a:defRPr sz="4300"/>
+              <a:defRPr sz="3100"/>
             </a:lvl7pPr>
-            <a:lvl8pPr marL="15361599" indent="0">
+            <a:lvl8pPr marL="10971254" indent="0">
               <a:buNone/>
-              <a:defRPr sz="4300"/>
+              <a:defRPr sz="3100"/>
             </a:lvl8pPr>
-            <a:lvl9pPr marL="17556115" indent="0">
+            <a:lvl9pPr marL="12538577" indent="0">
               <a:buNone/>
-              <a:defRPr sz="4300"/>
+              <a:defRPr sz="3100"/>
             </a:lvl9pPr>
           </a:lstStyle>
           <a:p>
@@ -2580,7 +2580,7 @@
             <a:fld id="{B07B2FB9-680A-AF4E-8AA6-0FAA227F6367}" type="datetimeFigureOut">
               <a:rPr lang="en-US" smtClean="0"/>
               <a:pPr/>
-              <a:t>4/20/11</a:t>
+              <a:t>4/24/11</a:t>
             </a:fld>
             <a:endParaRPr lang="en-US"/>
           </a:p>
@@ -2666,15 +2666,15 @@
         </p:nvSpPr>
         <p:spPr>
           <a:xfrm>
-            <a:off x="8602983" y="23042881"/>
-            <a:ext cx="26334720" cy="2720343"/>
+            <a:off x="6452237" y="15361921"/>
+            <a:ext cx="19751040" cy="1813562"/>
           </a:xfrm>
         </p:spPr>
         <p:txBody>
           <a:bodyPr anchor="b"/>
           <a:lstStyle>
             <a:lvl1pPr algn="l">
-              <a:defRPr sz="9700" b="1"/>
+              <a:defRPr sz="6900" b="1"/>
             </a:lvl1pPr>
           </a:lstStyle>
           <a:p>
@@ -2698,8 +2698,8 @@
         </p:nvSpPr>
         <p:spPr>
           <a:xfrm>
-            <a:off x="8602983" y="2941320"/>
-            <a:ext cx="26334720" cy="19751040"/>
+            <a:off x="6452237" y="1960880"/>
+            <a:ext cx="19751040" cy="13167360"/>
           </a:xfrm>
         </p:spPr>
         <p:txBody>
@@ -2707,39 +2707,39 @@
           <a:lstStyle>
             <a:lvl1pPr marL="0" indent="0">
               <a:buNone/>
-              <a:defRPr sz="15400"/>
+              <a:defRPr sz="11000"/>
             </a:lvl1pPr>
-            <a:lvl2pPr marL="2194514" indent="0">
+            <a:lvl2pPr marL="1567322" indent="0">
               <a:buNone/>
-              <a:defRPr sz="13400"/>
+              <a:defRPr sz="9600"/>
             </a:lvl2pPr>
-            <a:lvl3pPr marL="4389028" indent="0">
+            <a:lvl3pPr marL="3134644" indent="0">
               <a:buNone/>
-              <a:defRPr sz="11500"/>
+              <a:defRPr sz="8200"/>
             </a:lvl3pPr>
-            <a:lvl4pPr marL="6583543" indent="0">
+            <a:lvl4pPr marL="4701966" indent="0">
               <a:buNone/>
-              <a:defRPr sz="9700"/>
+              <a:defRPr sz="6900"/>
             </a:lvl4pPr>
-            <a:lvl5pPr marL="8778057" indent="0">
+            <a:lvl5pPr marL="6269288" indent="0">
               <a:buNone/>
-              <a:defRPr sz="9700"/>
+              <a:defRPr sz="6900"/>
             </a:lvl5pPr>
-            <a:lvl6pPr marL="10972571" indent="0">
+            <a:lvl6pPr marL="7836610" indent="0">
               <a:buNone/>
-              <a:defRPr sz="9700"/>
+              <a:defRPr sz="6900"/>
             </a:lvl6pPr>
-            <a:lvl7pPr marL="13167085" indent="0">
+            <a:lvl7pPr marL="9403932" indent="0">
               <a:buNone/>
-              <a:defRPr sz="9700"/>
+              <a:defRPr sz="6900"/>
             </a:lvl7pPr>
-            <a:lvl8pPr marL="15361599" indent="0">
+            <a:lvl8pPr marL="10971254" indent="0">
               <a:buNone/>
-              <a:defRPr sz="9700"/>
+              <a:defRPr sz="6900"/>
             </a:lvl8pPr>
-            <a:lvl9pPr marL="17556115" indent="0">
+            <a:lvl9pPr marL="12538577" indent="0">
               <a:buNone/>
-              <a:defRPr sz="9700"/>
+              <a:defRPr sz="6900"/>
             </a:lvl9pPr>
           </a:lstStyle>
           <a:p>
@@ -2759,8 +2759,8 @@
         </p:nvSpPr>
         <p:spPr>
           <a:xfrm>
-            <a:off x="8602983" y="25763224"/>
-            <a:ext cx="26334720" cy="3863337"/>
+            <a:off x="6452237" y="17175483"/>
+            <a:ext cx="19751040" cy="2575558"/>
           </a:xfrm>
         </p:spPr>
         <p:txBody>
@@ -2768,39 +2768,39 @@
           <a:lstStyle>
             <a:lvl1pPr marL="0" indent="0">
               <a:buNone/>
-              <a:defRPr sz="6700"/>
+              <a:defRPr sz="4800"/>
             </a:lvl1pPr>
-            <a:lvl2pPr marL="2194514" indent="0">
+            <a:lvl2pPr marL="1567322" indent="0">
               <a:buNone/>
-              <a:defRPr sz="5700"/>
+              <a:defRPr sz="4100"/>
             </a:lvl2pPr>
-            <a:lvl3pPr marL="4389028" indent="0">
+            <a:lvl3pPr marL="3134644" indent="0">
               <a:buNone/>
-              <a:defRPr sz="4800"/>
+              <a:defRPr sz="3400"/>
             </a:lvl3pPr>
-            <a:lvl4pPr marL="6583543" indent="0">
+            <a:lvl4pPr marL="4701966" indent="0">
               <a:buNone/>
-              <a:defRPr sz="4300"/>
+              <a:defRPr sz="3100"/>
             </a:lvl4pPr>
-            <a:lvl5pPr marL="8778057" indent="0">
+            <a:lvl5pPr marL="6269288" indent="0">
               <a:buNone/>
-              <a:defRPr sz="4300"/>
+              <a:defRPr sz="3100"/>
             </a:lvl5pPr>
-            <a:lvl6pPr marL="10972571" indent="0">
+            <a:lvl6pPr marL="7836610" indent="0">
               <a:buNone/>
-              <a:defRPr sz="4300"/>
+              <a:defRPr sz="3100"/>
             </a:lvl6pPr>
-            <a:lvl7pPr marL="13167085" indent="0">
+            <a:lvl7pPr marL="9403932" indent="0">
               <a:buNone/>
-              <a:defRPr sz="4300"/>
+              <a:defRPr sz="3100"/>
             </a:lvl7pPr>
-            <a:lvl8pPr marL="15361599" indent="0">
+            <a:lvl8pPr marL="10971254" indent="0">
               <a:buNone/>
-              <a:defRPr sz="4300"/>
+              <a:defRPr sz="3100"/>
             </a:lvl8pPr>
-            <a:lvl9pPr marL="17556115" indent="0">
+            <a:lvl9pPr marL="12538577" indent="0">
               <a:buNone/>
-              <a:defRPr sz="4300"/>
+              <a:defRPr sz="3100"/>
             </a:lvl9pPr>
           </a:lstStyle>
           <a:p>
@@ -2830,7 +2830,7 @@
             <a:fld id="{B07B2FB9-680A-AF4E-8AA6-0FAA227F6367}" type="datetimeFigureOut">
               <a:rPr lang="en-US" smtClean="0"/>
               <a:pPr/>
-              <a:t>4/20/11</a:t>
+              <a:t>4/24/11</a:t>
             </a:fld>
             <a:endParaRPr lang="en-US"/>
           </a:p>
@@ -2921,15 +2921,15 @@
         </p:nvSpPr>
         <p:spPr>
           <a:xfrm>
-            <a:off x="2194560" y="1318263"/>
-            <a:ext cx="39502080" cy="5486400"/>
+            <a:off x="1645920" y="878842"/>
+            <a:ext cx="29626560" cy="3657600"/>
           </a:xfrm>
           <a:prstGeom prst="rect">
             <a:avLst/>
           </a:prstGeom>
         </p:spPr>
         <p:txBody>
-          <a:bodyPr vert="horz" lIns="438903" tIns="219451" rIns="438903" bIns="219451" rtlCol="0" anchor="ctr">
+          <a:bodyPr vert="horz" lIns="313465" tIns="156732" rIns="313465" bIns="156732" rtlCol="0" anchor="ctr">
             <a:normAutofit/>
           </a:bodyPr>
           <a:lstStyle/>
@@ -2954,15 +2954,15 @@
         </p:nvSpPr>
         <p:spPr>
           <a:xfrm>
-            <a:off x="2194560" y="7680962"/>
-            <a:ext cx="39502080" cy="21724623"/>
+            <a:off x="1645920" y="5120642"/>
+            <a:ext cx="29626560" cy="14483082"/>
           </a:xfrm>
           <a:prstGeom prst="rect">
             <a:avLst/>
           </a:prstGeom>
         </p:spPr>
         <p:txBody>
-          <a:bodyPr vert="horz" lIns="438903" tIns="219451" rIns="438903" bIns="219451" rtlCol="0">
+          <a:bodyPr vert="horz" lIns="313465" tIns="156732" rIns="313465" bIns="156732" rtlCol="0">
             <a:normAutofit/>
           </a:bodyPr>
           <a:lstStyle/>
@@ -3016,18 +3016,18 @@
         </p:nvSpPr>
         <p:spPr>
           <a:xfrm>
-            <a:off x="2194560" y="30510483"/>
-            <a:ext cx="10241280" cy="1752600"/>
+            <a:off x="1645920" y="20340322"/>
+            <a:ext cx="7680960" cy="1168400"/>
           </a:xfrm>
           <a:prstGeom prst="rect">
             <a:avLst/>
           </a:prstGeom>
         </p:spPr>
         <p:txBody>
-          <a:bodyPr vert="horz" lIns="438903" tIns="219451" rIns="438903" bIns="219451" rtlCol="0" anchor="ctr"/>
+          <a:bodyPr vert="horz" lIns="313465" tIns="156732" rIns="313465" bIns="156732" rtlCol="0" anchor="ctr"/>
           <a:lstStyle>
             <a:lvl1pPr algn="l">
-              <a:defRPr sz="5700">
+              <a:defRPr sz="4100">
                 <a:solidFill>
                   <a:schemeClr val="tx1">
                     <a:tint val="75000"/>
@@ -3040,7 +3040,7 @@
             <a:fld id="{B07B2FB9-680A-AF4E-8AA6-0FAA227F6367}" type="datetimeFigureOut">
               <a:rPr lang="en-US" smtClean="0"/>
               <a:pPr/>
-              <a:t>4/20/11</a:t>
+              <a:t>4/24/11</a:t>
             </a:fld>
             <a:endParaRPr lang="en-US"/>
           </a:p>
@@ -3058,18 +3058,18 @@
         </p:nvSpPr>
         <p:spPr>
           <a:xfrm>
-            <a:off x="14996160" y="30510483"/>
-            <a:ext cx="13898880" cy="1752600"/>
+            <a:off x="11247120" y="20340322"/>
+            <a:ext cx="10424160" cy="1168400"/>
           </a:xfrm>
           <a:prstGeom prst="rect">
             <a:avLst/>
           </a:prstGeom>
         </p:spPr>
         <p:txBody>
-          <a:bodyPr vert="horz" lIns="438903" tIns="219451" rIns="438903" bIns="219451" rtlCol="0" anchor="ctr"/>
+          <a:bodyPr vert="horz" lIns="313465" tIns="156732" rIns="313465" bIns="156732" rtlCol="0" anchor="ctr"/>
           <a:lstStyle>
             <a:lvl1pPr algn="ctr">
-              <a:defRPr sz="5700">
+              <a:defRPr sz="4100">
                 <a:solidFill>
                   <a:schemeClr val="tx1">
                     <a:tint val="75000"/>
@@ -3095,18 +3095,18 @@
         </p:nvSpPr>
         <p:spPr>
           <a:xfrm>
-            <a:off x="31455360" y="30510483"/>
-            <a:ext cx="10241280" cy="1752600"/>
+            <a:off x="23591520" y="20340322"/>
+            <a:ext cx="7680960" cy="1168400"/>
           </a:xfrm>
           <a:prstGeom prst="rect">
             <a:avLst/>
           </a:prstGeom>
         </p:spPr>
         <p:txBody>
-          <a:bodyPr vert="horz" lIns="438903" tIns="219451" rIns="438903" bIns="219451" rtlCol="0" anchor="ctr"/>
+          <a:bodyPr vert="horz" lIns="313465" tIns="156732" rIns="313465" bIns="156732" rtlCol="0" anchor="ctr"/>
           <a:lstStyle>
             <a:lvl1pPr algn="r">
-              <a:defRPr sz="5700">
+              <a:defRPr sz="4100">
                 <a:solidFill>
                   <a:schemeClr val="tx1">
                     <a:tint val="75000"/>
@@ -3143,12 +3143,12 @@
   </p:sldLayoutIdLst>
   <p:txStyles>
     <p:titleStyle>
-      <a:lvl1pPr algn="ctr" defTabSz="2194514" rtl="0" eaLnBrk="1" latinLnBrk="0" hangingPunct="1">
+      <a:lvl1pPr algn="ctr" defTabSz="1567322" rtl="0" eaLnBrk="1" latinLnBrk="0" hangingPunct="1">
         <a:spcBef>
           <a:spcPct val="0"/>
         </a:spcBef>
         <a:buNone/>
-        <a:defRPr sz="21100" kern="1200">
+        <a:defRPr sz="15100" kern="1200">
           <a:solidFill>
             <a:schemeClr val="tx1"/>
           </a:solidFill>
@@ -3159,13 +3159,13 @@
       </a:lvl1pPr>
     </p:titleStyle>
     <p:bodyStyle>
-      <a:lvl1pPr marL="1645886" indent="-1645886" algn="l" defTabSz="2194514" rtl="0" eaLnBrk="1" latinLnBrk="0" hangingPunct="1">
+      <a:lvl1pPr marL="1175492" indent="-1175492" algn="l" defTabSz="1567322" rtl="0" eaLnBrk="1" latinLnBrk="0" hangingPunct="1">
         <a:spcBef>
           <a:spcPct val="20000"/>
         </a:spcBef>
         <a:buFont typeface="Arial"/>
         <a:buChar char="•"/>
-        <a:defRPr sz="15400" kern="1200">
+        <a:defRPr sz="11000" kern="1200">
           <a:solidFill>
             <a:schemeClr val="tx1"/>
           </a:solidFill>
@@ -3174,13 +3174,13 @@
           <a:cs typeface="+mn-cs"/>
         </a:defRPr>
       </a:lvl1pPr>
-      <a:lvl2pPr marL="3566086" indent="-1371572" algn="l" defTabSz="2194514" rtl="0" eaLnBrk="1" latinLnBrk="0" hangingPunct="1">
+      <a:lvl2pPr marL="2546899" indent="-979577" algn="l" defTabSz="1567322" rtl="0" eaLnBrk="1" latinLnBrk="0" hangingPunct="1">
         <a:spcBef>
           <a:spcPct val="20000"/>
         </a:spcBef>
         <a:buFont typeface="Arial"/>
         <a:buChar char="–"/>
-        <a:defRPr sz="13400" kern="1200">
+        <a:defRPr sz="9600" kern="1200">
           <a:solidFill>
             <a:schemeClr val="tx1"/>
           </a:solidFill>
@@ -3189,13 +3189,13 @@
           <a:cs typeface="+mn-cs"/>
         </a:defRPr>
       </a:lvl2pPr>
-      <a:lvl3pPr marL="5486286" indent="-1097257" algn="l" defTabSz="2194514" rtl="0" eaLnBrk="1" latinLnBrk="0" hangingPunct="1">
+      <a:lvl3pPr marL="3918305" indent="-783661" algn="l" defTabSz="1567322" rtl="0" eaLnBrk="1" latinLnBrk="0" hangingPunct="1">
         <a:spcBef>
           <a:spcPct val="20000"/>
         </a:spcBef>
         <a:buFont typeface="Arial"/>
         <a:buChar char="•"/>
-        <a:defRPr sz="11500" kern="1200">
+        <a:defRPr sz="8200" kern="1200">
           <a:solidFill>
             <a:schemeClr val="tx1"/>
           </a:solidFill>
@@ -3204,13 +3204,13 @@
           <a:cs typeface="+mn-cs"/>
         </a:defRPr>
       </a:lvl3pPr>
-      <a:lvl4pPr marL="7680800" indent="-1097257" algn="l" defTabSz="2194514" rtl="0" eaLnBrk="1" latinLnBrk="0" hangingPunct="1">
+      <a:lvl4pPr marL="5485627" indent="-783661" algn="l" defTabSz="1567322" rtl="0" eaLnBrk="1" latinLnBrk="0" hangingPunct="1">
         <a:spcBef>
           <a:spcPct val="20000"/>
         </a:spcBef>
         <a:buFont typeface="Arial"/>
         <a:buChar char="–"/>
-        <a:defRPr sz="9700" kern="1200">
+        <a:defRPr sz="6900" kern="1200">
           <a:solidFill>
             <a:schemeClr val="tx1"/>
           </a:solidFill>
@@ -3219,13 +3219,13 @@
           <a:cs typeface="+mn-cs"/>
         </a:defRPr>
       </a:lvl4pPr>
-      <a:lvl5pPr marL="9875314" indent="-1097257" algn="l" defTabSz="2194514" rtl="0" eaLnBrk="1" latinLnBrk="0" hangingPunct="1">
+      <a:lvl5pPr marL="7052949" indent="-783661" algn="l" defTabSz="1567322" rtl="0" eaLnBrk="1" latinLnBrk="0" hangingPunct="1">
         <a:spcBef>
           <a:spcPct val="20000"/>
         </a:spcBef>
         <a:buFont typeface="Arial"/>
         <a:buChar char="»"/>
-        <a:defRPr sz="9700" kern="1200">
+        <a:defRPr sz="6900" kern="1200">
           <a:solidFill>
             <a:schemeClr val="tx1"/>
           </a:solidFill>
@@ -3234,13 +3234,13 @@
           <a:cs typeface="+mn-cs"/>
         </a:defRPr>
       </a:lvl5pPr>
-      <a:lvl6pPr marL="12069828" indent="-1097257" algn="l" defTabSz="2194514" rtl="0" eaLnBrk="1" latinLnBrk="0" hangingPunct="1">
+      <a:lvl6pPr marL="8620271" indent="-783661" algn="l" defTabSz="1567322" rtl="0" eaLnBrk="1" latinLnBrk="0" hangingPunct="1">
         <a:spcBef>
           <a:spcPct val="20000"/>
         </a:spcBef>
         <a:buFont typeface="Arial"/>
         <a:buChar char="•"/>
-        <a:defRPr sz="9700" kern="1200">
+        <a:defRPr sz="6900" kern="1200">
           <a:solidFill>
             <a:schemeClr val="tx1"/>
           </a:solidFill>
@@ -3249,13 +3249,13 @@
           <a:cs typeface="+mn-cs"/>
         </a:defRPr>
       </a:lvl6pPr>
-      <a:lvl7pPr marL="14264342" indent="-1097257" algn="l" defTabSz="2194514" rtl="0" eaLnBrk="1" latinLnBrk="0" hangingPunct="1">
+      <a:lvl7pPr marL="10187593" indent="-783661" algn="l" defTabSz="1567322" rtl="0" eaLnBrk="1" latinLnBrk="0" hangingPunct="1">
         <a:spcBef>
           <a:spcPct val="20000"/>
         </a:spcBef>
         <a:buFont typeface="Arial"/>
         <a:buChar char="•"/>
-        <a:defRPr sz="9700" kern="1200">
+        <a:defRPr sz="6900" kern="1200">
           <a:solidFill>
             <a:schemeClr val="tx1"/>
           </a:solidFill>
@@ -3264,13 +3264,13 @@
           <a:cs typeface="+mn-cs"/>
         </a:defRPr>
       </a:lvl7pPr>
-      <a:lvl8pPr marL="16458858" indent="-1097257" algn="l" defTabSz="2194514" rtl="0" eaLnBrk="1" latinLnBrk="0" hangingPunct="1">
+      <a:lvl8pPr marL="11754916" indent="-783661" algn="l" defTabSz="1567322" rtl="0" eaLnBrk="1" latinLnBrk="0" hangingPunct="1">
         <a:spcBef>
           <a:spcPct val="20000"/>
         </a:spcBef>
         <a:buFont typeface="Arial"/>
         <a:buChar char="•"/>
-        <a:defRPr sz="9700" kern="1200">
+        <a:defRPr sz="6900" kern="1200">
           <a:solidFill>
             <a:schemeClr val="tx1"/>
           </a:solidFill>
@@ -3279,13 +3279,13 @@
           <a:cs typeface="+mn-cs"/>
         </a:defRPr>
       </a:lvl8pPr>
-      <a:lvl9pPr marL="18653372" indent="-1097257" algn="l" defTabSz="2194514" rtl="0" eaLnBrk="1" latinLnBrk="0" hangingPunct="1">
+      <a:lvl9pPr marL="13322238" indent="-783661" algn="l" defTabSz="1567322" rtl="0" eaLnBrk="1" latinLnBrk="0" hangingPunct="1">
         <a:spcBef>
           <a:spcPct val="20000"/>
         </a:spcBef>
         <a:buFont typeface="Arial"/>
         <a:buChar char="•"/>
-        <a:defRPr sz="9700" kern="1200">
+        <a:defRPr sz="6900" kern="1200">
           <a:solidFill>
             <a:schemeClr val="tx1"/>
           </a:solidFill>
@@ -3299,8 +3299,8 @@
       <a:defPPr>
         <a:defRPr lang="en-US"/>
       </a:defPPr>
-      <a:lvl1pPr marL="0" algn="l" defTabSz="2194514" rtl="0" eaLnBrk="1" latinLnBrk="0" hangingPunct="1">
-        <a:defRPr sz="8700" kern="1200">
+      <a:lvl1pPr marL="0" algn="l" defTabSz="1567322" rtl="0" eaLnBrk="1" latinLnBrk="0" hangingPunct="1">
+        <a:defRPr sz="6200" kern="1200">
           <a:solidFill>
             <a:schemeClr val="tx1"/>
           </a:solidFill>
@@ -3309,8 +3309,8 @@
           <a:cs typeface="+mn-cs"/>
         </a:defRPr>
       </a:lvl1pPr>
-      <a:lvl2pPr marL="2194514" algn="l" defTabSz="2194514" rtl="0" eaLnBrk="1" latinLnBrk="0" hangingPunct="1">
-        <a:defRPr sz="8700" kern="1200">
+      <a:lvl2pPr marL="1567322" algn="l" defTabSz="1567322" rtl="0" eaLnBrk="1" latinLnBrk="0" hangingPunct="1">
+        <a:defRPr sz="6200" kern="1200">
           <a:solidFill>
             <a:schemeClr val="tx1"/>
           </a:solidFill>
@@ -3319,8 +3319,8 @@
           <a:cs typeface="+mn-cs"/>
         </a:defRPr>
       </a:lvl2pPr>
-      <a:lvl3pPr marL="4389028" algn="l" defTabSz="2194514" rtl="0" eaLnBrk="1" latinLnBrk="0" hangingPunct="1">
-        <a:defRPr sz="8700" kern="1200">
+      <a:lvl3pPr marL="3134644" algn="l" defTabSz="1567322" rtl="0" eaLnBrk="1" latinLnBrk="0" hangingPunct="1">
+        <a:defRPr sz="6200" kern="1200">
           <a:solidFill>
             <a:schemeClr val="tx1"/>
           </a:solidFill>
@@ -3329,8 +3329,8 @@
           <a:cs typeface="+mn-cs"/>
         </a:defRPr>
       </a:lvl3pPr>
-      <a:lvl4pPr marL="6583543" algn="l" defTabSz="2194514" rtl="0" eaLnBrk="1" latinLnBrk="0" hangingPunct="1">
-        <a:defRPr sz="8700" kern="1200">
+      <a:lvl4pPr marL="4701966" algn="l" defTabSz="1567322" rtl="0" eaLnBrk="1" latinLnBrk="0" hangingPunct="1">
+        <a:defRPr sz="6200" kern="1200">
           <a:solidFill>
             <a:schemeClr val="tx1"/>
           </a:solidFill>
@@ -3339,8 +3339,8 @@
           <a:cs typeface="+mn-cs"/>
         </a:defRPr>
       </a:lvl4pPr>
-      <a:lvl5pPr marL="8778057" algn="l" defTabSz="2194514" rtl="0" eaLnBrk="1" latinLnBrk="0" hangingPunct="1">
-        <a:defRPr sz="8700" kern="1200">
+      <a:lvl5pPr marL="6269288" algn="l" defTabSz="1567322" rtl="0" eaLnBrk="1" latinLnBrk="0" hangingPunct="1">
+        <a:defRPr sz="6200" kern="1200">
           <a:solidFill>
             <a:schemeClr val="tx1"/>
           </a:solidFill>
@@ -3349,8 +3349,8 @@
           <a:cs typeface="+mn-cs"/>
         </a:defRPr>
       </a:lvl5pPr>
-      <a:lvl6pPr marL="10972571" algn="l" defTabSz="2194514" rtl="0" eaLnBrk="1" latinLnBrk="0" hangingPunct="1">
-        <a:defRPr sz="8700" kern="1200">
+      <a:lvl6pPr marL="7836610" algn="l" defTabSz="1567322" rtl="0" eaLnBrk="1" latinLnBrk="0" hangingPunct="1">
+        <a:defRPr sz="6200" kern="1200">
           <a:solidFill>
             <a:schemeClr val="tx1"/>
           </a:solidFill>
@@ -3359,8 +3359,8 @@
           <a:cs typeface="+mn-cs"/>
         </a:defRPr>
       </a:lvl6pPr>
-      <a:lvl7pPr marL="13167085" algn="l" defTabSz="2194514" rtl="0" eaLnBrk="1" latinLnBrk="0" hangingPunct="1">
-        <a:defRPr sz="8700" kern="1200">
+      <a:lvl7pPr marL="9403932" algn="l" defTabSz="1567322" rtl="0" eaLnBrk="1" latinLnBrk="0" hangingPunct="1">
+        <a:defRPr sz="6200" kern="1200">
           <a:solidFill>
             <a:schemeClr val="tx1"/>
           </a:solidFill>
@@ -3369,8 +3369,8 @@
           <a:cs typeface="+mn-cs"/>
         </a:defRPr>
       </a:lvl7pPr>
-      <a:lvl8pPr marL="15361599" algn="l" defTabSz="2194514" rtl="0" eaLnBrk="1" latinLnBrk="0" hangingPunct="1">
-        <a:defRPr sz="8700" kern="1200">
+      <a:lvl8pPr marL="10971254" algn="l" defTabSz="1567322" rtl="0" eaLnBrk="1" latinLnBrk="0" hangingPunct="1">
+        <a:defRPr sz="6200" kern="1200">
           <a:solidFill>
             <a:schemeClr val="tx1"/>
           </a:solidFill>
@@ -3379,8 +3379,8 @@
           <a:cs typeface="+mn-cs"/>
         </a:defRPr>
       </a:lvl8pPr>
-      <a:lvl9pPr marL="17556115" algn="l" defTabSz="2194514" rtl="0" eaLnBrk="1" latinLnBrk="0" hangingPunct="1">
-        <a:defRPr sz="8700" kern="1200">
+      <a:lvl9pPr marL="12538577" algn="l" defTabSz="1567322" rtl="0" eaLnBrk="1" latinLnBrk="0" hangingPunct="1">
+        <a:defRPr sz="6200" kern="1200">
           <a:solidFill>
             <a:schemeClr val="tx1"/>
           </a:solidFill>
@@ -3419,8 +3419,8 @@
         </p:nvGrpSpPr>
         <p:grpSpPr>
           <a:xfrm>
-            <a:off x="29968107" y="28147667"/>
-            <a:ext cx="11656808" cy="2984016"/>
+            <a:off x="22476080" y="18765111"/>
+            <a:ext cx="8742606" cy="1989344"/>
             <a:chOff x="30374476" y="27690467"/>
             <a:chExt cx="11656808" cy="2984016"/>
           </a:xfrm>
@@ -3458,12 +3458,9 @@
             </a:bodyPr>
             <a:lstStyle/>
             <a:p>
-              <a:pPr marL="273050" marR="0" lvl="0" indent="-273050" algn="l" defTabSz="914400" rtl="0" eaLnBrk="1" fontAlgn="base" latinLnBrk="0" hangingPunct="1">
-                <a:lnSpc>
-                  <a:spcPct val="100000"/>
-                </a:lnSpc>
+              <a:pPr marL="195012" indent="-195012" defTabSz="653064" fontAlgn="base">
                 <a:spcBef>
-                  <a:spcPts val="575"/>
+                  <a:spcPts val="411"/>
                 </a:spcBef>
                 <a:spcAft>
                   <a:spcPct val="0"/>
@@ -3474,60 +3471,24 @@
                 <a:buSzPct val="85000"/>
                 <a:buFont typeface="Wingdings 2" charset="2"/>
                 <a:buChar char=""/>
-                <a:tabLst/>
                 <a:defRPr/>
               </a:pPr>
               <a:r>
-                <a:rPr kumimoji="0" lang="en-US" sz="2200" b="0" i="0" u="none" strike="noStrike" kern="1200" cap="none" spc="0" normalizeH="0" baseline="0" noProof="0" dirty="0" smtClean="0">
-                  <a:ln>
-                    <a:noFill/>
-                  </a:ln>
-                  <a:effectLst/>
-                  <a:uLnTx/>
-                  <a:uFillTx/>
-                  <a:latin typeface="+mn-lt"/>
+                <a:rPr lang="en-US" sz="1600" dirty="0" smtClean="0">
                   <a:ea typeface="ＭＳ Ｐゴシック" charset="-128"/>
                   <a:cs typeface="ＭＳ Ｐゴシック" charset="-128"/>
                 </a:rPr>
-                <a:t>Frequent</a:t>
+                <a:t>Frequent Itemset Mining on Graphics Processors, Fang et al., </a:t>
               </a:r>
               <a:r>
-                <a:rPr kumimoji="0" lang="en-US" sz="2200" b="0" i="0" u="none" strike="noStrike" kern="1200" cap="none" spc="0" normalizeH="0" noProof="0" dirty="0" smtClean="0">
-                  <a:ln>
-                    <a:noFill/>
-                  </a:ln>
-                  <a:effectLst/>
-                  <a:uLnTx/>
-                  <a:uFillTx/>
-                  <a:latin typeface="+mn-lt"/>
-                  <a:ea typeface="ＭＳ Ｐゴシック" charset="-128"/>
-                  <a:cs typeface="ＭＳ Ｐゴシック" charset="-128"/>
-                </a:rPr>
-                <a:t> Itemset Mining on Graphics Processors, Fang et al., </a:t>
-              </a:r>
-              <a:r>
-                <a:rPr kumimoji="0" lang="en-US" sz="2200" b="0" i="0" u="none" strike="noStrike" kern="1200" cap="none" spc="0" normalizeH="0" noProof="0" dirty="0" err="1" smtClean="0">
-                  <a:ln>
-                    <a:noFill/>
-                  </a:ln>
-                  <a:effectLst/>
-                  <a:uLnTx/>
-                  <a:uFillTx/>
-                  <a:latin typeface="+mn-lt"/>
+                <a:rPr lang="en-US" sz="1600" dirty="0" err="1" smtClean="0">
                   <a:ea typeface="ＭＳ Ｐゴシック" charset="-128"/>
                   <a:cs typeface="ＭＳ Ｐゴシック" charset="-128"/>
                 </a:rPr>
                 <a:t>DaMoN</a:t>
               </a:r>
               <a:r>
-                <a:rPr kumimoji="0" lang="en-US" sz="2200" b="0" i="0" u="none" strike="noStrike" kern="1200" cap="none" spc="0" normalizeH="0" noProof="0" dirty="0" smtClean="0">
-                  <a:ln>
-                    <a:noFill/>
-                  </a:ln>
-                  <a:effectLst/>
-                  <a:uLnTx/>
-                  <a:uFillTx/>
-                  <a:latin typeface="+mn-lt"/>
+                <a:rPr lang="en-US" sz="1600" dirty="0" smtClean="0">
                   <a:ea typeface="ＭＳ Ｐゴシック" charset="-128"/>
                   <a:cs typeface="ＭＳ Ｐゴシック" charset="-128"/>
                 </a:rPr>
@@ -3535,12 +3496,9 @@
               </a:r>
             </a:p>
             <a:p>
-              <a:pPr marL="273050" marR="0" lvl="0" indent="-273050" algn="l" defTabSz="914400" rtl="0" eaLnBrk="1" fontAlgn="base" latinLnBrk="0" hangingPunct="1">
-                <a:lnSpc>
-                  <a:spcPct val="100000"/>
-                </a:lnSpc>
+              <a:pPr marL="195012" indent="-195012" defTabSz="653064" fontAlgn="base">
                 <a:spcBef>
-                  <a:spcPts val="575"/>
+                  <a:spcPts val="411"/>
                 </a:spcBef>
                 <a:spcAft>
                   <a:spcPct val="0"/>
@@ -3551,32 +3509,24 @@
                 <a:buSzPct val="85000"/>
                 <a:buFont typeface="Wingdings 2" charset="2"/>
                 <a:buChar char=""/>
-                <a:tabLst/>
                 <a:defRPr/>
               </a:pPr>
               <a:r>
-                <a:rPr lang="en-US" sz="2200" baseline="0" dirty="0" smtClean="0">
+                <a:rPr lang="en-US" sz="1600" dirty="0" smtClean="0">
                   <a:ea typeface="ＭＳ Ｐゴシック" charset="-128"/>
                   <a:cs typeface="ＭＳ Ｐゴシック" charset="-128"/>
                 </a:rPr>
-                <a:t>Turbo-charging</a:t>
+                <a:t>Turbo-charging Vertical Mining of Large Databases, </a:t>
               </a:r>
               <a:r>
-                <a:rPr lang="en-US" sz="2200" dirty="0" smtClean="0">
-                  <a:ea typeface="ＭＳ Ｐゴシック" charset="-128"/>
-                  <a:cs typeface="ＭＳ Ｐゴシック" charset="-128"/>
-                </a:rPr>
-                <a:t> Vertical Mining of Large Databases, </a:t>
-              </a:r>
-              <a:r>
-                <a:rPr lang="en-US" sz="2200" dirty="0" err="1" smtClean="0">
+                <a:rPr lang="en-US" sz="1600" dirty="0" err="1" smtClean="0">
                   <a:ea typeface="ＭＳ Ｐゴシック" charset="-128"/>
                   <a:cs typeface="ＭＳ Ｐゴシック" charset="-128"/>
                 </a:rPr>
                 <a:t>Shenoy</a:t>
               </a:r>
               <a:r>
-                <a:rPr lang="en-US" sz="2200" dirty="0" smtClean="0">
+                <a:rPr lang="en-US" sz="1600" dirty="0" smtClean="0">
                   <a:ea typeface="ＭＳ Ｐゴシック" charset="-128"/>
                   <a:cs typeface="ＭＳ Ｐゴシック" charset="-128"/>
                 </a:rPr>
@@ -3584,12 +3534,9 @@
               </a:r>
             </a:p>
             <a:p>
-              <a:pPr marL="273050" marR="0" lvl="0" indent="-273050" algn="l" defTabSz="914400" rtl="0" eaLnBrk="1" fontAlgn="base" latinLnBrk="0" hangingPunct="1">
-                <a:lnSpc>
-                  <a:spcPct val="100000"/>
-                </a:lnSpc>
+              <a:pPr marL="195012" indent="-195012" defTabSz="653064" fontAlgn="base">
                 <a:spcBef>
-                  <a:spcPts val="575"/>
+                  <a:spcPts val="411"/>
                 </a:spcBef>
                 <a:spcAft>
                   <a:spcPct val="0"/>
@@ -3600,60 +3547,24 @@
                 <a:buSzPct val="85000"/>
                 <a:buFont typeface="Wingdings 2" charset="2"/>
                 <a:buChar char=""/>
-                <a:tabLst/>
                 <a:defRPr/>
               </a:pPr>
               <a:r>
-                <a:rPr kumimoji="0" lang="en-US" sz="2200" b="0" i="0" u="none" strike="noStrike" kern="1200" cap="none" spc="0" normalizeH="0" baseline="0" noProof="0" dirty="0" smtClean="0">
-                  <a:ln>
-                    <a:noFill/>
-                  </a:ln>
-                  <a:effectLst/>
-                  <a:uLnTx/>
-                  <a:uFillTx/>
-                  <a:latin typeface="+mn-lt"/>
+                <a:rPr lang="en-US" sz="1600" dirty="0" smtClean="0">
                   <a:ea typeface="ＭＳ Ｐゴシック" charset="-128"/>
                   <a:cs typeface="ＭＳ Ｐゴシック" charset="-128"/>
                 </a:rPr>
-                <a:t>NVIDIA Tesla: A Unified Graphics and Computing Architecture,</a:t>
+                <a:t>NVIDIA Tesla: A Unified Graphics and Computing Architecture, </a:t>
               </a:r>
               <a:r>
-                <a:rPr kumimoji="0" lang="en-US" sz="2200" b="0" i="0" u="none" strike="noStrike" kern="1200" cap="none" spc="0" normalizeH="0" noProof="0" dirty="0" smtClean="0">
-                  <a:ln>
-                    <a:noFill/>
-                  </a:ln>
-                  <a:effectLst/>
-                  <a:uLnTx/>
-                  <a:uFillTx/>
-                  <a:latin typeface="+mn-lt"/>
-                  <a:ea typeface="ＭＳ Ｐゴシック" charset="-128"/>
-                  <a:cs typeface="ＭＳ Ｐゴシック" charset="-128"/>
-                </a:rPr>
-                <a:t> </a:t>
-              </a:r>
-              <a:r>
-                <a:rPr kumimoji="0" lang="en-US" sz="2200" b="0" i="0" u="none" strike="noStrike" kern="1200" cap="none" spc="0" normalizeH="0" noProof="0" dirty="0" err="1" smtClean="0">
-                  <a:ln>
-                    <a:noFill/>
-                  </a:ln>
-                  <a:effectLst/>
-                  <a:uLnTx/>
-                  <a:uFillTx/>
-                  <a:latin typeface="+mn-lt"/>
+                <a:rPr lang="en-US" sz="1600" dirty="0" err="1" smtClean="0">
                   <a:ea typeface="ＭＳ Ｐゴシック" charset="-128"/>
                   <a:cs typeface="ＭＳ Ｐゴシック" charset="-128"/>
                 </a:rPr>
                 <a:t>Lindholm</a:t>
               </a:r>
               <a:r>
-                <a:rPr kumimoji="0" lang="en-US" sz="2200" b="0" i="0" u="none" strike="noStrike" kern="1200" cap="none" spc="0" normalizeH="0" noProof="0" dirty="0" smtClean="0">
-                  <a:ln>
-                    <a:noFill/>
-                  </a:ln>
-                  <a:effectLst/>
-                  <a:uLnTx/>
-                  <a:uFillTx/>
-                  <a:latin typeface="+mn-lt"/>
+                <a:rPr lang="en-US" sz="1600" dirty="0" smtClean="0">
                   <a:ea typeface="ＭＳ Ｐゴシック" charset="-128"/>
                   <a:cs typeface="ＭＳ Ｐゴシック" charset="-128"/>
                 </a:rPr>
@@ -3661,12 +3572,9 @@
               </a:r>
             </a:p>
             <a:p>
-              <a:pPr marL="273050" marR="0" lvl="0" indent="-273050" algn="l" defTabSz="914400" rtl="0" eaLnBrk="1" fontAlgn="base" latinLnBrk="0" hangingPunct="1">
-                <a:lnSpc>
-                  <a:spcPct val="100000"/>
-                </a:lnSpc>
+              <a:pPr marL="195012" indent="-195012" defTabSz="653064" fontAlgn="base">
                 <a:spcBef>
-                  <a:spcPts val="575"/>
+                  <a:spcPts val="411"/>
                 </a:spcBef>
                 <a:spcAft>
                   <a:spcPct val="0"/>
@@ -3677,35 +3585,20 @@
                 <a:buSzPct val="85000"/>
                 <a:buFont typeface="Wingdings 2" charset="2"/>
                 <a:buChar char=""/>
-                <a:tabLst/>
                 <a:defRPr/>
               </a:pPr>
               <a:r>
-                <a:rPr lang="en-US" sz="2200" dirty="0" smtClean="0">
+                <a:rPr lang="en-US" sz="1600" dirty="0" smtClean="0">
                   <a:ea typeface="ＭＳ Ｐゴシック" charset="-128"/>
                   <a:cs typeface="ＭＳ Ｐゴシック" charset="-128"/>
                 </a:rPr>
                 <a:t>An Efficient Compression Scheme For Bitmap Indices, Wu et al., TR  LBNL-49626, 2004.</a:t>
               </a:r>
-              <a:endParaRPr kumimoji="0" lang="en-US" sz="2200" b="0" i="0" u="none" strike="noStrike" kern="1200" cap="none" spc="0" normalizeH="0" noProof="0" dirty="0" smtClean="0">
-                <a:ln>
-                  <a:noFill/>
-                </a:ln>
-                <a:effectLst/>
-                <a:uLnTx/>
-                <a:uFillTx/>
-                <a:latin typeface="+mn-lt"/>
-                <a:ea typeface="ＭＳ Ｐゴシック" charset="-128"/>
-                <a:cs typeface="ＭＳ Ｐゴシック" charset="-128"/>
-              </a:endParaRPr>
             </a:p>
             <a:p>
-              <a:pPr marL="273050" marR="0" lvl="0" indent="-273050" algn="l" defTabSz="914400" rtl="0" eaLnBrk="1" fontAlgn="base" latinLnBrk="0" hangingPunct="1">
-                <a:lnSpc>
-                  <a:spcPct val="100000"/>
-                </a:lnSpc>
+              <a:pPr marL="195012" indent="-195012" defTabSz="653064" fontAlgn="base">
                 <a:spcBef>
-                  <a:spcPts val="575"/>
+                  <a:spcPts val="411"/>
                 </a:spcBef>
                 <a:spcAft>
                   <a:spcPct val="0"/>
@@ -3716,17 +3609,9 @@
                 <a:buSzPct val="85000"/>
                 <a:buFont typeface="Wingdings 2" charset="2"/>
                 <a:buChar char=""/>
-                <a:tabLst/>
                 <a:defRPr/>
               </a:pPr>
-              <a:endParaRPr kumimoji="0" lang="en-US" sz="2200" b="0" i="0" u="none" strike="noStrike" kern="1200" cap="none" spc="0" normalizeH="0" baseline="0" noProof="0" dirty="0" smtClean="0">
-                <a:ln>
-                  <a:noFill/>
-                </a:ln>
-                <a:effectLst/>
-                <a:uLnTx/>
-                <a:uFillTx/>
-                <a:latin typeface="+mn-lt"/>
+              <a:endParaRPr lang="en-US" sz="1600" dirty="0" smtClean="0">
                 <a:ea typeface="ＭＳ Ｐゴシック" charset="-128"/>
                 <a:cs typeface="ＭＳ Ｐゴシック" charset="-128"/>
               </a:endParaRPr>
@@ -3765,31 +3650,17 @@
             </a:bodyPr>
             <a:lstStyle/>
             <a:p>
-              <a:pPr marL="0" marR="0" lvl="0" indent="0" defTabSz="914400" rtl="0" eaLnBrk="1" fontAlgn="base" latinLnBrk="0" hangingPunct="1">
-                <a:lnSpc>
-                  <a:spcPct val="100000"/>
-                </a:lnSpc>
+              <a:pPr defTabSz="653064" fontAlgn="base">
                 <a:spcBef>
                   <a:spcPct val="0"/>
                 </a:spcBef>
                 <a:spcAft>
                   <a:spcPct val="0"/>
                 </a:spcAft>
-                <a:buClrTx/>
-                <a:buSzTx/>
-                <a:buFontTx/>
-                <a:buNone/>
-                <a:tabLst/>
                 <a:defRPr/>
               </a:pPr>
               <a:r>
-                <a:rPr kumimoji="0" lang="en-US" sz="3600" b="0" i="0" u="none" strike="noStrike" kern="1200" cap="none" spc="0" normalizeH="0" baseline="0" noProof="0" dirty="0" smtClean="0">
-                  <a:ln>
-                    <a:noFill/>
-                  </a:ln>
-                  <a:effectLst/>
-                  <a:uLnTx/>
-                  <a:uFillTx/>
+                <a:rPr lang="en-US" sz="2600" dirty="0" smtClean="0">
                   <a:latin typeface="Franklin Gothic Book"/>
                   <a:ea typeface="ＭＳ Ｐゴシック" charset="-128"/>
                   <a:cs typeface="ＭＳ Ｐゴシック" charset="-128"/>
@@ -3808,8 +3679,8 @@
         </p:nvGrpSpPr>
         <p:grpSpPr>
           <a:xfrm>
-            <a:off x="1156085" y="5510049"/>
-            <a:ext cx="13480369" cy="10500148"/>
+            <a:off x="867064" y="3673366"/>
+            <a:ext cx="10110277" cy="7000098"/>
             <a:chOff x="1156084" y="3977189"/>
             <a:chExt cx="13480369" cy="10500148"/>
           </a:xfrm>
@@ -3854,7 +3725,7 @@
             <a:lstStyle/>
             <a:p>
               <a:pPr algn="ctr"/>
-              <a:endParaRPr lang="en-US" sz="1800"/>
+              <a:endParaRPr lang="en-US" sz="1300" dirty="0"/>
             </a:p>
           </p:txBody>
         </p:sp>
@@ -3890,48 +3761,23 @@
             </a:bodyPr>
             <a:lstStyle/>
             <a:p>
-              <a:pPr marL="0" marR="0" lvl="0" indent="0" algn="ctr" defTabSz="914400" rtl="0" eaLnBrk="1" fontAlgn="base" latinLnBrk="0" hangingPunct="1">
-                <a:lnSpc>
-                  <a:spcPct val="100000"/>
-                </a:lnSpc>
+              <a:pPr algn="ctr" defTabSz="653064" fontAlgn="base">
                 <a:spcBef>
                   <a:spcPct val="0"/>
                 </a:spcBef>
                 <a:spcAft>
                   <a:spcPct val="0"/>
                 </a:spcAft>
-                <a:buClrTx/>
-                <a:buSzTx/>
-                <a:buFontTx/>
-                <a:buNone/>
-                <a:tabLst/>
                 <a:defRPr/>
               </a:pPr>
               <a:r>
-                <a:rPr kumimoji="0" lang="en-US" sz="3600" b="1" i="0" u="none" strike="noStrike" kern="1200" cap="none" spc="0" normalizeH="0" baseline="0" noProof="0" dirty="0" smtClean="0">
-                  <a:ln>
-                    <a:noFill/>
-                  </a:ln>
-                  <a:effectLst/>
-                  <a:uLnTx/>
-                  <a:uFillTx/>
+                <a:rPr lang="en-US" sz="2600" b="1" dirty="0" smtClean="0">
                   <a:latin typeface="Franklin Gothic Book"/>
                   <a:ea typeface="ＭＳ Ｐゴシック" charset="-128"/>
                   <a:cs typeface="ＭＳ Ｐゴシック" charset="-128"/>
                 </a:rPr>
                 <a:t>Task Parallelism</a:t>
               </a:r>
-              <a:endParaRPr kumimoji="0" lang="en-US" sz="3600" b="1" i="0" u="none" strike="noStrike" kern="1200" cap="none" spc="0" normalizeH="0" baseline="0" noProof="0" dirty="0" smtClean="0">
-                <a:ln>
-                  <a:noFill/>
-                </a:ln>
-                <a:effectLst/>
-                <a:uLnTx/>
-                <a:uFillTx/>
-                <a:latin typeface="Franklin Gothic Book"/>
-                <a:ea typeface="ＭＳ Ｐゴシック" charset="-128"/>
-                <a:cs typeface="ＭＳ Ｐゴシック" charset="-128"/>
-              </a:endParaRPr>
             </a:p>
           </p:txBody>
         </p:sp>
@@ -3944,7 +3790,7 @@
           <p:spPr>
             <a:xfrm>
               <a:off x="1487545" y="5044787"/>
-              <a:ext cx="7941898" cy="6924972"/>
+              <a:ext cx="7634061" cy="7571303"/>
             </a:xfrm>
             <a:prstGeom prst="rect">
               <a:avLst/>
@@ -3958,7 +3804,7 @@
             <a:lstStyle/>
             <a:p>
               <a:r>
-                <a:rPr lang="en-US" sz="2400" b="1" dirty="0" err="1" smtClean="0">
+                <a:rPr lang="en-US" sz="1700" b="1" dirty="0" err="1" smtClean="0">
                   <a:solidFill>
                     <a:srgbClr val="000090"/>
                   </a:solidFill>
@@ -3968,7 +3814,7 @@
                 <a:t>struct</a:t>
               </a:r>
               <a:r>
-                <a:rPr lang="en-US" sz="2400" b="1" dirty="0" smtClean="0">
+                <a:rPr lang="en-US" sz="1700" b="1" dirty="0" smtClean="0">
                   <a:solidFill>
                     <a:srgbClr val="000090"/>
                   </a:solidFill>
@@ -3978,7 +3824,7 @@
                 <a:t> </a:t>
               </a:r>
               <a:r>
-                <a:rPr lang="en-US" sz="2400" dirty="0" smtClean="0">
+                <a:rPr lang="en-US" sz="1700" dirty="0" smtClean="0">
                   <a:latin typeface="Monaco"/>
                   <a:cs typeface="Monaco"/>
                 </a:rPr>
@@ -3987,100 +3833,51 @@
             </a:p>
             <a:p>
               <a:r>
-                <a:rPr lang="en-US" sz="2400" dirty="0" smtClean="0">
+                <a:rPr lang="en-US" sz="1700" dirty="0" smtClean="0">
                   <a:latin typeface="Monaco"/>
                   <a:cs typeface="Monaco"/>
                 </a:rPr>
                 <a:t> </a:t>
               </a:r>
               <a:r>
-                <a:rPr lang="en-US" sz="2400" dirty="0" err="1" smtClean="0">
+                <a:rPr lang="en-US" sz="1700" dirty="0" err="1" smtClean="0">
                   <a:latin typeface="Monaco"/>
                   <a:cs typeface="Monaco"/>
                 </a:rPr>
                 <a:t>fibonacci</a:t>
               </a:r>
               <a:r>
-                <a:rPr lang="en-US" sz="2400" dirty="0" smtClean="0">
+                <a:rPr lang="en-US" sz="1700" dirty="0" smtClean="0">
+                  <a:latin typeface="Monaco"/>
+                  <a:cs typeface="Monaco"/>
+                </a:rPr>
+                <a:t> (const </a:t>
+              </a:r>
+              <a:r>
+                <a:rPr lang="en-US" sz="1700" dirty="0" err="1" smtClean="0">
+                  <a:latin typeface="Monaco"/>
+                  <a:cs typeface="Monaco"/>
+                </a:rPr>
+                <a:t>int</a:t>
+              </a:r>
+              <a:r>
+                <a:rPr lang="en-US" sz="1700" dirty="0" smtClean="0">
+                  <a:latin typeface="Monaco"/>
+                  <a:cs typeface="Monaco"/>
+                </a:rPr>
+                <a:t>&amp; n):(n),answer(0){}</a:t>
+              </a:r>
+            </a:p>
+            <a:p>
+              <a:r>
+                <a:rPr lang="en-US" sz="1700" b="1" dirty="0" smtClean="0">
                   <a:latin typeface="Monaco"/>
                   <a:cs typeface="Monaco"/>
                 </a:rPr>
                 <a:t> </a:t>
               </a:r>
               <a:r>
-                <a:rPr lang="en-US" sz="2400" dirty="0" smtClean="0">
-                  <a:latin typeface="Monaco"/>
-                  <a:cs typeface="Monaco"/>
-                </a:rPr>
-                <a:t>(const </a:t>
-              </a:r>
-              <a:r>
-                <a:rPr lang="en-US" sz="2400" dirty="0" err="1" smtClean="0">
-                  <a:latin typeface="Monaco"/>
-                  <a:cs typeface="Monaco"/>
-                </a:rPr>
-                <a:t>int</a:t>
-              </a:r>
-              <a:r>
-                <a:rPr lang="en-US" sz="2400" dirty="0" smtClean="0">
-                  <a:latin typeface="Monaco"/>
-                  <a:cs typeface="Monaco"/>
-                </a:rPr>
-                <a:t>&amp; n</a:t>
-              </a:r>
-              <a:r>
-                <a:rPr lang="en-US" sz="2400" dirty="0" smtClean="0">
-                  <a:latin typeface="Monaco"/>
-                  <a:cs typeface="Monaco"/>
-                </a:rPr>
-                <a:t>):(</a:t>
-              </a:r>
-              <a:r>
-                <a:rPr lang="en-US" sz="2400" dirty="0" smtClean="0">
-                  <a:latin typeface="Monaco"/>
-                  <a:cs typeface="Monaco"/>
-                </a:rPr>
-                <a:t>n)</a:t>
-              </a:r>
-              <a:r>
-                <a:rPr lang="en-US" sz="2400" dirty="0" smtClean="0">
-                  <a:latin typeface="Monaco"/>
-                  <a:cs typeface="Monaco"/>
-                </a:rPr>
-                <a:t>,answer</a:t>
-              </a:r>
-              <a:r>
-                <a:rPr lang="en-US" sz="2400" dirty="0" smtClean="0">
-                  <a:latin typeface="Monaco"/>
-                  <a:cs typeface="Monaco"/>
-                </a:rPr>
-                <a:t>(0</a:t>
-              </a:r>
-              <a:r>
-                <a:rPr lang="en-US" sz="2400" dirty="0" smtClean="0">
-                  <a:latin typeface="Monaco"/>
-                  <a:cs typeface="Monaco"/>
-                </a:rPr>
-                <a:t>){</a:t>
-              </a:r>
-              <a:r>
-                <a:rPr lang="en-US" sz="2400" dirty="0" smtClean="0">
-                  <a:latin typeface="Monaco"/>
-                  <a:cs typeface="Monaco"/>
-                </a:rPr>
-                <a:t>}</a:t>
-              </a:r>
-            </a:p>
-            <a:p>
-              <a:r>
-                <a:rPr lang="en-US" sz="2400" b="1" dirty="0" smtClean="0">
-                  <a:latin typeface="Monaco"/>
-                  <a:cs typeface="Monaco"/>
-                </a:rPr>
-                <a:t> </a:t>
-              </a:r>
-              <a:r>
-                <a:rPr lang="en-US" sz="2400" b="1" dirty="0" smtClean="0">
+                <a:rPr lang="en-US" sz="1700" b="1" dirty="0" smtClean="0">
                   <a:solidFill>
                     <a:srgbClr val="000090"/>
                   </a:solidFill>
@@ -4090,7 +3887,7 @@
                 <a:t>void </a:t>
               </a:r>
               <a:r>
-                <a:rPr lang="en-US" sz="2400" dirty="0" smtClean="0">
+                <a:rPr lang="en-US" sz="1700" dirty="0" smtClean="0">
                   <a:solidFill>
                     <a:srgbClr val="000090"/>
                   </a:solidFill>
@@ -4100,7 +3897,7 @@
                 <a:t>operator </a:t>
               </a:r>
               <a:r>
-                <a:rPr lang="en-US" sz="2400" dirty="0" smtClean="0">
+                <a:rPr lang="en-US" sz="1700" dirty="0" smtClean="0">
                   <a:latin typeface="Monaco"/>
                   <a:cs typeface="Monaco"/>
                 </a:rPr>
@@ -4109,14 +3906,14 @@
             </a:p>
             <a:p>
               <a:r>
-                <a:rPr lang="en-US" sz="2400" dirty="0" smtClean="0">
+                <a:rPr lang="en-US" sz="1700" dirty="0" smtClean="0">
                   <a:latin typeface="Monaco"/>
                   <a:cs typeface="Monaco"/>
                 </a:rPr>
                 <a:t>  </a:t>
               </a:r>
               <a:r>
-                <a:rPr lang="en-US" sz="2400" b="1" dirty="0" smtClean="0">
+                <a:rPr lang="en-US" sz="1700" b="1" dirty="0" smtClean="0">
                   <a:solidFill>
                     <a:srgbClr val="000090"/>
                   </a:solidFill>
@@ -4126,7 +3923,7 @@
                 <a:t>if </a:t>
               </a:r>
               <a:r>
-                <a:rPr lang="en-US" sz="2400" dirty="0" smtClean="0">
+                <a:rPr lang="en-US" sz="1700" dirty="0" smtClean="0">
                   <a:latin typeface="Monaco"/>
                   <a:cs typeface="Monaco"/>
                 </a:rPr>
@@ -4135,21 +3932,14 @@
             </a:p>
             <a:p>
               <a:r>
-                <a:rPr lang="en-US" sz="2400" dirty="0" smtClean="0">
+                <a:rPr lang="en-US" sz="1700" dirty="0" smtClean="0">
                   <a:latin typeface="Monaco"/>
                   <a:cs typeface="Monaco"/>
                 </a:rPr>
-                <a:t> </a:t>
+                <a:t>  </a:t>
               </a:r>
               <a:r>
-                <a:rPr lang="en-US" sz="2400" dirty="0" smtClean="0">
-                  <a:latin typeface="Monaco"/>
-                  <a:cs typeface="Monaco"/>
-                </a:rPr>
-                <a:t> </a:t>
-              </a:r>
-              <a:r>
-                <a:rPr lang="en-US" sz="2400" b="1" dirty="0" smtClean="0">
+                <a:rPr lang="en-US" sz="1700" b="1" dirty="0" smtClean="0">
                   <a:solidFill>
                     <a:srgbClr val="000090"/>
                   </a:solidFill>
@@ -4159,7 +3949,7 @@
                 <a:t>else </a:t>
               </a:r>
               <a:r>
-                <a:rPr lang="en-US" sz="2400" dirty="0" smtClean="0">
+                <a:rPr lang="en-US" sz="1700" dirty="0" smtClean="0">
                   <a:latin typeface="Monaco"/>
                   <a:cs typeface="Monaco"/>
                 </a:rPr>
@@ -4168,71 +3958,53 @@
             </a:p>
             <a:p>
               <a:r>
-                <a:rPr lang="en-US" sz="2400" dirty="0" smtClean="0">
+                <a:rPr lang="en-US" sz="1700" dirty="0" smtClean="0">
                   <a:latin typeface="Monaco"/>
                   <a:cs typeface="Monaco"/>
                 </a:rPr>
-                <a:t>  </a:t>
+                <a:t>   task </a:t>
               </a:r>
               <a:r>
-                <a:rPr lang="en-US" sz="2400" dirty="0" smtClean="0">
-                  <a:latin typeface="Monaco"/>
-                  <a:cs typeface="Monaco"/>
-                </a:rPr>
-                <a:t> task </a:t>
-              </a:r>
-              <a:r>
-                <a:rPr lang="en-US" sz="2400" dirty="0" err="1" smtClean="0">
+                <a:rPr lang="en-US" sz="1700" dirty="0" err="1" smtClean="0">
                   <a:latin typeface="Monaco"/>
                   <a:cs typeface="Monaco"/>
                 </a:rPr>
                 <a:t>fib_task</a:t>
               </a:r>
               <a:r>
-                <a:rPr lang="en-US" sz="2400" dirty="0" smtClean="0">
+                <a:rPr lang="en-US" sz="1700" dirty="0" smtClean="0">
                   <a:latin typeface="Monaco"/>
                   <a:cs typeface="Monaco"/>
                 </a:rPr>
                 <a:t>; </a:t>
               </a:r>
-              <a:endParaRPr lang="en-US" sz="2400" dirty="0" smtClean="0">
-                <a:latin typeface="Monaco"/>
-                <a:cs typeface="Monaco"/>
-              </a:endParaRPr>
             </a:p>
             <a:p>
               <a:r>
-                <a:rPr lang="en-US" sz="2400" dirty="0" smtClean="0">
+                <a:rPr lang="en-US" sz="1700" dirty="0" smtClean="0">
                   <a:latin typeface="Monaco"/>
                   <a:cs typeface="Monaco"/>
                 </a:rPr>
                 <a:t>   </a:t>
               </a:r>
               <a:r>
-                <a:rPr lang="en-US" sz="2400" dirty="0" err="1" smtClean="0">
+                <a:rPr lang="en-US" sz="1700" dirty="0" err="1" smtClean="0">
                   <a:latin typeface="Monaco"/>
                   <a:cs typeface="Monaco"/>
                 </a:rPr>
                 <a:t>fibonacci</a:t>
               </a:r>
               <a:r>
-                <a:rPr lang="en-US" sz="2400" dirty="0" smtClean="0">
+                <a:rPr lang="en-US" sz="1700" dirty="0" smtClean="0">
                   <a:latin typeface="Monaco"/>
                   <a:cs typeface="Monaco"/>
                 </a:rPr>
-                <a:t> </a:t>
-              </a:r>
-              <a:r>
-                <a:rPr lang="en-US" sz="2400" dirty="0" smtClean="0">
-                  <a:latin typeface="Monaco"/>
-                  <a:cs typeface="Monaco"/>
-                </a:rPr>
-                <a:t>fib_n_1 (n−1), fib_n_2 (n−2);</a:t>
+                <a:t> fib_n_1 (n−1), fib_n_2 (n−2);</a:t>
               </a:r>
             </a:p>
             <a:p>
               <a:r>
-                <a:rPr lang="en-US" sz="2400" dirty="0" smtClean="0">
+                <a:rPr lang="en-US" sz="1700" dirty="0" smtClean="0">
                   <a:solidFill>
                     <a:srgbClr val="0000FF"/>
                   </a:solidFill>
@@ -4241,17 +4013,10 @@
                 </a:rPr>
                 <a:t>      </a:t>
               </a:r>
-              <a:endParaRPr lang="en-US" sz="2400" dirty="0" smtClean="0">
-                <a:solidFill>
-                  <a:srgbClr val="0000FF"/>
-                </a:solidFill>
-                <a:latin typeface="Monaco"/>
-                <a:cs typeface="Monaco"/>
-              </a:endParaRPr>
             </a:p>
             <a:p>
               <a:r>
-                <a:rPr lang="en-US" sz="2800" dirty="0" smtClean="0">
+                <a:rPr lang="en-US" sz="2000" dirty="0" smtClean="0">
                   <a:solidFill>
                     <a:srgbClr val="0000FF"/>
                   </a:solidFill>
@@ -4261,47 +4026,27 @@
                 <a:t>   </a:t>
               </a:r>
               <a:r>
-                <a:rPr lang="en-US" sz="2800" dirty="0" err="1" smtClean="0">
+                <a:rPr lang="en-US" sz="2000" dirty="0" err="1" smtClean="0">
                   <a:solidFill>
                     <a:srgbClr val="0000FF"/>
                   </a:solidFill>
                   <a:latin typeface="Monaco"/>
                   <a:cs typeface="Monaco"/>
                 </a:rPr>
-                <a:t>pfunc</a:t>
+                <a:t>pfunc::spawn</a:t>
               </a:r>
               <a:r>
-                <a:rPr lang="en-US" sz="2800" dirty="0" err="1" smtClean="0">
+                <a:rPr lang="en-US" sz="2000" dirty="0" smtClean="0">
                   <a:solidFill>
                     <a:srgbClr val="0000FF"/>
                   </a:solidFill>
                   <a:latin typeface="Monaco"/>
                   <a:cs typeface="Monaco"/>
                 </a:rPr>
-                <a:t>::spawn</a:t>
+                <a:t> (</a:t>
               </a:r>
               <a:r>
-                <a:rPr lang="en-US" sz="2800" dirty="0" smtClean="0">
-                  <a:solidFill>
-                    <a:srgbClr val="0000FF"/>
-                  </a:solidFill>
-                  <a:latin typeface="Monaco"/>
-                  <a:cs typeface="Monaco"/>
-                </a:rPr>
-                <a:t> </a:t>
-              </a:r>
-              <a:r>
-                <a:rPr lang="en-US" sz="2800" dirty="0" smtClean="0">
-                  <a:solidFill>
-                    <a:srgbClr val="0000FF"/>
-                  </a:solidFill>
-                  <a:latin typeface="Monaco"/>
-                  <a:cs typeface="Monaco"/>
-                </a:rPr>
-                <a:t>(</a:t>
-              </a:r>
-              <a:r>
-                <a:rPr lang="en-US" sz="2800" dirty="0" err="1" smtClean="0">
+                <a:rPr lang="en-US" sz="2000" dirty="0" err="1" smtClean="0">
                   <a:solidFill>
                     <a:srgbClr val="0000FF"/>
                   </a:solidFill>
@@ -4311,7 +4056,7 @@
                 <a:t>fib_task</a:t>
               </a:r>
               <a:r>
-                <a:rPr lang="en-US" sz="2800" dirty="0" smtClean="0">
+                <a:rPr lang="en-US" sz="2000" dirty="0" smtClean="0">
                   <a:solidFill>
                     <a:srgbClr val="0000FF"/>
                   </a:solidFill>
@@ -4320,46 +4065,22 @@
                 </a:rPr>
                 <a:t>, fib_n_1);</a:t>
               </a:r>
-              <a:endParaRPr lang="en-US" sz="2800" dirty="0" smtClean="0">
-                <a:solidFill>
-                  <a:srgbClr val="0000FF"/>
-                </a:solidFill>
-                <a:latin typeface="Monaco"/>
-                <a:cs typeface="Monaco"/>
-              </a:endParaRPr>
             </a:p>
             <a:p>
               <a:r>
-                <a:rPr lang="en-US" sz="2800" dirty="0" smtClean="0">
+                <a:rPr lang="en-US" sz="2000" dirty="0" smtClean="0">
                   <a:solidFill>
                     <a:srgbClr val="008000"/>
                   </a:solidFill>
                   <a:latin typeface="Monaco"/>
                   <a:cs typeface="Monaco"/>
                 </a:rPr>
-                <a:t>   fib_n_2</a:t>
+                <a:t>   fib_n_2(); </a:t>
               </a:r>
-              <a:r>
-                <a:rPr lang="en-US" sz="2800" dirty="0" smtClean="0">
-                  <a:solidFill>
-                    <a:srgbClr val="008000"/>
-                  </a:solidFill>
-                  <a:latin typeface="Monaco"/>
-                  <a:cs typeface="Monaco"/>
-                </a:rPr>
-                <a:t>(); </a:t>
-              </a:r>
-              <a:endParaRPr lang="en-US" sz="2800" dirty="0" smtClean="0">
-                <a:solidFill>
-                  <a:srgbClr val="008000"/>
-                </a:solidFill>
-                <a:latin typeface="Monaco"/>
-                <a:cs typeface="Monaco"/>
-              </a:endParaRPr>
             </a:p>
             <a:p>
               <a:r>
-                <a:rPr lang="en-US" sz="2800" dirty="0" smtClean="0">
+                <a:rPr lang="en-US" sz="2000" dirty="0" smtClean="0">
                   <a:solidFill>
                     <a:srgbClr val="0000FF"/>
                   </a:solidFill>
@@ -4369,47 +4090,27 @@
                 <a:t>   </a:t>
               </a:r>
               <a:r>
-                <a:rPr lang="en-US" sz="2800" dirty="0" err="1" smtClean="0">
+                <a:rPr lang="en-US" sz="2000" dirty="0" err="1" smtClean="0">
                   <a:solidFill>
                     <a:srgbClr val="0000FF"/>
                   </a:solidFill>
                   <a:latin typeface="Monaco"/>
                   <a:cs typeface="Monaco"/>
                 </a:rPr>
-                <a:t>pfunc</a:t>
+                <a:t>pfunc::wait</a:t>
               </a:r>
               <a:r>
-                <a:rPr lang="en-US" sz="2800" dirty="0" err="1" smtClean="0">
+                <a:rPr lang="en-US" sz="2000" dirty="0" smtClean="0">
                   <a:solidFill>
                     <a:srgbClr val="0000FF"/>
                   </a:solidFill>
                   <a:latin typeface="Monaco"/>
                   <a:cs typeface="Monaco"/>
                 </a:rPr>
-                <a:t>::wait</a:t>
+                <a:t> (</a:t>
               </a:r>
               <a:r>
-                <a:rPr lang="en-US" sz="2800" dirty="0" smtClean="0">
-                  <a:solidFill>
-                    <a:srgbClr val="0000FF"/>
-                  </a:solidFill>
-                  <a:latin typeface="Monaco"/>
-                  <a:cs typeface="Monaco"/>
-                </a:rPr>
-                <a:t> </a:t>
-              </a:r>
-              <a:r>
-                <a:rPr lang="en-US" sz="2800" dirty="0" smtClean="0">
-                  <a:solidFill>
-                    <a:srgbClr val="0000FF"/>
-                  </a:solidFill>
-                  <a:latin typeface="Monaco"/>
-                  <a:cs typeface="Monaco"/>
-                </a:rPr>
-                <a:t>(</a:t>
-              </a:r>
-              <a:r>
-                <a:rPr lang="en-US" sz="2800" dirty="0" err="1" smtClean="0">
+                <a:rPr lang="en-US" sz="2000" dirty="0" err="1" smtClean="0">
                   <a:solidFill>
                     <a:srgbClr val="0000FF"/>
                   </a:solidFill>
@@ -4419,7 +4120,7 @@
                 <a:t>fib_task</a:t>
               </a:r>
               <a:r>
-                <a:rPr lang="en-US" sz="2800" dirty="0" smtClean="0">
+                <a:rPr lang="en-US" sz="2000" dirty="0" smtClean="0">
                   <a:solidFill>
                     <a:srgbClr val="0000FF"/>
                   </a:solidFill>
@@ -4431,7 +4132,7 @@
             </a:p>
             <a:p>
               <a:r>
-                <a:rPr lang="en-US" sz="2400" dirty="0" smtClean="0">
+                <a:rPr lang="en-US" sz="1700" dirty="0" smtClean="0">
                   <a:latin typeface="Monaco"/>
                   <a:cs typeface="Monaco"/>
                 </a:rPr>
@@ -4440,64 +4141,25 @@
             </a:p>
             <a:p>
               <a:r>
-                <a:rPr lang="en-US" sz="2400" dirty="0" smtClean="0">
+                <a:rPr lang="en-US" sz="1700" dirty="0" smtClean="0">
                   <a:latin typeface="Monaco"/>
                   <a:cs typeface="Monaco"/>
                 </a:rPr>
-                <a:t>   </a:t>
-              </a:r>
-              <a:r>
-                <a:rPr lang="en-US" sz="2400" dirty="0" smtClean="0">
-                  <a:latin typeface="Monaco"/>
-                  <a:cs typeface="Monaco"/>
-                </a:rPr>
-                <a:t>answer=fib_n_1</a:t>
-              </a:r>
-              <a:r>
-                <a:rPr lang="en-US" sz="2400" dirty="0" smtClean="0">
-                  <a:latin typeface="Monaco"/>
-                  <a:cs typeface="Monaco"/>
-                </a:rPr>
-                <a:t>.</a:t>
-              </a:r>
-              <a:r>
-                <a:rPr lang="en-US" sz="2400" dirty="0" smtClean="0">
-                  <a:latin typeface="Monaco"/>
-                  <a:cs typeface="Monaco"/>
-                </a:rPr>
-                <a:t>answer+fib_n_2</a:t>
-              </a:r>
-              <a:r>
-                <a:rPr lang="en-US" sz="2400" dirty="0" smtClean="0">
-                  <a:latin typeface="Monaco"/>
-                  <a:cs typeface="Monaco"/>
-                </a:rPr>
-                <a:t>.answer;</a:t>
+                <a:t>   answer=fib_n_1.answer+fib_n_2.answer;</a:t>
               </a:r>
             </a:p>
             <a:p>
               <a:r>
-                <a:rPr lang="en-US" sz="2400" dirty="0" smtClean="0">
+                <a:rPr lang="en-US" sz="1700" dirty="0" smtClean="0">
                   <a:latin typeface="Monaco"/>
                   <a:cs typeface="Monaco"/>
                 </a:rPr>
-                <a:t> </a:t>
+                <a:t>  }</a:t>
               </a:r>
-              <a:r>
-                <a:rPr lang="en-US" sz="2400" dirty="0" smtClean="0">
-                  <a:latin typeface="Monaco"/>
-                  <a:cs typeface="Monaco"/>
-                </a:rPr>
-                <a:t> }</a:t>
-              </a:r>
-              <a:endParaRPr lang="en-US" sz="2400" dirty="0" smtClean="0">
-                <a:latin typeface="Monaco"/>
-                <a:cs typeface="Monaco"/>
-              </a:endParaRPr>
             </a:p>
             <a:p>
               <a:r>
-                <a:rPr lang="en-US" sz="2400" dirty="0" smtClean="0">
+                <a:rPr lang="en-US" sz="1700" dirty="0" smtClean="0">
                   <a:latin typeface="Monaco"/>
                   <a:cs typeface="Monaco"/>
                 </a:rPr>
@@ -4506,7 +4168,7 @@
             </a:p>
             <a:p>
               <a:r>
-                <a:rPr lang="en-US" sz="2400" b="1" dirty="0" smtClean="0">
+                <a:rPr lang="en-US" sz="1700" b="1" dirty="0" smtClean="0">
                   <a:solidFill>
                     <a:srgbClr val="000090"/>
                   </a:solidFill>
@@ -4516,7 +4178,7 @@
                 <a:t> </a:t>
               </a:r>
               <a:r>
-                <a:rPr lang="en-US" sz="2400" b="1" dirty="0" err="1" smtClean="0">
+                <a:rPr lang="en-US" sz="1700" b="1" dirty="0" err="1" smtClean="0">
                   <a:solidFill>
                     <a:srgbClr val="000090"/>
                   </a:solidFill>
@@ -4526,7 +4188,7 @@
                 <a:t>int</a:t>
               </a:r>
               <a:r>
-                <a:rPr lang="en-US" sz="2400" b="1" dirty="0" smtClean="0">
+                <a:rPr lang="en-US" sz="1700" b="1" dirty="0" smtClean="0">
                   <a:solidFill>
                     <a:srgbClr val="000090"/>
                   </a:solidFill>
@@ -4536,7 +4198,7 @@
                 <a:t> </a:t>
               </a:r>
               <a:r>
-                <a:rPr lang="en-US" sz="2400" dirty="0" smtClean="0">
+                <a:rPr lang="en-US" sz="1700" dirty="0" smtClean="0">
                   <a:latin typeface="Monaco"/>
                   <a:cs typeface="Monaco"/>
                 </a:rPr>
@@ -4545,14 +4207,14 @@
             </a:p>
             <a:p>
               <a:r>
-                <a:rPr lang="en-US" sz="2400" b="1" dirty="0" smtClean="0">
+                <a:rPr lang="en-US" sz="1700" b="1" dirty="0" smtClean="0">
                   <a:latin typeface="Monaco"/>
                   <a:cs typeface="Monaco"/>
                 </a:rPr>
                 <a:t> </a:t>
               </a:r>
               <a:r>
-                <a:rPr lang="en-US" sz="2400" b="1" dirty="0" smtClean="0">
+                <a:rPr lang="en-US" sz="1700" b="1" dirty="0" smtClean="0">
                   <a:solidFill>
                     <a:srgbClr val="000090"/>
                   </a:solidFill>
@@ -4562,7 +4224,7 @@
                 <a:t>const </a:t>
               </a:r>
               <a:r>
-                <a:rPr lang="en-US" sz="2400" b="1" dirty="0" err="1" smtClean="0">
+                <a:rPr lang="en-US" sz="1700" b="1" dirty="0" err="1" smtClean="0">
                   <a:solidFill>
                     <a:srgbClr val="000090"/>
                   </a:solidFill>
@@ -4572,7 +4234,7 @@
                 <a:t>int</a:t>
               </a:r>
               <a:r>
-                <a:rPr lang="en-US" sz="2400" b="1" dirty="0" smtClean="0">
+                <a:rPr lang="en-US" sz="1700" b="1" dirty="0" smtClean="0">
                   <a:solidFill>
                     <a:srgbClr val="000090"/>
                   </a:solidFill>
@@ -4582,7 +4244,7 @@
                 <a:t> </a:t>
               </a:r>
               <a:r>
-                <a:rPr lang="en-US" sz="2400" dirty="0" smtClean="0">
+                <a:rPr lang="en-US" sz="1700" dirty="0" smtClean="0">
                   <a:latin typeface="Monaco"/>
                   <a:cs typeface="Monaco"/>
                 </a:rPr>
@@ -4591,7 +4253,7 @@
             </a:p>
             <a:p>
               <a:r>
-                <a:rPr lang="en-US" sz="2400" dirty="0" smtClean="0">
+                <a:rPr lang="en-US" sz="1700" dirty="0" smtClean="0">
                   <a:latin typeface="Monaco"/>
                   <a:cs typeface="Monaco"/>
                 </a:rPr>
@@ -4616,7 +4278,7 @@
           </p:blipFill>
           <p:spPr>
             <a:xfrm>
-              <a:off x="9640723" y="6248310"/>
+              <a:off x="9380210" y="6590254"/>
               <a:ext cx="4635685" cy="3759119"/>
             </a:xfrm>
             <a:prstGeom prst="rect">
@@ -4632,10 +4294,10 @@
           </p:nvGrpSpPr>
           <p:grpSpPr>
             <a:xfrm>
-              <a:off x="1247823" y="11702481"/>
-              <a:ext cx="13388630" cy="2176941"/>
-              <a:chOff x="15709009" y="16219661"/>
-              <a:chExt cx="13388630" cy="2176941"/>
+              <a:off x="1247823" y="11995577"/>
+              <a:ext cx="13388630" cy="1981545"/>
+              <a:chOff x="15709009" y="16512757"/>
+              <a:chExt cx="13388630" cy="1981545"/>
             </a:xfrm>
           </p:grpSpPr>
           <p:sp>
@@ -4648,8 +4310,8 @@
             </p:nvSpPr>
             <p:spPr bwMode="auto">
               <a:xfrm>
-                <a:off x="16328533" y="16219661"/>
-                <a:ext cx="11656808" cy="655627"/>
+                <a:off x="16328533" y="16512757"/>
+                <a:ext cx="11656807" cy="655627"/>
               </a:xfrm>
               <a:prstGeom prst="rect">
                 <a:avLst/>
@@ -4670,88 +4332,32 @@
               </a:bodyPr>
               <a:lstStyle/>
               <a:p>
-                <a:pPr marL="0" marR="0" lvl="0" indent="0" algn="ctr" defTabSz="914400" rtl="0" eaLnBrk="1" fontAlgn="base" latinLnBrk="0" hangingPunct="1">
-                  <a:lnSpc>
-                    <a:spcPct val="100000"/>
-                  </a:lnSpc>
+                <a:pPr algn="ctr" defTabSz="653064" fontAlgn="base">
                   <a:spcBef>
                     <a:spcPct val="0"/>
                   </a:spcBef>
                   <a:spcAft>
                     <a:spcPct val="0"/>
                   </a:spcAft>
-                  <a:buClrTx/>
-                  <a:buSzTx/>
-                  <a:buFontTx/>
-                  <a:buNone/>
-                  <a:tabLst/>
                   <a:defRPr/>
                 </a:pPr>
                 <a:r>
-                  <a:rPr lang="en-US" sz="3600" b="1" dirty="0" smtClean="0">
+                  <a:rPr lang="en-US" sz="2600" b="1" dirty="0" smtClean="0">
                     <a:latin typeface="Franklin Gothic Book"/>
                     <a:ea typeface="ＭＳ Ｐゴシック" charset="-128"/>
                     <a:cs typeface="ＭＳ Ｐゴシック" charset="-128"/>
                   </a:rPr>
-                  <a:t>PFunc-specific</a:t>
+                  <a:t>PFunc-specific Features for Task P</a:t>
                 </a:r>
                 <a:r>
-                  <a:rPr kumimoji="0" lang="en-US" sz="3600" b="1" i="0" u="none" strike="noStrike" kern="1200" cap="none" spc="0" normalizeH="0" baseline="0" noProof="0" dirty="0" smtClean="0">
-                    <a:ln>
-                      <a:noFill/>
-                    </a:ln>
-                    <a:effectLst/>
-                    <a:uLnTx/>
-                    <a:uFillTx/>
-                    <a:latin typeface="Franklin Gothic Book"/>
-                    <a:ea typeface="ＭＳ Ｐゴシック" charset="-128"/>
-                    <a:cs typeface="ＭＳ Ｐゴシック" charset="-128"/>
-                  </a:rPr>
-                  <a:t> Features for Task</a:t>
-                </a:r>
-                <a:r>
-                  <a:rPr kumimoji="0" lang="en-US" sz="3600" b="1" i="0" u="none" strike="noStrike" kern="1200" cap="none" spc="0" normalizeH="0" noProof="0" dirty="0" smtClean="0">
-                    <a:ln>
-                      <a:noFill/>
-                    </a:ln>
-                    <a:effectLst/>
-                    <a:uLnTx/>
-                    <a:uFillTx/>
-                    <a:latin typeface="Franklin Gothic Book"/>
-                    <a:ea typeface="ＭＳ Ｐゴシック" charset="-128"/>
-                    <a:cs typeface="ＭＳ Ｐゴシック" charset="-128"/>
-                  </a:rPr>
-                  <a:t> </a:t>
-                </a:r>
-                <a:r>
-                  <a:rPr lang="en-US" sz="3600" b="1" dirty="0" smtClean="0">
-                    <a:latin typeface="Franklin Gothic Book"/>
-                    <a:ea typeface="ＭＳ Ｐゴシック" charset="-128"/>
-                    <a:cs typeface="ＭＳ Ｐゴシック" charset="-128"/>
-                  </a:rPr>
-                  <a:t>P</a:t>
-                </a:r>
-                <a:r>
-                  <a:rPr kumimoji="0" lang="en-US" sz="3600" b="1" i="0" u="none" strike="noStrike" kern="1200" cap="none" spc="0" normalizeH="0" noProof="0" dirty="0" err="1" smtClean="0">
-                    <a:ln>
-                      <a:noFill/>
-                    </a:ln>
-                    <a:effectLst/>
-                    <a:uLnTx/>
-                    <a:uFillTx/>
+                  <a:rPr lang="en-US" sz="2600" b="1" dirty="0" err="1" smtClean="0">
                     <a:latin typeface="Franklin Gothic Book"/>
                     <a:ea typeface="ＭＳ Ｐゴシック" charset="-128"/>
                     <a:cs typeface="ＭＳ Ｐゴシック" charset="-128"/>
                   </a:rPr>
                   <a:t>arallelism</a:t>
                 </a:r>
-                <a:endParaRPr kumimoji="0" lang="en-US" sz="3600" b="1" i="0" u="none" strike="noStrike" kern="1200" cap="none" spc="0" normalizeH="0" baseline="0" noProof="0" dirty="0" smtClean="0">
-                  <a:ln>
-                    <a:noFill/>
-                  </a:ln>
-                  <a:effectLst/>
-                  <a:uLnTx/>
-                  <a:uFillTx/>
+                <a:endParaRPr lang="en-US" sz="2600" b="1" dirty="0" smtClean="0">
                   <a:latin typeface="Franklin Gothic Book"/>
                   <a:ea typeface="ＭＳ Ｐゴシック" charset="-128"/>
                   <a:cs typeface="ＭＳ Ｐゴシック" charset="-128"/>
@@ -4769,7 +4375,7 @@
             </p:nvSpPr>
             <p:spPr bwMode="auto">
               <a:xfrm>
-                <a:off x="15709009" y="16898267"/>
+                <a:off x="15709009" y="16995967"/>
                 <a:ext cx="13388630" cy="1498335"/>
               </a:xfrm>
               <a:prstGeom prst="rect">
@@ -4792,62 +4398,9 @@
               </a:bodyPr>
               <a:lstStyle/>
               <a:p>
-                <a:pPr marL="273050" marR="0" lvl="0" indent="-273050" algn="ctr" defTabSz="914400" rtl="0" eaLnBrk="1" fontAlgn="base" latinLnBrk="0" hangingPunct="1">
-                  <a:lnSpc>
-                    <a:spcPct val="100000"/>
-                  </a:lnSpc>
+                <a:pPr marL="195012" indent="-195012" algn="ctr" defTabSz="653064" fontAlgn="base">
                   <a:spcBef>
-                    <a:spcPts val="575"/>
-                  </a:spcBef>
-                  <a:spcAft>
-                    <a:spcPct val="0"/>
-                  </a:spcAft>
-                  <a:buClr>
-                    <a:schemeClr val="accent1"/>
-                  </a:buClr>
-                  <a:buSzPct val="85000"/>
-                  <a:buFont typeface="Wingdings 2" charset="2"/>
-                  <a:buChar char=""/>
-                  <a:tabLst/>
-                  <a:defRPr/>
-                </a:pPr>
-                <a:r>
-                  <a:rPr kumimoji="0" lang="en-US" sz="3200" b="0" i="0" u="none" strike="noStrike" kern="1200" cap="none" spc="0" normalizeH="0" baseline="0" noProof="0" dirty="0" smtClean="0">
-                    <a:ln>
-                      <a:noFill/>
-                    </a:ln>
-                    <a:effectLst/>
-                    <a:uLnTx/>
-                    <a:uFillTx/>
-                    <a:latin typeface="+mn-lt"/>
-                    <a:ea typeface="ＭＳ Ｐゴシック" charset="-128"/>
-                    <a:cs typeface="ＭＳ Ｐゴシック" charset="-128"/>
-                  </a:rPr>
-                  <a:t>Spawn tasks on </a:t>
-                </a:r>
-                <a:r>
-                  <a:rPr lang="en-US" sz="3200" dirty="0" smtClean="0">
-                    <a:ea typeface="ＭＳ Ｐゴシック" charset="-128"/>
-                    <a:cs typeface="ＭＳ Ｐゴシック" charset="-128"/>
-                  </a:rPr>
-                  <a:t>specific queues.</a:t>
-                </a:r>
-                <a:endParaRPr kumimoji="0" lang="en-US" sz="3200" b="0" i="0" u="none" strike="noStrike" kern="1200" cap="none" spc="0" normalizeH="0" noProof="0" dirty="0" smtClean="0">
-                  <a:ln>
-                    <a:noFill/>
-                  </a:ln>
-                  <a:effectLst/>
-                  <a:uLnTx/>
-                  <a:uFillTx/>
-                  <a:latin typeface="+mn-lt"/>
-                  <a:ea typeface="ＭＳ Ｐゴシック" charset="-128"/>
-                  <a:cs typeface="ＭＳ Ｐゴシック" charset="-128"/>
-                </a:endParaRPr>
-              </a:p>
-              <a:p>
-                <a:pPr marL="273050" indent="-273050" algn="ctr" defTabSz="914400" fontAlgn="base">
-                  <a:spcBef>
-                    <a:spcPts val="575"/>
+                    <a:spcPts val="411"/>
                   </a:spcBef>
                   <a:spcAft>
                     <a:spcPct val="0"/>
@@ -4861,27 +4414,17 @@
                   <a:defRPr/>
                 </a:pPr>
                 <a:r>
-                  <a:rPr lang="en-US" sz="3200" dirty="0" smtClean="0">
+                  <a:rPr lang="en-US" sz="2300" dirty="0" smtClean="0">
                     <a:ea typeface="ＭＳ Ｐゴシック" charset="-128"/>
                     <a:cs typeface="ＭＳ Ｐゴシック" charset="-128"/>
                   </a:rPr>
-                  <a:t>Select from work-stealing to work-sharing at runtime</a:t>
-                </a:r>
-                <a:r>
-                  <a:rPr lang="en-US" sz="3200" dirty="0" smtClean="0">
-                    <a:ea typeface="ＭＳ Ｐゴシック" charset="-128"/>
-                    <a:cs typeface="ＭＳ Ｐゴシック" charset="-128"/>
-                  </a:rPr>
-                  <a:t>.</a:t>
+                  <a:t>Spawn tasks on specific queues.</a:t>
                 </a:r>
               </a:p>
               <a:p>
-                <a:pPr marL="273050" marR="0" lvl="0" indent="-273050" algn="ctr" defTabSz="914400" rtl="0" eaLnBrk="1" fontAlgn="base" latinLnBrk="0" hangingPunct="1">
-                  <a:lnSpc>
-                    <a:spcPct val="100000"/>
-                  </a:lnSpc>
+                <a:pPr marL="195012" indent="-195012" algn="ctr" defTabSz="653064" fontAlgn="base">
                   <a:spcBef>
-                    <a:spcPts val="575"/>
+                    <a:spcPts val="411"/>
                   </a:spcBef>
                   <a:spcAft>
                     <a:spcPct val="0"/>
@@ -4892,38 +4435,20 @@
                   <a:buSzPct val="85000"/>
                   <a:buFont typeface="Wingdings 2" charset="2"/>
                   <a:buChar char=""/>
-                  <a:tabLst/>
                   <a:defRPr/>
                 </a:pPr>
                 <a:r>
-                  <a:rPr lang="en-US" sz="3200" dirty="0" smtClean="0">
+                  <a:rPr lang="en-US" sz="2300" dirty="0" smtClean="0">
                     <a:ea typeface="ＭＳ Ｐゴシック" charset="-128"/>
                     <a:cs typeface="ＭＳ Ｐゴシック" charset="-128"/>
                   </a:rPr>
-                  <a:t>Tasks can have multiple parents; execute </a:t>
-                </a:r>
-                <a:r>
-                  <a:rPr lang="en-US" sz="3200" dirty="0" err="1" smtClean="0">
-                    <a:ea typeface="ＭＳ Ｐゴシック" charset="-128"/>
-                    <a:cs typeface="ＭＳ Ｐゴシック" charset="-128"/>
-                  </a:rPr>
-                  <a:t>DAGs</a:t>
-                </a:r>
-                <a:r>
-                  <a:rPr lang="en-US" sz="3200" dirty="0" smtClean="0">
-                    <a:ea typeface="ＭＳ Ｐゴシック" charset="-128"/>
-                    <a:cs typeface="ＭＳ Ｐゴシック" charset="-128"/>
-                  </a:rPr>
-                  <a:t> seamlessly!</a:t>
+                  <a:t>Select from work-stealing to work-sharing at runtime.</a:t>
                 </a:r>
               </a:p>
               <a:p>
-                <a:pPr marL="273050" marR="0" lvl="0" indent="-273050" algn="ctr" defTabSz="914400" rtl="0" eaLnBrk="1" fontAlgn="base" latinLnBrk="0" hangingPunct="1">
-                  <a:lnSpc>
-                    <a:spcPct val="100000"/>
-                  </a:lnSpc>
+                <a:pPr marL="195012" indent="-195012" algn="ctr" defTabSz="653064" fontAlgn="base">
                   <a:spcBef>
-                    <a:spcPts val="575"/>
+                    <a:spcPts val="411"/>
                   </a:spcBef>
                   <a:spcAft>
                     <a:spcPct val="0"/>
@@ -4934,10 +4459,47 @@
                   <a:buSzPct val="85000"/>
                   <a:buFont typeface="Wingdings 2" charset="2"/>
                   <a:buChar char=""/>
-                  <a:tabLst/>
                   <a:defRPr/>
                 </a:pPr>
-                <a:endParaRPr lang="en-US" sz="3200" dirty="0" smtClean="0">
+                <a:r>
+                  <a:rPr lang="en-US" sz="2300" dirty="0" smtClean="0">
+                    <a:ea typeface="ＭＳ Ｐゴシック" charset="-128"/>
+                    <a:cs typeface="ＭＳ Ｐゴシック" charset="-128"/>
+                  </a:rPr>
+                  <a:t>Tasks can have multiple parents; execute </a:t>
+                </a:r>
+                <a:r>
+                  <a:rPr lang="en-US" sz="2300" dirty="0" err="1" smtClean="0">
+                    <a:ea typeface="ＭＳ Ｐゴシック" charset="-128"/>
+                    <a:cs typeface="ＭＳ Ｐゴシック" charset="-128"/>
+                  </a:rPr>
+                  <a:t>DAGs</a:t>
+                </a:r>
+                <a:r>
+                  <a:rPr lang="en-US" sz="2300" dirty="0" smtClean="0">
+                    <a:ea typeface="ＭＳ Ｐゴシック" charset="-128"/>
+                    <a:cs typeface="ＭＳ Ｐゴシック" charset="-128"/>
+                  </a:rPr>
+                  <a:t> seamlessly!</a:t>
+                </a:r>
+              </a:p>
+              <a:p>
+                <a:pPr marL="195012" indent="-195012" algn="ctr" defTabSz="653064" fontAlgn="base">
+                  <a:spcBef>
+                    <a:spcPts val="411"/>
+                  </a:spcBef>
+                  <a:spcAft>
+                    <a:spcPct val="0"/>
+                  </a:spcAft>
+                  <a:buClr>
+                    <a:schemeClr val="accent1"/>
+                  </a:buClr>
+                  <a:buSzPct val="85000"/>
+                  <a:buFont typeface="Wingdings 2" charset="2"/>
+                  <a:buChar char=""/>
+                  <a:defRPr/>
+                </a:pPr>
+                <a:endParaRPr lang="en-US" sz="2300" dirty="0" smtClean="0">
                   <a:ea typeface="ＭＳ Ｐゴシック" charset="-128"/>
                   <a:cs typeface="ＭＳ Ｐゴシック" charset="-128"/>
                 </a:endParaRPr>
@@ -4955,8 +4517,8 @@
           </p:nvSpPr>
           <p:spPr bwMode="auto">
             <a:xfrm>
-              <a:off x="9741245" y="10027303"/>
-              <a:ext cx="4009652" cy="1447331"/>
+              <a:off x="9958340" y="10320399"/>
+              <a:ext cx="3665399" cy="805694"/>
             </a:xfrm>
             <a:prstGeom prst="rect">
               <a:avLst/>
@@ -4977,12 +4539,9 @@
             </a:bodyPr>
             <a:lstStyle/>
             <a:p>
-              <a:pPr marL="273050" marR="0" lvl="0" indent="-273050" algn="l" defTabSz="914400" rtl="0" eaLnBrk="1" fontAlgn="base" latinLnBrk="0" hangingPunct="1">
-                <a:lnSpc>
-                  <a:spcPct val="100000"/>
-                </a:lnSpc>
+              <a:pPr marL="195012" indent="-195012" defTabSz="653064" fontAlgn="base">
                 <a:spcBef>
-                  <a:spcPts val="600"/>
+                  <a:spcPts val="429"/>
                 </a:spcBef>
                 <a:spcAft>
                   <a:spcPct val="0"/>
@@ -4991,94 +4550,30 @@
                   <a:schemeClr val="accent1"/>
                 </a:buClr>
                 <a:buSzPct val="76000"/>
-                <a:buFont typeface="Arial"/>
-                <a:buChar char="•"/>
-                <a:tabLst/>
                 <a:defRPr/>
               </a:pPr>
               <a:r>
-                <a:rPr kumimoji="0" lang="en-US" sz="3200" b="0" i="0" u="none" strike="noStrike" kern="1200" cap="none" spc="0" normalizeH="0" baseline="0" noProof="0" dirty="0" smtClean="0">
-                  <a:ln>
-                    <a:noFill/>
-                  </a:ln>
-                  <a:solidFill>
-                    <a:schemeClr val="tx1"/>
-                  </a:solidFill>
-                  <a:effectLst/>
-                  <a:uLnTx/>
-                  <a:uFillTx/>
-                  <a:latin typeface="+mn-lt"/>
+                <a:rPr lang="en-US" sz="2300" dirty="0" smtClean="0">
                   <a:ea typeface="ＭＳ Ｐゴシック" pitchFamily="-88" charset="-128"/>
                   <a:cs typeface="ＭＳ Ｐゴシック" pitchFamily="-88" charset="-128"/>
                 </a:rPr>
-                <a:t>2× faster than TBB</a:t>
+                <a:t>2</a:t>
               </a:r>
-            </a:p>
-            <a:p>
-              <a:pPr marL="273050" marR="0" lvl="0" indent="-273050" algn="l" defTabSz="914400" rtl="0" eaLnBrk="1" fontAlgn="base" latinLnBrk="0" hangingPunct="1">
-                <a:lnSpc>
-                  <a:spcPct val="100000"/>
-                </a:lnSpc>
-                <a:spcBef>
-                  <a:spcPts val="600"/>
-                </a:spcBef>
-                <a:spcAft>
-                  <a:spcPct val="0"/>
-                </a:spcAft>
-                <a:buClr>
-                  <a:schemeClr val="accent1"/>
-                </a:buClr>
-                <a:buSzPct val="76000"/>
-                <a:buFont typeface="Arial"/>
-                <a:buChar char="•"/>
-                <a:tabLst/>
-                <a:defRPr/>
-              </a:pPr>
               <a:r>
-                <a:rPr kumimoji="0" lang="en-US" sz="3200" b="0" i="0" u="none" strike="noStrike" kern="1200" cap="none" spc="0" normalizeH="0" baseline="0" noProof="0" dirty="0" smtClean="0">
-                  <a:ln>
-                    <a:noFill/>
-                  </a:ln>
-                  <a:solidFill>
-                    <a:schemeClr val="tx1"/>
-                  </a:solidFill>
-                  <a:effectLst/>
-                  <a:uLnTx/>
-                  <a:uFillTx/>
-                  <a:latin typeface="+mn-lt"/>
+                <a:rPr lang="en-US" sz="2300" dirty="0" smtClean="0">
                   <a:ea typeface="ＭＳ Ｐゴシック" pitchFamily="-88" charset="-128"/>
                   <a:cs typeface="ＭＳ Ｐゴシック" pitchFamily="-88" charset="-128"/>
                 </a:rPr>
-                <a:t>2× slower than </a:t>
+                <a:t>× faster than </a:t>
               </a:r>
               <a:r>
-                <a:rPr kumimoji="0" lang="en-US" sz="3200" b="0" i="0" u="none" strike="noStrike" kern="1200" cap="none" spc="0" normalizeH="0" baseline="0" noProof="0" dirty="0" err="1" smtClean="0">
-                  <a:ln>
-                    <a:noFill/>
-                  </a:ln>
-                  <a:solidFill>
-                    <a:schemeClr val="tx1"/>
-                  </a:solidFill>
-                  <a:effectLst/>
-                  <a:uLnTx/>
-                  <a:uFillTx/>
-                  <a:latin typeface="+mn-lt"/>
+                <a:rPr lang="en-US" sz="2300" dirty="0" smtClean="0">
                   <a:ea typeface="ＭＳ Ｐゴシック" pitchFamily="-88" charset="-128"/>
                   <a:cs typeface="ＭＳ Ｐゴシック" pitchFamily="-88" charset="-128"/>
                 </a:rPr>
-                <a:t>Cilk</a:t>
+                <a:t>TBB!</a:t>
               </a:r>
-              <a:endParaRPr kumimoji="0" lang="en-US" sz="2600" b="0" i="0" u="none" strike="noStrike" kern="1200" cap="none" spc="0" normalizeH="0" baseline="0" noProof="0" dirty="0">
-                <a:ln>
-                  <a:noFill/>
-                </a:ln>
-                <a:solidFill>
-                  <a:schemeClr val="tx1"/>
-                </a:solidFill>
-                <a:effectLst/>
-                <a:uLnTx/>
-                <a:uFillTx/>
-                <a:latin typeface="+mn-lt"/>
+              <a:endParaRPr lang="en-US" sz="1900" dirty="0">
                 <a:ea typeface="ＭＳ Ｐゴシック" pitchFamily="-88" charset="-128"/>
                 <a:cs typeface="ＭＳ Ｐゴシック" pitchFamily="-88" charset="-128"/>
               </a:endParaRPr>
@@ -5095,7 +4590,7 @@
           </p:nvSpPr>
           <p:spPr bwMode="auto">
             <a:xfrm>
-              <a:off x="9893645" y="5449698"/>
+              <a:off x="9806808" y="5791642"/>
               <a:ext cx="4009652" cy="769374"/>
             </a:xfrm>
             <a:prstGeom prst="rect">
@@ -5117,12 +4612,9 @@
             </a:bodyPr>
             <a:lstStyle/>
             <a:p>
-              <a:pPr marL="273050" marR="0" lvl="0" indent="-273050" algn="ctr" defTabSz="914400" rtl="0" eaLnBrk="1" fontAlgn="base" latinLnBrk="0" hangingPunct="1">
-                <a:lnSpc>
-                  <a:spcPct val="100000"/>
-                </a:lnSpc>
+              <a:pPr marL="195012" indent="-195012" algn="ctr" defTabSz="653064" fontAlgn="base">
                 <a:spcBef>
-                  <a:spcPts val="600"/>
+                  <a:spcPts val="429"/>
                 </a:spcBef>
                 <a:spcAft>
                   <a:spcPct val="0"/>
@@ -5131,71 +4623,30 @@
                   <a:schemeClr val="accent1"/>
                 </a:buClr>
                 <a:buSzPct val="76000"/>
-                <a:tabLst/>
                 <a:defRPr/>
               </a:pPr>
               <a:r>
-                <a:rPr kumimoji="0" lang="en-US" sz="3200" b="0" i="0" u="none" strike="noStrike" kern="1200" cap="none" spc="0" normalizeH="0" baseline="0" noProof="0" dirty="0" smtClean="0">
-                  <a:ln>
-                    <a:noFill/>
-                  </a:ln>
-                  <a:solidFill>
-                    <a:schemeClr val="tx1"/>
-                  </a:solidFill>
-                  <a:effectLst/>
-                  <a:uLnTx/>
-                  <a:uFillTx/>
-                  <a:latin typeface="+mn-lt"/>
+                <a:rPr lang="en-US" sz="2300" dirty="0" smtClean="0">
                   <a:ea typeface="ＭＳ Ｐゴシック" pitchFamily="-88" charset="-128"/>
                   <a:cs typeface="ＭＳ Ｐゴシック" pitchFamily="-88" charset="-128"/>
                 </a:rPr>
                 <a:t>Fibonacci (</a:t>
               </a:r>
               <a:r>
-                <a:rPr kumimoji="0" lang="en-US" sz="3200" b="0" i="0" u="none" strike="noStrike" kern="1200" cap="none" spc="0" normalizeH="0" baseline="0" noProof="0" dirty="0" err="1" smtClean="0">
-                  <a:ln>
-                    <a:noFill/>
-                  </a:ln>
-                  <a:solidFill>
-                    <a:schemeClr val="tx1"/>
-                  </a:solidFill>
-                  <a:effectLst/>
-                  <a:uLnTx/>
-                  <a:uFillTx/>
-                  <a:latin typeface="+mn-lt"/>
+                <a:rPr lang="en-US" sz="2300" dirty="0" err="1" smtClean="0">
                   <a:ea typeface="ＭＳ Ｐゴシック" pitchFamily="-88" charset="-128"/>
                   <a:cs typeface="ＭＳ Ｐゴシック" pitchFamily="-88" charset="-128"/>
                 </a:rPr>
                 <a:t>n</a:t>
               </a:r>
               <a:r>
-                <a:rPr kumimoji="0" lang="en-US" sz="3200" b="0" i="0" u="none" strike="noStrike" kern="1200" cap="none" spc="0" normalizeH="0" baseline="0" noProof="0" dirty="0" smtClean="0">
-                  <a:ln>
-                    <a:noFill/>
-                  </a:ln>
-                  <a:solidFill>
-                    <a:schemeClr val="tx1"/>
-                  </a:solidFill>
-                  <a:effectLst/>
-                  <a:uLnTx/>
-                  <a:uFillTx/>
-                  <a:latin typeface="+mn-lt"/>
+                <a:rPr lang="en-US" sz="2300" dirty="0" smtClean="0">
                   <a:ea typeface="ＭＳ Ｐゴシック" pitchFamily="-88" charset="-128"/>
                   <a:cs typeface="ＭＳ Ｐゴシック" pitchFamily="-88" charset="-128"/>
                 </a:rPr>
                 <a:t>=37)</a:t>
               </a:r>
-              <a:endParaRPr kumimoji="0" lang="en-US" sz="2600" b="0" i="0" u="none" strike="noStrike" kern="1200" cap="none" spc="0" normalizeH="0" baseline="0" noProof="0" dirty="0">
-                <a:ln>
-                  <a:noFill/>
-                </a:ln>
-                <a:solidFill>
-                  <a:schemeClr val="tx1"/>
-                </a:solidFill>
-                <a:effectLst/>
-                <a:uLnTx/>
-                <a:uFillTx/>
-                <a:latin typeface="+mn-lt"/>
+              <a:endParaRPr lang="en-US" sz="1900" dirty="0">
                 <a:ea typeface="ＭＳ Ｐゴシック" pitchFamily="-88" charset="-128"/>
                 <a:cs typeface="ＭＳ Ｐゴシック" pitchFamily="-88" charset="-128"/>
               </a:endParaRPr>
@@ -5211,8 +4662,8 @@
         </p:nvGrpSpPr>
         <p:grpSpPr>
           <a:xfrm>
-            <a:off x="29215678" y="26527762"/>
-            <a:ext cx="13582961" cy="5047149"/>
+            <a:off x="21911759" y="17685175"/>
+            <a:ext cx="10187221" cy="3364766"/>
             <a:chOff x="615564" y="24713785"/>
             <a:chExt cx="13582961" cy="5047149"/>
           </a:xfrm>
@@ -5260,10 +4711,10 @@
             <a:p>
               <a:pPr algn="ctr"/>
               <a:r>
-                <a:rPr lang="en-US" sz="1800" dirty="0" smtClean="0"/>
+                <a:rPr lang="en-US" sz="1300" dirty="0" smtClean="0"/>
                 <a:t>number</a:t>
               </a:r>
-              <a:endParaRPr lang="en-US" sz="1800" dirty="0"/>
+              <a:endParaRPr lang="en-US" sz="1300" dirty="0"/>
             </a:p>
           </p:txBody>
         </p:sp>
@@ -5299,42 +4750,23 @@
             </a:bodyPr>
             <a:lstStyle/>
             <a:p>
-              <a:pPr marL="0" marR="0" lvl="0" indent="0" algn="ctr" defTabSz="914400" rtl="0" eaLnBrk="1" fontAlgn="base" latinLnBrk="0" hangingPunct="1">
-                <a:lnSpc>
-                  <a:spcPct val="100000"/>
-                </a:lnSpc>
+              <a:pPr algn="ctr" defTabSz="653064" fontAlgn="base">
                 <a:spcBef>
                   <a:spcPct val="0"/>
                 </a:spcBef>
                 <a:spcAft>
                   <a:spcPct val="0"/>
                 </a:spcAft>
-                <a:buClrTx/>
-                <a:buSzTx/>
-                <a:buFontTx/>
-                <a:buNone/>
-                <a:tabLst/>
                 <a:defRPr/>
               </a:pPr>
               <a:r>
-                <a:rPr lang="en-US" sz="3600" b="1" dirty="0" smtClean="0">
+                <a:rPr lang="en-US" sz="2600" b="1" dirty="0" smtClean="0">
                   <a:latin typeface="Franklin Gothic Book"/>
                   <a:ea typeface="ＭＳ Ｐゴシック" charset="-128"/>
                   <a:cs typeface="ＭＳ Ｐゴシック" charset="-128"/>
                 </a:rPr>
                 <a:t>References</a:t>
               </a:r>
-              <a:endParaRPr kumimoji="0" lang="en-US" sz="3600" b="1" i="0" u="none" strike="noStrike" kern="1200" cap="none" spc="0" normalizeH="0" baseline="0" noProof="0" dirty="0" smtClean="0">
-                <a:ln>
-                  <a:noFill/>
-                </a:ln>
-                <a:effectLst/>
-                <a:uLnTx/>
-                <a:uFillTx/>
-                <a:latin typeface="Franklin Gothic Book"/>
-                <a:ea typeface="ＭＳ Ｐゴシック" charset="-128"/>
-                <a:cs typeface="ＭＳ Ｐゴシック" charset="-128"/>
-              </a:endParaRPr>
             </a:p>
           </p:txBody>
         </p:sp>
@@ -5371,9 +4803,9 @@
             </a:bodyPr>
             <a:lstStyle/>
             <a:p>
-              <a:pPr marL="273050" lvl="0" indent="-273050" defTabSz="914400" fontAlgn="base">
+              <a:pPr marL="195012" indent="-195012" defTabSz="653064" fontAlgn="base">
                 <a:spcBef>
-                  <a:spcPts val="575"/>
+                  <a:spcPts val="411"/>
                 </a:spcBef>
                 <a:spcAft>
                   <a:spcPct val="0"/>
@@ -5387,7 +4819,7 @@
                 <a:defRPr/>
               </a:pPr>
               <a:r>
-                <a:rPr lang="en-US" sz="3200" dirty="0" err="1" smtClean="0">
+                <a:rPr lang="en-US" sz="2300" dirty="0" err="1" smtClean="0">
                   <a:solidFill>
                     <a:srgbClr val="0000FF"/>
                   </a:solidFill>
@@ -5396,7 +4828,7 @@
                 </a:rPr>
                 <a:t>https://projects.coin-or.org/PFunc</a:t>
               </a:r>
-              <a:endParaRPr lang="en-US" sz="3200" dirty="0" smtClean="0">
+              <a:endParaRPr lang="en-US" sz="2300" dirty="0" smtClean="0">
                 <a:solidFill>
                   <a:srgbClr val="0000FF"/>
                 </a:solidFill>
@@ -5405,12 +4837,9 @@
               </a:endParaRPr>
             </a:p>
             <a:p>
-              <a:pPr marL="273050" marR="0" lvl="0" indent="-273050" algn="l" defTabSz="914400" rtl="0" eaLnBrk="1" fontAlgn="base" latinLnBrk="0" hangingPunct="1">
-                <a:lnSpc>
-                  <a:spcPct val="100000"/>
-                </a:lnSpc>
+              <a:pPr marL="195012" indent="-195012" defTabSz="653064" fontAlgn="base">
                 <a:spcBef>
-                  <a:spcPts val="575"/>
+                  <a:spcPts val="411"/>
                 </a:spcBef>
                 <a:spcAft>
                   <a:spcPct val="0"/>
@@ -5421,70 +4850,34 @@
                 <a:buSzPct val="85000"/>
                 <a:buFont typeface="Wingdings 2" charset="2"/>
                 <a:buChar char=""/>
-                <a:tabLst/>
                 <a:defRPr/>
               </a:pPr>
               <a:r>
-                <a:rPr kumimoji="0" lang="en-US" sz="3200" b="0" i="0" u="none" strike="noStrike" kern="1200" cap="none" spc="0" normalizeH="0" baseline="0" noProof="0" dirty="0" smtClean="0">
-                  <a:ln>
-                    <a:noFill/>
-                  </a:ln>
-                  <a:effectLst/>
-                  <a:uLnTx/>
-                  <a:uFillTx/>
-                  <a:latin typeface="+mn-lt"/>
+                <a:rPr lang="en-US" sz="2300" dirty="0" smtClean="0">
                   <a:ea typeface="ＭＳ Ｐゴシック" charset="-128"/>
                   <a:cs typeface="ＭＳ Ｐゴシック" charset="-128"/>
                 </a:rPr>
                 <a:t>PFunc: </a:t>
               </a:r>
               <a:r>
-                <a:rPr kumimoji="0" lang="en-US" sz="3200" b="0" i="0" u="none" strike="noStrike" kern="1200" cap="none" spc="0" normalizeH="0" baseline="0" noProof="0" dirty="0" err="1" smtClean="0">
-                  <a:ln>
-                    <a:noFill/>
-                  </a:ln>
-                  <a:effectLst/>
-                  <a:uLnTx/>
-                  <a:uFillTx/>
-                  <a:latin typeface="+mn-lt"/>
+                <a:rPr lang="en-US" sz="2300" dirty="0" err="1" smtClean="0">
                   <a:ea typeface="ＭＳ Ｐゴシック" charset="-128"/>
                   <a:cs typeface="ＭＳ Ｐゴシック" charset="-128"/>
                 </a:rPr>
-                <a:t>Moder</a:t>
+                <a:t>Modern</a:t>
               </a:r>
               <a:r>
-                <a:rPr lang="en-US" sz="3200" dirty="0" err="1" smtClean="0">
-                  <a:ea typeface="ＭＳ Ｐゴシック" charset="-128"/>
-                  <a:cs typeface="ＭＳ Ｐゴシック" charset="-128"/>
-                </a:rPr>
-                <a:t>n</a:t>
-              </a:r>
-              <a:r>
-                <a:rPr lang="en-US" sz="3200" dirty="0" smtClean="0">
+                <a:rPr lang="en-US" sz="2300" dirty="0" smtClean="0">
                   <a:ea typeface="ＭＳ Ｐゴシック" charset="-128"/>
                   <a:cs typeface="ＭＳ Ｐゴシック" charset="-128"/>
                 </a:rPr>
                 <a:t> Task Parallelism For Modern High Performance Computing, Kambadur et al., SC 2009.</a:t>
               </a:r>
-              <a:endParaRPr kumimoji="0" lang="en-US" sz="3200" b="0" i="0" u="none" strike="noStrike" kern="1200" cap="none" spc="0" normalizeH="0" noProof="0" dirty="0" smtClean="0">
-                <a:ln>
-                  <a:noFill/>
-                </a:ln>
-                <a:effectLst/>
-                <a:uLnTx/>
-                <a:uFillTx/>
-                <a:latin typeface="+mn-lt"/>
-                <a:ea typeface="ＭＳ Ｐゴシック" charset="-128"/>
-                <a:cs typeface="ＭＳ Ｐゴシック" charset="-128"/>
-              </a:endParaRPr>
             </a:p>
             <a:p>
-              <a:pPr marL="273050" marR="0" lvl="0" indent="-273050" algn="l" defTabSz="914400" rtl="0" eaLnBrk="1" fontAlgn="base" latinLnBrk="0" hangingPunct="1">
-                <a:lnSpc>
-                  <a:spcPct val="100000"/>
-                </a:lnSpc>
+              <a:pPr marL="195012" indent="-195012" defTabSz="653064" fontAlgn="base">
                 <a:spcBef>
-                  <a:spcPts val="575"/>
+                  <a:spcPts val="411"/>
                 </a:spcBef>
                 <a:spcAft>
                   <a:spcPct val="0"/>
@@ -5495,32 +4888,24 @@
                 <a:buSzPct val="85000"/>
                 <a:buFont typeface="Wingdings 2" charset="2"/>
                 <a:buChar char=""/>
-                <a:tabLst/>
                 <a:defRPr/>
               </a:pPr>
               <a:r>
-                <a:rPr lang="en-US" sz="3200" dirty="0" smtClean="0">
+                <a:rPr lang="en-US" sz="2300" dirty="0" smtClean="0">
                   <a:ea typeface="ＭＳ Ｐゴシック" charset="-128"/>
                   <a:cs typeface="ＭＳ Ｐゴシック" charset="-128"/>
                 </a:rPr>
-                <a:t>Demand-driven Execution Of Static Directe</a:t>
+                <a:t>Demand-driven Execution Of Static Directed Acyclic Graphs Using Task Parallelism, Kambadur et al., </a:t>
               </a:r>
               <a:r>
-                <a:rPr lang="en-US" sz="3200" dirty="0" smtClean="0">
-                  <a:ea typeface="ＭＳ Ｐゴシック" charset="-128"/>
-                  <a:cs typeface="ＭＳ Ｐゴシック" charset="-128"/>
-                </a:rPr>
-                <a:t>d Acyclic Graphs Using Task Parallelism, Kambadur et al., </a:t>
-              </a:r>
-              <a:r>
-                <a:rPr lang="en-US" sz="3200" dirty="0" err="1" smtClean="0">
+                <a:rPr lang="en-US" sz="2300" dirty="0" err="1" smtClean="0">
                   <a:ea typeface="ＭＳ Ｐゴシック" charset="-128"/>
                   <a:cs typeface="ＭＳ Ｐゴシック" charset="-128"/>
                 </a:rPr>
                 <a:t>HiPC</a:t>
               </a:r>
               <a:r>
-                <a:rPr lang="en-US" sz="3200" dirty="0" smtClean="0">
+                <a:rPr lang="en-US" sz="2300" dirty="0" smtClean="0">
                   <a:ea typeface="ＭＳ Ｐゴシック" charset="-128"/>
                   <a:cs typeface="ＭＳ Ｐゴシック" charset="-128"/>
                 </a:rPr>
@@ -5528,12 +4913,9 @@
               </a:r>
             </a:p>
             <a:p>
-              <a:pPr marL="273050" marR="0" lvl="0" indent="-273050" algn="l" defTabSz="914400" rtl="0" eaLnBrk="1" fontAlgn="base" latinLnBrk="0" hangingPunct="1">
-                <a:lnSpc>
-                  <a:spcPct val="100000"/>
-                </a:lnSpc>
+              <a:pPr marL="195012" indent="-195012" defTabSz="653064" fontAlgn="base">
                 <a:spcBef>
-                  <a:spcPts val="575"/>
+                  <a:spcPts val="411"/>
                 </a:spcBef>
                 <a:spcAft>
                   <a:spcPct val="0"/>
@@ -5544,1512 +4926,748 @@
                 <a:buSzPct val="85000"/>
                 <a:buFont typeface="Wingdings 2" charset="2"/>
                 <a:buChar char=""/>
-                <a:tabLst/>
                 <a:defRPr/>
               </a:pPr>
               <a:r>
-                <a:rPr lang="en-US" sz="3200" dirty="0" smtClean="0">
+                <a:rPr lang="en-US" sz="2300" dirty="0" smtClean="0">
                   <a:ea typeface="ＭＳ Ｐゴシック" charset="-128"/>
                   <a:cs typeface="ＭＳ Ｐゴシック" charset="-128"/>
                 </a:rPr>
                 <a:t>Extending Task Parallelism For Frequent Pattern Mining, Kambadur et al, </a:t>
               </a:r>
               <a:r>
-                <a:rPr lang="en-US" sz="3200" dirty="0" err="1" smtClean="0">
+                <a:rPr lang="en-US" sz="2300" dirty="0" err="1" smtClean="0">
                   <a:ea typeface="ＭＳ Ｐゴシック" charset="-128"/>
                   <a:cs typeface="ＭＳ Ｐゴシック" charset="-128"/>
                 </a:rPr>
                 <a:t>ParCO</a:t>
               </a:r>
               <a:r>
-                <a:rPr lang="en-US" sz="3200" dirty="0" smtClean="0">
+                <a:rPr lang="en-US" sz="2300" dirty="0" smtClean="0">
                   <a:ea typeface="ＭＳ Ｐゴシック" charset="-128"/>
                   <a:cs typeface="ＭＳ Ｐゴシック" charset="-128"/>
                 </a:rPr>
                 <a:t>, 2009.</a:t>
               </a:r>
-              <a:endParaRPr lang="en-US" sz="3200" dirty="0" smtClean="0">
-                <a:ea typeface="ＭＳ Ｐゴシック" charset="-128"/>
-                <a:cs typeface="ＭＳ Ｐゴシック" charset="-128"/>
-              </a:endParaRPr>
             </a:p>
           </p:txBody>
         </p:sp>
       </p:grpSp>
+      <p:sp>
+        <p:nvSpPr>
+          <p:cNvPr id="562" name="Rounded Rectangle 561"/>
+          <p:cNvSpPr/>
+          <p:nvPr/>
+        </p:nvSpPr>
+        <p:spPr>
+          <a:xfrm>
+            <a:off x="11151902" y="3678891"/>
+            <a:ext cx="10242036" cy="17284943"/>
+          </a:xfrm>
+          <a:prstGeom prst="roundRect">
+            <a:avLst/>
+          </a:prstGeom>
+          <a:solidFill>
+            <a:schemeClr val="bg1"/>
+          </a:solidFill>
+          <a:ln>
+            <a:solidFill>
+              <a:schemeClr val="tx1"/>
+            </a:solidFill>
+          </a:ln>
+        </p:spPr>
+        <p:style>
+          <a:lnRef idx="1">
+            <a:schemeClr val="accent1"/>
+          </a:lnRef>
+          <a:fillRef idx="3">
+            <a:schemeClr val="accent1"/>
+          </a:fillRef>
+          <a:effectRef idx="2">
+            <a:schemeClr val="accent1"/>
+          </a:effectRef>
+          <a:fontRef idx="minor">
+            <a:schemeClr val="lt1"/>
+          </a:fontRef>
+        </p:style>
+        <p:txBody>
+          <a:bodyPr rtlCol="0" anchor="ctr"/>
+          <a:lstStyle/>
+          <a:p>
+            <a:pPr algn="ctr"/>
+            <a:r>
+              <a:rPr lang="en-US" sz="1300" dirty="0" smtClean="0"/>
+              <a:t>number</a:t>
+            </a:r>
+            <a:endParaRPr lang="en-US" sz="1300" dirty="0"/>
+          </a:p>
+        </p:txBody>
+      </p:sp>
       <p:grpSp>
         <p:nvGrpSpPr>
-          <p:cNvPr id="564" name="Group 563"/>
+          <p:cNvPr id="560" name="Group 559"/>
           <p:cNvGrpSpPr/>
           <p:nvPr/>
         </p:nvGrpSpPr>
         <p:grpSpPr>
           <a:xfrm>
-            <a:off x="14869202" y="5518335"/>
-            <a:ext cx="13656048" cy="25927415"/>
-            <a:chOff x="15088166" y="5518334"/>
-            <a:chExt cx="13656048" cy="25927415"/>
+            <a:off x="11791174" y="7177602"/>
+            <a:ext cx="8638103" cy="10224095"/>
+            <a:chOff x="16071907" y="8051048"/>
+            <a:chExt cx="11517470" cy="15336142"/>
           </a:xfrm>
         </p:grpSpPr>
-        <p:sp>
-          <p:nvSpPr>
-            <p:cNvPr id="562" name="Rounded Rectangle 561"/>
-            <p:cNvSpPr/>
-            <p:nvPr/>
-          </p:nvSpPr>
-          <p:spPr>
-            <a:xfrm>
-              <a:off x="15088166" y="5518334"/>
-              <a:ext cx="13656048" cy="25927415"/>
-            </a:xfrm>
-            <a:prstGeom prst="roundRect">
-              <a:avLst/>
-            </a:prstGeom>
-            <a:solidFill>
-              <a:schemeClr val="bg1"/>
-            </a:solidFill>
-            <a:ln>
-              <a:solidFill>
-                <a:schemeClr val="tx1"/>
-              </a:solidFill>
-            </a:ln>
-          </p:spPr>
-          <p:style>
-            <a:lnRef idx="1">
-              <a:schemeClr val="accent1"/>
-            </a:lnRef>
-            <a:fillRef idx="3">
-              <a:schemeClr val="accent1"/>
-            </a:fillRef>
-            <a:effectRef idx="2">
-              <a:schemeClr val="accent1"/>
-            </a:effectRef>
-            <a:fontRef idx="minor">
-              <a:schemeClr val="lt1"/>
-            </a:fontRef>
-          </p:style>
-          <p:txBody>
-            <a:bodyPr rtlCol="0" anchor="ctr"/>
-            <a:lstStyle/>
-            <a:p>
-              <a:pPr algn="ctr"/>
-              <a:r>
-                <a:rPr lang="en-US" sz="1800" dirty="0" smtClean="0"/>
-                <a:t>number</a:t>
-              </a:r>
-              <a:endParaRPr lang="en-US" sz="1800" dirty="0"/>
-            </a:p>
-          </p:txBody>
-        </p:sp>
         <p:grpSp>
           <p:nvGrpSpPr>
-            <p:cNvPr id="560" name="Group 559"/>
+            <p:cNvPr id="551" name="Group 550"/>
             <p:cNvGrpSpPr/>
             <p:nvPr/>
           </p:nvGrpSpPr>
           <p:grpSpPr>
             <a:xfrm>
-              <a:off x="15940528" y="10766400"/>
-              <a:ext cx="11517470" cy="15336142"/>
-              <a:chOff x="16071907" y="8051048"/>
-              <a:chExt cx="11517470" cy="15336142"/>
+              <a:off x="16071907" y="13294845"/>
+              <a:ext cx="11517470" cy="10092345"/>
+              <a:chOff x="16290872" y="13075865"/>
+              <a:chExt cx="11517470" cy="10092345"/>
             </a:xfrm>
           </p:grpSpPr>
-          <p:grpSp>
-            <p:nvGrpSpPr>
-              <p:cNvPr id="551" name="Group 550"/>
-              <p:cNvGrpSpPr/>
+          <p:sp>
+            <p:nvSpPr>
+              <p:cNvPr id="491" name="Process 490"/>
+              <p:cNvSpPr/>
               <p:nvPr/>
-            </p:nvGrpSpPr>
-            <p:grpSpPr>
+            </p:nvSpPr>
+            <p:spPr>
               <a:xfrm>
-                <a:off x="16071907" y="13294845"/>
-                <a:ext cx="11517470" cy="10092345"/>
-                <a:chOff x="16290872" y="13075865"/>
-                <a:chExt cx="11517470" cy="10092345"/>
+                <a:off x="20598029" y="13075865"/>
+                <a:ext cx="3158617" cy="957377"/>
               </a:xfrm>
-            </p:grpSpPr>
-            <p:sp>
-              <p:nvSpPr>
-                <p:cNvPr id="491" name="Process 490"/>
-                <p:cNvSpPr/>
-                <p:nvPr/>
-              </p:nvSpPr>
-              <p:spPr>
-                <a:xfrm>
-                  <a:off x="20598029" y="13075865"/>
-                  <a:ext cx="3158617" cy="957377"/>
-                </a:xfrm>
-                <a:prstGeom prst="flowChartProcess">
-                  <a:avLst/>
-                </a:prstGeom>
-              </p:spPr>
-              <p:style>
-                <a:lnRef idx="1">
-                  <a:schemeClr val="accent1"/>
-                </a:lnRef>
-                <a:fillRef idx="3">
-                  <a:schemeClr val="accent1"/>
-                </a:fillRef>
-                <a:effectRef idx="2">
-                  <a:schemeClr val="accent1"/>
-                </a:effectRef>
-                <a:fontRef idx="minor">
-                  <a:schemeClr val="lt1"/>
-                </a:fontRef>
-              </p:style>
-              <p:txBody>
-                <a:bodyPr rtlCol="0" anchor="ctr"/>
-                <a:lstStyle/>
-                <a:p>
-                  <a:pPr algn="ctr"/>
-                  <a:r>
-                    <a:rPr lang="en-US" sz="2800" dirty="0" smtClean="0">
-                      <a:solidFill>
-                        <a:srgbClr val="000000"/>
-                      </a:solidFill>
-                    </a:rPr>
-                    <a:t>Scheduling point</a:t>
-                  </a:r>
-                  <a:endParaRPr lang="en-US" sz="2800" dirty="0">
+              <a:prstGeom prst="flowChartProcess">
+                <a:avLst/>
+              </a:prstGeom>
+            </p:spPr>
+            <p:style>
+              <a:lnRef idx="1">
+                <a:schemeClr val="accent1"/>
+              </a:lnRef>
+              <a:fillRef idx="3">
+                <a:schemeClr val="accent1"/>
+              </a:fillRef>
+              <a:effectRef idx="2">
+                <a:schemeClr val="accent1"/>
+              </a:effectRef>
+              <a:fontRef idx="minor">
+                <a:schemeClr val="lt1"/>
+              </a:fontRef>
+            </p:style>
+            <p:txBody>
+              <a:bodyPr rtlCol="0" anchor="ctr"/>
+              <a:lstStyle/>
+              <a:p>
+                <a:pPr algn="ctr"/>
+                <a:r>
+                  <a:rPr lang="en-US" sz="2000" dirty="0" smtClean="0">
                     <a:solidFill>
                       <a:srgbClr val="000000"/>
                     </a:solidFill>
-                  </a:endParaRPr>
-                </a:p>
-              </p:txBody>
-            </p:sp>
-            <p:sp>
-              <p:nvSpPr>
-                <p:cNvPr id="493" name="Decision 492"/>
-                <p:cNvSpPr/>
-                <p:nvPr/>
-              </p:nvSpPr>
-              <p:spPr>
-                <a:xfrm>
-                  <a:off x="20354880" y="14511930"/>
-                  <a:ext cx="3669387" cy="2353552"/>
-                </a:xfrm>
-                <a:prstGeom prst="flowChartDecision">
-                  <a:avLst/>
-                </a:prstGeom>
-                <a:solidFill>
-                  <a:schemeClr val="accent4">
-                    <a:lumMod val="50000"/>
-                  </a:schemeClr>
-                </a:solidFill>
-              </p:spPr>
-              <p:style>
-                <a:lnRef idx="1">
-                  <a:schemeClr val="accent1"/>
-                </a:lnRef>
-                <a:fillRef idx="3">
-                  <a:schemeClr val="accent1"/>
-                </a:fillRef>
-                <a:effectRef idx="2">
-                  <a:schemeClr val="accent1"/>
-                </a:effectRef>
-                <a:fontRef idx="minor">
-                  <a:schemeClr val="lt1"/>
-                </a:fontRef>
-              </p:style>
-              <p:txBody>
-                <a:bodyPr rtlCol="0" anchor="ctr"/>
-                <a:lstStyle/>
-                <a:p>
-                  <a:pPr algn="ctr"/>
-                  <a:r>
-                    <a:rPr lang="en-US" sz="2800" dirty="0" smtClean="0"/>
-                    <a:t>Is thread’s own  queue  empty?</a:t>
-                  </a:r>
-                  <a:endParaRPr lang="en-US" sz="2800" dirty="0"/>
-                </a:p>
-              </p:txBody>
-            </p:sp>
-            <p:sp>
-              <p:nvSpPr>
-                <p:cNvPr id="494" name="Process 493"/>
-                <p:cNvSpPr/>
-                <p:nvPr/>
-              </p:nvSpPr>
-              <p:spPr>
-                <a:xfrm>
-                  <a:off x="16676270" y="16606193"/>
-                  <a:ext cx="4159501" cy="957377"/>
-                </a:xfrm>
-                <a:prstGeom prst="flowChartProcess">
-                  <a:avLst/>
-                </a:prstGeom>
-              </p:spPr>
-              <p:style>
-                <a:lnRef idx="1">
-                  <a:schemeClr val="accent1"/>
-                </a:lnRef>
-                <a:fillRef idx="3">
-                  <a:schemeClr val="accent1"/>
-                </a:fillRef>
-                <a:effectRef idx="2">
-                  <a:schemeClr val="accent1"/>
-                </a:effectRef>
-                <a:fontRef idx="minor">
-                  <a:schemeClr val="lt1"/>
-                </a:fontRef>
-              </p:style>
-              <p:txBody>
-                <a:bodyPr rtlCol="0" anchor="ctr"/>
-                <a:lstStyle/>
-                <a:p>
-                  <a:pPr algn="ctr"/>
-                  <a:r>
-                    <a:rPr lang="en-US" sz="2800" dirty="0" smtClean="0">
-                      <a:solidFill>
-                        <a:srgbClr val="000000"/>
-                      </a:solidFill>
-                    </a:rPr>
-                    <a:t>Victim queue = own</a:t>
-                  </a:r>
-                </a:p>
-                <a:p>
-                  <a:pPr algn="ctr"/>
-                  <a:r>
-                    <a:rPr lang="en-US" sz="2800" dirty="0" smtClean="0">
-                      <a:solidFill>
-                        <a:srgbClr val="000000"/>
-                      </a:solidFill>
-                    </a:rPr>
-                    <a:t>Predicate = </a:t>
-                  </a:r>
-                  <a:r>
-                    <a:rPr lang="en-US" sz="2800" i="1" dirty="0" smtClean="0">
-                      <a:solidFill>
-                        <a:srgbClr val="000000"/>
-                      </a:solidFill>
-                    </a:rPr>
-                    <a:t>own</a:t>
-                  </a:r>
-                  <a:endParaRPr lang="en-US" sz="2800" i="1" dirty="0">
+                  </a:rPr>
+                  <a:t>Scheduling point</a:t>
+                </a:r>
+                <a:endParaRPr lang="en-US" sz="2000" dirty="0">
+                  <a:solidFill>
+                    <a:srgbClr val="000000"/>
+                  </a:solidFill>
+                </a:endParaRPr>
+              </a:p>
+            </p:txBody>
+          </p:sp>
+          <p:sp>
+            <p:nvSpPr>
+              <p:cNvPr id="493" name="Decision 492"/>
+              <p:cNvSpPr/>
+              <p:nvPr/>
+            </p:nvSpPr>
+            <p:spPr>
+              <a:xfrm>
+                <a:off x="20354880" y="14511930"/>
+                <a:ext cx="3669387" cy="2353552"/>
+              </a:xfrm>
+              <a:prstGeom prst="flowChartDecision">
+                <a:avLst/>
+              </a:prstGeom>
+              <a:solidFill>
+                <a:schemeClr val="accent4">
+                  <a:lumMod val="50000"/>
+                </a:schemeClr>
+              </a:solidFill>
+            </p:spPr>
+            <p:style>
+              <a:lnRef idx="1">
+                <a:schemeClr val="accent1"/>
+              </a:lnRef>
+              <a:fillRef idx="3">
+                <a:schemeClr val="accent1"/>
+              </a:fillRef>
+              <a:effectRef idx="2">
+                <a:schemeClr val="accent1"/>
+              </a:effectRef>
+              <a:fontRef idx="minor">
+                <a:schemeClr val="lt1"/>
+              </a:fontRef>
+            </p:style>
+            <p:txBody>
+              <a:bodyPr rtlCol="0" anchor="ctr"/>
+              <a:lstStyle/>
+              <a:p>
+                <a:pPr algn="ctr"/>
+                <a:r>
+                  <a:rPr lang="en-US" sz="2000" dirty="0" smtClean="0"/>
+                  <a:t>Is thread’s own  queue  empty?</a:t>
+                </a:r>
+                <a:endParaRPr lang="en-US" sz="2000" dirty="0"/>
+              </a:p>
+            </p:txBody>
+          </p:sp>
+          <p:sp>
+            <p:nvSpPr>
+              <p:cNvPr id="494" name="Process 493"/>
+              <p:cNvSpPr/>
+              <p:nvPr/>
+            </p:nvSpPr>
+            <p:spPr>
+              <a:xfrm>
+                <a:off x="16676270" y="16606193"/>
+                <a:ext cx="4159501" cy="957377"/>
+              </a:xfrm>
+              <a:prstGeom prst="flowChartProcess">
+                <a:avLst/>
+              </a:prstGeom>
+            </p:spPr>
+            <p:style>
+              <a:lnRef idx="1">
+                <a:schemeClr val="accent1"/>
+              </a:lnRef>
+              <a:fillRef idx="3">
+                <a:schemeClr val="accent1"/>
+              </a:fillRef>
+              <a:effectRef idx="2">
+                <a:schemeClr val="accent1"/>
+              </a:effectRef>
+              <a:fontRef idx="minor">
+                <a:schemeClr val="lt1"/>
+              </a:fontRef>
+            </p:style>
+            <p:txBody>
+              <a:bodyPr rtlCol="0" anchor="ctr"/>
+              <a:lstStyle/>
+              <a:p>
+                <a:pPr algn="ctr"/>
+                <a:r>
+                  <a:rPr lang="en-US" sz="2000" dirty="0" smtClean="0">
                     <a:solidFill>
                       <a:srgbClr val="000000"/>
                     </a:solidFill>
-                  </a:endParaRPr>
-                </a:p>
-              </p:txBody>
-            </p:sp>
-            <p:sp>
-              <p:nvSpPr>
-                <p:cNvPr id="496" name="Process 495"/>
-                <p:cNvSpPr/>
-                <p:nvPr/>
-              </p:nvSpPr>
-              <p:spPr>
-                <a:xfrm>
-                  <a:off x="23608442" y="16586247"/>
-                  <a:ext cx="4199900" cy="957377"/>
-                </a:xfrm>
-                <a:prstGeom prst="flowChartProcess">
-                  <a:avLst/>
-                </a:prstGeom>
-              </p:spPr>
-              <p:style>
-                <a:lnRef idx="1">
-                  <a:schemeClr val="accent1"/>
-                </a:lnRef>
-                <a:fillRef idx="3">
-                  <a:schemeClr val="accent1"/>
-                </a:fillRef>
-                <a:effectRef idx="2">
-                  <a:schemeClr val="accent1"/>
-                </a:effectRef>
-                <a:fontRef idx="minor">
-                  <a:schemeClr val="lt1"/>
-                </a:fontRef>
-              </p:style>
-              <p:txBody>
-                <a:bodyPr rtlCol="0" anchor="ctr"/>
-                <a:lstStyle/>
-                <a:p>
-                  <a:pPr algn="ctr"/>
-                  <a:r>
-                    <a:rPr lang="en-US" sz="2800" dirty="0" smtClean="0">
-                      <a:solidFill>
-                        <a:srgbClr val="000000"/>
-                      </a:solidFill>
-                    </a:rPr>
-                    <a:t>Victim queue = other</a:t>
-                  </a:r>
-                </a:p>
-                <a:p>
-                  <a:pPr algn="ctr"/>
-                  <a:r>
-                    <a:rPr lang="en-US" sz="2800" dirty="0" smtClean="0">
-                      <a:solidFill>
-                        <a:srgbClr val="000000"/>
-                      </a:solidFill>
-                    </a:rPr>
-                    <a:t>Predicate = </a:t>
-                  </a:r>
-                  <a:r>
-                    <a:rPr lang="en-US" sz="2800" i="1" dirty="0" smtClean="0">
-                      <a:solidFill>
-                        <a:srgbClr val="000000"/>
-                      </a:solidFill>
-                    </a:rPr>
-                    <a:t>steal</a:t>
-                  </a:r>
-                  <a:endParaRPr lang="en-US" sz="2800" i="1" dirty="0">
+                  </a:rPr>
+                  <a:t>Victim queue = own</a:t>
+                </a:r>
+              </a:p>
+              <a:p>
+                <a:pPr algn="ctr"/>
+                <a:r>
+                  <a:rPr lang="en-US" sz="2000" dirty="0" smtClean="0">
                     <a:solidFill>
                       <a:srgbClr val="000000"/>
                     </a:solidFill>
-                  </a:endParaRPr>
-                </a:p>
-              </p:txBody>
-            </p:sp>
-            <p:sp>
-              <p:nvSpPr>
-                <p:cNvPr id="497" name="Process 496"/>
-                <p:cNvSpPr/>
-                <p:nvPr/>
-              </p:nvSpPr>
-              <p:spPr>
-                <a:xfrm>
-                  <a:off x="20089627" y="18082149"/>
-                  <a:ext cx="4159501" cy="957377"/>
-                </a:xfrm>
-                <a:prstGeom prst="flowChartProcess">
-                  <a:avLst/>
-                </a:prstGeom>
-                <a:solidFill>
-                  <a:schemeClr val="accent4">
-                    <a:lumMod val="50000"/>
-                  </a:schemeClr>
-                </a:solidFill>
-              </p:spPr>
-              <p:style>
-                <a:lnRef idx="1">
-                  <a:schemeClr val="accent1"/>
-                </a:lnRef>
-                <a:fillRef idx="3">
-                  <a:schemeClr val="accent1"/>
-                </a:fillRef>
-                <a:effectRef idx="2">
-                  <a:schemeClr val="accent1"/>
-                </a:effectRef>
-                <a:fontRef idx="minor">
-                  <a:schemeClr val="lt1"/>
-                </a:fontRef>
-              </p:style>
-              <p:txBody>
-                <a:bodyPr rtlCol="0" anchor="ctr"/>
-                <a:lstStyle/>
-                <a:p>
-                  <a:pPr algn="ctr"/>
-                  <a:r>
-                    <a:rPr lang="en-US" sz="3200" dirty="0" smtClean="0"/>
-                    <a:t>Get candidate tasks</a:t>
-                  </a:r>
-                  <a:endParaRPr lang="en-US" sz="3200" i="1" dirty="0"/>
-                </a:p>
-              </p:txBody>
-            </p:sp>
-            <p:sp>
-              <p:nvSpPr>
-                <p:cNvPr id="499" name="Process 498"/>
-                <p:cNvSpPr/>
-                <p:nvPr/>
-              </p:nvSpPr>
-              <p:spPr>
-                <a:xfrm>
-                  <a:off x="20085810" y="19750644"/>
-                  <a:ext cx="4159501" cy="854797"/>
-                </a:xfrm>
-                <a:prstGeom prst="flowChartProcess">
-                  <a:avLst/>
-                </a:prstGeom>
-                <a:solidFill>
-                  <a:schemeClr val="accent3">
-                    <a:lumMod val="50000"/>
-                  </a:schemeClr>
-                </a:solidFill>
-              </p:spPr>
-              <p:style>
-                <a:lnRef idx="1">
-                  <a:schemeClr val="accent1"/>
-                </a:lnRef>
-                <a:fillRef idx="3">
-                  <a:schemeClr val="accent1"/>
-                </a:fillRef>
-                <a:effectRef idx="2">
-                  <a:schemeClr val="accent1"/>
-                </a:effectRef>
-                <a:fontRef idx="minor">
-                  <a:schemeClr val="lt1"/>
-                </a:fontRef>
-              </p:style>
-              <p:txBody>
-                <a:bodyPr rtlCol="0" anchor="ctr">
-                  <a:noAutofit/>
-                </a:bodyPr>
-                <a:lstStyle/>
-                <a:p>
-                  <a:pPr algn="ctr"/>
-                  <a:r>
-                    <a:rPr lang="en-US" sz="2800" dirty="0" smtClean="0">
-                      <a:solidFill>
-                        <a:srgbClr val="000000"/>
-                      </a:solidFill>
-                    </a:rPr>
-                    <a:t>Select</a:t>
-                  </a:r>
-                  <a:r>
-                    <a:rPr lang="en-US" sz="2800" dirty="0" smtClean="0">
-                      <a:solidFill>
-                        <a:srgbClr val="000000"/>
-                      </a:solidFill>
-                    </a:rPr>
-                    <a:t> the best task </a:t>
-                  </a:r>
-                  <a:r>
-                    <a:rPr lang="en-US" sz="2800" dirty="0" smtClean="0">
-                      <a:solidFill>
-                        <a:srgbClr val="000000"/>
-                      </a:solidFill>
-                    </a:rPr>
-                    <a:t>using supplied predicate</a:t>
-                  </a:r>
-                  <a:endParaRPr lang="en-US" sz="2800" i="1" dirty="0">
+                  </a:rPr>
+                  <a:t>Predicate = </a:t>
+                </a:r>
+                <a:r>
+                  <a:rPr lang="en-US" sz="2000" i="1" dirty="0" smtClean="0">
                     <a:solidFill>
                       <a:srgbClr val="000000"/>
                     </a:solidFill>
-                  </a:endParaRPr>
-                </a:p>
-              </p:txBody>
-            </p:sp>
-            <p:cxnSp>
-              <p:nvCxnSpPr>
-                <p:cNvPr id="500" name="Straight Connector 499"/>
-                <p:cNvCxnSpPr/>
-                <p:nvPr/>
-              </p:nvCxnSpPr>
-              <p:spPr>
-                <a:xfrm flipV="1">
-                  <a:off x="18743261" y="15668761"/>
-                  <a:ext cx="1611619" cy="10317"/>
-                </a:xfrm>
-                <a:prstGeom prst="line">
-                  <a:avLst/>
-                </a:prstGeom>
-              </p:spPr>
-              <p:style>
-                <a:lnRef idx="2">
-                  <a:schemeClr val="accent1"/>
-                </a:lnRef>
-                <a:fillRef idx="0">
-                  <a:schemeClr val="accent1"/>
-                </a:fillRef>
-                <a:effectRef idx="1">
-                  <a:schemeClr val="accent1"/>
-                </a:effectRef>
-                <a:fontRef idx="minor">
-                  <a:schemeClr val="tx1"/>
-                </a:fontRef>
-              </p:style>
-            </p:cxnSp>
-            <p:cxnSp>
-              <p:nvCxnSpPr>
-                <p:cNvPr id="502" name="Straight Connector 501"/>
-                <p:cNvCxnSpPr/>
-                <p:nvPr/>
-              </p:nvCxnSpPr>
-              <p:spPr>
-                <a:xfrm rot="10800000">
-                  <a:off x="24024271" y="15668762"/>
-                  <a:ext cx="1769610" cy="10316"/>
-                </a:xfrm>
-                <a:prstGeom prst="line">
-                  <a:avLst/>
-                </a:prstGeom>
-              </p:spPr>
-              <p:style>
-                <a:lnRef idx="2">
-                  <a:schemeClr val="accent1"/>
-                </a:lnRef>
-                <a:fillRef idx="0">
-                  <a:schemeClr val="accent1"/>
-                </a:fillRef>
-                <a:effectRef idx="1">
-                  <a:schemeClr val="accent1"/>
-                </a:effectRef>
-                <a:fontRef idx="minor">
-                  <a:schemeClr val="tx1"/>
-                </a:fontRef>
-              </p:style>
-            </p:cxnSp>
-            <p:cxnSp>
-              <p:nvCxnSpPr>
-                <p:cNvPr id="503" name="Straight Connector 502"/>
-                <p:cNvCxnSpPr>
-                  <a:endCxn id="494" idx="2"/>
-                </p:cNvCxnSpPr>
-                <p:nvPr/>
-              </p:nvCxnSpPr>
-              <p:spPr>
-                <a:xfrm rot="5400000" flipH="1" flipV="1">
-                  <a:off x="18246567" y="18051384"/>
-                  <a:ext cx="997268" cy="21639"/>
-                </a:xfrm>
-                <a:prstGeom prst="line">
-                  <a:avLst/>
-                </a:prstGeom>
-              </p:spPr>
-              <p:style>
-                <a:lnRef idx="2">
-                  <a:schemeClr val="accent1"/>
-                </a:lnRef>
-                <a:fillRef idx="0">
-                  <a:schemeClr val="accent1"/>
-                </a:fillRef>
-                <a:effectRef idx="1">
-                  <a:schemeClr val="accent1"/>
-                </a:effectRef>
-                <a:fontRef idx="minor">
-                  <a:schemeClr val="tx1"/>
-                </a:fontRef>
-              </p:style>
-            </p:cxnSp>
-            <p:cxnSp>
-              <p:nvCxnSpPr>
-                <p:cNvPr id="504" name="Straight Connector 503"/>
-                <p:cNvCxnSpPr>
-                  <a:endCxn id="496" idx="2"/>
-                </p:cNvCxnSpPr>
-                <p:nvPr/>
-              </p:nvCxnSpPr>
-              <p:spPr>
-                <a:xfrm rot="5400000" flipH="1" flipV="1">
-                  <a:off x="25198154" y="18053688"/>
-                  <a:ext cx="1020480" cy="3621"/>
-                </a:xfrm>
-                <a:prstGeom prst="line">
-                  <a:avLst/>
-                </a:prstGeom>
-              </p:spPr>
-              <p:style>
-                <a:lnRef idx="2">
-                  <a:schemeClr val="accent1"/>
-                </a:lnRef>
-                <a:fillRef idx="0">
-                  <a:schemeClr val="accent1"/>
-                </a:fillRef>
-                <a:effectRef idx="1">
-                  <a:schemeClr val="accent1"/>
-                </a:effectRef>
-                <a:fontRef idx="minor">
-                  <a:schemeClr val="tx1"/>
-                </a:fontRef>
-              </p:style>
-            </p:cxnSp>
-            <p:sp>
-              <p:nvSpPr>
-                <p:cNvPr id="506" name="Decision 505"/>
-                <p:cNvSpPr/>
-                <p:nvPr/>
-              </p:nvSpPr>
-              <p:spPr>
-                <a:xfrm>
-                  <a:off x="20642238" y="21128190"/>
-                  <a:ext cx="3054258" cy="2040020"/>
-                </a:xfrm>
-                <a:prstGeom prst="flowChartDecision">
-                  <a:avLst/>
-                </a:prstGeom>
-              </p:spPr>
-              <p:style>
-                <a:lnRef idx="1">
-                  <a:schemeClr val="accent1"/>
-                </a:lnRef>
-                <a:fillRef idx="3">
-                  <a:schemeClr val="accent1"/>
-                </a:fillRef>
-                <a:effectRef idx="2">
-                  <a:schemeClr val="accent1"/>
-                </a:effectRef>
-                <a:fontRef idx="minor">
-                  <a:schemeClr val="lt1"/>
-                </a:fontRef>
-              </p:style>
-              <p:txBody>
-                <a:bodyPr rtlCol="0" anchor="ctr"/>
-                <a:lstStyle/>
-                <a:p>
-                  <a:pPr algn="ctr"/>
-                  <a:r>
-                    <a:rPr lang="en-US" sz="2800" dirty="0" smtClean="0">
-                      <a:solidFill>
-                        <a:srgbClr val="000000"/>
-                      </a:solidFill>
-                    </a:rPr>
-                    <a:t>Found a task?</a:t>
-                  </a:r>
-                  <a:endParaRPr lang="en-US" sz="2800" dirty="0">
+                  </a:rPr>
+                  <a:t>own</a:t>
+                </a:r>
+                <a:endParaRPr lang="en-US" sz="2000" i="1" dirty="0">
+                  <a:solidFill>
+                    <a:srgbClr val="000000"/>
+                  </a:solidFill>
+                </a:endParaRPr>
+              </a:p>
+            </p:txBody>
+          </p:sp>
+          <p:sp>
+            <p:nvSpPr>
+              <p:cNvPr id="496" name="Process 495"/>
+              <p:cNvSpPr/>
+              <p:nvPr/>
+            </p:nvSpPr>
+            <p:spPr>
+              <a:xfrm>
+                <a:off x="23608442" y="16586247"/>
+                <a:ext cx="4199900" cy="957377"/>
+              </a:xfrm>
+              <a:prstGeom prst="flowChartProcess">
+                <a:avLst/>
+              </a:prstGeom>
+            </p:spPr>
+            <p:style>
+              <a:lnRef idx="1">
+                <a:schemeClr val="accent1"/>
+              </a:lnRef>
+              <a:fillRef idx="3">
+                <a:schemeClr val="accent1"/>
+              </a:fillRef>
+              <a:effectRef idx="2">
+                <a:schemeClr val="accent1"/>
+              </a:effectRef>
+              <a:fontRef idx="minor">
+                <a:schemeClr val="lt1"/>
+              </a:fontRef>
+            </p:style>
+            <p:txBody>
+              <a:bodyPr rtlCol="0" anchor="ctr"/>
+              <a:lstStyle/>
+              <a:p>
+                <a:pPr algn="ctr"/>
+                <a:r>
+                  <a:rPr lang="en-US" sz="2000" dirty="0" smtClean="0">
                     <a:solidFill>
                       <a:srgbClr val="000000"/>
                     </a:solidFill>
-                  </a:endParaRPr>
-                </a:p>
-              </p:txBody>
-            </p:sp>
-            <p:sp>
-              <p:nvSpPr>
-                <p:cNvPr id="507" name="Terminator 506"/>
-                <p:cNvSpPr/>
-                <p:nvPr/>
-              </p:nvSpPr>
-              <p:spPr>
-                <a:xfrm>
-                  <a:off x="24683818" y="21820655"/>
-                  <a:ext cx="1898331" cy="646816"/>
-                </a:xfrm>
-                <a:prstGeom prst="flowChartTerminator">
-                  <a:avLst/>
-                </a:prstGeom>
-              </p:spPr>
-              <p:style>
-                <a:lnRef idx="1">
-                  <a:schemeClr val="accent1"/>
-                </a:lnRef>
-                <a:fillRef idx="3">
-                  <a:schemeClr val="accent1"/>
-                </a:fillRef>
-                <a:effectRef idx="2">
-                  <a:schemeClr val="accent1"/>
-                </a:effectRef>
-                <a:fontRef idx="minor">
-                  <a:schemeClr val="lt1"/>
-                </a:fontRef>
-              </p:style>
-              <p:txBody>
-                <a:bodyPr rtlCol="0" anchor="ctr"/>
-                <a:lstStyle/>
-                <a:p>
-                  <a:pPr algn="ctr"/>
-                  <a:r>
-                    <a:rPr lang="en-US" sz="2800" dirty="0" smtClean="0">
-                      <a:solidFill>
-                        <a:srgbClr val="000000"/>
-                      </a:solidFill>
-                    </a:rPr>
-                    <a:t>End</a:t>
-                  </a:r>
-                  <a:endParaRPr lang="en-US" sz="2800" dirty="0">
+                  </a:rPr>
+                  <a:t>Victim queue = other</a:t>
+                </a:r>
+              </a:p>
+              <a:p>
+                <a:pPr algn="ctr"/>
+                <a:r>
+                  <a:rPr lang="en-US" sz="2000" dirty="0" smtClean="0">
                     <a:solidFill>
                       <a:srgbClr val="000000"/>
                     </a:solidFill>
-                  </a:endParaRPr>
-                </a:p>
-              </p:txBody>
-            </p:sp>
-            <p:cxnSp>
-              <p:nvCxnSpPr>
-                <p:cNvPr id="508" name="Straight Connector 507"/>
-                <p:cNvCxnSpPr>
-                  <a:stCxn id="506" idx="1"/>
-                </p:cNvCxnSpPr>
-                <p:nvPr/>
-              </p:nvCxnSpPr>
-              <p:spPr>
-                <a:xfrm rot="10800000">
-                  <a:off x="16334666" y="22117136"/>
-                  <a:ext cx="4307573" cy="31064"/>
-                </a:xfrm>
-                <a:prstGeom prst="line">
-                  <a:avLst/>
-                </a:prstGeom>
-              </p:spPr>
-              <p:style>
-                <a:lnRef idx="2">
-                  <a:schemeClr val="accent1"/>
-                </a:lnRef>
-                <a:fillRef idx="0">
-                  <a:schemeClr val="accent1"/>
-                </a:fillRef>
-                <a:effectRef idx="1">
-                  <a:schemeClr val="accent1"/>
-                </a:effectRef>
-                <a:fontRef idx="minor">
-                  <a:schemeClr val="tx1"/>
-                </a:fontRef>
-              </p:style>
-            </p:cxnSp>
-            <p:cxnSp>
-              <p:nvCxnSpPr>
-                <p:cNvPr id="509" name="Straight Connector 508"/>
-                <p:cNvCxnSpPr/>
-                <p:nvPr/>
-              </p:nvCxnSpPr>
-              <p:spPr>
-                <a:xfrm rot="5400000">
-                  <a:off x="12532436" y="18321402"/>
-                  <a:ext cx="7617494" cy="1813"/>
-                </a:xfrm>
-                <a:prstGeom prst="line">
-                  <a:avLst/>
-                </a:prstGeom>
-              </p:spPr>
-              <p:style>
-                <a:lnRef idx="2">
-                  <a:schemeClr val="accent1"/>
-                </a:lnRef>
-                <a:fillRef idx="0">
-                  <a:schemeClr val="accent1"/>
-                </a:fillRef>
-                <a:effectRef idx="1">
-                  <a:schemeClr val="accent1"/>
-                </a:effectRef>
-                <a:fontRef idx="minor">
-                  <a:schemeClr val="tx1"/>
-                </a:fontRef>
-              </p:style>
-            </p:cxnSp>
-            <p:cxnSp>
-              <p:nvCxnSpPr>
-                <p:cNvPr id="511" name="Straight Arrow Connector 510"/>
-                <p:cNvCxnSpPr>
-                  <a:endCxn id="493" idx="0"/>
-                </p:cNvCxnSpPr>
-                <p:nvPr/>
-              </p:nvCxnSpPr>
-              <p:spPr>
-                <a:xfrm>
-                  <a:off x="16290872" y="14496578"/>
-                  <a:ext cx="5898702" cy="15352"/>
-                </a:xfrm>
-                <a:prstGeom prst="straightConnector1">
-                  <a:avLst/>
-                </a:prstGeom>
-                <a:ln>
-                  <a:tailEnd type="arrow"/>
-                </a:ln>
-              </p:spPr>
-              <p:style>
-                <a:lnRef idx="2">
-                  <a:schemeClr val="accent1"/>
-                </a:lnRef>
-                <a:fillRef idx="0">
-                  <a:schemeClr val="accent1"/>
-                </a:fillRef>
-                <a:effectRef idx="1">
-                  <a:schemeClr val="accent1"/>
-                </a:effectRef>
-                <a:fontRef idx="minor">
-                  <a:schemeClr val="tx1"/>
-                </a:fontRef>
-              </p:style>
-            </p:cxnSp>
-            <p:cxnSp>
-              <p:nvCxnSpPr>
-                <p:cNvPr id="512" name="Straight Arrow Connector 511"/>
-                <p:cNvCxnSpPr>
-                  <a:endCxn id="494" idx="0"/>
-                </p:cNvCxnSpPr>
-                <p:nvPr/>
-              </p:nvCxnSpPr>
-              <p:spPr>
-                <a:xfrm rot="5400000">
-                  <a:off x="18287310" y="16137478"/>
-                  <a:ext cx="937428" cy="2"/>
-                </a:xfrm>
-                <a:prstGeom prst="straightConnector1">
-                  <a:avLst/>
-                </a:prstGeom>
-                <a:ln>
-                  <a:tailEnd type="arrow"/>
-                </a:ln>
-              </p:spPr>
-              <p:style>
-                <a:lnRef idx="2">
-                  <a:schemeClr val="accent1"/>
-                </a:lnRef>
-                <a:fillRef idx="0">
-                  <a:schemeClr val="accent1"/>
-                </a:fillRef>
-                <a:effectRef idx="1">
-                  <a:schemeClr val="accent1"/>
-                </a:effectRef>
-                <a:fontRef idx="minor">
-                  <a:schemeClr val="tx1"/>
-                </a:fontRef>
-              </p:style>
-            </p:cxnSp>
-            <p:cxnSp>
-              <p:nvCxnSpPr>
-                <p:cNvPr id="513" name="Straight Arrow Connector 512"/>
-                <p:cNvCxnSpPr>
-                  <a:endCxn id="496" idx="0"/>
-                </p:cNvCxnSpPr>
-                <p:nvPr/>
-              </p:nvCxnSpPr>
-              <p:spPr>
-                <a:xfrm rot="16200000" flipH="1">
-                  <a:off x="25238598" y="16116452"/>
-                  <a:ext cx="917486" cy="22104"/>
-                </a:xfrm>
-                <a:prstGeom prst="straightConnector1">
-                  <a:avLst/>
-                </a:prstGeom>
-                <a:ln>
-                  <a:tailEnd type="arrow"/>
-                </a:ln>
-              </p:spPr>
-              <p:style>
-                <a:lnRef idx="2">
-                  <a:schemeClr val="accent1"/>
-                </a:lnRef>
-                <a:fillRef idx="0">
-                  <a:schemeClr val="accent1"/>
-                </a:fillRef>
-                <a:effectRef idx="1">
-                  <a:schemeClr val="accent1"/>
-                </a:effectRef>
-                <a:fontRef idx="minor">
-                  <a:schemeClr val="tx1"/>
-                </a:fontRef>
-              </p:style>
-            </p:cxnSp>
-            <p:cxnSp>
-              <p:nvCxnSpPr>
-                <p:cNvPr id="514" name="Straight Arrow Connector 513"/>
-                <p:cNvCxnSpPr>
-                  <a:endCxn id="497" idx="1"/>
-                </p:cNvCxnSpPr>
-                <p:nvPr/>
-              </p:nvCxnSpPr>
-              <p:spPr>
-                <a:xfrm flipV="1">
-                  <a:off x="18699469" y="18560838"/>
-                  <a:ext cx="1390158" cy="8797"/>
-                </a:xfrm>
-                <a:prstGeom prst="straightConnector1">
-                  <a:avLst/>
-                </a:prstGeom>
-                <a:ln>
-                  <a:tailEnd type="arrow"/>
-                </a:ln>
-              </p:spPr>
-              <p:style>
-                <a:lnRef idx="2">
-                  <a:schemeClr val="accent1"/>
-                </a:lnRef>
-                <a:fillRef idx="0">
-                  <a:schemeClr val="accent1"/>
-                </a:fillRef>
-                <a:effectRef idx="1">
-                  <a:schemeClr val="accent1"/>
-                </a:effectRef>
-                <a:fontRef idx="minor">
-                  <a:schemeClr val="tx1"/>
-                </a:fontRef>
-              </p:style>
-            </p:cxnSp>
-            <p:cxnSp>
-              <p:nvCxnSpPr>
-                <p:cNvPr id="516" name="Straight Arrow Connector 515"/>
-                <p:cNvCxnSpPr>
-                  <a:endCxn id="497" idx="3"/>
-                </p:cNvCxnSpPr>
-                <p:nvPr/>
-              </p:nvCxnSpPr>
-              <p:spPr>
-                <a:xfrm rot="10800000">
-                  <a:off x="24249129" y="18560839"/>
-                  <a:ext cx="1457167" cy="8797"/>
-                </a:xfrm>
-                <a:prstGeom prst="straightConnector1">
-                  <a:avLst/>
-                </a:prstGeom>
-                <a:ln>
-                  <a:tailEnd type="arrow"/>
-                </a:ln>
-              </p:spPr>
-              <p:style>
-                <a:lnRef idx="2">
-                  <a:schemeClr val="accent1"/>
-                </a:lnRef>
-                <a:fillRef idx="0">
-                  <a:schemeClr val="accent1"/>
-                </a:fillRef>
-                <a:effectRef idx="1">
-                  <a:schemeClr val="accent1"/>
-                </a:effectRef>
-                <a:fontRef idx="minor">
-                  <a:schemeClr val="tx1"/>
-                </a:fontRef>
-              </p:style>
-            </p:cxnSp>
-            <p:cxnSp>
-              <p:nvCxnSpPr>
-                <p:cNvPr id="517" name="Straight Arrow Connector 516"/>
-                <p:cNvCxnSpPr>
-                  <a:stCxn id="497" idx="2"/>
-                  <a:endCxn id="499" idx="0"/>
-                </p:cNvCxnSpPr>
-                <p:nvPr/>
-              </p:nvCxnSpPr>
-              <p:spPr>
-                <a:xfrm rot="5400000">
-                  <a:off x="21811911" y="19393175"/>
-                  <a:ext cx="711118" cy="3817"/>
-                </a:xfrm>
-                <a:prstGeom prst="straightConnector1">
-                  <a:avLst/>
-                </a:prstGeom>
-                <a:ln>
-                  <a:tailEnd type="arrow"/>
-                </a:ln>
-              </p:spPr>
-              <p:style>
-                <a:lnRef idx="2">
-                  <a:schemeClr val="accent1"/>
-                </a:lnRef>
-                <a:fillRef idx="0">
-                  <a:schemeClr val="accent1"/>
-                </a:fillRef>
-                <a:effectRef idx="1">
-                  <a:schemeClr val="accent1"/>
-                </a:effectRef>
-                <a:fontRef idx="minor">
-                  <a:schemeClr val="tx1"/>
-                </a:fontRef>
-              </p:style>
-            </p:cxnSp>
-            <p:cxnSp>
-              <p:nvCxnSpPr>
-                <p:cNvPr id="518" name="Straight Arrow Connector 517"/>
-                <p:cNvCxnSpPr>
-                  <a:stCxn id="499" idx="2"/>
-                  <a:endCxn id="506" idx="0"/>
-                </p:cNvCxnSpPr>
-                <p:nvPr/>
-              </p:nvCxnSpPr>
-              <p:spPr>
-                <a:xfrm rot="16200000" flipH="1">
-                  <a:off x="21906089" y="20864911"/>
-                  <a:ext cx="522749" cy="3806"/>
-                </a:xfrm>
-                <a:prstGeom prst="straightConnector1">
-                  <a:avLst/>
-                </a:prstGeom>
-                <a:ln>
-                  <a:tailEnd type="arrow"/>
-                </a:ln>
-              </p:spPr>
-              <p:style>
-                <a:lnRef idx="2">
-                  <a:schemeClr val="accent1"/>
-                </a:lnRef>
-                <a:fillRef idx="0">
-                  <a:schemeClr val="accent1"/>
-                </a:fillRef>
-                <a:effectRef idx="1">
-                  <a:schemeClr val="accent1"/>
-                </a:effectRef>
-                <a:fontRef idx="minor">
-                  <a:schemeClr val="tx1"/>
-                </a:fontRef>
-              </p:style>
-            </p:cxnSp>
-            <p:cxnSp>
-              <p:nvCxnSpPr>
-                <p:cNvPr id="520" name="Straight Arrow Connector 519"/>
-                <p:cNvCxnSpPr>
-                  <a:stCxn id="506" idx="3"/>
-                  <a:endCxn id="507" idx="1"/>
-                </p:cNvCxnSpPr>
-                <p:nvPr/>
-              </p:nvCxnSpPr>
-              <p:spPr>
-                <a:xfrm flipV="1">
-                  <a:off x="23696496" y="22144063"/>
-                  <a:ext cx="987322" cy="4137"/>
-                </a:xfrm>
-                <a:prstGeom prst="straightConnector1">
-                  <a:avLst/>
-                </a:prstGeom>
-                <a:ln>
-                  <a:tailEnd type="arrow"/>
-                </a:ln>
-              </p:spPr>
-              <p:style>
-                <a:lnRef idx="2">
-                  <a:schemeClr val="accent1"/>
-                </a:lnRef>
-                <a:fillRef idx="0">
-                  <a:schemeClr val="accent1"/>
-                </a:fillRef>
-                <a:effectRef idx="1">
-                  <a:schemeClr val="accent1"/>
-                </a:effectRef>
-                <a:fontRef idx="minor">
-                  <a:schemeClr val="tx1"/>
-                </a:fontRef>
-              </p:style>
-            </p:cxnSp>
-            <p:sp>
-              <p:nvSpPr>
-                <p:cNvPr id="522" name="TextBox 521"/>
-                <p:cNvSpPr txBox="1"/>
-                <p:nvPr/>
-              </p:nvSpPr>
-              <p:spPr>
-                <a:xfrm>
-                  <a:off x="19668120" y="21561184"/>
-                  <a:ext cx="947425" cy="523220"/>
-                </a:xfrm>
-                <a:prstGeom prst="rect">
-                  <a:avLst/>
-                </a:prstGeom>
-                <a:noFill/>
-              </p:spPr>
-              <p:txBody>
-                <a:bodyPr wrap="square" rtlCol="0">
-                  <a:spAutoFit/>
-                </a:bodyPr>
-                <a:lstStyle/>
-                <a:p>
-                  <a:r>
-                    <a:rPr lang="en-US" sz="2800" dirty="0" smtClean="0"/>
-                    <a:t>NO</a:t>
-                  </a:r>
-                  <a:endParaRPr lang="en-US" sz="2800" dirty="0"/>
-                </a:p>
-              </p:txBody>
-            </p:sp>
-            <p:sp>
-              <p:nvSpPr>
-                <p:cNvPr id="525" name="TextBox 524"/>
-                <p:cNvSpPr txBox="1"/>
-                <p:nvPr/>
-              </p:nvSpPr>
-              <p:spPr>
-                <a:xfrm>
-                  <a:off x="19319037" y="15098894"/>
-                  <a:ext cx="947425" cy="523220"/>
-                </a:xfrm>
-                <a:prstGeom prst="rect">
-                  <a:avLst/>
-                </a:prstGeom>
-                <a:noFill/>
-              </p:spPr>
-              <p:txBody>
-                <a:bodyPr wrap="square" rtlCol="0">
-                  <a:spAutoFit/>
-                </a:bodyPr>
-                <a:lstStyle/>
-                <a:p>
-                  <a:r>
-                    <a:rPr lang="en-US" sz="2800" dirty="0" smtClean="0"/>
-                    <a:t>NO</a:t>
-                  </a:r>
-                  <a:endParaRPr lang="en-US" sz="2800" dirty="0"/>
-                </a:p>
-              </p:txBody>
-            </p:sp>
-            <p:cxnSp>
-              <p:nvCxnSpPr>
-                <p:cNvPr id="526" name="Straight Arrow Connector 525"/>
-                <p:cNvCxnSpPr>
-                  <a:stCxn id="491" idx="2"/>
-                  <a:endCxn id="493" idx="0"/>
-                </p:cNvCxnSpPr>
-                <p:nvPr/>
-              </p:nvCxnSpPr>
-              <p:spPr>
-                <a:xfrm rot="16200000" flipH="1">
-                  <a:off x="21944112" y="14266468"/>
-                  <a:ext cx="478688" cy="12236"/>
-                </a:xfrm>
-                <a:prstGeom prst="straightConnector1">
-                  <a:avLst/>
-                </a:prstGeom>
-                <a:ln>
-                  <a:tailEnd type="arrow"/>
-                </a:ln>
-              </p:spPr>
-              <p:style>
-                <a:lnRef idx="2">
-                  <a:schemeClr val="accent1"/>
-                </a:lnRef>
-                <a:fillRef idx="0">
-                  <a:schemeClr val="accent1"/>
-                </a:fillRef>
-                <a:effectRef idx="1">
-                  <a:schemeClr val="accent1"/>
-                </a:effectRef>
-                <a:fontRef idx="minor">
-                  <a:schemeClr val="tx1"/>
-                </a:fontRef>
-              </p:style>
-            </p:cxnSp>
-            <p:sp>
-              <p:nvSpPr>
-                <p:cNvPr id="530" name="TextBox 529"/>
-                <p:cNvSpPr txBox="1"/>
-                <p:nvPr/>
-              </p:nvSpPr>
-              <p:spPr>
-                <a:xfrm>
-                  <a:off x="24201045" y="15119904"/>
-                  <a:ext cx="947425" cy="523220"/>
-                </a:xfrm>
-                <a:prstGeom prst="rect">
-                  <a:avLst/>
-                </a:prstGeom>
-                <a:noFill/>
-              </p:spPr>
-              <p:txBody>
-                <a:bodyPr wrap="square" rtlCol="0">
-                  <a:spAutoFit/>
-                </a:bodyPr>
-                <a:lstStyle/>
-                <a:p>
-                  <a:r>
-                    <a:rPr lang="en-US" sz="2800" dirty="0" smtClean="0"/>
-                    <a:t>YES</a:t>
-                  </a:r>
-                  <a:endParaRPr lang="en-US" sz="2800" dirty="0"/>
-                </a:p>
-              </p:txBody>
-            </p:sp>
-            <p:sp>
-              <p:nvSpPr>
-                <p:cNvPr id="531" name="TextBox 530"/>
-                <p:cNvSpPr txBox="1"/>
-                <p:nvPr/>
-              </p:nvSpPr>
-              <p:spPr>
-                <a:xfrm>
-                  <a:off x="23740349" y="21578972"/>
-                  <a:ext cx="947425" cy="523220"/>
-                </a:xfrm>
-                <a:prstGeom prst="rect">
-                  <a:avLst/>
-                </a:prstGeom>
-                <a:noFill/>
-              </p:spPr>
-              <p:txBody>
-                <a:bodyPr wrap="square" rtlCol="0">
-                  <a:spAutoFit/>
-                </a:bodyPr>
-                <a:lstStyle/>
-                <a:p>
-                  <a:r>
-                    <a:rPr lang="en-US" sz="2800" dirty="0" smtClean="0"/>
-                    <a:t>YES</a:t>
-                  </a:r>
-                  <a:endParaRPr lang="en-US" sz="2800" dirty="0"/>
-                </a:p>
-              </p:txBody>
-            </p:sp>
-          </p:grpSp>
-          <p:grpSp>
-            <p:nvGrpSpPr>
-              <p:cNvPr id="541" name="Group 540"/>
-              <p:cNvGrpSpPr/>
-              <p:nvPr/>
-            </p:nvGrpSpPr>
-            <p:grpSpPr>
-              <a:xfrm>
-                <a:off x="17328937" y="8051048"/>
-                <a:ext cx="9209416" cy="4474693"/>
-                <a:chOff x="14044490" y="19832258"/>
-                <a:chExt cx="9209416" cy="4474693"/>
-              </a:xfrm>
-            </p:grpSpPr>
-            <p:sp>
-              <p:nvSpPr>
-                <p:cNvPr id="540" name="Process 539"/>
-                <p:cNvSpPr/>
-                <p:nvPr/>
-              </p:nvSpPr>
-              <p:spPr>
-                <a:xfrm>
-                  <a:off x="14044490" y="19832258"/>
-                  <a:ext cx="9209416" cy="4474693"/>
-                </a:xfrm>
-                <a:prstGeom prst="flowChartProcess">
-                  <a:avLst/>
-                </a:prstGeom>
-                <a:solidFill>
-                  <a:schemeClr val="accent3">
-                    <a:lumMod val="40000"/>
-                    <a:lumOff val="60000"/>
-                  </a:schemeClr>
-                </a:solidFill>
-              </p:spPr>
-              <p:style>
-                <a:lnRef idx="1">
-                  <a:schemeClr val="accent1"/>
-                </a:lnRef>
-                <a:fillRef idx="3">
-                  <a:schemeClr val="accent1"/>
-                </a:fillRef>
-                <a:effectRef idx="2">
-                  <a:schemeClr val="accent1"/>
-                </a:effectRef>
-                <a:fontRef idx="minor">
-                  <a:schemeClr val="lt1"/>
-                </a:fontRef>
-              </p:style>
-              <p:txBody>
-                <a:bodyPr rtlCol="0" anchor="t" anchorCtr="0"/>
-                <a:lstStyle/>
-                <a:p>
-                  <a:r>
-                    <a:rPr lang="en-US" sz="4400" dirty="0" smtClean="0">
-                      <a:solidFill>
-                        <a:srgbClr val="000000"/>
-                      </a:solidFill>
-                    </a:rPr>
-                    <a:t>Scheduling Policy</a:t>
-                  </a:r>
-                  <a:endParaRPr lang="en-US" sz="4400" dirty="0">
+                  </a:rPr>
+                  <a:t>Predicate = </a:t>
+                </a:r>
+                <a:r>
+                  <a:rPr lang="en-US" sz="2000" i="1" dirty="0" smtClean="0">
                     <a:solidFill>
                       <a:srgbClr val="000000"/>
                     </a:solidFill>
-                  </a:endParaRPr>
-                </a:p>
-              </p:txBody>
-            </p:sp>
-            <p:sp>
-              <p:nvSpPr>
-                <p:cNvPr id="536" name="Process 535"/>
-                <p:cNvSpPr/>
-                <p:nvPr/>
-              </p:nvSpPr>
-              <p:spPr>
-                <a:xfrm>
-                  <a:off x="18661675" y="20165856"/>
-                  <a:ext cx="4159501" cy="854797"/>
-                </a:xfrm>
-                <a:prstGeom prst="flowChartProcess">
-                  <a:avLst/>
-                </a:prstGeom>
-                <a:solidFill>
-                  <a:schemeClr val="accent3">
-                    <a:lumMod val="50000"/>
-                  </a:schemeClr>
-                </a:solidFill>
-              </p:spPr>
-              <p:style>
-                <a:lnRef idx="1">
-                  <a:schemeClr val="accent1"/>
-                </a:lnRef>
-                <a:fillRef idx="3">
-                  <a:schemeClr val="accent1"/>
-                </a:fillRef>
-                <a:effectRef idx="2">
-                  <a:schemeClr val="accent1"/>
-                </a:effectRef>
-                <a:fontRef idx="minor">
-                  <a:schemeClr val="lt1"/>
-                </a:fontRef>
-              </p:style>
-              <p:txBody>
-                <a:bodyPr rtlCol="0" anchor="ctr">
-                  <a:noAutofit/>
-                </a:bodyPr>
-                <a:lstStyle/>
-                <a:p>
-                  <a:pPr algn="ctr"/>
-                  <a:r>
-                    <a:rPr lang="en-US" sz="3200" dirty="0" smtClean="0">
-                      <a:solidFill>
-                        <a:srgbClr val="000000"/>
-                      </a:solidFill>
-                    </a:rPr>
-                    <a:t>Regular Predicate Pair</a:t>
-                  </a:r>
-                  <a:endParaRPr lang="en-US" sz="3200" i="1" dirty="0">
+                  </a:rPr>
+                  <a:t>steal</a:t>
+                </a:r>
+                <a:endParaRPr lang="en-US" sz="2000" i="1" dirty="0">
+                  <a:solidFill>
+                    <a:srgbClr val="000000"/>
+                  </a:solidFill>
+                </a:endParaRPr>
+              </a:p>
+            </p:txBody>
+          </p:sp>
+          <p:sp>
+            <p:nvSpPr>
+              <p:cNvPr id="497" name="Process 496"/>
+              <p:cNvSpPr/>
+              <p:nvPr/>
+            </p:nvSpPr>
+            <p:spPr>
+              <a:xfrm>
+                <a:off x="20089627" y="18082149"/>
+                <a:ext cx="4159501" cy="957377"/>
+              </a:xfrm>
+              <a:prstGeom prst="flowChartProcess">
+                <a:avLst/>
+              </a:prstGeom>
+              <a:solidFill>
+                <a:schemeClr val="accent4">
+                  <a:lumMod val="50000"/>
+                </a:schemeClr>
+              </a:solidFill>
+            </p:spPr>
+            <p:style>
+              <a:lnRef idx="1">
+                <a:schemeClr val="accent1"/>
+              </a:lnRef>
+              <a:fillRef idx="3">
+                <a:schemeClr val="accent1"/>
+              </a:fillRef>
+              <a:effectRef idx="2">
+                <a:schemeClr val="accent1"/>
+              </a:effectRef>
+              <a:fontRef idx="minor">
+                <a:schemeClr val="lt1"/>
+              </a:fontRef>
+            </p:style>
+            <p:txBody>
+              <a:bodyPr rtlCol="0" anchor="ctr"/>
+              <a:lstStyle/>
+              <a:p>
+                <a:pPr algn="ctr"/>
+                <a:r>
+                  <a:rPr lang="en-US" sz="2300" dirty="0" smtClean="0"/>
+                  <a:t>Get candidate tasks</a:t>
+                </a:r>
+                <a:endParaRPr lang="en-US" sz="2300" i="1" dirty="0"/>
+              </a:p>
+            </p:txBody>
+          </p:sp>
+          <p:sp>
+            <p:nvSpPr>
+              <p:cNvPr id="499" name="Process 498"/>
+              <p:cNvSpPr/>
+              <p:nvPr/>
+            </p:nvSpPr>
+            <p:spPr>
+              <a:xfrm>
+                <a:off x="20085810" y="19750644"/>
+                <a:ext cx="4159501" cy="854797"/>
+              </a:xfrm>
+              <a:prstGeom prst="flowChartProcess">
+                <a:avLst/>
+              </a:prstGeom>
+              <a:solidFill>
+                <a:schemeClr val="accent3">
+                  <a:lumMod val="50000"/>
+                </a:schemeClr>
+              </a:solidFill>
+            </p:spPr>
+            <p:style>
+              <a:lnRef idx="1">
+                <a:schemeClr val="accent1"/>
+              </a:lnRef>
+              <a:fillRef idx="3">
+                <a:schemeClr val="accent1"/>
+              </a:fillRef>
+              <a:effectRef idx="2">
+                <a:schemeClr val="accent1"/>
+              </a:effectRef>
+              <a:fontRef idx="minor">
+                <a:schemeClr val="lt1"/>
+              </a:fontRef>
+            </p:style>
+            <p:txBody>
+              <a:bodyPr rtlCol="0" anchor="ctr">
+                <a:noAutofit/>
+              </a:bodyPr>
+              <a:lstStyle/>
+              <a:p>
+                <a:pPr algn="ctr"/>
+                <a:r>
+                  <a:rPr lang="en-US" sz="2000" dirty="0" smtClean="0">
                     <a:solidFill>
                       <a:srgbClr val="000000"/>
                     </a:solidFill>
-                  </a:endParaRPr>
-                </a:p>
-              </p:txBody>
-            </p:sp>
-            <p:sp>
-              <p:nvSpPr>
-                <p:cNvPr id="537" name="Process 536"/>
-                <p:cNvSpPr/>
-                <p:nvPr/>
-              </p:nvSpPr>
-              <p:spPr>
-                <a:xfrm>
-                  <a:off x="18682697" y="21369368"/>
-                  <a:ext cx="4159501" cy="854797"/>
-                </a:xfrm>
-                <a:prstGeom prst="flowChartProcess">
-                  <a:avLst/>
-                </a:prstGeom>
-                <a:solidFill>
-                  <a:schemeClr val="accent3">
-                    <a:lumMod val="50000"/>
-                  </a:schemeClr>
-                </a:solidFill>
-              </p:spPr>
-              <p:style>
-                <a:lnRef idx="1">
-                  <a:schemeClr val="accent1"/>
-                </a:lnRef>
-                <a:fillRef idx="3">
-                  <a:schemeClr val="accent1"/>
-                </a:fillRef>
-                <a:effectRef idx="2">
-                  <a:schemeClr val="accent1"/>
-                </a:effectRef>
-                <a:fontRef idx="minor">
-                  <a:schemeClr val="lt1"/>
-                </a:fontRef>
-              </p:style>
-              <p:txBody>
-                <a:bodyPr rtlCol="0" anchor="ctr">
-                  <a:noAutofit/>
-                </a:bodyPr>
-                <a:lstStyle/>
-                <a:p>
-                  <a:pPr algn="ctr"/>
-                  <a:r>
-                    <a:rPr lang="en-US" sz="3200" dirty="0" smtClean="0">
-                      <a:solidFill>
-                        <a:srgbClr val="000000"/>
-                      </a:solidFill>
-                    </a:rPr>
-                    <a:t>Waiting Predicate Pair</a:t>
-                  </a:r>
-                  <a:endParaRPr lang="en-US" sz="3200" i="1" dirty="0">
-                    <a:solidFill>
-                      <a:srgbClr val="000000"/>
-                    </a:solidFill>
-                  </a:endParaRPr>
-                </a:p>
-              </p:txBody>
-            </p:sp>
-            <p:sp>
-              <p:nvSpPr>
-                <p:cNvPr id="538" name="Process 537"/>
-                <p:cNvSpPr/>
-                <p:nvPr/>
-              </p:nvSpPr>
-              <p:spPr>
-                <a:xfrm>
-                  <a:off x="18659925" y="22616673"/>
-                  <a:ext cx="4159501" cy="854797"/>
-                </a:xfrm>
-                <a:prstGeom prst="flowChartProcess">
-                  <a:avLst/>
-                </a:prstGeom>
-                <a:solidFill>
-                  <a:schemeClr val="accent3">
-                    <a:lumMod val="50000"/>
-                  </a:schemeClr>
-                </a:solidFill>
-              </p:spPr>
-              <p:style>
-                <a:lnRef idx="1">
-                  <a:schemeClr val="accent1"/>
-                </a:lnRef>
-                <a:fillRef idx="3">
-                  <a:schemeClr val="accent1"/>
-                </a:fillRef>
-                <a:effectRef idx="2">
-                  <a:schemeClr val="accent1"/>
-                </a:effectRef>
-                <a:fontRef idx="minor">
-                  <a:schemeClr val="lt1"/>
-                </a:fontRef>
-              </p:style>
-              <p:txBody>
-                <a:bodyPr rtlCol="0" anchor="ctr">
-                  <a:noAutofit/>
-                </a:bodyPr>
-                <a:lstStyle/>
-                <a:p>
-                  <a:pPr algn="ctr"/>
-                  <a:r>
-                    <a:rPr lang="en-US" sz="3200" dirty="0" smtClean="0">
-                      <a:solidFill>
-                        <a:srgbClr val="000000"/>
-                      </a:solidFill>
-                    </a:rPr>
-                    <a:t>Group Predicate Pair</a:t>
-                  </a:r>
-                  <a:endParaRPr lang="en-US" sz="3200" i="1" dirty="0">
-                    <a:solidFill>
-                      <a:srgbClr val="000000"/>
-                    </a:solidFill>
-                  </a:endParaRPr>
-                </a:p>
-              </p:txBody>
-            </p:sp>
-            <p:sp>
-              <p:nvSpPr>
-                <p:cNvPr id="539" name="Process 538"/>
-                <p:cNvSpPr/>
-                <p:nvPr/>
-              </p:nvSpPr>
-              <p:spPr>
-                <a:xfrm>
-                  <a:off x="14330018" y="21431712"/>
-                  <a:ext cx="4106696" cy="2043106"/>
-                </a:xfrm>
-                <a:prstGeom prst="flowChartProcess">
-                  <a:avLst/>
-                </a:prstGeom>
-                <a:solidFill>
-                  <a:schemeClr val="accent4">
-                    <a:lumMod val="50000"/>
-                  </a:schemeClr>
-                </a:solidFill>
-              </p:spPr>
-              <p:style>
-                <a:lnRef idx="1">
-                  <a:schemeClr val="accent1"/>
-                </a:lnRef>
-                <a:fillRef idx="3">
-                  <a:schemeClr val="accent1"/>
-                </a:fillRef>
-                <a:effectRef idx="2">
-                  <a:schemeClr val="accent1"/>
-                </a:effectRef>
-                <a:fontRef idx="minor">
-                  <a:schemeClr val="lt1"/>
-                </a:fontRef>
-              </p:style>
-              <p:txBody>
-                <a:bodyPr rtlCol="0" anchor="ctr"/>
-                <a:lstStyle/>
-                <a:p>
-                  <a:pPr algn="ctr"/>
-                  <a:r>
-                    <a:rPr lang="en-US" sz="3600" dirty="0" smtClean="0"/>
-                    <a:t>Task Queue Set</a:t>
-                  </a:r>
-                  <a:endParaRPr lang="en-US" sz="3600" i="1" dirty="0"/>
-                </a:p>
-              </p:txBody>
-            </p:sp>
-          </p:grpSp>
+                  </a:rPr>
+                  <a:t>Select the best task using supplied predicate</a:t>
+                </a:r>
+                <a:endParaRPr lang="en-US" sz="2000" i="1" dirty="0">
+                  <a:solidFill>
+                    <a:srgbClr val="000000"/>
+                  </a:solidFill>
+                </a:endParaRPr>
+              </a:p>
+            </p:txBody>
+          </p:sp>
           <p:cxnSp>
             <p:nvCxnSpPr>
-              <p:cNvPr id="553" name="Straight Arrow Connector 552"/>
+              <p:cNvPr id="500" name="Straight Connector 499"/>
+              <p:cNvCxnSpPr/>
+              <p:nvPr/>
+            </p:nvCxnSpPr>
+            <p:spPr>
+              <a:xfrm flipV="1">
+                <a:off x="18743261" y="15668761"/>
+                <a:ext cx="1611619" cy="10317"/>
+              </a:xfrm>
+              <a:prstGeom prst="line">
+                <a:avLst/>
+              </a:prstGeom>
+            </p:spPr>
+            <p:style>
+              <a:lnRef idx="2">
+                <a:schemeClr val="accent1"/>
+              </a:lnRef>
+              <a:fillRef idx="0">
+                <a:schemeClr val="accent1"/>
+              </a:fillRef>
+              <a:effectRef idx="1">
+                <a:schemeClr val="accent1"/>
+              </a:effectRef>
+              <a:fontRef idx="minor">
+                <a:schemeClr val="tx1"/>
+              </a:fontRef>
+            </p:style>
+          </p:cxnSp>
+          <p:cxnSp>
+            <p:nvCxnSpPr>
+              <p:cNvPr id="502" name="Straight Connector 501"/>
+              <p:cNvCxnSpPr/>
+              <p:nvPr/>
+            </p:nvCxnSpPr>
+            <p:spPr>
+              <a:xfrm rot="10800000">
+                <a:off x="24024271" y="15668762"/>
+                <a:ext cx="1769610" cy="10316"/>
+              </a:xfrm>
+              <a:prstGeom prst="line">
+                <a:avLst/>
+              </a:prstGeom>
+            </p:spPr>
+            <p:style>
+              <a:lnRef idx="2">
+                <a:schemeClr val="accent1"/>
+              </a:lnRef>
+              <a:fillRef idx="0">
+                <a:schemeClr val="accent1"/>
+              </a:fillRef>
+              <a:effectRef idx="1">
+                <a:schemeClr val="accent1"/>
+              </a:effectRef>
+              <a:fontRef idx="minor">
+                <a:schemeClr val="tx1"/>
+              </a:fontRef>
+            </p:style>
+          </p:cxnSp>
+          <p:cxnSp>
+            <p:nvCxnSpPr>
+              <p:cNvPr id="503" name="Straight Connector 502"/>
               <p:cNvCxnSpPr>
-                <a:stCxn id="540" idx="2"/>
-                <a:endCxn id="491" idx="0"/>
+                <a:endCxn id="494" idx="2"/>
               </p:cNvCxnSpPr>
               <p:nvPr/>
             </p:nvCxnSpPr>
             <p:spPr>
-              <a:xfrm rot="16200000" flipH="1">
-                <a:off x="21561457" y="12897929"/>
-                <a:ext cx="769104" cy="24728"/>
+              <a:xfrm rot="5400000" flipH="1" flipV="1">
+                <a:off x="18246567" y="18051384"/>
+                <a:ext cx="997268" cy="21639"/>
+              </a:xfrm>
+              <a:prstGeom prst="line">
+                <a:avLst/>
+              </a:prstGeom>
+            </p:spPr>
+            <p:style>
+              <a:lnRef idx="2">
+                <a:schemeClr val="accent1"/>
+              </a:lnRef>
+              <a:fillRef idx="0">
+                <a:schemeClr val="accent1"/>
+              </a:fillRef>
+              <a:effectRef idx="1">
+                <a:schemeClr val="accent1"/>
+              </a:effectRef>
+              <a:fontRef idx="minor">
+                <a:schemeClr val="tx1"/>
+              </a:fontRef>
+            </p:style>
+          </p:cxnSp>
+          <p:cxnSp>
+            <p:nvCxnSpPr>
+              <p:cNvPr id="504" name="Straight Connector 503"/>
+              <p:cNvCxnSpPr>
+                <a:endCxn id="496" idx="2"/>
+              </p:cNvCxnSpPr>
+              <p:nvPr/>
+            </p:nvCxnSpPr>
+            <p:spPr>
+              <a:xfrm rot="5400000" flipH="1" flipV="1">
+                <a:off x="25198154" y="18053688"/>
+                <a:ext cx="1020480" cy="3621"/>
+              </a:xfrm>
+              <a:prstGeom prst="line">
+                <a:avLst/>
+              </a:prstGeom>
+            </p:spPr>
+            <p:style>
+              <a:lnRef idx="2">
+                <a:schemeClr val="accent1"/>
+              </a:lnRef>
+              <a:fillRef idx="0">
+                <a:schemeClr val="accent1"/>
+              </a:fillRef>
+              <a:effectRef idx="1">
+                <a:schemeClr val="accent1"/>
+              </a:effectRef>
+              <a:fontRef idx="minor">
+                <a:schemeClr val="tx1"/>
+              </a:fontRef>
+            </p:style>
+          </p:cxnSp>
+          <p:sp>
+            <p:nvSpPr>
+              <p:cNvPr id="506" name="Decision 505"/>
+              <p:cNvSpPr/>
+              <p:nvPr/>
+            </p:nvSpPr>
+            <p:spPr>
+              <a:xfrm>
+                <a:off x="20642238" y="21128190"/>
+                <a:ext cx="3054258" cy="2040020"/>
+              </a:xfrm>
+              <a:prstGeom prst="flowChartDecision">
+                <a:avLst/>
+              </a:prstGeom>
+            </p:spPr>
+            <p:style>
+              <a:lnRef idx="1">
+                <a:schemeClr val="accent1"/>
+              </a:lnRef>
+              <a:fillRef idx="3">
+                <a:schemeClr val="accent1"/>
+              </a:fillRef>
+              <a:effectRef idx="2">
+                <a:schemeClr val="accent1"/>
+              </a:effectRef>
+              <a:fontRef idx="minor">
+                <a:schemeClr val="lt1"/>
+              </a:fontRef>
+            </p:style>
+            <p:txBody>
+              <a:bodyPr rtlCol="0" anchor="ctr"/>
+              <a:lstStyle/>
+              <a:p>
+                <a:pPr algn="ctr"/>
+                <a:r>
+                  <a:rPr lang="en-US" sz="2000" dirty="0" smtClean="0">
+                    <a:solidFill>
+                      <a:srgbClr val="000000"/>
+                    </a:solidFill>
+                  </a:rPr>
+                  <a:t>Found a task?</a:t>
+                </a:r>
+                <a:endParaRPr lang="en-US" sz="2000" dirty="0">
+                  <a:solidFill>
+                    <a:srgbClr val="000000"/>
+                  </a:solidFill>
+                </a:endParaRPr>
+              </a:p>
+            </p:txBody>
+          </p:sp>
+          <p:sp>
+            <p:nvSpPr>
+              <p:cNvPr id="507" name="Terminator 506"/>
+              <p:cNvSpPr/>
+              <p:nvPr/>
+            </p:nvSpPr>
+            <p:spPr>
+              <a:xfrm>
+                <a:off x="24683818" y="21820655"/>
+                <a:ext cx="1898331" cy="646816"/>
+              </a:xfrm>
+              <a:prstGeom prst="flowChartTerminator">
+                <a:avLst/>
+              </a:prstGeom>
+            </p:spPr>
+            <p:style>
+              <a:lnRef idx="1">
+                <a:schemeClr val="accent1"/>
+              </a:lnRef>
+              <a:fillRef idx="3">
+                <a:schemeClr val="accent1"/>
+              </a:fillRef>
+              <a:effectRef idx="2">
+                <a:schemeClr val="accent1"/>
+              </a:effectRef>
+              <a:fontRef idx="minor">
+                <a:schemeClr val="lt1"/>
+              </a:fontRef>
+            </p:style>
+            <p:txBody>
+              <a:bodyPr rtlCol="0" anchor="ctr"/>
+              <a:lstStyle/>
+              <a:p>
+                <a:pPr algn="ctr"/>
+                <a:r>
+                  <a:rPr lang="en-US" sz="2000" dirty="0" smtClean="0">
+                    <a:solidFill>
+                      <a:srgbClr val="000000"/>
+                    </a:solidFill>
+                  </a:rPr>
+                  <a:t>End</a:t>
+                </a:r>
+                <a:endParaRPr lang="en-US" sz="2000" dirty="0">
+                  <a:solidFill>
+                    <a:srgbClr val="000000"/>
+                  </a:solidFill>
+                </a:endParaRPr>
+              </a:p>
+            </p:txBody>
+          </p:sp>
+          <p:cxnSp>
+            <p:nvCxnSpPr>
+              <p:cNvPr id="508" name="Straight Connector 507"/>
+              <p:cNvCxnSpPr>
+                <a:stCxn id="506" idx="1"/>
+              </p:cNvCxnSpPr>
+              <p:nvPr/>
+            </p:nvCxnSpPr>
+            <p:spPr>
+              <a:xfrm rot="10800000">
+                <a:off x="16334666" y="22117136"/>
+                <a:ext cx="4307573" cy="31064"/>
+              </a:xfrm>
+              <a:prstGeom prst="line">
+                <a:avLst/>
+              </a:prstGeom>
+            </p:spPr>
+            <p:style>
+              <a:lnRef idx="2">
+                <a:schemeClr val="accent1"/>
+              </a:lnRef>
+              <a:fillRef idx="0">
+                <a:schemeClr val="accent1"/>
+              </a:fillRef>
+              <a:effectRef idx="1">
+                <a:schemeClr val="accent1"/>
+              </a:effectRef>
+              <a:fontRef idx="minor">
+                <a:schemeClr val="tx1"/>
+              </a:fontRef>
+            </p:style>
+          </p:cxnSp>
+          <p:cxnSp>
+            <p:nvCxnSpPr>
+              <p:cNvPr id="509" name="Straight Connector 508"/>
+              <p:cNvCxnSpPr/>
+              <p:nvPr/>
+            </p:nvCxnSpPr>
+            <p:spPr>
+              <a:xfrm rot="5400000">
+                <a:off x="12532436" y="18321402"/>
+                <a:ext cx="7617494" cy="1813"/>
+              </a:xfrm>
+              <a:prstGeom prst="line">
+                <a:avLst/>
+              </a:prstGeom>
+            </p:spPr>
+            <p:style>
+              <a:lnRef idx="2">
+                <a:schemeClr val="accent1"/>
+              </a:lnRef>
+              <a:fillRef idx="0">
+                <a:schemeClr val="accent1"/>
+              </a:fillRef>
+              <a:effectRef idx="1">
+                <a:schemeClr val="accent1"/>
+              </a:effectRef>
+              <a:fontRef idx="minor">
+                <a:schemeClr val="tx1"/>
+              </a:fontRef>
+            </p:style>
+          </p:cxnSp>
+          <p:cxnSp>
+            <p:nvCxnSpPr>
+              <p:cNvPr id="511" name="Straight Arrow Connector 510"/>
+              <p:cNvCxnSpPr>
+                <a:endCxn id="493" idx="0"/>
+              </p:cNvCxnSpPr>
+              <p:nvPr/>
+            </p:nvCxnSpPr>
+            <p:spPr>
+              <a:xfrm>
+                <a:off x="16290872" y="14496578"/>
+                <a:ext cx="5898702" cy="15352"/>
               </a:xfrm>
               <a:prstGeom prst="straightConnector1">
                 <a:avLst/>
@@ -7073,656 +5691,1296 @@
               </a:fontRef>
             </p:style>
           </p:cxnSp>
+          <p:cxnSp>
+            <p:nvCxnSpPr>
+              <p:cNvPr id="512" name="Straight Arrow Connector 511"/>
+              <p:cNvCxnSpPr>
+                <a:endCxn id="494" idx="0"/>
+              </p:cNvCxnSpPr>
+              <p:nvPr/>
+            </p:nvCxnSpPr>
+            <p:spPr>
+              <a:xfrm rot="5400000">
+                <a:off x="18287310" y="16137478"/>
+                <a:ext cx="937428" cy="2"/>
+              </a:xfrm>
+              <a:prstGeom prst="straightConnector1">
+                <a:avLst/>
+              </a:prstGeom>
+              <a:ln>
+                <a:tailEnd type="arrow"/>
+              </a:ln>
+            </p:spPr>
+            <p:style>
+              <a:lnRef idx="2">
+                <a:schemeClr val="accent1"/>
+              </a:lnRef>
+              <a:fillRef idx="0">
+                <a:schemeClr val="accent1"/>
+              </a:fillRef>
+              <a:effectRef idx="1">
+                <a:schemeClr val="accent1"/>
+              </a:effectRef>
+              <a:fontRef idx="minor">
+                <a:schemeClr val="tx1"/>
+              </a:fontRef>
+            </p:style>
+          </p:cxnSp>
+          <p:cxnSp>
+            <p:nvCxnSpPr>
+              <p:cNvPr id="513" name="Straight Arrow Connector 512"/>
+              <p:cNvCxnSpPr>
+                <a:endCxn id="496" idx="0"/>
+              </p:cNvCxnSpPr>
+              <p:nvPr/>
+            </p:nvCxnSpPr>
+            <p:spPr>
+              <a:xfrm rot="16200000" flipH="1">
+                <a:off x="25238598" y="16116452"/>
+                <a:ext cx="917486" cy="22104"/>
+              </a:xfrm>
+              <a:prstGeom prst="straightConnector1">
+                <a:avLst/>
+              </a:prstGeom>
+              <a:ln>
+                <a:tailEnd type="arrow"/>
+              </a:ln>
+            </p:spPr>
+            <p:style>
+              <a:lnRef idx="2">
+                <a:schemeClr val="accent1"/>
+              </a:lnRef>
+              <a:fillRef idx="0">
+                <a:schemeClr val="accent1"/>
+              </a:fillRef>
+              <a:effectRef idx="1">
+                <a:schemeClr val="accent1"/>
+              </a:effectRef>
+              <a:fontRef idx="minor">
+                <a:schemeClr val="tx1"/>
+              </a:fontRef>
+            </p:style>
+          </p:cxnSp>
+          <p:cxnSp>
+            <p:nvCxnSpPr>
+              <p:cNvPr id="514" name="Straight Arrow Connector 513"/>
+              <p:cNvCxnSpPr>
+                <a:endCxn id="497" idx="1"/>
+              </p:cNvCxnSpPr>
+              <p:nvPr/>
+            </p:nvCxnSpPr>
+            <p:spPr>
+              <a:xfrm flipV="1">
+                <a:off x="18699469" y="18560838"/>
+                <a:ext cx="1390158" cy="8797"/>
+              </a:xfrm>
+              <a:prstGeom prst="straightConnector1">
+                <a:avLst/>
+              </a:prstGeom>
+              <a:ln>
+                <a:tailEnd type="arrow"/>
+              </a:ln>
+            </p:spPr>
+            <p:style>
+              <a:lnRef idx="2">
+                <a:schemeClr val="accent1"/>
+              </a:lnRef>
+              <a:fillRef idx="0">
+                <a:schemeClr val="accent1"/>
+              </a:fillRef>
+              <a:effectRef idx="1">
+                <a:schemeClr val="accent1"/>
+              </a:effectRef>
+              <a:fontRef idx="minor">
+                <a:schemeClr val="tx1"/>
+              </a:fontRef>
+            </p:style>
+          </p:cxnSp>
+          <p:cxnSp>
+            <p:nvCxnSpPr>
+              <p:cNvPr id="516" name="Straight Arrow Connector 515"/>
+              <p:cNvCxnSpPr>
+                <a:endCxn id="497" idx="3"/>
+              </p:cNvCxnSpPr>
+              <p:nvPr/>
+            </p:nvCxnSpPr>
+            <p:spPr>
+              <a:xfrm rot="10800000">
+                <a:off x="24249129" y="18560839"/>
+                <a:ext cx="1457167" cy="8797"/>
+              </a:xfrm>
+              <a:prstGeom prst="straightConnector1">
+                <a:avLst/>
+              </a:prstGeom>
+              <a:ln>
+                <a:tailEnd type="arrow"/>
+              </a:ln>
+            </p:spPr>
+            <p:style>
+              <a:lnRef idx="2">
+                <a:schemeClr val="accent1"/>
+              </a:lnRef>
+              <a:fillRef idx="0">
+                <a:schemeClr val="accent1"/>
+              </a:fillRef>
+              <a:effectRef idx="1">
+                <a:schemeClr val="accent1"/>
+              </a:effectRef>
+              <a:fontRef idx="minor">
+                <a:schemeClr val="tx1"/>
+              </a:fontRef>
+            </p:style>
+          </p:cxnSp>
+          <p:cxnSp>
+            <p:nvCxnSpPr>
+              <p:cNvPr id="517" name="Straight Arrow Connector 516"/>
+              <p:cNvCxnSpPr>
+                <a:stCxn id="497" idx="2"/>
+                <a:endCxn id="499" idx="0"/>
+              </p:cNvCxnSpPr>
+              <p:nvPr/>
+            </p:nvCxnSpPr>
+            <p:spPr>
+              <a:xfrm rot="5400000">
+                <a:off x="21811911" y="19393175"/>
+                <a:ext cx="711118" cy="3817"/>
+              </a:xfrm>
+              <a:prstGeom prst="straightConnector1">
+                <a:avLst/>
+              </a:prstGeom>
+              <a:ln>
+                <a:tailEnd type="arrow"/>
+              </a:ln>
+            </p:spPr>
+            <p:style>
+              <a:lnRef idx="2">
+                <a:schemeClr val="accent1"/>
+              </a:lnRef>
+              <a:fillRef idx="0">
+                <a:schemeClr val="accent1"/>
+              </a:fillRef>
+              <a:effectRef idx="1">
+                <a:schemeClr val="accent1"/>
+              </a:effectRef>
+              <a:fontRef idx="minor">
+                <a:schemeClr val="tx1"/>
+              </a:fontRef>
+            </p:style>
+          </p:cxnSp>
+          <p:cxnSp>
+            <p:nvCxnSpPr>
+              <p:cNvPr id="518" name="Straight Arrow Connector 517"/>
+              <p:cNvCxnSpPr>
+                <a:stCxn id="499" idx="2"/>
+                <a:endCxn id="506" idx="0"/>
+              </p:cNvCxnSpPr>
+              <p:nvPr/>
+            </p:nvCxnSpPr>
+            <p:spPr>
+              <a:xfrm rot="16200000" flipH="1">
+                <a:off x="21906089" y="20864911"/>
+                <a:ext cx="522749" cy="3806"/>
+              </a:xfrm>
+              <a:prstGeom prst="straightConnector1">
+                <a:avLst/>
+              </a:prstGeom>
+              <a:ln>
+                <a:tailEnd type="arrow"/>
+              </a:ln>
+            </p:spPr>
+            <p:style>
+              <a:lnRef idx="2">
+                <a:schemeClr val="accent1"/>
+              </a:lnRef>
+              <a:fillRef idx="0">
+                <a:schemeClr val="accent1"/>
+              </a:fillRef>
+              <a:effectRef idx="1">
+                <a:schemeClr val="accent1"/>
+              </a:effectRef>
+              <a:fontRef idx="minor">
+                <a:schemeClr val="tx1"/>
+              </a:fontRef>
+            </p:style>
+          </p:cxnSp>
+          <p:cxnSp>
+            <p:nvCxnSpPr>
+              <p:cNvPr id="520" name="Straight Arrow Connector 519"/>
+              <p:cNvCxnSpPr>
+                <a:stCxn id="506" idx="3"/>
+                <a:endCxn id="507" idx="1"/>
+              </p:cNvCxnSpPr>
+              <p:nvPr/>
+            </p:nvCxnSpPr>
+            <p:spPr>
+              <a:xfrm flipV="1">
+                <a:off x="23696496" y="22144063"/>
+                <a:ext cx="987322" cy="4137"/>
+              </a:xfrm>
+              <a:prstGeom prst="straightConnector1">
+                <a:avLst/>
+              </a:prstGeom>
+              <a:ln>
+                <a:tailEnd type="arrow"/>
+              </a:ln>
+            </p:spPr>
+            <p:style>
+              <a:lnRef idx="2">
+                <a:schemeClr val="accent1"/>
+              </a:lnRef>
+              <a:fillRef idx="0">
+                <a:schemeClr val="accent1"/>
+              </a:fillRef>
+              <a:effectRef idx="1">
+                <a:schemeClr val="accent1"/>
+              </a:effectRef>
+              <a:fontRef idx="minor">
+                <a:schemeClr val="tx1"/>
+              </a:fontRef>
+            </p:style>
+          </p:cxnSp>
+          <p:sp>
+            <p:nvSpPr>
+              <p:cNvPr id="522" name="TextBox 521"/>
+              <p:cNvSpPr txBox="1"/>
+              <p:nvPr/>
+            </p:nvSpPr>
+            <p:spPr>
+              <a:xfrm>
+                <a:off x="19668120" y="21561182"/>
+                <a:ext cx="947425" cy="600165"/>
+              </a:xfrm>
+              <a:prstGeom prst="rect">
+                <a:avLst/>
+              </a:prstGeom>
+              <a:noFill/>
+            </p:spPr>
+            <p:txBody>
+              <a:bodyPr wrap="square" rtlCol="0">
+                <a:spAutoFit/>
+              </a:bodyPr>
+              <a:lstStyle/>
+              <a:p>
+                <a:r>
+                  <a:rPr lang="en-US" sz="2000" dirty="0" smtClean="0"/>
+                  <a:t>NO</a:t>
+                </a:r>
+                <a:endParaRPr lang="en-US" sz="2000" dirty="0"/>
+              </a:p>
+            </p:txBody>
+          </p:sp>
+          <p:sp>
+            <p:nvSpPr>
+              <p:cNvPr id="525" name="TextBox 524"/>
+              <p:cNvSpPr txBox="1"/>
+              <p:nvPr/>
+            </p:nvSpPr>
+            <p:spPr>
+              <a:xfrm>
+                <a:off x="19319037" y="15098893"/>
+                <a:ext cx="947425" cy="600165"/>
+              </a:xfrm>
+              <a:prstGeom prst="rect">
+                <a:avLst/>
+              </a:prstGeom>
+              <a:noFill/>
+            </p:spPr>
+            <p:txBody>
+              <a:bodyPr wrap="square" rtlCol="0">
+                <a:spAutoFit/>
+              </a:bodyPr>
+              <a:lstStyle/>
+              <a:p>
+                <a:r>
+                  <a:rPr lang="en-US" sz="2000" dirty="0" smtClean="0"/>
+                  <a:t>NO</a:t>
+                </a:r>
+                <a:endParaRPr lang="en-US" sz="2000" dirty="0"/>
+              </a:p>
+            </p:txBody>
+          </p:sp>
+          <p:cxnSp>
+            <p:nvCxnSpPr>
+              <p:cNvPr id="526" name="Straight Arrow Connector 525"/>
+              <p:cNvCxnSpPr>
+                <a:stCxn id="491" idx="2"/>
+                <a:endCxn id="493" idx="0"/>
+              </p:cNvCxnSpPr>
+              <p:nvPr/>
+            </p:nvCxnSpPr>
+            <p:spPr>
+              <a:xfrm rot="16200000" flipH="1">
+                <a:off x="21944112" y="14266468"/>
+                <a:ext cx="478688" cy="12236"/>
+              </a:xfrm>
+              <a:prstGeom prst="straightConnector1">
+                <a:avLst/>
+              </a:prstGeom>
+              <a:ln>
+                <a:tailEnd type="arrow"/>
+              </a:ln>
+            </p:spPr>
+            <p:style>
+              <a:lnRef idx="2">
+                <a:schemeClr val="accent1"/>
+              </a:lnRef>
+              <a:fillRef idx="0">
+                <a:schemeClr val="accent1"/>
+              </a:fillRef>
+              <a:effectRef idx="1">
+                <a:schemeClr val="accent1"/>
+              </a:effectRef>
+              <a:fontRef idx="minor">
+                <a:schemeClr val="tx1"/>
+              </a:fontRef>
+            </p:style>
+          </p:cxnSp>
+          <p:sp>
+            <p:nvSpPr>
+              <p:cNvPr id="530" name="TextBox 529"/>
+              <p:cNvSpPr txBox="1"/>
+              <p:nvPr/>
+            </p:nvSpPr>
+            <p:spPr>
+              <a:xfrm>
+                <a:off x="24201045" y="15119903"/>
+                <a:ext cx="947425" cy="600165"/>
+              </a:xfrm>
+              <a:prstGeom prst="rect">
+                <a:avLst/>
+              </a:prstGeom>
+              <a:noFill/>
+            </p:spPr>
+            <p:txBody>
+              <a:bodyPr wrap="square" rtlCol="0">
+                <a:spAutoFit/>
+              </a:bodyPr>
+              <a:lstStyle/>
+              <a:p>
+                <a:r>
+                  <a:rPr lang="en-US" sz="2000" dirty="0" smtClean="0"/>
+                  <a:t>YES</a:t>
+                </a:r>
+                <a:endParaRPr lang="en-US" sz="2000" dirty="0"/>
+              </a:p>
+            </p:txBody>
+          </p:sp>
+          <p:sp>
+            <p:nvSpPr>
+              <p:cNvPr id="531" name="TextBox 530"/>
+              <p:cNvSpPr txBox="1"/>
+              <p:nvPr/>
+            </p:nvSpPr>
+            <p:spPr>
+              <a:xfrm>
+                <a:off x="23740349" y="21578971"/>
+                <a:ext cx="947425" cy="600165"/>
+              </a:xfrm>
+              <a:prstGeom prst="rect">
+                <a:avLst/>
+              </a:prstGeom>
+              <a:noFill/>
+            </p:spPr>
+            <p:txBody>
+              <a:bodyPr wrap="square" rtlCol="0">
+                <a:spAutoFit/>
+              </a:bodyPr>
+              <a:lstStyle/>
+              <a:p>
+                <a:r>
+                  <a:rPr lang="en-US" sz="2000" dirty="0" smtClean="0"/>
+                  <a:t>YES</a:t>
+                </a:r>
+                <a:endParaRPr lang="en-US" sz="2000" dirty="0"/>
+              </a:p>
+            </p:txBody>
+          </p:sp>
         </p:grpSp>
-        <p:sp>
-          <p:nvSpPr>
-            <p:cNvPr id="559" name="TextBox 558"/>
-            <p:cNvSpPr txBox="1"/>
+        <p:grpSp>
+          <p:nvGrpSpPr>
+            <p:cNvPr id="541" name="Group 540"/>
+            <p:cNvGrpSpPr/>
             <p:nvPr/>
-          </p:nvSpPr>
+          </p:nvGrpSpPr>
+          <p:grpSpPr>
+            <a:xfrm>
+              <a:off x="17328937" y="8051048"/>
+              <a:ext cx="9209416" cy="4474693"/>
+              <a:chOff x="14044490" y="19832258"/>
+              <a:chExt cx="9209416" cy="4474693"/>
+            </a:xfrm>
+          </p:grpSpPr>
+          <p:sp>
+            <p:nvSpPr>
+              <p:cNvPr id="540" name="Process 539"/>
+              <p:cNvSpPr/>
+              <p:nvPr/>
+            </p:nvSpPr>
+            <p:spPr>
+              <a:xfrm>
+                <a:off x="14044490" y="19832258"/>
+                <a:ext cx="9209416" cy="4474693"/>
+              </a:xfrm>
+              <a:prstGeom prst="flowChartProcess">
+                <a:avLst/>
+              </a:prstGeom>
+              <a:solidFill>
+                <a:schemeClr val="accent3">
+                  <a:lumMod val="40000"/>
+                  <a:lumOff val="60000"/>
+                </a:schemeClr>
+              </a:solidFill>
+            </p:spPr>
+            <p:style>
+              <a:lnRef idx="1">
+                <a:schemeClr val="accent1"/>
+              </a:lnRef>
+              <a:fillRef idx="3">
+                <a:schemeClr val="accent1"/>
+              </a:fillRef>
+              <a:effectRef idx="2">
+                <a:schemeClr val="accent1"/>
+              </a:effectRef>
+              <a:fontRef idx="minor">
+                <a:schemeClr val="lt1"/>
+              </a:fontRef>
+            </p:style>
+            <p:txBody>
+              <a:bodyPr rtlCol="0" anchor="t" anchorCtr="0"/>
+              <a:lstStyle/>
+              <a:p>
+                <a:r>
+                  <a:rPr lang="en-US" sz="3100" dirty="0" smtClean="0">
+                    <a:solidFill>
+                      <a:srgbClr val="000000"/>
+                    </a:solidFill>
+                  </a:rPr>
+                  <a:t>Scheduling Policy</a:t>
+                </a:r>
+                <a:endParaRPr lang="en-US" sz="3100" dirty="0">
+                  <a:solidFill>
+                    <a:srgbClr val="000000"/>
+                  </a:solidFill>
+                </a:endParaRPr>
+              </a:p>
+            </p:txBody>
+          </p:sp>
+          <p:sp>
+            <p:nvSpPr>
+              <p:cNvPr id="536" name="Process 535"/>
+              <p:cNvSpPr/>
+              <p:nvPr/>
+            </p:nvSpPr>
+            <p:spPr>
+              <a:xfrm>
+                <a:off x="18661675" y="20165856"/>
+                <a:ext cx="4159501" cy="854797"/>
+              </a:xfrm>
+              <a:prstGeom prst="flowChartProcess">
+                <a:avLst/>
+              </a:prstGeom>
+              <a:solidFill>
+                <a:schemeClr val="accent3">
+                  <a:lumMod val="50000"/>
+                </a:schemeClr>
+              </a:solidFill>
+            </p:spPr>
+            <p:style>
+              <a:lnRef idx="1">
+                <a:schemeClr val="accent1"/>
+              </a:lnRef>
+              <a:fillRef idx="3">
+                <a:schemeClr val="accent1"/>
+              </a:fillRef>
+              <a:effectRef idx="2">
+                <a:schemeClr val="accent1"/>
+              </a:effectRef>
+              <a:fontRef idx="minor">
+                <a:schemeClr val="lt1"/>
+              </a:fontRef>
+            </p:style>
+            <p:txBody>
+              <a:bodyPr rtlCol="0" anchor="ctr">
+                <a:noAutofit/>
+              </a:bodyPr>
+              <a:lstStyle/>
+              <a:p>
+                <a:pPr algn="ctr"/>
+                <a:r>
+                  <a:rPr lang="en-US" sz="2300" dirty="0" smtClean="0">
+                    <a:solidFill>
+                      <a:srgbClr val="000000"/>
+                    </a:solidFill>
+                  </a:rPr>
+                  <a:t>Regular Predicate Pair</a:t>
+                </a:r>
+                <a:endParaRPr lang="en-US" sz="2300" i="1" dirty="0">
+                  <a:solidFill>
+                    <a:srgbClr val="000000"/>
+                  </a:solidFill>
+                </a:endParaRPr>
+              </a:p>
+            </p:txBody>
+          </p:sp>
+          <p:sp>
+            <p:nvSpPr>
+              <p:cNvPr id="537" name="Process 536"/>
+              <p:cNvSpPr/>
+              <p:nvPr/>
+            </p:nvSpPr>
+            <p:spPr>
+              <a:xfrm>
+                <a:off x="18682697" y="21369368"/>
+                <a:ext cx="4159501" cy="854797"/>
+              </a:xfrm>
+              <a:prstGeom prst="flowChartProcess">
+                <a:avLst/>
+              </a:prstGeom>
+              <a:solidFill>
+                <a:schemeClr val="accent3">
+                  <a:lumMod val="50000"/>
+                </a:schemeClr>
+              </a:solidFill>
+            </p:spPr>
+            <p:style>
+              <a:lnRef idx="1">
+                <a:schemeClr val="accent1"/>
+              </a:lnRef>
+              <a:fillRef idx="3">
+                <a:schemeClr val="accent1"/>
+              </a:fillRef>
+              <a:effectRef idx="2">
+                <a:schemeClr val="accent1"/>
+              </a:effectRef>
+              <a:fontRef idx="minor">
+                <a:schemeClr val="lt1"/>
+              </a:fontRef>
+            </p:style>
+            <p:txBody>
+              <a:bodyPr rtlCol="0" anchor="ctr">
+                <a:noAutofit/>
+              </a:bodyPr>
+              <a:lstStyle/>
+              <a:p>
+                <a:pPr algn="ctr"/>
+                <a:r>
+                  <a:rPr lang="en-US" sz="2300" dirty="0" smtClean="0">
+                    <a:solidFill>
+                      <a:srgbClr val="000000"/>
+                    </a:solidFill>
+                  </a:rPr>
+                  <a:t>Waiting Predicate Pair</a:t>
+                </a:r>
+                <a:endParaRPr lang="en-US" sz="2300" i="1" dirty="0">
+                  <a:solidFill>
+                    <a:srgbClr val="000000"/>
+                  </a:solidFill>
+                </a:endParaRPr>
+              </a:p>
+            </p:txBody>
+          </p:sp>
+          <p:sp>
+            <p:nvSpPr>
+              <p:cNvPr id="538" name="Process 537"/>
+              <p:cNvSpPr/>
+              <p:nvPr/>
+            </p:nvSpPr>
+            <p:spPr>
+              <a:xfrm>
+                <a:off x="18659925" y="22616673"/>
+                <a:ext cx="4159501" cy="854797"/>
+              </a:xfrm>
+              <a:prstGeom prst="flowChartProcess">
+                <a:avLst/>
+              </a:prstGeom>
+              <a:solidFill>
+                <a:schemeClr val="accent3">
+                  <a:lumMod val="50000"/>
+                </a:schemeClr>
+              </a:solidFill>
+            </p:spPr>
+            <p:style>
+              <a:lnRef idx="1">
+                <a:schemeClr val="accent1"/>
+              </a:lnRef>
+              <a:fillRef idx="3">
+                <a:schemeClr val="accent1"/>
+              </a:fillRef>
+              <a:effectRef idx="2">
+                <a:schemeClr val="accent1"/>
+              </a:effectRef>
+              <a:fontRef idx="minor">
+                <a:schemeClr val="lt1"/>
+              </a:fontRef>
+            </p:style>
+            <p:txBody>
+              <a:bodyPr rtlCol="0" anchor="ctr">
+                <a:noAutofit/>
+              </a:bodyPr>
+              <a:lstStyle/>
+              <a:p>
+                <a:pPr algn="ctr"/>
+                <a:r>
+                  <a:rPr lang="en-US" sz="2300" dirty="0" smtClean="0">
+                    <a:solidFill>
+                      <a:srgbClr val="000000"/>
+                    </a:solidFill>
+                  </a:rPr>
+                  <a:t>Group Predicate Pair</a:t>
+                </a:r>
+                <a:endParaRPr lang="en-US" sz="2300" i="1" dirty="0">
+                  <a:solidFill>
+                    <a:srgbClr val="000000"/>
+                  </a:solidFill>
+                </a:endParaRPr>
+              </a:p>
+            </p:txBody>
+          </p:sp>
+          <p:sp>
+            <p:nvSpPr>
+              <p:cNvPr id="539" name="Process 538"/>
+              <p:cNvSpPr/>
+              <p:nvPr/>
+            </p:nvSpPr>
+            <p:spPr>
+              <a:xfrm>
+                <a:off x="14330018" y="21431712"/>
+                <a:ext cx="4106696" cy="2043106"/>
+              </a:xfrm>
+              <a:prstGeom prst="flowChartProcess">
+                <a:avLst/>
+              </a:prstGeom>
+              <a:solidFill>
+                <a:schemeClr val="accent4">
+                  <a:lumMod val="50000"/>
+                </a:schemeClr>
+              </a:solidFill>
+            </p:spPr>
+            <p:style>
+              <a:lnRef idx="1">
+                <a:schemeClr val="accent1"/>
+              </a:lnRef>
+              <a:fillRef idx="3">
+                <a:schemeClr val="accent1"/>
+              </a:fillRef>
+              <a:effectRef idx="2">
+                <a:schemeClr val="accent1"/>
+              </a:effectRef>
+              <a:fontRef idx="minor">
+                <a:schemeClr val="lt1"/>
+              </a:fontRef>
+            </p:style>
+            <p:txBody>
+              <a:bodyPr rtlCol="0" anchor="ctr"/>
+              <a:lstStyle/>
+              <a:p>
+                <a:pPr algn="ctr"/>
+                <a:r>
+                  <a:rPr lang="en-US" sz="2600" dirty="0" smtClean="0"/>
+                  <a:t>Task Queue Set</a:t>
+                </a:r>
+                <a:endParaRPr lang="en-US" sz="2600" i="1" dirty="0"/>
+              </a:p>
+            </p:txBody>
+          </p:sp>
+        </p:grpSp>
+        <p:cxnSp>
+          <p:nvCxnSpPr>
+            <p:cNvPr id="553" name="Straight Arrow Connector 552"/>
+            <p:cNvCxnSpPr>
+              <a:stCxn id="540" idx="2"/>
+              <a:endCxn id="491" idx="0"/>
+            </p:cNvCxnSpPr>
+            <p:nvPr/>
+          </p:nvCxnSpPr>
           <p:spPr>
-            <a:xfrm>
-              <a:off x="16491102" y="6678588"/>
-              <a:ext cx="11185867" cy="3116237"/>
+            <a:xfrm rot="16200000" flipH="1">
+              <a:off x="21561457" y="12897929"/>
+              <a:ext cx="769104" cy="24728"/>
             </a:xfrm>
-            <a:prstGeom prst="rect">
+            <a:prstGeom prst="straightConnector1">
               <a:avLst/>
             </a:prstGeom>
-            <a:noFill/>
+            <a:ln>
+              <a:tailEnd type="arrow"/>
+            </a:ln>
           </p:spPr>
-          <p:txBody>
-            <a:bodyPr wrap="square" rtlCol="0">
-              <a:spAutoFit/>
-            </a:bodyPr>
-            <a:lstStyle/>
-            <a:p>
-              <a:r>
-                <a:rPr lang="en-US" sz="2400" b="1" dirty="0" smtClean="0">
-                  <a:solidFill>
-                    <a:srgbClr val="000090"/>
-                  </a:solidFill>
-                  <a:latin typeface="Monaco"/>
-                  <a:cs typeface="Monaco"/>
-                </a:rPr>
-                <a:t>struct </a:t>
-              </a:r>
-              <a:r>
-                <a:rPr lang="en-US" sz="2400" dirty="0" smtClean="0">
-                  <a:latin typeface="Monaco"/>
-                  <a:cs typeface="Monaco"/>
-                </a:rPr>
-                <a:t>fibonacci;</a:t>
-              </a:r>
-              <a:endParaRPr lang="en-US" sz="2400" b="1" dirty="0" smtClean="0">
+          <p:style>
+            <a:lnRef idx="2">
+              <a:schemeClr val="accent1"/>
+            </a:lnRef>
+            <a:fillRef idx="0">
+              <a:schemeClr val="accent1"/>
+            </a:fillRef>
+            <a:effectRef idx="1">
+              <a:schemeClr val="accent1"/>
+            </a:effectRef>
+            <a:fontRef idx="minor">
+              <a:schemeClr val="tx1"/>
+            </a:fontRef>
+          </p:style>
+        </p:cxnSp>
+      </p:grpSp>
+      <p:sp>
+        <p:nvSpPr>
+          <p:cNvPr id="559" name="TextBox 558"/>
+          <p:cNvSpPr txBox="1"/>
+          <p:nvPr/>
+        </p:nvSpPr>
+        <p:spPr>
+          <a:xfrm>
+            <a:off x="12204104" y="4452394"/>
+            <a:ext cx="8389400" cy="2185214"/>
+          </a:xfrm>
+          <a:prstGeom prst="rect">
+            <a:avLst/>
+          </a:prstGeom>
+          <a:noFill/>
+        </p:spPr>
+        <p:txBody>
+          <a:bodyPr wrap="square" rtlCol="0">
+            <a:spAutoFit/>
+          </a:bodyPr>
+          <a:lstStyle/>
+          <a:p>
+            <a:r>
+              <a:rPr lang="en-US" sz="1700" b="1" dirty="0" smtClean="0">
+                <a:solidFill>
+                  <a:srgbClr val="000090"/>
+                </a:solidFill>
                 <a:latin typeface="Monaco"/>
                 <a:cs typeface="Monaco"/>
-              </a:endParaRPr>
-            </a:p>
-            <a:p>
-              <a:r>
-                <a:rPr lang="en-US" sz="2400" b="1" dirty="0" smtClean="0">
-                  <a:solidFill>
-                    <a:srgbClr val="000090"/>
-                  </a:solidFill>
-                  <a:latin typeface="Monaco"/>
-                  <a:cs typeface="Monaco"/>
-                </a:rPr>
-                <a:t>typedef </a:t>
-              </a:r>
-              <a:r>
-                <a:rPr lang="en-US" sz="2400" dirty="0" err="1" smtClean="0">
-                  <a:latin typeface="Monaco"/>
-                  <a:cs typeface="Monaco"/>
-                </a:rPr>
-                <a:t>pfunc::generator</a:t>
-              </a:r>
-              <a:r>
-                <a:rPr lang="en-US" sz="2400" dirty="0" smtClean="0">
-                  <a:latin typeface="Monaco"/>
-                  <a:cs typeface="Monaco"/>
-                </a:rPr>
-                <a:t> &lt;cilkS, </a:t>
-              </a:r>
-              <a:r>
-                <a:rPr lang="en-US" sz="2400" dirty="0" smtClean="0">
-                  <a:latin typeface="Monaco"/>
-                  <a:cs typeface="Monaco"/>
-                </a:rPr>
-                <a:t>/*</a:t>
-              </a:r>
-              <a:r>
-                <a:rPr lang="en-US" sz="2400" i="1" dirty="0" smtClean="0">
-                  <a:latin typeface="Monaco"/>
-                  <a:cs typeface="Monaco"/>
-                </a:rPr>
-                <a:t>Scheduling policy*/</a:t>
-              </a:r>
-            </a:p>
-            <a:p>
-              <a:r>
-                <a:rPr lang="en-US" sz="2400" i="1" dirty="0" smtClean="0">
-                  <a:latin typeface="Monaco"/>
-                  <a:cs typeface="Monaco"/>
-                </a:rPr>
-                <a:t>                          </a:t>
-              </a:r>
-              <a:r>
-                <a:rPr lang="en-US" sz="2400" dirty="0" err="1" smtClean="0">
-                  <a:latin typeface="Monaco"/>
-                  <a:cs typeface="Monaco"/>
-                </a:rPr>
-                <a:t>pfunc</a:t>
-              </a:r>
-              <a:r>
-                <a:rPr lang="en-US" sz="2400" dirty="0" err="1" smtClean="0">
-                  <a:latin typeface="Monaco"/>
-                  <a:cs typeface="Monaco"/>
-                </a:rPr>
-                <a:t>::use_default</a:t>
-              </a:r>
-              <a:r>
-                <a:rPr lang="en-US" sz="2400" dirty="0" smtClean="0">
-                  <a:latin typeface="Monaco"/>
-                  <a:cs typeface="Monaco"/>
-                </a:rPr>
-                <a:t>, </a:t>
-              </a:r>
-              <a:r>
-                <a:rPr lang="en-US" sz="2400" dirty="0" smtClean="0">
-                  <a:latin typeface="Monaco"/>
-                  <a:cs typeface="Monaco"/>
-                </a:rPr>
-                <a:t>/*</a:t>
-              </a:r>
-              <a:r>
-                <a:rPr lang="en-US" sz="2400" i="1" dirty="0" smtClean="0">
-                  <a:latin typeface="Monaco"/>
-                  <a:cs typeface="Monaco"/>
-                </a:rPr>
-                <a:t>Compare*/</a:t>
-              </a:r>
-            </a:p>
-            <a:p>
-              <a:r>
-                <a:rPr lang="en-US" sz="2400" dirty="0" smtClean="0">
-                  <a:latin typeface="Monaco"/>
-                  <a:cs typeface="Monaco"/>
-                </a:rPr>
-                <a:t>                          </a:t>
-              </a:r>
-              <a:r>
-                <a:rPr lang="en-US" sz="2400" dirty="0" err="1" smtClean="0">
-                  <a:latin typeface="Monaco"/>
-                  <a:cs typeface="Monaco"/>
-                </a:rPr>
-                <a:t>fibonacci</a:t>
-              </a:r>
-              <a:r>
-                <a:rPr lang="en-US" sz="2400" dirty="0" smtClean="0">
-                  <a:latin typeface="Monaco"/>
-                  <a:cs typeface="Monaco"/>
-                </a:rPr>
-                <a:t>&gt;</a:t>
-              </a:r>
-              <a:r>
-                <a:rPr lang="en-US" sz="2400" dirty="0" smtClean="0">
-                  <a:latin typeface="Monaco"/>
-                  <a:cs typeface="Monaco"/>
-                </a:rPr>
-                <a:t> </a:t>
-              </a:r>
-              <a:r>
-                <a:rPr lang="en-US" sz="2400" dirty="0" smtClean="0">
-                  <a:latin typeface="Monaco"/>
-                  <a:cs typeface="Monaco"/>
-                </a:rPr>
-                <a:t>/</a:t>
-              </a:r>
-              <a:r>
-                <a:rPr lang="en-US" sz="2400" dirty="0" smtClean="0">
-                  <a:latin typeface="Monaco"/>
-                  <a:cs typeface="Monaco"/>
-                </a:rPr>
-                <a:t>*</a:t>
-              </a:r>
-              <a:r>
-                <a:rPr lang="en-US" sz="2400" i="1" dirty="0" err="1" smtClean="0">
-                  <a:latin typeface="Monaco"/>
-                  <a:cs typeface="Monaco"/>
-                </a:rPr>
-                <a:t>Functor</a:t>
-              </a:r>
-              <a:r>
-                <a:rPr lang="en-US" sz="2400" i="1" dirty="0" smtClean="0">
-                  <a:latin typeface="Monaco"/>
-                  <a:cs typeface="Monaco"/>
-                </a:rPr>
-                <a:t>*/</a:t>
-              </a:r>
-              <a:r>
-                <a:rPr lang="en-US" sz="2400" i="1" dirty="0" smtClean="0">
-                  <a:latin typeface="Monaco"/>
-                  <a:cs typeface="Monaco"/>
-                </a:rPr>
-                <a:t> </a:t>
-              </a:r>
-              <a:r>
-                <a:rPr lang="en-US" sz="2400" dirty="0" err="1" smtClean="0">
-                  <a:latin typeface="Monaco"/>
-                  <a:cs typeface="Monaco"/>
-                </a:rPr>
-                <a:t>my_pfunc</a:t>
-              </a:r>
-              <a:r>
-                <a:rPr lang="en-US" sz="2400" dirty="0" smtClean="0">
-                  <a:latin typeface="Monaco"/>
-                  <a:cs typeface="Monaco"/>
-                </a:rPr>
-                <a:t>;</a:t>
-              </a:r>
-            </a:p>
-            <a:p>
-              <a:endParaRPr lang="en-US" sz="2400" dirty="0" smtClean="0">
+              </a:rPr>
+              <a:t>struct </a:t>
+            </a:r>
+            <a:r>
+              <a:rPr lang="en-US" sz="1700" dirty="0" smtClean="0">
                 <a:latin typeface="Monaco"/>
                 <a:cs typeface="Monaco"/>
-              </a:endParaRPr>
-            </a:p>
-            <a:p>
-              <a:r>
-                <a:rPr lang="en-US" sz="2400" b="1" dirty="0" smtClean="0">
-                  <a:solidFill>
-                    <a:srgbClr val="000090"/>
-                  </a:solidFill>
-                  <a:latin typeface="Monaco"/>
-                  <a:cs typeface="Monaco"/>
-                </a:rPr>
-                <a:t>typedef </a:t>
-              </a:r>
-              <a:r>
-                <a:rPr lang="en-US" sz="2400" dirty="0" err="1" smtClean="0">
-                  <a:latin typeface="Monaco"/>
-                  <a:cs typeface="Monaco"/>
-                </a:rPr>
-                <a:t>my_pfunc::taskmgr</a:t>
-              </a:r>
-              <a:r>
-                <a:rPr lang="en-US" sz="2400" dirty="0" smtClean="0">
-                  <a:latin typeface="Monaco"/>
-                  <a:cs typeface="Monaco"/>
-                </a:rPr>
-                <a:t> taskmgr;</a:t>
-              </a:r>
-            </a:p>
-            <a:p>
-              <a:r>
-                <a:rPr lang="en-US" sz="2400" b="1" dirty="0" smtClean="0">
-                  <a:solidFill>
-                    <a:srgbClr val="000090"/>
-                  </a:solidFill>
-                  <a:latin typeface="Monaco"/>
-                  <a:cs typeface="Monaco"/>
-                </a:rPr>
-                <a:t>typedef </a:t>
-              </a:r>
-              <a:r>
-                <a:rPr lang="en-US" sz="2400" dirty="0" err="1" smtClean="0">
-                  <a:latin typeface="Monaco"/>
-                  <a:cs typeface="Monaco"/>
-                </a:rPr>
-                <a:t>my_pfunc::attribute</a:t>
-              </a:r>
-              <a:r>
-                <a:rPr lang="en-US" sz="2400" dirty="0" smtClean="0">
-                  <a:latin typeface="Monaco"/>
-                  <a:cs typeface="Monaco"/>
-                </a:rPr>
-                <a:t> attribute;</a:t>
-              </a:r>
-            </a:p>
-            <a:p>
-              <a:r>
-                <a:rPr lang="en-US" sz="2400" b="1" dirty="0" smtClean="0">
-                  <a:solidFill>
-                    <a:srgbClr val="000090"/>
-                  </a:solidFill>
-                  <a:latin typeface="Monaco"/>
-                  <a:cs typeface="Monaco"/>
-                </a:rPr>
-                <a:t>typedef</a:t>
-              </a:r>
-              <a:r>
-                <a:rPr lang="en-US" sz="2400" dirty="0" smtClean="0">
-                  <a:latin typeface="Monaco"/>
-                  <a:cs typeface="Monaco"/>
-                </a:rPr>
-                <a:t> </a:t>
-              </a:r>
-              <a:r>
-                <a:rPr lang="en-US" sz="2400" dirty="0" err="1" smtClean="0">
-                  <a:latin typeface="Monaco"/>
-                  <a:cs typeface="Monaco"/>
-                </a:rPr>
-                <a:t>my_pfunc::task</a:t>
-              </a:r>
-              <a:r>
-                <a:rPr lang="en-US" sz="2400" dirty="0" smtClean="0">
-                  <a:latin typeface="Monaco"/>
-                  <a:cs typeface="Monaco"/>
-                </a:rPr>
-                <a:t> task;</a:t>
-              </a:r>
-              <a:endParaRPr lang="en-US" sz="2400" dirty="0">
+              </a:rPr>
+              <a:t>fibonacci;</a:t>
+            </a:r>
+            <a:endParaRPr lang="en-US" sz="1700" b="1" dirty="0" smtClean="0">
+              <a:latin typeface="Monaco"/>
+              <a:cs typeface="Monaco"/>
+            </a:endParaRPr>
+          </a:p>
+          <a:p>
+            <a:r>
+              <a:rPr lang="en-US" sz="1700" b="1" dirty="0" smtClean="0">
+                <a:solidFill>
+                  <a:srgbClr val="000090"/>
+                </a:solidFill>
                 <a:latin typeface="Monaco"/>
                 <a:cs typeface="Monaco"/>
-              </a:endParaRPr>
-            </a:p>
-          </p:txBody>
-        </p:sp>
-        <p:graphicFrame>
-          <p:nvGraphicFramePr>
-            <p:cNvPr id="561" name="Content Placeholder 3"/>
-            <p:cNvGraphicFramePr>
-              <a:graphicFrameLocks/>
-            </p:cNvGraphicFramePr>
-            <p:nvPr/>
-          </p:nvGraphicFramePr>
-          <p:xfrm>
-            <a:off x="17142205" y="27177551"/>
-            <a:ext cx="9483736" cy="3698844"/>
-          </p:xfrm>
-          <a:graphic>
-            <a:graphicData uri="http://schemas.openxmlformats.org/drawingml/2006/table">
-              <a:tbl>
-                <a:tblPr firstRow="1" bandRow="1">
-                  <a:tableStyleId>{5C22544A-7EE6-4342-B048-85BDC9FD1C3A}</a:tableStyleId>
-                </a:tblPr>
-                <a:tblGrid>
-                  <a:gridCol w="2152922"/>
-                  <a:gridCol w="3564646"/>
-                  <a:gridCol w="3766168"/>
-                </a:tblGrid>
-                <a:tr h="841170">
-                  <a:tc>
-                    <a:txBody>
-                      <a:bodyPr/>
-                      <a:lstStyle/>
-                      <a:p>
-                        <a:pPr algn="ctr"/>
-                        <a:r>
-                          <a:rPr lang="en-US" sz="3200" dirty="0" smtClean="0"/>
-                          <a:t>Feature</a:t>
-                        </a:r>
-                        <a:endParaRPr lang="en-US" sz="3200" dirty="0"/>
-                      </a:p>
-                    </a:txBody>
-                    <a:tcPr/>
-                  </a:tc>
-                  <a:tc>
-                    <a:txBody>
-                      <a:bodyPr/>
-                      <a:lstStyle/>
-                      <a:p>
-                        <a:pPr algn="ctr"/>
-                        <a:r>
-                          <a:rPr lang="en-US" sz="3200" dirty="0" smtClean="0"/>
-                          <a:t>Built-in</a:t>
-                        </a:r>
-                        <a:endParaRPr lang="en-US" sz="3200" dirty="0"/>
-                      </a:p>
-                    </a:txBody>
-                    <a:tcPr/>
-                  </a:tc>
-                  <a:tc>
-                    <a:txBody>
-                      <a:bodyPr/>
-                      <a:lstStyle/>
-                      <a:p>
-                        <a:pPr algn="ctr"/>
-                        <a:r>
-                          <a:rPr lang="en-US" sz="3200" dirty="0" smtClean="0"/>
-                          <a:t>Default</a:t>
-                        </a:r>
-                        <a:endParaRPr lang="en-US" sz="3200" dirty="0"/>
-                      </a:p>
-                    </a:txBody>
-                    <a:tcPr/>
-                  </a:tc>
-                </a:tr>
-                <a:tr h="1175334">
-                  <a:tc>
-                    <a:txBody>
-                      <a:bodyPr/>
-                      <a:lstStyle/>
-                      <a:p>
-                        <a:pPr algn="ctr"/>
-                        <a:r>
-                          <a:rPr lang="en-US" sz="2800" dirty="0" smtClean="0"/>
-                          <a:t>Scheduling policy</a:t>
-                        </a:r>
-                        <a:endParaRPr lang="en-US" sz="2800" dirty="0"/>
-                      </a:p>
-                    </a:txBody>
-                    <a:tcPr/>
-                  </a:tc>
-                  <a:tc>
-                    <a:txBody>
-                      <a:bodyPr/>
-                      <a:lstStyle/>
-                      <a:p>
-                        <a:pPr algn="ctr"/>
-                        <a:r>
-                          <a:rPr lang="en-US" sz="2800" dirty="0" smtClean="0">
-                            <a:latin typeface="Monaco"/>
-                            <a:cs typeface="Monaco"/>
-                          </a:rPr>
-                          <a:t>cilkS, prioS, fifoS, lifoS</a:t>
-                        </a:r>
-                        <a:endParaRPr lang="en-US" sz="2800" dirty="0">
+              </a:rPr>
+              <a:t>typedef </a:t>
+            </a:r>
+            <a:r>
+              <a:rPr lang="en-US" sz="1700" dirty="0" err="1" smtClean="0">
+                <a:latin typeface="Monaco"/>
+                <a:cs typeface="Monaco"/>
+              </a:rPr>
+              <a:t>pfunc::generator</a:t>
+            </a:r>
+            <a:r>
+              <a:rPr lang="en-US" sz="1700" dirty="0" smtClean="0">
+                <a:latin typeface="Monaco"/>
+                <a:cs typeface="Monaco"/>
+              </a:rPr>
+              <a:t> &lt;cilkS, /*</a:t>
+            </a:r>
+            <a:r>
+              <a:rPr lang="en-US" sz="1700" i="1" dirty="0" smtClean="0">
+                <a:latin typeface="Monaco"/>
+                <a:cs typeface="Monaco"/>
+              </a:rPr>
+              <a:t>Scheduling policy*/</a:t>
+            </a:r>
+          </a:p>
+          <a:p>
+            <a:r>
+              <a:rPr lang="en-US" sz="1700" i="1" dirty="0" smtClean="0">
+                <a:latin typeface="Monaco"/>
+                <a:cs typeface="Monaco"/>
+              </a:rPr>
+              <a:t>                          </a:t>
+            </a:r>
+            <a:r>
+              <a:rPr lang="en-US" sz="1700" dirty="0" err="1" smtClean="0">
+                <a:latin typeface="Monaco"/>
+                <a:cs typeface="Monaco"/>
+              </a:rPr>
+              <a:t>pfunc::use_default</a:t>
+            </a:r>
+            <a:r>
+              <a:rPr lang="en-US" sz="1700" dirty="0" smtClean="0">
+                <a:latin typeface="Monaco"/>
+                <a:cs typeface="Monaco"/>
+              </a:rPr>
+              <a:t>, /*</a:t>
+            </a:r>
+            <a:r>
+              <a:rPr lang="en-US" sz="1700" i="1" dirty="0" smtClean="0">
+                <a:latin typeface="Monaco"/>
+                <a:cs typeface="Monaco"/>
+              </a:rPr>
+              <a:t>Compare*/</a:t>
+            </a:r>
+          </a:p>
+          <a:p>
+            <a:r>
+              <a:rPr lang="en-US" sz="1700" dirty="0" smtClean="0">
+                <a:latin typeface="Monaco"/>
+                <a:cs typeface="Monaco"/>
+              </a:rPr>
+              <a:t>                          </a:t>
+            </a:r>
+            <a:r>
+              <a:rPr lang="en-US" sz="1700" dirty="0" err="1" smtClean="0">
+                <a:latin typeface="Monaco"/>
+                <a:cs typeface="Monaco"/>
+              </a:rPr>
+              <a:t>fibonacci</a:t>
+            </a:r>
+            <a:r>
+              <a:rPr lang="en-US" sz="1700" dirty="0" smtClean="0">
+                <a:latin typeface="Monaco"/>
+                <a:cs typeface="Monaco"/>
+              </a:rPr>
+              <a:t>&gt; /*</a:t>
+            </a:r>
+            <a:r>
+              <a:rPr lang="en-US" sz="1700" i="1" dirty="0" err="1" smtClean="0">
+                <a:latin typeface="Monaco"/>
+                <a:cs typeface="Monaco"/>
+              </a:rPr>
+              <a:t>Functor</a:t>
+            </a:r>
+            <a:r>
+              <a:rPr lang="en-US" sz="1700" i="1" dirty="0" smtClean="0">
+                <a:latin typeface="Monaco"/>
+                <a:cs typeface="Monaco"/>
+              </a:rPr>
+              <a:t>*/ </a:t>
+            </a:r>
+            <a:r>
+              <a:rPr lang="en-US" sz="1700" dirty="0" err="1" smtClean="0">
+                <a:latin typeface="Monaco"/>
+                <a:cs typeface="Monaco"/>
+              </a:rPr>
+              <a:t>my_pfunc</a:t>
+            </a:r>
+            <a:r>
+              <a:rPr lang="en-US" sz="1700" dirty="0" smtClean="0">
+                <a:latin typeface="Monaco"/>
+                <a:cs typeface="Monaco"/>
+              </a:rPr>
+              <a:t>;</a:t>
+            </a:r>
+          </a:p>
+          <a:p>
+            <a:endParaRPr lang="en-US" sz="1700" dirty="0" smtClean="0">
+              <a:latin typeface="Monaco"/>
+              <a:cs typeface="Monaco"/>
+            </a:endParaRPr>
+          </a:p>
+          <a:p>
+            <a:r>
+              <a:rPr lang="en-US" sz="1700" b="1" dirty="0" smtClean="0">
+                <a:solidFill>
+                  <a:srgbClr val="000090"/>
+                </a:solidFill>
+                <a:latin typeface="Monaco"/>
+                <a:cs typeface="Monaco"/>
+              </a:rPr>
+              <a:t>typedef </a:t>
+            </a:r>
+            <a:r>
+              <a:rPr lang="en-US" sz="1700" dirty="0" err="1" smtClean="0">
+                <a:latin typeface="Monaco"/>
+                <a:cs typeface="Monaco"/>
+              </a:rPr>
+              <a:t>my_pfunc::taskmgr</a:t>
+            </a:r>
+            <a:r>
+              <a:rPr lang="en-US" sz="1700" dirty="0" smtClean="0">
+                <a:latin typeface="Monaco"/>
+                <a:cs typeface="Monaco"/>
+              </a:rPr>
+              <a:t> taskmgr;</a:t>
+            </a:r>
+          </a:p>
+          <a:p>
+            <a:r>
+              <a:rPr lang="en-US" sz="1700" b="1" dirty="0" smtClean="0">
+                <a:solidFill>
+                  <a:srgbClr val="000090"/>
+                </a:solidFill>
+                <a:latin typeface="Monaco"/>
+                <a:cs typeface="Monaco"/>
+              </a:rPr>
+              <a:t>typedef </a:t>
+            </a:r>
+            <a:r>
+              <a:rPr lang="en-US" sz="1700" dirty="0" err="1" smtClean="0">
+                <a:latin typeface="Monaco"/>
+                <a:cs typeface="Monaco"/>
+              </a:rPr>
+              <a:t>my_pfunc::attribute</a:t>
+            </a:r>
+            <a:r>
+              <a:rPr lang="en-US" sz="1700" dirty="0" smtClean="0">
+                <a:latin typeface="Monaco"/>
+                <a:cs typeface="Monaco"/>
+              </a:rPr>
+              <a:t> attribute;</a:t>
+            </a:r>
+          </a:p>
+          <a:p>
+            <a:r>
+              <a:rPr lang="en-US" sz="1700" b="1" dirty="0" smtClean="0">
+                <a:solidFill>
+                  <a:srgbClr val="000090"/>
+                </a:solidFill>
+                <a:latin typeface="Monaco"/>
+                <a:cs typeface="Monaco"/>
+              </a:rPr>
+              <a:t>typedef</a:t>
+            </a:r>
+            <a:r>
+              <a:rPr lang="en-US" sz="1700" dirty="0" smtClean="0">
+                <a:latin typeface="Monaco"/>
+                <a:cs typeface="Monaco"/>
+              </a:rPr>
+              <a:t> </a:t>
+            </a:r>
+            <a:r>
+              <a:rPr lang="en-US" sz="1700" dirty="0" err="1" smtClean="0">
+                <a:latin typeface="Monaco"/>
+                <a:cs typeface="Monaco"/>
+              </a:rPr>
+              <a:t>my_pfunc::task</a:t>
+            </a:r>
+            <a:r>
+              <a:rPr lang="en-US" sz="1700" dirty="0" smtClean="0">
+                <a:latin typeface="Monaco"/>
+                <a:cs typeface="Monaco"/>
+              </a:rPr>
+              <a:t> task;</a:t>
+            </a:r>
+            <a:endParaRPr lang="en-US" sz="1700" dirty="0">
+              <a:latin typeface="Monaco"/>
+              <a:cs typeface="Monaco"/>
+            </a:endParaRPr>
+          </a:p>
+        </p:txBody>
+      </p:sp>
+      <p:graphicFrame>
+        <p:nvGraphicFramePr>
+          <p:cNvPr id="561" name="Content Placeholder 3"/>
+          <p:cNvGraphicFramePr>
+            <a:graphicFrameLocks/>
+          </p:cNvGraphicFramePr>
+          <p:nvPr/>
+        </p:nvGraphicFramePr>
+        <p:xfrm>
+          <a:off x="11729065" y="17715683"/>
+          <a:ext cx="8983666" cy="2517837"/>
+        </p:xfrm>
+        <a:graphic>
+          <a:graphicData uri="http://schemas.openxmlformats.org/drawingml/2006/table">
+            <a:tbl>
+              <a:tblPr firstRow="1" bandRow="1">
+                <a:tableStyleId>{5C22544A-7EE6-4342-B048-85BDC9FD1C3A}</a:tableStyleId>
+              </a:tblPr>
+              <a:tblGrid>
+                <a:gridCol w="2657501"/>
+                <a:gridCol w="3108032"/>
+                <a:gridCol w="3218133"/>
+              </a:tblGrid>
+              <a:tr h="0">
+                <a:tc>
+                  <a:txBody>
+                    <a:bodyPr/>
+                    <a:lstStyle/>
+                    <a:p>
+                      <a:pPr algn="ctr"/>
+                      <a:r>
+                        <a:rPr lang="en-US" sz="2800" dirty="0" smtClean="0"/>
+                        <a:t>Feature</a:t>
+                      </a:r>
+                      <a:endParaRPr lang="en-US" sz="2800" dirty="0"/>
+                    </a:p>
+                  </a:txBody>
+                  <a:tcPr/>
+                </a:tc>
+                <a:tc>
+                  <a:txBody>
+                    <a:bodyPr/>
+                    <a:lstStyle/>
+                    <a:p>
+                      <a:pPr algn="ctr"/>
+                      <a:r>
+                        <a:rPr lang="en-US" sz="2800" dirty="0" smtClean="0"/>
+                        <a:t>Built-in</a:t>
+                      </a:r>
+                      <a:endParaRPr lang="en-US" sz="2800" dirty="0"/>
+                    </a:p>
+                  </a:txBody>
+                  <a:tcPr/>
+                </a:tc>
+                <a:tc>
+                  <a:txBody>
+                    <a:bodyPr/>
+                    <a:lstStyle/>
+                    <a:p>
+                      <a:pPr algn="ctr"/>
+                      <a:r>
+                        <a:rPr lang="en-US" sz="2800" dirty="0" smtClean="0"/>
+                        <a:t>Default</a:t>
+                      </a:r>
+                      <a:endParaRPr lang="en-US" sz="2800" dirty="0"/>
+                    </a:p>
+                  </a:txBody>
+                  <a:tcPr/>
+                </a:tc>
+              </a:tr>
+              <a:tr h="829915">
+                <a:tc>
+                  <a:txBody>
+                    <a:bodyPr/>
+                    <a:lstStyle/>
+                    <a:p>
+                      <a:pPr algn="ctr"/>
+                      <a:r>
+                        <a:rPr lang="en-US" sz="2400" dirty="0" smtClean="0"/>
+                        <a:t>Scheduling policy</a:t>
+                      </a:r>
+                      <a:endParaRPr lang="en-US" sz="2400" dirty="0"/>
+                    </a:p>
+                  </a:txBody>
+                  <a:tcPr/>
+                </a:tc>
+                <a:tc>
+                  <a:txBody>
+                    <a:bodyPr/>
+                    <a:lstStyle/>
+                    <a:p>
+                      <a:pPr algn="ctr"/>
+                      <a:r>
+                        <a:rPr lang="en-US" sz="2400" dirty="0" smtClean="0">
                           <a:latin typeface="Monaco"/>
                           <a:cs typeface="Monaco"/>
-                        </a:endParaRPr>
-                      </a:p>
-                    </a:txBody>
-                    <a:tcPr/>
-                  </a:tc>
-                  <a:tc>
-                    <a:txBody>
-                      <a:bodyPr/>
-                      <a:lstStyle/>
-                      <a:p>
-                        <a:pPr algn="ctr"/>
-                        <a:r>
-                          <a:rPr lang="en-US" sz="2800" baseline="0" dirty="0" smtClean="0">
-                            <a:latin typeface="Monaco"/>
-                            <a:cs typeface="Monaco"/>
-                          </a:rPr>
-                          <a:t>cilkS</a:t>
-                        </a:r>
-                        <a:endParaRPr lang="en-US" sz="2800" dirty="0"/>
-                      </a:p>
-                    </a:txBody>
-                    <a:tcPr/>
-                  </a:tc>
-                </a:tr>
-                <a:tr h="841170">
-                  <a:tc>
-                    <a:txBody>
-                      <a:bodyPr/>
-                      <a:lstStyle/>
-                      <a:p>
-                        <a:pPr algn="ctr"/>
-                        <a:r>
-                          <a:rPr lang="en-US" sz="2800" dirty="0" smtClean="0"/>
-                          <a:t>Compare</a:t>
-                        </a:r>
-                        <a:endParaRPr lang="en-US" sz="2800" dirty="0"/>
-                      </a:p>
-                    </a:txBody>
-                    <a:tcPr/>
-                  </a:tc>
-                  <a:tc>
-                    <a:txBody>
-                      <a:bodyPr/>
-                      <a:lstStyle/>
-                      <a:p>
-                        <a:pPr algn="ctr"/>
-                        <a:r>
-                          <a:rPr lang="en-US" sz="2800" dirty="0" smtClean="0"/>
-                          <a:t>N/A</a:t>
-                        </a:r>
-                        <a:endParaRPr lang="en-US" sz="2800" dirty="0"/>
-                      </a:p>
-                    </a:txBody>
-                    <a:tcPr/>
-                  </a:tc>
-                  <a:tc>
-                    <a:txBody>
-                      <a:bodyPr/>
-                      <a:lstStyle/>
-                      <a:p>
-                        <a:pPr algn="ctr"/>
-                        <a:r>
-                          <a:rPr lang="en-US" sz="2800" baseline="0" dirty="0" smtClean="0">
-                            <a:latin typeface="Monaco"/>
-                            <a:cs typeface="Monaco"/>
-                          </a:rPr>
-                          <a:t>std::</a:t>
-                        </a:r>
-                        <a:r>
-                          <a:rPr lang="en-US" sz="2800" baseline="0" smtClean="0">
-                            <a:latin typeface="Monaco"/>
-                            <a:cs typeface="Monaco"/>
-                          </a:rPr>
-                          <a:t>less&lt;int&gt;</a:t>
-                        </a:r>
-                        <a:endParaRPr lang="en-US" sz="2800" dirty="0"/>
-                      </a:p>
-                    </a:txBody>
-                    <a:tcPr/>
-                  </a:tc>
-                </a:tr>
-                <a:tr h="841170">
-                  <a:tc>
-                    <a:txBody>
-                      <a:bodyPr/>
-                      <a:lstStyle/>
-                      <a:p>
-                        <a:pPr algn="ctr"/>
-                        <a:r>
-                          <a:rPr lang="en-US" sz="2800" dirty="0" smtClean="0"/>
-                          <a:t>Functor</a:t>
-                        </a:r>
-                        <a:endParaRPr lang="en-US" sz="2800" dirty="0"/>
-                      </a:p>
-                    </a:txBody>
-                    <a:tcPr/>
-                  </a:tc>
-                  <a:tc>
-                    <a:txBody>
-                      <a:bodyPr/>
-                      <a:lstStyle/>
-                      <a:p>
-                        <a:pPr algn="ctr"/>
-                        <a:r>
-                          <a:rPr lang="en-US" sz="2800" dirty="0" smtClean="0"/>
-                          <a:t>N/A</a:t>
-                        </a:r>
-                        <a:endParaRPr lang="en-US" sz="2800" dirty="0"/>
-                      </a:p>
-                    </a:txBody>
-                    <a:tcPr/>
-                  </a:tc>
-                  <a:tc>
-                    <a:txBody>
-                      <a:bodyPr/>
-                      <a:lstStyle/>
-                      <a:p>
-                        <a:pPr marL="0" marR="0" indent="0" algn="ctr" defTabSz="914400" rtl="0" eaLnBrk="1" fontAlgn="auto" latinLnBrk="0" hangingPunct="1">
-                          <a:lnSpc>
-                            <a:spcPct val="100000"/>
-                          </a:lnSpc>
-                          <a:spcBef>
-                            <a:spcPts val="0"/>
-                          </a:spcBef>
-                          <a:spcAft>
-                            <a:spcPts val="0"/>
-                          </a:spcAft>
-                          <a:buClrTx/>
-                          <a:buSzTx/>
-                          <a:buFontTx/>
-                          <a:buNone/>
-                          <a:tabLst/>
-                          <a:defRPr/>
-                        </a:pPr>
-                        <a:r>
-                          <a:rPr lang="en-US" sz="2800" baseline="0" dirty="0" err="1" smtClean="0">
-                            <a:latin typeface="Monaco"/>
-                            <a:cs typeface="Monaco"/>
-                          </a:rPr>
-                          <a:t>virtual_functor</a:t>
-                        </a:r>
-                        <a:endParaRPr lang="en-US" sz="2800" dirty="0" smtClean="0"/>
-                      </a:p>
-                    </a:txBody>
-                    <a:tcPr/>
-                  </a:tc>
-                </a:tr>
-              </a:tbl>
-            </a:graphicData>
-          </a:graphic>
-        </p:graphicFrame>
-        <p:sp>
-          <p:nvSpPr>
-            <p:cNvPr id="563" name="Title 1"/>
-            <p:cNvSpPr txBox="1">
-              <a:spLocks/>
-            </p:cNvSpPr>
-            <p:nvPr/>
-          </p:nvSpPr>
-          <p:spPr bwMode="auto">
-            <a:xfrm>
-              <a:off x="17730704" y="5711162"/>
-              <a:ext cx="7772400" cy="750887"/>
-            </a:xfrm>
-            <a:prstGeom prst="rect">
+                        </a:rPr>
+                        <a:t>cilkS, prioS, fifoS, lifoS</a:t>
+                      </a:r>
+                      <a:endParaRPr lang="en-US" sz="2400" dirty="0">
+                        <a:latin typeface="Monaco"/>
+                        <a:cs typeface="Monaco"/>
+                      </a:endParaRPr>
+                    </a:p>
+                  </a:txBody>
+                  <a:tcPr/>
+                </a:tc>
+                <a:tc>
+                  <a:txBody>
+                    <a:bodyPr/>
+                    <a:lstStyle/>
+                    <a:p>
+                      <a:pPr algn="ctr"/>
+                      <a:r>
+                        <a:rPr lang="en-US" sz="2400" baseline="0" dirty="0" smtClean="0">
+                          <a:latin typeface="Monaco"/>
+                          <a:cs typeface="Monaco"/>
+                        </a:rPr>
+                        <a:t>cilkS</a:t>
+                      </a:r>
+                      <a:endParaRPr lang="en-US" sz="2400" dirty="0"/>
+                    </a:p>
+                  </a:txBody>
+                  <a:tcPr/>
+                </a:tc>
+              </a:tr>
+              <a:tr h="635014">
+                <a:tc>
+                  <a:txBody>
+                    <a:bodyPr/>
+                    <a:lstStyle/>
+                    <a:p>
+                      <a:pPr algn="ctr"/>
+                      <a:r>
+                        <a:rPr lang="en-US" sz="2400" dirty="0" smtClean="0"/>
+                        <a:t>Compare</a:t>
+                      </a:r>
+                      <a:endParaRPr lang="en-US" sz="2400" dirty="0"/>
+                    </a:p>
+                  </a:txBody>
+                  <a:tcPr/>
+                </a:tc>
+                <a:tc>
+                  <a:txBody>
+                    <a:bodyPr/>
+                    <a:lstStyle/>
+                    <a:p>
+                      <a:pPr algn="ctr"/>
+                      <a:r>
+                        <a:rPr lang="en-US" sz="2400" dirty="0" smtClean="0"/>
+                        <a:t>N/A</a:t>
+                      </a:r>
+                      <a:endParaRPr lang="en-US" sz="2400" dirty="0"/>
+                    </a:p>
+                  </a:txBody>
+                  <a:tcPr/>
+                </a:tc>
+                <a:tc>
+                  <a:txBody>
+                    <a:bodyPr/>
+                    <a:lstStyle/>
+                    <a:p>
+                      <a:pPr algn="ctr"/>
+                      <a:r>
+                        <a:rPr lang="en-US" sz="2400" baseline="0" dirty="0" smtClean="0">
+                          <a:latin typeface="Monaco"/>
+                          <a:cs typeface="Monaco"/>
+                        </a:rPr>
+                        <a:t>std::</a:t>
+                      </a:r>
+                      <a:r>
+                        <a:rPr lang="en-US" sz="2400" baseline="0" smtClean="0">
+                          <a:latin typeface="Monaco"/>
+                          <a:cs typeface="Monaco"/>
+                        </a:rPr>
+                        <a:t>less&lt;int&gt;</a:t>
+                      </a:r>
+                      <a:endParaRPr lang="en-US" sz="2400" dirty="0"/>
+                    </a:p>
+                  </a:txBody>
+                  <a:tcPr/>
+                </a:tc>
+              </a:tr>
+              <a:tr h="534749">
+                <a:tc>
+                  <a:txBody>
+                    <a:bodyPr/>
+                    <a:lstStyle/>
+                    <a:p>
+                      <a:pPr algn="ctr"/>
+                      <a:r>
+                        <a:rPr lang="en-US" sz="2400" dirty="0" smtClean="0"/>
+                        <a:t>Functor</a:t>
+                      </a:r>
+                      <a:endParaRPr lang="en-US" sz="2400" dirty="0"/>
+                    </a:p>
+                  </a:txBody>
+                  <a:tcPr/>
+                </a:tc>
+                <a:tc>
+                  <a:txBody>
+                    <a:bodyPr/>
+                    <a:lstStyle/>
+                    <a:p>
+                      <a:pPr algn="ctr"/>
+                      <a:r>
+                        <a:rPr lang="en-US" sz="2400" dirty="0" smtClean="0"/>
+                        <a:t>N/A</a:t>
+                      </a:r>
+                      <a:endParaRPr lang="en-US" sz="2400" dirty="0"/>
+                    </a:p>
+                  </a:txBody>
+                  <a:tcPr/>
+                </a:tc>
+                <a:tc>
+                  <a:txBody>
+                    <a:bodyPr/>
+                    <a:lstStyle/>
+                    <a:p>
+                      <a:pPr marL="0" marR="0" indent="0" algn="ctr" defTabSz="914400" rtl="0" eaLnBrk="1" fontAlgn="auto" latinLnBrk="0" hangingPunct="1">
+                        <a:lnSpc>
+                          <a:spcPct val="100000"/>
+                        </a:lnSpc>
+                        <a:spcBef>
+                          <a:spcPts val="0"/>
+                        </a:spcBef>
+                        <a:spcAft>
+                          <a:spcPts val="0"/>
+                        </a:spcAft>
+                        <a:buClrTx/>
+                        <a:buSzTx/>
+                        <a:buFontTx/>
+                        <a:buNone/>
+                        <a:tabLst/>
+                        <a:defRPr/>
+                      </a:pPr>
+                      <a:r>
+                        <a:rPr lang="en-US" sz="2400" baseline="0" dirty="0" smtClean="0">
+                          <a:latin typeface="Monaco"/>
+                          <a:cs typeface="Monaco"/>
+                        </a:rPr>
+                        <a:t>virtual_functor</a:t>
+                      </a:r>
+                      <a:endParaRPr lang="en-US" sz="2400" dirty="0" smtClean="0"/>
+                    </a:p>
+                  </a:txBody>
+                  <a:tcPr/>
+                </a:tc>
+              </a:tr>
+            </a:tbl>
+          </a:graphicData>
+        </a:graphic>
+      </p:graphicFrame>
+      <p:sp>
+        <p:nvSpPr>
+          <p:cNvPr id="563" name="Title 1"/>
+          <p:cNvSpPr txBox="1">
+            <a:spLocks/>
+          </p:cNvSpPr>
+          <p:nvPr/>
+        </p:nvSpPr>
+        <p:spPr bwMode="auto">
+          <a:xfrm>
+            <a:off x="13133806" y="3807443"/>
+            <a:ext cx="5829300" cy="500591"/>
+          </a:xfrm>
+          <a:prstGeom prst="rect">
+            <a:avLst/>
+          </a:prstGeom>
+          <a:noFill/>
+          <a:ln w="9525">
+            <a:noFill/>
+            <a:miter lim="800000"/>
+            <a:headEnd/>
+            <a:tailEnd/>
+          </a:ln>
+        </p:spPr>
+        <p:txBody>
+          <a:bodyPr vert="horz" wrap="square" lIns="91440" tIns="45720" rIns="91440" bIns="91440" numCol="1" anchor="b" anchorCtr="0" compatLnSpc="1">
+            <a:prstTxWarp prst="textNoShape">
               <a:avLst/>
-            </a:prstGeom>
-            <a:noFill/>
-            <a:ln w="9525">
-              <a:noFill/>
-              <a:miter lim="800000"/>
-              <a:headEnd/>
-              <a:tailEnd/>
-            </a:ln>
-          </p:spPr>
-          <p:txBody>
-            <a:bodyPr vert="horz" wrap="square" lIns="91440" tIns="45720" rIns="91440" bIns="91440" numCol="1" anchor="b" anchorCtr="0" compatLnSpc="1">
-              <a:prstTxWarp prst="textNoShape">
-                <a:avLst/>
-              </a:prstTxWarp>
-            </a:bodyPr>
-            <a:lstStyle/>
-            <a:p>
-              <a:pPr marL="0" marR="0" lvl="0" indent="0" algn="ctr" defTabSz="914400" rtl="0" eaLnBrk="1" fontAlgn="base" latinLnBrk="0" hangingPunct="1">
-                <a:lnSpc>
-                  <a:spcPct val="100000"/>
-                </a:lnSpc>
-                <a:spcBef>
-                  <a:spcPct val="0"/>
-                </a:spcBef>
-                <a:spcAft>
-                  <a:spcPct val="0"/>
-                </a:spcAft>
-                <a:buClrTx/>
-                <a:buSzTx/>
-                <a:buFontTx/>
-                <a:buNone/>
-                <a:tabLst/>
-                <a:defRPr/>
-              </a:pPr>
-              <a:r>
-                <a:rPr kumimoji="0" lang="en-US" sz="3600" b="1" i="0" u="none" strike="noStrike" kern="1200" cap="none" spc="0" normalizeH="0" baseline="0" noProof="0" dirty="0" smtClean="0">
-                  <a:ln>
-                    <a:noFill/>
-                  </a:ln>
-                  <a:effectLst/>
-                  <a:uLnTx/>
-                  <a:uFillTx/>
-                  <a:latin typeface="Franklin Gothic Book"/>
-                  <a:ea typeface="ＭＳ Ｐゴシック" charset="-128"/>
-                  <a:cs typeface="ＭＳ Ｐゴシック" charset="-128"/>
-                </a:rPr>
-                <a:t>Customizing</a:t>
-              </a:r>
-              <a:r>
-                <a:rPr kumimoji="0" lang="en-US" sz="3600" b="1" i="0" u="none" strike="noStrike" kern="1200" cap="none" spc="0" normalizeH="0" noProof="0" dirty="0" smtClean="0">
-                  <a:ln>
-                    <a:noFill/>
-                  </a:ln>
-                  <a:effectLst/>
-                  <a:uLnTx/>
-                  <a:uFillTx/>
-                  <a:latin typeface="Franklin Gothic Book"/>
-                  <a:ea typeface="ＭＳ Ｐゴシック" charset="-128"/>
-                  <a:cs typeface="ＭＳ Ｐゴシック" charset="-128"/>
-                </a:rPr>
-                <a:t> at Compile-time</a:t>
-              </a:r>
-              <a:endParaRPr kumimoji="0" lang="en-US" sz="3600" b="1" i="0" u="none" strike="noStrike" kern="1200" cap="none" spc="0" normalizeH="0" baseline="0" noProof="0" dirty="0" smtClean="0">
-                <a:ln>
-                  <a:noFill/>
-                </a:ln>
-                <a:effectLst/>
-                <a:uLnTx/>
-                <a:uFillTx/>
+            </a:prstTxWarp>
+          </a:bodyPr>
+          <a:lstStyle/>
+          <a:p>
+            <a:pPr algn="ctr" defTabSz="653064" fontAlgn="base">
+              <a:spcBef>
+                <a:spcPct val="0"/>
+              </a:spcBef>
+              <a:spcAft>
+                <a:spcPct val="0"/>
+              </a:spcAft>
+              <a:defRPr/>
+            </a:pPr>
+            <a:r>
+              <a:rPr lang="en-US" sz="2600" b="1" dirty="0" smtClean="0">
                 <a:latin typeface="Franklin Gothic Book"/>
                 <a:ea typeface="ＭＳ Ｐゴシック" charset="-128"/>
                 <a:cs typeface="ＭＳ Ｐゴシック" charset="-128"/>
-              </a:endParaRPr>
-            </a:p>
-          </p:txBody>
-        </p:sp>
-      </p:grpSp>
+              </a:rPr>
+              <a:t>Customizing at Compile-time</a:t>
+            </a:r>
+          </a:p>
+        </p:txBody>
+      </p:sp>
       <p:grpSp>
         <p:nvGrpSpPr>
           <p:cNvPr id="565" name="Group 564"/>
@@ -7731,8 +6989,8 @@
         </p:nvGrpSpPr>
         <p:grpSpPr>
           <a:xfrm>
-            <a:off x="1084464" y="16654698"/>
-            <a:ext cx="13160621" cy="5118660"/>
+            <a:off x="813348" y="11103132"/>
+            <a:ext cx="9870466" cy="3412440"/>
             <a:chOff x="1156084" y="3977191"/>
             <a:chExt cx="13160621" cy="9314002"/>
           </a:xfrm>
@@ -7777,7 +7035,7 @@
             <a:lstStyle/>
             <a:p>
               <a:pPr algn="ctr"/>
-              <a:endParaRPr lang="en-US" sz="1800"/>
+              <a:endParaRPr lang="en-US" sz="1300" dirty="0"/>
             </a:p>
           </p:txBody>
         </p:sp>
@@ -7813,42 +7071,23 @@
             </a:bodyPr>
             <a:lstStyle/>
             <a:p>
-              <a:pPr marL="0" marR="0" lvl="0" indent="0" algn="ctr" defTabSz="914400" rtl="0" eaLnBrk="1" fontAlgn="base" latinLnBrk="0" hangingPunct="1">
-                <a:lnSpc>
-                  <a:spcPct val="100000"/>
-                </a:lnSpc>
+              <a:pPr algn="ctr" defTabSz="653064" fontAlgn="base">
                 <a:spcBef>
                   <a:spcPct val="0"/>
                 </a:spcBef>
                 <a:spcAft>
                   <a:spcPct val="0"/>
                 </a:spcAft>
-                <a:buClrTx/>
-                <a:buSzTx/>
-                <a:buFontTx/>
-                <a:buNone/>
-                <a:tabLst/>
                 <a:defRPr/>
               </a:pPr>
               <a:r>
-                <a:rPr lang="en-US" sz="3600" b="1" dirty="0" smtClean="0">
+                <a:rPr lang="en-US" sz="2600" b="1" dirty="0" smtClean="0">
                   <a:latin typeface="Franklin Gothic Book"/>
                   <a:ea typeface="ＭＳ Ｐゴシック" charset="-128"/>
                   <a:cs typeface="ＭＳ Ｐゴシック" charset="-128"/>
                 </a:rPr>
                 <a:t>Loop Parallelism</a:t>
               </a:r>
-              <a:endParaRPr kumimoji="0" lang="en-US" sz="3600" b="1" i="0" u="none" strike="noStrike" kern="1200" cap="none" spc="0" normalizeH="0" baseline="0" noProof="0" dirty="0" smtClean="0">
-                <a:ln>
-                  <a:noFill/>
-                </a:ln>
-                <a:effectLst/>
-                <a:uLnTx/>
-                <a:uFillTx/>
-                <a:latin typeface="Franklin Gothic Book"/>
-                <a:ea typeface="ＭＳ Ｐゴシック" charset="-128"/>
-                <a:cs typeface="ＭＳ Ｐゴシック" charset="-128"/>
-              </a:endParaRPr>
             </a:p>
           </p:txBody>
         </p:sp>
@@ -7861,8 +7100,8 @@
         </p:nvGrpSpPr>
         <p:grpSpPr>
           <a:xfrm>
-            <a:off x="29176581" y="17495546"/>
-            <a:ext cx="13224712" cy="8606997"/>
+            <a:off x="21882436" y="11663698"/>
+            <a:ext cx="9918534" cy="5737998"/>
             <a:chOff x="29176581" y="17567395"/>
             <a:chExt cx="13224712" cy="8606997"/>
           </a:xfrm>
@@ -7921,7 +7160,7 @@
               <a:lstStyle/>
               <a:p>
                 <a:pPr algn="ctr"/>
-                <a:endParaRPr lang="en-US" sz="1800"/>
+                <a:endParaRPr lang="en-US" sz="1300" dirty="0"/>
               </a:p>
             </p:txBody>
           </p:sp>
@@ -7957,42 +7196,23 @@
               </a:bodyPr>
               <a:lstStyle/>
               <a:p>
-                <a:pPr marL="0" marR="0" lvl="0" indent="0" algn="ctr" defTabSz="914400" rtl="0" eaLnBrk="1" fontAlgn="base" latinLnBrk="0" hangingPunct="1">
-                  <a:lnSpc>
-                    <a:spcPct val="100000"/>
-                  </a:lnSpc>
+                <a:pPr algn="ctr" defTabSz="653064" fontAlgn="base">
                   <a:spcBef>
                     <a:spcPct val="0"/>
                   </a:spcBef>
                   <a:spcAft>
                     <a:spcPct val="0"/>
                   </a:spcAft>
-                  <a:buClrTx/>
-                  <a:buSzTx/>
-                  <a:buFontTx/>
-                  <a:buNone/>
-                  <a:tabLst/>
                   <a:defRPr/>
                 </a:pPr>
                 <a:r>
-                  <a:rPr lang="en-US" sz="3600" b="1" dirty="0" smtClean="0">
+                  <a:rPr lang="en-US" sz="2600" b="1" dirty="0" smtClean="0">
                     <a:latin typeface="Franklin Gothic Book"/>
                     <a:ea typeface="ＭＳ Ｐゴシック" charset="-128"/>
                     <a:cs typeface="ＭＳ Ｐゴシック" charset="-128"/>
                   </a:rPr>
                   <a:t>Now Available: PFunc 1.0.</a:t>
                 </a:r>
-                <a:endParaRPr kumimoji="0" lang="en-US" sz="3600" b="1" i="0" u="none" strike="noStrike" kern="1200" cap="none" spc="0" normalizeH="0" baseline="0" noProof="0" dirty="0" smtClean="0">
-                  <a:ln>
-                    <a:noFill/>
-                  </a:ln>
-                  <a:effectLst/>
-                  <a:uLnTx/>
-                  <a:uFillTx/>
-                  <a:latin typeface="Franklin Gothic Book"/>
-                  <a:ea typeface="ＭＳ Ｐゴシック" charset="-128"/>
-                  <a:cs typeface="ＭＳ Ｐゴシック" charset="-128"/>
-                </a:endParaRPr>
               </a:p>
             </p:txBody>
           </p:sp>
@@ -8028,48 +7248,23 @@
               </a:bodyPr>
               <a:lstStyle/>
               <a:p>
-                <a:pPr marL="0" marR="0" lvl="0" indent="0" algn="ctr" defTabSz="914400" rtl="0" eaLnBrk="1" fontAlgn="base" latinLnBrk="0" hangingPunct="1">
-                  <a:lnSpc>
-                    <a:spcPct val="100000"/>
-                  </a:lnSpc>
+                <a:pPr algn="ctr" defTabSz="653064" fontAlgn="base">
                   <a:spcBef>
                     <a:spcPct val="0"/>
                   </a:spcBef>
                   <a:spcAft>
                     <a:spcPct val="0"/>
                   </a:spcAft>
-                  <a:buClrTx/>
-                  <a:buSzTx/>
-                  <a:buFontTx/>
-                  <a:buNone/>
-                  <a:tabLst/>
                   <a:defRPr/>
                 </a:pPr>
                 <a:r>
-                  <a:rPr kumimoji="0" lang="en-US" sz="3600" b="1" i="0" u="none" strike="noStrike" kern="1200" cap="none" spc="0" normalizeH="0" baseline="0" noProof="0" dirty="0" smtClean="0">
-                    <a:ln>
-                      <a:noFill/>
-                    </a:ln>
-                    <a:effectLst/>
-                    <a:uLnTx/>
-                    <a:uFillTx/>
+                  <a:rPr lang="en-US" sz="2600" b="1" dirty="0" smtClean="0">
                     <a:latin typeface="Franklin Gothic Book"/>
                     <a:ea typeface="ＭＳ Ｐゴシック" charset="-128"/>
                     <a:cs typeface="ＭＳ Ｐゴシック" charset="-128"/>
                   </a:rPr>
                   <a:t>Salient Features</a:t>
                 </a:r>
-                <a:endParaRPr kumimoji="0" lang="en-US" sz="3600" b="1" i="0" u="none" strike="noStrike" kern="1200" cap="none" spc="0" normalizeH="0" baseline="0" noProof="0" dirty="0" smtClean="0">
-                  <a:ln>
-                    <a:noFill/>
-                  </a:ln>
-                  <a:effectLst/>
-                  <a:uLnTx/>
-                  <a:uFillTx/>
-                  <a:latin typeface="Franklin Gothic Book"/>
-                  <a:ea typeface="ＭＳ Ｐゴシック" charset="-128"/>
-                  <a:cs typeface="ＭＳ Ｐゴシック" charset="-128"/>
-                </a:endParaRPr>
               </a:p>
             </p:txBody>
           </p:sp>
@@ -8107,12 +7302,9 @@
             </a:bodyPr>
             <a:lstStyle/>
             <a:p>
-              <a:pPr marL="273050" marR="0" lvl="0" indent="-273050" algn="ctr" defTabSz="914400" rtl="0" eaLnBrk="1" fontAlgn="base" latinLnBrk="0" hangingPunct="1">
-                <a:lnSpc>
-                  <a:spcPct val="100000"/>
-                </a:lnSpc>
+              <a:pPr marL="195012" indent="-195012" algn="ctr" defTabSz="653064" fontAlgn="base">
                 <a:spcBef>
-                  <a:spcPts val="575"/>
+                  <a:spcPts val="411"/>
                 </a:spcBef>
                 <a:spcAft>
                   <a:spcPct val="0"/>
@@ -8123,49 +7315,20 @@
                 <a:buSzPct val="85000"/>
                 <a:buFont typeface="Wingdings 2" charset="2"/>
                 <a:buChar char=""/>
-                <a:tabLst/>
                 <a:defRPr/>
               </a:pPr>
               <a:r>
-                <a:rPr kumimoji="0" lang="en-US" sz="3200" b="0" i="0" u="none" strike="noStrike" kern="1200" cap="none" spc="0" normalizeH="0" baseline="0" noProof="0" dirty="0" smtClean="0">
-                  <a:ln>
-                    <a:noFill/>
-                  </a:ln>
-                  <a:effectLst/>
-                  <a:uLnTx/>
-                  <a:uFillTx/>
-                  <a:latin typeface="+mn-lt"/>
+                <a:rPr lang="en-US" sz="2300" dirty="0" smtClean="0">
                   <a:ea typeface="ＭＳ Ｐゴシック" charset="-128"/>
                   <a:cs typeface="ＭＳ Ｐゴシック" charset="-128"/>
                 </a:rPr>
-                <a:t>New loop parallelism constructs</a:t>
+                <a:t>New loop parallelism constructs.</a:t>
               </a:r>
-              <a:r>
-                <a:rPr lang="en-US" sz="3200" dirty="0" smtClean="0">
-                  <a:ea typeface="ＭＳ Ｐゴシック" charset="-128"/>
-                  <a:cs typeface="ＭＳ Ｐゴシック" charset="-128"/>
-                </a:rPr>
-                <a:t>.</a:t>
-              </a:r>
-              <a:endParaRPr kumimoji="0" lang="en-US" sz="3200" b="0" i="0" u="none" strike="noStrike" kern="1200" cap="none" spc="0" normalizeH="0" noProof="0" dirty="0" smtClean="0">
-                <a:ln>
-                  <a:noFill/>
-                </a:ln>
-                <a:effectLst/>
-                <a:uLnTx/>
-                <a:uFillTx/>
-                <a:latin typeface="+mn-lt"/>
-                <a:ea typeface="ＭＳ Ｐゴシック" charset="-128"/>
-                <a:cs typeface="ＭＳ Ｐゴシック" charset="-128"/>
-              </a:endParaRPr>
             </a:p>
             <a:p>
-              <a:pPr marL="273050" marR="0" lvl="0" indent="-273050" algn="ctr" defTabSz="914400" rtl="0" eaLnBrk="1" fontAlgn="base" latinLnBrk="0" hangingPunct="1">
-                <a:lnSpc>
-                  <a:spcPct val="100000"/>
-                </a:lnSpc>
+              <a:pPr marL="195012" indent="-195012" algn="ctr" defTabSz="653064" fontAlgn="base">
                 <a:spcBef>
-                  <a:spcPts val="575"/>
+                  <a:spcPts val="411"/>
                 </a:spcBef>
                 <a:spcAft>
                   <a:spcPct val="0"/>
@@ -8176,25 +7339,24 @@
                 <a:buSzPct val="85000"/>
                 <a:buFont typeface="Wingdings 2" charset="2"/>
                 <a:buChar char=""/>
-                <a:tabLst/>
                 <a:defRPr/>
               </a:pPr>
               <a:r>
-                <a:rPr lang="en-US" sz="3200" dirty="0" smtClean="0">
+                <a:rPr lang="en-US" sz="2300" dirty="0" smtClean="0">
                   <a:ea typeface="ＭＳ Ｐゴシック" charset="-128"/>
                   <a:cs typeface="ＭＳ Ｐゴシック" charset="-128"/>
                 </a:rPr>
                 <a:t>New examples including </a:t>
               </a:r>
               <a:r>
-                <a:rPr lang="en-US" sz="3200" dirty="0" err="1" smtClean="0">
+                <a:rPr lang="en-US" sz="2300" dirty="0" err="1" smtClean="0">
                   <a:ea typeface="ＭＳ Ｐゴシック" charset="-128"/>
                   <a:cs typeface="ＭＳ Ｐゴシック" charset="-128"/>
                 </a:rPr>
                 <a:t>matmult</a:t>
               </a:r>
               <a:r>
-                <a:rPr lang="en-US" sz="3200" dirty="0" smtClean="0">
+                <a:rPr lang="en-US" sz="2300" dirty="0" smtClean="0">
                   <a:ea typeface="ＭＳ Ｐゴシック" charset="-128"/>
                   <a:cs typeface="ＭＳ Ｐゴシック" charset="-128"/>
                 </a:rPr>
@@ -8202,12 +7364,9 @@
               </a:r>
             </a:p>
             <a:p>
-              <a:pPr marL="273050" marR="0" lvl="0" indent="-273050" algn="ctr" defTabSz="914400" rtl="0" eaLnBrk="1" fontAlgn="base" latinLnBrk="0" hangingPunct="1">
-                <a:lnSpc>
-                  <a:spcPct val="100000"/>
-                </a:lnSpc>
+              <a:pPr marL="195012" indent="-195012" algn="ctr" defTabSz="653064" fontAlgn="base">
                 <a:spcBef>
-                  <a:spcPts val="575"/>
+                  <a:spcPts val="411"/>
                 </a:spcBef>
                 <a:spcAft>
                   <a:spcPct val="0"/>
@@ -8218,11 +7377,10 @@
                 <a:buSzPct val="85000"/>
                 <a:buFont typeface="Wingdings 2" charset="2"/>
                 <a:buChar char=""/>
-                <a:tabLst/>
                 <a:defRPr/>
               </a:pPr>
               <a:r>
-                <a:rPr lang="en-US" sz="3200" dirty="0" smtClean="0">
+                <a:rPr lang="en-US" sz="2300" dirty="0" smtClean="0">
                   <a:ea typeface="ＭＳ Ｐゴシック" charset="-128"/>
                   <a:cs typeface="ＭＳ Ｐゴシック" charset="-128"/>
                 </a:rPr>
@@ -8230,12 +7388,9 @@
               </a:r>
             </a:p>
             <a:p>
-              <a:pPr marL="273050" marR="0" lvl="0" indent="-273050" algn="ctr" defTabSz="914400" rtl="0" eaLnBrk="1" fontAlgn="base" latinLnBrk="0" hangingPunct="1">
-                <a:lnSpc>
-                  <a:spcPct val="100000"/>
-                </a:lnSpc>
+              <a:pPr marL="195012" indent="-195012" algn="ctr" defTabSz="653064" fontAlgn="base">
                 <a:spcBef>
-                  <a:spcPts val="575"/>
+                  <a:spcPts val="411"/>
                 </a:spcBef>
                 <a:spcAft>
                   <a:spcPct val="0"/>
@@ -8246,11 +7401,10 @@
                 <a:buSzPct val="85000"/>
                 <a:buFont typeface="Wingdings 2" charset="2"/>
                 <a:buChar char=""/>
-                <a:tabLst/>
                 <a:defRPr/>
               </a:pPr>
               <a:r>
-                <a:rPr lang="en-US" sz="3200" dirty="0" smtClean="0">
+                <a:rPr lang="en-US" sz="2300" dirty="0" smtClean="0">
                   <a:ea typeface="ＭＳ Ｐゴシック" charset="-128"/>
                   <a:cs typeface="ＭＳ Ｐゴシック" charset="-128"/>
                 </a:rPr>
@@ -8258,12 +7412,9 @@
               </a:r>
             </a:p>
             <a:p>
-              <a:pPr marL="273050" marR="0" lvl="0" indent="-273050" algn="ctr" defTabSz="914400" rtl="0" eaLnBrk="1" fontAlgn="base" latinLnBrk="0" hangingPunct="1">
-                <a:lnSpc>
-                  <a:spcPct val="100000"/>
-                </a:lnSpc>
+              <a:pPr marL="195012" indent="-195012" algn="ctr" defTabSz="653064" fontAlgn="base">
                 <a:spcBef>
-                  <a:spcPts val="575"/>
+                  <a:spcPts val="411"/>
                 </a:spcBef>
                 <a:spcAft>
                   <a:spcPct val="0"/>
@@ -8274,10 +7425,9 @@
                 <a:buSzPct val="85000"/>
                 <a:buFont typeface="Wingdings 2" charset="2"/>
                 <a:buChar char=""/>
-                <a:tabLst/>
                 <a:defRPr/>
               </a:pPr>
-              <a:endParaRPr lang="en-US" sz="3200" dirty="0" smtClean="0">
+              <a:endParaRPr lang="en-US" sz="2300" dirty="0" smtClean="0">
                 <a:ea typeface="ＭＳ Ｐゴシック" charset="-128"/>
                 <a:cs typeface="ＭＳ Ｐゴシック" charset="-128"/>
               </a:endParaRPr>
@@ -8294,8 +7444,8 @@
           <p:nvPr/>
         </p:nvGraphicFramePr>
         <p:xfrm>
-          <a:off x="30042386" y="18624404"/>
-          <a:ext cx="11479613" cy="3594603"/>
+          <a:off x="22531790" y="12416270"/>
+          <a:ext cx="8609710" cy="2406561"/>
         </p:xfrm>
         <a:graphic>
           <a:graphicData uri="http://schemas.openxmlformats.org/drawingml/2006/table">
@@ -8304,10 +7454,10 @@
                 <a:tableStyleId>{5C22544A-7EE6-4342-B048-85BDC9FD1C3A}</a:tableStyleId>
               </a:tblPr>
               <a:tblGrid>
-                <a:gridCol w="4445297"/>
-                <a:gridCol w="7034316"/>
+                <a:gridCol w="3333973"/>
+                <a:gridCol w="5275737"/>
               </a:tblGrid>
-              <a:tr h="730841">
+              <a:tr h="487227">
                 <a:tc>
                   <a:txBody>
                     <a:bodyPr/>
@@ -8315,13 +7465,13 @@
                     <a:p>
                       <a:pPr algn="ctr"/>
                       <a:r>
-                        <a:rPr lang="en-US" sz="4000" dirty="0" smtClean="0"/>
+                        <a:rPr lang="en-US" sz="2700" dirty="0" smtClean="0"/>
                         <a:t>Operating System</a:t>
                       </a:r>
-                      <a:endParaRPr lang="en-US" sz="4000" dirty="0"/>
+                      <a:endParaRPr lang="en-US" sz="2700" dirty="0"/>
                     </a:p>
                   </a:txBody>
-                  <a:tcPr/>
+                  <a:tcPr marL="68580" marR="68580" marT="30480" marB="30480"/>
                 </a:tc>
                 <a:tc>
                   <a:txBody>
@@ -8330,16 +7480,16 @@
                     <a:p>
                       <a:pPr algn="ctr"/>
                       <a:r>
-                        <a:rPr lang="en-US" sz="4000" dirty="0" smtClean="0"/>
+                        <a:rPr lang="en-US" sz="2700" dirty="0" smtClean="0"/>
                         <a:t>Processor</a:t>
                       </a:r>
-                      <a:endParaRPr lang="en-US" sz="4000" dirty="0"/>
+                      <a:endParaRPr lang="en-US" sz="2700" dirty="0"/>
                     </a:p>
                   </a:txBody>
-                  <a:tcPr/>
+                  <a:tcPr marL="68580" marR="68580" marT="30480" marB="30480"/>
                 </a:tc>
               </a:tr>
-              <a:tr h="730841">
+              <a:tr h="487227">
                 <a:tc>
                   <a:txBody>
                     <a:bodyPr/>
@@ -8347,13 +7497,13 @@
                     <a:p>
                       <a:pPr algn="ctr"/>
                       <a:r>
-                        <a:rPr lang="en-US" sz="4000" dirty="0" smtClean="0"/>
+                        <a:rPr lang="en-US" sz="2700" dirty="0" smtClean="0"/>
                         <a:t>Windows XP</a:t>
                       </a:r>
-                      <a:endParaRPr lang="en-US" sz="4000" dirty="0"/>
+                      <a:endParaRPr lang="en-US" sz="2700" dirty="0"/>
                     </a:p>
                   </a:txBody>
-                  <a:tcPr/>
+                  <a:tcPr marL="68580" marR="68580" marT="30480" marB="30480"/>
                 </a:tc>
                 <a:tc>
                   <a:txBody>
@@ -8362,16 +7512,16 @@
                     <a:p>
                       <a:pPr algn="ctr"/>
                       <a:r>
-                        <a:rPr lang="en-US" sz="4000" dirty="0" smtClean="0"/>
+                        <a:rPr lang="en-US" sz="2700" dirty="0" smtClean="0"/>
                         <a:t>x86_32</a:t>
                       </a:r>
-                      <a:endParaRPr lang="en-US" sz="4000" dirty="0"/>
+                      <a:endParaRPr lang="en-US" sz="2700" dirty="0"/>
                     </a:p>
                   </a:txBody>
-                  <a:tcPr/>
+                  <a:tcPr marL="68580" marR="68580" marT="30480" marB="30480"/>
                 </a:tc>
               </a:tr>
-              <a:tr h="730841">
+              <a:tr h="487227">
                 <a:tc>
                   <a:txBody>
                     <a:bodyPr/>
@@ -8379,13 +7529,13 @@
                     <a:p>
                       <a:pPr algn="ctr"/>
                       <a:r>
-                        <a:rPr lang="en-US" sz="4000" dirty="0" smtClean="0"/>
+                        <a:rPr lang="en-US" sz="2700" dirty="0" smtClean="0"/>
                         <a:t>Linux</a:t>
                       </a:r>
-                      <a:endParaRPr lang="en-US" sz="4000" dirty="0"/>
+                      <a:endParaRPr lang="en-US" sz="2700" dirty="0"/>
                     </a:p>
                   </a:txBody>
-                  <a:tcPr/>
+                  <a:tcPr marL="68580" marR="68580" marT="30480" marB="30480"/>
                 </a:tc>
                 <a:tc>
                   <a:txBody>
@@ -8394,16 +7544,16 @@
                     <a:p>
                       <a:pPr algn="ctr"/>
                       <a:r>
-                        <a:rPr lang="en-US" sz="4000" baseline="0" dirty="0" smtClean="0"/>
+                        <a:rPr lang="en-US" sz="2700" baseline="0" dirty="0" smtClean="0"/>
                         <a:t>ppc32, ppc64, x86_32, x86_64</a:t>
                       </a:r>
-                      <a:endParaRPr lang="en-US" sz="4000" dirty="0"/>
+                      <a:endParaRPr lang="en-US" sz="2700" dirty="0"/>
                     </a:p>
                   </a:txBody>
-                  <a:tcPr/>
+                  <a:tcPr marL="68580" marR="68580" marT="30480" marB="30480"/>
                 </a:tc>
               </a:tr>
-              <a:tr h="578465">
+              <a:tr h="467360">
                 <a:tc>
                   <a:txBody>
                     <a:bodyPr/>
@@ -8411,13 +7561,13 @@
                     <a:p>
                       <a:pPr algn="ctr"/>
                       <a:r>
-                        <a:rPr lang="en-US" sz="4000" dirty="0" smtClean="0"/>
+                        <a:rPr lang="en-US" sz="2700" dirty="0" smtClean="0"/>
                         <a:t>AIX</a:t>
                       </a:r>
-                      <a:endParaRPr lang="en-US" sz="4000" dirty="0"/>
+                      <a:endParaRPr lang="en-US" sz="2700" dirty="0"/>
                     </a:p>
                   </a:txBody>
-                  <a:tcPr/>
+                  <a:tcPr marL="68580" marR="68580" marT="30480" marB="30480"/>
                 </a:tc>
                 <a:tc>
                   <a:txBody>
@@ -8426,20 +7576,20 @@
                     <a:p>
                       <a:pPr algn="ctr"/>
                       <a:r>
-                        <a:rPr lang="en-US" sz="4000" dirty="0" smtClean="0"/>
+                        <a:rPr lang="en-US" sz="2700" dirty="0" smtClean="0"/>
                         <a:t>ppc32</a:t>
                       </a:r>
                       <a:r>
-                        <a:rPr lang="en-US" sz="4000" baseline="0" dirty="0" smtClean="0"/>
+                        <a:rPr lang="en-US" sz="2700" baseline="0" dirty="0" smtClean="0"/>
                         <a:t>, ppc64</a:t>
                       </a:r>
-                      <a:endParaRPr lang="en-US" sz="4000" dirty="0"/>
+                      <a:endParaRPr lang="en-US" sz="2700" dirty="0"/>
                     </a:p>
                   </a:txBody>
-                  <a:tcPr/>
+                  <a:tcPr marL="68580" marR="68580" marT="30480" marB="30480"/>
                 </a:tc>
               </a:tr>
-              <a:tr h="578465">
+              <a:tr h="467360">
                 <a:tc>
                   <a:txBody>
                     <a:bodyPr/>
@@ -8447,13 +7597,13 @@
                     <a:p>
                       <a:pPr algn="ctr"/>
                       <a:r>
-                        <a:rPr lang="en-US" sz="4000" dirty="0" smtClean="0"/>
+                        <a:rPr lang="en-US" sz="2700" dirty="0" smtClean="0"/>
                         <a:t>OS X</a:t>
                       </a:r>
-                      <a:endParaRPr lang="en-US" sz="4000" dirty="0"/>
+                      <a:endParaRPr lang="en-US" sz="2700" dirty="0"/>
                     </a:p>
                   </a:txBody>
-                  <a:tcPr/>
+                  <a:tcPr marL="68580" marR="68580" marT="30480" marB="30480"/>
                 </a:tc>
                 <a:tc>
                   <a:txBody>
@@ -8462,13 +7612,13 @@
                     <a:p>
                       <a:pPr algn="ctr"/>
                       <a:r>
-                        <a:rPr lang="en-US" sz="4000" dirty="0" smtClean="0"/>
+                        <a:rPr lang="en-US" sz="2700" dirty="0" smtClean="0"/>
                         <a:t>x86_32, x86_64</a:t>
                       </a:r>
-                      <a:endParaRPr lang="en-US" sz="4000" dirty="0"/>
+                      <a:endParaRPr lang="en-US" sz="2700" dirty="0"/>
                     </a:p>
                   </a:txBody>
-                  <a:tcPr/>
+                  <a:tcPr marL="68580" marR="68580" marT="30480" marB="30480"/>
                 </a:tc>
               </a:tr>
             </a:tbl>
@@ -8483,8 +7633,8 @@
         </p:nvGrpSpPr>
         <p:grpSpPr>
           <a:xfrm>
-            <a:off x="1090316" y="22525527"/>
-            <a:ext cx="13160621" cy="8982347"/>
+            <a:off x="817737" y="15017019"/>
+            <a:ext cx="9870466" cy="5988231"/>
             <a:chOff x="1156084" y="3977189"/>
             <a:chExt cx="13160621" cy="10169017"/>
           </a:xfrm>
@@ -8529,7 +7679,7 @@
             <a:lstStyle/>
             <a:p>
               <a:pPr algn="ctr"/>
-              <a:endParaRPr lang="en-US" sz="1800"/>
+              <a:endParaRPr lang="en-US" sz="1300" dirty="0"/>
             </a:p>
           </p:txBody>
         </p:sp>
@@ -8565,42 +7715,23 @@
             </a:bodyPr>
             <a:lstStyle/>
             <a:p>
-              <a:pPr marL="0" marR="0" lvl="0" indent="0" algn="ctr" defTabSz="914400" rtl="0" eaLnBrk="1" fontAlgn="base" latinLnBrk="0" hangingPunct="1">
-                <a:lnSpc>
-                  <a:spcPct val="100000"/>
-                </a:lnSpc>
+              <a:pPr algn="ctr" defTabSz="653064" fontAlgn="base">
                 <a:spcBef>
                   <a:spcPct val="0"/>
                 </a:spcBef>
                 <a:spcAft>
                   <a:spcPct val="0"/>
                 </a:spcAft>
-                <a:buClrTx/>
-                <a:buSzTx/>
-                <a:buFontTx/>
-                <a:buNone/>
-                <a:tabLst/>
                 <a:defRPr/>
               </a:pPr>
               <a:r>
-                <a:rPr lang="en-US" sz="3600" b="1" noProof="0" dirty="0" smtClean="0">
+                <a:rPr lang="en-US" sz="2600" b="1" dirty="0" smtClean="0">
                   <a:latin typeface="Franklin Gothic Book"/>
                   <a:ea typeface="ＭＳ Ｐゴシック" charset="-128"/>
                   <a:cs typeface="ＭＳ Ｐゴシック" charset="-128"/>
                 </a:rPr>
                 <a:t>Software Architecture</a:t>
               </a:r>
-              <a:endParaRPr kumimoji="0" lang="en-US" sz="3600" b="1" i="0" u="none" strike="noStrike" kern="1200" cap="none" spc="0" normalizeH="0" baseline="0" noProof="0" dirty="0" smtClean="0">
-                <a:ln>
-                  <a:noFill/>
-                </a:ln>
-                <a:effectLst/>
-                <a:uLnTx/>
-                <a:uFillTx/>
-                <a:latin typeface="Franklin Gothic Book"/>
-                <a:ea typeface="ＭＳ Ｐゴシック" charset="-128"/>
-                <a:cs typeface="ＭＳ Ｐゴシック" charset="-128"/>
-              </a:endParaRPr>
             </a:p>
           </p:txBody>
         </p:sp>
@@ -8613,8 +7744,8 @@
         </p:nvSpPr>
         <p:spPr>
           <a:xfrm>
-            <a:off x="29178730" y="5504999"/>
-            <a:ext cx="13222564" cy="4220577"/>
+            <a:off x="21884048" y="3670000"/>
+            <a:ext cx="9916923" cy="2813718"/>
           </a:xfrm>
           <a:prstGeom prst="roundRect">
             <a:avLst/>
@@ -8641,11 +7772,11 @@
           </a:fontRef>
         </p:style>
         <p:txBody>
-          <a:bodyPr rtlCol="0" anchor="ctr"/>
+          <a:bodyPr lIns="65306" tIns="32653" rIns="65306" bIns="32653" rtlCol="0" anchor="ctr"/>
           <a:lstStyle/>
           <a:p>
             <a:pPr algn="ctr"/>
-            <a:endParaRPr lang="en-US" sz="1800"/>
+            <a:endParaRPr lang="en-US" sz="1300" dirty="0"/>
           </a:p>
         </p:txBody>
       </p:sp>
@@ -8659,8 +7790,8 @@
         </p:nvSpPr>
         <p:spPr bwMode="auto">
           <a:xfrm>
-            <a:off x="31893844" y="5985945"/>
-            <a:ext cx="7772400" cy="388505"/>
+            <a:off x="23920383" y="3990631"/>
+            <a:ext cx="5829300" cy="259003"/>
           </a:xfrm>
           <a:prstGeom prst="rect">
             <a:avLst/>
@@ -8674,49 +7805,30 @@
           </a:ln>
         </p:spPr>
         <p:txBody>
-          <a:bodyPr vert="horz" wrap="square" lIns="91440" tIns="45720" rIns="91440" bIns="91440" numCol="1" anchor="b" anchorCtr="0" compatLnSpc="1">
+          <a:bodyPr vert="horz" wrap="square" lIns="65306" tIns="32653" rIns="65306" bIns="65306" numCol="1" anchor="b" anchorCtr="0" compatLnSpc="1">
             <a:prstTxWarp prst="textNoShape">
               <a:avLst/>
             </a:prstTxWarp>
           </a:bodyPr>
           <a:lstStyle/>
           <a:p>
-            <a:pPr marL="0" marR="0" lvl="0" indent="0" algn="ctr" defTabSz="914400" rtl="0" eaLnBrk="1" fontAlgn="base" latinLnBrk="0" hangingPunct="1">
-              <a:lnSpc>
-                <a:spcPct val="100000"/>
-              </a:lnSpc>
+            <a:pPr algn="ctr" defTabSz="653064" fontAlgn="base">
               <a:spcBef>
                 <a:spcPct val="0"/>
               </a:spcBef>
               <a:spcAft>
                 <a:spcPct val="0"/>
               </a:spcAft>
-              <a:buClrTx/>
-              <a:buSzTx/>
-              <a:buFontTx/>
-              <a:buNone/>
-              <a:tabLst/>
               <a:defRPr/>
             </a:pPr>
             <a:r>
-              <a:rPr lang="en-US" sz="3600" b="1" dirty="0" smtClean="0">
+              <a:rPr lang="en-US" sz="2600" b="1" dirty="0" smtClean="0">
                 <a:latin typeface="Franklin Gothic Book"/>
                 <a:ea typeface="ＭＳ Ｐゴシック" charset="-128"/>
                 <a:cs typeface="ＭＳ Ｐゴシック" charset="-128"/>
               </a:rPr>
               <a:t>SPMD-style Parallelism</a:t>
             </a:r>
-            <a:endParaRPr kumimoji="0" lang="en-US" sz="3600" b="1" i="0" u="none" strike="noStrike" kern="1200" cap="none" spc="0" normalizeH="0" baseline="0" noProof="0" dirty="0" smtClean="0">
-              <a:ln>
-                <a:noFill/>
-              </a:ln>
-              <a:effectLst/>
-              <a:uLnTx/>
-              <a:uFillTx/>
-              <a:latin typeface="Franklin Gothic Book"/>
-              <a:ea typeface="ＭＳ Ｐゴシック" charset="-128"/>
-              <a:cs typeface="ＭＳ Ｐゴシック" charset="-128"/>
-            </a:endParaRPr>
           </a:p>
         </p:txBody>
       </p:sp>
@@ -8730,8 +7842,8 @@
         </p:nvSpPr>
         <p:spPr bwMode="auto">
           <a:xfrm>
-            <a:off x="1963813" y="17417540"/>
-            <a:ext cx="7594019" cy="1494267"/>
+            <a:off x="1472860" y="11611694"/>
+            <a:ext cx="5695514" cy="996178"/>
           </a:xfrm>
           <a:prstGeom prst="rect">
             <a:avLst/>
@@ -8745,7 +7857,7 @@
           </a:ln>
         </p:spPr>
         <p:txBody>
-          <a:bodyPr vert="horz" wrap="square" lIns="91440" tIns="45720" rIns="91440" bIns="45720" numCol="1" anchor="t" anchorCtr="0" compatLnSpc="1">
+          <a:bodyPr vert="horz" wrap="square" lIns="65306" tIns="32653" rIns="65306" bIns="32653" numCol="1" anchor="t" anchorCtr="0" compatLnSpc="1">
             <a:prstTxWarp prst="textNoShape">
               <a:avLst/>
             </a:prstTxWarp>
@@ -8753,9 +7865,9 @@
           </a:bodyPr>
           <a:lstStyle/>
           <a:p>
-            <a:pPr marL="273050" lvl="0" indent="-273050" defTabSz="914400" fontAlgn="base">
+            <a:pPr marL="195012" indent="-195012" defTabSz="653064" fontAlgn="base">
               <a:spcBef>
-                <a:spcPts val="575"/>
+                <a:spcPts val="411"/>
               </a:spcBef>
               <a:spcAft>
                 <a:spcPct val="0"/>
@@ -8769,7 +7881,7 @@
               <a:defRPr/>
             </a:pPr>
             <a:r>
-              <a:rPr lang="en-US" sz="3200" dirty="0" smtClean="0">
+              <a:rPr lang="en-US" sz="2300" dirty="0" smtClean="0">
                 <a:solidFill>
                   <a:srgbClr val="000000"/>
                 </a:solidFill>
@@ -8780,9 +7892,9 @@
             </a:r>
           </a:p>
           <a:p>
-            <a:pPr marL="273050" lvl="0" indent="-273050" defTabSz="914400" fontAlgn="base">
+            <a:pPr marL="195012" indent="-195012" defTabSz="653064" fontAlgn="base">
               <a:spcBef>
-                <a:spcPts val="575"/>
+                <a:spcPts val="411"/>
               </a:spcBef>
               <a:spcAft>
                 <a:spcPct val="0"/>
@@ -8796,7 +7908,7 @@
               <a:defRPr/>
             </a:pPr>
             <a:r>
-              <a:rPr lang="en-US" sz="3200" dirty="0" smtClean="0">
+              <a:rPr lang="en-US" sz="2300" dirty="0" smtClean="0">
                 <a:solidFill>
                   <a:srgbClr val="000000"/>
                 </a:solidFill>
@@ -8816,8 +7928,8 @@
         </p:nvGrpSpPr>
         <p:grpSpPr>
           <a:xfrm>
-            <a:off x="9160317" y="17929327"/>
-            <a:ext cx="3468292" cy="2835644"/>
+            <a:off x="6870238" y="11952885"/>
+            <a:ext cx="2601219" cy="1890429"/>
             <a:chOff x="4109455" y="2967272"/>
             <a:chExt cx="3468292" cy="2835644"/>
           </a:xfrm>
@@ -9724,8 +8836,8 @@
         </p:nvSpPr>
         <p:spPr bwMode="auto">
           <a:xfrm>
-            <a:off x="7930997" y="20716799"/>
-            <a:ext cx="5889024" cy="698088"/>
+            <a:off x="5948248" y="13811199"/>
+            <a:ext cx="4416768" cy="465392"/>
           </a:xfrm>
           <a:prstGeom prst="rect">
             <a:avLst/>
@@ -9739,14 +8851,14 @@
           </a:ln>
         </p:spPr>
         <p:txBody>
-          <a:bodyPr vert="horz" wrap="square" lIns="91440" tIns="45720" rIns="91440" bIns="91440" numCol="1" anchor="b" anchorCtr="0" compatLnSpc="1">
+          <a:bodyPr vert="horz" wrap="square" lIns="65306" tIns="32653" rIns="65306" bIns="65306" numCol="1" anchor="b" anchorCtr="0" compatLnSpc="1">
             <a:prstTxWarp prst="textNoShape">
               <a:avLst/>
             </a:prstTxWarp>
           </a:bodyPr>
           <a:lstStyle/>
           <a:p>
-            <a:pPr lvl="0" algn="ctr" defTabSz="914400" fontAlgn="base">
+            <a:pPr algn="ctr" defTabSz="653064" fontAlgn="base">
               <a:spcBef>
                 <a:spcPct val="0"/>
               </a:spcBef>
@@ -9756,7 +8868,7 @@
               <a:defRPr/>
             </a:pPr>
             <a:r>
-              <a:rPr lang="en-US" sz="2800" noProof="0" dirty="0" err="1" smtClean="0">
+              <a:rPr lang="en-US" sz="2000" dirty="0" err="1" smtClean="0">
                 <a:solidFill>
                   <a:srgbClr val="0000FF"/>
                 </a:solidFill>
@@ -9765,16 +8877,10 @@
               </a:rPr>
               <a:t>pfunc::parallel_reduce</a:t>
             </a:r>
-            <a:endParaRPr kumimoji="0" lang="en-US" sz="2800" b="1" i="0" u="none" strike="noStrike" kern="1200" cap="none" spc="0" normalizeH="0" baseline="0" noProof="0" dirty="0" smtClean="0">
-              <a:ln>
-                <a:noFill/>
-              </a:ln>
+            <a:endParaRPr lang="en-US" sz="2000" b="1" dirty="0" smtClean="0">
               <a:solidFill>
                 <a:srgbClr val="0000FF"/>
               </a:solidFill>
-              <a:effectLst/>
-              <a:uLnTx/>
-              <a:uFillTx/>
               <a:latin typeface="Franklin Gothic Book"/>
               <a:ea typeface="ＭＳ Ｐゴシック" charset="-128"/>
               <a:cs typeface="ＭＳ Ｐゴシック" charset="-128"/>
@@ -9790,8 +8896,8 @@
         </p:nvGrpSpPr>
         <p:grpSpPr>
           <a:xfrm>
-            <a:off x="2874176" y="18859384"/>
-            <a:ext cx="4005648" cy="464018"/>
+            <a:off x="2155632" y="12572923"/>
+            <a:ext cx="3004236" cy="309345"/>
             <a:chOff x="1856278" y="2271245"/>
             <a:chExt cx="4005648" cy="464018"/>
           </a:xfrm>
@@ -10199,8 +9305,8 @@
         </p:nvSpPr>
         <p:spPr bwMode="auto">
           <a:xfrm>
-            <a:off x="1949373" y="19191757"/>
-            <a:ext cx="5889024" cy="698088"/>
+            <a:off x="1462030" y="12794505"/>
+            <a:ext cx="4416768" cy="465392"/>
           </a:xfrm>
           <a:prstGeom prst="rect">
             <a:avLst/>
@@ -10214,14 +9320,14 @@
           </a:ln>
         </p:spPr>
         <p:txBody>
-          <a:bodyPr vert="horz" wrap="square" lIns="91440" tIns="45720" rIns="91440" bIns="91440" numCol="1" anchor="b" anchorCtr="0" compatLnSpc="1">
+          <a:bodyPr vert="horz" wrap="square" lIns="65306" tIns="32653" rIns="65306" bIns="65306" numCol="1" anchor="b" anchorCtr="0" compatLnSpc="1">
             <a:prstTxWarp prst="textNoShape">
               <a:avLst/>
             </a:prstTxWarp>
           </a:bodyPr>
           <a:lstStyle/>
           <a:p>
-            <a:pPr lvl="0" algn="ctr" defTabSz="914400" fontAlgn="base">
+            <a:pPr algn="ctr" defTabSz="653064" fontAlgn="base">
               <a:spcBef>
                 <a:spcPct val="0"/>
               </a:spcBef>
@@ -10231,7 +9337,7 @@
               <a:defRPr/>
             </a:pPr>
             <a:r>
-              <a:rPr lang="en-US" sz="2800" noProof="0" dirty="0" err="1" smtClean="0">
+              <a:rPr lang="en-US" sz="2000" dirty="0" err="1" smtClean="0">
                 <a:solidFill>
                   <a:srgbClr val="0000FF"/>
                 </a:solidFill>
@@ -10240,16 +9346,10 @@
               </a:rPr>
               <a:t>pfunc::parallel_for</a:t>
             </a:r>
-            <a:endParaRPr kumimoji="0" lang="en-US" sz="2800" b="1" i="0" u="none" strike="noStrike" kern="1200" cap="none" spc="0" normalizeH="0" baseline="0" noProof="0" dirty="0" smtClean="0">
-              <a:ln>
-                <a:noFill/>
-              </a:ln>
+            <a:endParaRPr lang="en-US" sz="2000" b="1" dirty="0" smtClean="0">
               <a:solidFill>
                 <a:srgbClr val="0000FF"/>
               </a:solidFill>
-              <a:effectLst/>
-              <a:uLnTx/>
-              <a:uFillTx/>
               <a:latin typeface="Franklin Gothic Book"/>
               <a:ea typeface="ＭＳ Ｐゴシック" charset="-128"/>
               <a:cs typeface="ＭＳ Ｐゴシック" charset="-128"/>
@@ -10265,8 +9365,8 @@
         </p:nvGrpSpPr>
         <p:grpSpPr>
           <a:xfrm>
-            <a:off x="2766101" y="20279097"/>
-            <a:ext cx="4506355" cy="467194"/>
+            <a:off x="2074576" y="13519398"/>
+            <a:ext cx="3379766" cy="311463"/>
             <a:chOff x="1856278" y="3644744"/>
             <a:chExt cx="4506354" cy="467194"/>
           </a:xfrm>
@@ -10683,8 +9783,8 @@
         </p:nvSpPr>
         <p:spPr bwMode="auto">
           <a:xfrm>
-            <a:off x="2120095" y="20687006"/>
-            <a:ext cx="5889024" cy="698088"/>
+            <a:off x="1590071" y="13791337"/>
+            <a:ext cx="4416768" cy="465392"/>
           </a:xfrm>
           <a:prstGeom prst="rect">
             <a:avLst/>
@@ -10698,14 +9798,14 @@
           </a:ln>
         </p:spPr>
         <p:txBody>
-          <a:bodyPr vert="horz" wrap="square" lIns="91440" tIns="45720" rIns="91440" bIns="91440" numCol="1" anchor="b" anchorCtr="0" compatLnSpc="1">
+          <a:bodyPr vert="horz" wrap="square" lIns="65306" tIns="32653" rIns="65306" bIns="65306" numCol="1" anchor="b" anchorCtr="0" compatLnSpc="1">
             <a:prstTxWarp prst="textNoShape">
               <a:avLst/>
             </a:prstTxWarp>
           </a:bodyPr>
           <a:lstStyle/>
           <a:p>
-            <a:pPr lvl="0" algn="ctr" defTabSz="914400" fontAlgn="base">
+            <a:pPr algn="ctr" defTabSz="653064" fontAlgn="base">
               <a:spcBef>
                 <a:spcPct val="0"/>
               </a:spcBef>
@@ -10715,7 +9815,7 @@
               <a:defRPr/>
             </a:pPr>
             <a:r>
-              <a:rPr lang="en-US" sz="2800" noProof="0" dirty="0" err="1" smtClean="0">
+              <a:rPr lang="en-US" sz="2000" dirty="0" err="1" smtClean="0">
                 <a:solidFill>
                   <a:srgbClr val="0000FF"/>
                 </a:solidFill>
@@ -10724,16 +9824,10 @@
               </a:rPr>
               <a:t>pfunc::parallel_while</a:t>
             </a:r>
-            <a:endParaRPr kumimoji="0" lang="en-US" sz="2800" b="1" i="0" u="none" strike="noStrike" kern="1200" cap="none" spc="0" normalizeH="0" baseline="0" noProof="0" dirty="0" smtClean="0">
-              <a:ln>
-                <a:noFill/>
-              </a:ln>
+            <a:endParaRPr lang="en-US" sz="2000" b="1" dirty="0" smtClean="0">
               <a:solidFill>
                 <a:srgbClr val="0000FF"/>
               </a:solidFill>
-              <a:effectLst/>
-              <a:uLnTx/>
-              <a:uFillTx/>
               <a:latin typeface="Franklin Gothic Book"/>
               <a:ea typeface="ＭＳ Ｐゴシック" charset="-128"/>
               <a:cs typeface="ＭＳ Ｐゴシック" charset="-128"/>
@@ -10749,8 +9843,8 @@
         </p:nvGrpSpPr>
         <p:grpSpPr>
           <a:xfrm>
-            <a:off x="2156522" y="23740856"/>
-            <a:ext cx="11290665" cy="7368138"/>
+            <a:off x="1617392" y="15827237"/>
+            <a:ext cx="8467999" cy="4912092"/>
             <a:chOff x="2059411" y="1269909"/>
             <a:chExt cx="4779550" cy="4554419"/>
           </a:xfrm>
@@ -10814,22 +9908,14 @@
               <a:p>
                 <a:pPr algn="ctr"/>
                 <a:r>
-                  <a:rPr lang="en-US" sz="4000" dirty="0" smtClean="0">
+                  <a:rPr lang="en-US" sz="2900" dirty="0" smtClean="0">
                     <a:solidFill>
                       <a:srgbClr val="000000"/>
                     </a:solidFill>
                   </a:rPr>
-                  <a:t>User </a:t>
+                  <a:t>User Applications and Libraries</a:t>
                 </a:r>
-                <a:r>
-                  <a:rPr lang="en-US" sz="4000" dirty="0" smtClean="0">
-                    <a:solidFill>
-                      <a:srgbClr val="000000"/>
-                    </a:solidFill>
-                  </a:rPr>
-                  <a:t>Applications and Libraries</a:t>
-                </a:r>
-                <a:endParaRPr lang="en-US" sz="4000" dirty="0">
+                <a:endParaRPr lang="en-US" sz="2900" dirty="0">
                   <a:solidFill>
                     <a:srgbClr val="000000"/>
                   </a:solidFill>
@@ -10881,14 +9967,14 @@
               <a:p>
                 <a:pPr algn="ctr"/>
                 <a:r>
-                  <a:rPr lang="en-US" sz="4400" dirty="0" smtClean="0">
+                  <a:rPr lang="en-US" sz="3100" dirty="0" smtClean="0">
                     <a:solidFill>
                       <a:srgbClr val="000000"/>
                     </a:solidFill>
                   </a:rPr>
                   <a:t>Hardware</a:t>
                 </a:r>
-                <a:endParaRPr lang="en-US" sz="4400" dirty="0">
+                <a:endParaRPr lang="en-US" sz="3100" dirty="0">
                   <a:solidFill>
                     <a:srgbClr val="000000"/>
                   </a:solidFill>
@@ -10955,14 +10041,14 @@
               <a:p>
                 <a:pPr algn="ctr"/>
                 <a:r>
-                  <a:rPr lang="en-US" sz="6000" dirty="0" smtClean="0">
+                  <a:rPr lang="en-US" sz="4300" dirty="0" smtClean="0">
                     <a:solidFill>
                       <a:srgbClr val="000000"/>
                     </a:solidFill>
                   </a:rPr>
                   <a:t>OS</a:t>
                 </a:r>
-                <a:endParaRPr lang="en-US" sz="6000" dirty="0">
+                <a:endParaRPr lang="en-US" sz="4300" dirty="0">
                   <a:solidFill>
                     <a:srgbClr val="000000"/>
                   </a:solidFill>
@@ -11077,7 +10163,7 @@
                 <a:p>
                   <a:pPr algn="ctr"/>
                   <a:r>
-                    <a:rPr lang="en-US" sz="4800" dirty="0" smtClean="0">
+                    <a:rPr lang="en-US" sz="3400" dirty="0" smtClean="0">
                       <a:solidFill>
                         <a:srgbClr val="000000"/>
                       </a:solidFill>
@@ -11183,14 +10269,14 @@
                 <a:p>
                   <a:pPr algn="ctr"/>
                   <a:r>
-                    <a:rPr lang="en-US" sz="4000" dirty="0" smtClean="0">
+                    <a:rPr lang="en-US" sz="2900" dirty="0" smtClean="0">
                       <a:solidFill>
                         <a:srgbClr val="000000"/>
                       </a:solidFill>
                     </a:rPr>
                     <a:t>Threads</a:t>
                   </a:r>
-                  <a:endParaRPr lang="en-US" sz="4000" dirty="0">
+                  <a:endParaRPr lang="en-US" sz="2900" dirty="0">
                     <a:solidFill>
                       <a:srgbClr val="000000"/>
                     </a:solidFill>
@@ -11402,14 +10488,14 @@
                 <a:p>
                   <a:pPr algn="ctr"/>
                   <a:r>
-                    <a:rPr lang="en-US" sz="4800" dirty="0" smtClean="0">
+                    <a:rPr lang="en-US" sz="3400" dirty="0" smtClean="0">
                       <a:solidFill>
                         <a:srgbClr val="000000"/>
                       </a:solidFill>
                     </a:rPr>
                     <a:t>PFunc</a:t>
                   </a:r>
-                  <a:endParaRPr lang="en-US" sz="4800" dirty="0">
+                  <a:endParaRPr lang="en-US" sz="3400" dirty="0">
                     <a:solidFill>
                       <a:srgbClr val="000000"/>
                     </a:solidFill>
@@ -11508,14 +10594,14 @@
                 <a:p>
                   <a:pPr algn="ctr"/>
                   <a:r>
-                    <a:rPr lang="en-US" sz="3200" dirty="0" smtClean="0">
+                    <a:rPr lang="en-US" sz="2300" dirty="0" smtClean="0">
                       <a:solidFill>
                         <a:srgbClr val="000000"/>
                       </a:solidFill>
                     </a:rPr>
                     <a:t>Thread Manager</a:t>
                   </a:r>
-                  <a:endParaRPr lang="en-US" sz="3200" dirty="0">
+                  <a:endParaRPr lang="en-US" sz="2300" dirty="0">
                     <a:solidFill>
                       <a:srgbClr val="000000"/>
                     </a:solidFill>
@@ -11567,22 +10653,14 @@
                 <a:p>
                   <a:pPr algn="ctr"/>
                   <a:r>
-                    <a:rPr lang="en-US" sz="3200" dirty="0" smtClean="0">
+                    <a:rPr lang="en-US" sz="2300" dirty="0" smtClean="0">
                       <a:solidFill>
                         <a:srgbClr val="000000"/>
                       </a:solidFill>
                     </a:rPr>
-                    <a:t>Perf </a:t>
+                    <a:t>Perf Profiler</a:t>
                   </a:r>
-                  <a:r>
-                    <a:rPr lang="en-US" sz="3200" dirty="0" smtClean="0">
-                      <a:solidFill>
-                        <a:srgbClr val="000000"/>
-                      </a:solidFill>
-                    </a:rPr>
-                    <a:t>Profiler</a:t>
-                  </a:r>
-                  <a:endParaRPr lang="en-US" sz="3200" dirty="0">
+                  <a:endParaRPr lang="en-US" sz="2300" dirty="0">
                     <a:solidFill>
                       <a:srgbClr val="000000"/>
                     </a:solidFill>
@@ -11634,14 +10712,14 @@
                 <a:p>
                   <a:pPr algn="ctr"/>
                   <a:r>
-                    <a:rPr lang="en-US" sz="3600" dirty="0" smtClean="0">
+                    <a:rPr lang="en-US" sz="2600" dirty="0" smtClean="0">
                       <a:solidFill>
                         <a:srgbClr val="000000"/>
                       </a:solidFill>
                     </a:rPr>
                     <a:t>Task Scheduler</a:t>
                   </a:r>
-                  <a:endParaRPr lang="en-US" sz="3600" dirty="0">
+                  <a:endParaRPr lang="en-US" sz="2600" dirty="0">
                     <a:solidFill>
                       <a:srgbClr val="000000"/>
                     </a:solidFill>
@@ -11837,8 +10915,8 @@
         </p:nvGrpSpPr>
         <p:grpSpPr>
           <a:xfrm>
-            <a:off x="2307627" y="932329"/>
-            <a:ext cx="39482765" cy="3576012"/>
+            <a:off x="1730721" y="621553"/>
+            <a:ext cx="29612074" cy="2384008"/>
             <a:chOff x="2307626" y="662941"/>
             <a:chExt cx="39482765" cy="3576012"/>
           </a:xfrm>
@@ -11852,7 +10930,7 @@
           <p:spPr>
             <a:xfrm>
               <a:off x="12307481" y="1061449"/>
-              <a:ext cx="20230305" cy="1107996"/>
+              <a:ext cx="19384773" cy="1223412"/>
             </a:xfrm>
             <a:prstGeom prst="rect">
               <a:avLst/>
@@ -11866,18 +10944,18 @@
             <a:lstStyle/>
             <a:p>
               <a:r>
-                <a:rPr lang="en-US" sz="6600" b="1" dirty="0" smtClean="0"/>
+                <a:rPr lang="en-US" sz="4700" b="1" dirty="0" smtClean="0"/>
                 <a:t>PFunc</a:t>
               </a:r>
               <a:r>
-                <a:rPr lang="en-US" sz="4800" b="1" dirty="0" smtClean="0"/>
+                <a:rPr lang="en-US" sz="3400" b="1" dirty="0" smtClean="0"/>
                 <a:t>: </a:t>
               </a:r>
               <a:r>
-                <a:rPr lang="en-US" sz="6000" b="1" dirty="0" smtClean="0"/>
+                <a:rPr lang="en-US" sz="4300" b="1" dirty="0" smtClean="0"/>
                 <a:t>A Tool For Teaching  And Implementing Task Parallelism </a:t>
               </a:r>
-              <a:endParaRPr lang="en-US" sz="4800" b="1" dirty="0"/>
+              <a:endParaRPr lang="en-US" sz="3400" b="1" dirty="0"/>
             </a:p>
           </p:txBody>
         </p:sp>
@@ -11890,7 +10968,7 @@
           <p:spPr>
             <a:xfrm>
               <a:off x="9740813" y="2169445"/>
-              <a:ext cx="24926264" cy="1446550"/>
+              <a:ext cx="24926264" cy="1569660"/>
             </a:xfrm>
             <a:prstGeom prst="rect">
               <a:avLst/>
@@ -11905,50 +10983,50 @@
             <a:p>
               <a:pPr algn="ctr"/>
               <a:r>
-                <a:rPr lang="en-US" sz="4400" dirty="0" smtClean="0"/>
+                <a:rPr lang="en-US" sz="3100" dirty="0" smtClean="0"/>
                 <a:t>Prabhanjan Kambadur</a:t>
               </a:r>
               <a:r>
-                <a:rPr lang="en-US" sz="4400" baseline="30000" dirty="0" smtClean="0"/>
+                <a:rPr lang="en-US" sz="3100" baseline="30000" dirty="0" smtClean="0"/>
                 <a:t>1</a:t>
               </a:r>
               <a:r>
-                <a:rPr lang="en-US" sz="4400" dirty="0" smtClean="0"/>
+                <a:rPr lang="en-US" sz="3100" dirty="0" smtClean="0"/>
                 <a:t>, Anshul Gupta</a:t>
               </a:r>
               <a:r>
-                <a:rPr lang="en-US" sz="4400" baseline="30000" dirty="0" smtClean="0"/>
+                <a:rPr lang="en-US" sz="3100" baseline="30000" dirty="0" smtClean="0"/>
                 <a:t>1</a:t>
               </a:r>
               <a:r>
-                <a:rPr lang="en-US" sz="4400" dirty="0" smtClean="0"/>
+                <a:rPr lang="en-US" sz="3100" dirty="0" smtClean="0"/>
                 <a:t>, Andrew Lumsdaine</a:t>
               </a:r>
               <a:r>
-                <a:rPr lang="en-US" sz="4400" baseline="30000" dirty="0"/>
+                <a:rPr lang="en-US" sz="3100" baseline="30000" dirty="0"/>
                 <a:t>2</a:t>
               </a:r>
-              <a:endParaRPr lang="en-US" sz="4400" baseline="30000" dirty="0" smtClean="0"/>
+              <a:endParaRPr lang="en-US" sz="3100" baseline="30000" dirty="0" smtClean="0"/>
             </a:p>
             <a:p>
               <a:pPr algn="ctr"/>
               <a:r>
-                <a:rPr lang="en-US" sz="4400" baseline="30000" dirty="0" smtClean="0"/>
+                <a:rPr lang="en-US" sz="3100" baseline="30000" dirty="0" smtClean="0"/>
                 <a:t>1 </a:t>
               </a:r>
               <a:r>
-                <a:rPr lang="en-US" sz="4400" dirty="0" smtClean="0"/>
+                <a:rPr lang="en-US" sz="3100" dirty="0" smtClean="0"/>
                 <a:t>IBM TJ Watson Research Center. </a:t>
               </a:r>
               <a:r>
-                <a:rPr lang="en-US" sz="4400" baseline="30000" dirty="0" smtClean="0"/>
+                <a:rPr lang="en-US" sz="3100" baseline="30000" dirty="0" smtClean="0"/>
                 <a:t>2</a:t>
               </a:r>
               <a:r>
-                <a:rPr lang="en-US" sz="4400" dirty="0" smtClean="0"/>
+                <a:rPr lang="en-US" sz="3100" dirty="0" smtClean="0"/>
                 <a:t>Indiana University, Bloomington</a:t>
               </a:r>
-              <a:endParaRPr lang="en-US" sz="4400" dirty="0"/>
+              <a:endParaRPr lang="en-US" sz="3100" dirty="0"/>
             </a:p>
           </p:txBody>
         </p:sp>
@@ -12081,8 +11159,8 @@
         </p:nvGrpSpPr>
         <p:grpSpPr>
           <a:xfrm>
-            <a:off x="29215678" y="10383267"/>
-            <a:ext cx="13222564" cy="6461112"/>
+            <a:off x="21911759" y="6922178"/>
+            <a:ext cx="9916923" cy="4307408"/>
             <a:chOff x="29215677" y="11176967"/>
             <a:chExt cx="13222564" cy="6461112"/>
           </a:xfrm>
@@ -12165,7 +11243,7 @@
               <a:lstStyle/>
               <a:p>
                 <a:pPr algn="ctr"/>
-                <a:endParaRPr lang="en-US" sz="1800"/>
+                <a:endParaRPr lang="en-US" sz="1300" dirty="0"/>
               </a:p>
             </p:txBody>
           </p:sp>
@@ -12201,42 +11279,23 @@
               </a:bodyPr>
               <a:lstStyle/>
               <a:p>
-                <a:pPr marL="0" marR="0" lvl="0" indent="0" algn="ctr" defTabSz="914400" rtl="0" eaLnBrk="1" fontAlgn="base" latinLnBrk="0" hangingPunct="1">
-                  <a:lnSpc>
-                    <a:spcPct val="100000"/>
-                  </a:lnSpc>
+                <a:pPr algn="ctr" defTabSz="653064" fontAlgn="base">
                   <a:spcBef>
                     <a:spcPct val="0"/>
                   </a:spcBef>
                   <a:spcAft>
                     <a:spcPct val="0"/>
                   </a:spcAft>
-                  <a:buClrTx/>
-                  <a:buSzTx/>
-                  <a:buFontTx/>
-                  <a:buNone/>
-                  <a:tabLst/>
                   <a:defRPr/>
                 </a:pPr>
                 <a:r>
-                  <a:rPr lang="en-US" sz="3600" b="1" noProof="0" dirty="0" smtClean="0">
+                  <a:rPr lang="en-US" sz="2600" b="1" dirty="0" smtClean="0">
                     <a:latin typeface="Franklin Gothic Book"/>
                     <a:ea typeface="ＭＳ Ｐゴシック" charset="-128"/>
                     <a:cs typeface="ＭＳ Ｐゴシック" charset="-128"/>
                   </a:rPr>
                   <a:t>Pedagogical and Research Aids</a:t>
                 </a:r>
-                <a:endParaRPr kumimoji="0" lang="en-US" sz="3600" b="1" i="0" u="none" strike="noStrike" kern="1200" cap="none" spc="0" normalizeH="0" baseline="0" noProof="0" dirty="0" smtClean="0">
-                  <a:ln>
-                    <a:noFill/>
-                  </a:ln>
-                  <a:effectLst/>
-                  <a:uLnTx/>
-                  <a:uFillTx/>
-                  <a:latin typeface="Franklin Gothic Book"/>
-                  <a:ea typeface="ＭＳ Ｐゴシック" charset="-128"/>
-                  <a:cs typeface="ＭＳ Ｐゴシック" charset="-128"/>
-                </a:endParaRPr>
               </a:p>
             </p:txBody>
           </p:sp>
@@ -12298,9 +11357,9 @@
             </a:bodyPr>
             <a:lstStyle/>
             <a:p>
-              <a:pPr marL="273050" lvl="0" indent="-273050" defTabSz="914400" fontAlgn="base">
+              <a:pPr marL="195012" indent="-195012" defTabSz="653064" fontAlgn="base">
                 <a:spcBef>
-                  <a:spcPts val="575"/>
+                  <a:spcPts val="411"/>
                 </a:spcBef>
                 <a:spcAft>
                   <a:spcPct val="0"/>
@@ -12314,7 +11373,7 @@
                 <a:defRPr/>
               </a:pPr>
               <a:r>
-                <a:rPr lang="en-US" sz="3200" dirty="0" smtClean="0">
+                <a:rPr lang="en-US" sz="2300" dirty="0" smtClean="0">
                   <a:solidFill>
                     <a:srgbClr val="000000"/>
                   </a:solidFill>
@@ -12325,9 +11384,9 @@
               </a:r>
             </a:p>
             <a:p>
-              <a:pPr marL="273050" lvl="0" indent="-273050" defTabSz="914400" fontAlgn="base">
+              <a:pPr marL="195012" indent="-195012" defTabSz="653064" fontAlgn="base">
                 <a:spcBef>
-                  <a:spcPts val="575"/>
+                  <a:spcPts val="411"/>
                 </a:spcBef>
                 <a:spcAft>
                   <a:spcPct val="0"/>
@@ -12341,7 +11400,7 @@
                 <a:defRPr/>
               </a:pPr>
               <a:r>
-                <a:rPr lang="en-US" sz="3200" dirty="0" smtClean="0">
+                <a:rPr lang="en-US" sz="2300" dirty="0" smtClean="0">
                   <a:solidFill>
                     <a:srgbClr val="000000"/>
                   </a:solidFill>
@@ -12352,9 +11411,9 @@
               </a:r>
             </a:p>
             <a:p>
-              <a:pPr marL="273050" lvl="0" indent="-273050" defTabSz="914400" fontAlgn="base">
+              <a:pPr marL="195012" indent="-195012" defTabSz="653064" fontAlgn="base">
                 <a:spcBef>
-                  <a:spcPts val="575"/>
+                  <a:spcPts val="411"/>
                 </a:spcBef>
                 <a:spcAft>
                   <a:spcPct val="0"/>
@@ -12368,7 +11427,7 @@
                 <a:defRPr/>
               </a:pPr>
               <a:r>
-                <a:rPr lang="en-US" sz="3200" dirty="0" smtClean="0">
+                <a:rPr lang="en-US" sz="2300" dirty="0" smtClean="0">
                   <a:solidFill>
                     <a:srgbClr val="000000"/>
                   </a:solidFill>
@@ -12379,9 +11438,9 @@
               </a:r>
             </a:p>
             <a:p>
-              <a:pPr marL="273050" lvl="0" indent="-273050" defTabSz="914400" fontAlgn="base">
+              <a:pPr marL="195012" indent="-195012" defTabSz="653064" fontAlgn="base">
                 <a:spcBef>
-                  <a:spcPts val="575"/>
+                  <a:spcPts val="411"/>
                 </a:spcBef>
                 <a:spcAft>
                   <a:spcPct val="0"/>
@@ -12395,7 +11454,7 @@
                 <a:defRPr/>
               </a:pPr>
               <a:r>
-                <a:rPr lang="en-US" sz="3200" dirty="0" smtClean="0">
+                <a:rPr lang="en-US" sz="2300" dirty="0" smtClean="0">
                   <a:solidFill>
                     <a:srgbClr val="000000"/>
                   </a:solidFill>
@@ -12406,9 +11465,9 @@
               </a:r>
             </a:p>
             <a:p>
-              <a:pPr marL="273050" lvl="0" indent="-273050" defTabSz="914400" fontAlgn="base">
+              <a:pPr marL="195012" indent="-195012" defTabSz="653064" fontAlgn="base">
                 <a:spcBef>
-                  <a:spcPts val="575"/>
+                  <a:spcPts val="411"/>
                 </a:spcBef>
                 <a:spcAft>
                   <a:spcPct val="0"/>
@@ -12422,7 +11481,7 @@
                 <a:defRPr/>
               </a:pPr>
               <a:r>
-                <a:rPr lang="en-US" sz="3200" dirty="0" smtClean="0">
+                <a:rPr lang="en-US" sz="2300" dirty="0" smtClean="0">
                   <a:solidFill>
                     <a:srgbClr val="000000"/>
                   </a:solidFill>
@@ -12433,9 +11492,9 @@
               </a:r>
             </a:p>
             <a:p>
-              <a:pPr marL="273050" lvl="0" indent="-273050" defTabSz="914400" fontAlgn="base">
+              <a:pPr marL="195012" indent="-195012" defTabSz="653064" fontAlgn="base">
                 <a:spcBef>
-                  <a:spcPts val="575"/>
+                  <a:spcPts val="411"/>
                 </a:spcBef>
                 <a:spcAft>
                   <a:spcPct val="0"/>
@@ -12449,34 +11508,14 @@
                 <a:defRPr/>
               </a:pPr>
               <a:r>
-                <a:rPr lang="en-US" sz="3200" dirty="0" smtClean="0">
+                <a:rPr lang="en-US" sz="2300" dirty="0" smtClean="0">
                   <a:solidFill>
                     <a:srgbClr val="000000"/>
                   </a:solidFill>
                   <a:ea typeface="ＭＳ Ｐゴシック" charset="-128"/>
                   <a:cs typeface="ＭＳ Ｐゴシック" charset="-128"/>
                 </a:rPr>
-                <a:t>Online </a:t>
-              </a:r>
-              <a:r>
-                <a:rPr lang="en-US" sz="3200" dirty="0" smtClean="0">
-                  <a:solidFill>
-                    <a:srgbClr val="000000"/>
-                  </a:solidFill>
-                  <a:ea typeface="ＭＳ Ｐゴシック" charset="-128"/>
-                  <a:cs typeface="ＭＳ Ｐゴシック" charset="-128"/>
-                </a:rPr>
-                <a:t>u</a:t>
-              </a:r>
-              <a:r>
-                <a:rPr lang="en-US" sz="3200" dirty="0" smtClean="0">
-                  <a:solidFill>
-                    <a:srgbClr val="000000"/>
-                  </a:solidFill>
-                  <a:ea typeface="ＭＳ Ｐゴシック" charset="-128"/>
-                  <a:cs typeface="ＭＳ Ｐゴシック" charset="-128"/>
-                </a:rPr>
-                <a:t>ser-groups and support.</a:t>
+                <a:t>Online user-groups and support.</a:t>
               </a:r>
             </a:p>
           </p:txBody>
@@ -12516,8 +11555,8 @@
         </p:nvSpPr>
         <p:spPr bwMode="auto">
           <a:xfrm>
-            <a:off x="29769467" y="6577647"/>
-            <a:ext cx="9889573" cy="2549818"/>
+            <a:off x="22327101" y="4385098"/>
+            <a:ext cx="7417180" cy="1699879"/>
           </a:xfrm>
           <a:prstGeom prst="rect">
             <a:avLst/>
@@ -12531,7 +11570,7 @@
           </a:ln>
         </p:spPr>
         <p:txBody>
-          <a:bodyPr vert="horz" wrap="square" lIns="91440" tIns="45720" rIns="91440" bIns="45720" numCol="1" anchor="t" anchorCtr="0" compatLnSpc="1">
+          <a:bodyPr vert="horz" wrap="square" lIns="65306" tIns="32653" rIns="65306" bIns="32653" numCol="1" anchor="t" anchorCtr="0" compatLnSpc="1">
             <a:prstTxWarp prst="textNoShape">
               <a:avLst/>
             </a:prstTxWarp>
@@ -12539,9 +11578,9 @@
           </a:bodyPr>
           <a:lstStyle/>
           <a:p>
-            <a:pPr marL="273050" lvl="0" indent="-273050" defTabSz="914400" fontAlgn="base">
+            <a:pPr marL="195012" indent="-195012" defTabSz="653064" fontAlgn="base">
               <a:spcBef>
-                <a:spcPts val="575"/>
+                <a:spcPts val="411"/>
               </a:spcBef>
               <a:spcAft>
                 <a:spcPct val="0"/>
@@ -12555,7 +11594,7 @@
               <a:defRPr/>
             </a:pPr>
             <a:r>
-              <a:rPr lang="en-US" sz="3200" dirty="0" smtClean="0">
+              <a:rPr lang="en-US" sz="2300" dirty="0" smtClean="0">
                 <a:solidFill>
                   <a:srgbClr val="000000"/>
                 </a:solidFill>
@@ -12566,9 +11605,9 @@
             </a:r>
           </a:p>
           <a:p>
-            <a:pPr marL="273050" lvl="0" indent="-273050" defTabSz="914400" fontAlgn="base">
+            <a:pPr marL="195012" indent="-195012" defTabSz="653064" fontAlgn="base">
               <a:spcBef>
-                <a:spcPts val="575"/>
+                <a:spcPts val="411"/>
               </a:spcBef>
               <a:spcAft>
                 <a:spcPct val="0"/>
@@ -12582,7 +11621,7 @@
               <a:defRPr/>
             </a:pPr>
             <a:r>
-              <a:rPr lang="en-US" sz="3200" dirty="0" smtClean="0">
+              <a:rPr lang="en-US" sz="2300" dirty="0" smtClean="0">
                 <a:solidFill>
                   <a:srgbClr val="000000"/>
                 </a:solidFill>
@@ -12592,30 +11631,47 @@
               <a:t>Create </a:t>
             </a:r>
             <a:r>
-              <a:rPr lang="en-US" sz="3200" dirty="0" smtClean="0">
+              <a:rPr lang="en-US" sz="2300" dirty="0" smtClean="0">
                 <a:solidFill>
                   <a:srgbClr val="0000FF"/>
                 </a:solidFill>
                 <a:ea typeface="ＭＳ Ｐゴシック" charset="-128"/>
                 <a:cs typeface="ＭＳ Ｐゴシック" charset="-128"/>
               </a:rPr>
-              <a:t>groups</a:t>
+              <a:t>group</a:t>
             </a:r>
             <a:r>
-              <a:rPr lang="en-US" sz="3200" dirty="0" smtClean="0">
+              <a:rPr lang="en-US" sz="2300" dirty="0" smtClean="0">
                 <a:solidFill>
                   <a:srgbClr val="000000"/>
                 </a:solidFill>
                 <a:ea typeface="ＭＳ Ｐゴシック" charset="-128"/>
                 <a:cs typeface="ＭＳ Ｐゴシック" charset="-128"/>
               </a:rPr>
-              <a:t> of tasks; a task can be in only one group.</a:t>
+              <a:t> </a:t>
             </a:r>
-          </a:p>
-          <a:p>
-            <a:pPr marL="273050" lvl="0" indent="-273050" defTabSz="914400" fontAlgn="base">
+            <a:r>
+              <a:rPr lang="en-US" sz="2300" dirty="0" smtClean="0">
+                <a:solidFill>
+                  <a:srgbClr val="000000"/>
+                </a:solidFill>
+                <a:ea typeface="ＭＳ Ｐゴシック" charset="-128"/>
+                <a:cs typeface="ＭＳ Ｐゴシック" charset="-128"/>
+              </a:rPr>
+              <a:t>of tasks; a task can be in only one group.</a:t>
+            </a:r>
+            <a:endParaRPr lang="en-US" sz="2300" dirty="0" smtClean="0">
+              <a:solidFill>
+                <a:srgbClr val="000000"/>
+              </a:solidFill>
+              <a:ea typeface="ＭＳ Ｐゴシック" charset="-128"/>
+              <a:cs typeface="ＭＳ Ｐゴシック" charset="-128"/>
+            </a:endParaRPr>
+          </a:p>
+          <a:p>
+            <a:pPr marL="195012" indent="-195012" defTabSz="653064" fontAlgn="base">
               <a:spcBef>
-                <a:spcPts val="575"/>
+                <a:spcPts val="411"/>
               </a:spcBef>
               <a:spcAft>
                 <a:spcPct val="0"/>
@@ -12629,7 +11685,7 @@
               <a:defRPr/>
             </a:pPr>
             <a:r>
-              <a:rPr lang="en-US" sz="3200" dirty="0" smtClean="0">
+              <a:rPr lang="en-US" sz="2300" dirty="0" smtClean="0">
                 <a:solidFill>
                   <a:srgbClr val="000000"/>
                 </a:solidFill>
@@ -12639,7 +11695,7 @@
               <a:t>Tasks can </a:t>
             </a:r>
             <a:r>
-              <a:rPr lang="en-US" sz="3200" dirty="0" smtClean="0">
+              <a:rPr lang="en-US" sz="2300" dirty="0" smtClean="0">
                 <a:solidFill>
                   <a:srgbClr val="0000FF"/>
                 </a:solidFill>
@@ -12649,7 +11705,7 @@
               <a:t>communicate/sync</a:t>
             </a:r>
             <a:r>
-              <a:rPr lang="en-US" sz="3200" dirty="0" smtClean="0">
+              <a:rPr lang="en-US" sz="2300" dirty="0" smtClean="0">
                 <a:solidFill>
                   <a:srgbClr val="000000"/>
                 </a:solidFill>
@@ -12659,7 +11715,7 @@
               <a:t> using their group </a:t>
             </a:r>
             <a:r>
-              <a:rPr lang="en-US" sz="3200" dirty="0" smtClean="0">
+              <a:rPr lang="en-US" sz="2300" dirty="0" smtClean="0">
                 <a:solidFill>
                   <a:srgbClr val="0000FF"/>
                 </a:solidFill>
@@ -12670,9 +11726,9 @@
             </a:r>
           </a:p>
           <a:p>
-            <a:pPr marL="273050" lvl="0" indent="-273050" defTabSz="914400" fontAlgn="base">
+            <a:pPr marL="195012" indent="-195012" defTabSz="653064" fontAlgn="base">
               <a:spcBef>
-                <a:spcPts val="575"/>
+                <a:spcPts val="411"/>
               </a:spcBef>
               <a:spcAft>
                 <a:spcPct val="0"/>
@@ -12686,7 +11742,7 @@
               <a:defRPr/>
             </a:pPr>
             <a:r>
-              <a:rPr lang="en-US" sz="3200" dirty="0" smtClean="0">
+              <a:rPr lang="en-US" sz="2300" dirty="0" smtClean="0">
                 <a:solidFill>
                   <a:srgbClr val="0000FF"/>
                 </a:solidFill>
@@ -12696,13 +11752,34 @@
               <a:t>Barrier </a:t>
             </a:r>
             <a:r>
-              <a:rPr lang="en-US" sz="3200" dirty="0" smtClean="0">
+              <a:rPr lang="en-US" sz="2300" dirty="0" smtClean="0">
                 <a:ea typeface="ＭＳ Ｐゴシック" charset="-128"/>
                 <a:cs typeface="ＭＳ Ｐゴシック" charset="-128"/>
               </a:rPr>
-              <a:t>primitive on group allows collective syncs.</a:t>
+              <a:t>primitive </a:t>
             </a:r>
-            <a:endParaRPr lang="en-US" sz="3200" dirty="0" smtClean="0">
+            <a:r>
+              <a:rPr lang="en-US" sz="2300" smtClean="0">
+                <a:ea typeface="ＭＳ Ｐゴシック" charset="-128"/>
+                <a:cs typeface="ＭＳ Ｐゴシック" charset="-128"/>
+              </a:rPr>
+              <a:t>on</a:t>
+            </a:r>
+            <a:r>
+              <a:rPr lang="en-US" sz="2300" smtClean="0">
+                <a:ea typeface="ＭＳ Ｐゴシック" charset="-128"/>
+                <a:cs typeface="ＭＳ Ｐゴシック" charset="-128"/>
+              </a:rPr>
+              <a:t> a group </a:t>
+            </a:r>
+            <a:r>
+              <a:rPr lang="en-US" sz="2300" dirty="0" smtClean="0">
+                <a:ea typeface="ＭＳ Ｐゴシック" charset="-128"/>
+                <a:cs typeface="ＭＳ Ｐゴシック" charset="-128"/>
+              </a:rPr>
+              <a:t>allows collective syncs.</a:t>
+            </a:r>
+            <a:endParaRPr lang="en-US" sz="2300" dirty="0" smtClean="0">
               <a:solidFill>
                 <a:srgbClr val="0000FF"/>
               </a:solidFill>
@@ -12711,9 +11788,9 @@
             </a:endParaRPr>
           </a:p>
           <a:p>
-            <a:pPr marL="273050" lvl="0" indent="-273050" defTabSz="914400" fontAlgn="base">
+            <a:pPr marL="195012" indent="-195012" defTabSz="653064" fontAlgn="base">
               <a:spcBef>
-                <a:spcPts val="575"/>
+                <a:spcPts val="411"/>
               </a:spcBef>
               <a:spcAft>
                 <a:spcPct val="0"/>
@@ -12726,7 +11803,7 @@
               <a:buChar char=""/>
               <a:defRPr/>
             </a:pPr>
-            <a:endParaRPr lang="en-US" sz="3200" dirty="0" smtClean="0">
+            <a:endParaRPr lang="en-US" sz="2300" dirty="0" smtClean="0">
               <a:solidFill>
                 <a:srgbClr val="000000"/>
               </a:solidFill>
@@ -12752,8 +11829,8 @@
         </p:blipFill>
         <p:spPr>
           <a:xfrm>
-            <a:off x="39195443" y="6452629"/>
-            <a:ext cx="2971800" cy="2730500"/>
+            <a:off x="29396582" y="4301753"/>
+            <a:ext cx="2228850" cy="1820333"/>
           </a:xfrm>
           <a:prstGeom prst="rect">
             <a:avLst/>

--- a/presentation/PFunc-EduPar-11.pptx
+++ b/presentation/PFunc-EduPar-11.pptx
@@ -193,7 +193,7 @@
             <a:fld id="{DC7960C1-A2F1-3341-880E-86FEA866A0CB}" type="datetimeFigureOut">
               <a:rPr lang="en-US" smtClean="0"/>
               <a:pPr/>
-              <a:t>4/24/11</a:t>
+              <a:t>5/7/11</a:t>
             </a:fld>
             <a:endParaRPr lang="en-US"/>
           </a:p>
@@ -641,7 +641,7 @@
             <a:fld id="{B07B2FB9-680A-AF4E-8AA6-0FAA227F6367}" type="datetimeFigureOut">
               <a:rPr lang="en-US" smtClean="0"/>
               <a:pPr/>
-              <a:t>4/24/11</a:t>
+              <a:t>5/7/11</a:t>
             </a:fld>
             <a:endParaRPr lang="en-US"/>
           </a:p>
@@ -808,7 +808,7 @@
             <a:fld id="{B07B2FB9-680A-AF4E-8AA6-0FAA227F6367}" type="datetimeFigureOut">
               <a:rPr lang="en-US" smtClean="0"/>
               <a:pPr/>
-              <a:t>4/24/11</a:t>
+              <a:t>5/7/11</a:t>
             </a:fld>
             <a:endParaRPr lang="en-US"/>
           </a:p>
@@ -985,7 +985,7 @@
             <a:fld id="{B07B2FB9-680A-AF4E-8AA6-0FAA227F6367}" type="datetimeFigureOut">
               <a:rPr lang="en-US" smtClean="0"/>
               <a:pPr/>
-              <a:t>4/24/11</a:t>
+              <a:t>5/7/11</a:t>
             </a:fld>
             <a:endParaRPr lang="en-US"/>
           </a:p>
@@ -1152,7 +1152,7 @@
             <a:fld id="{B07B2FB9-680A-AF4E-8AA6-0FAA227F6367}" type="datetimeFigureOut">
               <a:rPr lang="en-US" smtClean="0"/>
               <a:pPr/>
-              <a:t>4/24/11</a:t>
+              <a:t>5/7/11</a:t>
             </a:fld>
             <a:endParaRPr lang="en-US"/>
           </a:p>
@@ -1395,7 +1395,7 @@
             <a:fld id="{B07B2FB9-680A-AF4E-8AA6-0FAA227F6367}" type="datetimeFigureOut">
               <a:rPr lang="en-US" smtClean="0"/>
               <a:pPr/>
-              <a:t>4/24/11</a:t>
+              <a:t>5/7/11</a:t>
             </a:fld>
             <a:endParaRPr lang="en-US"/>
           </a:p>
@@ -1680,7 +1680,7 @@
             <a:fld id="{B07B2FB9-680A-AF4E-8AA6-0FAA227F6367}" type="datetimeFigureOut">
               <a:rPr lang="en-US" smtClean="0"/>
               <a:pPr/>
-              <a:t>4/24/11</a:t>
+              <a:t>5/7/11</a:t>
             </a:fld>
             <a:endParaRPr lang="en-US"/>
           </a:p>
@@ -2099,7 +2099,7 @@
             <a:fld id="{B07B2FB9-680A-AF4E-8AA6-0FAA227F6367}" type="datetimeFigureOut">
               <a:rPr lang="en-US" smtClean="0"/>
               <a:pPr/>
-              <a:t>4/24/11</a:t>
+              <a:t>5/7/11</a:t>
             </a:fld>
             <a:endParaRPr lang="en-US"/>
           </a:p>
@@ -2214,7 +2214,7 @@
             <a:fld id="{B07B2FB9-680A-AF4E-8AA6-0FAA227F6367}" type="datetimeFigureOut">
               <a:rPr lang="en-US" smtClean="0"/>
               <a:pPr/>
-              <a:t>4/24/11</a:t>
+              <a:t>5/7/11</a:t>
             </a:fld>
             <a:endParaRPr lang="en-US"/>
           </a:p>
@@ -2306,7 +2306,7 @@
             <a:fld id="{B07B2FB9-680A-AF4E-8AA6-0FAA227F6367}" type="datetimeFigureOut">
               <a:rPr lang="en-US" smtClean="0"/>
               <a:pPr/>
-              <a:t>4/24/11</a:t>
+              <a:t>5/7/11</a:t>
             </a:fld>
             <a:endParaRPr lang="en-US"/>
           </a:p>
@@ -2580,7 +2580,7 @@
             <a:fld id="{B07B2FB9-680A-AF4E-8AA6-0FAA227F6367}" type="datetimeFigureOut">
               <a:rPr lang="en-US" smtClean="0"/>
               <a:pPr/>
-              <a:t>4/24/11</a:t>
+              <a:t>5/7/11</a:t>
             </a:fld>
             <a:endParaRPr lang="en-US"/>
           </a:p>
@@ -2830,7 +2830,7 @@
             <a:fld id="{B07B2FB9-680A-AF4E-8AA6-0FAA227F6367}" type="datetimeFigureOut">
               <a:rPr lang="en-US" smtClean="0"/>
               <a:pPr/>
-              <a:t>4/24/11</a:t>
+              <a:t>5/7/11</a:t>
             </a:fld>
             <a:endParaRPr lang="en-US"/>
           </a:p>
@@ -3040,7 +3040,7 @@
             <a:fld id="{B07B2FB9-680A-AF4E-8AA6-0FAA227F6367}" type="datetimeFigureOut">
               <a:rPr lang="en-US" smtClean="0"/>
               <a:pPr/>
-              <a:t>4/24/11</a:t>
+              <a:t>5/7/11</a:t>
             </a:fld>
             <a:endParaRPr lang="en-US"/>
           </a:p>
@@ -3413,276 +3413,16 @@
       </p:grpSpPr>
       <p:grpSp>
         <p:nvGrpSpPr>
-          <p:cNvPr id="25" name="Group 492"/>
-          <p:cNvGrpSpPr/>
-          <p:nvPr/>
-        </p:nvGrpSpPr>
-        <p:grpSpPr>
-          <a:xfrm>
-            <a:off x="22476080" y="18765111"/>
-            <a:ext cx="8742606" cy="1989344"/>
-            <a:chOff x="30374476" y="27690467"/>
-            <a:chExt cx="11656808" cy="2984016"/>
-          </a:xfrm>
-        </p:grpSpPr>
-        <p:sp>
-          <p:nvSpPr>
-            <p:cNvPr id="184" name="Content Placeholder 2"/>
-            <p:cNvSpPr txBox="1">
-              <a:spLocks/>
-            </p:cNvSpPr>
-            <p:nvPr/>
-          </p:nvSpPr>
-          <p:spPr bwMode="auto">
-            <a:xfrm>
-              <a:off x="30627238" y="28728864"/>
-              <a:ext cx="11404046" cy="1945619"/>
-            </a:xfrm>
-            <a:prstGeom prst="rect">
-              <a:avLst/>
-            </a:prstGeom>
-            <a:noFill/>
-            <a:ln w="9525">
-              <a:noFill/>
-              <a:miter lim="800000"/>
-              <a:headEnd/>
-              <a:tailEnd/>
-            </a:ln>
-          </p:spPr>
-          <p:txBody>
-            <a:bodyPr vert="horz" wrap="square" lIns="91440" tIns="45720" rIns="91440" bIns="45720" numCol="1" anchor="t" anchorCtr="0" compatLnSpc="1">
-              <a:prstTxWarp prst="textNoShape">
-                <a:avLst/>
-              </a:prstTxWarp>
-              <a:noAutofit/>
-            </a:bodyPr>
-            <a:lstStyle/>
-            <a:p>
-              <a:pPr marL="195012" indent="-195012" defTabSz="653064" fontAlgn="base">
-                <a:spcBef>
-                  <a:spcPts val="411"/>
-                </a:spcBef>
-                <a:spcAft>
-                  <a:spcPct val="0"/>
-                </a:spcAft>
-                <a:buClr>
-                  <a:schemeClr val="accent1"/>
-                </a:buClr>
-                <a:buSzPct val="85000"/>
-                <a:buFont typeface="Wingdings 2" charset="2"/>
-                <a:buChar char=""/>
-                <a:defRPr/>
-              </a:pPr>
-              <a:r>
-                <a:rPr lang="en-US" sz="1600" dirty="0" smtClean="0">
-                  <a:ea typeface="ＭＳ Ｐゴシック" charset="-128"/>
-                  <a:cs typeface="ＭＳ Ｐゴシック" charset="-128"/>
-                </a:rPr>
-                <a:t>Frequent Itemset Mining on Graphics Processors, Fang et al., </a:t>
-              </a:r>
-              <a:r>
-                <a:rPr lang="en-US" sz="1600" dirty="0" err="1" smtClean="0">
-                  <a:ea typeface="ＭＳ Ｐゴシック" charset="-128"/>
-                  <a:cs typeface="ＭＳ Ｐゴシック" charset="-128"/>
-                </a:rPr>
-                <a:t>DaMoN</a:t>
-              </a:r>
-              <a:r>
-                <a:rPr lang="en-US" sz="1600" dirty="0" smtClean="0">
-                  <a:ea typeface="ＭＳ Ｐゴシック" charset="-128"/>
-                  <a:cs typeface="ＭＳ Ｐゴシック" charset="-128"/>
-                </a:rPr>
-                <a:t> 2009.</a:t>
-              </a:r>
-            </a:p>
-            <a:p>
-              <a:pPr marL="195012" indent="-195012" defTabSz="653064" fontAlgn="base">
-                <a:spcBef>
-                  <a:spcPts val="411"/>
-                </a:spcBef>
-                <a:spcAft>
-                  <a:spcPct val="0"/>
-                </a:spcAft>
-                <a:buClr>
-                  <a:schemeClr val="accent1"/>
-                </a:buClr>
-                <a:buSzPct val="85000"/>
-                <a:buFont typeface="Wingdings 2" charset="2"/>
-                <a:buChar char=""/>
-                <a:defRPr/>
-              </a:pPr>
-              <a:r>
-                <a:rPr lang="en-US" sz="1600" dirty="0" smtClean="0">
-                  <a:ea typeface="ＭＳ Ｐゴシック" charset="-128"/>
-                  <a:cs typeface="ＭＳ Ｐゴシック" charset="-128"/>
-                </a:rPr>
-                <a:t>Turbo-charging Vertical Mining of Large Databases, </a:t>
-              </a:r>
-              <a:r>
-                <a:rPr lang="en-US" sz="1600" dirty="0" err="1" smtClean="0">
-                  <a:ea typeface="ＭＳ Ｐゴシック" charset="-128"/>
-                  <a:cs typeface="ＭＳ Ｐゴシック" charset="-128"/>
-                </a:rPr>
-                <a:t>Shenoy</a:t>
-              </a:r>
-              <a:r>
-                <a:rPr lang="en-US" sz="1600" dirty="0" smtClean="0">
-                  <a:ea typeface="ＭＳ Ｐゴシック" charset="-128"/>
-                  <a:cs typeface="ＭＳ Ｐゴシック" charset="-128"/>
-                </a:rPr>
-                <a:t> et al., MOD 2000.</a:t>
-              </a:r>
-            </a:p>
-            <a:p>
-              <a:pPr marL="195012" indent="-195012" defTabSz="653064" fontAlgn="base">
-                <a:spcBef>
-                  <a:spcPts val="411"/>
-                </a:spcBef>
-                <a:spcAft>
-                  <a:spcPct val="0"/>
-                </a:spcAft>
-                <a:buClr>
-                  <a:schemeClr val="accent1"/>
-                </a:buClr>
-                <a:buSzPct val="85000"/>
-                <a:buFont typeface="Wingdings 2" charset="2"/>
-                <a:buChar char=""/>
-                <a:defRPr/>
-              </a:pPr>
-              <a:r>
-                <a:rPr lang="en-US" sz="1600" dirty="0" smtClean="0">
-                  <a:ea typeface="ＭＳ Ｐゴシック" charset="-128"/>
-                  <a:cs typeface="ＭＳ Ｐゴシック" charset="-128"/>
-                </a:rPr>
-                <a:t>NVIDIA Tesla: A Unified Graphics and Computing Architecture, </a:t>
-              </a:r>
-              <a:r>
-                <a:rPr lang="en-US" sz="1600" dirty="0" err="1" smtClean="0">
-                  <a:ea typeface="ＭＳ Ｐゴシック" charset="-128"/>
-                  <a:cs typeface="ＭＳ Ｐゴシック" charset="-128"/>
-                </a:rPr>
-                <a:t>Lindholm</a:t>
-              </a:r>
-              <a:r>
-                <a:rPr lang="en-US" sz="1600" dirty="0" smtClean="0">
-                  <a:ea typeface="ＭＳ Ｐゴシック" charset="-128"/>
-                  <a:cs typeface="ＭＳ Ｐゴシック" charset="-128"/>
-                </a:rPr>
-                <a:t> et al., IEEE Micro 2008.</a:t>
-              </a:r>
-            </a:p>
-            <a:p>
-              <a:pPr marL="195012" indent="-195012" defTabSz="653064" fontAlgn="base">
-                <a:spcBef>
-                  <a:spcPts val="411"/>
-                </a:spcBef>
-                <a:spcAft>
-                  <a:spcPct val="0"/>
-                </a:spcAft>
-                <a:buClr>
-                  <a:schemeClr val="accent1"/>
-                </a:buClr>
-                <a:buSzPct val="85000"/>
-                <a:buFont typeface="Wingdings 2" charset="2"/>
-                <a:buChar char=""/>
-                <a:defRPr/>
-              </a:pPr>
-              <a:r>
-                <a:rPr lang="en-US" sz="1600" dirty="0" smtClean="0">
-                  <a:ea typeface="ＭＳ Ｐゴシック" charset="-128"/>
-                  <a:cs typeface="ＭＳ Ｐゴシック" charset="-128"/>
-                </a:rPr>
-                <a:t>An Efficient Compression Scheme For Bitmap Indices, Wu et al., TR  LBNL-49626, 2004.</a:t>
-              </a:r>
-            </a:p>
-            <a:p>
-              <a:pPr marL="195012" indent="-195012" defTabSz="653064" fontAlgn="base">
-                <a:spcBef>
-                  <a:spcPts val="411"/>
-                </a:spcBef>
-                <a:spcAft>
-                  <a:spcPct val="0"/>
-                </a:spcAft>
-                <a:buClr>
-                  <a:schemeClr val="accent1"/>
-                </a:buClr>
-                <a:buSzPct val="85000"/>
-                <a:buFont typeface="Wingdings 2" charset="2"/>
-                <a:buChar char=""/>
-                <a:defRPr/>
-              </a:pPr>
-              <a:endParaRPr lang="en-US" sz="1600" dirty="0" smtClean="0">
-                <a:ea typeface="ＭＳ Ｐゴシック" charset="-128"/>
-                <a:cs typeface="ＭＳ Ｐゴシック" charset="-128"/>
-              </a:endParaRPr>
-            </a:p>
-          </p:txBody>
-        </p:sp>
-        <p:sp>
-          <p:nvSpPr>
-            <p:cNvPr id="185" name="Title 1"/>
-            <p:cNvSpPr txBox="1">
-              <a:spLocks/>
-            </p:cNvSpPr>
-            <p:nvPr/>
-          </p:nvSpPr>
-          <p:spPr bwMode="auto">
-            <a:xfrm>
-              <a:off x="30374476" y="27690467"/>
-              <a:ext cx="11656808" cy="912280"/>
-            </a:xfrm>
-            <a:prstGeom prst="rect">
-              <a:avLst/>
-            </a:prstGeom>
-            <a:noFill/>
-            <a:ln w="9525">
-              <a:noFill/>
-              <a:miter lim="800000"/>
-              <a:headEnd/>
-              <a:tailEnd/>
-            </a:ln>
-          </p:spPr>
-          <p:txBody>
-            <a:bodyPr vert="horz" wrap="square" lIns="91440" tIns="45720" rIns="91440" bIns="91440" numCol="1" anchor="b" anchorCtr="0" compatLnSpc="1">
-              <a:prstTxWarp prst="textNoShape">
-                <a:avLst/>
-              </a:prstTxWarp>
-            </a:bodyPr>
-            <a:lstStyle/>
-            <a:p>
-              <a:pPr defTabSz="653064" fontAlgn="base">
-                <a:spcBef>
-                  <a:spcPct val="0"/>
-                </a:spcBef>
-                <a:spcAft>
-                  <a:spcPct val="0"/>
-                </a:spcAft>
-                <a:defRPr/>
-              </a:pPr>
-              <a:r>
-                <a:rPr lang="en-US" sz="2600" dirty="0" smtClean="0">
-                  <a:latin typeface="Franklin Gothic Book"/>
-                  <a:ea typeface="ＭＳ Ｐゴシック" charset="-128"/>
-                  <a:cs typeface="ＭＳ Ｐゴシック" charset="-128"/>
-                </a:rPr>
-                <a:t>References:</a:t>
-              </a:r>
-            </a:p>
-          </p:txBody>
-        </p:sp>
-      </p:grpSp>
-      <p:grpSp>
-        <p:nvGrpSpPr>
           <p:cNvPr id="453" name="Group 452"/>
           <p:cNvGrpSpPr/>
           <p:nvPr/>
         </p:nvGrpSpPr>
         <p:grpSpPr>
           <a:xfrm>
-            <a:off x="867064" y="3673366"/>
-            <a:ext cx="10110277" cy="7000098"/>
+            <a:off x="867064" y="3673367"/>
+            <a:ext cx="9870466" cy="5932609"/>
             <a:chOff x="1156084" y="3977189"/>
-            <a:chExt cx="13480369" cy="10500148"/>
+            <a:chExt cx="13160621" cy="8155329"/>
           </a:xfrm>
         </p:grpSpPr>
         <p:sp>
@@ -3694,7 +3434,7 @@
           <p:spPr>
             <a:xfrm>
               <a:off x="1156084" y="3977189"/>
-              <a:ext cx="13160621" cy="10500148"/>
+              <a:ext cx="13160621" cy="8155329"/>
             </a:xfrm>
             <a:prstGeom prst="roundRect">
               <a:avLst/>
@@ -3789,8 +3529,8 @@
           </p:nvSpPr>
           <p:spPr>
             <a:xfrm>
-              <a:off x="1487545" y="5044787"/>
-              <a:ext cx="7634061" cy="7571303"/>
+              <a:off x="1621225" y="5044785"/>
+              <a:ext cx="7634061" cy="6790571"/>
             </a:xfrm>
             <a:prstGeom prst="rect">
               <a:avLst/>
@@ -3798,7 +3538,7 @@
             <a:noFill/>
           </p:spPr>
           <p:txBody>
-            <a:bodyPr wrap="none" rtlCol="0">
+            <a:bodyPr wrap="square" rtlCol="0">
               <a:spAutoFit/>
             </a:bodyPr>
             <a:lstStyle/>
@@ -4286,227 +4026,6 @@
             </a:prstGeom>
           </p:spPr>
         </p:pic>
-        <p:grpSp>
-          <p:nvGrpSpPr>
-            <p:cNvPr id="397" name="Group 302"/>
-            <p:cNvGrpSpPr/>
-            <p:nvPr/>
-          </p:nvGrpSpPr>
-          <p:grpSpPr>
-            <a:xfrm>
-              <a:off x="1247823" y="11995577"/>
-              <a:ext cx="13388630" cy="1981545"/>
-              <a:chOff x="15709009" y="16512757"/>
-              <a:chExt cx="13388630" cy="1981545"/>
-            </a:xfrm>
-          </p:grpSpPr>
-          <p:sp>
-            <p:nvSpPr>
-              <p:cNvPr id="418" name="Title 1"/>
-              <p:cNvSpPr txBox="1">
-                <a:spLocks/>
-              </p:cNvSpPr>
-              <p:nvPr/>
-            </p:nvSpPr>
-            <p:spPr bwMode="auto">
-              <a:xfrm>
-                <a:off x="16328533" y="16512757"/>
-                <a:ext cx="11656807" cy="655627"/>
-              </a:xfrm>
-              <a:prstGeom prst="rect">
-                <a:avLst/>
-              </a:prstGeom>
-              <a:noFill/>
-              <a:ln w="9525">
-                <a:noFill/>
-                <a:miter lim="800000"/>
-                <a:headEnd/>
-                <a:tailEnd/>
-              </a:ln>
-            </p:spPr>
-            <p:txBody>
-              <a:bodyPr vert="horz" wrap="square" lIns="91440" tIns="45720" rIns="91440" bIns="91440" numCol="1" anchor="b" anchorCtr="0" compatLnSpc="1">
-                <a:prstTxWarp prst="textNoShape">
-                  <a:avLst/>
-                </a:prstTxWarp>
-              </a:bodyPr>
-              <a:lstStyle/>
-              <a:p>
-                <a:pPr algn="ctr" defTabSz="653064" fontAlgn="base">
-                  <a:spcBef>
-                    <a:spcPct val="0"/>
-                  </a:spcBef>
-                  <a:spcAft>
-                    <a:spcPct val="0"/>
-                  </a:spcAft>
-                  <a:defRPr/>
-                </a:pPr>
-                <a:r>
-                  <a:rPr lang="en-US" sz="2600" b="1" dirty="0" smtClean="0">
-                    <a:latin typeface="Franklin Gothic Book"/>
-                    <a:ea typeface="ＭＳ Ｐゴシック" charset="-128"/>
-                    <a:cs typeface="ＭＳ Ｐゴシック" charset="-128"/>
-                  </a:rPr>
-                  <a:t>PFunc-specific Features for Task P</a:t>
-                </a:r>
-                <a:r>
-                  <a:rPr lang="en-US" sz="2600" b="1" dirty="0" err="1" smtClean="0">
-                    <a:latin typeface="Franklin Gothic Book"/>
-                    <a:ea typeface="ＭＳ Ｐゴシック" charset="-128"/>
-                    <a:cs typeface="ＭＳ Ｐゴシック" charset="-128"/>
-                  </a:rPr>
-                  <a:t>arallelism</a:t>
-                </a:r>
-                <a:endParaRPr lang="en-US" sz="2600" b="1" dirty="0" smtClean="0">
-                  <a:latin typeface="Franklin Gothic Book"/>
-                  <a:ea typeface="ＭＳ Ｐゴシック" charset="-128"/>
-                  <a:cs typeface="ＭＳ Ｐゴシック" charset="-128"/>
-                </a:endParaRPr>
-              </a:p>
-            </p:txBody>
-          </p:sp>
-          <p:sp>
-            <p:nvSpPr>
-              <p:cNvPr id="420" name="Content Placeholder 2"/>
-              <p:cNvSpPr txBox="1">
-                <a:spLocks/>
-              </p:cNvSpPr>
-              <p:nvPr/>
-            </p:nvSpPr>
-            <p:spPr bwMode="auto">
-              <a:xfrm>
-                <a:off x="15709009" y="16995967"/>
-                <a:ext cx="13388630" cy="1498335"/>
-              </a:xfrm>
-              <a:prstGeom prst="rect">
-                <a:avLst/>
-              </a:prstGeom>
-              <a:noFill/>
-              <a:ln w="9525">
-                <a:noFill/>
-                <a:miter lim="800000"/>
-                <a:headEnd/>
-                <a:tailEnd/>
-              </a:ln>
-            </p:spPr>
-            <p:txBody>
-              <a:bodyPr vert="horz" wrap="square" lIns="91440" tIns="45720" rIns="91440" bIns="45720" numCol="1" anchor="t" anchorCtr="0" compatLnSpc="1">
-                <a:prstTxWarp prst="textNoShape">
-                  <a:avLst/>
-                </a:prstTxWarp>
-                <a:noAutofit/>
-              </a:bodyPr>
-              <a:lstStyle/>
-              <a:p>
-                <a:pPr marL="195012" indent="-195012" algn="ctr" defTabSz="653064" fontAlgn="base">
-                  <a:spcBef>
-                    <a:spcPts val="411"/>
-                  </a:spcBef>
-                  <a:spcAft>
-                    <a:spcPct val="0"/>
-                  </a:spcAft>
-                  <a:buClr>
-                    <a:schemeClr val="accent1"/>
-                  </a:buClr>
-                  <a:buSzPct val="85000"/>
-                  <a:buFont typeface="Wingdings 2" charset="2"/>
-                  <a:buChar char=""/>
-                  <a:defRPr/>
-                </a:pPr>
-                <a:r>
-                  <a:rPr lang="en-US" sz="2300" dirty="0" smtClean="0">
-                    <a:ea typeface="ＭＳ Ｐゴシック" charset="-128"/>
-                    <a:cs typeface="ＭＳ Ｐゴシック" charset="-128"/>
-                  </a:rPr>
-                  <a:t>Spawn tasks on specific queues.</a:t>
-                </a:r>
-              </a:p>
-              <a:p>
-                <a:pPr marL="195012" indent="-195012" algn="ctr" defTabSz="653064" fontAlgn="base">
-                  <a:spcBef>
-                    <a:spcPts val="411"/>
-                  </a:spcBef>
-                  <a:spcAft>
-                    <a:spcPct val="0"/>
-                  </a:spcAft>
-                  <a:buClr>
-                    <a:schemeClr val="accent1"/>
-                  </a:buClr>
-                  <a:buSzPct val="85000"/>
-                  <a:buFont typeface="Wingdings 2" charset="2"/>
-                  <a:buChar char=""/>
-                  <a:defRPr/>
-                </a:pPr>
-                <a:r>
-                  <a:rPr lang="en-US" sz="2300" dirty="0" smtClean="0">
-                    <a:ea typeface="ＭＳ Ｐゴシック" charset="-128"/>
-                    <a:cs typeface="ＭＳ Ｐゴシック" charset="-128"/>
-                  </a:rPr>
-                  <a:t>Select from work-stealing to work-sharing at runtime.</a:t>
-                </a:r>
-              </a:p>
-              <a:p>
-                <a:pPr marL="195012" indent="-195012" algn="ctr" defTabSz="653064" fontAlgn="base">
-                  <a:spcBef>
-                    <a:spcPts val="411"/>
-                  </a:spcBef>
-                  <a:spcAft>
-                    <a:spcPct val="0"/>
-                  </a:spcAft>
-                  <a:buClr>
-                    <a:schemeClr val="accent1"/>
-                  </a:buClr>
-                  <a:buSzPct val="85000"/>
-                  <a:buFont typeface="Wingdings 2" charset="2"/>
-                  <a:buChar char=""/>
-                  <a:defRPr/>
-                </a:pPr>
-                <a:r>
-                  <a:rPr lang="en-US" sz="2300" dirty="0" smtClean="0">
-                    <a:ea typeface="ＭＳ Ｐゴシック" charset="-128"/>
-                    <a:cs typeface="ＭＳ Ｐゴシック" charset="-128"/>
-                  </a:rPr>
-                  <a:t>Tasks can have multiple parents; execute </a:t>
-                </a:r>
-                <a:r>
-                  <a:rPr lang="en-US" sz="2300" dirty="0" err="1" smtClean="0">
-                    <a:ea typeface="ＭＳ Ｐゴシック" charset="-128"/>
-                    <a:cs typeface="ＭＳ Ｐゴシック" charset="-128"/>
-                  </a:rPr>
-                  <a:t>DAGs</a:t>
-                </a:r>
-                <a:r>
-                  <a:rPr lang="en-US" sz="2300" dirty="0" smtClean="0">
-                    <a:ea typeface="ＭＳ Ｐゴシック" charset="-128"/>
-                    <a:cs typeface="ＭＳ Ｐゴシック" charset="-128"/>
-                  </a:rPr>
-                  <a:t> seamlessly!</a:t>
-                </a:r>
-              </a:p>
-              <a:p>
-                <a:pPr marL="195012" indent="-195012" algn="ctr" defTabSz="653064" fontAlgn="base">
-                  <a:spcBef>
-                    <a:spcPts val="411"/>
-                  </a:spcBef>
-                  <a:spcAft>
-                    <a:spcPct val="0"/>
-                  </a:spcAft>
-                  <a:buClr>
-                    <a:schemeClr val="accent1"/>
-                  </a:buClr>
-                  <a:buSzPct val="85000"/>
-                  <a:buFont typeface="Wingdings 2" charset="2"/>
-                  <a:buChar char=""/>
-                  <a:defRPr/>
-                </a:pPr>
-                <a:endParaRPr lang="en-US" sz="2300" dirty="0" smtClean="0">
-                  <a:ea typeface="ＭＳ Ｐゴシック" charset="-128"/>
-                  <a:cs typeface="ＭＳ Ｐゴシック" charset="-128"/>
-                </a:endParaRPr>
-              </a:p>
-            </p:txBody>
-          </p:sp>
-        </p:grpSp>
         <p:sp>
           <p:nvSpPr>
             <p:cNvPr id="421" name="Content Placeholder 2"/>
@@ -4557,21 +4076,7 @@
                   <a:ea typeface="ＭＳ Ｐゴシック" pitchFamily="-88" charset="-128"/>
                   <a:cs typeface="ＭＳ Ｐゴシック" pitchFamily="-88" charset="-128"/>
                 </a:rPr>
-                <a:t>2</a:t>
-              </a:r>
-              <a:r>
-                <a:rPr lang="en-US" sz="2300" dirty="0" smtClean="0">
-                  <a:ea typeface="ＭＳ Ｐゴシック" pitchFamily="-88" charset="-128"/>
-                  <a:cs typeface="ＭＳ Ｐゴシック" pitchFamily="-88" charset="-128"/>
-                </a:rPr>
-                <a:t>× faster than </a:t>
-              </a:r>
-              <a:r>
-                <a:rPr lang="en-US" sz="2300" dirty="0" smtClean="0">
-                  <a:ea typeface="ＭＳ Ｐゴシック" pitchFamily="-88" charset="-128"/>
-                  <a:cs typeface="ＭＳ Ｐゴシック" pitchFamily="-88" charset="-128"/>
-                </a:rPr>
-                <a:t>TBB!</a:t>
+                <a:t>2× faster than TBB!</a:t>
               </a:r>
               <a:endParaRPr lang="en-US" sz="1900" dirty="0">
                 <a:ea typeface="ＭＳ Ｐゴシック" pitchFamily="-88" charset="-128"/>
@@ -4650,305 +4155,6 @@
                 <a:ea typeface="ＭＳ Ｐゴシック" pitchFamily="-88" charset="-128"/>
                 <a:cs typeface="ＭＳ Ｐゴシック" pitchFamily="-88" charset="-128"/>
               </a:endParaRPr>
-            </a:p>
-          </p:txBody>
-        </p:sp>
-      </p:grpSp>
-      <p:grpSp>
-        <p:nvGrpSpPr>
-          <p:cNvPr id="471" name="Group 470"/>
-          <p:cNvGrpSpPr/>
-          <p:nvPr/>
-        </p:nvGrpSpPr>
-        <p:grpSpPr>
-          <a:xfrm>
-            <a:off x="21911759" y="17685175"/>
-            <a:ext cx="10187221" cy="3364766"/>
-            <a:chOff x="615564" y="24713785"/>
-            <a:chExt cx="13582961" cy="5047149"/>
-          </a:xfrm>
-        </p:grpSpPr>
-        <p:sp>
-          <p:nvSpPr>
-            <p:cNvPr id="454" name="Rounded Rectangle 453"/>
-            <p:cNvSpPr/>
-            <p:nvPr/>
-          </p:nvSpPr>
-          <p:spPr>
-            <a:xfrm>
-              <a:off x="615564" y="24713785"/>
-              <a:ext cx="13227854" cy="4980112"/>
-            </a:xfrm>
-            <a:prstGeom prst="roundRect">
-              <a:avLst/>
-            </a:prstGeom>
-            <a:solidFill>
-              <a:schemeClr val="bg1"/>
-            </a:solidFill>
-            <a:ln>
-              <a:solidFill>
-                <a:schemeClr val="tx1"/>
-              </a:solidFill>
-            </a:ln>
-          </p:spPr>
-          <p:style>
-            <a:lnRef idx="1">
-              <a:schemeClr val="accent1"/>
-            </a:lnRef>
-            <a:fillRef idx="3">
-              <a:schemeClr val="accent1"/>
-            </a:fillRef>
-            <a:effectRef idx="2">
-              <a:schemeClr val="accent1"/>
-            </a:effectRef>
-            <a:fontRef idx="minor">
-              <a:schemeClr val="lt1"/>
-            </a:fontRef>
-          </p:style>
-          <p:txBody>
-            <a:bodyPr rtlCol="0" anchor="ctr"/>
-            <a:lstStyle/>
-            <a:p>
-              <a:pPr algn="ctr"/>
-              <a:r>
-                <a:rPr lang="en-US" sz="1300" dirty="0" smtClean="0"/>
-                <a:t>number</a:t>
-              </a:r>
-              <a:endParaRPr lang="en-US" sz="1300" dirty="0"/>
-            </a:p>
-          </p:txBody>
-        </p:sp>
-        <p:sp>
-          <p:nvSpPr>
-            <p:cNvPr id="456" name="Title 1"/>
-            <p:cNvSpPr txBox="1">
-              <a:spLocks/>
-            </p:cNvSpPr>
-            <p:nvPr/>
-          </p:nvSpPr>
-          <p:spPr bwMode="auto">
-            <a:xfrm>
-              <a:off x="1379278" y="24729672"/>
-              <a:ext cx="11656808" cy="912280"/>
-            </a:xfrm>
-            <a:prstGeom prst="rect">
-              <a:avLst/>
-            </a:prstGeom>
-            <a:noFill/>
-            <a:ln w="9525">
-              <a:noFill/>
-              <a:miter lim="800000"/>
-              <a:headEnd/>
-              <a:tailEnd/>
-            </a:ln>
-          </p:spPr>
-          <p:txBody>
-            <a:bodyPr vert="horz" wrap="square" lIns="91440" tIns="45720" rIns="91440" bIns="91440" numCol="1" anchor="b" anchorCtr="0" compatLnSpc="1">
-              <a:prstTxWarp prst="textNoShape">
-                <a:avLst/>
-              </a:prstTxWarp>
-            </a:bodyPr>
-            <a:lstStyle/>
-            <a:p>
-              <a:pPr algn="ctr" defTabSz="653064" fontAlgn="base">
-                <a:spcBef>
-                  <a:spcPct val="0"/>
-                </a:spcBef>
-                <a:spcAft>
-                  <a:spcPct val="0"/>
-                </a:spcAft>
-                <a:defRPr/>
-              </a:pPr>
-              <a:r>
-                <a:rPr lang="en-US" sz="2600" b="1" dirty="0" smtClean="0">
-                  <a:latin typeface="Franklin Gothic Book"/>
-                  <a:ea typeface="ＭＳ Ｐゴシック" charset="-128"/>
-                  <a:cs typeface="ＭＳ Ｐゴシック" charset="-128"/>
-                </a:rPr>
-                <a:t>References</a:t>
-              </a:r>
-            </a:p>
-          </p:txBody>
-        </p:sp>
-        <p:sp>
-          <p:nvSpPr>
-            <p:cNvPr id="461" name="Content Placeholder 2"/>
-            <p:cNvSpPr txBox="1">
-              <a:spLocks/>
-            </p:cNvSpPr>
-            <p:nvPr/>
-          </p:nvSpPr>
-          <p:spPr bwMode="auto">
-            <a:xfrm>
-              <a:off x="809895" y="25634820"/>
-              <a:ext cx="13388630" cy="4126114"/>
-            </a:xfrm>
-            <a:prstGeom prst="rect">
-              <a:avLst/>
-            </a:prstGeom>
-            <a:noFill/>
-            <a:ln w="9525">
-              <a:noFill/>
-              <a:miter lim="800000"/>
-              <a:headEnd/>
-              <a:tailEnd/>
-            </a:ln>
-          </p:spPr>
-          <p:txBody>
-            <a:bodyPr vert="horz" wrap="square" lIns="91440" tIns="45720" rIns="91440" bIns="45720" numCol="1" anchor="t" anchorCtr="0" compatLnSpc="1">
-              <a:prstTxWarp prst="textNoShape">
-                <a:avLst/>
-              </a:prstTxWarp>
-              <a:noAutofit/>
-            </a:bodyPr>
-            <a:lstStyle/>
-            <a:p>
-              <a:pPr marL="195012" indent="-195012" defTabSz="653064" fontAlgn="base">
-                <a:spcBef>
-                  <a:spcPts val="411"/>
-                </a:spcBef>
-                <a:spcAft>
-                  <a:spcPct val="0"/>
-                </a:spcAft>
-                <a:buClr>
-                  <a:schemeClr val="accent1"/>
-                </a:buClr>
-                <a:buSzPct val="85000"/>
-                <a:buFont typeface="Wingdings 2" charset="2"/>
-                <a:buChar char=""/>
-                <a:defRPr/>
-              </a:pPr>
-              <a:r>
-                <a:rPr lang="en-US" sz="2300" dirty="0" err="1" smtClean="0">
-                  <a:solidFill>
-                    <a:srgbClr val="0000FF"/>
-                  </a:solidFill>
-                  <a:ea typeface="ＭＳ Ｐゴシック" charset="-128"/>
-                  <a:cs typeface="ＭＳ Ｐゴシック" charset="-128"/>
-                </a:rPr>
-                <a:t>https://projects.coin-or.org/PFunc</a:t>
-              </a:r>
-              <a:endParaRPr lang="en-US" sz="2300" dirty="0" smtClean="0">
-                <a:solidFill>
-                  <a:srgbClr val="0000FF"/>
-                </a:solidFill>
-                <a:ea typeface="ＭＳ Ｐゴシック" charset="-128"/>
-                <a:cs typeface="ＭＳ Ｐゴシック" charset="-128"/>
-              </a:endParaRPr>
-            </a:p>
-            <a:p>
-              <a:pPr marL="195012" indent="-195012" defTabSz="653064" fontAlgn="base">
-                <a:spcBef>
-                  <a:spcPts val="411"/>
-                </a:spcBef>
-                <a:spcAft>
-                  <a:spcPct val="0"/>
-                </a:spcAft>
-                <a:buClr>
-                  <a:schemeClr val="accent1"/>
-                </a:buClr>
-                <a:buSzPct val="85000"/>
-                <a:buFont typeface="Wingdings 2" charset="2"/>
-                <a:buChar char=""/>
-                <a:defRPr/>
-              </a:pPr>
-              <a:r>
-                <a:rPr lang="en-US" sz="2300" dirty="0" smtClean="0">
-                  <a:ea typeface="ＭＳ Ｐゴシック" charset="-128"/>
-                  <a:cs typeface="ＭＳ Ｐゴシック" charset="-128"/>
-                </a:rPr>
-                <a:t>PFunc: </a:t>
-              </a:r>
-              <a:r>
-                <a:rPr lang="en-US" sz="2300" dirty="0" err="1" smtClean="0">
-                  <a:ea typeface="ＭＳ Ｐゴシック" charset="-128"/>
-                  <a:cs typeface="ＭＳ Ｐゴシック" charset="-128"/>
-                </a:rPr>
-                <a:t>Modern</a:t>
-              </a:r>
-              <a:r>
-                <a:rPr lang="en-US" sz="2300" dirty="0" smtClean="0">
-                  <a:ea typeface="ＭＳ Ｐゴシック" charset="-128"/>
-                  <a:cs typeface="ＭＳ Ｐゴシック" charset="-128"/>
-                </a:rPr>
-                <a:t> Task Parallelism For Modern High Performance Computing, Kambadur et al., SC 2009.</a:t>
-              </a:r>
-            </a:p>
-            <a:p>
-              <a:pPr marL="195012" indent="-195012" defTabSz="653064" fontAlgn="base">
-                <a:spcBef>
-                  <a:spcPts val="411"/>
-                </a:spcBef>
-                <a:spcAft>
-                  <a:spcPct val="0"/>
-                </a:spcAft>
-                <a:buClr>
-                  <a:schemeClr val="accent1"/>
-                </a:buClr>
-                <a:buSzPct val="85000"/>
-                <a:buFont typeface="Wingdings 2" charset="2"/>
-                <a:buChar char=""/>
-                <a:defRPr/>
-              </a:pPr>
-              <a:r>
-                <a:rPr lang="en-US" sz="2300" dirty="0" smtClean="0">
-                  <a:ea typeface="ＭＳ Ｐゴシック" charset="-128"/>
-                  <a:cs typeface="ＭＳ Ｐゴシック" charset="-128"/>
-                </a:rPr>
-                <a:t>Demand-driven Execution Of Static Directed Acyclic Graphs Using Task Parallelism, Kambadur et al., </a:t>
-              </a:r>
-              <a:r>
-                <a:rPr lang="en-US" sz="2300" dirty="0" err="1" smtClean="0">
-                  <a:ea typeface="ＭＳ Ｐゴシック" charset="-128"/>
-                  <a:cs typeface="ＭＳ Ｐゴシック" charset="-128"/>
-                </a:rPr>
-                <a:t>HiPC</a:t>
-              </a:r>
-              <a:r>
-                <a:rPr lang="en-US" sz="2300" dirty="0" smtClean="0">
-                  <a:ea typeface="ＭＳ Ｐゴシック" charset="-128"/>
-                  <a:cs typeface="ＭＳ Ｐゴシック" charset="-128"/>
-                </a:rPr>
-                <a:t>, 2009.</a:t>
-              </a:r>
-            </a:p>
-            <a:p>
-              <a:pPr marL="195012" indent="-195012" defTabSz="653064" fontAlgn="base">
-                <a:spcBef>
-                  <a:spcPts val="411"/>
-                </a:spcBef>
-                <a:spcAft>
-                  <a:spcPct val="0"/>
-                </a:spcAft>
-                <a:buClr>
-                  <a:schemeClr val="accent1"/>
-                </a:buClr>
-                <a:buSzPct val="85000"/>
-                <a:buFont typeface="Wingdings 2" charset="2"/>
-                <a:buChar char=""/>
-                <a:defRPr/>
-              </a:pPr>
-              <a:r>
-                <a:rPr lang="en-US" sz="2300" dirty="0" smtClean="0">
-                  <a:ea typeface="ＭＳ Ｐゴシック" charset="-128"/>
-                  <a:cs typeface="ＭＳ Ｐゴシック" charset="-128"/>
-                </a:rPr>
-                <a:t>Extending Task Parallelism For Frequent Pattern Mining, Kambadur et al, </a:t>
-              </a:r>
-              <a:r>
-                <a:rPr lang="en-US" sz="2300" dirty="0" err="1" smtClean="0">
-                  <a:ea typeface="ＭＳ Ｐゴシック" charset="-128"/>
-                  <a:cs typeface="ＭＳ Ｐゴシック" charset="-128"/>
-                </a:rPr>
-                <a:t>ParCO</a:t>
-              </a:r>
-              <a:r>
-                <a:rPr lang="en-US" sz="2300" dirty="0" smtClean="0">
-                  <a:ea typeface="ＭＳ Ｐゴシック" charset="-128"/>
-                  <a:cs typeface="ＭＳ Ｐゴシック" charset="-128"/>
-                </a:rPr>
-                <a:t>, 2009.</a:t>
-              </a:r>
             </a:p>
           </p:txBody>
         </p:sp>
@@ -6983,28 +6189,28 @@
       </p:sp>
       <p:grpSp>
         <p:nvGrpSpPr>
-          <p:cNvPr id="565" name="Group 564"/>
+          <p:cNvPr id="589" name="Group 588"/>
           <p:cNvGrpSpPr/>
           <p:nvPr/>
         </p:nvGrpSpPr>
         <p:grpSpPr>
           <a:xfrm>
-            <a:off x="813348" y="11103132"/>
-            <a:ext cx="9870466" cy="3412440"/>
-            <a:chOff x="1156084" y="3977191"/>
-            <a:chExt cx="13160621" cy="9314002"/>
+            <a:off x="21885310" y="17056970"/>
+            <a:ext cx="9918534" cy="3907666"/>
+            <a:chOff x="28736936" y="7719341"/>
+            <a:chExt cx="13224712" cy="9075963"/>
           </a:xfrm>
         </p:grpSpPr>
         <p:sp>
           <p:nvSpPr>
-            <p:cNvPr id="566" name="Rounded Rectangle 565"/>
+            <p:cNvPr id="576" name="Rounded Rectangle 575"/>
             <p:cNvSpPr/>
             <p:nvPr/>
           </p:nvSpPr>
           <p:spPr>
             <a:xfrm>
-              <a:off x="1156084" y="3977191"/>
-              <a:ext cx="13160621" cy="9314002"/>
+              <a:off x="28736936" y="7719341"/>
+              <a:ext cx="13224712" cy="9075963"/>
             </a:xfrm>
             <a:prstGeom prst="roundRect">
               <a:avLst/>
@@ -7041,7 +6247,7 @@
         </p:sp>
         <p:sp>
           <p:nvSpPr>
-            <p:cNvPr id="567" name="Title 1"/>
+            <p:cNvPr id="577" name="Title 1"/>
             <p:cNvSpPr txBox="1">
               <a:spLocks/>
             </p:cNvSpPr>
@@ -7049,8 +6255,8 @@
           </p:nvSpPr>
           <p:spPr bwMode="auto">
             <a:xfrm>
-              <a:off x="3871199" y="4706568"/>
-              <a:ext cx="7772400" cy="750887"/>
+              <a:off x="31446995" y="8914253"/>
+              <a:ext cx="7772400" cy="647024"/>
             </a:xfrm>
             <a:prstGeom prst="rect">
               <a:avLst/>
@@ -7086,351 +6292,8 @@
                   <a:ea typeface="ＭＳ Ｐゴシック" charset="-128"/>
                   <a:cs typeface="ＭＳ Ｐゴシック" charset="-128"/>
                 </a:rPr>
-                <a:t>Loop Parallelism</a:t>
+                <a:t>Now Available: PFunc 1.0.</a:t>
               </a:r>
-            </a:p>
-          </p:txBody>
-        </p:sp>
-      </p:grpSp>
-      <p:grpSp>
-        <p:nvGrpSpPr>
-          <p:cNvPr id="590" name="Group 589"/>
-          <p:cNvGrpSpPr/>
-          <p:nvPr/>
-        </p:nvGrpSpPr>
-        <p:grpSpPr>
-          <a:xfrm>
-            <a:off x="21882436" y="11663698"/>
-            <a:ext cx="9918534" cy="5737998"/>
-            <a:chOff x="29176581" y="17567395"/>
-            <a:chExt cx="13224712" cy="8606997"/>
-          </a:xfrm>
-        </p:grpSpPr>
-        <p:grpSp>
-          <p:nvGrpSpPr>
-            <p:cNvPr id="589" name="Group 588"/>
-            <p:cNvGrpSpPr/>
-            <p:nvPr/>
-          </p:nvGrpSpPr>
-          <p:grpSpPr>
-            <a:xfrm>
-              <a:off x="29176581" y="17567395"/>
-              <a:ext cx="13224712" cy="8606997"/>
-              <a:chOff x="28736936" y="8188307"/>
-              <a:chExt cx="13224712" cy="8606997"/>
-            </a:xfrm>
-          </p:grpSpPr>
-          <p:sp>
-            <p:nvSpPr>
-              <p:cNvPr id="576" name="Rounded Rectangle 575"/>
-              <p:cNvSpPr/>
-              <p:nvPr/>
-            </p:nvSpPr>
-            <p:spPr>
-              <a:xfrm>
-                <a:off x="28736936" y="8188307"/>
-                <a:ext cx="13224712" cy="8606997"/>
-              </a:xfrm>
-              <a:prstGeom prst="roundRect">
-                <a:avLst/>
-              </a:prstGeom>
-              <a:noFill/>
-              <a:ln>
-                <a:solidFill>
-                  <a:schemeClr val="tx1"/>
-                </a:solidFill>
-              </a:ln>
-            </p:spPr>
-            <p:style>
-              <a:lnRef idx="1">
-                <a:schemeClr val="accent1"/>
-              </a:lnRef>
-              <a:fillRef idx="3">
-                <a:schemeClr val="accent1"/>
-              </a:fillRef>
-              <a:effectRef idx="2">
-                <a:schemeClr val="accent1"/>
-              </a:effectRef>
-              <a:fontRef idx="minor">
-                <a:schemeClr val="lt1"/>
-              </a:fontRef>
-            </p:style>
-            <p:txBody>
-              <a:bodyPr rtlCol="0" anchor="ctr"/>
-              <a:lstStyle/>
-              <a:p>
-                <a:pPr algn="ctr"/>
-                <a:endParaRPr lang="en-US" sz="1300" dirty="0"/>
-              </a:p>
-            </p:txBody>
-          </p:sp>
-          <p:sp>
-            <p:nvSpPr>
-              <p:cNvPr id="577" name="Title 1"/>
-              <p:cNvSpPr txBox="1">
-                <a:spLocks/>
-              </p:cNvSpPr>
-              <p:nvPr/>
-            </p:nvSpPr>
-            <p:spPr bwMode="auto">
-              <a:xfrm>
-                <a:off x="31446994" y="8370870"/>
-                <a:ext cx="7772400" cy="647024"/>
-              </a:xfrm>
-              <a:prstGeom prst="rect">
-                <a:avLst/>
-              </a:prstGeom>
-              <a:noFill/>
-              <a:ln w="9525">
-                <a:noFill/>
-                <a:miter lim="800000"/>
-                <a:headEnd/>
-                <a:tailEnd/>
-              </a:ln>
-            </p:spPr>
-            <p:txBody>
-              <a:bodyPr vert="horz" wrap="square" lIns="91440" tIns="45720" rIns="91440" bIns="91440" numCol="1" anchor="b" anchorCtr="0" compatLnSpc="1">
-                <a:prstTxWarp prst="textNoShape">
-                  <a:avLst/>
-                </a:prstTxWarp>
-              </a:bodyPr>
-              <a:lstStyle/>
-              <a:p>
-                <a:pPr algn="ctr" defTabSz="653064" fontAlgn="base">
-                  <a:spcBef>
-                    <a:spcPct val="0"/>
-                  </a:spcBef>
-                  <a:spcAft>
-                    <a:spcPct val="0"/>
-                  </a:spcAft>
-                  <a:defRPr/>
-                </a:pPr>
-                <a:r>
-                  <a:rPr lang="en-US" sz="2600" b="1" dirty="0" smtClean="0">
-                    <a:latin typeface="Franklin Gothic Book"/>
-                    <a:ea typeface="ＭＳ Ｐゴシック" charset="-128"/>
-                    <a:cs typeface="ＭＳ Ｐゴシック" charset="-128"/>
-                  </a:rPr>
-                  <a:t>Now Available: PFunc 1.0.</a:t>
-                </a:r>
-              </a:p>
-            </p:txBody>
-          </p:sp>
-          <p:sp>
-            <p:nvSpPr>
-              <p:cNvPr id="583" name="Title 1"/>
-              <p:cNvSpPr txBox="1">
-                <a:spLocks/>
-              </p:cNvSpPr>
-              <p:nvPr/>
-            </p:nvSpPr>
-            <p:spPr bwMode="auto">
-              <a:xfrm>
-                <a:off x="29497048" y="13326534"/>
-                <a:ext cx="11656808" cy="564940"/>
-              </a:xfrm>
-              <a:prstGeom prst="rect">
-                <a:avLst/>
-              </a:prstGeom>
-              <a:noFill/>
-              <a:ln w="9525">
-                <a:noFill/>
-                <a:miter lim="800000"/>
-                <a:headEnd/>
-                <a:tailEnd/>
-              </a:ln>
-            </p:spPr>
-            <p:txBody>
-              <a:bodyPr vert="horz" wrap="square" lIns="91440" tIns="45720" rIns="91440" bIns="91440" numCol="1" anchor="b" anchorCtr="0" compatLnSpc="1">
-                <a:prstTxWarp prst="textNoShape">
-                  <a:avLst/>
-                </a:prstTxWarp>
-              </a:bodyPr>
-              <a:lstStyle/>
-              <a:p>
-                <a:pPr algn="ctr" defTabSz="653064" fontAlgn="base">
-                  <a:spcBef>
-                    <a:spcPct val="0"/>
-                  </a:spcBef>
-                  <a:spcAft>
-                    <a:spcPct val="0"/>
-                  </a:spcAft>
-                  <a:defRPr/>
-                </a:pPr>
-                <a:r>
-                  <a:rPr lang="en-US" sz="2600" b="1" dirty="0" smtClean="0">
-                    <a:latin typeface="Franklin Gothic Book"/>
-                    <a:ea typeface="ＭＳ Ｐゴシック" charset="-128"/>
-                    <a:cs typeface="ＭＳ Ｐゴシック" charset="-128"/>
-                  </a:rPr>
-                  <a:t>Salient Features</a:t>
-                </a:r>
-              </a:p>
-            </p:txBody>
-          </p:sp>
-        </p:grpSp>
-        <p:sp>
-          <p:nvSpPr>
-            <p:cNvPr id="586" name="Content Placeholder 2"/>
-            <p:cNvSpPr txBox="1">
-              <a:spLocks/>
-            </p:cNvSpPr>
-            <p:nvPr/>
-          </p:nvSpPr>
-          <p:spPr bwMode="auto">
-            <a:xfrm>
-              <a:off x="29769467" y="23272520"/>
-              <a:ext cx="12045628" cy="2901872"/>
-            </a:xfrm>
-            <a:prstGeom prst="rect">
-              <a:avLst/>
-            </a:prstGeom>
-            <a:noFill/>
-            <a:ln w="9525">
-              <a:noFill/>
-              <a:miter lim="800000"/>
-              <a:headEnd/>
-              <a:tailEnd/>
-            </a:ln>
-          </p:spPr>
-          <p:txBody>
-            <a:bodyPr vert="horz" wrap="square" lIns="91440" tIns="45720" rIns="91440" bIns="45720" numCol="1" anchor="t" anchorCtr="0" compatLnSpc="1">
-              <a:prstTxWarp prst="textNoShape">
-                <a:avLst/>
-              </a:prstTxWarp>
-              <a:noAutofit/>
-            </a:bodyPr>
-            <a:lstStyle/>
-            <a:p>
-              <a:pPr marL="195012" indent="-195012" algn="ctr" defTabSz="653064" fontAlgn="base">
-                <a:spcBef>
-                  <a:spcPts val="411"/>
-                </a:spcBef>
-                <a:spcAft>
-                  <a:spcPct val="0"/>
-                </a:spcAft>
-                <a:buClr>
-                  <a:schemeClr val="accent1"/>
-                </a:buClr>
-                <a:buSzPct val="85000"/>
-                <a:buFont typeface="Wingdings 2" charset="2"/>
-                <a:buChar char=""/>
-                <a:defRPr/>
-              </a:pPr>
-              <a:r>
-                <a:rPr lang="en-US" sz="2300" dirty="0" smtClean="0">
-                  <a:ea typeface="ＭＳ Ｐゴシック" charset="-128"/>
-                  <a:cs typeface="ＭＳ Ｐゴシック" charset="-128"/>
-                </a:rPr>
-                <a:t>New loop parallelism constructs.</a:t>
-              </a:r>
-            </a:p>
-            <a:p>
-              <a:pPr marL="195012" indent="-195012" algn="ctr" defTabSz="653064" fontAlgn="base">
-                <a:spcBef>
-                  <a:spcPts val="411"/>
-                </a:spcBef>
-                <a:spcAft>
-                  <a:spcPct val="0"/>
-                </a:spcAft>
-                <a:buClr>
-                  <a:schemeClr val="accent1"/>
-                </a:buClr>
-                <a:buSzPct val="85000"/>
-                <a:buFont typeface="Wingdings 2" charset="2"/>
-                <a:buChar char=""/>
-                <a:defRPr/>
-              </a:pPr>
-              <a:r>
-                <a:rPr lang="en-US" sz="2300" dirty="0" smtClean="0">
-                  <a:ea typeface="ＭＳ Ｐゴシック" charset="-128"/>
-                  <a:cs typeface="ＭＳ Ｐゴシック" charset="-128"/>
-                </a:rPr>
-                <a:t>New examples including </a:t>
-              </a:r>
-              <a:r>
-                <a:rPr lang="en-US" sz="2300" dirty="0" err="1" smtClean="0">
-                  <a:ea typeface="ＭＳ Ｐゴシック" charset="-128"/>
-                  <a:cs typeface="ＭＳ Ｐゴシック" charset="-128"/>
-                </a:rPr>
-                <a:t>matmult</a:t>
-              </a:r>
-              <a:r>
-                <a:rPr lang="en-US" sz="2300" dirty="0" smtClean="0">
-                  <a:ea typeface="ＭＳ Ｐゴシック" charset="-128"/>
-                  <a:cs typeface="ＭＳ Ｐゴシック" charset="-128"/>
-                </a:rPr>
-                <a:t>, scale, and accumulate.</a:t>
-              </a:r>
-            </a:p>
-            <a:p>
-              <a:pPr marL="195012" indent="-195012" algn="ctr" defTabSz="653064" fontAlgn="base">
-                <a:spcBef>
-                  <a:spcPts val="411"/>
-                </a:spcBef>
-                <a:spcAft>
-                  <a:spcPct val="0"/>
-                </a:spcAft>
-                <a:buClr>
-                  <a:schemeClr val="accent1"/>
-                </a:buClr>
-                <a:buSzPct val="85000"/>
-                <a:buFont typeface="Wingdings 2" charset="2"/>
-                <a:buChar char=""/>
-                <a:defRPr/>
-              </a:pPr>
-              <a:r>
-                <a:rPr lang="en-US" sz="2300" dirty="0" smtClean="0">
-                  <a:ea typeface="ＭＳ Ｐゴシック" charset="-128"/>
-                  <a:cs typeface="ＭＳ Ｐゴシック" charset="-128"/>
-                </a:rPr>
-                <a:t>Updated easy-to-use interface.</a:t>
-              </a:r>
-            </a:p>
-            <a:p>
-              <a:pPr marL="195012" indent="-195012" algn="ctr" defTabSz="653064" fontAlgn="base">
-                <a:spcBef>
-                  <a:spcPts val="411"/>
-                </a:spcBef>
-                <a:spcAft>
-                  <a:spcPct val="0"/>
-                </a:spcAft>
-                <a:buClr>
-                  <a:schemeClr val="accent1"/>
-                </a:buClr>
-                <a:buSzPct val="85000"/>
-                <a:buFont typeface="Wingdings 2" charset="2"/>
-                <a:buChar char=""/>
-                <a:defRPr/>
-              </a:pPr>
-              <a:r>
-                <a:rPr lang="en-US" sz="2300" dirty="0" smtClean="0">
-                  <a:ea typeface="ＭＳ Ｐゴシック" charset="-128"/>
-                  <a:cs typeface="ＭＳ Ｐゴシック" charset="-128"/>
-                </a:rPr>
-                <a:t>Updated atomics: compare-and-swap, fetch-and-add, etc. </a:t>
-              </a:r>
-            </a:p>
-            <a:p>
-              <a:pPr marL="195012" indent="-195012" algn="ctr" defTabSz="653064" fontAlgn="base">
-                <a:spcBef>
-                  <a:spcPts val="411"/>
-                </a:spcBef>
-                <a:spcAft>
-                  <a:spcPct val="0"/>
-                </a:spcAft>
-                <a:buClr>
-                  <a:schemeClr val="accent1"/>
-                </a:buClr>
-                <a:buSzPct val="85000"/>
-                <a:buFont typeface="Wingdings 2" charset="2"/>
-                <a:buChar char=""/>
-                <a:defRPr/>
-              </a:pPr>
-              <a:endParaRPr lang="en-US" sz="2300" dirty="0" smtClean="0">
-                <a:ea typeface="ＭＳ Ｐゴシック" charset="-128"/>
-                <a:cs typeface="ＭＳ Ｐゴシック" charset="-128"/>
-              </a:endParaRPr>
             </a:p>
           </p:txBody>
         </p:sp>
@@ -7444,7 +6307,7 @@
           <p:nvPr/>
         </p:nvGraphicFramePr>
         <p:xfrm>
-          <a:off x="22531790" y="12416270"/>
+          <a:off x="22534664" y="18111722"/>
           <a:ext cx="8609710" cy="2406561"/>
         </p:xfrm>
         <a:graphic>
@@ -7627,28 +6490,3379 @@
       </p:graphicFrame>
       <p:grpSp>
         <p:nvGrpSpPr>
-          <p:cNvPr id="591" name="Group 590"/>
+          <p:cNvPr id="176" name="Group 175"/>
           <p:cNvGrpSpPr/>
           <p:nvPr/>
         </p:nvGrpSpPr>
         <p:grpSpPr>
           <a:xfrm>
-            <a:off x="817737" y="15017019"/>
-            <a:ext cx="9870466" cy="5988231"/>
-            <a:chOff x="1156084" y="3977189"/>
-            <a:chExt cx="13160621" cy="10169017"/>
+            <a:off x="867064" y="10271278"/>
+            <a:ext cx="9870466" cy="3907777"/>
+            <a:chOff x="943565" y="11618297"/>
+            <a:chExt cx="9870466" cy="3907777"/>
           </a:xfrm>
         </p:grpSpPr>
         <p:sp>
           <p:nvSpPr>
-            <p:cNvPr id="592" name="Rounded Rectangle 591"/>
+            <p:cNvPr id="647" name="Title 1"/>
+            <p:cNvSpPr txBox="1">
+              <a:spLocks/>
+            </p:cNvSpPr>
+            <p:nvPr/>
+          </p:nvSpPr>
+          <p:spPr bwMode="auto">
+            <a:xfrm>
+              <a:off x="6078465" y="14700539"/>
+              <a:ext cx="4416768" cy="465392"/>
+            </a:xfrm>
+            <a:prstGeom prst="rect">
+              <a:avLst/>
+            </a:prstGeom>
+            <a:noFill/>
+            <a:ln w="9525">
+              <a:noFill/>
+              <a:miter lim="800000"/>
+              <a:headEnd/>
+              <a:tailEnd/>
+            </a:ln>
+          </p:spPr>
+          <p:txBody>
+            <a:bodyPr vert="horz" wrap="square" lIns="65306" tIns="32653" rIns="65306" bIns="65306" numCol="1" anchor="b" anchorCtr="0" compatLnSpc="1">
+              <a:prstTxWarp prst="textNoShape">
+                <a:avLst/>
+              </a:prstTxWarp>
+            </a:bodyPr>
+            <a:lstStyle/>
+            <a:p>
+              <a:pPr algn="ctr" defTabSz="653064" fontAlgn="base">
+                <a:spcBef>
+                  <a:spcPct val="0"/>
+                </a:spcBef>
+                <a:spcAft>
+                  <a:spcPct val="0"/>
+                </a:spcAft>
+                <a:defRPr/>
+              </a:pPr>
+              <a:r>
+                <a:rPr lang="en-US" sz="2000" dirty="0" err="1" smtClean="0">
+                  <a:solidFill>
+                    <a:srgbClr val="0000FF"/>
+                  </a:solidFill>
+                  <a:latin typeface="Monaco"/>
+                  <a:cs typeface="Monaco"/>
+                </a:rPr>
+                <a:t>pfunc::parallel_reduce</a:t>
+              </a:r>
+              <a:endParaRPr lang="en-US" sz="2000" b="1" dirty="0" smtClean="0">
+                <a:solidFill>
+                  <a:srgbClr val="0000FF"/>
+                </a:solidFill>
+                <a:latin typeface="Franklin Gothic Book"/>
+                <a:ea typeface="ＭＳ Ｐゴシック" charset="-128"/>
+                <a:cs typeface="ＭＳ Ｐゴシック" charset="-128"/>
+              </a:endParaRPr>
+            </a:p>
+          </p:txBody>
+        </p:sp>
+        <p:grpSp>
+          <p:nvGrpSpPr>
+            <p:cNvPr id="627" name="Group 626"/>
+            <p:cNvGrpSpPr/>
+            <p:nvPr/>
+          </p:nvGrpSpPr>
+          <p:grpSpPr>
+            <a:xfrm>
+              <a:off x="2319269" y="13495685"/>
+              <a:ext cx="3004236" cy="309345"/>
+              <a:chOff x="1856278" y="2271245"/>
+              <a:chExt cx="4005648" cy="464018"/>
+            </a:xfrm>
+          </p:grpSpPr>
+          <p:sp>
+            <p:nvSpPr>
+              <p:cNvPr id="628" name="Rectangle 627"/>
+              <p:cNvSpPr/>
+              <p:nvPr/>
+            </p:nvSpPr>
+            <p:spPr>
+              <a:xfrm>
+                <a:off x="1856278" y="2271245"/>
+                <a:ext cx="500706" cy="464018"/>
+              </a:xfrm>
+              <a:prstGeom prst="rect">
+                <a:avLst/>
+              </a:prstGeom>
+              <a:solidFill>
+                <a:schemeClr val="accent4">
+                  <a:lumMod val="60000"/>
+                  <a:lumOff val="40000"/>
+                </a:schemeClr>
+              </a:solidFill>
+              <a:ln>
+                <a:solidFill>
+                  <a:schemeClr val="tx1"/>
+                </a:solidFill>
+              </a:ln>
+            </p:spPr>
+            <p:style>
+              <a:lnRef idx="1">
+                <a:schemeClr val="accent1"/>
+              </a:lnRef>
+              <a:fillRef idx="3">
+                <a:schemeClr val="accent1"/>
+              </a:fillRef>
+              <a:effectRef idx="2">
+                <a:schemeClr val="accent1"/>
+              </a:effectRef>
+              <a:fontRef idx="minor">
+                <a:schemeClr val="lt1"/>
+              </a:fontRef>
+            </p:style>
+            <p:txBody>
+              <a:bodyPr rtlCol="0" anchor="ctr"/>
+              <a:lstStyle/>
+              <a:p>
+                <a:pPr algn="ctr"/>
+                <a:endParaRPr lang="en-US"/>
+              </a:p>
+            </p:txBody>
+          </p:sp>
+          <p:sp>
+            <p:nvSpPr>
+              <p:cNvPr id="629" name="Rectangle 628"/>
+              <p:cNvSpPr/>
+              <p:nvPr/>
+            </p:nvSpPr>
+            <p:spPr>
+              <a:xfrm>
+                <a:off x="2356984" y="2271245"/>
+                <a:ext cx="500706" cy="464018"/>
+              </a:xfrm>
+              <a:prstGeom prst="rect">
+                <a:avLst/>
+              </a:prstGeom>
+              <a:solidFill>
+                <a:schemeClr val="accent4">
+                  <a:lumMod val="60000"/>
+                  <a:lumOff val="40000"/>
+                </a:schemeClr>
+              </a:solidFill>
+              <a:ln>
+                <a:solidFill>
+                  <a:schemeClr val="tx1"/>
+                </a:solidFill>
+              </a:ln>
+            </p:spPr>
+            <p:style>
+              <a:lnRef idx="1">
+                <a:schemeClr val="accent1"/>
+              </a:lnRef>
+              <a:fillRef idx="3">
+                <a:schemeClr val="accent1"/>
+              </a:fillRef>
+              <a:effectRef idx="2">
+                <a:schemeClr val="accent1"/>
+              </a:effectRef>
+              <a:fontRef idx="minor">
+                <a:schemeClr val="lt1"/>
+              </a:fontRef>
+            </p:style>
+            <p:txBody>
+              <a:bodyPr rtlCol="0" anchor="ctr"/>
+              <a:lstStyle/>
+              <a:p>
+                <a:pPr algn="ctr"/>
+                <a:endParaRPr lang="en-US"/>
+              </a:p>
+            </p:txBody>
+          </p:sp>
+          <p:sp>
+            <p:nvSpPr>
+              <p:cNvPr id="630" name="Rectangle 629"/>
+              <p:cNvSpPr/>
+              <p:nvPr/>
+            </p:nvSpPr>
+            <p:spPr>
+              <a:xfrm>
+                <a:off x="2857690" y="2271245"/>
+                <a:ext cx="500706" cy="464018"/>
+              </a:xfrm>
+              <a:prstGeom prst="rect">
+                <a:avLst/>
+              </a:prstGeom>
+              <a:solidFill>
+                <a:schemeClr val="accent4">
+                  <a:lumMod val="60000"/>
+                  <a:lumOff val="40000"/>
+                </a:schemeClr>
+              </a:solidFill>
+              <a:ln>
+                <a:solidFill>
+                  <a:schemeClr val="tx1"/>
+                </a:solidFill>
+              </a:ln>
+            </p:spPr>
+            <p:style>
+              <a:lnRef idx="1">
+                <a:schemeClr val="accent1"/>
+              </a:lnRef>
+              <a:fillRef idx="3">
+                <a:schemeClr val="accent1"/>
+              </a:fillRef>
+              <a:effectRef idx="2">
+                <a:schemeClr val="accent1"/>
+              </a:effectRef>
+              <a:fontRef idx="minor">
+                <a:schemeClr val="lt1"/>
+              </a:fontRef>
+            </p:style>
+            <p:txBody>
+              <a:bodyPr rtlCol="0" anchor="ctr"/>
+              <a:lstStyle/>
+              <a:p>
+                <a:pPr algn="ctr"/>
+                <a:endParaRPr lang="en-US"/>
+              </a:p>
+            </p:txBody>
+          </p:sp>
+          <p:sp>
+            <p:nvSpPr>
+              <p:cNvPr id="631" name="Rectangle 630"/>
+              <p:cNvSpPr/>
+              <p:nvPr/>
+            </p:nvSpPr>
+            <p:spPr>
+              <a:xfrm>
+                <a:off x="3358396" y="2271245"/>
+                <a:ext cx="500706" cy="464018"/>
+              </a:xfrm>
+              <a:prstGeom prst="rect">
+                <a:avLst/>
+              </a:prstGeom>
+              <a:solidFill>
+                <a:schemeClr val="accent4">
+                  <a:lumMod val="60000"/>
+                  <a:lumOff val="40000"/>
+                </a:schemeClr>
+              </a:solidFill>
+              <a:ln>
+                <a:solidFill>
+                  <a:schemeClr val="tx1"/>
+                </a:solidFill>
+              </a:ln>
+            </p:spPr>
+            <p:style>
+              <a:lnRef idx="1">
+                <a:schemeClr val="accent1"/>
+              </a:lnRef>
+              <a:fillRef idx="3">
+                <a:schemeClr val="accent1"/>
+              </a:fillRef>
+              <a:effectRef idx="2">
+                <a:schemeClr val="accent1"/>
+              </a:effectRef>
+              <a:fontRef idx="minor">
+                <a:schemeClr val="lt1"/>
+              </a:fontRef>
+            </p:style>
+            <p:txBody>
+              <a:bodyPr rtlCol="0" anchor="ctr"/>
+              <a:lstStyle/>
+              <a:p>
+                <a:pPr algn="ctr"/>
+                <a:endParaRPr lang="en-US"/>
+              </a:p>
+            </p:txBody>
+          </p:sp>
+          <p:sp>
+            <p:nvSpPr>
+              <p:cNvPr id="632" name="Rectangle 631"/>
+              <p:cNvSpPr/>
+              <p:nvPr/>
+            </p:nvSpPr>
+            <p:spPr>
+              <a:xfrm>
+                <a:off x="3859102" y="2271245"/>
+                <a:ext cx="500706" cy="464018"/>
+              </a:xfrm>
+              <a:prstGeom prst="rect">
+                <a:avLst/>
+              </a:prstGeom>
+              <a:solidFill>
+                <a:schemeClr val="accent4">
+                  <a:lumMod val="60000"/>
+                  <a:lumOff val="40000"/>
+                </a:schemeClr>
+              </a:solidFill>
+              <a:ln>
+                <a:solidFill>
+                  <a:schemeClr val="tx1"/>
+                </a:solidFill>
+              </a:ln>
+            </p:spPr>
+            <p:style>
+              <a:lnRef idx="1">
+                <a:schemeClr val="accent1"/>
+              </a:lnRef>
+              <a:fillRef idx="3">
+                <a:schemeClr val="accent1"/>
+              </a:fillRef>
+              <a:effectRef idx="2">
+                <a:schemeClr val="accent1"/>
+              </a:effectRef>
+              <a:fontRef idx="minor">
+                <a:schemeClr val="lt1"/>
+              </a:fontRef>
+            </p:style>
+            <p:txBody>
+              <a:bodyPr rtlCol="0" anchor="ctr"/>
+              <a:lstStyle/>
+              <a:p>
+                <a:pPr algn="ctr"/>
+                <a:endParaRPr lang="en-US"/>
+              </a:p>
+            </p:txBody>
+          </p:sp>
+          <p:sp>
+            <p:nvSpPr>
+              <p:cNvPr id="633" name="Rectangle 632"/>
+              <p:cNvSpPr/>
+              <p:nvPr/>
+            </p:nvSpPr>
+            <p:spPr>
+              <a:xfrm>
+                <a:off x="4359808" y="2271245"/>
+                <a:ext cx="500706" cy="464018"/>
+              </a:xfrm>
+              <a:prstGeom prst="rect">
+                <a:avLst/>
+              </a:prstGeom>
+              <a:solidFill>
+                <a:schemeClr val="accent4">
+                  <a:lumMod val="60000"/>
+                  <a:lumOff val="40000"/>
+                </a:schemeClr>
+              </a:solidFill>
+              <a:ln>
+                <a:solidFill>
+                  <a:schemeClr val="tx1"/>
+                </a:solidFill>
+              </a:ln>
+            </p:spPr>
+            <p:style>
+              <a:lnRef idx="1">
+                <a:schemeClr val="accent1"/>
+              </a:lnRef>
+              <a:fillRef idx="3">
+                <a:schemeClr val="accent1"/>
+              </a:fillRef>
+              <a:effectRef idx="2">
+                <a:schemeClr val="accent1"/>
+              </a:effectRef>
+              <a:fontRef idx="minor">
+                <a:schemeClr val="lt1"/>
+              </a:fontRef>
+            </p:style>
+            <p:txBody>
+              <a:bodyPr rtlCol="0" anchor="ctr"/>
+              <a:lstStyle/>
+              <a:p>
+                <a:pPr algn="ctr"/>
+                <a:endParaRPr lang="en-US"/>
+              </a:p>
+            </p:txBody>
+          </p:sp>
+          <p:sp>
+            <p:nvSpPr>
+              <p:cNvPr id="634" name="Rectangle 633"/>
+              <p:cNvSpPr/>
+              <p:nvPr/>
+            </p:nvSpPr>
+            <p:spPr>
+              <a:xfrm>
+                <a:off x="4860514" y="2271245"/>
+                <a:ext cx="500706" cy="464018"/>
+              </a:xfrm>
+              <a:prstGeom prst="rect">
+                <a:avLst/>
+              </a:prstGeom>
+              <a:solidFill>
+                <a:schemeClr val="accent4">
+                  <a:lumMod val="60000"/>
+                  <a:lumOff val="40000"/>
+                </a:schemeClr>
+              </a:solidFill>
+              <a:ln>
+                <a:solidFill>
+                  <a:schemeClr val="tx1"/>
+                </a:solidFill>
+              </a:ln>
+            </p:spPr>
+            <p:style>
+              <a:lnRef idx="1">
+                <a:schemeClr val="accent1"/>
+              </a:lnRef>
+              <a:fillRef idx="3">
+                <a:schemeClr val="accent1"/>
+              </a:fillRef>
+              <a:effectRef idx="2">
+                <a:schemeClr val="accent1"/>
+              </a:effectRef>
+              <a:fontRef idx="minor">
+                <a:schemeClr val="lt1"/>
+              </a:fontRef>
+            </p:style>
+            <p:txBody>
+              <a:bodyPr rtlCol="0" anchor="ctr"/>
+              <a:lstStyle/>
+              <a:p>
+                <a:pPr algn="ctr"/>
+                <a:endParaRPr lang="en-US"/>
+              </a:p>
+            </p:txBody>
+          </p:sp>
+          <p:sp>
+            <p:nvSpPr>
+              <p:cNvPr id="635" name="Rectangle 634"/>
+              <p:cNvSpPr/>
+              <p:nvPr/>
+            </p:nvSpPr>
+            <p:spPr>
+              <a:xfrm>
+                <a:off x="5361220" y="2271245"/>
+                <a:ext cx="500706" cy="464018"/>
+              </a:xfrm>
+              <a:prstGeom prst="rect">
+                <a:avLst/>
+              </a:prstGeom>
+              <a:solidFill>
+                <a:schemeClr val="accent4">
+                  <a:lumMod val="60000"/>
+                  <a:lumOff val="40000"/>
+                </a:schemeClr>
+              </a:solidFill>
+              <a:ln>
+                <a:solidFill>
+                  <a:schemeClr val="tx1"/>
+                </a:solidFill>
+              </a:ln>
+            </p:spPr>
+            <p:style>
+              <a:lnRef idx="1">
+                <a:schemeClr val="accent1"/>
+              </a:lnRef>
+              <a:fillRef idx="3">
+                <a:schemeClr val="accent1"/>
+              </a:fillRef>
+              <a:effectRef idx="2">
+                <a:schemeClr val="accent1"/>
+              </a:effectRef>
+              <a:fontRef idx="minor">
+                <a:schemeClr val="lt1"/>
+              </a:fontRef>
+            </p:style>
+            <p:txBody>
+              <a:bodyPr rtlCol="0" anchor="ctr"/>
+              <a:lstStyle/>
+              <a:p>
+                <a:pPr algn="ctr"/>
+                <a:endParaRPr lang="en-US"/>
+              </a:p>
+            </p:txBody>
+          </p:sp>
+        </p:grpSp>
+        <p:grpSp>
+          <p:nvGrpSpPr>
+            <p:cNvPr id="565" name="Group 564"/>
+            <p:cNvGrpSpPr/>
+            <p:nvPr/>
+          </p:nvGrpSpPr>
+          <p:grpSpPr>
+            <a:xfrm>
+              <a:off x="943565" y="11618297"/>
+              <a:ext cx="9870466" cy="3907777"/>
+              <a:chOff x="1156084" y="4324252"/>
+              <a:chExt cx="13160621" cy="10665988"/>
+            </a:xfrm>
+          </p:grpSpPr>
+          <p:sp>
+            <p:nvSpPr>
+              <p:cNvPr id="566" name="Rounded Rectangle 565"/>
+              <p:cNvSpPr/>
+              <p:nvPr/>
+            </p:nvSpPr>
+            <p:spPr>
+              <a:xfrm>
+                <a:off x="1156084" y="4324252"/>
+                <a:ext cx="13160621" cy="10665988"/>
+              </a:xfrm>
+              <a:prstGeom prst="roundRect">
+                <a:avLst/>
+              </a:prstGeom>
+              <a:noFill/>
+              <a:ln>
+                <a:solidFill>
+                  <a:schemeClr val="tx1"/>
+                </a:solidFill>
+              </a:ln>
+            </p:spPr>
+            <p:style>
+              <a:lnRef idx="1">
+                <a:schemeClr val="accent1"/>
+              </a:lnRef>
+              <a:fillRef idx="3">
+                <a:schemeClr val="accent1"/>
+              </a:fillRef>
+              <a:effectRef idx="2">
+                <a:schemeClr val="accent1"/>
+              </a:effectRef>
+              <a:fontRef idx="minor">
+                <a:schemeClr val="lt1"/>
+              </a:fontRef>
+            </p:style>
+            <p:txBody>
+              <a:bodyPr rtlCol="0" anchor="ctr"/>
+              <a:lstStyle/>
+              <a:p>
+                <a:pPr algn="ctr"/>
+                <a:endParaRPr lang="en-US" sz="1300" dirty="0"/>
+              </a:p>
+            </p:txBody>
+          </p:sp>
+          <p:sp>
+            <p:nvSpPr>
+              <p:cNvPr id="567" name="Title 1"/>
+              <p:cNvSpPr txBox="1">
+                <a:spLocks/>
+              </p:cNvSpPr>
+              <p:nvPr/>
+            </p:nvSpPr>
+            <p:spPr bwMode="auto">
+              <a:xfrm>
+                <a:off x="3871199" y="5345128"/>
+                <a:ext cx="7772400" cy="750887"/>
+              </a:xfrm>
+              <a:prstGeom prst="rect">
+                <a:avLst/>
+              </a:prstGeom>
+              <a:noFill/>
+              <a:ln w="9525">
+                <a:noFill/>
+                <a:miter lim="800000"/>
+                <a:headEnd/>
+                <a:tailEnd/>
+              </a:ln>
+            </p:spPr>
+            <p:txBody>
+              <a:bodyPr vert="horz" wrap="square" lIns="91440" tIns="45720" rIns="91440" bIns="91440" numCol="1" anchor="b" anchorCtr="0" compatLnSpc="1">
+                <a:prstTxWarp prst="textNoShape">
+                  <a:avLst/>
+                </a:prstTxWarp>
+              </a:bodyPr>
+              <a:lstStyle/>
+              <a:p>
+                <a:pPr algn="ctr" defTabSz="653064" fontAlgn="base">
+                  <a:spcBef>
+                    <a:spcPct val="0"/>
+                  </a:spcBef>
+                  <a:spcAft>
+                    <a:spcPct val="0"/>
+                  </a:spcAft>
+                  <a:defRPr/>
+                </a:pPr>
+                <a:r>
+                  <a:rPr lang="en-US" sz="2600" b="1" dirty="0" smtClean="0">
+                    <a:latin typeface="Franklin Gothic Book"/>
+                    <a:ea typeface="ＭＳ Ｐゴシック" charset="-128"/>
+                    <a:cs typeface="ＭＳ Ｐゴシック" charset="-128"/>
+                  </a:rPr>
+                  <a:t>Loop Parallelism</a:t>
+                </a:r>
+              </a:p>
+            </p:txBody>
+          </p:sp>
+        </p:grpSp>
+        <p:sp>
+          <p:nvSpPr>
+            <p:cNvPr id="646" name="Content Placeholder 2"/>
+            <p:cNvSpPr txBox="1">
+              <a:spLocks/>
+            </p:cNvSpPr>
+            <p:nvPr/>
+          </p:nvSpPr>
+          <p:spPr bwMode="auto">
+            <a:xfrm>
+              <a:off x="1603077" y="12467612"/>
+              <a:ext cx="5695514" cy="996178"/>
+            </a:xfrm>
+            <a:prstGeom prst="rect">
+              <a:avLst/>
+            </a:prstGeom>
+            <a:noFill/>
+            <a:ln w="9525">
+              <a:noFill/>
+              <a:miter lim="800000"/>
+              <a:headEnd/>
+              <a:tailEnd/>
+            </a:ln>
+          </p:spPr>
+          <p:txBody>
+            <a:bodyPr vert="horz" wrap="square" lIns="65306" tIns="32653" rIns="65306" bIns="32653" numCol="1" anchor="t" anchorCtr="0" compatLnSpc="1">
+              <a:prstTxWarp prst="textNoShape">
+                <a:avLst/>
+              </a:prstTxWarp>
+              <a:noAutofit/>
+            </a:bodyPr>
+            <a:lstStyle/>
+            <a:p>
+              <a:pPr marL="195012" indent="-195012" defTabSz="653064" fontAlgn="base">
+                <a:spcBef>
+                  <a:spcPts val="411"/>
+                </a:spcBef>
+                <a:spcAft>
+                  <a:spcPct val="0"/>
+                </a:spcAft>
+                <a:buClr>
+                  <a:schemeClr val="accent1"/>
+                </a:buClr>
+                <a:buSzPct val="85000"/>
+                <a:buFont typeface="Wingdings 2" charset="2"/>
+                <a:buChar char=""/>
+                <a:defRPr/>
+              </a:pPr>
+              <a:r>
+                <a:rPr lang="en-US" sz="2300" dirty="0" smtClean="0">
+                  <a:solidFill>
+                    <a:srgbClr val="000000"/>
+                  </a:solidFill>
+                  <a:ea typeface="ＭＳ Ｐゴシック" charset="-128"/>
+                  <a:cs typeface="ＭＳ Ｐゴシック" charset="-128"/>
+                </a:rPr>
+                <a:t>Loop parallelism is simple, yet powerful.</a:t>
+              </a:r>
+            </a:p>
+            <a:p>
+              <a:pPr marL="195012" indent="-195012" defTabSz="653064" fontAlgn="base">
+                <a:spcBef>
+                  <a:spcPts val="411"/>
+                </a:spcBef>
+                <a:spcAft>
+                  <a:spcPct val="0"/>
+                </a:spcAft>
+                <a:buClr>
+                  <a:schemeClr val="accent1"/>
+                </a:buClr>
+                <a:buSzPct val="85000"/>
+                <a:buFont typeface="Wingdings 2" charset="2"/>
+                <a:buChar char=""/>
+                <a:defRPr/>
+              </a:pPr>
+              <a:r>
+                <a:rPr lang="en-US" sz="2300" dirty="0" smtClean="0">
+                  <a:solidFill>
+                    <a:srgbClr val="000000"/>
+                  </a:solidFill>
+                  <a:ea typeface="ＭＳ Ｐゴシック" charset="-128"/>
+                  <a:cs typeface="ＭＳ Ｐゴシック" charset="-128"/>
+                </a:rPr>
+                <a:t>Completely realized using  task parallelism.</a:t>
+              </a:r>
+            </a:p>
+          </p:txBody>
+        </p:sp>
+        <p:grpSp>
+          <p:nvGrpSpPr>
+            <p:cNvPr id="606" name="Group 605"/>
+            <p:cNvGrpSpPr/>
+            <p:nvPr/>
+          </p:nvGrpSpPr>
+          <p:grpSpPr>
+            <a:xfrm>
+              <a:off x="7000455" y="12808803"/>
+              <a:ext cx="2601219" cy="1890429"/>
+              <a:chOff x="4109455" y="2967272"/>
+              <a:chExt cx="3468292" cy="2835644"/>
+            </a:xfrm>
+          </p:grpSpPr>
+          <p:sp>
+            <p:nvSpPr>
+              <p:cNvPr id="607" name="Rectangle 606"/>
+              <p:cNvSpPr/>
+              <p:nvPr/>
+            </p:nvSpPr>
+            <p:spPr>
+              <a:xfrm>
+                <a:off x="4109455" y="5337309"/>
+                <a:ext cx="500706" cy="464018"/>
+              </a:xfrm>
+              <a:prstGeom prst="rect">
+                <a:avLst/>
+              </a:prstGeom>
+              <a:solidFill>
+                <a:schemeClr val="accent4">
+                  <a:lumMod val="60000"/>
+                  <a:lumOff val="40000"/>
+                </a:schemeClr>
+              </a:solidFill>
+              <a:ln>
+                <a:solidFill>
+                  <a:schemeClr val="tx1"/>
+                </a:solidFill>
+              </a:ln>
+            </p:spPr>
+            <p:style>
+              <a:lnRef idx="1">
+                <a:schemeClr val="accent1"/>
+              </a:lnRef>
+              <a:fillRef idx="3">
+                <a:schemeClr val="accent1"/>
+              </a:fillRef>
+              <a:effectRef idx="2">
+                <a:schemeClr val="accent1"/>
+              </a:effectRef>
+              <a:fontRef idx="minor">
+                <a:schemeClr val="lt1"/>
+              </a:fontRef>
+            </p:style>
+            <p:txBody>
+              <a:bodyPr rtlCol="0" anchor="ctr"/>
+              <a:lstStyle/>
+              <a:p>
+                <a:pPr algn="ctr"/>
+                <a:endParaRPr lang="en-US"/>
+              </a:p>
+            </p:txBody>
+          </p:sp>
+          <p:sp>
+            <p:nvSpPr>
+              <p:cNvPr id="608" name="Rectangle 607"/>
+              <p:cNvSpPr/>
+              <p:nvPr/>
+            </p:nvSpPr>
+            <p:spPr>
+              <a:xfrm>
+                <a:off x="5110867" y="5337309"/>
+                <a:ext cx="500706" cy="464018"/>
+              </a:xfrm>
+              <a:prstGeom prst="rect">
+                <a:avLst/>
+              </a:prstGeom>
+              <a:solidFill>
+                <a:schemeClr val="accent4">
+                  <a:lumMod val="60000"/>
+                  <a:lumOff val="40000"/>
+                </a:schemeClr>
+              </a:solidFill>
+              <a:ln>
+                <a:solidFill>
+                  <a:schemeClr val="tx1"/>
+                </a:solidFill>
+              </a:ln>
+            </p:spPr>
+            <p:style>
+              <a:lnRef idx="1">
+                <a:schemeClr val="accent1"/>
+              </a:lnRef>
+              <a:fillRef idx="3">
+                <a:schemeClr val="accent1"/>
+              </a:fillRef>
+              <a:effectRef idx="2">
+                <a:schemeClr val="accent1"/>
+              </a:effectRef>
+              <a:fontRef idx="minor">
+                <a:schemeClr val="lt1"/>
+              </a:fontRef>
+            </p:style>
+            <p:txBody>
+              <a:bodyPr rtlCol="0" anchor="ctr"/>
+              <a:lstStyle/>
+              <a:p>
+                <a:pPr algn="ctr"/>
+                <a:endParaRPr lang="en-US"/>
+              </a:p>
+            </p:txBody>
+          </p:sp>
+          <p:sp>
+            <p:nvSpPr>
+              <p:cNvPr id="609" name="Rectangle 608"/>
+              <p:cNvSpPr/>
+              <p:nvPr/>
+            </p:nvSpPr>
+            <p:spPr>
+              <a:xfrm>
+                <a:off x="4359808" y="4409273"/>
+                <a:ext cx="500706" cy="464018"/>
+              </a:xfrm>
+              <a:prstGeom prst="rect">
+                <a:avLst/>
+              </a:prstGeom>
+              <a:solidFill>
+                <a:schemeClr val="accent4">
+                  <a:lumMod val="60000"/>
+                  <a:lumOff val="40000"/>
+                </a:schemeClr>
+              </a:solidFill>
+              <a:ln>
+                <a:solidFill>
+                  <a:schemeClr val="tx1"/>
+                </a:solidFill>
+              </a:ln>
+            </p:spPr>
+            <p:style>
+              <a:lnRef idx="1">
+                <a:schemeClr val="accent1"/>
+              </a:lnRef>
+              <a:fillRef idx="3">
+                <a:schemeClr val="accent1"/>
+              </a:fillRef>
+              <a:effectRef idx="2">
+                <a:schemeClr val="accent1"/>
+              </a:effectRef>
+              <a:fontRef idx="minor">
+                <a:schemeClr val="lt1"/>
+              </a:fontRef>
+            </p:style>
+            <p:txBody>
+              <a:bodyPr rtlCol="0" anchor="ctr"/>
+              <a:lstStyle/>
+              <a:p>
+                <a:pPr algn="ctr"/>
+                <a:endParaRPr lang="en-US"/>
+              </a:p>
+            </p:txBody>
+          </p:sp>
+          <p:sp>
+            <p:nvSpPr>
+              <p:cNvPr id="610" name="Rectangle 609"/>
+              <p:cNvSpPr/>
+              <p:nvPr/>
+            </p:nvSpPr>
+            <p:spPr>
+              <a:xfrm>
+                <a:off x="7077041" y="5338898"/>
+                <a:ext cx="500706" cy="464018"/>
+              </a:xfrm>
+              <a:prstGeom prst="rect">
+                <a:avLst/>
+              </a:prstGeom>
+              <a:solidFill>
+                <a:schemeClr val="accent4">
+                  <a:lumMod val="60000"/>
+                  <a:lumOff val="40000"/>
+                </a:schemeClr>
+              </a:solidFill>
+              <a:ln>
+                <a:solidFill>
+                  <a:schemeClr val="tx1"/>
+                </a:solidFill>
+              </a:ln>
+            </p:spPr>
+            <p:style>
+              <a:lnRef idx="1">
+                <a:schemeClr val="accent1"/>
+              </a:lnRef>
+              <a:fillRef idx="3">
+                <a:schemeClr val="accent1"/>
+              </a:fillRef>
+              <a:effectRef idx="2">
+                <a:schemeClr val="accent1"/>
+              </a:effectRef>
+              <a:fontRef idx="minor">
+                <a:schemeClr val="lt1"/>
+              </a:fontRef>
+            </p:style>
+            <p:txBody>
+              <a:bodyPr rtlCol="0" anchor="ctr"/>
+              <a:lstStyle/>
+              <a:p>
+                <a:pPr algn="ctr"/>
+                <a:endParaRPr lang="en-US"/>
+              </a:p>
+            </p:txBody>
+          </p:sp>
+          <p:sp>
+            <p:nvSpPr>
+              <p:cNvPr id="611" name="Rectangle 610"/>
+              <p:cNvSpPr/>
+              <p:nvPr/>
+            </p:nvSpPr>
+            <p:spPr>
+              <a:xfrm>
+                <a:off x="6826689" y="4410862"/>
+                <a:ext cx="500706" cy="464018"/>
+              </a:xfrm>
+              <a:prstGeom prst="rect">
+                <a:avLst/>
+              </a:prstGeom>
+              <a:solidFill>
+                <a:schemeClr val="accent4">
+                  <a:lumMod val="60000"/>
+                  <a:lumOff val="40000"/>
+                </a:schemeClr>
+              </a:solidFill>
+              <a:ln>
+                <a:solidFill>
+                  <a:schemeClr val="tx1"/>
+                </a:solidFill>
+              </a:ln>
+            </p:spPr>
+            <p:style>
+              <a:lnRef idx="1">
+                <a:schemeClr val="accent1"/>
+              </a:lnRef>
+              <a:fillRef idx="3">
+                <a:schemeClr val="accent1"/>
+              </a:fillRef>
+              <a:effectRef idx="2">
+                <a:schemeClr val="accent1"/>
+              </a:effectRef>
+              <a:fontRef idx="minor">
+                <a:schemeClr val="lt1"/>
+              </a:fontRef>
+            </p:style>
+            <p:txBody>
+              <a:bodyPr rtlCol="0" anchor="ctr"/>
+              <a:lstStyle/>
+              <a:p>
+                <a:pPr algn="ctr"/>
+                <a:endParaRPr lang="en-US"/>
+              </a:p>
+            </p:txBody>
+          </p:sp>
+          <p:sp>
+            <p:nvSpPr>
+              <p:cNvPr id="612" name="Rectangle 611"/>
+              <p:cNvSpPr/>
+              <p:nvPr/>
+            </p:nvSpPr>
+            <p:spPr>
+              <a:xfrm>
+                <a:off x="5611573" y="2967272"/>
+                <a:ext cx="500706" cy="464018"/>
+              </a:xfrm>
+              <a:prstGeom prst="rect">
+                <a:avLst/>
+              </a:prstGeom>
+              <a:solidFill>
+                <a:schemeClr val="accent4">
+                  <a:lumMod val="60000"/>
+                  <a:lumOff val="40000"/>
+                </a:schemeClr>
+              </a:solidFill>
+              <a:ln>
+                <a:solidFill>
+                  <a:schemeClr val="tx1"/>
+                </a:solidFill>
+              </a:ln>
+            </p:spPr>
+            <p:style>
+              <a:lnRef idx="1">
+                <a:schemeClr val="accent1"/>
+              </a:lnRef>
+              <a:fillRef idx="3">
+                <a:schemeClr val="accent1"/>
+              </a:fillRef>
+              <a:effectRef idx="2">
+                <a:schemeClr val="accent1"/>
+              </a:effectRef>
+              <a:fontRef idx="minor">
+                <a:schemeClr val="lt1"/>
+              </a:fontRef>
+            </p:style>
+            <p:txBody>
+              <a:bodyPr rtlCol="0" anchor="ctr"/>
+              <a:lstStyle/>
+              <a:p>
+                <a:pPr algn="ctr"/>
+                <a:endParaRPr lang="en-US"/>
+              </a:p>
+            </p:txBody>
+          </p:sp>
+          <p:cxnSp>
+            <p:nvCxnSpPr>
+              <p:cNvPr id="613" name="Straight Arrow Connector 612"/>
+              <p:cNvCxnSpPr>
+                <a:stCxn id="609" idx="2"/>
+                <a:endCxn id="620" idx="0"/>
+              </p:cNvCxnSpPr>
+              <p:nvPr/>
+            </p:nvCxnSpPr>
+            <p:spPr>
+              <a:xfrm rot="16200000" flipH="1">
+                <a:off x="4503328" y="4980123"/>
+                <a:ext cx="464018" cy="250353"/>
+              </a:xfrm>
+              <a:prstGeom prst="straightConnector1">
+                <a:avLst/>
+              </a:prstGeom>
+              <a:ln w="28575" cmpd="sng">
+                <a:solidFill>
+                  <a:schemeClr val="tx1"/>
+                </a:solidFill>
+                <a:headEnd type="triangle"/>
+                <a:tailEnd type="none"/>
+              </a:ln>
+            </p:spPr>
+            <p:style>
+              <a:lnRef idx="2">
+                <a:schemeClr val="accent1"/>
+              </a:lnRef>
+              <a:fillRef idx="0">
+                <a:schemeClr val="accent1"/>
+              </a:fillRef>
+              <a:effectRef idx="1">
+                <a:schemeClr val="accent1"/>
+              </a:effectRef>
+              <a:fontRef idx="minor">
+                <a:schemeClr val="tx1"/>
+              </a:fontRef>
+            </p:style>
+          </p:cxnSp>
+          <p:cxnSp>
+            <p:nvCxnSpPr>
+              <p:cNvPr id="614" name="Straight Arrow Connector 613"/>
+              <p:cNvCxnSpPr>
+                <a:stCxn id="609" idx="2"/>
+                <a:endCxn id="607" idx="0"/>
+              </p:cNvCxnSpPr>
+              <p:nvPr/>
+            </p:nvCxnSpPr>
+            <p:spPr>
+              <a:xfrm rot="5400000">
+                <a:off x="4252976" y="4980124"/>
+                <a:ext cx="464018" cy="250353"/>
+              </a:xfrm>
+              <a:prstGeom prst="straightConnector1">
+                <a:avLst/>
+              </a:prstGeom>
+              <a:ln w="28575" cmpd="sng">
+                <a:solidFill>
+                  <a:schemeClr val="tx1"/>
+                </a:solidFill>
+                <a:headEnd type="triangle"/>
+                <a:tailEnd type="none"/>
+              </a:ln>
+            </p:spPr>
+            <p:style>
+              <a:lnRef idx="2">
+                <a:schemeClr val="accent1"/>
+              </a:lnRef>
+              <a:fillRef idx="0">
+                <a:schemeClr val="accent1"/>
+              </a:fillRef>
+              <a:effectRef idx="1">
+                <a:schemeClr val="accent1"/>
+              </a:effectRef>
+              <a:fontRef idx="minor">
+                <a:schemeClr val="tx1"/>
+              </a:fontRef>
+            </p:style>
+          </p:cxnSp>
+          <p:cxnSp>
+            <p:nvCxnSpPr>
+              <p:cNvPr id="615" name="Straight Arrow Connector 614"/>
+              <p:cNvCxnSpPr>
+                <a:stCxn id="622" idx="3"/>
+                <a:endCxn id="621" idx="1"/>
+              </p:cNvCxnSpPr>
+              <p:nvPr/>
+            </p:nvCxnSpPr>
+            <p:spPr>
+              <a:xfrm>
+                <a:off x="6112280" y="5570906"/>
+                <a:ext cx="464056" cy="1"/>
+              </a:xfrm>
+              <a:prstGeom prst="straightConnector1">
+                <a:avLst/>
+              </a:prstGeom>
+              <a:ln w="28575" cmpd="sng">
+                <a:solidFill>
+                  <a:schemeClr val="tx1"/>
+                </a:solidFill>
+                <a:prstDash val="sysDash"/>
+                <a:tailEnd type="none"/>
+              </a:ln>
+            </p:spPr>
+            <p:style>
+              <a:lnRef idx="2">
+                <a:schemeClr val="accent1"/>
+              </a:lnRef>
+              <a:fillRef idx="0">
+                <a:schemeClr val="accent1"/>
+              </a:fillRef>
+              <a:effectRef idx="1">
+                <a:schemeClr val="accent1"/>
+              </a:effectRef>
+              <a:fontRef idx="minor">
+                <a:schemeClr val="tx1"/>
+              </a:fontRef>
+            </p:style>
+          </p:cxnSp>
+          <p:cxnSp>
+            <p:nvCxnSpPr>
+              <p:cNvPr id="616" name="Straight Arrow Connector 615"/>
+              <p:cNvCxnSpPr>
+                <a:stCxn id="611" idx="2"/>
+                <a:endCxn id="621" idx="0"/>
+              </p:cNvCxnSpPr>
+              <p:nvPr/>
+            </p:nvCxnSpPr>
+            <p:spPr>
+              <a:xfrm rot="5400000">
+                <a:off x="6719857" y="4981713"/>
+                <a:ext cx="464018" cy="250353"/>
+              </a:xfrm>
+              <a:prstGeom prst="straightConnector1">
+                <a:avLst/>
+              </a:prstGeom>
+              <a:ln w="28575" cmpd="sng">
+                <a:solidFill>
+                  <a:schemeClr val="tx1"/>
+                </a:solidFill>
+                <a:headEnd type="triangle"/>
+                <a:tailEnd type="none"/>
+              </a:ln>
+            </p:spPr>
+            <p:style>
+              <a:lnRef idx="2">
+                <a:schemeClr val="accent1"/>
+              </a:lnRef>
+              <a:fillRef idx="0">
+                <a:schemeClr val="accent1"/>
+              </a:fillRef>
+              <a:effectRef idx="1">
+                <a:schemeClr val="accent1"/>
+              </a:effectRef>
+              <a:fontRef idx="minor">
+                <a:schemeClr val="tx1"/>
+              </a:fontRef>
+            </p:style>
+          </p:cxnSp>
+          <p:cxnSp>
+            <p:nvCxnSpPr>
+              <p:cNvPr id="617" name="Straight Arrow Connector 616"/>
+              <p:cNvCxnSpPr>
+                <a:stCxn id="611" idx="2"/>
+                <a:endCxn id="610" idx="0"/>
+              </p:cNvCxnSpPr>
+              <p:nvPr/>
+            </p:nvCxnSpPr>
+            <p:spPr>
+              <a:xfrm rot="16200000" flipH="1">
+                <a:off x="6970209" y="4981713"/>
+                <a:ext cx="464018" cy="250352"/>
+              </a:xfrm>
+              <a:prstGeom prst="straightConnector1">
+                <a:avLst/>
+              </a:prstGeom>
+              <a:ln w="28575" cmpd="sng">
+                <a:solidFill>
+                  <a:schemeClr val="tx1"/>
+                </a:solidFill>
+                <a:headEnd type="triangle"/>
+                <a:tailEnd type="none"/>
+              </a:ln>
+            </p:spPr>
+            <p:style>
+              <a:lnRef idx="2">
+                <a:schemeClr val="accent1"/>
+              </a:lnRef>
+              <a:fillRef idx="0">
+                <a:schemeClr val="accent1"/>
+              </a:fillRef>
+              <a:effectRef idx="1">
+                <a:schemeClr val="accent1"/>
+              </a:effectRef>
+              <a:fontRef idx="minor">
+                <a:schemeClr val="tx1"/>
+              </a:fontRef>
+            </p:style>
+          </p:cxnSp>
+          <p:cxnSp>
+            <p:nvCxnSpPr>
+              <p:cNvPr id="618" name="Straight Arrow Connector 617"/>
+              <p:cNvCxnSpPr>
+                <a:stCxn id="612" idx="2"/>
+                <a:endCxn id="609" idx="0"/>
+              </p:cNvCxnSpPr>
+              <p:nvPr/>
+            </p:nvCxnSpPr>
+            <p:spPr>
+              <a:xfrm rot="5400000">
+                <a:off x="4747053" y="3294399"/>
+                <a:ext cx="977983" cy="1251765"/>
+              </a:xfrm>
+              <a:prstGeom prst="straightConnector1">
+                <a:avLst/>
+              </a:prstGeom>
+              <a:ln w="28575" cmpd="sng">
+                <a:solidFill>
+                  <a:schemeClr val="tx1"/>
+                </a:solidFill>
+                <a:prstDash val="sysDash"/>
+                <a:headEnd type="triangle"/>
+                <a:tailEnd type="none"/>
+              </a:ln>
+            </p:spPr>
+            <p:style>
+              <a:lnRef idx="2">
+                <a:schemeClr val="accent1"/>
+              </a:lnRef>
+              <a:fillRef idx="0">
+                <a:schemeClr val="accent1"/>
+              </a:fillRef>
+              <a:effectRef idx="1">
+                <a:schemeClr val="accent1"/>
+              </a:effectRef>
+              <a:fontRef idx="minor">
+                <a:schemeClr val="tx1"/>
+              </a:fontRef>
+            </p:style>
+          </p:cxnSp>
+          <p:cxnSp>
+            <p:nvCxnSpPr>
+              <p:cNvPr id="619" name="Straight Arrow Connector 618"/>
+              <p:cNvCxnSpPr>
+                <a:stCxn id="612" idx="2"/>
+                <a:endCxn id="611" idx="0"/>
+              </p:cNvCxnSpPr>
+              <p:nvPr/>
+            </p:nvCxnSpPr>
+            <p:spPr>
+              <a:xfrm rot="16200000" flipH="1">
+                <a:off x="5979698" y="3313518"/>
+                <a:ext cx="979572" cy="1215116"/>
+              </a:xfrm>
+              <a:prstGeom prst="straightConnector1">
+                <a:avLst/>
+              </a:prstGeom>
+              <a:ln w="28575" cmpd="sng">
+                <a:solidFill>
+                  <a:schemeClr val="tx1"/>
+                </a:solidFill>
+                <a:prstDash val="sysDash"/>
+                <a:headEnd type="triangle"/>
+                <a:tailEnd type="none"/>
+              </a:ln>
+            </p:spPr>
+            <p:style>
+              <a:lnRef idx="2">
+                <a:schemeClr val="accent1"/>
+              </a:lnRef>
+              <a:fillRef idx="0">
+                <a:schemeClr val="accent1"/>
+              </a:fillRef>
+              <a:effectRef idx="1">
+                <a:schemeClr val="accent1"/>
+              </a:effectRef>
+              <a:fontRef idx="minor">
+                <a:schemeClr val="tx1"/>
+              </a:fontRef>
+            </p:style>
+          </p:cxnSp>
+          <p:sp>
+            <p:nvSpPr>
+              <p:cNvPr id="620" name="Rectangle 619"/>
+              <p:cNvSpPr/>
+              <p:nvPr/>
+            </p:nvSpPr>
+            <p:spPr>
+              <a:xfrm>
+                <a:off x="4610161" y="5337309"/>
+                <a:ext cx="500706" cy="464018"/>
+              </a:xfrm>
+              <a:prstGeom prst="rect">
+                <a:avLst/>
+              </a:prstGeom>
+              <a:solidFill>
+                <a:schemeClr val="accent4">
+                  <a:lumMod val="60000"/>
+                  <a:lumOff val="40000"/>
+                </a:schemeClr>
+              </a:solidFill>
+              <a:ln>
+                <a:solidFill>
+                  <a:schemeClr val="tx1"/>
+                </a:solidFill>
+              </a:ln>
+            </p:spPr>
+            <p:style>
+              <a:lnRef idx="1">
+                <a:schemeClr val="accent1"/>
+              </a:lnRef>
+              <a:fillRef idx="3">
+                <a:schemeClr val="accent1"/>
+              </a:fillRef>
+              <a:effectRef idx="2">
+                <a:schemeClr val="accent1"/>
+              </a:effectRef>
+              <a:fontRef idx="minor">
+                <a:schemeClr val="lt1"/>
+              </a:fontRef>
+            </p:style>
+            <p:txBody>
+              <a:bodyPr rtlCol="0" anchor="ctr"/>
+              <a:lstStyle/>
+              <a:p>
+                <a:pPr algn="ctr"/>
+                <a:endParaRPr lang="en-US"/>
+              </a:p>
+            </p:txBody>
+          </p:sp>
+          <p:sp>
+            <p:nvSpPr>
+              <p:cNvPr id="621" name="Rectangle 620"/>
+              <p:cNvSpPr/>
+              <p:nvPr/>
+            </p:nvSpPr>
+            <p:spPr>
+              <a:xfrm>
+                <a:off x="6576336" y="5338898"/>
+                <a:ext cx="500706" cy="464018"/>
+              </a:xfrm>
+              <a:prstGeom prst="rect">
+                <a:avLst/>
+              </a:prstGeom>
+              <a:solidFill>
+                <a:schemeClr val="accent4">
+                  <a:lumMod val="60000"/>
+                  <a:lumOff val="40000"/>
+                </a:schemeClr>
+              </a:solidFill>
+              <a:ln>
+                <a:solidFill>
+                  <a:schemeClr val="tx1"/>
+                </a:solidFill>
+              </a:ln>
+            </p:spPr>
+            <p:style>
+              <a:lnRef idx="1">
+                <a:schemeClr val="accent1"/>
+              </a:lnRef>
+              <a:fillRef idx="3">
+                <a:schemeClr val="accent1"/>
+              </a:fillRef>
+              <a:effectRef idx="2">
+                <a:schemeClr val="accent1"/>
+              </a:effectRef>
+              <a:fontRef idx="minor">
+                <a:schemeClr val="lt1"/>
+              </a:fontRef>
+            </p:style>
+            <p:txBody>
+              <a:bodyPr rtlCol="0" anchor="ctr"/>
+              <a:lstStyle/>
+              <a:p>
+                <a:pPr algn="ctr"/>
+                <a:endParaRPr lang="en-US"/>
+              </a:p>
+            </p:txBody>
+          </p:sp>
+          <p:sp>
+            <p:nvSpPr>
+              <p:cNvPr id="622" name="Rectangle 621"/>
+              <p:cNvSpPr/>
+              <p:nvPr/>
+            </p:nvSpPr>
+            <p:spPr>
+              <a:xfrm>
+                <a:off x="5611574" y="5338897"/>
+                <a:ext cx="500706" cy="464018"/>
+              </a:xfrm>
+              <a:prstGeom prst="rect">
+                <a:avLst/>
+              </a:prstGeom>
+              <a:solidFill>
+                <a:schemeClr val="accent4">
+                  <a:lumMod val="60000"/>
+                  <a:lumOff val="40000"/>
+                </a:schemeClr>
+              </a:solidFill>
+              <a:ln>
+                <a:solidFill>
+                  <a:schemeClr val="tx1"/>
+                </a:solidFill>
+              </a:ln>
+            </p:spPr>
+            <p:style>
+              <a:lnRef idx="1">
+                <a:schemeClr val="accent1"/>
+              </a:lnRef>
+              <a:fillRef idx="3">
+                <a:schemeClr val="accent1"/>
+              </a:fillRef>
+              <a:effectRef idx="2">
+                <a:schemeClr val="accent1"/>
+              </a:effectRef>
+              <a:fontRef idx="minor">
+                <a:schemeClr val="lt1"/>
+              </a:fontRef>
+            </p:style>
+            <p:txBody>
+              <a:bodyPr rtlCol="0" anchor="ctr"/>
+              <a:lstStyle/>
+              <a:p>
+                <a:pPr algn="ctr"/>
+                <a:endParaRPr lang="en-US"/>
+              </a:p>
+            </p:txBody>
+          </p:sp>
+          <p:sp>
+            <p:nvSpPr>
+              <p:cNvPr id="623" name="Rectangle 622"/>
+              <p:cNvSpPr/>
+              <p:nvPr/>
+            </p:nvSpPr>
+            <p:spPr>
+              <a:xfrm>
+                <a:off x="5361221" y="4409272"/>
+                <a:ext cx="500706" cy="464018"/>
+              </a:xfrm>
+              <a:prstGeom prst="rect">
+                <a:avLst/>
+              </a:prstGeom>
+              <a:solidFill>
+                <a:schemeClr val="accent4">
+                  <a:lumMod val="60000"/>
+                  <a:lumOff val="40000"/>
+                </a:schemeClr>
+              </a:solidFill>
+              <a:ln>
+                <a:solidFill>
+                  <a:schemeClr val="tx1"/>
+                </a:solidFill>
+              </a:ln>
+            </p:spPr>
+            <p:style>
+              <a:lnRef idx="1">
+                <a:schemeClr val="accent1"/>
+              </a:lnRef>
+              <a:fillRef idx="3">
+                <a:schemeClr val="accent1"/>
+              </a:fillRef>
+              <a:effectRef idx="2">
+                <a:schemeClr val="accent1"/>
+              </a:effectRef>
+              <a:fontRef idx="minor">
+                <a:schemeClr val="lt1"/>
+              </a:fontRef>
+            </p:style>
+            <p:txBody>
+              <a:bodyPr rtlCol="0" anchor="ctr"/>
+              <a:lstStyle/>
+              <a:p>
+                <a:pPr algn="ctr"/>
+                <a:endParaRPr lang="en-US"/>
+              </a:p>
+            </p:txBody>
+          </p:sp>
+          <p:cxnSp>
+            <p:nvCxnSpPr>
+              <p:cNvPr id="624" name="Straight Arrow Connector 623"/>
+              <p:cNvCxnSpPr>
+                <a:stCxn id="623" idx="2"/>
+              </p:cNvCxnSpPr>
+              <p:nvPr/>
+            </p:nvCxnSpPr>
+            <p:spPr>
+              <a:xfrm rot="5400000">
+                <a:off x="5253592" y="4980918"/>
+                <a:ext cx="465610" cy="250354"/>
+              </a:xfrm>
+              <a:prstGeom prst="straightConnector1">
+                <a:avLst/>
+              </a:prstGeom>
+              <a:ln w="28575" cmpd="sng">
+                <a:solidFill>
+                  <a:schemeClr val="tx1"/>
+                </a:solidFill>
+                <a:headEnd type="triangle"/>
+                <a:tailEnd type="none"/>
+              </a:ln>
+            </p:spPr>
+            <p:style>
+              <a:lnRef idx="2">
+                <a:schemeClr val="accent1"/>
+              </a:lnRef>
+              <a:fillRef idx="0">
+                <a:schemeClr val="accent1"/>
+              </a:fillRef>
+              <a:effectRef idx="1">
+                <a:schemeClr val="accent1"/>
+              </a:effectRef>
+              <a:fontRef idx="minor">
+                <a:schemeClr val="tx1"/>
+              </a:fontRef>
+            </p:style>
+          </p:cxnSp>
+          <p:cxnSp>
+            <p:nvCxnSpPr>
+              <p:cNvPr id="625" name="Straight Arrow Connector 624"/>
+              <p:cNvCxnSpPr>
+                <a:endCxn id="622" idx="0"/>
+              </p:cNvCxnSpPr>
+              <p:nvPr/>
+            </p:nvCxnSpPr>
+            <p:spPr>
+              <a:xfrm rot="16200000" flipH="1">
+                <a:off x="5503947" y="4980916"/>
+                <a:ext cx="465607" cy="250353"/>
+              </a:xfrm>
+              <a:prstGeom prst="straightConnector1">
+                <a:avLst/>
+              </a:prstGeom>
+              <a:ln w="28575" cmpd="sng">
+                <a:solidFill>
+                  <a:schemeClr val="tx1"/>
+                </a:solidFill>
+                <a:headEnd type="triangle"/>
+                <a:tailEnd type="none"/>
+              </a:ln>
+            </p:spPr>
+            <p:style>
+              <a:lnRef idx="2">
+                <a:schemeClr val="accent1"/>
+              </a:lnRef>
+              <a:fillRef idx="0">
+                <a:schemeClr val="accent1"/>
+              </a:fillRef>
+              <a:effectRef idx="1">
+                <a:schemeClr val="accent1"/>
+              </a:effectRef>
+              <a:fontRef idx="minor">
+                <a:schemeClr val="tx1"/>
+              </a:fontRef>
+            </p:style>
+          </p:cxnSp>
+          <p:cxnSp>
+            <p:nvCxnSpPr>
+              <p:cNvPr id="626" name="Straight Arrow Connector 625"/>
+              <p:cNvCxnSpPr>
+                <a:stCxn id="612" idx="2"/>
+                <a:endCxn id="623" idx="0"/>
+              </p:cNvCxnSpPr>
+              <p:nvPr/>
+            </p:nvCxnSpPr>
+            <p:spPr>
+              <a:xfrm rot="5400000">
+                <a:off x="5247759" y="3795105"/>
+                <a:ext cx="977982" cy="250352"/>
+              </a:xfrm>
+              <a:prstGeom prst="straightConnector1">
+                <a:avLst/>
+              </a:prstGeom>
+              <a:ln w="28575" cmpd="sng">
+                <a:solidFill>
+                  <a:schemeClr val="tx1"/>
+                </a:solidFill>
+                <a:prstDash val="sysDash"/>
+                <a:headEnd type="triangle"/>
+                <a:tailEnd type="none"/>
+              </a:ln>
+            </p:spPr>
+            <p:style>
+              <a:lnRef idx="2">
+                <a:schemeClr val="accent1"/>
+              </a:lnRef>
+              <a:fillRef idx="0">
+                <a:schemeClr val="accent1"/>
+              </a:fillRef>
+              <a:effectRef idx="1">
+                <a:schemeClr val="accent1"/>
+              </a:effectRef>
+              <a:fontRef idx="minor">
+                <a:schemeClr val="tx1"/>
+              </a:fontRef>
+            </p:style>
+          </p:cxnSp>
+        </p:grpSp>
+        <p:sp>
+          <p:nvSpPr>
+            <p:cNvPr id="651" name="Title 1"/>
+            <p:cNvSpPr txBox="1">
+              <a:spLocks/>
+            </p:cNvSpPr>
+            <p:nvPr/>
+          </p:nvSpPr>
+          <p:spPr bwMode="auto">
+            <a:xfrm>
+              <a:off x="1592247" y="13784111"/>
+              <a:ext cx="4416768" cy="465392"/>
+            </a:xfrm>
+            <a:prstGeom prst="rect">
+              <a:avLst/>
+            </a:prstGeom>
+            <a:noFill/>
+            <a:ln w="9525">
+              <a:noFill/>
+              <a:miter lim="800000"/>
+              <a:headEnd/>
+              <a:tailEnd/>
+            </a:ln>
+          </p:spPr>
+          <p:txBody>
+            <a:bodyPr vert="horz" wrap="square" lIns="65306" tIns="32653" rIns="65306" bIns="65306" numCol="1" anchor="b" anchorCtr="0" compatLnSpc="1">
+              <a:prstTxWarp prst="textNoShape">
+                <a:avLst/>
+              </a:prstTxWarp>
+            </a:bodyPr>
+            <a:lstStyle/>
+            <a:p>
+              <a:pPr algn="ctr" defTabSz="653064" fontAlgn="base">
+                <a:spcBef>
+                  <a:spcPct val="0"/>
+                </a:spcBef>
+                <a:spcAft>
+                  <a:spcPct val="0"/>
+                </a:spcAft>
+                <a:defRPr/>
+              </a:pPr>
+              <a:r>
+                <a:rPr lang="en-US" sz="2000" dirty="0" err="1" smtClean="0">
+                  <a:solidFill>
+                    <a:srgbClr val="0000FF"/>
+                  </a:solidFill>
+                  <a:latin typeface="Monaco"/>
+                  <a:cs typeface="Monaco"/>
+                </a:rPr>
+                <a:t>pfunc::parallel_for</a:t>
+              </a:r>
+              <a:endParaRPr lang="en-US" sz="2000" b="1" dirty="0" smtClean="0">
+                <a:solidFill>
+                  <a:srgbClr val="0000FF"/>
+                </a:solidFill>
+                <a:latin typeface="Franklin Gothic Book"/>
+                <a:ea typeface="ＭＳ Ｐゴシック" charset="-128"/>
+                <a:cs typeface="ＭＳ Ｐゴシック" charset="-128"/>
+              </a:endParaRPr>
+            </a:p>
+          </p:txBody>
+        </p:sp>
+        <p:grpSp>
+          <p:nvGrpSpPr>
+            <p:cNvPr id="636" name="Group 635"/>
+            <p:cNvGrpSpPr/>
+            <p:nvPr/>
+          </p:nvGrpSpPr>
+          <p:grpSpPr>
+            <a:xfrm>
+              <a:off x="2204793" y="14542426"/>
+              <a:ext cx="3379766" cy="311463"/>
+              <a:chOff x="1856278" y="3644744"/>
+              <a:chExt cx="4506354" cy="467194"/>
+            </a:xfrm>
+          </p:grpSpPr>
+          <p:sp>
+            <p:nvSpPr>
+              <p:cNvPr id="637" name="Rectangle 636"/>
+              <p:cNvSpPr/>
+              <p:nvPr/>
+            </p:nvSpPr>
+            <p:spPr>
+              <a:xfrm>
+                <a:off x="1856278" y="3644744"/>
+                <a:ext cx="500706" cy="464018"/>
+              </a:xfrm>
+              <a:prstGeom prst="rect">
+                <a:avLst/>
+              </a:prstGeom>
+              <a:solidFill>
+                <a:schemeClr val="accent4">
+                  <a:lumMod val="60000"/>
+                  <a:lumOff val="40000"/>
+                </a:schemeClr>
+              </a:solidFill>
+              <a:ln>
+                <a:solidFill>
+                  <a:schemeClr val="tx1"/>
+                </a:solidFill>
+              </a:ln>
+            </p:spPr>
+            <p:style>
+              <a:lnRef idx="1">
+                <a:schemeClr val="accent1"/>
+              </a:lnRef>
+              <a:fillRef idx="3">
+                <a:schemeClr val="accent1"/>
+              </a:fillRef>
+              <a:effectRef idx="2">
+                <a:schemeClr val="accent1"/>
+              </a:effectRef>
+              <a:fontRef idx="minor">
+                <a:schemeClr val="lt1"/>
+              </a:fontRef>
+            </p:style>
+            <p:txBody>
+              <a:bodyPr rtlCol="0" anchor="ctr"/>
+              <a:lstStyle/>
+              <a:p>
+                <a:pPr algn="ctr"/>
+                <a:endParaRPr lang="en-US"/>
+              </a:p>
+            </p:txBody>
+          </p:sp>
+          <p:sp>
+            <p:nvSpPr>
+              <p:cNvPr id="638" name="Rectangle 637"/>
+              <p:cNvSpPr/>
+              <p:nvPr/>
+            </p:nvSpPr>
+            <p:spPr>
+              <a:xfrm>
+                <a:off x="2857690" y="3644744"/>
+                <a:ext cx="500706" cy="464018"/>
+              </a:xfrm>
+              <a:prstGeom prst="rect">
+                <a:avLst/>
+              </a:prstGeom>
+              <a:solidFill>
+                <a:schemeClr val="accent4">
+                  <a:lumMod val="60000"/>
+                  <a:lumOff val="40000"/>
+                </a:schemeClr>
+              </a:solidFill>
+              <a:ln>
+                <a:solidFill>
+                  <a:schemeClr val="tx1"/>
+                </a:solidFill>
+              </a:ln>
+            </p:spPr>
+            <p:style>
+              <a:lnRef idx="1">
+                <a:schemeClr val="accent1"/>
+              </a:lnRef>
+              <a:fillRef idx="3">
+                <a:schemeClr val="accent1"/>
+              </a:fillRef>
+              <a:effectRef idx="2">
+                <a:schemeClr val="accent1"/>
+              </a:effectRef>
+              <a:fontRef idx="minor">
+                <a:schemeClr val="lt1"/>
+              </a:fontRef>
+            </p:style>
+            <p:txBody>
+              <a:bodyPr rtlCol="0" anchor="ctr"/>
+              <a:lstStyle/>
+              <a:p>
+                <a:pPr algn="ctr"/>
+                <a:endParaRPr lang="en-US"/>
+              </a:p>
+            </p:txBody>
+          </p:sp>
+          <p:cxnSp>
+            <p:nvCxnSpPr>
+              <p:cNvPr id="639" name="Straight Arrow Connector 638"/>
+              <p:cNvCxnSpPr>
+                <a:stCxn id="637" idx="3"/>
+                <a:endCxn id="638" idx="1"/>
+              </p:cNvCxnSpPr>
+              <p:nvPr/>
+            </p:nvCxnSpPr>
+            <p:spPr>
+              <a:xfrm>
+                <a:off x="2356984" y="3876753"/>
+                <a:ext cx="500706" cy="1588"/>
+              </a:xfrm>
+              <a:prstGeom prst="straightConnector1">
+                <a:avLst/>
+              </a:prstGeom>
+              <a:ln w="28575" cmpd="sng">
+                <a:solidFill>
+                  <a:schemeClr val="tx1"/>
+                </a:solidFill>
+                <a:tailEnd type="arrow"/>
+              </a:ln>
+            </p:spPr>
+            <p:style>
+              <a:lnRef idx="2">
+                <a:schemeClr val="accent1"/>
+              </a:lnRef>
+              <a:fillRef idx="0">
+                <a:schemeClr val="accent1"/>
+              </a:fillRef>
+              <a:effectRef idx="1">
+                <a:schemeClr val="accent1"/>
+              </a:effectRef>
+              <a:fontRef idx="minor">
+                <a:schemeClr val="tx1"/>
+              </a:fontRef>
+            </p:style>
+          </p:cxnSp>
+          <p:sp>
+            <p:nvSpPr>
+              <p:cNvPr id="640" name="Rectangle 639"/>
+              <p:cNvSpPr/>
+              <p:nvPr/>
+            </p:nvSpPr>
+            <p:spPr>
+              <a:xfrm>
+                <a:off x="3859102" y="3646332"/>
+                <a:ext cx="500706" cy="464018"/>
+              </a:xfrm>
+              <a:prstGeom prst="rect">
+                <a:avLst/>
+              </a:prstGeom>
+              <a:solidFill>
+                <a:schemeClr val="accent4">
+                  <a:lumMod val="60000"/>
+                  <a:lumOff val="40000"/>
+                </a:schemeClr>
+              </a:solidFill>
+              <a:ln>
+                <a:solidFill>
+                  <a:schemeClr val="tx1"/>
+                </a:solidFill>
+              </a:ln>
+            </p:spPr>
+            <p:style>
+              <a:lnRef idx="1">
+                <a:schemeClr val="accent1"/>
+              </a:lnRef>
+              <a:fillRef idx="3">
+                <a:schemeClr val="accent1"/>
+              </a:fillRef>
+              <a:effectRef idx="2">
+                <a:schemeClr val="accent1"/>
+              </a:effectRef>
+              <a:fontRef idx="minor">
+                <a:schemeClr val="lt1"/>
+              </a:fontRef>
+            </p:style>
+            <p:txBody>
+              <a:bodyPr rtlCol="0" anchor="ctr"/>
+              <a:lstStyle/>
+              <a:p>
+                <a:pPr algn="ctr"/>
+                <a:endParaRPr lang="en-US"/>
+              </a:p>
+            </p:txBody>
+          </p:sp>
+          <p:sp>
+            <p:nvSpPr>
+              <p:cNvPr id="641" name="Rectangle 640"/>
+              <p:cNvSpPr/>
+              <p:nvPr/>
+            </p:nvSpPr>
+            <p:spPr>
+              <a:xfrm>
+                <a:off x="4860514" y="3646332"/>
+                <a:ext cx="500706" cy="464018"/>
+              </a:xfrm>
+              <a:prstGeom prst="rect">
+                <a:avLst/>
+              </a:prstGeom>
+              <a:solidFill>
+                <a:schemeClr val="accent4">
+                  <a:lumMod val="60000"/>
+                  <a:lumOff val="40000"/>
+                </a:schemeClr>
+              </a:solidFill>
+              <a:ln>
+                <a:solidFill>
+                  <a:schemeClr val="tx1"/>
+                </a:solidFill>
+              </a:ln>
+            </p:spPr>
+            <p:style>
+              <a:lnRef idx="1">
+                <a:schemeClr val="accent1"/>
+              </a:lnRef>
+              <a:fillRef idx="3">
+                <a:schemeClr val="accent1"/>
+              </a:fillRef>
+              <a:effectRef idx="2">
+                <a:schemeClr val="accent1"/>
+              </a:effectRef>
+              <a:fontRef idx="minor">
+                <a:schemeClr val="lt1"/>
+              </a:fontRef>
+            </p:style>
+            <p:txBody>
+              <a:bodyPr rtlCol="0" anchor="ctr"/>
+              <a:lstStyle/>
+              <a:p>
+                <a:pPr algn="ctr"/>
+                <a:endParaRPr lang="en-US"/>
+              </a:p>
+            </p:txBody>
+          </p:sp>
+          <p:cxnSp>
+            <p:nvCxnSpPr>
+              <p:cNvPr id="642" name="Straight Arrow Connector 641"/>
+              <p:cNvCxnSpPr>
+                <a:stCxn id="640" idx="3"/>
+                <a:endCxn id="641" idx="1"/>
+              </p:cNvCxnSpPr>
+              <p:nvPr/>
+            </p:nvCxnSpPr>
+            <p:spPr>
+              <a:xfrm>
+                <a:off x="4359808" y="3878341"/>
+                <a:ext cx="500706" cy="1588"/>
+              </a:xfrm>
+              <a:prstGeom prst="straightConnector1">
+                <a:avLst/>
+              </a:prstGeom>
+              <a:ln w="28575" cmpd="sng">
+                <a:solidFill>
+                  <a:schemeClr val="tx1"/>
+                </a:solidFill>
+                <a:tailEnd type="arrow"/>
+              </a:ln>
+            </p:spPr>
+            <p:style>
+              <a:lnRef idx="2">
+                <a:schemeClr val="accent1"/>
+              </a:lnRef>
+              <a:fillRef idx="0">
+                <a:schemeClr val="accent1"/>
+              </a:fillRef>
+              <a:effectRef idx="1">
+                <a:schemeClr val="accent1"/>
+              </a:effectRef>
+              <a:fontRef idx="minor">
+                <a:schemeClr val="tx1"/>
+              </a:fontRef>
+            </p:style>
+          </p:cxnSp>
+          <p:cxnSp>
+            <p:nvCxnSpPr>
+              <p:cNvPr id="643" name="Straight Arrow Connector 642"/>
+              <p:cNvCxnSpPr>
+                <a:stCxn id="638" idx="3"/>
+                <a:endCxn id="640" idx="1"/>
+              </p:cNvCxnSpPr>
+              <p:nvPr/>
+            </p:nvCxnSpPr>
+            <p:spPr>
+              <a:xfrm>
+                <a:off x="3358396" y="3876753"/>
+                <a:ext cx="500706" cy="1588"/>
+              </a:xfrm>
+              <a:prstGeom prst="straightConnector1">
+                <a:avLst/>
+              </a:prstGeom>
+              <a:ln w="28575" cmpd="sng">
+                <a:solidFill>
+                  <a:schemeClr val="tx1"/>
+                </a:solidFill>
+                <a:tailEnd type="arrow"/>
+              </a:ln>
+            </p:spPr>
+            <p:style>
+              <a:lnRef idx="2">
+                <a:schemeClr val="accent1"/>
+              </a:lnRef>
+              <a:fillRef idx="0">
+                <a:schemeClr val="accent1"/>
+              </a:fillRef>
+              <a:effectRef idx="1">
+                <a:schemeClr val="accent1"/>
+              </a:effectRef>
+              <a:fontRef idx="minor">
+                <a:schemeClr val="tx1"/>
+              </a:fontRef>
+            </p:style>
+          </p:cxnSp>
+          <p:sp>
+            <p:nvSpPr>
+              <p:cNvPr id="644" name="Rectangle 643"/>
+              <p:cNvSpPr/>
+              <p:nvPr/>
+            </p:nvSpPr>
+            <p:spPr>
+              <a:xfrm>
+                <a:off x="5861926" y="3647920"/>
+                <a:ext cx="500706" cy="464018"/>
+              </a:xfrm>
+              <a:prstGeom prst="rect">
+                <a:avLst/>
+              </a:prstGeom>
+              <a:solidFill>
+                <a:schemeClr val="accent4">
+                  <a:lumMod val="60000"/>
+                  <a:lumOff val="40000"/>
+                </a:schemeClr>
+              </a:solidFill>
+              <a:ln>
+                <a:solidFill>
+                  <a:schemeClr val="tx1"/>
+                </a:solidFill>
+              </a:ln>
+            </p:spPr>
+            <p:style>
+              <a:lnRef idx="1">
+                <a:schemeClr val="accent1"/>
+              </a:lnRef>
+              <a:fillRef idx="3">
+                <a:schemeClr val="accent1"/>
+              </a:fillRef>
+              <a:effectRef idx="2">
+                <a:schemeClr val="accent1"/>
+              </a:effectRef>
+              <a:fontRef idx="minor">
+                <a:schemeClr val="lt1"/>
+              </a:fontRef>
+            </p:style>
+            <p:txBody>
+              <a:bodyPr rtlCol="0" anchor="ctr"/>
+              <a:lstStyle/>
+              <a:p>
+                <a:pPr algn="ctr"/>
+                <a:endParaRPr lang="en-US"/>
+              </a:p>
+            </p:txBody>
+          </p:sp>
+          <p:cxnSp>
+            <p:nvCxnSpPr>
+              <p:cNvPr id="645" name="Straight Arrow Connector 644"/>
+              <p:cNvCxnSpPr>
+                <a:endCxn id="644" idx="1"/>
+              </p:cNvCxnSpPr>
+              <p:nvPr/>
+            </p:nvCxnSpPr>
+            <p:spPr>
+              <a:xfrm>
+                <a:off x="5361220" y="3879929"/>
+                <a:ext cx="500706" cy="1588"/>
+              </a:xfrm>
+              <a:prstGeom prst="straightConnector1">
+                <a:avLst/>
+              </a:prstGeom>
+              <a:ln w="28575" cmpd="sng">
+                <a:solidFill>
+                  <a:schemeClr val="tx1"/>
+                </a:solidFill>
+                <a:prstDash val="sysDash"/>
+                <a:tailEnd type="arrow"/>
+              </a:ln>
+            </p:spPr>
+            <p:style>
+              <a:lnRef idx="2">
+                <a:schemeClr val="accent1"/>
+              </a:lnRef>
+              <a:fillRef idx="0">
+                <a:schemeClr val="accent1"/>
+              </a:fillRef>
+              <a:effectRef idx="1">
+                <a:schemeClr val="accent1"/>
+              </a:effectRef>
+              <a:fontRef idx="minor">
+                <a:schemeClr val="tx1"/>
+              </a:fontRef>
+            </p:style>
+          </p:cxnSp>
+        </p:grpSp>
+        <p:sp>
+          <p:nvSpPr>
+            <p:cNvPr id="652" name="Title 1"/>
+            <p:cNvSpPr txBox="1">
+              <a:spLocks/>
+            </p:cNvSpPr>
+            <p:nvPr/>
+          </p:nvSpPr>
+          <p:spPr bwMode="auto">
+            <a:xfrm>
+              <a:off x="1720288" y="14914631"/>
+              <a:ext cx="4416768" cy="465392"/>
+            </a:xfrm>
+            <a:prstGeom prst="rect">
+              <a:avLst/>
+            </a:prstGeom>
+            <a:noFill/>
+            <a:ln w="9525">
+              <a:noFill/>
+              <a:miter lim="800000"/>
+              <a:headEnd/>
+              <a:tailEnd/>
+            </a:ln>
+          </p:spPr>
+          <p:txBody>
+            <a:bodyPr vert="horz" wrap="square" lIns="65306" tIns="32653" rIns="65306" bIns="65306" numCol="1" anchor="b" anchorCtr="0" compatLnSpc="1">
+              <a:prstTxWarp prst="textNoShape">
+                <a:avLst/>
+              </a:prstTxWarp>
+            </a:bodyPr>
+            <a:lstStyle/>
+            <a:p>
+              <a:pPr algn="ctr" defTabSz="653064" fontAlgn="base">
+                <a:spcBef>
+                  <a:spcPct val="0"/>
+                </a:spcBef>
+                <a:spcAft>
+                  <a:spcPct val="0"/>
+                </a:spcAft>
+                <a:defRPr/>
+              </a:pPr>
+              <a:r>
+                <a:rPr lang="en-US" sz="2000" dirty="0" err="1" smtClean="0">
+                  <a:solidFill>
+                    <a:srgbClr val="0000FF"/>
+                  </a:solidFill>
+                  <a:latin typeface="Monaco"/>
+                  <a:cs typeface="Monaco"/>
+                </a:rPr>
+                <a:t>pfunc::parallel_while</a:t>
+              </a:r>
+              <a:endParaRPr lang="en-US" sz="2000" b="1" dirty="0" smtClean="0">
+                <a:solidFill>
+                  <a:srgbClr val="0000FF"/>
+                </a:solidFill>
+                <a:latin typeface="Franklin Gothic Book"/>
+                <a:ea typeface="ＭＳ Ｐゴシック" charset="-128"/>
+                <a:cs typeface="ＭＳ Ｐゴシック" charset="-128"/>
+              </a:endParaRPr>
+            </a:p>
+          </p:txBody>
+        </p:sp>
+      </p:grpSp>
+      <p:grpSp>
+        <p:nvGrpSpPr>
+          <p:cNvPr id="165" name="Group 164"/>
+          <p:cNvGrpSpPr/>
+          <p:nvPr/>
+        </p:nvGrpSpPr>
+        <p:grpSpPr>
+          <a:xfrm>
+            <a:off x="21870851" y="10610903"/>
+            <a:ext cx="9870466" cy="5988231"/>
+            <a:chOff x="817737" y="15017019"/>
+            <a:chExt cx="9870466" cy="5988231"/>
+          </a:xfrm>
+        </p:grpSpPr>
+        <p:grpSp>
+          <p:nvGrpSpPr>
+            <p:cNvPr id="591" name="Group 590"/>
+            <p:cNvGrpSpPr/>
+            <p:nvPr/>
+          </p:nvGrpSpPr>
+          <p:grpSpPr>
+            <a:xfrm>
+              <a:off x="817737" y="15017019"/>
+              <a:ext cx="9870466" cy="5988231"/>
+              <a:chOff x="1156084" y="3977189"/>
+              <a:chExt cx="13160621" cy="10169017"/>
+            </a:xfrm>
+          </p:grpSpPr>
+          <p:sp>
+            <p:nvSpPr>
+              <p:cNvPr id="592" name="Rounded Rectangle 591"/>
+              <p:cNvSpPr/>
+              <p:nvPr/>
+            </p:nvSpPr>
+            <p:spPr>
+              <a:xfrm>
+                <a:off x="1156084" y="3977189"/>
+                <a:ext cx="13160621" cy="10169017"/>
+              </a:xfrm>
+              <a:prstGeom prst="roundRect">
+                <a:avLst/>
+              </a:prstGeom>
+              <a:noFill/>
+              <a:ln>
+                <a:solidFill>
+                  <a:schemeClr val="tx1"/>
+                </a:solidFill>
+              </a:ln>
+            </p:spPr>
+            <p:style>
+              <a:lnRef idx="1">
+                <a:schemeClr val="accent1"/>
+              </a:lnRef>
+              <a:fillRef idx="3">
+                <a:schemeClr val="accent1"/>
+              </a:fillRef>
+              <a:effectRef idx="2">
+                <a:schemeClr val="accent1"/>
+              </a:effectRef>
+              <a:fontRef idx="minor">
+                <a:schemeClr val="lt1"/>
+              </a:fontRef>
+            </p:style>
+            <p:txBody>
+              <a:bodyPr rtlCol="0" anchor="ctr"/>
+              <a:lstStyle/>
+              <a:p>
+                <a:pPr algn="ctr"/>
+                <a:endParaRPr lang="en-US" sz="1300" dirty="0"/>
+              </a:p>
+            </p:txBody>
+          </p:sp>
+          <p:sp>
+            <p:nvSpPr>
+              <p:cNvPr id="593" name="Title 1"/>
+              <p:cNvSpPr txBox="1">
+                <a:spLocks/>
+              </p:cNvSpPr>
+              <p:nvPr/>
+            </p:nvSpPr>
+            <p:spPr bwMode="auto">
+              <a:xfrm>
+                <a:off x="3871199" y="4362368"/>
+                <a:ext cx="7772400" cy="750888"/>
+              </a:xfrm>
+              <a:prstGeom prst="rect">
+                <a:avLst/>
+              </a:prstGeom>
+              <a:noFill/>
+              <a:ln w="9525">
+                <a:noFill/>
+                <a:miter lim="800000"/>
+                <a:headEnd/>
+                <a:tailEnd/>
+              </a:ln>
+            </p:spPr>
+            <p:txBody>
+              <a:bodyPr vert="horz" wrap="square" lIns="91440" tIns="45720" rIns="91440" bIns="91440" numCol="1" anchor="b" anchorCtr="0" compatLnSpc="1">
+                <a:prstTxWarp prst="textNoShape">
+                  <a:avLst/>
+                </a:prstTxWarp>
+              </a:bodyPr>
+              <a:lstStyle/>
+              <a:p>
+                <a:pPr algn="ctr" defTabSz="653064" fontAlgn="base">
+                  <a:spcBef>
+                    <a:spcPct val="0"/>
+                  </a:spcBef>
+                  <a:spcAft>
+                    <a:spcPct val="0"/>
+                  </a:spcAft>
+                  <a:defRPr/>
+                </a:pPr>
+                <a:r>
+                  <a:rPr lang="en-US" sz="2600" b="1" dirty="0" smtClean="0">
+                    <a:latin typeface="Franklin Gothic Book"/>
+                    <a:ea typeface="ＭＳ Ｐゴシック" charset="-128"/>
+                    <a:cs typeface="ＭＳ Ｐゴシック" charset="-128"/>
+                  </a:rPr>
+                  <a:t>Software Architecture</a:t>
+                </a:r>
+              </a:p>
+            </p:txBody>
+          </p:sp>
+        </p:grpSp>
+        <p:grpSp>
+          <p:nvGrpSpPr>
+            <p:cNvPr id="657" name="Group 656"/>
+            <p:cNvGrpSpPr/>
+            <p:nvPr/>
+          </p:nvGrpSpPr>
+          <p:grpSpPr>
+            <a:xfrm>
+              <a:off x="1617392" y="15827237"/>
+              <a:ext cx="8467999" cy="4912092"/>
+              <a:chOff x="2059411" y="1269909"/>
+              <a:chExt cx="4779550" cy="4554419"/>
+            </a:xfrm>
+          </p:grpSpPr>
+          <p:grpSp>
+            <p:nvGrpSpPr>
+              <p:cNvPr id="658" name="Group 49"/>
+              <p:cNvGrpSpPr/>
+              <p:nvPr/>
+            </p:nvGrpSpPr>
+            <p:grpSpPr>
+              <a:xfrm>
+                <a:off x="2059411" y="1269909"/>
+                <a:ext cx="4779550" cy="4554419"/>
+                <a:chOff x="2059411" y="1269909"/>
+                <a:chExt cx="4779550" cy="4554419"/>
+              </a:xfrm>
+            </p:grpSpPr>
+            <p:sp>
+              <p:nvSpPr>
+                <p:cNvPr id="682" name="Rectangle 4"/>
+                <p:cNvSpPr/>
+                <p:nvPr/>
+              </p:nvSpPr>
+              <p:spPr>
+                <a:xfrm>
+                  <a:off x="2059411" y="1269909"/>
+                  <a:ext cx="4762388" cy="403285"/>
+                </a:xfrm>
+                <a:prstGeom prst="rect">
+                  <a:avLst/>
+                </a:prstGeom>
+                <a:solidFill>
+                  <a:schemeClr val="tx1">
+                    <a:lumMod val="50000"/>
+                    <a:lumOff val="50000"/>
+                  </a:schemeClr>
+                </a:solidFill>
+                <a:ln>
+                  <a:noFill/>
+                </a:ln>
+                <a:effectLst/>
+              </p:spPr>
+              <p:style>
+                <a:lnRef idx="1">
+                  <a:schemeClr val="accent1"/>
+                </a:lnRef>
+                <a:fillRef idx="3">
+                  <a:schemeClr val="accent1"/>
+                </a:fillRef>
+                <a:effectRef idx="2">
+                  <a:schemeClr val="accent1"/>
+                </a:effectRef>
+                <a:fontRef idx="minor">
+                  <a:schemeClr val="lt1"/>
+                </a:fontRef>
+              </p:style>
+              <p:txBody>
+                <a:bodyPr rtlCol="0" anchor="ctr"/>
+                <a:lstStyle/>
+                <a:p>
+                  <a:pPr algn="ctr"/>
+                  <a:r>
+                    <a:rPr lang="en-US" sz="2900" dirty="0" smtClean="0">
+                      <a:solidFill>
+                        <a:srgbClr val="000000"/>
+                      </a:solidFill>
+                    </a:rPr>
+                    <a:t>User Applications and Libraries</a:t>
+                  </a:r>
+                  <a:endParaRPr lang="en-US" sz="2900" dirty="0">
+                    <a:solidFill>
+                      <a:srgbClr val="000000"/>
+                    </a:solidFill>
+                  </a:endParaRPr>
+                </a:p>
+              </p:txBody>
+            </p:sp>
+            <p:sp>
+              <p:nvSpPr>
+                <p:cNvPr id="683" name="Rectangle 5"/>
+                <p:cNvSpPr/>
+                <p:nvPr/>
+              </p:nvSpPr>
+              <p:spPr>
+                <a:xfrm>
+                  <a:off x="2076573" y="5206341"/>
+                  <a:ext cx="4762388" cy="617987"/>
+                </a:xfrm>
+                <a:prstGeom prst="rect">
+                  <a:avLst/>
+                </a:prstGeom>
+                <a:solidFill>
+                  <a:schemeClr val="accent3">
+                    <a:lumMod val="75000"/>
+                  </a:schemeClr>
+                </a:solidFill>
+                <a:ln>
+                  <a:noFill/>
+                </a:ln>
+                <a:effectLst/>
+              </p:spPr>
+              <p:style>
+                <a:lnRef idx="1">
+                  <a:schemeClr val="accent1"/>
+                </a:lnRef>
+                <a:fillRef idx="3">
+                  <a:schemeClr val="accent1"/>
+                </a:fillRef>
+                <a:effectRef idx="2">
+                  <a:schemeClr val="accent1"/>
+                </a:effectRef>
+                <a:fontRef idx="minor">
+                  <a:schemeClr val="lt1"/>
+                </a:fontRef>
+              </p:style>
+              <p:txBody>
+                <a:bodyPr rtlCol="0" anchor="ctr"/>
+                <a:lstStyle/>
+                <a:p>
+                  <a:pPr algn="ctr"/>
+                  <a:r>
+                    <a:rPr lang="en-US" sz="3100" dirty="0" smtClean="0">
+                      <a:solidFill>
+                        <a:srgbClr val="000000"/>
+                      </a:solidFill>
+                    </a:rPr>
+                    <a:t>Hardware</a:t>
+                  </a:r>
+                  <a:endParaRPr lang="en-US" sz="3100" dirty="0">
+                    <a:solidFill>
+                      <a:srgbClr val="000000"/>
+                    </a:solidFill>
+                  </a:endParaRPr>
+                </a:p>
+              </p:txBody>
+            </p:sp>
+          </p:grpSp>
+          <p:grpSp>
+            <p:nvGrpSpPr>
+              <p:cNvPr id="659" name="Group 51"/>
+              <p:cNvGrpSpPr/>
+              <p:nvPr/>
+            </p:nvGrpSpPr>
+            <p:grpSpPr>
+              <a:xfrm>
+                <a:off x="4477658" y="4187306"/>
+                <a:ext cx="2361303" cy="1020623"/>
+                <a:chOff x="4477658" y="4187306"/>
+                <a:chExt cx="2361303" cy="1020623"/>
+              </a:xfrm>
+            </p:grpSpPr>
+            <p:sp>
+              <p:nvSpPr>
+                <p:cNvPr id="680" name="Rectangle 6"/>
+                <p:cNvSpPr/>
+                <p:nvPr/>
+              </p:nvSpPr>
+              <p:spPr>
+                <a:xfrm>
+                  <a:off x="4477658" y="4187306"/>
+                  <a:ext cx="2361303" cy="677863"/>
+                </a:xfrm>
+                <a:prstGeom prst="rect">
+                  <a:avLst/>
+                </a:prstGeom>
+                <a:solidFill>
+                  <a:schemeClr val="accent6">
+                    <a:lumMod val="75000"/>
+                  </a:schemeClr>
+                </a:solidFill>
+                <a:ln>
+                  <a:noFill/>
+                </a:ln>
+                <a:effectLst/>
+              </p:spPr>
+              <p:style>
+                <a:lnRef idx="1">
+                  <a:schemeClr val="accent1"/>
+                </a:lnRef>
+                <a:fillRef idx="3">
+                  <a:schemeClr val="accent1"/>
+                </a:fillRef>
+                <a:effectRef idx="2">
+                  <a:schemeClr val="accent1"/>
+                </a:effectRef>
+                <a:fontRef idx="minor">
+                  <a:schemeClr val="lt1"/>
+                </a:fontRef>
+              </p:style>
+              <p:txBody>
+                <a:bodyPr rtlCol="0" anchor="ctr"/>
+                <a:lstStyle/>
+                <a:p>
+                  <a:pPr algn="ctr"/>
+                  <a:r>
+                    <a:rPr lang="en-US" sz="4300" dirty="0" smtClean="0">
+                      <a:solidFill>
+                        <a:srgbClr val="000000"/>
+                      </a:solidFill>
+                    </a:rPr>
+                    <a:t>OS</a:t>
+                  </a:r>
+                  <a:endParaRPr lang="en-US" sz="4300" dirty="0">
+                    <a:solidFill>
+                      <a:srgbClr val="000000"/>
+                    </a:solidFill>
+                  </a:endParaRPr>
+                </a:p>
+              </p:txBody>
+            </p:sp>
+            <p:cxnSp>
+              <p:nvCxnSpPr>
+                <p:cNvPr id="681" name="Straight Arrow Connector 680"/>
+                <p:cNvCxnSpPr/>
+                <p:nvPr/>
+              </p:nvCxnSpPr>
+              <p:spPr>
+                <a:xfrm rot="5400000">
+                  <a:off x="5487327" y="5036152"/>
+                  <a:ext cx="341966" cy="1588"/>
+                </a:xfrm>
+                <a:prstGeom prst="straightConnector1">
+                  <a:avLst/>
+                </a:prstGeom>
+                <a:ln>
+                  <a:headEnd type="arrow"/>
+                  <a:tailEnd type="arrow"/>
+                </a:ln>
+              </p:spPr>
+              <p:style>
+                <a:lnRef idx="2">
+                  <a:schemeClr val="accent1"/>
+                </a:lnRef>
+                <a:fillRef idx="0">
+                  <a:schemeClr val="accent1"/>
+                </a:fillRef>
+                <a:effectRef idx="1">
+                  <a:schemeClr val="accent1"/>
+                </a:effectRef>
+                <a:fontRef idx="minor">
+                  <a:schemeClr val="tx1"/>
+                </a:fontRef>
+              </p:style>
+            </p:cxnSp>
+          </p:grpSp>
+          <p:grpSp>
+            <p:nvGrpSpPr>
+              <p:cNvPr id="660" name="Group 52"/>
+              <p:cNvGrpSpPr/>
+              <p:nvPr/>
+            </p:nvGrpSpPr>
+            <p:grpSpPr>
+              <a:xfrm>
+                <a:off x="3036069" y="3207071"/>
+                <a:ext cx="3785731" cy="2001652"/>
+                <a:chOff x="3036069" y="3207071"/>
+                <a:chExt cx="3785731" cy="2001652"/>
+              </a:xfrm>
+            </p:grpSpPr>
+            <p:grpSp>
+              <p:nvGrpSpPr>
+                <p:cNvPr id="674" name="Group 50"/>
+                <p:cNvGrpSpPr/>
+                <p:nvPr/>
+              </p:nvGrpSpPr>
+              <p:grpSpPr>
+                <a:xfrm>
+                  <a:off x="3036069" y="3207071"/>
+                  <a:ext cx="3785731" cy="1658098"/>
+                  <a:chOff x="3036069" y="3207071"/>
+                  <a:chExt cx="3785731" cy="1658098"/>
+                </a:xfrm>
+              </p:grpSpPr>
+              <p:sp>
+                <p:nvSpPr>
+                  <p:cNvPr id="676" name="Rectangle 675"/>
+                  <p:cNvSpPr/>
+                  <p:nvPr/>
+                </p:nvSpPr>
+                <p:spPr>
+                  <a:xfrm>
+                    <a:off x="3036069" y="4187306"/>
+                    <a:ext cx="1091333" cy="677863"/>
+                  </a:xfrm>
+                  <a:prstGeom prst="rect">
+                    <a:avLst/>
+                  </a:prstGeom>
+                  <a:solidFill>
+                    <a:schemeClr val="accent4">
+                      <a:lumMod val="75000"/>
+                    </a:schemeClr>
+                  </a:solidFill>
+                  <a:ln>
+                    <a:noFill/>
+                  </a:ln>
+                  <a:effectLst/>
+                </p:spPr>
+                <p:style>
+                  <a:lnRef idx="1">
+                    <a:schemeClr val="accent1"/>
+                  </a:lnRef>
+                  <a:fillRef idx="3">
+                    <a:schemeClr val="accent1"/>
+                  </a:fillRef>
+                  <a:effectRef idx="2">
+                    <a:schemeClr val="accent1"/>
+                  </a:effectRef>
+                  <a:fontRef idx="minor">
+                    <a:schemeClr val="lt1"/>
+                  </a:fontRef>
+                </p:style>
+                <p:txBody>
+                  <a:bodyPr rtlCol="0" anchor="ctr"/>
+                  <a:lstStyle/>
+                  <a:p>
+                    <a:pPr algn="ctr"/>
+                    <a:r>
+                      <a:rPr lang="en-US" sz="3400" dirty="0" smtClean="0">
+                        <a:solidFill>
+                          <a:srgbClr val="000000"/>
+                        </a:solidFill>
+                      </a:rPr>
+                      <a:t>PAPI</a:t>
+                    </a:r>
+                    <a:endParaRPr lang="en-US" dirty="0">
+                      <a:solidFill>
+                        <a:srgbClr val="000000"/>
+                      </a:solidFill>
+                    </a:endParaRPr>
+                  </a:p>
+                </p:txBody>
+              </p:sp>
+              <p:sp>
+                <p:nvSpPr>
+                  <p:cNvPr id="677" name="Rectangle 676"/>
+                  <p:cNvSpPr/>
+                  <p:nvPr/>
+                </p:nvSpPr>
+                <p:spPr>
+                  <a:xfrm>
+                    <a:off x="4128862" y="4421033"/>
+                    <a:ext cx="564880" cy="203884"/>
+                  </a:xfrm>
+                  <a:prstGeom prst="rect">
+                    <a:avLst/>
+                  </a:prstGeom>
+                  <a:solidFill>
+                    <a:schemeClr val="accent4">
+                      <a:lumMod val="75000"/>
+                    </a:schemeClr>
+                  </a:solidFill>
+                  <a:ln>
+                    <a:noFill/>
+                  </a:ln>
+                  <a:effectLst/>
+                </p:spPr>
+                <p:style>
+                  <a:lnRef idx="1">
+                    <a:schemeClr val="accent1"/>
+                  </a:lnRef>
+                  <a:fillRef idx="3">
+                    <a:schemeClr val="accent1"/>
+                  </a:fillRef>
+                  <a:effectRef idx="2">
+                    <a:schemeClr val="accent1"/>
+                  </a:effectRef>
+                  <a:fontRef idx="minor">
+                    <a:schemeClr val="lt1"/>
+                  </a:fontRef>
+                </p:style>
+                <p:txBody>
+                  <a:bodyPr rtlCol="0" anchor="ctr"/>
+                  <a:lstStyle/>
+                  <a:p>
+                    <a:pPr algn="ctr"/>
+                    <a:endParaRPr lang="en-US"/>
+                  </a:p>
+                </p:txBody>
+              </p:sp>
+              <p:sp>
+                <p:nvSpPr>
+                  <p:cNvPr id="678" name="Rectangle 677"/>
+                  <p:cNvSpPr/>
+                  <p:nvPr/>
+                </p:nvSpPr>
+                <p:spPr>
+                  <a:xfrm>
+                    <a:off x="5611896" y="3207071"/>
+                    <a:ext cx="1209904" cy="677863"/>
+                  </a:xfrm>
+                  <a:prstGeom prst="rect">
+                    <a:avLst/>
+                  </a:prstGeom>
+                  <a:solidFill>
+                    <a:schemeClr val="accent4">
+                      <a:lumMod val="75000"/>
+                    </a:schemeClr>
+                  </a:solidFill>
+                  <a:ln>
+                    <a:noFill/>
+                  </a:ln>
+                  <a:effectLst/>
+                </p:spPr>
+                <p:style>
+                  <a:lnRef idx="1">
+                    <a:schemeClr val="accent1"/>
+                  </a:lnRef>
+                  <a:fillRef idx="3">
+                    <a:schemeClr val="accent1"/>
+                  </a:fillRef>
+                  <a:effectRef idx="2">
+                    <a:schemeClr val="accent1"/>
+                  </a:effectRef>
+                  <a:fontRef idx="minor">
+                    <a:schemeClr val="lt1"/>
+                  </a:fontRef>
+                </p:style>
+                <p:txBody>
+                  <a:bodyPr rtlCol="0" anchor="ctr"/>
+                  <a:lstStyle/>
+                  <a:p>
+                    <a:pPr algn="ctr"/>
+                    <a:r>
+                      <a:rPr lang="en-US" sz="2900" dirty="0" smtClean="0">
+                        <a:solidFill>
+                          <a:srgbClr val="000000"/>
+                        </a:solidFill>
+                      </a:rPr>
+                      <a:t>Threads</a:t>
+                    </a:r>
+                    <a:endParaRPr lang="en-US" sz="2900" dirty="0">
+                      <a:solidFill>
+                        <a:srgbClr val="000000"/>
+                      </a:solidFill>
+                    </a:endParaRPr>
+                  </a:p>
+                </p:txBody>
+              </p:sp>
+              <p:sp>
+                <p:nvSpPr>
+                  <p:cNvPr id="679" name="Rectangle 18"/>
+                  <p:cNvSpPr/>
+                  <p:nvPr/>
+                </p:nvSpPr>
+                <p:spPr>
+                  <a:xfrm rot="5400000">
+                    <a:off x="5913984" y="4065432"/>
+                    <a:ext cx="564880" cy="203884"/>
+                  </a:xfrm>
+                  <a:prstGeom prst="rect">
+                    <a:avLst/>
+                  </a:prstGeom>
+                  <a:solidFill>
+                    <a:schemeClr val="accent4">
+                      <a:lumMod val="75000"/>
+                    </a:schemeClr>
+                  </a:solidFill>
+                  <a:ln>
+                    <a:noFill/>
+                  </a:ln>
+                  <a:effectLst/>
+                </p:spPr>
+                <p:style>
+                  <a:lnRef idx="1">
+                    <a:schemeClr val="accent1"/>
+                  </a:lnRef>
+                  <a:fillRef idx="3">
+                    <a:schemeClr val="accent1"/>
+                  </a:fillRef>
+                  <a:effectRef idx="2">
+                    <a:schemeClr val="accent1"/>
+                  </a:effectRef>
+                  <a:fontRef idx="minor">
+                    <a:schemeClr val="lt1"/>
+                  </a:fontRef>
+                </p:style>
+                <p:txBody>
+                  <a:bodyPr rtlCol="0" anchor="ctr"/>
+                  <a:lstStyle/>
+                  <a:p>
+                    <a:pPr algn="ctr"/>
+                    <a:endParaRPr lang="en-US"/>
+                  </a:p>
+                </p:txBody>
+              </p:sp>
+            </p:grpSp>
+            <p:cxnSp>
+              <p:nvCxnSpPr>
+                <p:cNvPr id="675" name="Straight Arrow Connector 674"/>
+                <p:cNvCxnSpPr>
+                  <a:stCxn id="676" idx="2"/>
+                </p:cNvCxnSpPr>
+                <p:nvPr/>
+              </p:nvCxnSpPr>
+              <p:spPr>
+                <a:xfrm rot="5400000">
+                  <a:off x="3410356" y="5036549"/>
+                  <a:ext cx="342760" cy="1588"/>
+                </a:xfrm>
+                <a:prstGeom prst="straightConnector1">
+                  <a:avLst/>
+                </a:prstGeom>
+                <a:ln>
+                  <a:headEnd type="arrow"/>
+                  <a:tailEnd type="arrow"/>
+                </a:ln>
+              </p:spPr>
+              <p:style>
+                <a:lnRef idx="2">
+                  <a:schemeClr val="accent1"/>
+                </a:lnRef>
+                <a:fillRef idx="0">
+                  <a:schemeClr val="accent1"/>
+                </a:fillRef>
+                <a:effectRef idx="1">
+                  <a:schemeClr val="accent1"/>
+                </a:effectRef>
+                <a:fontRef idx="minor">
+                  <a:schemeClr val="tx1"/>
+                </a:fontRef>
+              </p:style>
+            </p:cxnSp>
+          </p:grpSp>
+          <p:grpSp>
+            <p:nvGrpSpPr>
+              <p:cNvPr id="661" name="Group 55"/>
+              <p:cNvGrpSpPr/>
+              <p:nvPr/>
+            </p:nvGrpSpPr>
+            <p:grpSpPr>
+              <a:xfrm>
+                <a:off x="2059411" y="1673194"/>
+                <a:ext cx="4762389" cy="3533940"/>
+                <a:chOff x="2059411" y="1673194"/>
+                <a:chExt cx="4762389" cy="3533940"/>
+              </a:xfrm>
+            </p:grpSpPr>
+            <p:grpSp>
+              <p:nvGrpSpPr>
+                <p:cNvPr id="662" name="Group 54"/>
+                <p:cNvGrpSpPr/>
+                <p:nvPr/>
+              </p:nvGrpSpPr>
+              <p:grpSpPr>
+                <a:xfrm>
+                  <a:off x="2059411" y="1982110"/>
+                  <a:ext cx="4762389" cy="3225024"/>
+                  <a:chOff x="2059411" y="1982110"/>
+                  <a:chExt cx="4762389" cy="3225024"/>
+                </a:xfrm>
+              </p:grpSpPr>
+              <p:sp>
+                <p:nvSpPr>
+                  <p:cNvPr id="664" name="Rectangle 663"/>
+                  <p:cNvSpPr/>
+                  <p:nvPr/>
+                </p:nvSpPr>
+                <p:spPr>
+                  <a:xfrm>
+                    <a:off x="2059412" y="1982110"/>
+                    <a:ext cx="4762388" cy="1010451"/>
+                  </a:xfrm>
+                  <a:prstGeom prst="rect">
+                    <a:avLst/>
+                  </a:prstGeom>
+                  <a:solidFill>
+                    <a:schemeClr val="bg2">
+                      <a:lumMod val="75000"/>
+                    </a:schemeClr>
+                  </a:solidFill>
+                  <a:ln>
+                    <a:noFill/>
+                  </a:ln>
+                  <a:effectLst/>
+                </p:spPr>
+                <p:style>
+                  <a:lnRef idx="1">
+                    <a:schemeClr val="accent1"/>
+                  </a:lnRef>
+                  <a:fillRef idx="3">
+                    <a:schemeClr val="accent1"/>
+                  </a:fillRef>
+                  <a:effectRef idx="2">
+                    <a:schemeClr val="accent1"/>
+                  </a:effectRef>
+                  <a:fontRef idx="minor">
+                    <a:schemeClr val="lt1"/>
+                  </a:fontRef>
+                </p:style>
+                <p:txBody>
+                  <a:bodyPr rtlCol="0" anchor="ctr"/>
+                  <a:lstStyle/>
+                  <a:p>
+                    <a:pPr algn="ctr"/>
+                    <a:endParaRPr lang="en-US"/>
+                  </a:p>
+                </p:txBody>
+              </p:sp>
+              <p:sp>
+                <p:nvSpPr>
+                  <p:cNvPr id="665" name="Rectangle 664"/>
+                  <p:cNvSpPr/>
+                  <p:nvPr/>
+                </p:nvSpPr>
+                <p:spPr>
+                  <a:xfrm>
+                    <a:off x="2059411" y="2992562"/>
+                    <a:ext cx="675832" cy="1872608"/>
+                  </a:xfrm>
+                  <a:prstGeom prst="rect">
+                    <a:avLst/>
+                  </a:prstGeom>
+                  <a:solidFill>
+                    <a:schemeClr val="bg2">
+                      <a:lumMod val="75000"/>
+                    </a:schemeClr>
+                  </a:solidFill>
+                  <a:ln>
+                    <a:noFill/>
+                  </a:ln>
+                  <a:effectLst/>
+                </p:spPr>
+                <p:style>
+                  <a:lnRef idx="1">
+                    <a:schemeClr val="accent1"/>
+                  </a:lnRef>
+                  <a:fillRef idx="3">
+                    <a:schemeClr val="accent1"/>
+                  </a:fillRef>
+                  <a:effectRef idx="2">
+                    <a:schemeClr val="accent1"/>
+                  </a:effectRef>
+                  <a:fontRef idx="minor">
+                    <a:schemeClr val="lt1"/>
+                  </a:fontRef>
+                </p:style>
+                <p:txBody>
+                  <a:bodyPr vert="vert270" rtlCol="0" anchor="ctr"/>
+                  <a:lstStyle/>
+                  <a:p>
+                    <a:pPr algn="ctr"/>
+                    <a:r>
+                      <a:rPr lang="en-US" sz="3400" dirty="0" smtClean="0">
+                        <a:solidFill>
+                          <a:srgbClr val="000000"/>
+                        </a:solidFill>
+                      </a:rPr>
+                      <a:t>PFunc</a:t>
+                    </a:r>
+                    <a:endParaRPr lang="en-US" sz="3400" dirty="0">
+                      <a:solidFill>
+                        <a:srgbClr val="000000"/>
+                      </a:solidFill>
+                    </a:endParaRPr>
+                  </a:p>
+                </p:txBody>
+              </p:sp>
+              <p:sp>
+                <p:nvSpPr>
+                  <p:cNvPr id="666" name="Rectangle 665"/>
+                  <p:cNvSpPr/>
+                  <p:nvPr/>
+                </p:nvSpPr>
+                <p:spPr>
+                  <a:xfrm>
+                    <a:off x="2735243" y="2992562"/>
+                    <a:ext cx="2578736" cy="892372"/>
+                  </a:xfrm>
+                  <a:prstGeom prst="rect">
+                    <a:avLst/>
+                  </a:prstGeom>
+                  <a:solidFill>
+                    <a:schemeClr val="bg2">
+                      <a:lumMod val="75000"/>
+                    </a:schemeClr>
+                  </a:solidFill>
+                  <a:ln>
+                    <a:noFill/>
+                  </a:ln>
+                  <a:effectLst/>
+                </p:spPr>
+                <p:style>
+                  <a:lnRef idx="1">
+                    <a:schemeClr val="accent1"/>
+                  </a:lnRef>
+                  <a:fillRef idx="3">
+                    <a:schemeClr val="accent1"/>
+                  </a:fillRef>
+                  <a:effectRef idx="2">
+                    <a:schemeClr val="accent1"/>
+                  </a:effectRef>
+                  <a:fontRef idx="minor">
+                    <a:schemeClr val="lt1"/>
+                  </a:fontRef>
+                </p:style>
+                <p:txBody>
+                  <a:bodyPr rtlCol="0" anchor="ctr"/>
+                  <a:lstStyle/>
+                  <a:p>
+                    <a:pPr algn="ctr"/>
+                    <a:endParaRPr lang="en-US"/>
+                  </a:p>
+                </p:txBody>
+              </p:sp>
+              <p:sp>
+                <p:nvSpPr>
+                  <p:cNvPr id="667" name="Rectangle 666"/>
+                  <p:cNvSpPr/>
+                  <p:nvPr/>
+                </p:nvSpPr>
+                <p:spPr>
+                  <a:xfrm>
+                    <a:off x="4127402" y="2992561"/>
+                    <a:ext cx="895922" cy="677863"/>
+                  </a:xfrm>
+                  <a:prstGeom prst="rect">
+                    <a:avLst/>
+                  </a:prstGeom>
+                  <a:solidFill>
+                    <a:schemeClr val="accent2">
+                      <a:lumMod val="75000"/>
+                    </a:schemeClr>
+                  </a:solidFill>
+                  <a:ln>
+                    <a:noFill/>
+                  </a:ln>
+                  <a:effectLst/>
+                </p:spPr>
+                <p:style>
+                  <a:lnRef idx="1">
+                    <a:schemeClr val="accent1"/>
+                  </a:lnRef>
+                  <a:fillRef idx="3">
+                    <a:schemeClr val="accent1"/>
+                  </a:fillRef>
+                  <a:effectRef idx="2">
+                    <a:schemeClr val="accent1"/>
+                  </a:effectRef>
+                  <a:fontRef idx="minor">
+                    <a:schemeClr val="lt1"/>
+                  </a:fontRef>
+                </p:style>
+                <p:txBody>
+                  <a:bodyPr rtlCol="0" anchor="ctr"/>
+                  <a:lstStyle/>
+                  <a:p>
+                    <a:pPr algn="ctr"/>
+                    <a:r>
+                      <a:rPr lang="en-US" sz="2300" dirty="0" smtClean="0">
+                        <a:solidFill>
+                          <a:srgbClr val="000000"/>
+                        </a:solidFill>
+                      </a:rPr>
+                      <a:t>Thread Manager</a:t>
+                    </a:r>
+                    <a:endParaRPr lang="en-US" sz="2300" dirty="0">
+                      <a:solidFill>
+                        <a:srgbClr val="000000"/>
+                      </a:solidFill>
+                    </a:endParaRPr>
+                  </a:p>
+                </p:txBody>
+              </p:sp>
+              <p:sp>
+                <p:nvSpPr>
+                  <p:cNvPr id="668" name="Rectangle 667"/>
+                  <p:cNvSpPr/>
+                  <p:nvPr/>
+                </p:nvSpPr>
+                <p:spPr>
+                  <a:xfrm>
+                    <a:off x="3036069" y="2992562"/>
+                    <a:ext cx="885888" cy="677863"/>
+                  </a:xfrm>
+                  <a:prstGeom prst="rect">
+                    <a:avLst/>
+                  </a:prstGeom>
+                  <a:solidFill>
+                    <a:schemeClr val="accent2">
+                      <a:lumMod val="75000"/>
+                    </a:schemeClr>
+                  </a:solidFill>
+                  <a:ln>
+                    <a:noFill/>
+                  </a:ln>
+                  <a:effectLst/>
+                </p:spPr>
+                <p:style>
+                  <a:lnRef idx="1">
+                    <a:schemeClr val="accent1"/>
+                  </a:lnRef>
+                  <a:fillRef idx="3">
+                    <a:schemeClr val="accent1"/>
+                  </a:fillRef>
+                  <a:effectRef idx="2">
+                    <a:schemeClr val="accent1"/>
+                  </a:effectRef>
+                  <a:fontRef idx="minor">
+                    <a:schemeClr val="lt1"/>
+                  </a:fontRef>
+                </p:style>
+                <p:txBody>
+                  <a:bodyPr rtlCol="0" anchor="ctr"/>
+                  <a:lstStyle/>
+                  <a:p>
+                    <a:pPr algn="ctr"/>
+                    <a:r>
+                      <a:rPr lang="en-US" sz="2300" dirty="0" smtClean="0">
+                        <a:solidFill>
+                          <a:srgbClr val="000000"/>
+                        </a:solidFill>
+                      </a:rPr>
+                      <a:t>Perf Profiler</a:t>
+                    </a:r>
+                    <a:endParaRPr lang="en-US" sz="2300" dirty="0">
+                      <a:solidFill>
+                        <a:srgbClr val="000000"/>
+                      </a:solidFill>
+                    </a:endParaRPr>
+                  </a:p>
+                </p:txBody>
+              </p:sp>
+              <p:sp>
+                <p:nvSpPr>
+                  <p:cNvPr id="669" name="Rectangle 668"/>
+                  <p:cNvSpPr/>
+                  <p:nvPr/>
+                </p:nvSpPr>
+                <p:spPr>
+                  <a:xfrm>
+                    <a:off x="2397039" y="2188056"/>
+                    <a:ext cx="4161238" cy="566294"/>
+                  </a:xfrm>
+                  <a:prstGeom prst="rect">
+                    <a:avLst/>
+                  </a:prstGeom>
+                  <a:solidFill>
+                    <a:schemeClr val="accent2">
+                      <a:lumMod val="75000"/>
+                    </a:schemeClr>
+                  </a:solidFill>
+                  <a:ln>
+                    <a:noFill/>
+                  </a:ln>
+                  <a:effectLst/>
+                </p:spPr>
+                <p:style>
+                  <a:lnRef idx="1">
+                    <a:schemeClr val="accent1"/>
+                  </a:lnRef>
+                  <a:fillRef idx="3">
+                    <a:schemeClr val="accent1"/>
+                  </a:fillRef>
+                  <a:effectRef idx="2">
+                    <a:schemeClr val="accent1"/>
+                  </a:effectRef>
+                  <a:fontRef idx="minor">
+                    <a:schemeClr val="lt1"/>
+                  </a:fontRef>
+                </p:style>
+                <p:txBody>
+                  <a:bodyPr rtlCol="0" anchor="ctr"/>
+                  <a:lstStyle/>
+                  <a:p>
+                    <a:pPr algn="ctr"/>
+                    <a:r>
+                      <a:rPr lang="en-US" sz="2600" dirty="0" smtClean="0">
+                        <a:solidFill>
+                          <a:srgbClr val="000000"/>
+                        </a:solidFill>
+                      </a:rPr>
+                      <a:t>Task Scheduler</a:t>
+                    </a:r>
+                    <a:endParaRPr lang="en-US" sz="2600" dirty="0">
+                      <a:solidFill>
+                        <a:srgbClr val="000000"/>
+                      </a:solidFill>
+                    </a:endParaRPr>
+                  </a:p>
+                </p:txBody>
+              </p:sp>
+              <p:cxnSp>
+                <p:nvCxnSpPr>
+                  <p:cNvPr id="670" name="Straight Arrow Connector 669"/>
+                  <p:cNvCxnSpPr/>
+                  <p:nvPr/>
+                </p:nvCxnSpPr>
+                <p:spPr>
+                  <a:xfrm rot="16200000" flipH="1">
+                    <a:off x="5052195" y="3387391"/>
+                    <a:ext cx="516882" cy="1082947"/>
+                  </a:xfrm>
+                  <a:prstGeom prst="straightConnector1">
+                    <a:avLst/>
+                  </a:prstGeom>
+                  <a:ln>
+                    <a:headEnd type="arrow"/>
+                    <a:tailEnd type="arrow"/>
+                  </a:ln>
+                </p:spPr>
+                <p:style>
+                  <a:lnRef idx="2">
+                    <a:schemeClr val="accent1"/>
+                  </a:lnRef>
+                  <a:fillRef idx="0">
+                    <a:schemeClr val="accent1"/>
+                  </a:fillRef>
+                  <a:effectRef idx="1">
+                    <a:schemeClr val="accent1"/>
+                  </a:effectRef>
+                  <a:fontRef idx="minor">
+                    <a:schemeClr val="tx1"/>
+                  </a:fontRef>
+                </p:style>
+              </p:cxnSp>
+              <p:cxnSp>
+                <p:nvCxnSpPr>
+                  <p:cNvPr id="671" name="Straight Arrow Connector 670"/>
+                  <p:cNvCxnSpPr>
+                    <a:stCxn id="667" idx="3"/>
+                    <a:endCxn id="678" idx="1"/>
+                  </p:cNvCxnSpPr>
+                  <p:nvPr/>
+                </p:nvCxnSpPr>
+                <p:spPr>
+                  <a:xfrm>
+                    <a:off x="5023324" y="3331493"/>
+                    <a:ext cx="588572" cy="214510"/>
+                  </a:xfrm>
+                  <a:prstGeom prst="straightConnector1">
+                    <a:avLst/>
+                  </a:prstGeom>
+                  <a:ln>
+                    <a:headEnd type="arrow"/>
+                    <a:tailEnd type="arrow"/>
+                  </a:ln>
+                </p:spPr>
+                <p:style>
+                  <a:lnRef idx="2">
+                    <a:schemeClr val="accent1"/>
+                  </a:lnRef>
+                  <a:fillRef idx="0">
+                    <a:schemeClr val="accent1"/>
+                  </a:fillRef>
+                  <a:effectRef idx="1">
+                    <a:schemeClr val="accent1"/>
+                  </a:effectRef>
+                  <a:fontRef idx="minor">
+                    <a:schemeClr val="tx1"/>
+                  </a:fontRef>
+                </p:style>
+              </p:cxnSp>
+              <p:cxnSp>
+                <p:nvCxnSpPr>
+                  <p:cNvPr id="672" name="Straight Arrow Connector 671"/>
+                  <p:cNvCxnSpPr>
+                    <a:stCxn id="668" idx="2"/>
+                  </p:cNvCxnSpPr>
+                  <p:nvPr/>
+                </p:nvCxnSpPr>
+                <p:spPr>
+                  <a:xfrm rot="5400000">
+                    <a:off x="3220573" y="3928865"/>
+                    <a:ext cx="516881" cy="1588"/>
+                  </a:xfrm>
+                  <a:prstGeom prst="straightConnector1">
+                    <a:avLst/>
+                  </a:prstGeom>
+                  <a:ln>
+                    <a:headEnd type="arrow"/>
+                    <a:tailEnd type="arrow"/>
+                  </a:ln>
+                </p:spPr>
+                <p:style>
+                  <a:lnRef idx="2">
+                    <a:schemeClr val="accent1"/>
+                  </a:lnRef>
+                  <a:fillRef idx="0">
+                    <a:schemeClr val="accent1"/>
+                  </a:fillRef>
+                  <a:effectRef idx="1">
+                    <a:schemeClr val="accent1"/>
+                  </a:effectRef>
+                  <a:fontRef idx="minor">
+                    <a:schemeClr val="tx1"/>
+                  </a:fontRef>
+                </p:style>
+              </p:cxnSp>
+              <p:cxnSp>
+                <p:nvCxnSpPr>
+                  <p:cNvPr id="673" name="Straight Arrow Connector 672"/>
+                  <p:cNvCxnSpPr/>
+                  <p:nvPr/>
+                </p:nvCxnSpPr>
+                <p:spPr>
+                  <a:xfrm rot="5400000">
+                    <a:off x="2226454" y="5035755"/>
+                    <a:ext cx="341171" cy="1588"/>
+                  </a:xfrm>
+                  <a:prstGeom prst="straightConnector1">
+                    <a:avLst/>
+                  </a:prstGeom>
+                  <a:ln>
+                    <a:headEnd type="arrow"/>
+                    <a:tailEnd type="arrow"/>
+                  </a:ln>
+                </p:spPr>
+                <p:style>
+                  <a:lnRef idx="2">
+                    <a:schemeClr val="accent1"/>
+                  </a:lnRef>
+                  <a:fillRef idx="0">
+                    <a:schemeClr val="accent1"/>
+                  </a:fillRef>
+                  <a:effectRef idx="1">
+                    <a:schemeClr val="accent1"/>
+                  </a:effectRef>
+                  <a:fontRef idx="minor">
+                    <a:schemeClr val="tx1"/>
+                  </a:fontRef>
+                </p:style>
+              </p:cxnSp>
+            </p:grpSp>
+            <p:cxnSp>
+              <p:nvCxnSpPr>
+                <p:cNvPr id="663" name="Straight Arrow Connector 662"/>
+                <p:cNvCxnSpPr>
+                  <a:endCxn id="664" idx="0"/>
+                </p:cNvCxnSpPr>
+                <p:nvPr/>
+              </p:nvCxnSpPr>
+              <p:spPr>
+                <a:xfrm rot="16200000" flipH="1">
+                  <a:off x="4286147" y="1827651"/>
+                  <a:ext cx="308916" cy="1"/>
+                </a:xfrm>
+                <a:prstGeom prst="straightConnector1">
+                  <a:avLst/>
+                </a:prstGeom>
+                <a:ln>
+                  <a:headEnd type="arrow"/>
+                  <a:tailEnd type="arrow"/>
+                </a:ln>
+              </p:spPr>
+              <p:style>
+                <a:lnRef idx="2">
+                  <a:schemeClr val="accent1"/>
+                </a:lnRef>
+                <a:fillRef idx="0">
+                  <a:schemeClr val="accent1"/>
+                </a:fillRef>
+                <a:effectRef idx="1">
+                  <a:schemeClr val="accent1"/>
+                </a:effectRef>
+                <a:fontRef idx="minor">
+                  <a:schemeClr val="tx1"/>
+                </a:fontRef>
+              </p:style>
+            </p:cxnSp>
+          </p:grpSp>
+        </p:grpSp>
+      </p:grpSp>
+      <p:pic>
+        <p:nvPicPr>
+          <p:cNvPr id="695" name="Picture 694"/>
+          <p:cNvPicPr>
+            <a:picLocks noChangeAspect="1"/>
+          </p:cNvPicPr>
+          <p:nvPr/>
+        </p:nvPicPr>
+        <p:blipFill>
+          <a:blip r:embed="rId3"/>
+          <a:stretch>
+            <a:fillRect/>
+          </a:stretch>
+        </p:blipFill>
+        <p:spPr>
+          <a:xfrm>
+            <a:off x="28688201" y="7286947"/>
+            <a:ext cx="1660832" cy="1512851"/>
+          </a:xfrm>
+          <a:prstGeom prst="rect">
+            <a:avLst/>
+          </a:prstGeom>
+        </p:spPr>
+      </p:pic>
+      <p:grpSp>
+        <p:nvGrpSpPr>
+          <p:cNvPr id="684" name="Group 683"/>
+          <p:cNvGrpSpPr/>
+          <p:nvPr/>
+        </p:nvGrpSpPr>
+        <p:grpSpPr>
+          <a:xfrm>
+            <a:off x="21886921" y="3662457"/>
+            <a:ext cx="9916923" cy="6498273"/>
+            <a:chOff x="1156084" y="3977185"/>
+            <a:chExt cx="13222564" cy="16126884"/>
+          </a:xfrm>
+        </p:grpSpPr>
+        <p:sp>
+          <p:nvSpPr>
+            <p:cNvPr id="685" name="Rounded Rectangle 684"/>
             <p:cNvSpPr/>
             <p:nvPr/>
           </p:nvSpPr>
           <p:spPr>
             <a:xfrm>
-              <a:off x="1156084" y="3977189"/>
-              <a:ext cx="13160621" cy="10169017"/>
+              <a:off x="1156084" y="3977185"/>
+              <a:ext cx="13222564" cy="16126884"/>
             </a:xfrm>
             <a:prstGeom prst="roundRect">
               <a:avLst/>
@@ -7685,7 +9899,7 @@
         </p:sp>
         <p:sp>
           <p:nvSpPr>
-            <p:cNvPr id="593" name="Title 1"/>
+            <p:cNvPr id="686" name="Title 1"/>
             <p:cNvSpPr txBox="1">
               <a:spLocks/>
             </p:cNvSpPr>
@@ -7693,8 +9907,8 @@
           </p:nvSpPr>
           <p:spPr bwMode="auto">
             <a:xfrm>
-              <a:off x="3871199" y="4362368"/>
-              <a:ext cx="7772400" cy="750888"/>
+              <a:off x="3871199" y="4906739"/>
+              <a:ext cx="7772400" cy="750886"/>
             </a:xfrm>
             <a:prstGeom prst="rect">
               <a:avLst/>
@@ -7730,59 +9944,52 @@
                   <a:ea typeface="ＭＳ Ｐゴシック" charset="-128"/>
                   <a:cs typeface="ＭＳ Ｐゴシック" charset="-128"/>
                 </a:rPr>
-                <a:t>Software Architecture</a:t>
+                <a:t>Pedagogical</a:t>
               </a:r>
+              <a:r>
+                <a:rPr lang="en-US" sz="2600" b="1" dirty="0" smtClean="0">
+                  <a:latin typeface="Franklin Gothic Book"/>
+                  <a:ea typeface="ＭＳ Ｐゴシック" charset="-128"/>
+                  <a:cs typeface="ＭＳ Ｐゴシック" charset="-128"/>
+                </a:rPr>
+                <a:t> Aids</a:t>
+              </a:r>
+              <a:endParaRPr lang="en-US" sz="2600" b="1" dirty="0" smtClean="0">
+                <a:latin typeface="Franklin Gothic Book"/>
+                <a:ea typeface="ＭＳ Ｐゴシック" charset="-128"/>
+                <a:cs typeface="ＭＳ Ｐゴシック" charset="-128"/>
+              </a:endParaRPr>
             </a:p>
           </p:txBody>
         </p:sp>
       </p:grpSp>
+      <p:pic>
+        <p:nvPicPr>
+          <p:cNvPr id="691" name="Picture 690"/>
+          <p:cNvPicPr>
+            <a:picLocks noChangeAspect="1"/>
+          </p:cNvPicPr>
+          <p:nvPr/>
+        </p:nvPicPr>
+        <p:blipFill>
+          <a:blip r:embed="rId4"/>
+          <a:stretch>
+            <a:fillRect/>
+          </a:stretch>
+        </p:blipFill>
+        <p:spPr>
+          <a:xfrm>
+            <a:off x="27991924" y="4452394"/>
+            <a:ext cx="2968358" cy="2892318"/>
+          </a:xfrm>
+          <a:prstGeom prst="rect">
+            <a:avLst/>
+          </a:prstGeom>
+        </p:spPr>
+      </p:pic>
       <p:sp>
         <p:nvSpPr>
-          <p:cNvPr id="595" name="Rounded Rectangle 594"/>
-          <p:cNvSpPr/>
-          <p:nvPr/>
-        </p:nvSpPr>
-        <p:spPr>
-          <a:xfrm>
-            <a:off x="21884048" y="3670000"/>
-            <a:ext cx="9916923" cy="2813718"/>
-          </a:xfrm>
-          <a:prstGeom prst="roundRect">
-            <a:avLst/>
-          </a:prstGeom>
-          <a:noFill/>
-          <a:ln>
-            <a:solidFill>
-              <a:schemeClr val="tx1"/>
-            </a:solidFill>
-          </a:ln>
-        </p:spPr>
-        <p:style>
-          <a:lnRef idx="1">
-            <a:schemeClr val="accent1"/>
-          </a:lnRef>
-          <a:fillRef idx="3">
-            <a:schemeClr val="accent1"/>
-          </a:fillRef>
-          <a:effectRef idx="2">
-            <a:schemeClr val="accent1"/>
-          </a:effectRef>
-          <a:fontRef idx="minor">
-            <a:schemeClr val="lt1"/>
-          </a:fontRef>
-        </p:style>
-        <p:txBody>
-          <a:bodyPr lIns="65306" tIns="32653" rIns="65306" bIns="32653" rtlCol="0" anchor="ctr"/>
-          <a:lstStyle/>
-          <a:p>
-            <a:pPr algn="ctr"/>
-            <a:endParaRPr lang="en-US" sz="1300" dirty="0"/>
-          </a:p>
-        </p:txBody>
-      </p:sp>
-      <p:sp>
-        <p:nvSpPr>
-          <p:cNvPr id="596" name="Title 1"/>
+          <p:cNvPr id="693" name="Content Placeholder 2"/>
           <p:cNvSpPr txBox="1">
             <a:spLocks/>
           </p:cNvSpPr>
@@ -7790,8 +9997,8 @@
         </p:nvSpPr>
         <p:spPr bwMode="auto">
           <a:xfrm>
-            <a:off x="23920383" y="3990631"/>
-            <a:ext cx="5829300" cy="259003"/>
+            <a:off x="22302264" y="4668899"/>
+            <a:ext cx="5695514" cy="4498668"/>
           </a:xfrm>
           <a:prstGeom prst="rect">
             <a:avLst/>
@@ -7805,59 +10012,7 @@
           </a:ln>
         </p:spPr>
         <p:txBody>
-          <a:bodyPr vert="horz" wrap="square" lIns="65306" tIns="32653" rIns="65306" bIns="65306" numCol="1" anchor="b" anchorCtr="0" compatLnSpc="1">
-            <a:prstTxWarp prst="textNoShape">
-              <a:avLst/>
-            </a:prstTxWarp>
-          </a:bodyPr>
-          <a:lstStyle/>
-          <a:p>
-            <a:pPr algn="ctr" defTabSz="653064" fontAlgn="base">
-              <a:spcBef>
-                <a:spcPct val="0"/>
-              </a:spcBef>
-              <a:spcAft>
-                <a:spcPct val="0"/>
-              </a:spcAft>
-              <a:defRPr/>
-            </a:pPr>
-            <a:r>
-              <a:rPr lang="en-US" sz="2600" b="1" dirty="0" smtClean="0">
-                <a:latin typeface="Franklin Gothic Book"/>
-                <a:ea typeface="ＭＳ Ｐゴシック" charset="-128"/>
-                <a:cs typeface="ＭＳ Ｐゴシック" charset="-128"/>
-              </a:rPr>
-              <a:t>SPMD-style Parallelism</a:t>
-            </a:r>
-          </a:p>
-        </p:txBody>
-      </p:sp>
-      <p:sp>
-        <p:nvSpPr>
-          <p:cNvPr id="646" name="Content Placeholder 2"/>
-          <p:cNvSpPr txBox="1">
-            <a:spLocks/>
-          </p:cNvSpPr>
-          <p:nvPr/>
-        </p:nvSpPr>
-        <p:spPr bwMode="auto">
-          <a:xfrm>
-            <a:off x="1472860" y="11611694"/>
-            <a:ext cx="5695514" cy="996178"/>
-          </a:xfrm>
-          <a:prstGeom prst="rect">
-            <a:avLst/>
-          </a:prstGeom>
-          <a:noFill/>
-          <a:ln w="9525">
-            <a:noFill/>
-            <a:miter lim="800000"/>
-            <a:headEnd/>
-            <a:tailEnd/>
-          </a:ln>
-        </p:spPr>
-        <p:txBody>
-          <a:bodyPr vert="horz" wrap="square" lIns="65306" tIns="32653" rIns="65306" bIns="32653" numCol="1" anchor="t" anchorCtr="0" compatLnSpc="1">
+          <a:bodyPr vert="horz" wrap="square" lIns="91440" tIns="45720" rIns="91440" bIns="45720" numCol="1" anchor="t" anchorCtr="0" compatLnSpc="1">
             <a:prstTxWarp prst="textNoShape">
               <a:avLst/>
             </a:prstTxWarp>
@@ -7888,7 +10043,7 @@
                 <a:ea typeface="ＭＳ Ｐゴシック" charset="-128"/>
                 <a:cs typeface="ＭＳ Ｐゴシック" charset="-128"/>
               </a:rPr>
-              <a:t>Loop parallelism is simple, yet powerful.</a:t>
+              <a:t>Portable, easy to install, and use.</a:t>
             </a:r>
           </a:p>
           <a:p>
@@ -7915,45 +10070,243 @@
                 <a:ea typeface="ＭＳ Ｐゴシック" charset="-128"/>
                 <a:cs typeface="ＭＳ Ｐゴシック" charset="-128"/>
               </a:rPr>
-              <a:t>Completely realized using  task parallelism.</a:t>
+              <a:t>Thorough documentation and tutorials.</a:t>
             </a:r>
+          </a:p>
+          <a:p>
+            <a:pPr marL="195012" indent="-195012" defTabSz="653064" fontAlgn="base">
+              <a:spcBef>
+                <a:spcPts val="411"/>
+              </a:spcBef>
+              <a:spcAft>
+                <a:spcPct val="0"/>
+              </a:spcAft>
+              <a:buClr>
+                <a:schemeClr val="accent1"/>
+              </a:buClr>
+              <a:buSzPct val="85000"/>
+              <a:buFont typeface="Wingdings 2" charset="2"/>
+              <a:buChar char=""/>
+              <a:defRPr/>
+            </a:pPr>
+            <a:r>
+              <a:rPr lang="en-US" sz="2300" dirty="0" smtClean="0">
+                <a:solidFill>
+                  <a:srgbClr val="000000"/>
+                </a:solidFill>
+                <a:ea typeface="ＭＳ Ｐゴシック" charset="-128"/>
+                <a:cs typeface="ＭＳ Ｐゴシック" charset="-128"/>
+              </a:rPr>
+              <a:t>Industry-strength exception handling.</a:t>
+            </a:r>
+          </a:p>
+          <a:p>
+            <a:pPr marL="195012" indent="-195012" defTabSz="653064" fontAlgn="base">
+              <a:spcBef>
+                <a:spcPts val="411"/>
+              </a:spcBef>
+              <a:spcAft>
+                <a:spcPct val="0"/>
+              </a:spcAft>
+              <a:buClr>
+                <a:schemeClr val="accent1"/>
+              </a:buClr>
+              <a:buSzPct val="85000"/>
+              <a:buFont typeface="Wingdings 2" charset="2"/>
+              <a:buChar char=""/>
+              <a:defRPr/>
+            </a:pPr>
+            <a:r>
+              <a:rPr lang="en-US" sz="2300" dirty="0" smtClean="0">
+                <a:solidFill>
+                  <a:srgbClr val="000000"/>
+                </a:solidFill>
+                <a:ea typeface="ＭＳ Ｐゴシック" charset="-128"/>
+                <a:cs typeface="ＭＳ Ｐゴシック" charset="-128"/>
+              </a:rPr>
+              <a:t>PAPI integration for profiling performance.</a:t>
+            </a:r>
+          </a:p>
+          <a:p>
+            <a:pPr marL="195012" indent="-195012" defTabSz="653064" fontAlgn="base">
+              <a:spcBef>
+                <a:spcPts val="411"/>
+              </a:spcBef>
+              <a:spcAft>
+                <a:spcPct val="0"/>
+              </a:spcAft>
+              <a:buClr>
+                <a:schemeClr val="accent1"/>
+              </a:buClr>
+              <a:buSzPct val="85000"/>
+              <a:buFont typeface="Wingdings 2" charset="2"/>
+              <a:buChar char=""/>
+              <a:defRPr/>
+            </a:pPr>
+            <a:r>
+              <a:rPr lang="en-US" sz="2300" dirty="0" smtClean="0">
+                <a:solidFill>
+                  <a:srgbClr val="000000"/>
+                </a:solidFill>
+                <a:ea typeface="ＭＳ Ｐゴシック" charset="-128"/>
+                <a:cs typeface="ＭＳ Ｐゴシック" charset="-128"/>
+              </a:rPr>
+              <a:t>Growing list of sample applications.</a:t>
+            </a:r>
+          </a:p>
+          <a:p>
+            <a:pPr marL="195012" indent="-195012" defTabSz="653064" fontAlgn="base">
+              <a:spcBef>
+                <a:spcPts val="411"/>
+              </a:spcBef>
+              <a:spcAft>
+                <a:spcPct val="0"/>
+              </a:spcAft>
+              <a:buClr>
+                <a:schemeClr val="accent1"/>
+              </a:buClr>
+              <a:buSzPct val="85000"/>
+              <a:buFont typeface="Wingdings 2" charset="2"/>
+              <a:buChar char=""/>
+              <a:defRPr/>
+            </a:pPr>
+            <a:r>
+              <a:rPr lang="en-US" sz="2300" dirty="0" smtClean="0">
+                <a:solidFill>
+                  <a:srgbClr val="000000"/>
+                </a:solidFill>
+                <a:ea typeface="ＭＳ Ｐゴシック" charset="-128"/>
+                <a:cs typeface="ＭＳ Ｐゴシック" charset="-128"/>
+              </a:rPr>
+              <a:t>Online user-groups and support</a:t>
+            </a:r>
+            <a:r>
+              <a:rPr lang="en-US" sz="2300" dirty="0" smtClean="0">
+                <a:solidFill>
+                  <a:srgbClr val="000000"/>
+                </a:solidFill>
+                <a:ea typeface="ＭＳ Ｐゴシック" charset="-128"/>
+                <a:cs typeface="ＭＳ Ｐゴシック" charset="-128"/>
+              </a:rPr>
+              <a:t>.</a:t>
+            </a:r>
+          </a:p>
+          <a:p>
+            <a:pPr marL="195012" indent="-195012" defTabSz="653064" fontAlgn="base">
+              <a:spcBef>
+                <a:spcPts val="411"/>
+              </a:spcBef>
+              <a:spcAft>
+                <a:spcPct val="0"/>
+              </a:spcAft>
+              <a:buClr>
+                <a:schemeClr val="accent1"/>
+              </a:buClr>
+              <a:buSzPct val="85000"/>
+              <a:buFont typeface="Wingdings 2" charset="2"/>
+              <a:buChar char=""/>
+              <a:defRPr/>
+            </a:pPr>
+            <a:r>
+              <a:rPr lang="en-US" sz="2300" dirty="0" smtClean="0">
+                <a:solidFill>
+                  <a:srgbClr val="000000"/>
+                </a:solidFill>
+                <a:ea typeface="ＭＳ Ｐゴシック" charset="-128"/>
+                <a:cs typeface="ＭＳ Ｐゴシック" charset="-128"/>
+              </a:rPr>
+              <a:t>Growing list of examples.</a:t>
+            </a:r>
+          </a:p>
+          <a:p>
+            <a:pPr marL="195012" indent="-195012" defTabSz="653064" fontAlgn="base">
+              <a:spcBef>
+                <a:spcPts val="411"/>
+              </a:spcBef>
+              <a:spcAft>
+                <a:spcPct val="0"/>
+              </a:spcAft>
+              <a:buClr>
+                <a:schemeClr val="accent1"/>
+              </a:buClr>
+              <a:buSzPct val="85000"/>
+              <a:buFont typeface="Wingdings 2" charset="2"/>
+              <a:buChar char=""/>
+              <a:defRPr/>
+            </a:pPr>
+            <a:r>
+              <a:rPr lang="en-US" sz="2300" dirty="0" smtClean="0">
+                <a:solidFill>
+                  <a:srgbClr val="000000"/>
+                </a:solidFill>
+                <a:ea typeface="ＭＳ Ｐゴシック" charset="-128"/>
+                <a:cs typeface="ＭＳ Ｐゴシック" charset="-128"/>
+              </a:rPr>
+              <a:t>Portable atomic operations.</a:t>
+            </a:r>
+            <a:endParaRPr lang="en-US" sz="2300" dirty="0" smtClean="0">
+              <a:solidFill>
+                <a:srgbClr val="000000"/>
+              </a:solidFill>
+              <a:ea typeface="ＭＳ Ｐゴシック" charset="-128"/>
+              <a:cs typeface="ＭＳ Ｐゴシック" charset="-128"/>
+            </a:endParaRPr>
           </a:p>
         </p:txBody>
       </p:sp>
+      <p:pic>
+        <p:nvPicPr>
+          <p:cNvPr id="694" name="Picture 693"/>
+          <p:cNvPicPr>
+            <a:picLocks noChangeAspect="1"/>
+          </p:cNvPicPr>
+          <p:nvPr/>
+        </p:nvPicPr>
+        <p:blipFill>
+          <a:blip r:embed="rId5"/>
+          <a:stretch>
+            <a:fillRect/>
+          </a:stretch>
+        </p:blipFill>
+        <p:spPr>
+          <a:xfrm>
+            <a:off x="27611862" y="9023874"/>
+            <a:ext cx="3730933" cy="665018"/>
+          </a:xfrm>
+          <a:prstGeom prst="rect">
+            <a:avLst/>
+          </a:prstGeom>
+        </p:spPr>
+      </p:pic>
       <p:grpSp>
         <p:nvGrpSpPr>
-          <p:cNvPr id="606" name="Group 605"/>
+          <p:cNvPr id="170" name="Group 169"/>
           <p:cNvGrpSpPr/>
           <p:nvPr/>
         </p:nvGrpSpPr>
         <p:grpSpPr>
           <a:xfrm>
-            <a:off x="6870238" y="11952885"/>
-            <a:ext cx="2601219" cy="1890429"/>
-            <a:chOff x="4109455" y="2967272"/>
-            <a:chExt cx="3468292" cy="2835644"/>
+            <a:off x="768026" y="14789816"/>
+            <a:ext cx="9916923" cy="2813718"/>
+            <a:chOff x="21884048" y="3670000"/>
+            <a:chExt cx="9916923" cy="2813718"/>
           </a:xfrm>
         </p:grpSpPr>
         <p:sp>
           <p:nvSpPr>
-            <p:cNvPr id="607" name="Rectangle 606"/>
+            <p:cNvPr id="595" name="Rounded Rectangle 594"/>
             <p:cNvSpPr/>
             <p:nvPr/>
           </p:nvSpPr>
           <p:spPr>
             <a:xfrm>
-              <a:off x="4109455" y="5337309"/>
-              <a:ext cx="500706" cy="464018"/>
+              <a:off x="21884048" y="3670000"/>
+              <a:ext cx="9916923" cy="2813718"/>
             </a:xfrm>
-            <a:prstGeom prst="rect">
+            <a:prstGeom prst="roundRect">
               <a:avLst/>
             </a:prstGeom>
-            <a:solidFill>
-              <a:schemeClr val="accent4">
-                <a:lumMod val="60000"/>
-                <a:lumOff val="40000"/>
-              </a:schemeClr>
-            </a:solidFill>
+            <a:noFill/>
             <a:ln>
               <a:solidFill>
                 <a:schemeClr val="tx1"/>
@@ -7975,3358 +10328,17 @@
             </a:fontRef>
           </p:style>
           <p:txBody>
-            <a:bodyPr rtlCol="0" anchor="ctr"/>
+            <a:bodyPr lIns="65306" tIns="32653" rIns="65306" bIns="32653" rtlCol="0" anchor="ctr"/>
             <a:lstStyle/>
             <a:p>
               <a:pPr algn="ctr"/>
-              <a:endParaRPr lang="en-US"/>
+              <a:endParaRPr lang="en-US" sz="1300" dirty="0"/>
             </a:p>
           </p:txBody>
         </p:sp>
         <p:sp>
           <p:nvSpPr>
-            <p:cNvPr id="608" name="Rectangle 607"/>
-            <p:cNvSpPr/>
-            <p:nvPr/>
-          </p:nvSpPr>
-          <p:spPr>
-            <a:xfrm>
-              <a:off x="5110867" y="5337309"/>
-              <a:ext cx="500706" cy="464018"/>
-            </a:xfrm>
-            <a:prstGeom prst="rect">
-              <a:avLst/>
-            </a:prstGeom>
-            <a:solidFill>
-              <a:schemeClr val="accent4">
-                <a:lumMod val="60000"/>
-                <a:lumOff val="40000"/>
-              </a:schemeClr>
-            </a:solidFill>
-            <a:ln>
-              <a:solidFill>
-                <a:schemeClr val="tx1"/>
-              </a:solidFill>
-            </a:ln>
-          </p:spPr>
-          <p:style>
-            <a:lnRef idx="1">
-              <a:schemeClr val="accent1"/>
-            </a:lnRef>
-            <a:fillRef idx="3">
-              <a:schemeClr val="accent1"/>
-            </a:fillRef>
-            <a:effectRef idx="2">
-              <a:schemeClr val="accent1"/>
-            </a:effectRef>
-            <a:fontRef idx="minor">
-              <a:schemeClr val="lt1"/>
-            </a:fontRef>
-          </p:style>
-          <p:txBody>
-            <a:bodyPr rtlCol="0" anchor="ctr"/>
-            <a:lstStyle/>
-            <a:p>
-              <a:pPr algn="ctr"/>
-              <a:endParaRPr lang="en-US"/>
-            </a:p>
-          </p:txBody>
-        </p:sp>
-        <p:sp>
-          <p:nvSpPr>
-            <p:cNvPr id="609" name="Rectangle 608"/>
-            <p:cNvSpPr/>
-            <p:nvPr/>
-          </p:nvSpPr>
-          <p:spPr>
-            <a:xfrm>
-              <a:off x="4359808" y="4409273"/>
-              <a:ext cx="500706" cy="464018"/>
-            </a:xfrm>
-            <a:prstGeom prst="rect">
-              <a:avLst/>
-            </a:prstGeom>
-            <a:solidFill>
-              <a:schemeClr val="accent4">
-                <a:lumMod val="60000"/>
-                <a:lumOff val="40000"/>
-              </a:schemeClr>
-            </a:solidFill>
-            <a:ln>
-              <a:solidFill>
-                <a:schemeClr val="tx1"/>
-              </a:solidFill>
-            </a:ln>
-          </p:spPr>
-          <p:style>
-            <a:lnRef idx="1">
-              <a:schemeClr val="accent1"/>
-            </a:lnRef>
-            <a:fillRef idx="3">
-              <a:schemeClr val="accent1"/>
-            </a:fillRef>
-            <a:effectRef idx="2">
-              <a:schemeClr val="accent1"/>
-            </a:effectRef>
-            <a:fontRef idx="minor">
-              <a:schemeClr val="lt1"/>
-            </a:fontRef>
-          </p:style>
-          <p:txBody>
-            <a:bodyPr rtlCol="0" anchor="ctr"/>
-            <a:lstStyle/>
-            <a:p>
-              <a:pPr algn="ctr"/>
-              <a:endParaRPr lang="en-US"/>
-            </a:p>
-          </p:txBody>
-        </p:sp>
-        <p:sp>
-          <p:nvSpPr>
-            <p:cNvPr id="610" name="Rectangle 609"/>
-            <p:cNvSpPr/>
-            <p:nvPr/>
-          </p:nvSpPr>
-          <p:spPr>
-            <a:xfrm>
-              <a:off x="7077041" y="5338898"/>
-              <a:ext cx="500706" cy="464018"/>
-            </a:xfrm>
-            <a:prstGeom prst="rect">
-              <a:avLst/>
-            </a:prstGeom>
-            <a:solidFill>
-              <a:schemeClr val="accent4">
-                <a:lumMod val="60000"/>
-                <a:lumOff val="40000"/>
-              </a:schemeClr>
-            </a:solidFill>
-            <a:ln>
-              <a:solidFill>
-                <a:schemeClr val="tx1"/>
-              </a:solidFill>
-            </a:ln>
-          </p:spPr>
-          <p:style>
-            <a:lnRef idx="1">
-              <a:schemeClr val="accent1"/>
-            </a:lnRef>
-            <a:fillRef idx="3">
-              <a:schemeClr val="accent1"/>
-            </a:fillRef>
-            <a:effectRef idx="2">
-              <a:schemeClr val="accent1"/>
-            </a:effectRef>
-            <a:fontRef idx="minor">
-              <a:schemeClr val="lt1"/>
-            </a:fontRef>
-          </p:style>
-          <p:txBody>
-            <a:bodyPr rtlCol="0" anchor="ctr"/>
-            <a:lstStyle/>
-            <a:p>
-              <a:pPr algn="ctr"/>
-              <a:endParaRPr lang="en-US"/>
-            </a:p>
-          </p:txBody>
-        </p:sp>
-        <p:sp>
-          <p:nvSpPr>
-            <p:cNvPr id="611" name="Rectangle 610"/>
-            <p:cNvSpPr/>
-            <p:nvPr/>
-          </p:nvSpPr>
-          <p:spPr>
-            <a:xfrm>
-              <a:off x="6826689" y="4410862"/>
-              <a:ext cx="500706" cy="464018"/>
-            </a:xfrm>
-            <a:prstGeom prst="rect">
-              <a:avLst/>
-            </a:prstGeom>
-            <a:solidFill>
-              <a:schemeClr val="accent4">
-                <a:lumMod val="60000"/>
-                <a:lumOff val="40000"/>
-              </a:schemeClr>
-            </a:solidFill>
-            <a:ln>
-              <a:solidFill>
-                <a:schemeClr val="tx1"/>
-              </a:solidFill>
-            </a:ln>
-          </p:spPr>
-          <p:style>
-            <a:lnRef idx="1">
-              <a:schemeClr val="accent1"/>
-            </a:lnRef>
-            <a:fillRef idx="3">
-              <a:schemeClr val="accent1"/>
-            </a:fillRef>
-            <a:effectRef idx="2">
-              <a:schemeClr val="accent1"/>
-            </a:effectRef>
-            <a:fontRef idx="minor">
-              <a:schemeClr val="lt1"/>
-            </a:fontRef>
-          </p:style>
-          <p:txBody>
-            <a:bodyPr rtlCol="0" anchor="ctr"/>
-            <a:lstStyle/>
-            <a:p>
-              <a:pPr algn="ctr"/>
-              <a:endParaRPr lang="en-US"/>
-            </a:p>
-          </p:txBody>
-        </p:sp>
-        <p:sp>
-          <p:nvSpPr>
-            <p:cNvPr id="612" name="Rectangle 611"/>
-            <p:cNvSpPr/>
-            <p:nvPr/>
-          </p:nvSpPr>
-          <p:spPr>
-            <a:xfrm>
-              <a:off x="5611573" y="2967272"/>
-              <a:ext cx="500706" cy="464018"/>
-            </a:xfrm>
-            <a:prstGeom prst="rect">
-              <a:avLst/>
-            </a:prstGeom>
-            <a:solidFill>
-              <a:schemeClr val="accent4">
-                <a:lumMod val="60000"/>
-                <a:lumOff val="40000"/>
-              </a:schemeClr>
-            </a:solidFill>
-            <a:ln>
-              <a:solidFill>
-                <a:schemeClr val="tx1"/>
-              </a:solidFill>
-            </a:ln>
-          </p:spPr>
-          <p:style>
-            <a:lnRef idx="1">
-              <a:schemeClr val="accent1"/>
-            </a:lnRef>
-            <a:fillRef idx="3">
-              <a:schemeClr val="accent1"/>
-            </a:fillRef>
-            <a:effectRef idx="2">
-              <a:schemeClr val="accent1"/>
-            </a:effectRef>
-            <a:fontRef idx="minor">
-              <a:schemeClr val="lt1"/>
-            </a:fontRef>
-          </p:style>
-          <p:txBody>
-            <a:bodyPr rtlCol="0" anchor="ctr"/>
-            <a:lstStyle/>
-            <a:p>
-              <a:pPr algn="ctr"/>
-              <a:endParaRPr lang="en-US"/>
-            </a:p>
-          </p:txBody>
-        </p:sp>
-        <p:cxnSp>
-          <p:nvCxnSpPr>
-            <p:cNvPr id="613" name="Straight Arrow Connector 612"/>
-            <p:cNvCxnSpPr>
-              <a:stCxn id="609" idx="2"/>
-              <a:endCxn id="620" idx="0"/>
-            </p:cNvCxnSpPr>
-            <p:nvPr/>
-          </p:nvCxnSpPr>
-          <p:spPr>
-            <a:xfrm rot="16200000" flipH="1">
-              <a:off x="4503328" y="4980123"/>
-              <a:ext cx="464018" cy="250353"/>
-            </a:xfrm>
-            <a:prstGeom prst="straightConnector1">
-              <a:avLst/>
-            </a:prstGeom>
-            <a:ln w="28575" cmpd="sng">
-              <a:solidFill>
-                <a:schemeClr val="tx1"/>
-              </a:solidFill>
-              <a:headEnd type="triangle"/>
-              <a:tailEnd type="none"/>
-            </a:ln>
-          </p:spPr>
-          <p:style>
-            <a:lnRef idx="2">
-              <a:schemeClr val="accent1"/>
-            </a:lnRef>
-            <a:fillRef idx="0">
-              <a:schemeClr val="accent1"/>
-            </a:fillRef>
-            <a:effectRef idx="1">
-              <a:schemeClr val="accent1"/>
-            </a:effectRef>
-            <a:fontRef idx="minor">
-              <a:schemeClr val="tx1"/>
-            </a:fontRef>
-          </p:style>
-        </p:cxnSp>
-        <p:cxnSp>
-          <p:nvCxnSpPr>
-            <p:cNvPr id="614" name="Straight Arrow Connector 613"/>
-            <p:cNvCxnSpPr>
-              <a:stCxn id="609" idx="2"/>
-              <a:endCxn id="607" idx="0"/>
-            </p:cNvCxnSpPr>
-            <p:nvPr/>
-          </p:nvCxnSpPr>
-          <p:spPr>
-            <a:xfrm rot="5400000">
-              <a:off x="4252976" y="4980124"/>
-              <a:ext cx="464018" cy="250353"/>
-            </a:xfrm>
-            <a:prstGeom prst="straightConnector1">
-              <a:avLst/>
-            </a:prstGeom>
-            <a:ln w="28575" cmpd="sng">
-              <a:solidFill>
-                <a:schemeClr val="tx1"/>
-              </a:solidFill>
-              <a:headEnd type="triangle"/>
-              <a:tailEnd type="none"/>
-            </a:ln>
-          </p:spPr>
-          <p:style>
-            <a:lnRef idx="2">
-              <a:schemeClr val="accent1"/>
-            </a:lnRef>
-            <a:fillRef idx="0">
-              <a:schemeClr val="accent1"/>
-            </a:fillRef>
-            <a:effectRef idx="1">
-              <a:schemeClr val="accent1"/>
-            </a:effectRef>
-            <a:fontRef idx="minor">
-              <a:schemeClr val="tx1"/>
-            </a:fontRef>
-          </p:style>
-        </p:cxnSp>
-        <p:cxnSp>
-          <p:nvCxnSpPr>
-            <p:cNvPr id="615" name="Straight Arrow Connector 614"/>
-            <p:cNvCxnSpPr>
-              <a:stCxn id="622" idx="3"/>
-              <a:endCxn id="621" idx="1"/>
-            </p:cNvCxnSpPr>
-            <p:nvPr/>
-          </p:nvCxnSpPr>
-          <p:spPr>
-            <a:xfrm>
-              <a:off x="6112280" y="5570906"/>
-              <a:ext cx="464056" cy="1"/>
-            </a:xfrm>
-            <a:prstGeom prst="straightConnector1">
-              <a:avLst/>
-            </a:prstGeom>
-            <a:ln w="28575" cmpd="sng">
-              <a:solidFill>
-                <a:schemeClr val="tx1"/>
-              </a:solidFill>
-              <a:prstDash val="sysDash"/>
-              <a:tailEnd type="none"/>
-            </a:ln>
-          </p:spPr>
-          <p:style>
-            <a:lnRef idx="2">
-              <a:schemeClr val="accent1"/>
-            </a:lnRef>
-            <a:fillRef idx="0">
-              <a:schemeClr val="accent1"/>
-            </a:fillRef>
-            <a:effectRef idx="1">
-              <a:schemeClr val="accent1"/>
-            </a:effectRef>
-            <a:fontRef idx="minor">
-              <a:schemeClr val="tx1"/>
-            </a:fontRef>
-          </p:style>
-        </p:cxnSp>
-        <p:cxnSp>
-          <p:nvCxnSpPr>
-            <p:cNvPr id="616" name="Straight Arrow Connector 615"/>
-            <p:cNvCxnSpPr>
-              <a:stCxn id="611" idx="2"/>
-              <a:endCxn id="621" idx="0"/>
-            </p:cNvCxnSpPr>
-            <p:nvPr/>
-          </p:nvCxnSpPr>
-          <p:spPr>
-            <a:xfrm rot="5400000">
-              <a:off x="6719857" y="4981713"/>
-              <a:ext cx="464018" cy="250353"/>
-            </a:xfrm>
-            <a:prstGeom prst="straightConnector1">
-              <a:avLst/>
-            </a:prstGeom>
-            <a:ln w="28575" cmpd="sng">
-              <a:solidFill>
-                <a:schemeClr val="tx1"/>
-              </a:solidFill>
-              <a:headEnd type="triangle"/>
-              <a:tailEnd type="none"/>
-            </a:ln>
-          </p:spPr>
-          <p:style>
-            <a:lnRef idx="2">
-              <a:schemeClr val="accent1"/>
-            </a:lnRef>
-            <a:fillRef idx="0">
-              <a:schemeClr val="accent1"/>
-            </a:fillRef>
-            <a:effectRef idx="1">
-              <a:schemeClr val="accent1"/>
-            </a:effectRef>
-            <a:fontRef idx="minor">
-              <a:schemeClr val="tx1"/>
-            </a:fontRef>
-          </p:style>
-        </p:cxnSp>
-        <p:cxnSp>
-          <p:nvCxnSpPr>
-            <p:cNvPr id="617" name="Straight Arrow Connector 616"/>
-            <p:cNvCxnSpPr>
-              <a:stCxn id="611" idx="2"/>
-              <a:endCxn id="610" idx="0"/>
-            </p:cNvCxnSpPr>
-            <p:nvPr/>
-          </p:nvCxnSpPr>
-          <p:spPr>
-            <a:xfrm rot="16200000" flipH="1">
-              <a:off x="6970209" y="4981713"/>
-              <a:ext cx="464018" cy="250352"/>
-            </a:xfrm>
-            <a:prstGeom prst="straightConnector1">
-              <a:avLst/>
-            </a:prstGeom>
-            <a:ln w="28575" cmpd="sng">
-              <a:solidFill>
-                <a:schemeClr val="tx1"/>
-              </a:solidFill>
-              <a:headEnd type="triangle"/>
-              <a:tailEnd type="none"/>
-            </a:ln>
-          </p:spPr>
-          <p:style>
-            <a:lnRef idx="2">
-              <a:schemeClr val="accent1"/>
-            </a:lnRef>
-            <a:fillRef idx="0">
-              <a:schemeClr val="accent1"/>
-            </a:fillRef>
-            <a:effectRef idx="1">
-              <a:schemeClr val="accent1"/>
-            </a:effectRef>
-            <a:fontRef idx="minor">
-              <a:schemeClr val="tx1"/>
-            </a:fontRef>
-          </p:style>
-        </p:cxnSp>
-        <p:cxnSp>
-          <p:nvCxnSpPr>
-            <p:cNvPr id="618" name="Straight Arrow Connector 617"/>
-            <p:cNvCxnSpPr>
-              <a:stCxn id="612" idx="2"/>
-              <a:endCxn id="609" idx="0"/>
-            </p:cNvCxnSpPr>
-            <p:nvPr/>
-          </p:nvCxnSpPr>
-          <p:spPr>
-            <a:xfrm rot="5400000">
-              <a:off x="4747053" y="3294399"/>
-              <a:ext cx="977983" cy="1251765"/>
-            </a:xfrm>
-            <a:prstGeom prst="straightConnector1">
-              <a:avLst/>
-            </a:prstGeom>
-            <a:ln w="28575" cmpd="sng">
-              <a:solidFill>
-                <a:schemeClr val="tx1"/>
-              </a:solidFill>
-              <a:prstDash val="sysDash"/>
-              <a:headEnd type="triangle"/>
-              <a:tailEnd type="none"/>
-            </a:ln>
-          </p:spPr>
-          <p:style>
-            <a:lnRef idx="2">
-              <a:schemeClr val="accent1"/>
-            </a:lnRef>
-            <a:fillRef idx="0">
-              <a:schemeClr val="accent1"/>
-            </a:fillRef>
-            <a:effectRef idx="1">
-              <a:schemeClr val="accent1"/>
-            </a:effectRef>
-            <a:fontRef idx="minor">
-              <a:schemeClr val="tx1"/>
-            </a:fontRef>
-          </p:style>
-        </p:cxnSp>
-        <p:cxnSp>
-          <p:nvCxnSpPr>
-            <p:cNvPr id="619" name="Straight Arrow Connector 618"/>
-            <p:cNvCxnSpPr>
-              <a:stCxn id="612" idx="2"/>
-              <a:endCxn id="611" idx="0"/>
-            </p:cNvCxnSpPr>
-            <p:nvPr/>
-          </p:nvCxnSpPr>
-          <p:spPr>
-            <a:xfrm rot="16200000" flipH="1">
-              <a:off x="5979698" y="3313518"/>
-              <a:ext cx="979572" cy="1215116"/>
-            </a:xfrm>
-            <a:prstGeom prst="straightConnector1">
-              <a:avLst/>
-            </a:prstGeom>
-            <a:ln w="28575" cmpd="sng">
-              <a:solidFill>
-                <a:schemeClr val="tx1"/>
-              </a:solidFill>
-              <a:prstDash val="sysDash"/>
-              <a:headEnd type="triangle"/>
-              <a:tailEnd type="none"/>
-            </a:ln>
-          </p:spPr>
-          <p:style>
-            <a:lnRef idx="2">
-              <a:schemeClr val="accent1"/>
-            </a:lnRef>
-            <a:fillRef idx="0">
-              <a:schemeClr val="accent1"/>
-            </a:fillRef>
-            <a:effectRef idx="1">
-              <a:schemeClr val="accent1"/>
-            </a:effectRef>
-            <a:fontRef idx="minor">
-              <a:schemeClr val="tx1"/>
-            </a:fontRef>
-          </p:style>
-        </p:cxnSp>
-        <p:sp>
-          <p:nvSpPr>
-            <p:cNvPr id="620" name="Rectangle 619"/>
-            <p:cNvSpPr/>
-            <p:nvPr/>
-          </p:nvSpPr>
-          <p:spPr>
-            <a:xfrm>
-              <a:off x="4610161" y="5337309"/>
-              <a:ext cx="500706" cy="464018"/>
-            </a:xfrm>
-            <a:prstGeom prst="rect">
-              <a:avLst/>
-            </a:prstGeom>
-            <a:solidFill>
-              <a:schemeClr val="accent4">
-                <a:lumMod val="60000"/>
-                <a:lumOff val="40000"/>
-              </a:schemeClr>
-            </a:solidFill>
-            <a:ln>
-              <a:solidFill>
-                <a:schemeClr val="tx1"/>
-              </a:solidFill>
-            </a:ln>
-          </p:spPr>
-          <p:style>
-            <a:lnRef idx="1">
-              <a:schemeClr val="accent1"/>
-            </a:lnRef>
-            <a:fillRef idx="3">
-              <a:schemeClr val="accent1"/>
-            </a:fillRef>
-            <a:effectRef idx="2">
-              <a:schemeClr val="accent1"/>
-            </a:effectRef>
-            <a:fontRef idx="minor">
-              <a:schemeClr val="lt1"/>
-            </a:fontRef>
-          </p:style>
-          <p:txBody>
-            <a:bodyPr rtlCol="0" anchor="ctr"/>
-            <a:lstStyle/>
-            <a:p>
-              <a:pPr algn="ctr"/>
-              <a:endParaRPr lang="en-US"/>
-            </a:p>
-          </p:txBody>
-        </p:sp>
-        <p:sp>
-          <p:nvSpPr>
-            <p:cNvPr id="621" name="Rectangle 620"/>
-            <p:cNvSpPr/>
-            <p:nvPr/>
-          </p:nvSpPr>
-          <p:spPr>
-            <a:xfrm>
-              <a:off x="6576336" y="5338898"/>
-              <a:ext cx="500706" cy="464018"/>
-            </a:xfrm>
-            <a:prstGeom prst="rect">
-              <a:avLst/>
-            </a:prstGeom>
-            <a:solidFill>
-              <a:schemeClr val="accent4">
-                <a:lumMod val="60000"/>
-                <a:lumOff val="40000"/>
-              </a:schemeClr>
-            </a:solidFill>
-            <a:ln>
-              <a:solidFill>
-                <a:schemeClr val="tx1"/>
-              </a:solidFill>
-            </a:ln>
-          </p:spPr>
-          <p:style>
-            <a:lnRef idx="1">
-              <a:schemeClr val="accent1"/>
-            </a:lnRef>
-            <a:fillRef idx="3">
-              <a:schemeClr val="accent1"/>
-            </a:fillRef>
-            <a:effectRef idx="2">
-              <a:schemeClr val="accent1"/>
-            </a:effectRef>
-            <a:fontRef idx="minor">
-              <a:schemeClr val="lt1"/>
-            </a:fontRef>
-          </p:style>
-          <p:txBody>
-            <a:bodyPr rtlCol="0" anchor="ctr"/>
-            <a:lstStyle/>
-            <a:p>
-              <a:pPr algn="ctr"/>
-              <a:endParaRPr lang="en-US"/>
-            </a:p>
-          </p:txBody>
-        </p:sp>
-        <p:sp>
-          <p:nvSpPr>
-            <p:cNvPr id="622" name="Rectangle 621"/>
-            <p:cNvSpPr/>
-            <p:nvPr/>
-          </p:nvSpPr>
-          <p:spPr>
-            <a:xfrm>
-              <a:off x="5611574" y="5338897"/>
-              <a:ext cx="500706" cy="464018"/>
-            </a:xfrm>
-            <a:prstGeom prst="rect">
-              <a:avLst/>
-            </a:prstGeom>
-            <a:solidFill>
-              <a:schemeClr val="accent4">
-                <a:lumMod val="60000"/>
-                <a:lumOff val="40000"/>
-              </a:schemeClr>
-            </a:solidFill>
-            <a:ln>
-              <a:solidFill>
-                <a:schemeClr val="tx1"/>
-              </a:solidFill>
-            </a:ln>
-          </p:spPr>
-          <p:style>
-            <a:lnRef idx="1">
-              <a:schemeClr val="accent1"/>
-            </a:lnRef>
-            <a:fillRef idx="3">
-              <a:schemeClr val="accent1"/>
-            </a:fillRef>
-            <a:effectRef idx="2">
-              <a:schemeClr val="accent1"/>
-            </a:effectRef>
-            <a:fontRef idx="minor">
-              <a:schemeClr val="lt1"/>
-            </a:fontRef>
-          </p:style>
-          <p:txBody>
-            <a:bodyPr rtlCol="0" anchor="ctr"/>
-            <a:lstStyle/>
-            <a:p>
-              <a:pPr algn="ctr"/>
-              <a:endParaRPr lang="en-US"/>
-            </a:p>
-          </p:txBody>
-        </p:sp>
-        <p:sp>
-          <p:nvSpPr>
-            <p:cNvPr id="623" name="Rectangle 622"/>
-            <p:cNvSpPr/>
-            <p:nvPr/>
-          </p:nvSpPr>
-          <p:spPr>
-            <a:xfrm>
-              <a:off x="5361221" y="4409272"/>
-              <a:ext cx="500706" cy="464018"/>
-            </a:xfrm>
-            <a:prstGeom prst="rect">
-              <a:avLst/>
-            </a:prstGeom>
-            <a:solidFill>
-              <a:schemeClr val="accent4">
-                <a:lumMod val="60000"/>
-                <a:lumOff val="40000"/>
-              </a:schemeClr>
-            </a:solidFill>
-            <a:ln>
-              <a:solidFill>
-                <a:schemeClr val="tx1"/>
-              </a:solidFill>
-            </a:ln>
-          </p:spPr>
-          <p:style>
-            <a:lnRef idx="1">
-              <a:schemeClr val="accent1"/>
-            </a:lnRef>
-            <a:fillRef idx="3">
-              <a:schemeClr val="accent1"/>
-            </a:fillRef>
-            <a:effectRef idx="2">
-              <a:schemeClr val="accent1"/>
-            </a:effectRef>
-            <a:fontRef idx="minor">
-              <a:schemeClr val="lt1"/>
-            </a:fontRef>
-          </p:style>
-          <p:txBody>
-            <a:bodyPr rtlCol="0" anchor="ctr"/>
-            <a:lstStyle/>
-            <a:p>
-              <a:pPr algn="ctr"/>
-              <a:endParaRPr lang="en-US"/>
-            </a:p>
-          </p:txBody>
-        </p:sp>
-        <p:cxnSp>
-          <p:nvCxnSpPr>
-            <p:cNvPr id="624" name="Straight Arrow Connector 623"/>
-            <p:cNvCxnSpPr>
-              <a:stCxn id="623" idx="2"/>
-            </p:cNvCxnSpPr>
-            <p:nvPr/>
-          </p:nvCxnSpPr>
-          <p:spPr>
-            <a:xfrm rot="5400000">
-              <a:off x="5253592" y="4980918"/>
-              <a:ext cx="465610" cy="250354"/>
-            </a:xfrm>
-            <a:prstGeom prst="straightConnector1">
-              <a:avLst/>
-            </a:prstGeom>
-            <a:ln w="28575" cmpd="sng">
-              <a:solidFill>
-                <a:schemeClr val="tx1"/>
-              </a:solidFill>
-              <a:headEnd type="triangle"/>
-              <a:tailEnd type="none"/>
-            </a:ln>
-          </p:spPr>
-          <p:style>
-            <a:lnRef idx="2">
-              <a:schemeClr val="accent1"/>
-            </a:lnRef>
-            <a:fillRef idx="0">
-              <a:schemeClr val="accent1"/>
-            </a:fillRef>
-            <a:effectRef idx="1">
-              <a:schemeClr val="accent1"/>
-            </a:effectRef>
-            <a:fontRef idx="minor">
-              <a:schemeClr val="tx1"/>
-            </a:fontRef>
-          </p:style>
-        </p:cxnSp>
-        <p:cxnSp>
-          <p:nvCxnSpPr>
-            <p:cNvPr id="625" name="Straight Arrow Connector 624"/>
-            <p:cNvCxnSpPr>
-              <a:endCxn id="622" idx="0"/>
-            </p:cNvCxnSpPr>
-            <p:nvPr/>
-          </p:nvCxnSpPr>
-          <p:spPr>
-            <a:xfrm rot="16200000" flipH="1">
-              <a:off x="5503947" y="4980916"/>
-              <a:ext cx="465607" cy="250353"/>
-            </a:xfrm>
-            <a:prstGeom prst="straightConnector1">
-              <a:avLst/>
-            </a:prstGeom>
-            <a:ln w="28575" cmpd="sng">
-              <a:solidFill>
-                <a:schemeClr val="tx1"/>
-              </a:solidFill>
-              <a:headEnd type="triangle"/>
-              <a:tailEnd type="none"/>
-            </a:ln>
-          </p:spPr>
-          <p:style>
-            <a:lnRef idx="2">
-              <a:schemeClr val="accent1"/>
-            </a:lnRef>
-            <a:fillRef idx="0">
-              <a:schemeClr val="accent1"/>
-            </a:fillRef>
-            <a:effectRef idx="1">
-              <a:schemeClr val="accent1"/>
-            </a:effectRef>
-            <a:fontRef idx="minor">
-              <a:schemeClr val="tx1"/>
-            </a:fontRef>
-          </p:style>
-        </p:cxnSp>
-        <p:cxnSp>
-          <p:nvCxnSpPr>
-            <p:cNvPr id="626" name="Straight Arrow Connector 625"/>
-            <p:cNvCxnSpPr>
-              <a:stCxn id="612" idx="2"/>
-              <a:endCxn id="623" idx="0"/>
-            </p:cNvCxnSpPr>
-            <p:nvPr/>
-          </p:nvCxnSpPr>
-          <p:spPr>
-            <a:xfrm rot="5400000">
-              <a:off x="5247759" y="3795105"/>
-              <a:ext cx="977982" cy="250352"/>
-            </a:xfrm>
-            <a:prstGeom prst="straightConnector1">
-              <a:avLst/>
-            </a:prstGeom>
-            <a:ln w="28575" cmpd="sng">
-              <a:solidFill>
-                <a:schemeClr val="tx1"/>
-              </a:solidFill>
-              <a:prstDash val="sysDash"/>
-              <a:headEnd type="triangle"/>
-              <a:tailEnd type="none"/>
-            </a:ln>
-          </p:spPr>
-          <p:style>
-            <a:lnRef idx="2">
-              <a:schemeClr val="accent1"/>
-            </a:lnRef>
-            <a:fillRef idx="0">
-              <a:schemeClr val="accent1"/>
-            </a:fillRef>
-            <a:effectRef idx="1">
-              <a:schemeClr val="accent1"/>
-            </a:effectRef>
-            <a:fontRef idx="minor">
-              <a:schemeClr val="tx1"/>
-            </a:fontRef>
-          </p:style>
-        </p:cxnSp>
-      </p:grpSp>
-      <p:sp>
-        <p:nvSpPr>
-          <p:cNvPr id="647" name="Title 1"/>
-          <p:cNvSpPr txBox="1">
-            <a:spLocks/>
-          </p:cNvSpPr>
-          <p:nvPr/>
-        </p:nvSpPr>
-        <p:spPr bwMode="auto">
-          <a:xfrm>
-            <a:off x="5948248" y="13811199"/>
-            <a:ext cx="4416768" cy="465392"/>
-          </a:xfrm>
-          <a:prstGeom prst="rect">
-            <a:avLst/>
-          </a:prstGeom>
-          <a:noFill/>
-          <a:ln w="9525">
-            <a:noFill/>
-            <a:miter lim="800000"/>
-            <a:headEnd/>
-            <a:tailEnd/>
-          </a:ln>
-        </p:spPr>
-        <p:txBody>
-          <a:bodyPr vert="horz" wrap="square" lIns="65306" tIns="32653" rIns="65306" bIns="65306" numCol="1" anchor="b" anchorCtr="0" compatLnSpc="1">
-            <a:prstTxWarp prst="textNoShape">
-              <a:avLst/>
-            </a:prstTxWarp>
-          </a:bodyPr>
-          <a:lstStyle/>
-          <a:p>
-            <a:pPr algn="ctr" defTabSz="653064" fontAlgn="base">
-              <a:spcBef>
-                <a:spcPct val="0"/>
-              </a:spcBef>
-              <a:spcAft>
-                <a:spcPct val="0"/>
-              </a:spcAft>
-              <a:defRPr/>
-            </a:pPr>
-            <a:r>
-              <a:rPr lang="en-US" sz="2000" dirty="0" err="1" smtClean="0">
-                <a:solidFill>
-                  <a:srgbClr val="0000FF"/>
-                </a:solidFill>
-                <a:latin typeface="Monaco"/>
-                <a:cs typeface="Monaco"/>
-              </a:rPr>
-              <a:t>pfunc::parallel_reduce</a:t>
-            </a:r>
-            <a:endParaRPr lang="en-US" sz="2000" b="1" dirty="0" smtClean="0">
-              <a:solidFill>
-                <a:srgbClr val="0000FF"/>
-              </a:solidFill>
-              <a:latin typeface="Franklin Gothic Book"/>
-              <a:ea typeface="ＭＳ Ｐゴシック" charset="-128"/>
-              <a:cs typeface="ＭＳ Ｐゴシック" charset="-128"/>
-            </a:endParaRPr>
-          </a:p>
-        </p:txBody>
-      </p:sp>
-      <p:grpSp>
-        <p:nvGrpSpPr>
-          <p:cNvPr id="627" name="Group 626"/>
-          <p:cNvGrpSpPr/>
-          <p:nvPr/>
-        </p:nvGrpSpPr>
-        <p:grpSpPr>
-          <a:xfrm>
-            <a:off x="2155632" y="12572923"/>
-            <a:ext cx="3004236" cy="309345"/>
-            <a:chOff x="1856278" y="2271245"/>
-            <a:chExt cx="4005648" cy="464018"/>
-          </a:xfrm>
-        </p:grpSpPr>
-        <p:sp>
-          <p:nvSpPr>
-            <p:cNvPr id="628" name="Rectangle 627"/>
-            <p:cNvSpPr/>
-            <p:nvPr/>
-          </p:nvSpPr>
-          <p:spPr>
-            <a:xfrm>
-              <a:off x="1856278" y="2271245"/>
-              <a:ext cx="500706" cy="464018"/>
-            </a:xfrm>
-            <a:prstGeom prst="rect">
-              <a:avLst/>
-            </a:prstGeom>
-            <a:solidFill>
-              <a:schemeClr val="accent4">
-                <a:lumMod val="60000"/>
-                <a:lumOff val="40000"/>
-              </a:schemeClr>
-            </a:solidFill>
-            <a:ln>
-              <a:solidFill>
-                <a:schemeClr val="tx1"/>
-              </a:solidFill>
-            </a:ln>
-          </p:spPr>
-          <p:style>
-            <a:lnRef idx="1">
-              <a:schemeClr val="accent1"/>
-            </a:lnRef>
-            <a:fillRef idx="3">
-              <a:schemeClr val="accent1"/>
-            </a:fillRef>
-            <a:effectRef idx="2">
-              <a:schemeClr val="accent1"/>
-            </a:effectRef>
-            <a:fontRef idx="minor">
-              <a:schemeClr val="lt1"/>
-            </a:fontRef>
-          </p:style>
-          <p:txBody>
-            <a:bodyPr rtlCol="0" anchor="ctr"/>
-            <a:lstStyle/>
-            <a:p>
-              <a:pPr algn="ctr"/>
-              <a:endParaRPr lang="en-US"/>
-            </a:p>
-          </p:txBody>
-        </p:sp>
-        <p:sp>
-          <p:nvSpPr>
-            <p:cNvPr id="629" name="Rectangle 628"/>
-            <p:cNvSpPr/>
-            <p:nvPr/>
-          </p:nvSpPr>
-          <p:spPr>
-            <a:xfrm>
-              <a:off x="2356984" y="2271245"/>
-              <a:ext cx="500706" cy="464018"/>
-            </a:xfrm>
-            <a:prstGeom prst="rect">
-              <a:avLst/>
-            </a:prstGeom>
-            <a:solidFill>
-              <a:schemeClr val="accent4">
-                <a:lumMod val="60000"/>
-                <a:lumOff val="40000"/>
-              </a:schemeClr>
-            </a:solidFill>
-            <a:ln>
-              <a:solidFill>
-                <a:schemeClr val="tx1"/>
-              </a:solidFill>
-            </a:ln>
-          </p:spPr>
-          <p:style>
-            <a:lnRef idx="1">
-              <a:schemeClr val="accent1"/>
-            </a:lnRef>
-            <a:fillRef idx="3">
-              <a:schemeClr val="accent1"/>
-            </a:fillRef>
-            <a:effectRef idx="2">
-              <a:schemeClr val="accent1"/>
-            </a:effectRef>
-            <a:fontRef idx="minor">
-              <a:schemeClr val="lt1"/>
-            </a:fontRef>
-          </p:style>
-          <p:txBody>
-            <a:bodyPr rtlCol="0" anchor="ctr"/>
-            <a:lstStyle/>
-            <a:p>
-              <a:pPr algn="ctr"/>
-              <a:endParaRPr lang="en-US"/>
-            </a:p>
-          </p:txBody>
-        </p:sp>
-        <p:sp>
-          <p:nvSpPr>
-            <p:cNvPr id="630" name="Rectangle 629"/>
-            <p:cNvSpPr/>
-            <p:nvPr/>
-          </p:nvSpPr>
-          <p:spPr>
-            <a:xfrm>
-              <a:off x="2857690" y="2271245"/>
-              <a:ext cx="500706" cy="464018"/>
-            </a:xfrm>
-            <a:prstGeom prst="rect">
-              <a:avLst/>
-            </a:prstGeom>
-            <a:solidFill>
-              <a:schemeClr val="accent4">
-                <a:lumMod val="60000"/>
-                <a:lumOff val="40000"/>
-              </a:schemeClr>
-            </a:solidFill>
-            <a:ln>
-              <a:solidFill>
-                <a:schemeClr val="tx1"/>
-              </a:solidFill>
-            </a:ln>
-          </p:spPr>
-          <p:style>
-            <a:lnRef idx="1">
-              <a:schemeClr val="accent1"/>
-            </a:lnRef>
-            <a:fillRef idx="3">
-              <a:schemeClr val="accent1"/>
-            </a:fillRef>
-            <a:effectRef idx="2">
-              <a:schemeClr val="accent1"/>
-            </a:effectRef>
-            <a:fontRef idx="minor">
-              <a:schemeClr val="lt1"/>
-            </a:fontRef>
-          </p:style>
-          <p:txBody>
-            <a:bodyPr rtlCol="0" anchor="ctr"/>
-            <a:lstStyle/>
-            <a:p>
-              <a:pPr algn="ctr"/>
-              <a:endParaRPr lang="en-US"/>
-            </a:p>
-          </p:txBody>
-        </p:sp>
-        <p:sp>
-          <p:nvSpPr>
-            <p:cNvPr id="631" name="Rectangle 630"/>
-            <p:cNvSpPr/>
-            <p:nvPr/>
-          </p:nvSpPr>
-          <p:spPr>
-            <a:xfrm>
-              <a:off x="3358396" y="2271245"/>
-              <a:ext cx="500706" cy="464018"/>
-            </a:xfrm>
-            <a:prstGeom prst="rect">
-              <a:avLst/>
-            </a:prstGeom>
-            <a:solidFill>
-              <a:schemeClr val="accent4">
-                <a:lumMod val="60000"/>
-                <a:lumOff val="40000"/>
-              </a:schemeClr>
-            </a:solidFill>
-            <a:ln>
-              <a:solidFill>
-                <a:schemeClr val="tx1"/>
-              </a:solidFill>
-            </a:ln>
-          </p:spPr>
-          <p:style>
-            <a:lnRef idx="1">
-              <a:schemeClr val="accent1"/>
-            </a:lnRef>
-            <a:fillRef idx="3">
-              <a:schemeClr val="accent1"/>
-            </a:fillRef>
-            <a:effectRef idx="2">
-              <a:schemeClr val="accent1"/>
-            </a:effectRef>
-            <a:fontRef idx="minor">
-              <a:schemeClr val="lt1"/>
-            </a:fontRef>
-          </p:style>
-          <p:txBody>
-            <a:bodyPr rtlCol="0" anchor="ctr"/>
-            <a:lstStyle/>
-            <a:p>
-              <a:pPr algn="ctr"/>
-              <a:endParaRPr lang="en-US"/>
-            </a:p>
-          </p:txBody>
-        </p:sp>
-        <p:sp>
-          <p:nvSpPr>
-            <p:cNvPr id="632" name="Rectangle 631"/>
-            <p:cNvSpPr/>
-            <p:nvPr/>
-          </p:nvSpPr>
-          <p:spPr>
-            <a:xfrm>
-              <a:off x="3859102" y="2271245"/>
-              <a:ext cx="500706" cy="464018"/>
-            </a:xfrm>
-            <a:prstGeom prst="rect">
-              <a:avLst/>
-            </a:prstGeom>
-            <a:solidFill>
-              <a:schemeClr val="accent4">
-                <a:lumMod val="60000"/>
-                <a:lumOff val="40000"/>
-              </a:schemeClr>
-            </a:solidFill>
-            <a:ln>
-              <a:solidFill>
-                <a:schemeClr val="tx1"/>
-              </a:solidFill>
-            </a:ln>
-          </p:spPr>
-          <p:style>
-            <a:lnRef idx="1">
-              <a:schemeClr val="accent1"/>
-            </a:lnRef>
-            <a:fillRef idx="3">
-              <a:schemeClr val="accent1"/>
-            </a:fillRef>
-            <a:effectRef idx="2">
-              <a:schemeClr val="accent1"/>
-            </a:effectRef>
-            <a:fontRef idx="minor">
-              <a:schemeClr val="lt1"/>
-            </a:fontRef>
-          </p:style>
-          <p:txBody>
-            <a:bodyPr rtlCol="0" anchor="ctr"/>
-            <a:lstStyle/>
-            <a:p>
-              <a:pPr algn="ctr"/>
-              <a:endParaRPr lang="en-US"/>
-            </a:p>
-          </p:txBody>
-        </p:sp>
-        <p:sp>
-          <p:nvSpPr>
-            <p:cNvPr id="633" name="Rectangle 632"/>
-            <p:cNvSpPr/>
-            <p:nvPr/>
-          </p:nvSpPr>
-          <p:spPr>
-            <a:xfrm>
-              <a:off x="4359808" y="2271245"/>
-              <a:ext cx="500706" cy="464018"/>
-            </a:xfrm>
-            <a:prstGeom prst="rect">
-              <a:avLst/>
-            </a:prstGeom>
-            <a:solidFill>
-              <a:schemeClr val="accent4">
-                <a:lumMod val="60000"/>
-                <a:lumOff val="40000"/>
-              </a:schemeClr>
-            </a:solidFill>
-            <a:ln>
-              <a:solidFill>
-                <a:schemeClr val="tx1"/>
-              </a:solidFill>
-            </a:ln>
-          </p:spPr>
-          <p:style>
-            <a:lnRef idx="1">
-              <a:schemeClr val="accent1"/>
-            </a:lnRef>
-            <a:fillRef idx="3">
-              <a:schemeClr val="accent1"/>
-            </a:fillRef>
-            <a:effectRef idx="2">
-              <a:schemeClr val="accent1"/>
-            </a:effectRef>
-            <a:fontRef idx="minor">
-              <a:schemeClr val="lt1"/>
-            </a:fontRef>
-          </p:style>
-          <p:txBody>
-            <a:bodyPr rtlCol="0" anchor="ctr"/>
-            <a:lstStyle/>
-            <a:p>
-              <a:pPr algn="ctr"/>
-              <a:endParaRPr lang="en-US"/>
-            </a:p>
-          </p:txBody>
-        </p:sp>
-        <p:sp>
-          <p:nvSpPr>
-            <p:cNvPr id="634" name="Rectangle 633"/>
-            <p:cNvSpPr/>
-            <p:nvPr/>
-          </p:nvSpPr>
-          <p:spPr>
-            <a:xfrm>
-              <a:off x="4860514" y="2271245"/>
-              <a:ext cx="500706" cy="464018"/>
-            </a:xfrm>
-            <a:prstGeom prst="rect">
-              <a:avLst/>
-            </a:prstGeom>
-            <a:solidFill>
-              <a:schemeClr val="accent4">
-                <a:lumMod val="60000"/>
-                <a:lumOff val="40000"/>
-              </a:schemeClr>
-            </a:solidFill>
-            <a:ln>
-              <a:solidFill>
-                <a:schemeClr val="tx1"/>
-              </a:solidFill>
-            </a:ln>
-          </p:spPr>
-          <p:style>
-            <a:lnRef idx="1">
-              <a:schemeClr val="accent1"/>
-            </a:lnRef>
-            <a:fillRef idx="3">
-              <a:schemeClr val="accent1"/>
-            </a:fillRef>
-            <a:effectRef idx="2">
-              <a:schemeClr val="accent1"/>
-            </a:effectRef>
-            <a:fontRef idx="minor">
-              <a:schemeClr val="lt1"/>
-            </a:fontRef>
-          </p:style>
-          <p:txBody>
-            <a:bodyPr rtlCol="0" anchor="ctr"/>
-            <a:lstStyle/>
-            <a:p>
-              <a:pPr algn="ctr"/>
-              <a:endParaRPr lang="en-US"/>
-            </a:p>
-          </p:txBody>
-        </p:sp>
-        <p:sp>
-          <p:nvSpPr>
-            <p:cNvPr id="635" name="Rectangle 634"/>
-            <p:cNvSpPr/>
-            <p:nvPr/>
-          </p:nvSpPr>
-          <p:spPr>
-            <a:xfrm>
-              <a:off x="5361220" y="2271245"/>
-              <a:ext cx="500706" cy="464018"/>
-            </a:xfrm>
-            <a:prstGeom prst="rect">
-              <a:avLst/>
-            </a:prstGeom>
-            <a:solidFill>
-              <a:schemeClr val="accent4">
-                <a:lumMod val="60000"/>
-                <a:lumOff val="40000"/>
-              </a:schemeClr>
-            </a:solidFill>
-            <a:ln>
-              <a:solidFill>
-                <a:schemeClr val="tx1"/>
-              </a:solidFill>
-            </a:ln>
-          </p:spPr>
-          <p:style>
-            <a:lnRef idx="1">
-              <a:schemeClr val="accent1"/>
-            </a:lnRef>
-            <a:fillRef idx="3">
-              <a:schemeClr val="accent1"/>
-            </a:fillRef>
-            <a:effectRef idx="2">
-              <a:schemeClr val="accent1"/>
-            </a:effectRef>
-            <a:fontRef idx="minor">
-              <a:schemeClr val="lt1"/>
-            </a:fontRef>
-          </p:style>
-          <p:txBody>
-            <a:bodyPr rtlCol="0" anchor="ctr"/>
-            <a:lstStyle/>
-            <a:p>
-              <a:pPr algn="ctr"/>
-              <a:endParaRPr lang="en-US"/>
-            </a:p>
-          </p:txBody>
-        </p:sp>
-      </p:grpSp>
-      <p:sp>
-        <p:nvSpPr>
-          <p:cNvPr id="651" name="Title 1"/>
-          <p:cNvSpPr txBox="1">
-            <a:spLocks/>
-          </p:cNvSpPr>
-          <p:nvPr/>
-        </p:nvSpPr>
-        <p:spPr bwMode="auto">
-          <a:xfrm>
-            <a:off x="1462030" y="12794505"/>
-            <a:ext cx="4416768" cy="465392"/>
-          </a:xfrm>
-          <a:prstGeom prst="rect">
-            <a:avLst/>
-          </a:prstGeom>
-          <a:noFill/>
-          <a:ln w="9525">
-            <a:noFill/>
-            <a:miter lim="800000"/>
-            <a:headEnd/>
-            <a:tailEnd/>
-          </a:ln>
-        </p:spPr>
-        <p:txBody>
-          <a:bodyPr vert="horz" wrap="square" lIns="65306" tIns="32653" rIns="65306" bIns="65306" numCol="1" anchor="b" anchorCtr="0" compatLnSpc="1">
-            <a:prstTxWarp prst="textNoShape">
-              <a:avLst/>
-            </a:prstTxWarp>
-          </a:bodyPr>
-          <a:lstStyle/>
-          <a:p>
-            <a:pPr algn="ctr" defTabSz="653064" fontAlgn="base">
-              <a:spcBef>
-                <a:spcPct val="0"/>
-              </a:spcBef>
-              <a:spcAft>
-                <a:spcPct val="0"/>
-              </a:spcAft>
-              <a:defRPr/>
-            </a:pPr>
-            <a:r>
-              <a:rPr lang="en-US" sz="2000" dirty="0" err="1" smtClean="0">
-                <a:solidFill>
-                  <a:srgbClr val="0000FF"/>
-                </a:solidFill>
-                <a:latin typeface="Monaco"/>
-                <a:cs typeface="Monaco"/>
-              </a:rPr>
-              <a:t>pfunc::parallel_for</a:t>
-            </a:r>
-            <a:endParaRPr lang="en-US" sz="2000" b="1" dirty="0" smtClean="0">
-              <a:solidFill>
-                <a:srgbClr val="0000FF"/>
-              </a:solidFill>
-              <a:latin typeface="Franklin Gothic Book"/>
-              <a:ea typeface="ＭＳ Ｐゴシック" charset="-128"/>
-              <a:cs typeface="ＭＳ Ｐゴシック" charset="-128"/>
-            </a:endParaRPr>
-          </a:p>
-        </p:txBody>
-      </p:sp>
-      <p:grpSp>
-        <p:nvGrpSpPr>
-          <p:cNvPr id="636" name="Group 635"/>
-          <p:cNvGrpSpPr/>
-          <p:nvPr/>
-        </p:nvGrpSpPr>
-        <p:grpSpPr>
-          <a:xfrm>
-            <a:off x="2074576" y="13519398"/>
-            <a:ext cx="3379766" cy="311463"/>
-            <a:chOff x="1856278" y="3644744"/>
-            <a:chExt cx="4506354" cy="467194"/>
-          </a:xfrm>
-        </p:grpSpPr>
-        <p:sp>
-          <p:nvSpPr>
-            <p:cNvPr id="637" name="Rectangle 636"/>
-            <p:cNvSpPr/>
-            <p:nvPr/>
-          </p:nvSpPr>
-          <p:spPr>
-            <a:xfrm>
-              <a:off x="1856278" y="3644744"/>
-              <a:ext cx="500706" cy="464018"/>
-            </a:xfrm>
-            <a:prstGeom prst="rect">
-              <a:avLst/>
-            </a:prstGeom>
-            <a:solidFill>
-              <a:schemeClr val="accent4">
-                <a:lumMod val="60000"/>
-                <a:lumOff val="40000"/>
-              </a:schemeClr>
-            </a:solidFill>
-            <a:ln>
-              <a:solidFill>
-                <a:schemeClr val="tx1"/>
-              </a:solidFill>
-            </a:ln>
-          </p:spPr>
-          <p:style>
-            <a:lnRef idx="1">
-              <a:schemeClr val="accent1"/>
-            </a:lnRef>
-            <a:fillRef idx="3">
-              <a:schemeClr val="accent1"/>
-            </a:fillRef>
-            <a:effectRef idx="2">
-              <a:schemeClr val="accent1"/>
-            </a:effectRef>
-            <a:fontRef idx="minor">
-              <a:schemeClr val="lt1"/>
-            </a:fontRef>
-          </p:style>
-          <p:txBody>
-            <a:bodyPr rtlCol="0" anchor="ctr"/>
-            <a:lstStyle/>
-            <a:p>
-              <a:pPr algn="ctr"/>
-              <a:endParaRPr lang="en-US"/>
-            </a:p>
-          </p:txBody>
-        </p:sp>
-        <p:sp>
-          <p:nvSpPr>
-            <p:cNvPr id="638" name="Rectangle 637"/>
-            <p:cNvSpPr/>
-            <p:nvPr/>
-          </p:nvSpPr>
-          <p:spPr>
-            <a:xfrm>
-              <a:off x="2857690" y="3644744"/>
-              <a:ext cx="500706" cy="464018"/>
-            </a:xfrm>
-            <a:prstGeom prst="rect">
-              <a:avLst/>
-            </a:prstGeom>
-            <a:solidFill>
-              <a:schemeClr val="accent4">
-                <a:lumMod val="60000"/>
-                <a:lumOff val="40000"/>
-              </a:schemeClr>
-            </a:solidFill>
-            <a:ln>
-              <a:solidFill>
-                <a:schemeClr val="tx1"/>
-              </a:solidFill>
-            </a:ln>
-          </p:spPr>
-          <p:style>
-            <a:lnRef idx="1">
-              <a:schemeClr val="accent1"/>
-            </a:lnRef>
-            <a:fillRef idx="3">
-              <a:schemeClr val="accent1"/>
-            </a:fillRef>
-            <a:effectRef idx="2">
-              <a:schemeClr val="accent1"/>
-            </a:effectRef>
-            <a:fontRef idx="minor">
-              <a:schemeClr val="lt1"/>
-            </a:fontRef>
-          </p:style>
-          <p:txBody>
-            <a:bodyPr rtlCol="0" anchor="ctr"/>
-            <a:lstStyle/>
-            <a:p>
-              <a:pPr algn="ctr"/>
-              <a:endParaRPr lang="en-US"/>
-            </a:p>
-          </p:txBody>
-        </p:sp>
-        <p:cxnSp>
-          <p:nvCxnSpPr>
-            <p:cNvPr id="639" name="Straight Arrow Connector 638"/>
-            <p:cNvCxnSpPr>
-              <a:stCxn id="637" idx="3"/>
-              <a:endCxn id="638" idx="1"/>
-            </p:cNvCxnSpPr>
-            <p:nvPr/>
-          </p:nvCxnSpPr>
-          <p:spPr>
-            <a:xfrm>
-              <a:off x="2356984" y="3876753"/>
-              <a:ext cx="500706" cy="1588"/>
-            </a:xfrm>
-            <a:prstGeom prst="straightConnector1">
-              <a:avLst/>
-            </a:prstGeom>
-            <a:ln w="28575" cmpd="sng">
-              <a:solidFill>
-                <a:schemeClr val="tx1"/>
-              </a:solidFill>
-              <a:tailEnd type="arrow"/>
-            </a:ln>
-          </p:spPr>
-          <p:style>
-            <a:lnRef idx="2">
-              <a:schemeClr val="accent1"/>
-            </a:lnRef>
-            <a:fillRef idx="0">
-              <a:schemeClr val="accent1"/>
-            </a:fillRef>
-            <a:effectRef idx="1">
-              <a:schemeClr val="accent1"/>
-            </a:effectRef>
-            <a:fontRef idx="minor">
-              <a:schemeClr val="tx1"/>
-            </a:fontRef>
-          </p:style>
-        </p:cxnSp>
-        <p:sp>
-          <p:nvSpPr>
-            <p:cNvPr id="640" name="Rectangle 639"/>
-            <p:cNvSpPr/>
-            <p:nvPr/>
-          </p:nvSpPr>
-          <p:spPr>
-            <a:xfrm>
-              <a:off x="3859102" y="3646332"/>
-              <a:ext cx="500706" cy="464018"/>
-            </a:xfrm>
-            <a:prstGeom prst="rect">
-              <a:avLst/>
-            </a:prstGeom>
-            <a:solidFill>
-              <a:schemeClr val="accent4">
-                <a:lumMod val="60000"/>
-                <a:lumOff val="40000"/>
-              </a:schemeClr>
-            </a:solidFill>
-            <a:ln>
-              <a:solidFill>
-                <a:schemeClr val="tx1"/>
-              </a:solidFill>
-            </a:ln>
-          </p:spPr>
-          <p:style>
-            <a:lnRef idx="1">
-              <a:schemeClr val="accent1"/>
-            </a:lnRef>
-            <a:fillRef idx="3">
-              <a:schemeClr val="accent1"/>
-            </a:fillRef>
-            <a:effectRef idx="2">
-              <a:schemeClr val="accent1"/>
-            </a:effectRef>
-            <a:fontRef idx="minor">
-              <a:schemeClr val="lt1"/>
-            </a:fontRef>
-          </p:style>
-          <p:txBody>
-            <a:bodyPr rtlCol="0" anchor="ctr"/>
-            <a:lstStyle/>
-            <a:p>
-              <a:pPr algn="ctr"/>
-              <a:endParaRPr lang="en-US"/>
-            </a:p>
-          </p:txBody>
-        </p:sp>
-        <p:sp>
-          <p:nvSpPr>
-            <p:cNvPr id="641" name="Rectangle 640"/>
-            <p:cNvSpPr/>
-            <p:nvPr/>
-          </p:nvSpPr>
-          <p:spPr>
-            <a:xfrm>
-              <a:off x="4860514" y="3646332"/>
-              <a:ext cx="500706" cy="464018"/>
-            </a:xfrm>
-            <a:prstGeom prst="rect">
-              <a:avLst/>
-            </a:prstGeom>
-            <a:solidFill>
-              <a:schemeClr val="accent4">
-                <a:lumMod val="60000"/>
-                <a:lumOff val="40000"/>
-              </a:schemeClr>
-            </a:solidFill>
-            <a:ln>
-              <a:solidFill>
-                <a:schemeClr val="tx1"/>
-              </a:solidFill>
-            </a:ln>
-          </p:spPr>
-          <p:style>
-            <a:lnRef idx="1">
-              <a:schemeClr val="accent1"/>
-            </a:lnRef>
-            <a:fillRef idx="3">
-              <a:schemeClr val="accent1"/>
-            </a:fillRef>
-            <a:effectRef idx="2">
-              <a:schemeClr val="accent1"/>
-            </a:effectRef>
-            <a:fontRef idx="minor">
-              <a:schemeClr val="lt1"/>
-            </a:fontRef>
-          </p:style>
-          <p:txBody>
-            <a:bodyPr rtlCol="0" anchor="ctr"/>
-            <a:lstStyle/>
-            <a:p>
-              <a:pPr algn="ctr"/>
-              <a:endParaRPr lang="en-US"/>
-            </a:p>
-          </p:txBody>
-        </p:sp>
-        <p:cxnSp>
-          <p:nvCxnSpPr>
-            <p:cNvPr id="642" name="Straight Arrow Connector 641"/>
-            <p:cNvCxnSpPr>
-              <a:stCxn id="640" idx="3"/>
-              <a:endCxn id="641" idx="1"/>
-            </p:cNvCxnSpPr>
-            <p:nvPr/>
-          </p:nvCxnSpPr>
-          <p:spPr>
-            <a:xfrm>
-              <a:off x="4359808" y="3878341"/>
-              <a:ext cx="500706" cy="1588"/>
-            </a:xfrm>
-            <a:prstGeom prst="straightConnector1">
-              <a:avLst/>
-            </a:prstGeom>
-            <a:ln w="28575" cmpd="sng">
-              <a:solidFill>
-                <a:schemeClr val="tx1"/>
-              </a:solidFill>
-              <a:tailEnd type="arrow"/>
-            </a:ln>
-          </p:spPr>
-          <p:style>
-            <a:lnRef idx="2">
-              <a:schemeClr val="accent1"/>
-            </a:lnRef>
-            <a:fillRef idx="0">
-              <a:schemeClr val="accent1"/>
-            </a:fillRef>
-            <a:effectRef idx="1">
-              <a:schemeClr val="accent1"/>
-            </a:effectRef>
-            <a:fontRef idx="minor">
-              <a:schemeClr val="tx1"/>
-            </a:fontRef>
-          </p:style>
-        </p:cxnSp>
-        <p:cxnSp>
-          <p:nvCxnSpPr>
-            <p:cNvPr id="643" name="Straight Arrow Connector 642"/>
-            <p:cNvCxnSpPr>
-              <a:stCxn id="638" idx="3"/>
-              <a:endCxn id="640" idx="1"/>
-            </p:cNvCxnSpPr>
-            <p:nvPr/>
-          </p:nvCxnSpPr>
-          <p:spPr>
-            <a:xfrm>
-              <a:off x="3358396" y="3876753"/>
-              <a:ext cx="500706" cy="1588"/>
-            </a:xfrm>
-            <a:prstGeom prst="straightConnector1">
-              <a:avLst/>
-            </a:prstGeom>
-            <a:ln w="28575" cmpd="sng">
-              <a:solidFill>
-                <a:schemeClr val="tx1"/>
-              </a:solidFill>
-              <a:tailEnd type="arrow"/>
-            </a:ln>
-          </p:spPr>
-          <p:style>
-            <a:lnRef idx="2">
-              <a:schemeClr val="accent1"/>
-            </a:lnRef>
-            <a:fillRef idx="0">
-              <a:schemeClr val="accent1"/>
-            </a:fillRef>
-            <a:effectRef idx="1">
-              <a:schemeClr val="accent1"/>
-            </a:effectRef>
-            <a:fontRef idx="minor">
-              <a:schemeClr val="tx1"/>
-            </a:fontRef>
-          </p:style>
-        </p:cxnSp>
-        <p:sp>
-          <p:nvSpPr>
-            <p:cNvPr id="644" name="Rectangle 643"/>
-            <p:cNvSpPr/>
-            <p:nvPr/>
-          </p:nvSpPr>
-          <p:spPr>
-            <a:xfrm>
-              <a:off x="5861926" y="3647920"/>
-              <a:ext cx="500706" cy="464018"/>
-            </a:xfrm>
-            <a:prstGeom prst="rect">
-              <a:avLst/>
-            </a:prstGeom>
-            <a:solidFill>
-              <a:schemeClr val="accent4">
-                <a:lumMod val="60000"/>
-                <a:lumOff val="40000"/>
-              </a:schemeClr>
-            </a:solidFill>
-            <a:ln>
-              <a:solidFill>
-                <a:schemeClr val="tx1"/>
-              </a:solidFill>
-            </a:ln>
-          </p:spPr>
-          <p:style>
-            <a:lnRef idx="1">
-              <a:schemeClr val="accent1"/>
-            </a:lnRef>
-            <a:fillRef idx="3">
-              <a:schemeClr val="accent1"/>
-            </a:fillRef>
-            <a:effectRef idx="2">
-              <a:schemeClr val="accent1"/>
-            </a:effectRef>
-            <a:fontRef idx="minor">
-              <a:schemeClr val="lt1"/>
-            </a:fontRef>
-          </p:style>
-          <p:txBody>
-            <a:bodyPr rtlCol="0" anchor="ctr"/>
-            <a:lstStyle/>
-            <a:p>
-              <a:pPr algn="ctr"/>
-              <a:endParaRPr lang="en-US"/>
-            </a:p>
-          </p:txBody>
-        </p:sp>
-        <p:cxnSp>
-          <p:nvCxnSpPr>
-            <p:cNvPr id="645" name="Straight Arrow Connector 644"/>
-            <p:cNvCxnSpPr>
-              <a:endCxn id="644" idx="1"/>
-            </p:cNvCxnSpPr>
-            <p:nvPr/>
-          </p:nvCxnSpPr>
-          <p:spPr>
-            <a:xfrm>
-              <a:off x="5361220" y="3879929"/>
-              <a:ext cx="500706" cy="1588"/>
-            </a:xfrm>
-            <a:prstGeom prst="straightConnector1">
-              <a:avLst/>
-            </a:prstGeom>
-            <a:ln w="28575" cmpd="sng">
-              <a:solidFill>
-                <a:schemeClr val="tx1"/>
-              </a:solidFill>
-              <a:prstDash val="sysDash"/>
-              <a:tailEnd type="arrow"/>
-            </a:ln>
-          </p:spPr>
-          <p:style>
-            <a:lnRef idx="2">
-              <a:schemeClr val="accent1"/>
-            </a:lnRef>
-            <a:fillRef idx="0">
-              <a:schemeClr val="accent1"/>
-            </a:fillRef>
-            <a:effectRef idx="1">
-              <a:schemeClr val="accent1"/>
-            </a:effectRef>
-            <a:fontRef idx="minor">
-              <a:schemeClr val="tx1"/>
-            </a:fontRef>
-          </p:style>
-        </p:cxnSp>
-      </p:grpSp>
-      <p:sp>
-        <p:nvSpPr>
-          <p:cNvPr id="652" name="Title 1"/>
-          <p:cNvSpPr txBox="1">
-            <a:spLocks/>
-          </p:cNvSpPr>
-          <p:nvPr/>
-        </p:nvSpPr>
-        <p:spPr bwMode="auto">
-          <a:xfrm>
-            <a:off x="1590071" y="13791337"/>
-            <a:ext cx="4416768" cy="465392"/>
-          </a:xfrm>
-          <a:prstGeom prst="rect">
-            <a:avLst/>
-          </a:prstGeom>
-          <a:noFill/>
-          <a:ln w="9525">
-            <a:noFill/>
-            <a:miter lim="800000"/>
-            <a:headEnd/>
-            <a:tailEnd/>
-          </a:ln>
-        </p:spPr>
-        <p:txBody>
-          <a:bodyPr vert="horz" wrap="square" lIns="65306" tIns="32653" rIns="65306" bIns="65306" numCol="1" anchor="b" anchorCtr="0" compatLnSpc="1">
-            <a:prstTxWarp prst="textNoShape">
-              <a:avLst/>
-            </a:prstTxWarp>
-          </a:bodyPr>
-          <a:lstStyle/>
-          <a:p>
-            <a:pPr algn="ctr" defTabSz="653064" fontAlgn="base">
-              <a:spcBef>
-                <a:spcPct val="0"/>
-              </a:spcBef>
-              <a:spcAft>
-                <a:spcPct val="0"/>
-              </a:spcAft>
-              <a:defRPr/>
-            </a:pPr>
-            <a:r>
-              <a:rPr lang="en-US" sz="2000" dirty="0" err="1" smtClean="0">
-                <a:solidFill>
-                  <a:srgbClr val="0000FF"/>
-                </a:solidFill>
-                <a:latin typeface="Monaco"/>
-                <a:cs typeface="Monaco"/>
-              </a:rPr>
-              <a:t>pfunc::parallel_while</a:t>
-            </a:r>
-            <a:endParaRPr lang="en-US" sz="2000" b="1" dirty="0" smtClean="0">
-              <a:solidFill>
-                <a:srgbClr val="0000FF"/>
-              </a:solidFill>
-              <a:latin typeface="Franklin Gothic Book"/>
-              <a:ea typeface="ＭＳ Ｐゴシック" charset="-128"/>
-              <a:cs typeface="ＭＳ Ｐゴシック" charset="-128"/>
-            </a:endParaRPr>
-          </a:p>
-        </p:txBody>
-      </p:sp>
-      <p:grpSp>
-        <p:nvGrpSpPr>
-          <p:cNvPr id="657" name="Group 656"/>
-          <p:cNvGrpSpPr/>
-          <p:nvPr/>
-        </p:nvGrpSpPr>
-        <p:grpSpPr>
-          <a:xfrm>
-            <a:off x="1617392" y="15827237"/>
-            <a:ext cx="8467999" cy="4912092"/>
-            <a:chOff x="2059411" y="1269909"/>
-            <a:chExt cx="4779550" cy="4554419"/>
-          </a:xfrm>
-        </p:grpSpPr>
-        <p:grpSp>
-          <p:nvGrpSpPr>
-            <p:cNvPr id="658" name="Group 49"/>
-            <p:cNvGrpSpPr/>
-            <p:nvPr/>
-          </p:nvGrpSpPr>
-          <p:grpSpPr>
-            <a:xfrm>
-              <a:off x="2059411" y="1269909"/>
-              <a:ext cx="4779550" cy="4554419"/>
-              <a:chOff x="2059411" y="1269909"/>
-              <a:chExt cx="4779550" cy="4554419"/>
-            </a:xfrm>
-          </p:grpSpPr>
-          <p:sp>
-            <p:nvSpPr>
-              <p:cNvPr id="682" name="Rectangle 4"/>
-              <p:cNvSpPr/>
-              <p:nvPr/>
-            </p:nvSpPr>
-            <p:spPr>
-              <a:xfrm>
-                <a:off x="2059411" y="1269909"/>
-                <a:ext cx="4762388" cy="403285"/>
-              </a:xfrm>
-              <a:prstGeom prst="rect">
-                <a:avLst/>
-              </a:prstGeom>
-              <a:solidFill>
-                <a:schemeClr val="tx1">
-                  <a:lumMod val="50000"/>
-                  <a:lumOff val="50000"/>
-                </a:schemeClr>
-              </a:solidFill>
-              <a:ln>
-                <a:noFill/>
-              </a:ln>
-              <a:effectLst/>
-            </p:spPr>
-            <p:style>
-              <a:lnRef idx="1">
-                <a:schemeClr val="accent1"/>
-              </a:lnRef>
-              <a:fillRef idx="3">
-                <a:schemeClr val="accent1"/>
-              </a:fillRef>
-              <a:effectRef idx="2">
-                <a:schemeClr val="accent1"/>
-              </a:effectRef>
-              <a:fontRef idx="minor">
-                <a:schemeClr val="lt1"/>
-              </a:fontRef>
-            </p:style>
-            <p:txBody>
-              <a:bodyPr rtlCol="0" anchor="ctr"/>
-              <a:lstStyle/>
-              <a:p>
-                <a:pPr algn="ctr"/>
-                <a:r>
-                  <a:rPr lang="en-US" sz="2900" dirty="0" smtClean="0">
-                    <a:solidFill>
-                      <a:srgbClr val="000000"/>
-                    </a:solidFill>
-                  </a:rPr>
-                  <a:t>User Applications and Libraries</a:t>
-                </a:r>
-                <a:endParaRPr lang="en-US" sz="2900" dirty="0">
-                  <a:solidFill>
-                    <a:srgbClr val="000000"/>
-                  </a:solidFill>
-                </a:endParaRPr>
-              </a:p>
-            </p:txBody>
-          </p:sp>
-          <p:sp>
-            <p:nvSpPr>
-              <p:cNvPr id="683" name="Rectangle 5"/>
-              <p:cNvSpPr/>
-              <p:nvPr/>
-            </p:nvSpPr>
-            <p:spPr>
-              <a:xfrm>
-                <a:off x="2076573" y="5206341"/>
-                <a:ext cx="4762388" cy="617987"/>
-              </a:xfrm>
-              <a:prstGeom prst="rect">
-                <a:avLst/>
-              </a:prstGeom>
-              <a:solidFill>
-                <a:schemeClr val="accent3">
-                  <a:lumMod val="75000"/>
-                </a:schemeClr>
-              </a:solidFill>
-              <a:ln>
-                <a:noFill/>
-              </a:ln>
-              <a:effectLst/>
-            </p:spPr>
-            <p:style>
-              <a:lnRef idx="1">
-                <a:schemeClr val="accent1"/>
-              </a:lnRef>
-              <a:fillRef idx="3">
-                <a:schemeClr val="accent1"/>
-              </a:fillRef>
-              <a:effectRef idx="2">
-                <a:schemeClr val="accent1"/>
-              </a:effectRef>
-              <a:fontRef idx="minor">
-                <a:schemeClr val="lt1"/>
-              </a:fontRef>
-            </p:style>
-            <p:txBody>
-              <a:bodyPr rtlCol="0" anchor="ctr"/>
-              <a:lstStyle/>
-              <a:p>
-                <a:pPr algn="ctr"/>
-                <a:r>
-                  <a:rPr lang="en-US" sz="3100" dirty="0" smtClean="0">
-                    <a:solidFill>
-                      <a:srgbClr val="000000"/>
-                    </a:solidFill>
-                  </a:rPr>
-                  <a:t>Hardware</a:t>
-                </a:r>
-                <a:endParaRPr lang="en-US" sz="3100" dirty="0">
-                  <a:solidFill>
-                    <a:srgbClr val="000000"/>
-                  </a:solidFill>
-                </a:endParaRPr>
-              </a:p>
-            </p:txBody>
-          </p:sp>
-        </p:grpSp>
-        <p:grpSp>
-          <p:nvGrpSpPr>
-            <p:cNvPr id="659" name="Group 51"/>
-            <p:cNvGrpSpPr/>
-            <p:nvPr/>
-          </p:nvGrpSpPr>
-          <p:grpSpPr>
-            <a:xfrm>
-              <a:off x="4477658" y="4187306"/>
-              <a:ext cx="2361303" cy="1020623"/>
-              <a:chOff x="4477658" y="4187306"/>
-              <a:chExt cx="2361303" cy="1020623"/>
-            </a:xfrm>
-          </p:grpSpPr>
-          <p:sp>
-            <p:nvSpPr>
-              <p:cNvPr id="680" name="Rectangle 6"/>
-              <p:cNvSpPr/>
-              <p:nvPr/>
-            </p:nvSpPr>
-            <p:spPr>
-              <a:xfrm>
-                <a:off x="4477658" y="4187306"/>
-                <a:ext cx="2361303" cy="677863"/>
-              </a:xfrm>
-              <a:prstGeom prst="rect">
-                <a:avLst/>
-              </a:prstGeom>
-              <a:solidFill>
-                <a:schemeClr val="accent6">
-                  <a:lumMod val="75000"/>
-                </a:schemeClr>
-              </a:solidFill>
-              <a:ln>
-                <a:noFill/>
-              </a:ln>
-              <a:effectLst/>
-            </p:spPr>
-            <p:style>
-              <a:lnRef idx="1">
-                <a:schemeClr val="accent1"/>
-              </a:lnRef>
-              <a:fillRef idx="3">
-                <a:schemeClr val="accent1"/>
-              </a:fillRef>
-              <a:effectRef idx="2">
-                <a:schemeClr val="accent1"/>
-              </a:effectRef>
-              <a:fontRef idx="minor">
-                <a:schemeClr val="lt1"/>
-              </a:fontRef>
-            </p:style>
-            <p:txBody>
-              <a:bodyPr rtlCol="0" anchor="ctr"/>
-              <a:lstStyle/>
-              <a:p>
-                <a:pPr algn="ctr"/>
-                <a:r>
-                  <a:rPr lang="en-US" sz="4300" dirty="0" smtClean="0">
-                    <a:solidFill>
-                      <a:srgbClr val="000000"/>
-                    </a:solidFill>
-                  </a:rPr>
-                  <a:t>OS</a:t>
-                </a:r>
-                <a:endParaRPr lang="en-US" sz="4300" dirty="0">
-                  <a:solidFill>
-                    <a:srgbClr val="000000"/>
-                  </a:solidFill>
-                </a:endParaRPr>
-              </a:p>
-            </p:txBody>
-          </p:sp>
-          <p:cxnSp>
-            <p:nvCxnSpPr>
-              <p:cNvPr id="681" name="Straight Arrow Connector 680"/>
-              <p:cNvCxnSpPr/>
-              <p:nvPr/>
-            </p:nvCxnSpPr>
-            <p:spPr>
-              <a:xfrm rot="5400000">
-                <a:off x="5487327" y="5036152"/>
-                <a:ext cx="341966" cy="1588"/>
-              </a:xfrm>
-              <a:prstGeom prst="straightConnector1">
-                <a:avLst/>
-              </a:prstGeom>
-              <a:ln>
-                <a:headEnd type="arrow"/>
-                <a:tailEnd type="arrow"/>
-              </a:ln>
-            </p:spPr>
-            <p:style>
-              <a:lnRef idx="2">
-                <a:schemeClr val="accent1"/>
-              </a:lnRef>
-              <a:fillRef idx="0">
-                <a:schemeClr val="accent1"/>
-              </a:fillRef>
-              <a:effectRef idx="1">
-                <a:schemeClr val="accent1"/>
-              </a:effectRef>
-              <a:fontRef idx="minor">
-                <a:schemeClr val="tx1"/>
-              </a:fontRef>
-            </p:style>
-          </p:cxnSp>
-        </p:grpSp>
-        <p:grpSp>
-          <p:nvGrpSpPr>
-            <p:cNvPr id="660" name="Group 52"/>
-            <p:cNvGrpSpPr/>
-            <p:nvPr/>
-          </p:nvGrpSpPr>
-          <p:grpSpPr>
-            <a:xfrm>
-              <a:off x="3036069" y="3207071"/>
-              <a:ext cx="3785731" cy="2001652"/>
-              <a:chOff x="3036069" y="3207071"/>
-              <a:chExt cx="3785731" cy="2001652"/>
-            </a:xfrm>
-          </p:grpSpPr>
-          <p:grpSp>
-            <p:nvGrpSpPr>
-              <p:cNvPr id="674" name="Group 50"/>
-              <p:cNvGrpSpPr/>
-              <p:nvPr/>
-            </p:nvGrpSpPr>
-            <p:grpSpPr>
-              <a:xfrm>
-                <a:off x="3036069" y="3207071"/>
-                <a:ext cx="3785731" cy="1658098"/>
-                <a:chOff x="3036069" y="3207071"/>
-                <a:chExt cx="3785731" cy="1658098"/>
-              </a:xfrm>
-            </p:grpSpPr>
-            <p:sp>
-              <p:nvSpPr>
-                <p:cNvPr id="676" name="Rectangle 675"/>
-                <p:cNvSpPr/>
-                <p:nvPr/>
-              </p:nvSpPr>
-              <p:spPr>
-                <a:xfrm>
-                  <a:off x="3036069" y="4187306"/>
-                  <a:ext cx="1091333" cy="677863"/>
-                </a:xfrm>
-                <a:prstGeom prst="rect">
-                  <a:avLst/>
-                </a:prstGeom>
-                <a:solidFill>
-                  <a:schemeClr val="accent4">
-                    <a:lumMod val="75000"/>
-                  </a:schemeClr>
-                </a:solidFill>
-                <a:ln>
-                  <a:noFill/>
-                </a:ln>
-                <a:effectLst/>
-              </p:spPr>
-              <p:style>
-                <a:lnRef idx="1">
-                  <a:schemeClr val="accent1"/>
-                </a:lnRef>
-                <a:fillRef idx="3">
-                  <a:schemeClr val="accent1"/>
-                </a:fillRef>
-                <a:effectRef idx="2">
-                  <a:schemeClr val="accent1"/>
-                </a:effectRef>
-                <a:fontRef idx="minor">
-                  <a:schemeClr val="lt1"/>
-                </a:fontRef>
-              </p:style>
-              <p:txBody>
-                <a:bodyPr rtlCol="0" anchor="ctr"/>
-                <a:lstStyle/>
-                <a:p>
-                  <a:pPr algn="ctr"/>
-                  <a:r>
-                    <a:rPr lang="en-US" sz="3400" dirty="0" smtClean="0">
-                      <a:solidFill>
-                        <a:srgbClr val="000000"/>
-                      </a:solidFill>
-                    </a:rPr>
-                    <a:t>PAPI</a:t>
-                  </a:r>
-                  <a:endParaRPr lang="en-US" dirty="0">
-                    <a:solidFill>
-                      <a:srgbClr val="000000"/>
-                    </a:solidFill>
-                  </a:endParaRPr>
-                </a:p>
-              </p:txBody>
-            </p:sp>
-            <p:sp>
-              <p:nvSpPr>
-                <p:cNvPr id="677" name="Rectangle 676"/>
-                <p:cNvSpPr/>
-                <p:nvPr/>
-              </p:nvSpPr>
-              <p:spPr>
-                <a:xfrm>
-                  <a:off x="4128862" y="4421033"/>
-                  <a:ext cx="564880" cy="203884"/>
-                </a:xfrm>
-                <a:prstGeom prst="rect">
-                  <a:avLst/>
-                </a:prstGeom>
-                <a:solidFill>
-                  <a:schemeClr val="accent4">
-                    <a:lumMod val="75000"/>
-                  </a:schemeClr>
-                </a:solidFill>
-                <a:ln>
-                  <a:noFill/>
-                </a:ln>
-                <a:effectLst/>
-              </p:spPr>
-              <p:style>
-                <a:lnRef idx="1">
-                  <a:schemeClr val="accent1"/>
-                </a:lnRef>
-                <a:fillRef idx="3">
-                  <a:schemeClr val="accent1"/>
-                </a:fillRef>
-                <a:effectRef idx="2">
-                  <a:schemeClr val="accent1"/>
-                </a:effectRef>
-                <a:fontRef idx="minor">
-                  <a:schemeClr val="lt1"/>
-                </a:fontRef>
-              </p:style>
-              <p:txBody>
-                <a:bodyPr rtlCol="0" anchor="ctr"/>
-                <a:lstStyle/>
-                <a:p>
-                  <a:pPr algn="ctr"/>
-                  <a:endParaRPr lang="en-US"/>
-                </a:p>
-              </p:txBody>
-            </p:sp>
-            <p:sp>
-              <p:nvSpPr>
-                <p:cNvPr id="678" name="Rectangle 677"/>
-                <p:cNvSpPr/>
-                <p:nvPr/>
-              </p:nvSpPr>
-              <p:spPr>
-                <a:xfrm>
-                  <a:off x="5611896" y="3207071"/>
-                  <a:ext cx="1209904" cy="677863"/>
-                </a:xfrm>
-                <a:prstGeom prst="rect">
-                  <a:avLst/>
-                </a:prstGeom>
-                <a:solidFill>
-                  <a:schemeClr val="accent4">
-                    <a:lumMod val="75000"/>
-                  </a:schemeClr>
-                </a:solidFill>
-                <a:ln>
-                  <a:noFill/>
-                </a:ln>
-                <a:effectLst/>
-              </p:spPr>
-              <p:style>
-                <a:lnRef idx="1">
-                  <a:schemeClr val="accent1"/>
-                </a:lnRef>
-                <a:fillRef idx="3">
-                  <a:schemeClr val="accent1"/>
-                </a:fillRef>
-                <a:effectRef idx="2">
-                  <a:schemeClr val="accent1"/>
-                </a:effectRef>
-                <a:fontRef idx="minor">
-                  <a:schemeClr val="lt1"/>
-                </a:fontRef>
-              </p:style>
-              <p:txBody>
-                <a:bodyPr rtlCol="0" anchor="ctr"/>
-                <a:lstStyle/>
-                <a:p>
-                  <a:pPr algn="ctr"/>
-                  <a:r>
-                    <a:rPr lang="en-US" sz="2900" dirty="0" smtClean="0">
-                      <a:solidFill>
-                        <a:srgbClr val="000000"/>
-                      </a:solidFill>
-                    </a:rPr>
-                    <a:t>Threads</a:t>
-                  </a:r>
-                  <a:endParaRPr lang="en-US" sz="2900" dirty="0">
-                    <a:solidFill>
-                      <a:srgbClr val="000000"/>
-                    </a:solidFill>
-                  </a:endParaRPr>
-                </a:p>
-              </p:txBody>
-            </p:sp>
-            <p:sp>
-              <p:nvSpPr>
-                <p:cNvPr id="679" name="Rectangle 18"/>
-                <p:cNvSpPr/>
-                <p:nvPr/>
-              </p:nvSpPr>
-              <p:spPr>
-                <a:xfrm rot="5400000">
-                  <a:off x="5913984" y="4065432"/>
-                  <a:ext cx="564880" cy="203884"/>
-                </a:xfrm>
-                <a:prstGeom prst="rect">
-                  <a:avLst/>
-                </a:prstGeom>
-                <a:solidFill>
-                  <a:schemeClr val="accent4">
-                    <a:lumMod val="75000"/>
-                  </a:schemeClr>
-                </a:solidFill>
-                <a:ln>
-                  <a:noFill/>
-                </a:ln>
-                <a:effectLst/>
-              </p:spPr>
-              <p:style>
-                <a:lnRef idx="1">
-                  <a:schemeClr val="accent1"/>
-                </a:lnRef>
-                <a:fillRef idx="3">
-                  <a:schemeClr val="accent1"/>
-                </a:fillRef>
-                <a:effectRef idx="2">
-                  <a:schemeClr val="accent1"/>
-                </a:effectRef>
-                <a:fontRef idx="minor">
-                  <a:schemeClr val="lt1"/>
-                </a:fontRef>
-              </p:style>
-              <p:txBody>
-                <a:bodyPr rtlCol="0" anchor="ctr"/>
-                <a:lstStyle/>
-                <a:p>
-                  <a:pPr algn="ctr"/>
-                  <a:endParaRPr lang="en-US"/>
-                </a:p>
-              </p:txBody>
-            </p:sp>
-          </p:grpSp>
-          <p:cxnSp>
-            <p:nvCxnSpPr>
-              <p:cNvPr id="675" name="Straight Arrow Connector 674"/>
-              <p:cNvCxnSpPr>
-                <a:stCxn id="676" idx="2"/>
-              </p:cNvCxnSpPr>
-              <p:nvPr/>
-            </p:nvCxnSpPr>
-            <p:spPr>
-              <a:xfrm rot="5400000">
-                <a:off x="3410356" y="5036549"/>
-                <a:ext cx="342760" cy="1588"/>
-              </a:xfrm>
-              <a:prstGeom prst="straightConnector1">
-                <a:avLst/>
-              </a:prstGeom>
-              <a:ln>
-                <a:headEnd type="arrow"/>
-                <a:tailEnd type="arrow"/>
-              </a:ln>
-            </p:spPr>
-            <p:style>
-              <a:lnRef idx="2">
-                <a:schemeClr val="accent1"/>
-              </a:lnRef>
-              <a:fillRef idx="0">
-                <a:schemeClr val="accent1"/>
-              </a:fillRef>
-              <a:effectRef idx="1">
-                <a:schemeClr val="accent1"/>
-              </a:effectRef>
-              <a:fontRef idx="minor">
-                <a:schemeClr val="tx1"/>
-              </a:fontRef>
-            </p:style>
-          </p:cxnSp>
-        </p:grpSp>
-        <p:grpSp>
-          <p:nvGrpSpPr>
-            <p:cNvPr id="661" name="Group 55"/>
-            <p:cNvGrpSpPr/>
-            <p:nvPr/>
-          </p:nvGrpSpPr>
-          <p:grpSpPr>
-            <a:xfrm>
-              <a:off x="2059411" y="1673194"/>
-              <a:ext cx="4762389" cy="3533940"/>
-              <a:chOff x="2059411" y="1673194"/>
-              <a:chExt cx="4762389" cy="3533940"/>
-            </a:xfrm>
-          </p:grpSpPr>
-          <p:grpSp>
-            <p:nvGrpSpPr>
-              <p:cNvPr id="662" name="Group 54"/>
-              <p:cNvGrpSpPr/>
-              <p:nvPr/>
-            </p:nvGrpSpPr>
-            <p:grpSpPr>
-              <a:xfrm>
-                <a:off x="2059411" y="1982110"/>
-                <a:ext cx="4762389" cy="3225024"/>
-                <a:chOff x="2059411" y="1982110"/>
-                <a:chExt cx="4762389" cy="3225024"/>
-              </a:xfrm>
-            </p:grpSpPr>
-            <p:sp>
-              <p:nvSpPr>
-                <p:cNvPr id="664" name="Rectangle 663"/>
-                <p:cNvSpPr/>
-                <p:nvPr/>
-              </p:nvSpPr>
-              <p:spPr>
-                <a:xfrm>
-                  <a:off x="2059412" y="1982110"/>
-                  <a:ext cx="4762388" cy="1010451"/>
-                </a:xfrm>
-                <a:prstGeom prst="rect">
-                  <a:avLst/>
-                </a:prstGeom>
-                <a:solidFill>
-                  <a:schemeClr val="bg2">
-                    <a:lumMod val="75000"/>
-                  </a:schemeClr>
-                </a:solidFill>
-                <a:ln>
-                  <a:noFill/>
-                </a:ln>
-                <a:effectLst/>
-              </p:spPr>
-              <p:style>
-                <a:lnRef idx="1">
-                  <a:schemeClr val="accent1"/>
-                </a:lnRef>
-                <a:fillRef idx="3">
-                  <a:schemeClr val="accent1"/>
-                </a:fillRef>
-                <a:effectRef idx="2">
-                  <a:schemeClr val="accent1"/>
-                </a:effectRef>
-                <a:fontRef idx="minor">
-                  <a:schemeClr val="lt1"/>
-                </a:fontRef>
-              </p:style>
-              <p:txBody>
-                <a:bodyPr rtlCol="0" anchor="ctr"/>
-                <a:lstStyle/>
-                <a:p>
-                  <a:pPr algn="ctr"/>
-                  <a:endParaRPr lang="en-US"/>
-                </a:p>
-              </p:txBody>
-            </p:sp>
-            <p:sp>
-              <p:nvSpPr>
-                <p:cNvPr id="665" name="Rectangle 664"/>
-                <p:cNvSpPr/>
-                <p:nvPr/>
-              </p:nvSpPr>
-              <p:spPr>
-                <a:xfrm>
-                  <a:off x="2059411" y="2992562"/>
-                  <a:ext cx="675832" cy="1872608"/>
-                </a:xfrm>
-                <a:prstGeom prst="rect">
-                  <a:avLst/>
-                </a:prstGeom>
-                <a:solidFill>
-                  <a:schemeClr val="bg2">
-                    <a:lumMod val="75000"/>
-                  </a:schemeClr>
-                </a:solidFill>
-                <a:ln>
-                  <a:noFill/>
-                </a:ln>
-                <a:effectLst/>
-              </p:spPr>
-              <p:style>
-                <a:lnRef idx="1">
-                  <a:schemeClr val="accent1"/>
-                </a:lnRef>
-                <a:fillRef idx="3">
-                  <a:schemeClr val="accent1"/>
-                </a:fillRef>
-                <a:effectRef idx="2">
-                  <a:schemeClr val="accent1"/>
-                </a:effectRef>
-                <a:fontRef idx="minor">
-                  <a:schemeClr val="lt1"/>
-                </a:fontRef>
-              </p:style>
-              <p:txBody>
-                <a:bodyPr vert="vert270" rtlCol="0" anchor="ctr"/>
-                <a:lstStyle/>
-                <a:p>
-                  <a:pPr algn="ctr"/>
-                  <a:r>
-                    <a:rPr lang="en-US" sz="3400" dirty="0" smtClean="0">
-                      <a:solidFill>
-                        <a:srgbClr val="000000"/>
-                      </a:solidFill>
-                    </a:rPr>
-                    <a:t>PFunc</a:t>
-                  </a:r>
-                  <a:endParaRPr lang="en-US" sz="3400" dirty="0">
-                    <a:solidFill>
-                      <a:srgbClr val="000000"/>
-                    </a:solidFill>
-                  </a:endParaRPr>
-                </a:p>
-              </p:txBody>
-            </p:sp>
-            <p:sp>
-              <p:nvSpPr>
-                <p:cNvPr id="666" name="Rectangle 665"/>
-                <p:cNvSpPr/>
-                <p:nvPr/>
-              </p:nvSpPr>
-              <p:spPr>
-                <a:xfrm>
-                  <a:off x="2735243" y="2992562"/>
-                  <a:ext cx="2578736" cy="892372"/>
-                </a:xfrm>
-                <a:prstGeom prst="rect">
-                  <a:avLst/>
-                </a:prstGeom>
-                <a:solidFill>
-                  <a:schemeClr val="bg2">
-                    <a:lumMod val="75000"/>
-                  </a:schemeClr>
-                </a:solidFill>
-                <a:ln>
-                  <a:noFill/>
-                </a:ln>
-                <a:effectLst/>
-              </p:spPr>
-              <p:style>
-                <a:lnRef idx="1">
-                  <a:schemeClr val="accent1"/>
-                </a:lnRef>
-                <a:fillRef idx="3">
-                  <a:schemeClr val="accent1"/>
-                </a:fillRef>
-                <a:effectRef idx="2">
-                  <a:schemeClr val="accent1"/>
-                </a:effectRef>
-                <a:fontRef idx="minor">
-                  <a:schemeClr val="lt1"/>
-                </a:fontRef>
-              </p:style>
-              <p:txBody>
-                <a:bodyPr rtlCol="0" anchor="ctr"/>
-                <a:lstStyle/>
-                <a:p>
-                  <a:pPr algn="ctr"/>
-                  <a:endParaRPr lang="en-US"/>
-                </a:p>
-              </p:txBody>
-            </p:sp>
-            <p:sp>
-              <p:nvSpPr>
-                <p:cNvPr id="667" name="Rectangle 666"/>
-                <p:cNvSpPr/>
-                <p:nvPr/>
-              </p:nvSpPr>
-              <p:spPr>
-                <a:xfrm>
-                  <a:off x="4127402" y="2992561"/>
-                  <a:ext cx="895922" cy="677863"/>
-                </a:xfrm>
-                <a:prstGeom prst="rect">
-                  <a:avLst/>
-                </a:prstGeom>
-                <a:solidFill>
-                  <a:schemeClr val="accent2">
-                    <a:lumMod val="75000"/>
-                  </a:schemeClr>
-                </a:solidFill>
-                <a:ln>
-                  <a:noFill/>
-                </a:ln>
-                <a:effectLst/>
-              </p:spPr>
-              <p:style>
-                <a:lnRef idx="1">
-                  <a:schemeClr val="accent1"/>
-                </a:lnRef>
-                <a:fillRef idx="3">
-                  <a:schemeClr val="accent1"/>
-                </a:fillRef>
-                <a:effectRef idx="2">
-                  <a:schemeClr val="accent1"/>
-                </a:effectRef>
-                <a:fontRef idx="minor">
-                  <a:schemeClr val="lt1"/>
-                </a:fontRef>
-              </p:style>
-              <p:txBody>
-                <a:bodyPr rtlCol="0" anchor="ctr"/>
-                <a:lstStyle/>
-                <a:p>
-                  <a:pPr algn="ctr"/>
-                  <a:r>
-                    <a:rPr lang="en-US" sz="2300" dirty="0" smtClean="0">
-                      <a:solidFill>
-                        <a:srgbClr val="000000"/>
-                      </a:solidFill>
-                    </a:rPr>
-                    <a:t>Thread Manager</a:t>
-                  </a:r>
-                  <a:endParaRPr lang="en-US" sz="2300" dirty="0">
-                    <a:solidFill>
-                      <a:srgbClr val="000000"/>
-                    </a:solidFill>
-                  </a:endParaRPr>
-                </a:p>
-              </p:txBody>
-            </p:sp>
-            <p:sp>
-              <p:nvSpPr>
-                <p:cNvPr id="668" name="Rectangle 667"/>
-                <p:cNvSpPr/>
-                <p:nvPr/>
-              </p:nvSpPr>
-              <p:spPr>
-                <a:xfrm>
-                  <a:off x="3036069" y="2992562"/>
-                  <a:ext cx="885888" cy="677863"/>
-                </a:xfrm>
-                <a:prstGeom prst="rect">
-                  <a:avLst/>
-                </a:prstGeom>
-                <a:solidFill>
-                  <a:schemeClr val="accent2">
-                    <a:lumMod val="75000"/>
-                  </a:schemeClr>
-                </a:solidFill>
-                <a:ln>
-                  <a:noFill/>
-                </a:ln>
-                <a:effectLst/>
-              </p:spPr>
-              <p:style>
-                <a:lnRef idx="1">
-                  <a:schemeClr val="accent1"/>
-                </a:lnRef>
-                <a:fillRef idx="3">
-                  <a:schemeClr val="accent1"/>
-                </a:fillRef>
-                <a:effectRef idx="2">
-                  <a:schemeClr val="accent1"/>
-                </a:effectRef>
-                <a:fontRef idx="minor">
-                  <a:schemeClr val="lt1"/>
-                </a:fontRef>
-              </p:style>
-              <p:txBody>
-                <a:bodyPr rtlCol="0" anchor="ctr"/>
-                <a:lstStyle/>
-                <a:p>
-                  <a:pPr algn="ctr"/>
-                  <a:r>
-                    <a:rPr lang="en-US" sz="2300" dirty="0" smtClean="0">
-                      <a:solidFill>
-                        <a:srgbClr val="000000"/>
-                      </a:solidFill>
-                    </a:rPr>
-                    <a:t>Perf Profiler</a:t>
-                  </a:r>
-                  <a:endParaRPr lang="en-US" sz="2300" dirty="0">
-                    <a:solidFill>
-                      <a:srgbClr val="000000"/>
-                    </a:solidFill>
-                  </a:endParaRPr>
-                </a:p>
-              </p:txBody>
-            </p:sp>
-            <p:sp>
-              <p:nvSpPr>
-                <p:cNvPr id="669" name="Rectangle 668"/>
-                <p:cNvSpPr/>
-                <p:nvPr/>
-              </p:nvSpPr>
-              <p:spPr>
-                <a:xfrm>
-                  <a:off x="2397039" y="2188056"/>
-                  <a:ext cx="4161238" cy="566294"/>
-                </a:xfrm>
-                <a:prstGeom prst="rect">
-                  <a:avLst/>
-                </a:prstGeom>
-                <a:solidFill>
-                  <a:schemeClr val="accent2">
-                    <a:lumMod val="75000"/>
-                  </a:schemeClr>
-                </a:solidFill>
-                <a:ln>
-                  <a:noFill/>
-                </a:ln>
-                <a:effectLst/>
-              </p:spPr>
-              <p:style>
-                <a:lnRef idx="1">
-                  <a:schemeClr val="accent1"/>
-                </a:lnRef>
-                <a:fillRef idx="3">
-                  <a:schemeClr val="accent1"/>
-                </a:fillRef>
-                <a:effectRef idx="2">
-                  <a:schemeClr val="accent1"/>
-                </a:effectRef>
-                <a:fontRef idx="minor">
-                  <a:schemeClr val="lt1"/>
-                </a:fontRef>
-              </p:style>
-              <p:txBody>
-                <a:bodyPr rtlCol="0" anchor="ctr"/>
-                <a:lstStyle/>
-                <a:p>
-                  <a:pPr algn="ctr"/>
-                  <a:r>
-                    <a:rPr lang="en-US" sz="2600" dirty="0" smtClean="0">
-                      <a:solidFill>
-                        <a:srgbClr val="000000"/>
-                      </a:solidFill>
-                    </a:rPr>
-                    <a:t>Task Scheduler</a:t>
-                  </a:r>
-                  <a:endParaRPr lang="en-US" sz="2600" dirty="0">
-                    <a:solidFill>
-                      <a:srgbClr val="000000"/>
-                    </a:solidFill>
-                  </a:endParaRPr>
-                </a:p>
-              </p:txBody>
-            </p:sp>
-            <p:cxnSp>
-              <p:nvCxnSpPr>
-                <p:cNvPr id="670" name="Straight Arrow Connector 669"/>
-                <p:cNvCxnSpPr/>
-                <p:nvPr/>
-              </p:nvCxnSpPr>
-              <p:spPr>
-                <a:xfrm rot="16200000" flipH="1">
-                  <a:off x="5052195" y="3387391"/>
-                  <a:ext cx="516882" cy="1082947"/>
-                </a:xfrm>
-                <a:prstGeom prst="straightConnector1">
-                  <a:avLst/>
-                </a:prstGeom>
-                <a:ln>
-                  <a:headEnd type="arrow"/>
-                  <a:tailEnd type="arrow"/>
-                </a:ln>
-              </p:spPr>
-              <p:style>
-                <a:lnRef idx="2">
-                  <a:schemeClr val="accent1"/>
-                </a:lnRef>
-                <a:fillRef idx="0">
-                  <a:schemeClr val="accent1"/>
-                </a:fillRef>
-                <a:effectRef idx="1">
-                  <a:schemeClr val="accent1"/>
-                </a:effectRef>
-                <a:fontRef idx="minor">
-                  <a:schemeClr val="tx1"/>
-                </a:fontRef>
-              </p:style>
-            </p:cxnSp>
-            <p:cxnSp>
-              <p:nvCxnSpPr>
-                <p:cNvPr id="671" name="Straight Arrow Connector 670"/>
-                <p:cNvCxnSpPr>
-                  <a:stCxn id="667" idx="3"/>
-                  <a:endCxn id="678" idx="1"/>
-                </p:cNvCxnSpPr>
-                <p:nvPr/>
-              </p:nvCxnSpPr>
-              <p:spPr>
-                <a:xfrm>
-                  <a:off x="5023324" y="3331493"/>
-                  <a:ext cx="588572" cy="214510"/>
-                </a:xfrm>
-                <a:prstGeom prst="straightConnector1">
-                  <a:avLst/>
-                </a:prstGeom>
-                <a:ln>
-                  <a:headEnd type="arrow"/>
-                  <a:tailEnd type="arrow"/>
-                </a:ln>
-              </p:spPr>
-              <p:style>
-                <a:lnRef idx="2">
-                  <a:schemeClr val="accent1"/>
-                </a:lnRef>
-                <a:fillRef idx="0">
-                  <a:schemeClr val="accent1"/>
-                </a:fillRef>
-                <a:effectRef idx="1">
-                  <a:schemeClr val="accent1"/>
-                </a:effectRef>
-                <a:fontRef idx="minor">
-                  <a:schemeClr val="tx1"/>
-                </a:fontRef>
-              </p:style>
-            </p:cxnSp>
-            <p:cxnSp>
-              <p:nvCxnSpPr>
-                <p:cNvPr id="672" name="Straight Arrow Connector 671"/>
-                <p:cNvCxnSpPr>
-                  <a:stCxn id="668" idx="2"/>
-                </p:cNvCxnSpPr>
-                <p:nvPr/>
-              </p:nvCxnSpPr>
-              <p:spPr>
-                <a:xfrm rot="5400000">
-                  <a:off x="3220573" y="3928865"/>
-                  <a:ext cx="516881" cy="1588"/>
-                </a:xfrm>
-                <a:prstGeom prst="straightConnector1">
-                  <a:avLst/>
-                </a:prstGeom>
-                <a:ln>
-                  <a:headEnd type="arrow"/>
-                  <a:tailEnd type="arrow"/>
-                </a:ln>
-              </p:spPr>
-              <p:style>
-                <a:lnRef idx="2">
-                  <a:schemeClr val="accent1"/>
-                </a:lnRef>
-                <a:fillRef idx="0">
-                  <a:schemeClr val="accent1"/>
-                </a:fillRef>
-                <a:effectRef idx="1">
-                  <a:schemeClr val="accent1"/>
-                </a:effectRef>
-                <a:fontRef idx="minor">
-                  <a:schemeClr val="tx1"/>
-                </a:fontRef>
-              </p:style>
-            </p:cxnSp>
-            <p:cxnSp>
-              <p:nvCxnSpPr>
-                <p:cNvPr id="673" name="Straight Arrow Connector 672"/>
-                <p:cNvCxnSpPr/>
-                <p:nvPr/>
-              </p:nvCxnSpPr>
-              <p:spPr>
-                <a:xfrm rot="5400000">
-                  <a:off x="2226454" y="5035755"/>
-                  <a:ext cx="341171" cy="1588"/>
-                </a:xfrm>
-                <a:prstGeom prst="straightConnector1">
-                  <a:avLst/>
-                </a:prstGeom>
-                <a:ln>
-                  <a:headEnd type="arrow"/>
-                  <a:tailEnd type="arrow"/>
-                </a:ln>
-              </p:spPr>
-              <p:style>
-                <a:lnRef idx="2">
-                  <a:schemeClr val="accent1"/>
-                </a:lnRef>
-                <a:fillRef idx="0">
-                  <a:schemeClr val="accent1"/>
-                </a:fillRef>
-                <a:effectRef idx="1">
-                  <a:schemeClr val="accent1"/>
-                </a:effectRef>
-                <a:fontRef idx="minor">
-                  <a:schemeClr val="tx1"/>
-                </a:fontRef>
-              </p:style>
-            </p:cxnSp>
-          </p:grpSp>
-          <p:cxnSp>
-            <p:nvCxnSpPr>
-              <p:cNvPr id="663" name="Straight Arrow Connector 662"/>
-              <p:cNvCxnSpPr>
-                <a:endCxn id="664" idx="0"/>
-              </p:cNvCxnSpPr>
-              <p:nvPr/>
-            </p:nvCxnSpPr>
-            <p:spPr>
-              <a:xfrm rot="16200000" flipH="1">
-                <a:off x="4286147" y="1827651"/>
-                <a:ext cx="308916" cy="1"/>
-              </a:xfrm>
-              <a:prstGeom prst="straightConnector1">
-                <a:avLst/>
-              </a:prstGeom>
-              <a:ln>
-                <a:headEnd type="arrow"/>
-                <a:tailEnd type="arrow"/>
-              </a:ln>
-            </p:spPr>
-            <p:style>
-              <a:lnRef idx="2">
-                <a:schemeClr val="accent1"/>
-              </a:lnRef>
-              <a:fillRef idx="0">
-                <a:schemeClr val="accent1"/>
-              </a:fillRef>
-              <a:effectRef idx="1">
-                <a:schemeClr val="accent1"/>
-              </a:effectRef>
-              <a:fontRef idx="minor">
-                <a:schemeClr val="tx1"/>
-              </a:fontRef>
-            </p:style>
-          </p:cxnSp>
-        </p:grpSp>
-      </p:grpSp>
-      <p:grpSp>
-        <p:nvGrpSpPr>
-          <p:cNvPr id="690" name="Group 689"/>
-          <p:cNvGrpSpPr/>
-          <p:nvPr/>
-        </p:nvGrpSpPr>
-        <p:grpSpPr>
-          <a:xfrm>
-            <a:off x="1730721" y="621553"/>
-            <a:ext cx="29612074" cy="2384008"/>
-            <a:chOff x="2307626" y="662941"/>
-            <a:chExt cx="39482765" cy="3576012"/>
-          </a:xfrm>
-        </p:grpSpPr>
-        <p:sp>
-          <p:nvSpPr>
-            <p:cNvPr id="8" name="TextBox 7"/>
-            <p:cNvSpPr txBox="1"/>
-            <p:nvPr/>
-          </p:nvSpPr>
-          <p:spPr>
-            <a:xfrm>
-              <a:off x="12307481" y="1061449"/>
-              <a:ext cx="19384773" cy="1223412"/>
-            </a:xfrm>
-            <a:prstGeom prst="rect">
-              <a:avLst/>
-            </a:prstGeom>
-            <a:noFill/>
-          </p:spPr>
-          <p:txBody>
-            <a:bodyPr wrap="none" rtlCol="0">
-              <a:spAutoFit/>
-            </a:bodyPr>
-            <a:lstStyle/>
-            <a:p>
-              <a:r>
-                <a:rPr lang="en-US" sz="4700" b="1" dirty="0" smtClean="0"/>
-                <a:t>PFunc</a:t>
-              </a:r>
-              <a:r>
-                <a:rPr lang="en-US" sz="3400" b="1" dirty="0" smtClean="0"/>
-                <a:t>: </a:t>
-              </a:r>
-              <a:r>
-                <a:rPr lang="en-US" sz="4300" b="1" dirty="0" smtClean="0"/>
-                <a:t>A Tool For Teaching  And Implementing Task Parallelism </a:t>
-              </a:r>
-              <a:endParaRPr lang="en-US" sz="3400" b="1" dirty="0"/>
-            </a:p>
-          </p:txBody>
-        </p:sp>
-        <p:sp>
-          <p:nvSpPr>
-            <p:cNvPr id="10" name="TextBox 9"/>
-            <p:cNvSpPr txBox="1"/>
-            <p:nvPr/>
-          </p:nvSpPr>
-          <p:spPr>
-            <a:xfrm>
-              <a:off x="9740813" y="2169445"/>
-              <a:ext cx="24926264" cy="1569660"/>
-            </a:xfrm>
-            <a:prstGeom prst="rect">
-              <a:avLst/>
-            </a:prstGeom>
-            <a:noFill/>
-          </p:spPr>
-          <p:txBody>
-            <a:bodyPr wrap="square" rtlCol="0">
-              <a:spAutoFit/>
-            </a:bodyPr>
-            <a:lstStyle/>
-            <a:p>
-              <a:pPr algn="ctr"/>
-              <a:r>
-                <a:rPr lang="en-US" sz="3100" dirty="0" smtClean="0"/>
-                <a:t>Prabhanjan Kambadur</a:t>
-              </a:r>
-              <a:r>
-                <a:rPr lang="en-US" sz="3100" baseline="30000" dirty="0" smtClean="0"/>
-                <a:t>1</a:t>
-              </a:r>
-              <a:r>
-                <a:rPr lang="en-US" sz="3100" dirty="0" smtClean="0"/>
-                <a:t>, Anshul Gupta</a:t>
-              </a:r>
-              <a:r>
-                <a:rPr lang="en-US" sz="3100" baseline="30000" dirty="0" smtClean="0"/>
-                <a:t>1</a:t>
-              </a:r>
-              <a:r>
-                <a:rPr lang="en-US" sz="3100" dirty="0" smtClean="0"/>
-                <a:t>, Andrew Lumsdaine</a:t>
-              </a:r>
-              <a:r>
-                <a:rPr lang="en-US" sz="3100" baseline="30000" dirty="0"/>
-                <a:t>2</a:t>
-              </a:r>
-              <a:endParaRPr lang="en-US" sz="3100" baseline="30000" dirty="0" smtClean="0"/>
-            </a:p>
-            <a:p>
-              <a:pPr algn="ctr"/>
-              <a:r>
-                <a:rPr lang="en-US" sz="3100" baseline="30000" dirty="0" smtClean="0"/>
-                <a:t>1 </a:t>
-              </a:r>
-              <a:r>
-                <a:rPr lang="en-US" sz="3100" dirty="0" smtClean="0"/>
-                <a:t>IBM TJ Watson Research Center. </a:t>
-              </a:r>
-              <a:r>
-                <a:rPr lang="en-US" sz="3100" baseline="30000" dirty="0" smtClean="0"/>
-                <a:t>2</a:t>
-              </a:r>
-              <a:r>
-                <a:rPr lang="en-US" sz="3100" dirty="0" smtClean="0"/>
-                <a:t>Indiana University, Bloomington</a:t>
-              </a:r>
-              <a:endParaRPr lang="en-US" sz="3100" dirty="0"/>
-            </a:p>
-          </p:txBody>
-        </p:sp>
-        <p:pic>
-          <p:nvPicPr>
-            <p:cNvPr id="337" name="Picture 336"/>
-            <p:cNvPicPr>
-              <a:picLocks noChangeAspect="1"/>
-            </p:cNvPicPr>
-            <p:nvPr/>
-          </p:nvPicPr>
-          <p:blipFill>
-            <a:blip r:embed="rId3"/>
-            <a:stretch>
-              <a:fillRect/>
-            </a:stretch>
-          </p:blipFill>
-          <p:spPr>
-            <a:xfrm>
-              <a:off x="4865191" y="832269"/>
-              <a:ext cx="7126525" cy="3406684"/>
-            </a:xfrm>
-            <a:prstGeom prst="rect">
-              <a:avLst/>
-            </a:prstGeom>
-          </p:spPr>
-        </p:pic>
-        <p:pic>
-          <p:nvPicPr>
-            <p:cNvPr id="338" name="Picture 337"/>
-            <p:cNvPicPr>
-              <a:picLocks noChangeAspect="1"/>
-            </p:cNvPicPr>
-            <p:nvPr/>
-          </p:nvPicPr>
-          <p:blipFill>
-            <a:blip r:embed="rId4"/>
-            <a:stretch>
-              <a:fillRect/>
-            </a:stretch>
-          </p:blipFill>
-          <p:spPr>
-            <a:xfrm>
-              <a:off x="32748289" y="662941"/>
-              <a:ext cx="3502278" cy="3502278"/>
-            </a:xfrm>
-            <a:prstGeom prst="rect">
-              <a:avLst/>
-            </a:prstGeom>
-          </p:spPr>
-        </p:pic>
-        <p:pic>
-          <p:nvPicPr>
-            <p:cNvPr id="360" name="Picture 359"/>
-            <p:cNvPicPr>
-              <a:picLocks noChangeAspect="1"/>
-            </p:cNvPicPr>
-            <p:nvPr/>
-          </p:nvPicPr>
-          <p:blipFill>
-            <a:blip r:embed="rId5"/>
-            <a:stretch>
-              <a:fillRect/>
-            </a:stretch>
-          </p:blipFill>
-          <p:spPr>
-            <a:xfrm>
-              <a:off x="36577738" y="832269"/>
-              <a:ext cx="2370584" cy="3247700"/>
-            </a:xfrm>
-            <a:prstGeom prst="rect">
-              <a:avLst/>
-            </a:prstGeom>
-          </p:spPr>
-        </p:pic>
-        <p:pic>
-          <p:nvPicPr>
-            <p:cNvPr id="381" name="Picture 380"/>
-            <p:cNvPicPr>
-              <a:picLocks noChangeAspect="1"/>
-            </p:cNvPicPr>
-            <p:nvPr/>
-          </p:nvPicPr>
-          <p:blipFill>
-            <a:blip r:embed="rId6"/>
-            <a:stretch>
-              <a:fillRect/>
-            </a:stretch>
-          </p:blipFill>
-          <p:spPr>
-            <a:xfrm>
-              <a:off x="2307626" y="1008989"/>
-              <a:ext cx="2154831" cy="2836462"/>
-            </a:xfrm>
-            <a:prstGeom prst="rect">
-              <a:avLst/>
-            </a:prstGeom>
-          </p:spPr>
-        </p:pic>
-        <p:pic>
-          <p:nvPicPr>
-            <p:cNvPr id="689" name="Picture 688"/>
-            <p:cNvPicPr>
-              <a:picLocks noChangeAspect="1"/>
-            </p:cNvPicPr>
-            <p:nvPr/>
-          </p:nvPicPr>
-          <p:blipFill>
-            <a:blip r:embed="rId7"/>
-            <a:stretch>
-              <a:fillRect/>
-            </a:stretch>
-          </p:blipFill>
-          <p:spPr>
-            <a:xfrm>
-              <a:off x="38932891" y="1193004"/>
-              <a:ext cx="2857500" cy="2844800"/>
-            </a:xfrm>
-            <a:prstGeom prst="rect">
-              <a:avLst/>
-            </a:prstGeom>
-          </p:spPr>
-        </p:pic>
-      </p:grpSp>
-      <p:grpSp>
-        <p:nvGrpSpPr>
-          <p:cNvPr id="696" name="Group 695"/>
-          <p:cNvGrpSpPr/>
-          <p:nvPr/>
-        </p:nvGrpSpPr>
-        <p:grpSpPr>
-          <a:xfrm>
-            <a:off x="21911759" y="6922178"/>
-            <a:ext cx="9916923" cy="4307408"/>
-            <a:chOff x="29215677" y="11176967"/>
-            <a:chExt cx="13222564" cy="6461112"/>
-          </a:xfrm>
-        </p:grpSpPr>
-        <p:pic>
-          <p:nvPicPr>
-            <p:cNvPr id="695" name="Picture 694"/>
-            <p:cNvPicPr>
-              <a:picLocks noChangeAspect="1"/>
-            </p:cNvPicPr>
-            <p:nvPr/>
-          </p:nvPicPr>
-          <p:blipFill>
-            <a:blip r:embed="rId8"/>
-            <a:stretch>
-              <a:fillRect/>
-            </a:stretch>
-          </p:blipFill>
-          <p:spPr>
-            <a:xfrm>
-              <a:off x="35220314" y="15162636"/>
-              <a:ext cx="2214442" cy="2214442"/>
-            </a:xfrm>
-            <a:prstGeom prst="rect">
-              <a:avLst/>
-            </a:prstGeom>
-          </p:spPr>
-        </p:pic>
-        <p:grpSp>
-          <p:nvGrpSpPr>
-            <p:cNvPr id="684" name="Group 683"/>
-            <p:cNvGrpSpPr/>
-            <p:nvPr/>
-          </p:nvGrpSpPr>
-          <p:grpSpPr>
-            <a:xfrm>
-              <a:off x="29215677" y="11176967"/>
-              <a:ext cx="13222564" cy="6461112"/>
-              <a:chOff x="1156084" y="3977189"/>
-              <a:chExt cx="13222564" cy="10169017"/>
-            </a:xfrm>
-          </p:grpSpPr>
-          <p:sp>
-            <p:nvSpPr>
-              <p:cNvPr id="685" name="Rounded Rectangle 684"/>
-              <p:cNvSpPr/>
-              <p:nvPr/>
-            </p:nvSpPr>
-            <p:spPr>
-              <a:xfrm>
-                <a:off x="1156084" y="3977189"/>
-                <a:ext cx="13222564" cy="10169017"/>
-              </a:xfrm>
-              <a:prstGeom prst="roundRect">
-                <a:avLst/>
-              </a:prstGeom>
-              <a:noFill/>
-              <a:ln>
-                <a:solidFill>
-                  <a:schemeClr val="tx1"/>
-                </a:solidFill>
-              </a:ln>
-            </p:spPr>
-            <p:style>
-              <a:lnRef idx="1">
-                <a:schemeClr val="accent1"/>
-              </a:lnRef>
-              <a:fillRef idx="3">
-                <a:schemeClr val="accent1"/>
-              </a:fillRef>
-              <a:effectRef idx="2">
-                <a:schemeClr val="accent1"/>
-              </a:effectRef>
-              <a:fontRef idx="minor">
-                <a:schemeClr val="lt1"/>
-              </a:fontRef>
-            </p:style>
-            <p:txBody>
-              <a:bodyPr rtlCol="0" anchor="ctr"/>
-              <a:lstStyle/>
-              <a:p>
-                <a:pPr algn="ctr"/>
-                <a:endParaRPr lang="en-US" sz="1300" dirty="0"/>
-              </a:p>
-            </p:txBody>
-          </p:sp>
-          <p:sp>
-            <p:nvSpPr>
-              <p:cNvPr id="686" name="Title 1"/>
-              <p:cNvSpPr txBox="1">
-                <a:spLocks/>
-              </p:cNvSpPr>
-              <p:nvPr/>
-            </p:nvSpPr>
-            <p:spPr bwMode="auto">
-              <a:xfrm>
-                <a:off x="3871199" y="4906739"/>
-                <a:ext cx="7772400" cy="750886"/>
-              </a:xfrm>
-              <a:prstGeom prst="rect">
-                <a:avLst/>
-              </a:prstGeom>
-              <a:noFill/>
-              <a:ln w="9525">
-                <a:noFill/>
-                <a:miter lim="800000"/>
-                <a:headEnd/>
-                <a:tailEnd/>
-              </a:ln>
-            </p:spPr>
-            <p:txBody>
-              <a:bodyPr vert="horz" wrap="square" lIns="91440" tIns="45720" rIns="91440" bIns="91440" numCol="1" anchor="b" anchorCtr="0" compatLnSpc="1">
-                <a:prstTxWarp prst="textNoShape">
-                  <a:avLst/>
-                </a:prstTxWarp>
-              </a:bodyPr>
-              <a:lstStyle/>
-              <a:p>
-                <a:pPr algn="ctr" defTabSz="653064" fontAlgn="base">
-                  <a:spcBef>
-                    <a:spcPct val="0"/>
-                  </a:spcBef>
-                  <a:spcAft>
-                    <a:spcPct val="0"/>
-                  </a:spcAft>
-                  <a:defRPr/>
-                </a:pPr>
-                <a:r>
-                  <a:rPr lang="en-US" sz="2600" b="1" dirty="0" smtClean="0">
-                    <a:latin typeface="Franklin Gothic Book"/>
-                    <a:ea typeface="ＭＳ Ｐゴシック" charset="-128"/>
-                    <a:cs typeface="ＭＳ Ｐゴシック" charset="-128"/>
-                  </a:rPr>
-                  <a:t>Pedagogical and Research Aids</a:t>
-                </a:r>
-              </a:p>
-            </p:txBody>
-          </p:sp>
-        </p:grpSp>
-        <p:pic>
-          <p:nvPicPr>
-            <p:cNvPr id="691" name="Picture 690"/>
-            <p:cNvPicPr>
-              <a:picLocks noChangeAspect="1"/>
-            </p:cNvPicPr>
-            <p:nvPr/>
-          </p:nvPicPr>
-          <p:blipFill>
-            <a:blip r:embed="rId9"/>
-            <a:stretch>
-              <a:fillRect/>
-            </a:stretch>
-          </p:blipFill>
-          <p:spPr>
-            <a:xfrm>
-              <a:off x="37667104" y="12519790"/>
-              <a:ext cx="3957810" cy="4639286"/>
-            </a:xfrm>
-            <a:prstGeom prst="rect">
-              <a:avLst/>
-            </a:prstGeom>
-          </p:spPr>
-        </p:pic>
-        <p:sp>
-          <p:nvSpPr>
-            <p:cNvPr id="693" name="Content Placeholder 2"/>
+            <p:cNvPr id="596" name="Title 1"/>
             <p:cNvSpPr txBox="1">
               <a:spLocks/>
             </p:cNvSpPr>
@@ -11334,8 +10346,8 @@
           </p:nvSpPr>
           <p:spPr bwMode="auto">
             <a:xfrm>
-              <a:off x="29769467" y="12486097"/>
-              <a:ext cx="7594019" cy="3524100"/>
+              <a:off x="23920383" y="3990631"/>
+              <a:ext cx="5829300" cy="259003"/>
             </a:xfrm>
             <a:prstGeom prst="rect">
               <a:avLst/>
@@ -11349,7 +10361,59 @@
             </a:ln>
           </p:spPr>
           <p:txBody>
-            <a:bodyPr vert="horz" wrap="square" lIns="91440" tIns="45720" rIns="91440" bIns="45720" numCol="1" anchor="t" anchorCtr="0" compatLnSpc="1">
+            <a:bodyPr vert="horz" wrap="square" lIns="65306" tIns="32653" rIns="65306" bIns="65306" numCol="1" anchor="b" anchorCtr="0" compatLnSpc="1">
+              <a:prstTxWarp prst="textNoShape">
+                <a:avLst/>
+              </a:prstTxWarp>
+            </a:bodyPr>
+            <a:lstStyle/>
+            <a:p>
+              <a:pPr algn="ctr" defTabSz="653064" fontAlgn="base">
+                <a:spcBef>
+                  <a:spcPct val="0"/>
+                </a:spcBef>
+                <a:spcAft>
+                  <a:spcPct val="0"/>
+                </a:spcAft>
+                <a:defRPr/>
+              </a:pPr>
+              <a:r>
+                <a:rPr lang="en-US" sz="2600" b="1" dirty="0" smtClean="0">
+                  <a:latin typeface="Franklin Gothic Book"/>
+                  <a:ea typeface="ＭＳ Ｐゴシック" charset="-128"/>
+                  <a:cs typeface="ＭＳ Ｐゴシック" charset="-128"/>
+                </a:rPr>
+                <a:t>SPMD-style Parallelism</a:t>
+              </a:r>
+            </a:p>
+          </p:txBody>
+        </p:sp>
+        <p:sp>
+          <p:nvSpPr>
+            <p:cNvPr id="697" name="Content Placeholder 2"/>
+            <p:cNvSpPr txBox="1">
+              <a:spLocks/>
+            </p:cNvSpPr>
+            <p:nvPr/>
+          </p:nvSpPr>
+          <p:spPr bwMode="auto">
+            <a:xfrm>
+              <a:off x="22327101" y="4385098"/>
+              <a:ext cx="7417180" cy="1699879"/>
+            </a:xfrm>
+            <a:prstGeom prst="rect">
+              <a:avLst/>
+            </a:prstGeom>
+            <a:noFill/>
+            <a:ln w="9525">
+              <a:noFill/>
+              <a:miter lim="800000"/>
+              <a:headEnd/>
+              <a:tailEnd/>
+            </a:ln>
+          </p:spPr>
+          <p:txBody>
+            <a:bodyPr vert="horz" wrap="square" lIns="65306" tIns="32653" rIns="65306" bIns="32653" numCol="1" anchor="t" anchorCtr="0" compatLnSpc="1">
               <a:prstTxWarp prst="textNoShape">
                 <a:avLst/>
               </a:prstTxWarp>
@@ -11380,7 +10444,7 @@
                   <a:ea typeface="ＭＳ Ｐゴシック" charset="-128"/>
                   <a:cs typeface="ＭＳ Ｐゴシック" charset="-128"/>
                 </a:rPr>
-                <a:t>Portable, easy to install, and use.</a:t>
+                <a:t>Mix task parallelism with SPMD-style programming.</a:t>
               </a:r>
             </a:p>
             <a:p>
@@ -11407,7 +10471,27 @@
                   <a:ea typeface="ＭＳ Ｐゴシック" charset="-128"/>
                   <a:cs typeface="ＭＳ Ｐゴシック" charset="-128"/>
                 </a:rPr>
-                <a:t>Thorough documentation and tutorials.</a:t>
+                <a:t>Create </a:t>
+              </a:r>
+              <a:r>
+                <a:rPr lang="en-US" sz="2300" dirty="0" smtClean="0">
+                  <a:solidFill>
+                    <a:srgbClr val="0000FF"/>
+                  </a:solidFill>
+                  <a:ea typeface="ＭＳ Ｐゴシック" charset="-128"/>
+                  <a:cs typeface="ＭＳ Ｐゴシック" charset="-128"/>
+                </a:rPr>
+                <a:t>group</a:t>
+              </a:r>
+              <a:r>
+                <a:rPr lang="en-US" sz="2300" dirty="0" smtClean="0">
+                  <a:solidFill>
+                    <a:srgbClr val="000000"/>
+                  </a:solidFill>
+                  <a:ea typeface="ＭＳ Ｐゴシック" charset="-128"/>
+                  <a:cs typeface="ＭＳ Ｐゴシック" charset="-128"/>
+                </a:rPr>
+                <a:t> of tasks; a task can be in only one group.</a:t>
               </a:r>
             </a:p>
             <a:p>
@@ -11434,7 +10518,37 @@
                   <a:ea typeface="ＭＳ Ｐゴシック" charset="-128"/>
                   <a:cs typeface="ＭＳ Ｐゴシック" charset="-128"/>
                 </a:rPr>
-                <a:t>Industry-strength exception handling.</a:t>
+                <a:t>Tasks can </a:t>
+              </a:r>
+              <a:r>
+                <a:rPr lang="en-US" sz="2300" dirty="0" smtClean="0">
+                  <a:solidFill>
+                    <a:srgbClr val="0000FF"/>
+                  </a:solidFill>
+                  <a:ea typeface="ＭＳ Ｐゴシック" charset="-128"/>
+                  <a:cs typeface="ＭＳ Ｐゴシック" charset="-128"/>
+                </a:rPr>
+                <a:t>communicate/sync</a:t>
+              </a:r>
+              <a:r>
+                <a:rPr lang="en-US" sz="2300" dirty="0" smtClean="0">
+                  <a:solidFill>
+                    <a:srgbClr val="000000"/>
+                  </a:solidFill>
+                  <a:ea typeface="ＭＳ Ｐゴシック" charset="-128"/>
+                  <a:cs typeface="ＭＳ Ｐゴシック" charset="-128"/>
+                </a:rPr>
+                <a:t> using their group </a:t>
+              </a:r>
+              <a:r>
+                <a:rPr lang="en-US" sz="2300" dirty="0" smtClean="0">
+                  <a:solidFill>
+                    <a:srgbClr val="0000FF"/>
+                  </a:solidFill>
+                  <a:ea typeface="ＭＳ Ｐゴシック" charset="-128"/>
+                  <a:cs typeface="ＭＳ Ｐゴシック" charset="-128"/>
+                </a:rPr>
+                <a:t>rank.</a:t>
               </a:r>
             </a:p>
             <a:p>
@@ -11456,12 +10570,587 @@
               <a:r>
                 <a:rPr lang="en-US" sz="2300" dirty="0" smtClean="0">
                   <a:solidFill>
-                    <a:srgbClr val="000000"/>
+                    <a:srgbClr val="0000FF"/>
                   </a:solidFill>
                   <a:ea typeface="ＭＳ Ｐゴシック" charset="-128"/>
                   <a:cs typeface="ＭＳ Ｐゴシック" charset="-128"/>
                 </a:rPr>
-                <a:t>PAPI integration for profiling performance.</a:t>
+                <a:t>Barrier </a:t>
+              </a:r>
+              <a:r>
+                <a:rPr lang="en-US" sz="2300" dirty="0" smtClean="0">
+                  <a:ea typeface="ＭＳ Ｐゴシック" charset="-128"/>
+                  <a:cs typeface="ＭＳ Ｐゴシック" charset="-128"/>
+                </a:rPr>
+                <a:t>primitive </a:t>
+              </a:r>
+              <a:r>
+                <a:rPr lang="en-US" sz="2300" smtClean="0">
+                  <a:ea typeface="ＭＳ Ｐゴシック" charset="-128"/>
+                  <a:cs typeface="ＭＳ Ｐゴシック" charset="-128"/>
+                </a:rPr>
+                <a:t>on a group </a:t>
+              </a:r>
+              <a:r>
+                <a:rPr lang="en-US" sz="2300" dirty="0" smtClean="0">
+                  <a:ea typeface="ＭＳ Ｐゴシック" charset="-128"/>
+                  <a:cs typeface="ＭＳ Ｐゴシック" charset="-128"/>
+                </a:rPr>
+                <a:t>allows collective syncs.</a:t>
+              </a:r>
+              <a:endParaRPr lang="en-US" sz="2300" dirty="0" smtClean="0">
+                <a:solidFill>
+                  <a:srgbClr val="0000FF"/>
+                </a:solidFill>
+                <a:ea typeface="ＭＳ Ｐゴシック" charset="-128"/>
+                <a:cs typeface="ＭＳ Ｐゴシック" charset="-128"/>
+              </a:endParaRPr>
+            </a:p>
+            <a:p>
+              <a:pPr marL="195012" indent="-195012" defTabSz="653064" fontAlgn="base">
+                <a:spcBef>
+                  <a:spcPts val="411"/>
+                </a:spcBef>
+                <a:spcAft>
+                  <a:spcPct val="0"/>
+                </a:spcAft>
+                <a:buClr>
+                  <a:schemeClr val="accent1"/>
+                </a:buClr>
+                <a:buSzPct val="85000"/>
+                <a:buFont typeface="Wingdings 2" charset="2"/>
+                <a:buChar char=""/>
+                <a:defRPr/>
+              </a:pPr>
+              <a:endParaRPr lang="en-US" sz="2300" dirty="0" smtClean="0">
+                <a:solidFill>
+                  <a:srgbClr val="000000"/>
+                </a:solidFill>
+                <a:ea typeface="ＭＳ Ｐゴシック" charset="-128"/>
+                <a:cs typeface="ＭＳ Ｐゴシック" charset="-128"/>
+              </a:endParaRPr>
+            </a:p>
+          </p:txBody>
+        </p:sp>
+        <p:pic>
+          <p:nvPicPr>
+            <p:cNvPr id="698" name="Picture 697"/>
+            <p:cNvPicPr>
+              <a:picLocks noChangeAspect="1"/>
+            </p:cNvPicPr>
+            <p:nvPr/>
+          </p:nvPicPr>
+          <p:blipFill>
+            <a:blip r:embed="rId6"/>
+            <a:stretch>
+              <a:fillRect/>
+            </a:stretch>
+          </p:blipFill>
+          <p:spPr>
+            <a:xfrm>
+              <a:off x="29396582" y="4301753"/>
+              <a:ext cx="2228850" cy="1820333"/>
+            </a:xfrm>
+            <a:prstGeom prst="rect">
+              <a:avLst/>
+            </a:prstGeom>
+          </p:spPr>
+        </p:pic>
+      </p:grpSp>
+      <p:grpSp>
+        <p:nvGrpSpPr>
+          <p:cNvPr id="164" name="Group 163"/>
+          <p:cNvGrpSpPr/>
+          <p:nvPr/>
+        </p:nvGrpSpPr>
+        <p:grpSpPr>
+          <a:xfrm>
+            <a:off x="1730721" y="621553"/>
+            <a:ext cx="29612074" cy="2518684"/>
+            <a:chOff x="1730721" y="621553"/>
+            <a:chExt cx="29612074" cy="2518684"/>
+          </a:xfrm>
+        </p:grpSpPr>
+        <p:grpSp>
+          <p:nvGrpSpPr>
+            <p:cNvPr id="690" name="Group 689"/>
+            <p:cNvGrpSpPr/>
+            <p:nvPr/>
+          </p:nvGrpSpPr>
+          <p:grpSpPr>
+            <a:xfrm>
+              <a:off x="1730721" y="621553"/>
+              <a:ext cx="29612074" cy="2518684"/>
+              <a:chOff x="2307626" y="662941"/>
+              <a:chExt cx="39482765" cy="3778026"/>
+            </a:xfrm>
+          </p:grpSpPr>
+          <p:sp>
+            <p:nvSpPr>
+              <p:cNvPr id="8" name="TextBox 7"/>
+              <p:cNvSpPr txBox="1"/>
+              <p:nvPr/>
+            </p:nvSpPr>
+            <p:spPr>
+              <a:xfrm>
+                <a:off x="12307481" y="810784"/>
+                <a:ext cx="19384773" cy="1223412"/>
+              </a:xfrm>
+              <a:prstGeom prst="rect">
+                <a:avLst/>
+              </a:prstGeom>
+              <a:noFill/>
+            </p:spPr>
+            <p:txBody>
+              <a:bodyPr wrap="none" rtlCol="0">
+                <a:spAutoFit/>
+              </a:bodyPr>
+              <a:lstStyle/>
+              <a:p>
+                <a:r>
+                  <a:rPr lang="en-US" sz="4700" b="1" dirty="0" smtClean="0"/>
+                  <a:t>PFunc</a:t>
+                </a:r>
+                <a:r>
+                  <a:rPr lang="en-US" sz="3400" b="1" dirty="0" smtClean="0"/>
+                  <a:t>: </a:t>
+                </a:r>
+                <a:r>
+                  <a:rPr lang="en-US" sz="4300" b="1" dirty="0" smtClean="0"/>
+                  <a:t>A Tool For Teaching  And Implementing Task </a:t>
+                </a:r>
+                <a:r>
+                  <a:rPr lang="en-US" sz="4300" b="1" dirty="0" smtClean="0"/>
+                  <a:t>Parallelism </a:t>
+                </a:r>
+                <a:endParaRPr lang="en-US" sz="3400" b="1" dirty="0"/>
+              </a:p>
+            </p:txBody>
+          </p:sp>
+          <p:sp>
+            <p:nvSpPr>
+              <p:cNvPr id="10" name="TextBox 9"/>
+              <p:cNvSpPr txBox="1"/>
+              <p:nvPr/>
+            </p:nvSpPr>
+            <p:spPr>
+              <a:xfrm>
+                <a:off x="9562573" y="2871307"/>
+                <a:ext cx="24926264" cy="1569660"/>
+              </a:xfrm>
+              <a:prstGeom prst="rect">
+                <a:avLst/>
+              </a:prstGeom>
+              <a:noFill/>
+            </p:spPr>
+            <p:txBody>
+              <a:bodyPr wrap="square" rtlCol="0">
+                <a:spAutoFit/>
+              </a:bodyPr>
+              <a:lstStyle/>
+              <a:p>
+                <a:pPr algn="ctr"/>
+                <a:r>
+                  <a:rPr lang="en-US" sz="3100" dirty="0" smtClean="0"/>
+                  <a:t>Prabhanjan Kambadur</a:t>
+                </a:r>
+                <a:r>
+                  <a:rPr lang="en-US" sz="3100" baseline="30000" dirty="0" smtClean="0"/>
+                  <a:t>1</a:t>
+                </a:r>
+                <a:r>
+                  <a:rPr lang="en-US" sz="3100" dirty="0" smtClean="0"/>
+                  <a:t>, Anshul Gupta</a:t>
+                </a:r>
+                <a:r>
+                  <a:rPr lang="en-US" sz="3100" baseline="30000" dirty="0" smtClean="0"/>
+                  <a:t>1</a:t>
+                </a:r>
+                <a:r>
+                  <a:rPr lang="en-US" sz="3100" dirty="0" smtClean="0"/>
+                  <a:t>, Andrew Lumsdaine</a:t>
+                </a:r>
+                <a:r>
+                  <a:rPr lang="en-US" sz="3100" baseline="30000" dirty="0"/>
+                  <a:t>2</a:t>
+                </a:r>
+                <a:endParaRPr lang="en-US" sz="3100" baseline="30000" dirty="0" smtClean="0"/>
+              </a:p>
+              <a:p>
+                <a:pPr algn="ctr"/>
+                <a:r>
+                  <a:rPr lang="en-US" sz="3100" baseline="30000" dirty="0" smtClean="0"/>
+                  <a:t>1 </a:t>
+                </a:r>
+                <a:r>
+                  <a:rPr lang="en-US" sz="3100" dirty="0" smtClean="0"/>
+                  <a:t>IBM TJ Watson Research Center. </a:t>
+                </a:r>
+                <a:r>
+                  <a:rPr lang="en-US" sz="3100" baseline="30000" dirty="0" smtClean="0"/>
+                  <a:t>2</a:t>
+                </a:r>
+                <a:r>
+                  <a:rPr lang="en-US" sz="3100" dirty="0" smtClean="0"/>
+                  <a:t>Indiana University, Bloomington</a:t>
+                </a:r>
+                <a:endParaRPr lang="en-US" sz="3100" dirty="0"/>
+              </a:p>
+            </p:txBody>
+          </p:sp>
+          <p:pic>
+            <p:nvPicPr>
+              <p:cNvPr id="337" name="Picture 336"/>
+              <p:cNvPicPr>
+                <a:picLocks noChangeAspect="1"/>
+              </p:cNvPicPr>
+              <p:nvPr/>
+            </p:nvPicPr>
+            <p:blipFill>
+              <a:blip r:embed="rId7"/>
+              <a:stretch>
+                <a:fillRect/>
+              </a:stretch>
+            </p:blipFill>
+            <p:spPr>
+              <a:xfrm>
+                <a:off x="4865191" y="832269"/>
+                <a:ext cx="7126525" cy="3406684"/>
+              </a:xfrm>
+              <a:prstGeom prst="rect">
+                <a:avLst/>
+              </a:prstGeom>
+            </p:spPr>
+          </p:pic>
+          <p:pic>
+            <p:nvPicPr>
+              <p:cNvPr id="338" name="Picture 337"/>
+              <p:cNvPicPr>
+                <a:picLocks noChangeAspect="1"/>
+              </p:cNvPicPr>
+              <p:nvPr/>
+            </p:nvPicPr>
+            <p:blipFill>
+              <a:blip r:embed="rId8"/>
+              <a:stretch>
+                <a:fillRect/>
+              </a:stretch>
+            </p:blipFill>
+            <p:spPr>
+              <a:xfrm>
+                <a:off x="32748289" y="662941"/>
+                <a:ext cx="3502278" cy="3502278"/>
+              </a:xfrm>
+              <a:prstGeom prst="rect">
+                <a:avLst/>
+              </a:prstGeom>
+            </p:spPr>
+          </p:pic>
+          <p:pic>
+            <p:nvPicPr>
+              <p:cNvPr id="360" name="Picture 359"/>
+              <p:cNvPicPr>
+                <a:picLocks noChangeAspect="1"/>
+              </p:cNvPicPr>
+              <p:nvPr/>
+            </p:nvPicPr>
+            <p:blipFill>
+              <a:blip r:embed="rId9"/>
+              <a:stretch>
+                <a:fillRect/>
+              </a:stretch>
+            </p:blipFill>
+            <p:spPr>
+              <a:xfrm>
+                <a:off x="36577738" y="832269"/>
+                <a:ext cx="2370584" cy="3247700"/>
+              </a:xfrm>
+              <a:prstGeom prst="rect">
+                <a:avLst/>
+              </a:prstGeom>
+            </p:spPr>
+          </p:pic>
+          <p:pic>
+            <p:nvPicPr>
+              <p:cNvPr id="381" name="Picture 380"/>
+              <p:cNvPicPr>
+                <a:picLocks noChangeAspect="1"/>
+              </p:cNvPicPr>
+              <p:nvPr/>
+            </p:nvPicPr>
+            <p:blipFill>
+              <a:blip r:embed="rId10"/>
+              <a:stretch>
+                <a:fillRect/>
+              </a:stretch>
+            </p:blipFill>
+            <p:spPr>
+              <a:xfrm>
+                <a:off x="2307626" y="1008989"/>
+                <a:ext cx="2154831" cy="2836462"/>
+              </a:xfrm>
+              <a:prstGeom prst="rect">
+                <a:avLst/>
+              </a:prstGeom>
+            </p:spPr>
+          </p:pic>
+          <p:pic>
+            <p:nvPicPr>
+              <p:cNvPr id="689" name="Picture 688"/>
+              <p:cNvPicPr>
+                <a:picLocks noChangeAspect="1"/>
+              </p:cNvPicPr>
+              <p:nvPr/>
+            </p:nvPicPr>
+            <p:blipFill>
+              <a:blip r:embed="rId11"/>
+              <a:stretch>
+                <a:fillRect/>
+              </a:stretch>
+            </p:blipFill>
+            <p:spPr>
+              <a:xfrm>
+                <a:off x="38932891" y="1193004"/>
+                <a:ext cx="2857500" cy="2844800"/>
+              </a:xfrm>
+              <a:prstGeom prst="rect">
+                <a:avLst/>
+              </a:prstGeom>
+            </p:spPr>
+          </p:pic>
+        </p:grpSp>
+        <p:sp>
+          <p:nvSpPr>
+            <p:cNvPr id="163" name="TextBox 162"/>
+            <p:cNvSpPr txBox="1"/>
+            <p:nvPr/>
+          </p:nvSpPr>
+          <p:spPr>
+            <a:xfrm>
+              <a:off x="7324331" y="1510913"/>
+              <a:ext cx="18694698" cy="584776"/>
+            </a:xfrm>
+            <a:prstGeom prst="rect">
+              <a:avLst/>
+            </a:prstGeom>
+            <a:noFill/>
+          </p:spPr>
+          <p:txBody>
+            <a:bodyPr wrap="square" rtlCol="0">
+              <a:spAutoFit/>
+            </a:bodyPr>
+            <a:lstStyle/>
+            <a:p>
+              <a:pPr marL="195012" indent="-195012" algn="ctr" defTabSz="653064" fontAlgn="base">
+                <a:spcBef>
+                  <a:spcPts val="411"/>
+                </a:spcBef>
+                <a:spcAft>
+                  <a:spcPct val="0"/>
+                </a:spcAft>
+                <a:buClr>
+                  <a:schemeClr val="accent1"/>
+                </a:buClr>
+                <a:buSzPct val="85000"/>
+                <a:defRPr/>
+              </a:pPr>
+              <a:r>
+                <a:rPr lang="en-US" sz="3200" dirty="0" err="1" smtClean="0">
+                  <a:solidFill>
+                    <a:srgbClr val="0000FF"/>
+                  </a:solidFill>
+                  <a:ea typeface="ＭＳ Ｐゴシック" charset="-128"/>
+                  <a:cs typeface="ＭＳ Ｐゴシック" charset="-128"/>
+                </a:rPr>
+                <a:t>https://projects.coin-or.org/PFunc</a:t>
+              </a:r>
+              <a:endParaRPr lang="en-US" sz="3200" dirty="0" smtClean="0">
+                <a:solidFill>
+                  <a:srgbClr val="0000FF"/>
+                </a:solidFill>
+                <a:ea typeface="ＭＳ Ｐゴシック" charset="-128"/>
+                <a:cs typeface="ＭＳ Ｐゴシック" charset="-128"/>
+              </a:endParaRPr>
+            </a:p>
+          </p:txBody>
+        </p:sp>
+      </p:grpSp>
+      <p:grpSp>
+        <p:nvGrpSpPr>
+          <p:cNvPr id="178" name="Group 177"/>
+          <p:cNvGrpSpPr/>
+          <p:nvPr/>
+        </p:nvGrpSpPr>
+        <p:grpSpPr>
+          <a:xfrm>
+            <a:off x="820607" y="18160150"/>
+            <a:ext cx="9916923" cy="2731115"/>
+            <a:chOff x="943565" y="17603533"/>
+            <a:chExt cx="9916923" cy="2731115"/>
+          </a:xfrm>
+        </p:grpSpPr>
+        <p:sp>
+          <p:nvSpPr>
+            <p:cNvPr id="172" name="Rounded Rectangle 171"/>
+            <p:cNvSpPr/>
+            <p:nvPr/>
+          </p:nvSpPr>
+          <p:spPr>
+            <a:xfrm>
+              <a:off x="943565" y="17603533"/>
+              <a:ext cx="9916923" cy="2731115"/>
+            </a:xfrm>
+            <a:prstGeom prst="roundRect">
+              <a:avLst/>
+            </a:prstGeom>
+            <a:noFill/>
+            <a:ln>
+              <a:solidFill>
+                <a:schemeClr val="tx1"/>
+              </a:solidFill>
+            </a:ln>
+          </p:spPr>
+          <p:style>
+            <a:lnRef idx="1">
+              <a:schemeClr val="accent1"/>
+            </a:lnRef>
+            <a:fillRef idx="3">
+              <a:schemeClr val="accent1"/>
+            </a:fillRef>
+            <a:effectRef idx="2">
+              <a:schemeClr val="accent1"/>
+            </a:effectRef>
+            <a:fontRef idx="minor">
+              <a:schemeClr val="lt1"/>
+            </a:fontRef>
+          </p:style>
+          <p:txBody>
+            <a:bodyPr lIns="65306" tIns="32653" rIns="65306" bIns="32653" rtlCol="0" anchor="ctr"/>
+            <a:lstStyle/>
+            <a:p>
+              <a:pPr algn="ctr"/>
+              <a:endParaRPr lang="en-US" sz="1300" dirty="0"/>
+            </a:p>
+          </p:txBody>
+        </p:sp>
+        <p:sp>
+          <p:nvSpPr>
+            <p:cNvPr id="173" name="Title 1"/>
+            <p:cNvSpPr txBox="1">
+              <a:spLocks/>
+            </p:cNvSpPr>
+            <p:nvPr/>
+          </p:nvSpPr>
+          <p:spPr bwMode="auto">
+            <a:xfrm>
+              <a:off x="3163815" y="17987552"/>
+              <a:ext cx="5829300" cy="259003"/>
+            </a:xfrm>
+            <a:prstGeom prst="rect">
+              <a:avLst/>
+            </a:prstGeom>
+            <a:noFill/>
+            <a:ln w="9525">
+              <a:noFill/>
+              <a:miter lim="800000"/>
+              <a:headEnd/>
+              <a:tailEnd/>
+            </a:ln>
+          </p:spPr>
+          <p:txBody>
+            <a:bodyPr vert="horz" wrap="square" lIns="65306" tIns="32653" rIns="65306" bIns="65306" numCol="1" anchor="b" anchorCtr="0" compatLnSpc="1">
+              <a:prstTxWarp prst="textNoShape">
+                <a:avLst/>
+              </a:prstTxWarp>
+            </a:bodyPr>
+            <a:lstStyle/>
+            <a:p>
+              <a:pPr algn="ctr" defTabSz="653064" fontAlgn="base">
+                <a:spcBef>
+                  <a:spcPct val="0"/>
+                </a:spcBef>
+                <a:spcAft>
+                  <a:spcPct val="0"/>
+                </a:spcAft>
+                <a:defRPr/>
+              </a:pPr>
+              <a:r>
+                <a:rPr lang="en-US" sz="2600" b="1" dirty="0" smtClean="0">
+                  <a:latin typeface="Franklin Gothic Book"/>
+                  <a:ea typeface="ＭＳ Ｐゴシック" charset="-128"/>
+                  <a:cs typeface="ＭＳ Ｐゴシック" charset="-128"/>
+                </a:rPr>
+                <a:t>Research Aspects</a:t>
+              </a:r>
+              <a:endParaRPr lang="en-US" sz="2600" b="1" dirty="0" smtClean="0">
+                <a:latin typeface="Franklin Gothic Book"/>
+                <a:ea typeface="ＭＳ Ｐゴシック" charset="-128"/>
+                <a:cs typeface="ＭＳ Ｐゴシック" charset="-128"/>
+              </a:endParaRPr>
+            </a:p>
+          </p:txBody>
+        </p:sp>
+        <p:sp>
+          <p:nvSpPr>
+            <p:cNvPr id="174" name="Content Placeholder 2"/>
+            <p:cNvSpPr txBox="1">
+              <a:spLocks/>
+            </p:cNvSpPr>
+            <p:nvPr/>
+          </p:nvSpPr>
+          <p:spPr bwMode="auto">
+            <a:xfrm>
+              <a:off x="5908386" y="18454186"/>
+              <a:ext cx="4586847" cy="1699879"/>
+            </a:xfrm>
+            <a:prstGeom prst="rect">
+              <a:avLst/>
+            </a:prstGeom>
+            <a:noFill/>
+            <a:ln w="9525">
+              <a:noFill/>
+              <a:miter lim="800000"/>
+              <a:headEnd/>
+              <a:tailEnd/>
+            </a:ln>
+          </p:spPr>
+          <p:txBody>
+            <a:bodyPr vert="horz" wrap="square" lIns="65306" tIns="32653" rIns="65306" bIns="32653" numCol="1" anchor="t" anchorCtr="0" compatLnSpc="1">
+              <a:prstTxWarp prst="textNoShape">
+                <a:avLst/>
+              </a:prstTxWarp>
+              <a:noAutofit/>
+            </a:bodyPr>
+            <a:lstStyle/>
+            <a:p>
+              <a:pPr marL="195012" indent="-195012" defTabSz="653064" fontAlgn="base">
+                <a:spcBef>
+                  <a:spcPts val="411"/>
+                </a:spcBef>
+                <a:spcAft>
+                  <a:spcPct val="0"/>
+                </a:spcAft>
+                <a:buClr>
+                  <a:schemeClr val="accent1"/>
+                </a:buClr>
+                <a:buSzPct val="85000"/>
+                <a:buFont typeface="Wingdings 2" charset="2"/>
+                <a:buChar char=""/>
+                <a:defRPr/>
+              </a:pPr>
+              <a:r>
+                <a:rPr lang="en-US" sz="2300" dirty="0" smtClean="0">
+                  <a:ea typeface="ＭＳ Ｐゴシック" charset="-128"/>
+                  <a:cs typeface="ＭＳ Ｐゴシック" charset="-128"/>
+                </a:rPr>
+                <a:t>Spawn tasks on specific queues</a:t>
+              </a:r>
+              <a:r>
+                <a:rPr lang="en-US" sz="2300" dirty="0" smtClean="0">
+                  <a:ea typeface="ＭＳ Ｐゴシック" charset="-128"/>
+                  <a:cs typeface="ＭＳ Ｐゴシック" charset="-128"/>
+                </a:rPr>
+                <a:t>.</a:t>
               </a:r>
             </a:p>
             <a:p>
@@ -11482,13 +11171,10 @@
               </a:pPr>
               <a:r>
                 <a:rPr lang="en-US" sz="2300" dirty="0" smtClean="0">
-                  <a:solidFill>
-                    <a:srgbClr val="000000"/>
-                  </a:solidFill>
                   <a:ea typeface="ＭＳ Ｐゴシック" charset="-128"/>
                   <a:cs typeface="ＭＳ Ｐゴシック" charset="-128"/>
                 </a:rPr>
-                <a:t>Growing list of sample applications.</a:t>
+                <a:t>Bind threads to processors.</a:t>
               </a:r>
             </a:p>
             <a:p>
@@ -11509,334 +11195,219 @@
               </a:pPr>
               <a:r>
                 <a:rPr lang="en-US" sz="2300" dirty="0" smtClean="0">
-                  <a:solidFill>
-                    <a:srgbClr val="000000"/>
-                  </a:solidFill>
                   <a:ea typeface="ＭＳ Ｐゴシック" charset="-128"/>
                   <a:cs typeface="ＭＳ Ｐゴシック" charset="-128"/>
                 </a:rPr>
-                <a:t>Online user-groups and support.</a:t>
+                <a:t>Work</a:t>
               </a:r>
+              <a:r>
+                <a:rPr lang="en-US" sz="2300" dirty="0" smtClean="0">
+                  <a:ea typeface="ＭＳ Ｐゴシック" charset="-128"/>
+                  <a:cs typeface="ＭＳ Ｐゴシック" charset="-128"/>
+                </a:rPr>
+                <a:t>-stealing to work-</a:t>
+              </a:r>
+              <a:r>
+                <a:rPr lang="en-US" sz="2300" dirty="0" smtClean="0">
+                  <a:ea typeface="ＭＳ Ｐゴシック" charset="-128"/>
+                  <a:cs typeface="ＭＳ Ｐゴシック" charset="-128"/>
+                </a:rPr>
+                <a:t>sharing.</a:t>
+              </a:r>
+              <a:endParaRPr lang="en-US" sz="2300" dirty="0" smtClean="0">
+                <a:ea typeface="ＭＳ Ｐゴシック" charset="-128"/>
+                <a:cs typeface="ＭＳ Ｐゴシック" charset="-128"/>
+              </a:endParaRPr>
+            </a:p>
+            <a:p>
+              <a:pPr marL="195012" indent="-195012" defTabSz="653064" fontAlgn="base">
+                <a:spcBef>
+                  <a:spcPts val="411"/>
+                </a:spcBef>
+                <a:spcAft>
+                  <a:spcPct val="0"/>
+                </a:spcAft>
+                <a:buClr>
+                  <a:schemeClr val="accent1"/>
+                </a:buClr>
+                <a:buSzPct val="85000"/>
+                <a:buFont typeface="Wingdings 2" charset="2"/>
+                <a:buChar char=""/>
+                <a:defRPr/>
+              </a:pPr>
+              <a:r>
+                <a:rPr lang="en-US" sz="2300" dirty="0" smtClean="0">
+                  <a:ea typeface="ＭＳ Ｐゴシック" charset="-128"/>
+                  <a:cs typeface="ＭＳ Ｐゴシック" charset="-128"/>
+                </a:rPr>
+                <a:t>Tasks can have multiple </a:t>
+              </a:r>
+              <a:r>
+                <a:rPr lang="en-US" sz="2300" dirty="0" smtClean="0">
+                  <a:ea typeface="ＭＳ Ｐゴシック" charset="-128"/>
+                  <a:cs typeface="ＭＳ Ｐゴシック" charset="-128"/>
+                </a:rPr>
+                <a:t>parents.</a:t>
+              </a:r>
+              <a:endParaRPr lang="en-US" sz="2300" dirty="0" smtClean="0">
+                <a:ea typeface="ＭＳ Ｐゴシック" charset="-128"/>
+                <a:cs typeface="ＭＳ Ｐゴシック" charset="-128"/>
+              </a:endParaRPr>
             </a:p>
           </p:txBody>
         </p:sp>
-        <p:pic>
-          <p:nvPicPr>
-            <p:cNvPr id="694" name="Picture 693"/>
-            <p:cNvPicPr>
-              <a:picLocks noChangeAspect="1"/>
-            </p:cNvPicPr>
+        <p:sp>
+          <p:nvSpPr>
+            <p:cNvPr id="177" name="Content Placeholder 2"/>
+            <p:cNvSpPr txBox="1">
+              <a:spLocks/>
+            </p:cNvSpPr>
             <p:nvPr/>
-          </p:nvPicPr>
-          <p:blipFill>
-            <a:blip r:embed="rId10"/>
-            <a:stretch>
-              <a:fillRect/>
-            </a:stretch>
-          </p:blipFill>
-          <p:spPr>
+          </p:nvSpPr>
+          <p:spPr bwMode="auto">
             <a:xfrm>
-              <a:off x="30000371" y="16204145"/>
-              <a:ext cx="4974577" cy="997527"/>
+              <a:off x="1355471" y="18454186"/>
+              <a:ext cx="4586847" cy="1699879"/>
             </a:xfrm>
             <a:prstGeom prst="rect">
               <a:avLst/>
             </a:prstGeom>
+            <a:noFill/>
+            <a:ln w="9525">
+              <a:noFill/>
+              <a:miter lim="800000"/>
+              <a:headEnd/>
+              <a:tailEnd/>
+            </a:ln>
           </p:spPr>
-        </p:pic>
-      </p:grpSp>
-      <p:sp>
-        <p:nvSpPr>
-          <p:cNvPr id="697" name="Content Placeholder 2"/>
-          <p:cNvSpPr txBox="1">
-            <a:spLocks/>
-          </p:cNvSpPr>
-          <p:nvPr/>
-        </p:nvSpPr>
-        <p:spPr bwMode="auto">
-          <a:xfrm>
-            <a:off x="22327101" y="4385098"/>
-            <a:ext cx="7417180" cy="1699879"/>
-          </a:xfrm>
-          <a:prstGeom prst="rect">
-            <a:avLst/>
-          </a:prstGeom>
-          <a:noFill/>
-          <a:ln w="9525">
-            <a:noFill/>
-            <a:miter lim="800000"/>
-            <a:headEnd/>
-            <a:tailEnd/>
-          </a:ln>
-        </p:spPr>
-        <p:txBody>
-          <a:bodyPr vert="horz" wrap="square" lIns="65306" tIns="32653" rIns="65306" bIns="32653" numCol="1" anchor="t" anchorCtr="0" compatLnSpc="1">
-            <a:prstTxWarp prst="textNoShape">
-              <a:avLst/>
-            </a:prstTxWarp>
-            <a:noAutofit/>
-          </a:bodyPr>
-          <a:lstStyle/>
-          <a:p>
-            <a:pPr marL="195012" indent="-195012" defTabSz="653064" fontAlgn="base">
-              <a:spcBef>
-                <a:spcPts val="411"/>
-              </a:spcBef>
-              <a:spcAft>
-                <a:spcPct val="0"/>
-              </a:spcAft>
-              <a:buClr>
-                <a:schemeClr val="accent1"/>
-              </a:buClr>
-              <a:buSzPct val="85000"/>
-              <a:buFont typeface="Wingdings 2" charset="2"/>
-              <a:buChar char=""/>
-              <a:defRPr/>
-            </a:pPr>
-            <a:r>
-              <a:rPr lang="en-US" sz="2300" dirty="0" smtClean="0">
-                <a:solidFill>
-                  <a:srgbClr val="000000"/>
-                </a:solidFill>
+          <p:txBody>
+            <a:bodyPr vert="horz" wrap="square" lIns="65306" tIns="32653" rIns="65306" bIns="32653" numCol="1" anchor="t" anchorCtr="0" compatLnSpc="1">
+              <a:prstTxWarp prst="textNoShape">
+                <a:avLst/>
+              </a:prstTxWarp>
+              <a:noAutofit/>
+            </a:bodyPr>
+            <a:lstStyle/>
+            <a:p>
+              <a:pPr marL="195012" indent="-195012" defTabSz="653064" fontAlgn="base">
+                <a:spcBef>
+                  <a:spcPts val="411"/>
+                </a:spcBef>
+                <a:spcAft>
+                  <a:spcPct val="0"/>
+                </a:spcAft>
+                <a:buClr>
+                  <a:schemeClr val="accent1"/>
+                </a:buClr>
+                <a:buSzPct val="85000"/>
+                <a:buFont typeface="Wingdings 2" charset="2"/>
+                <a:buChar char=""/>
+                <a:defRPr/>
+              </a:pPr>
+              <a:r>
+                <a:rPr lang="en-US" sz="2300" dirty="0" smtClean="0">
+                  <a:ea typeface="ＭＳ Ｐゴシック" charset="-128"/>
+                  <a:cs typeface="ＭＳ Ｐゴシック" charset="-128"/>
+                </a:rPr>
+                <a:t>Customize task scheduling policy.</a:t>
+              </a:r>
+            </a:p>
+            <a:p>
+              <a:pPr marL="195012" indent="-195012" defTabSz="653064" fontAlgn="base">
+                <a:spcBef>
+                  <a:spcPts val="411"/>
+                </a:spcBef>
+                <a:spcAft>
+                  <a:spcPct val="0"/>
+                </a:spcAft>
+                <a:buClr>
+                  <a:schemeClr val="accent1"/>
+                </a:buClr>
+                <a:buSzPct val="85000"/>
+                <a:buFont typeface="Wingdings 2" charset="2"/>
+                <a:buChar char=""/>
+                <a:defRPr/>
+              </a:pPr>
+              <a:r>
+                <a:rPr lang="en-US" sz="2300" dirty="0" smtClean="0">
+                  <a:ea typeface="ＭＳ Ｐゴシック" charset="-128"/>
+                  <a:cs typeface="ＭＳ Ｐゴシック" charset="-128"/>
+                </a:rPr>
+                <a:t>Customize task stealing policy.</a:t>
+              </a:r>
+            </a:p>
+            <a:p>
+              <a:pPr marL="195012" indent="-195012" defTabSz="653064" fontAlgn="base">
+                <a:spcBef>
+                  <a:spcPts val="411"/>
+                </a:spcBef>
+                <a:spcAft>
+                  <a:spcPct val="0"/>
+                </a:spcAft>
+                <a:buClr>
+                  <a:schemeClr val="accent1"/>
+                </a:buClr>
+                <a:buSzPct val="85000"/>
+                <a:buFont typeface="Wingdings 2" charset="2"/>
+                <a:buChar char=""/>
+                <a:defRPr/>
+              </a:pPr>
+              <a:r>
+                <a:rPr lang="en-US" sz="2300" dirty="0" smtClean="0">
+                  <a:ea typeface="ＭＳ Ｐゴシック" charset="-128"/>
+                  <a:cs typeface="ＭＳ Ｐゴシック" charset="-128"/>
+                </a:rPr>
+                <a:t>Customize task priorities.</a:t>
+              </a:r>
+            </a:p>
+            <a:p>
+              <a:pPr marL="195012" indent="-195012" defTabSz="653064" fontAlgn="base">
+                <a:spcBef>
+                  <a:spcPts val="411"/>
+                </a:spcBef>
+                <a:spcAft>
+                  <a:spcPct val="0"/>
+                </a:spcAft>
+                <a:buClr>
+                  <a:schemeClr val="accent1"/>
+                </a:buClr>
+                <a:buSzPct val="85000"/>
+                <a:buFont typeface="Wingdings 2" charset="2"/>
+                <a:buChar char=""/>
+                <a:defRPr/>
+              </a:pPr>
+              <a:r>
+                <a:rPr lang="en-US" sz="2300" dirty="0" smtClean="0">
+                  <a:ea typeface="ＭＳ Ｐゴシック" charset="-128"/>
+                  <a:cs typeface="ＭＳ Ｐゴシック" charset="-128"/>
+                </a:rPr>
+                <a:t>PAPI integration.</a:t>
+              </a:r>
+            </a:p>
+            <a:p>
+              <a:pPr marL="195012" indent="-195012" defTabSz="653064" fontAlgn="base">
+                <a:spcBef>
+                  <a:spcPts val="411"/>
+                </a:spcBef>
+                <a:spcAft>
+                  <a:spcPct val="0"/>
+                </a:spcAft>
+                <a:buClr>
+                  <a:schemeClr val="accent1"/>
+                </a:buClr>
+                <a:buSzPct val="85000"/>
+                <a:buFont typeface="Wingdings 2" charset="2"/>
+                <a:buChar char=""/>
+                <a:defRPr/>
+              </a:pPr>
+              <a:endParaRPr lang="en-US" sz="2300" dirty="0" smtClean="0">
                 <a:ea typeface="ＭＳ Ｐゴシック" charset="-128"/>
                 <a:cs typeface="ＭＳ Ｐゴシック" charset="-128"/>
-              </a:rPr>
-              <a:t>Mix task parallelism with SPMD-style programming.</a:t>
-            </a:r>
-          </a:p>
-          <a:p>
-            <a:pPr marL="195012" indent="-195012" defTabSz="653064" fontAlgn="base">
-              <a:spcBef>
-                <a:spcPts val="411"/>
-              </a:spcBef>
-              <a:spcAft>
-                <a:spcPct val="0"/>
-              </a:spcAft>
-              <a:buClr>
-                <a:schemeClr val="accent1"/>
-              </a:buClr>
-              <a:buSzPct val="85000"/>
-              <a:buFont typeface="Wingdings 2" charset="2"/>
-              <a:buChar char=""/>
-              <a:defRPr/>
-            </a:pPr>
-            <a:r>
-              <a:rPr lang="en-US" sz="2300" dirty="0" smtClean="0">
-                <a:solidFill>
-                  <a:srgbClr val="000000"/>
-                </a:solidFill>
-                <a:ea typeface="ＭＳ Ｐゴシック" charset="-128"/>
-                <a:cs typeface="ＭＳ Ｐゴシック" charset="-128"/>
-              </a:rPr>
-              <a:t>Create </a:t>
-            </a:r>
-            <a:r>
-              <a:rPr lang="en-US" sz="2300" dirty="0" smtClean="0">
-                <a:solidFill>
-                  <a:srgbClr val="0000FF"/>
-                </a:solidFill>
-                <a:ea typeface="ＭＳ Ｐゴシック" charset="-128"/>
-                <a:cs typeface="ＭＳ Ｐゴシック" charset="-128"/>
-              </a:rPr>
-              <a:t>group</a:t>
-            </a:r>
-            <a:r>
-              <a:rPr lang="en-US" sz="2300" dirty="0" smtClean="0">
-                <a:solidFill>
-                  <a:srgbClr val="000000"/>
-                </a:solidFill>
-                <a:ea typeface="ＭＳ Ｐゴシック" charset="-128"/>
-                <a:cs typeface="ＭＳ Ｐゴシック" charset="-128"/>
-              </a:rPr>
-              <a:t> </a:t>
-            </a:r>
-            <a:r>
-              <a:rPr lang="en-US" sz="2300" dirty="0" smtClean="0">
-                <a:solidFill>
-                  <a:srgbClr val="000000"/>
-                </a:solidFill>
-                <a:ea typeface="ＭＳ Ｐゴシック" charset="-128"/>
-                <a:cs typeface="ＭＳ Ｐゴシック" charset="-128"/>
-              </a:rPr>
-              <a:t>of tasks; a task can be in only one group.</a:t>
-            </a:r>
-            <a:endParaRPr lang="en-US" sz="2300" dirty="0" smtClean="0">
-              <a:solidFill>
-                <a:srgbClr val="000000"/>
-              </a:solidFill>
-              <a:ea typeface="ＭＳ Ｐゴシック" charset="-128"/>
-              <a:cs typeface="ＭＳ Ｐゴシック" charset="-128"/>
-            </a:endParaRPr>
-          </a:p>
-          <a:p>
-            <a:pPr marL="195012" indent="-195012" defTabSz="653064" fontAlgn="base">
-              <a:spcBef>
-                <a:spcPts val="411"/>
-              </a:spcBef>
-              <a:spcAft>
-                <a:spcPct val="0"/>
-              </a:spcAft>
-              <a:buClr>
-                <a:schemeClr val="accent1"/>
-              </a:buClr>
-              <a:buSzPct val="85000"/>
-              <a:buFont typeface="Wingdings 2" charset="2"/>
-              <a:buChar char=""/>
-              <a:defRPr/>
-            </a:pPr>
-            <a:r>
-              <a:rPr lang="en-US" sz="2300" dirty="0" smtClean="0">
-                <a:solidFill>
-                  <a:srgbClr val="000000"/>
-                </a:solidFill>
-                <a:ea typeface="ＭＳ Ｐゴシック" charset="-128"/>
-                <a:cs typeface="ＭＳ Ｐゴシック" charset="-128"/>
-              </a:rPr>
-              <a:t>Tasks can </a:t>
-            </a:r>
-            <a:r>
-              <a:rPr lang="en-US" sz="2300" dirty="0" smtClean="0">
-                <a:solidFill>
-                  <a:srgbClr val="0000FF"/>
-                </a:solidFill>
-                <a:ea typeface="ＭＳ Ｐゴシック" charset="-128"/>
-                <a:cs typeface="ＭＳ Ｐゴシック" charset="-128"/>
-              </a:rPr>
-              <a:t>communicate/sync</a:t>
-            </a:r>
-            <a:r>
-              <a:rPr lang="en-US" sz="2300" dirty="0" smtClean="0">
-                <a:solidFill>
-                  <a:srgbClr val="000000"/>
-                </a:solidFill>
-                <a:ea typeface="ＭＳ Ｐゴシック" charset="-128"/>
-                <a:cs typeface="ＭＳ Ｐゴシック" charset="-128"/>
-              </a:rPr>
-              <a:t> using their group </a:t>
-            </a:r>
-            <a:r>
-              <a:rPr lang="en-US" sz="2300" dirty="0" smtClean="0">
-                <a:solidFill>
-                  <a:srgbClr val="0000FF"/>
-                </a:solidFill>
-                <a:ea typeface="ＭＳ Ｐゴシック" charset="-128"/>
-                <a:cs typeface="ＭＳ Ｐゴシック" charset="-128"/>
-              </a:rPr>
-              <a:t>rank.</a:t>
-            </a:r>
-          </a:p>
-          <a:p>
-            <a:pPr marL="195012" indent="-195012" defTabSz="653064" fontAlgn="base">
-              <a:spcBef>
-                <a:spcPts val="411"/>
-              </a:spcBef>
-              <a:spcAft>
-                <a:spcPct val="0"/>
-              </a:spcAft>
-              <a:buClr>
-                <a:schemeClr val="accent1"/>
-              </a:buClr>
-              <a:buSzPct val="85000"/>
-              <a:buFont typeface="Wingdings 2" charset="2"/>
-              <a:buChar char=""/>
-              <a:defRPr/>
-            </a:pPr>
-            <a:r>
-              <a:rPr lang="en-US" sz="2300" dirty="0" smtClean="0">
-                <a:solidFill>
-                  <a:srgbClr val="0000FF"/>
-                </a:solidFill>
-                <a:ea typeface="ＭＳ Ｐゴシック" charset="-128"/>
-                <a:cs typeface="ＭＳ Ｐゴシック" charset="-128"/>
-              </a:rPr>
-              <a:t>Barrier </a:t>
-            </a:r>
-            <a:r>
-              <a:rPr lang="en-US" sz="2300" dirty="0" smtClean="0">
-                <a:ea typeface="ＭＳ Ｐゴシック" charset="-128"/>
-                <a:cs typeface="ＭＳ Ｐゴシック" charset="-128"/>
-              </a:rPr>
-              <a:t>primitive </a:t>
-            </a:r>
-            <a:r>
-              <a:rPr lang="en-US" sz="2300" smtClean="0">
-                <a:ea typeface="ＭＳ Ｐゴシック" charset="-128"/>
-                <a:cs typeface="ＭＳ Ｐゴシック" charset="-128"/>
-              </a:rPr>
-              <a:t>on</a:t>
-            </a:r>
-            <a:r>
-              <a:rPr lang="en-US" sz="2300" smtClean="0">
-                <a:ea typeface="ＭＳ Ｐゴシック" charset="-128"/>
-                <a:cs typeface="ＭＳ Ｐゴシック" charset="-128"/>
-              </a:rPr>
-              <a:t> a group </a:t>
-            </a:r>
-            <a:r>
-              <a:rPr lang="en-US" sz="2300" dirty="0" smtClean="0">
-                <a:ea typeface="ＭＳ Ｐゴシック" charset="-128"/>
-                <a:cs typeface="ＭＳ Ｐゴシック" charset="-128"/>
-              </a:rPr>
-              <a:t>allows collective syncs.</a:t>
-            </a:r>
-            <a:endParaRPr lang="en-US" sz="2300" dirty="0" smtClean="0">
-              <a:solidFill>
-                <a:srgbClr val="0000FF"/>
-              </a:solidFill>
-              <a:ea typeface="ＭＳ Ｐゴシック" charset="-128"/>
-              <a:cs typeface="ＭＳ Ｐゴシック" charset="-128"/>
-            </a:endParaRPr>
-          </a:p>
-          <a:p>
-            <a:pPr marL="195012" indent="-195012" defTabSz="653064" fontAlgn="base">
-              <a:spcBef>
-                <a:spcPts val="411"/>
-              </a:spcBef>
-              <a:spcAft>
-                <a:spcPct val="0"/>
-              </a:spcAft>
-              <a:buClr>
-                <a:schemeClr val="accent1"/>
-              </a:buClr>
-              <a:buSzPct val="85000"/>
-              <a:buFont typeface="Wingdings 2" charset="2"/>
-              <a:buChar char=""/>
-              <a:defRPr/>
-            </a:pPr>
-            <a:endParaRPr lang="en-US" sz="2300" dirty="0" smtClean="0">
-              <a:solidFill>
-                <a:srgbClr val="000000"/>
-              </a:solidFill>
-              <a:ea typeface="ＭＳ Ｐゴシック" charset="-128"/>
-              <a:cs typeface="ＭＳ Ｐゴシック" charset="-128"/>
-            </a:endParaRPr>
-          </a:p>
-        </p:txBody>
-      </p:sp>
-      <p:pic>
-        <p:nvPicPr>
-          <p:cNvPr id="698" name="Picture 697"/>
-          <p:cNvPicPr>
-            <a:picLocks noChangeAspect="1"/>
-          </p:cNvPicPr>
-          <p:nvPr/>
-        </p:nvPicPr>
-        <p:blipFill>
-          <a:blip r:embed="rId11"/>
-          <a:stretch>
-            <a:fillRect/>
-          </a:stretch>
-        </p:blipFill>
-        <p:spPr>
-          <a:xfrm>
-            <a:off x="29396582" y="4301753"/>
-            <a:ext cx="2228850" cy="1820333"/>
-          </a:xfrm>
-          <a:prstGeom prst="rect">
-            <a:avLst/>
-          </a:prstGeom>
-        </p:spPr>
-      </p:pic>
+              </a:endParaRPr>
+            </a:p>
+          </p:txBody>
+        </p:sp>
+      </p:grpSp>
     </p:spTree>
   </p:cSld>
   <p:clrMapOvr>

--- a/presentation/PFunc-EduPar-11.pptx
+++ b/presentation/PFunc-EduPar-11.pptx
@@ -193,7 +193,7 @@
             <a:fld id="{DC7960C1-A2F1-3341-880E-86FEA866A0CB}" type="datetimeFigureOut">
               <a:rPr lang="en-US" smtClean="0"/>
               <a:pPr/>
-              <a:t>5/7/11</a:t>
+              <a:t>5/10/11</a:t>
             </a:fld>
             <a:endParaRPr lang="en-US"/>
           </a:p>
@@ -641,7 +641,7 @@
             <a:fld id="{B07B2FB9-680A-AF4E-8AA6-0FAA227F6367}" type="datetimeFigureOut">
               <a:rPr lang="en-US" smtClean="0"/>
               <a:pPr/>
-              <a:t>5/7/11</a:t>
+              <a:t>5/10/11</a:t>
             </a:fld>
             <a:endParaRPr lang="en-US"/>
           </a:p>
@@ -808,7 +808,7 @@
             <a:fld id="{B07B2FB9-680A-AF4E-8AA6-0FAA227F6367}" type="datetimeFigureOut">
               <a:rPr lang="en-US" smtClean="0"/>
               <a:pPr/>
-              <a:t>5/7/11</a:t>
+              <a:t>5/10/11</a:t>
             </a:fld>
             <a:endParaRPr lang="en-US"/>
           </a:p>
@@ -985,7 +985,7 @@
             <a:fld id="{B07B2FB9-680A-AF4E-8AA6-0FAA227F6367}" type="datetimeFigureOut">
               <a:rPr lang="en-US" smtClean="0"/>
               <a:pPr/>
-              <a:t>5/7/11</a:t>
+              <a:t>5/10/11</a:t>
             </a:fld>
             <a:endParaRPr lang="en-US"/>
           </a:p>
@@ -1152,7 +1152,7 @@
             <a:fld id="{B07B2FB9-680A-AF4E-8AA6-0FAA227F6367}" type="datetimeFigureOut">
               <a:rPr lang="en-US" smtClean="0"/>
               <a:pPr/>
-              <a:t>5/7/11</a:t>
+              <a:t>5/10/11</a:t>
             </a:fld>
             <a:endParaRPr lang="en-US"/>
           </a:p>
@@ -1395,7 +1395,7 @@
             <a:fld id="{B07B2FB9-680A-AF4E-8AA6-0FAA227F6367}" type="datetimeFigureOut">
               <a:rPr lang="en-US" smtClean="0"/>
               <a:pPr/>
-              <a:t>5/7/11</a:t>
+              <a:t>5/10/11</a:t>
             </a:fld>
             <a:endParaRPr lang="en-US"/>
           </a:p>
@@ -1680,7 +1680,7 @@
             <a:fld id="{B07B2FB9-680A-AF4E-8AA6-0FAA227F6367}" type="datetimeFigureOut">
               <a:rPr lang="en-US" smtClean="0"/>
               <a:pPr/>
-              <a:t>5/7/11</a:t>
+              <a:t>5/10/11</a:t>
             </a:fld>
             <a:endParaRPr lang="en-US"/>
           </a:p>
@@ -2099,7 +2099,7 @@
             <a:fld id="{B07B2FB9-680A-AF4E-8AA6-0FAA227F6367}" type="datetimeFigureOut">
               <a:rPr lang="en-US" smtClean="0"/>
               <a:pPr/>
-              <a:t>5/7/11</a:t>
+              <a:t>5/10/11</a:t>
             </a:fld>
             <a:endParaRPr lang="en-US"/>
           </a:p>
@@ -2214,7 +2214,7 @@
             <a:fld id="{B07B2FB9-680A-AF4E-8AA6-0FAA227F6367}" type="datetimeFigureOut">
               <a:rPr lang="en-US" smtClean="0"/>
               <a:pPr/>
-              <a:t>5/7/11</a:t>
+              <a:t>5/10/11</a:t>
             </a:fld>
             <a:endParaRPr lang="en-US"/>
           </a:p>
@@ -2306,7 +2306,7 @@
             <a:fld id="{B07B2FB9-680A-AF4E-8AA6-0FAA227F6367}" type="datetimeFigureOut">
               <a:rPr lang="en-US" smtClean="0"/>
               <a:pPr/>
-              <a:t>5/7/11</a:t>
+              <a:t>5/10/11</a:t>
             </a:fld>
             <a:endParaRPr lang="en-US"/>
           </a:p>
@@ -2580,7 +2580,7 @@
             <a:fld id="{B07B2FB9-680A-AF4E-8AA6-0FAA227F6367}" type="datetimeFigureOut">
               <a:rPr lang="en-US" smtClean="0"/>
               <a:pPr/>
-              <a:t>5/7/11</a:t>
+              <a:t>5/10/11</a:t>
             </a:fld>
             <a:endParaRPr lang="en-US"/>
           </a:p>
@@ -2830,7 +2830,7 @@
             <a:fld id="{B07B2FB9-680A-AF4E-8AA6-0FAA227F6367}" type="datetimeFigureOut">
               <a:rPr lang="en-US" smtClean="0"/>
               <a:pPr/>
-              <a:t>5/7/11</a:t>
+              <a:t>5/10/11</a:t>
             </a:fld>
             <a:endParaRPr lang="en-US"/>
           </a:p>
@@ -3040,7 +3040,7 @@
             <a:fld id="{B07B2FB9-680A-AF4E-8AA6-0FAA227F6367}" type="datetimeFigureOut">
               <a:rPr lang="en-US" smtClean="0"/>
               <a:pPr/>
-              <a:t>5/7/11</a:t>
+              <a:t>5/10/11</a:t>
             </a:fld>
             <a:endParaRPr lang="en-US"/>
           </a:p>
@@ -6195,10 +6195,10 @@
         </p:nvGrpSpPr>
         <p:grpSpPr>
           <a:xfrm>
-            <a:off x="21885310" y="17056970"/>
-            <a:ext cx="9918534" cy="3907666"/>
-            <a:chOff x="28736936" y="7719341"/>
-            <a:chExt cx="13224712" cy="9075963"/>
+            <a:off x="818996" y="17433872"/>
+            <a:ext cx="9918534" cy="3529962"/>
+            <a:chOff x="28736936" y="7559896"/>
+            <a:chExt cx="13224712" cy="9235408"/>
           </a:xfrm>
         </p:grpSpPr>
         <p:sp>
@@ -6255,8 +6255,8 @@
           </p:nvSpPr>
           <p:spPr bwMode="auto">
             <a:xfrm>
-              <a:off x="31446995" y="8914253"/>
-              <a:ext cx="7772400" cy="647024"/>
+              <a:off x="31446995" y="7559896"/>
+              <a:ext cx="7772400" cy="1841939"/>
             </a:xfrm>
             <a:prstGeom prst="rect">
               <a:avLst/>
@@ -6307,7 +6307,7 @@
           <p:nvPr/>
         </p:nvGraphicFramePr>
         <p:xfrm>
-          <a:off x="22534664" y="18111722"/>
+          <a:off x="1615115" y="18307495"/>
           <a:ext cx="8609710" cy="2406561"/>
         </p:xfrm>
         <a:graphic>
@@ -6496,7 +6496,7 @@
         </p:nvGrpSpPr>
         <p:grpSpPr>
           <a:xfrm>
-            <a:off x="867064" y="10271278"/>
+            <a:off x="867064" y="9928038"/>
             <a:ext cx="9870466" cy="3907777"/>
             <a:chOff x="943565" y="11618297"/>
             <a:chExt cx="9870466" cy="3907777"/>
@@ -8625,8 +8625,8 @@
         </p:nvGrpSpPr>
         <p:grpSpPr>
           <a:xfrm>
-            <a:off x="21870851" y="10610903"/>
-            <a:ext cx="9870466" cy="5988231"/>
+            <a:off x="21870851" y="3678891"/>
+            <a:ext cx="9870466" cy="6898281"/>
             <a:chOff x="817737" y="15017019"/>
             <a:chExt cx="9870466" cy="5988231"/>
           </a:xfrm>
@@ -9815,91 +9815,182 @@
           </p:grpSp>
         </p:grpSp>
       </p:grpSp>
-      <p:pic>
-        <p:nvPicPr>
-          <p:cNvPr id="695" name="Picture 694"/>
-          <p:cNvPicPr>
-            <a:picLocks noChangeAspect="1"/>
-          </p:cNvPicPr>
-          <p:nvPr/>
-        </p:nvPicPr>
-        <p:blipFill>
-          <a:blip r:embed="rId3"/>
-          <a:stretch>
-            <a:fillRect/>
-          </a:stretch>
-        </p:blipFill>
-        <p:spPr>
-          <a:xfrm>
-            <a:off x="28688201" y="7286947"/>
-            <a:ext cx="1660832" cy="1512851"/>
-          </a:xfrm>
-          <a:prstGeom prst="rect">
-            <a:avLst/>
-          </a:prstGeom>
-        </p:spPr>
-      </p:pic>
       <p:grpSp>
         <p:nvGrpSpPr>
-          <p:cNvPr id="684" name="Group 683"/>
+          <p:cNvPr id="159" name="Group 158"/>
           <p:cNvGrpSpPr/>
           <p:nvPr/>
         </p:nvGrpSpPr>
         <p:grpSpPr>
           <a:xfrm>
-            <a:off x="21886921" y="3662457"/>
-            <a:ext cx="9916923" cy="6498273"/>
-            <a:chOff x="1156084" y="3977185"/>
-            <a:chExt cx="13222564" cy="16126884"/>
+            <a:off x="21930842" y="10881534"/>
+            <a:ext cx="9916923" cy="6104168"/>
+            <a:chOff x="21857814" y="3662458"/>
+            <a:chExt cx="9916923" cy="6104168"/>
           </a:xfrm>
         </p:grpSpPr>
+        <p:pic>
+          <p:nvPicPr>
+            <p:cNvPr id="695" name="Picture 694"/>
+            <p:cNvPicPr>
+              <a:picLocks noChangeAspect="1"/>
+            </p:cNvPicPr>
+            <p:nvPr/>
+          </p:nvPicPr>
+          <p:blipFill>
+            <a:blip r:embed="rId3"/>
+            <a:stretch>
+              <a:fillRect/>
+            </a:stretch>
+          </p:blipFill>
+          <p:spPr>
+            <a:xfrm>
+              <a:off x="28436673" y="7910184"/>
+              <a:ext cx="1660832" cy="1512851"/>
+            </a:xfrm>
+            <a:prstGeom prst="rect">
+              <a:avLst/>
+            </a:prstGeom>
+          </p:spPr>
+        </p:pic>
+        <p:grpSp>
+          <p:nvGrpSpPr>
+            <p:cNvPr id="684" name="Group 683"/>
+            <p:cNvGrpSpPr/>
+            <p:nvPr/>
+          </p:nvGrpSpPr>
+          <p:grpSpPr>
+            <a:xfrm>
+              <a:off x="21857814" y="3662458"/>
+              <a:ext cx="9916923" cy="6104168"/>
+              <a:chOff x="1156084" y="3977187"/>
+              <a:chExt cx="13222564" cy="15148826"/>
+            </a:xfrm>
+          </p:grpSpPr>
+          <p:sp>
+            <p:nvSpPr>
+              <p:cNvPr id="685" name="Rounded Rectangle 684"/>
+              <p:cNvSpPr/>
+              <p:nvPr/>
+            </p:nvSpPr>
+            <p:spPr>
+              <a:xfrm>
+                <a:off x="1156084" y="3977187"/>
+                <a:ext cx="13222564" cy="15148826"/>
+              </a:xfrm>
+              <a:prstGeom prst="roundRect">
+                <a:avLst/>
+              </a:prstGeom>
+              <a:noFill/>
+              <a:ln>
+                <a:solidFill>
+                  <a:schemeClr val="tx1"/>
+                </a:solidFill>
+              </a:ln>
+            </p:spPr>
+            <p:style>
+              <a:lnRef idx="1">
+                <a:schemeClr val="accent1"/>
+              </a:lnRef>
+              <a:fillRef idx="3">
+                <a:schemeClr val="accent1"/>
+              </a:fillRef>
+              <a:effectRef idx="2">
+                <a:schemeClr val="accent1"/>
+              </a:effectRef>
+              <a:fontRef idx="minor">
+                <a:schemeClr val="lt1"/>
+              </a:fontRef>
+            </p:style>
+            <p:txBody>
+              <a:bodyPr rtlCol="0" anchor="ctr"/>
+              <a:lstStyle/>
+              <a:p>
+                <a:pPr algn="ctr"/>
+                <a:endParaRPr lang="en-US" sz="1300" dirty="0"/>
+              </a:p>
+            </p:txBody>
+          </p:sp>
+          <p:sp>
+            <p:nvSpPr>
+              <p:cNvPr id="686" name="Title 1"/>
+              <p:cNvSpPr txBox="1">
+                <a:spLocks/>
+              </p:cNvSpPr>
+              <p:nvPr/>
+            </p:nvSpPr>
+            <p:spPr bwMode="auto">
+              <a:xfrm>
+                <a:off x="3871199" y="4906739"/>
+                <a:ext cx="7772400" cy="750886"/>
+              </a:xfrm>
+              <a:prstGeom prst="rect">
+                <a:avLst/>
+              </a:prstGeom>
+              <a:noFill/>
+              <a:ln w="9525">
+                <a:noFill/>
+                <a:miter lim="800000"/>
+                <a:headEnd/>
+                <a:tailEnd/>
+              </a:ln>
+            </p:spPr>
+            <p:txBody>
+              <a:bodyPr vert="horz" wrap="square" lIns="91440" tIns="45720" rIns="91440" bIns="91440" numCol="1" anchor="b" anchorCtr="0" compatLnSpc="1">
+                <a:prstTxWarp prst="textNoShape">
+                  <a:avLst/>
+                </a:prstTxWarp>
+              </a:bodyPr>
+              <a:lstStyle/>
+              <a:p>
+                <a:pPr algn="ctr" defTabSz="653064" fontAlgn="base">
+                  <a:spcBef>
+                    <a:spcPct val="0"/>
+                  </a:spcBef>
+                  <a:spcAft>
+                    <a:spcPct val="0"/>
+                  </a:spcAft>
+                  <a:defRPr/>
+                </a:pPr>
+                <a:r>
+                  <a:rPr lang="en-US" sz="2600" b="1" dirty="0" smtClean="0">
+                    <a:latin typeface="Franklin Gothic Book"/>
+                    <a:ea typeface="ＭＳ Ｐゴシック" charset="-128"/>
+                    <a:cs typeface="ＭＳ Ｐゴシック" charset="-128"/>
+                  </a:rPr>
+                  <a:t>Pedagogical Aids</a:t>
+                </a:r>
+              </a:p>
+            </p:txBody>
+          </p:sp>
+        </p:grpSp>
+        <p:pic>
+          <p:nvPicPr>
+            <p:cNvPr id="691" name="Picture 690"/>
+            <p:cNvPicPr>
+              <a:picLocks noChangeAspect="1"/>
+            </p:cNvPicPr>
+            <p:nvPr/>
+          </p:nvPicPr>
+          <p:blipFill>
+            <a:blip r:embed="rId4"/>
+            <a:stretch>
+              <a:fillRect/>
+            </a:stretch>
+          </p:blipFill>
+          <p:spPr>
+            <a:xfrm>
+              <a:off x="27785968" y="4589690"/>
+              <a:ext cx="2968358" cy="2892318"/>
+            </a:xfrm>
+            <a:prstGeom prst="rect">
+              <a:avLst/>
+            </a:prstGeom>
+          </p:spPr>
+        </p:pic>
         <p:sp>
           <p:nvSpPr>
-            <p:cNvPr id="685" name="Rounded Rectangle 684"/>
-            <p:cNvSpPr/>
-            <p:nvPr/>
-          </p:nvSpPr>
-          <p:spPr>
-            <a:xfrm>
-              <a:off x="1156084" y="3977185"/>
-              <a:ext cx="13222564" cy="16126884"/>
-            </a:xfrm>
-            <a:prstGeom prst="roundRect">
-              <a:avLst/>
-            </a:prstGeom>
-            <a:noFill/>
-            <a:ln>
-              <a:solidFill>
-                <a:schemeClr val="tx1"/>
-              </a:solidFill>
-            </a:ln>
-          </p:spPr>
-          <p:style>
-            <a:lnRef idx="1">
-              <a:schemeClr val="accent1"/>
-            </a:lnRef>
-            <a:fillRef idx="3">
-              <a:schemeClr val="accent1"/>
-            </a:fillRef>
-            <a:effectRef idx="2">
-              <a:schemeClr val="accent1"/>
-            </a:effectRef>
-            <a:fontRef idx="minor">
-              <a:schemeClr val="lt1"/>
-            </a:fontRef>
-          </p:style>
-          <p:txBody>
-            <a:bodyPr rtlCol="0" anchor="ctr"/>
-            <a:lstStyle/>
-            <a:p>
-              <a:pPr algn="ctr"/>
-              <a:endParaRPr lang="en-US" sz="1300" dirty="0"/>
-            </a:p>
-          </p:txBody>
-        </p:sp>
-        <p:sp>
-          <p:nvSpPr>
-            <p:cNvPr id="686" name="Title 1"/>
+            <p:cNvPr id="693" name="Content Placeholder 2"/>
             <p:cNvSpPr txBox="1">
               <a:spLocks/>
             </p:cNvSpPr>
@@ -9907,8 +9998,8 @@
           </p:nvSpPr>
           <p:spPr bwMode="auto">
             <a:xfrm>
-              <a:off x="3871199" y="4906739"/>
-              <a:ext cx="7772400" cy="750886"/>
+              <a:off x="22302264" y="4668899"/>
+              <a:ext cx="5695514" cy="4498668"/>
             </a:xfrm>
             <a:prstGeom prst="rect">
               <a:avLst/>
@@ -9922,362 +10013,300 @@
             </a:ln>
           </p:spPr>
           <p:txBody>
-            <a:bodyPr vert="horz" wrap="square" lIns="91440" tIns="45720" rIns="91440" bIns="91440" numCol="1" anchor="b" anchorCtr="0" compatLnSpc="1">
+            <a:bodyPr vert="horz" wrap="square" lIns="91440" tIns="45720" rIns="91440" bIns="45720" numCol="1" anchor="t" anchorCtr="0" compatLnSpc="1">
               <a:prstTxWarp prst="textNoShape">
                 <a:avLst/>
               </a:prstTxWarp>
+              <a:noAutofit/>
             </a:bodyPr>
             <a:lstStyle/>
             <a:p>
-              <a:pPr algn="ctr" defTabSz="653064" fontAlgn="base">
+              <a:pPr marL="195012" indent="-195012" defTabSz="653064" fontAlgn="base">
                 <a:spcBef>
-                  <a:spcPct val="0"/>
+                  <a:spcPts val="411"/>
                 </a:spcBef>
                 <a:spcAft>
                   <a:spcPct val="0"/>
                 </a:spcAft>
+                <a:buClr>
+                  <a:schemeClr val="accent1"/>
+                </a:buClr>
+                <a:buSzPct val="85000"/>
+                <a:buFont typeface="Wingdings 2" charset="2"/>
+                <a:buChar char=""/>
                 <a:defRPr/>
               </a:pPr>
               <a:r>
-                <a:rPr lang="en-US" sz="2600" b="1" dirty="0" smtClean="0">
-                  <a:latin typeface="Franklin Gothic Book"/>
+                <a:rPr lang="en-US" sz="2300" dirty="0" smtClean="0">
+                  <a:solidFill>
+                    <a:srgbClr val="000000"/>
+                  </a:solidFill>
                   <a:ea typeface="ＭＳ Ｐゴシック" charset="-128"/>
                   <a:cs typeface="ＭＳ Ｐゴシック" charset="-128"/>
                 </a:rPr>
-                <a:t>Pedagogical</a:t>
+                <a:t>Portable, easy to install, and use.</a:t>
               </a:r>
+            </a:p>
+            <a:p>
+              <a:pPr marL="195012" indent="-195012" defTabSz="653064" fontAlgn="base">
+                <a:spcBef>
+                  <a:spcPts val="411"/>
+                </a:spcBef>
+                <a:spcAft>
+                  <a:spcPct val="0"/>
+                </a:spcAft>
+                <a:buClr>
+                  <a:schemeClr val="accent1"/>
+                </a:buClr>
+                <a:buSzPct val="85000"/>
+                <a:buFont typeface="Wingdings 2" charset="2"/>
+                <a:buChar char=""/>
+                <a:defRPr/>
+              </a:pPr>
               <a:r>
-                <a:rPr lang="en-US" sz="2600" b="1" dirty="0" smtClean="0">
-                  <a:latin typeface="Franklin Gothic Book"/>
+                <a:rPr lang="en-US" sz="2300" dirty="0" smtClean="0">
+                  <a:solidFill>
+                    <a:srgbClr val="000000"/>
+                  </a:solidFill>
                   <a:ea typeface="ＭＳ Ｐゴシック" charset="-128"/>
                   <a:cs typeface="ＭＳ Ｐゴシック" charset="-128"/>
                 </a:rPr>
-                <a:t> Aids</a:t>
+                <a:t>Thorough documentation and tutorials.</a:t>
               </a:r>
-              <a:endParaRPr lang="en-US" sz="2600" b="1" dirty="0" smtClean="0">
-                <a:latin typeface="Franklin Gothic Book"/>
+            </a:p>
+            <a:p>
+              <a:pPr marL="195012" indent="-195012" defTabSz="653064" fontAlgn="base">
+                <a:spcBef>
+                  <a:spcPts val="411"/>
+                </a:spcBef>
+                <a:spcAft>
+                  <a:spcPct val="0"/>
+                </a:spcAft>
+                <a:buClr>
+                  <a:schemeClr val="accent1"/>
+                </a:buClr>
+                <a:buSzPct val="85000"/>
+                <a:buFont typeface="Wingdings 2" charset="2"/>
+                <a:buChar char=""/>
+                <a:defRPr/>
+              </a:pPr>
+              <a:r>
+                <a:rPr lang="en-US" sz="2300" dirty="0" smtClean="0">
+                  <a:solidFill>
+                    <a:srgbClr val="000000"/>
+                  </a:solidFill>
+                  <a:ea typeface="ＭＳ Ｐゴシック" charset="-128"/>
+                  <a:cs typeface="ＭＳ Ｐゴシック" charset="-128"/>
+                </a:rPr>
+                <a:t>Industry-strength exception handling.</a:t>
+              </a:r>
+            </a:p>
+            <a:p>
+              <a:pPr marL="195012" indent="-195012" defTabSz="653064" fontAlgn="base">
+                <a:spcBef>
+                  <a:spcPts val="411"/>
+                </a:spcBef>
+                <a:spcAft>
+                  <a:spcPct val="0"/>
+                </a:spcAft>
+                <a:buClr>
+                  <a:schemeClr val="accent1"/>
+                </a:buClr>
+                <a:buSzPct val="85000"/>
+                <a:buFont typeface="Wingdings 2" charset="2"/>
+                <a:buChar char=""/>
+                <a:defRPr/>
+              </a:pPr>
+              <a:r>
+                <a:rPr lang="en-US" sz="2300" dirty="0" smtClean="0">
+                  <a:solidFill>
+                    <a:srgbClr val="000000"/>
+                  </a:solidFill>
+                  <a:ea typeface="ＭＳ Ｐゴシック" charset="-128"/>
+                  <a:cs typeface="ＭＳ Ｐゴシック" charset="-128"/>
+                </a:rPr>
+                <a:t>PAPI integration for profiling performance.</a:t>
+              </a:r>
+            </a:p>
+            <a:p>
+              <a:pPr marL="195012" indent="-195012" defTabSz="653064" fontAlgn="base">
+                <a:spcBef>
+                  <a:spcPts val="411"/>
+                </a:spcBef>
+                <a:spcAft>
+                  <a:spcPct val="0"/>
+                </a:spcAft>
+                <a:buClr>
+                  <a:schemeClr val="accent1"/>
+                </a:buClr>
+                <a:buSzPct val="85000"/>
+                <a:buFont typeface="Wingdings 2" charset="2"/>
+                <a:buChar char=""/>
+                <a:defRPr/>
+              </a:pPr>
+              <a:r>
+                <a:rPr lang="en-US" sz="2300" dirty="0" smtClean="0">
+                  <a:solidFill>
+                    <a:srgbClr val="000000"/>
+                  </a:solidFill>
+                  <a:ea typeface="ＭＳ Ｐゴシック" charset="-128"/>
+                  <a:cs typeface="ＭＳ Ｐゴシック" charset="-128"/>
+                </a:rPr>
+                <a:t>Growing list of sample applications.</a:t>
+              </a:r>
+            </a:p>
+            <a:p>
+              <a:pPr marL="195012" indent="-195012" defTabSz="653064" fontAlgn="base">
+                <a:spcBef>
+                  <a:spcPts val="411"/>
+                </a:spcBef>
+                <a:spcAft>
+                  <a:spcPct val="0"/>
+                </a:spcAft>
+                <a:buClr>
+                  <a:schemeClr val="accent1"/>
+                </a:buClr>
+                <a:buSzPct val="85000"/>
+                <a:buFont typeface="Wingdings 2" charset="2"/>
+                <a:buChar char=""/>
+                <a:defRPr/>
+              </a:pPr>
+              <a:r>
+                <a:rPr lang="en-US" sz="2300" dirty="0" smtClean="0">
+                  <a:solidFill>
+                    <a:srgbClr val="000000"/>
+                  </a:solidFill>
+                  <a:ea typeface="ＭＳ Ｐゴシック" charset="-128"/>
+                  <a:cs typeface="ＭＳ Ｐゴシック" charset="-128"/>
+                </a:rPr>
+                <a:t>Online user-groups and support.</a:t>
+              </a:r>
+            </a:p>
+            <a:p>
+              <a:pPr marL="195012" indent="-195012" defTabSz="653064" fontAlgn="base">
+                <a:spcBef>
+                  <a:spcPts val="411"/>
+                </a:spcBef>
+                <a:spcAft>
+                  <a:spcPct val="0"/>
+                </a:spcAft>
+                <a:buClr>
+                  <a:schemeClr val="accent1"/>
+                </a:buClr>
+                <a:buSzPct val="85000"/>
+                <a:buFont typeface="Wingdings 2" charset="2"/>
+                <a:buChar char=""/>
+                <a:defRPr/>
+              </a:pPr>
+              <a:r>
+                <a:rPr lang="en-US" sz="2300" dirty="0" smtClean="0">
+                  <a:solidFill>
+                    <a:srgbClr val="000000"/>
+                  </a:solidFill>
+                  <a:ea typeface="ＭＳ Ｐゴシック" charset="-128"/>
+                  <a:cs typeface="ＭＳ Ｐゴシック" charset="-128"/>
+                </a:rPr>
+                <a:t>Growing list of examples.</a:t>
+              </a:r>
+            </a:p>
+            <a:p>
+              <a:pPr marL="195012" indent="-195012" defTabSz="653064" fontAlgn="base">
+                <a:spcBef>
+                  <a:spcPts val="411"/>
+                </a:spcBef>
+                <a:spcAft>
+                  <a:spcPct val="0"/>
+                </a:spcAft>
+                <a:buClr>
+                  <a:schemeClr val="accent1"/>
+                </a:buClr>
+                <a:buSzPct val="85000"/>
+                <a:buFont typeface="Wingdings 2" charset="2"/>
+                <a:buChar char=""/>
+                <a:defRPr/>
+              </a:pPr>
+              <a:r>
+                <a:rPr lang="en-US" sz="2300" dirty="0" smtClean="0">
+                  <a:solidFill>
+                    <a:srgbClr val="000000"/>
+                  </a:solidFill>
+                  <a:ea typeface="ＭＳ Ｐゴシック" charset="-128"/>
+                  <a:cs typeface="ＭＳ Ｐゴシック" charset="-128"/>
+                </a:rPr>
+                <a:t>Portable atomic operations</a:t>
+              </a:r>
+              <a:r>
+                <a:rPr lang="en-US" sz="2300" dirty="0" smtClean="0">
+                  <a:solidFill>
+                    <a:srgbClr val="000000"/>
+                  </a:solidFill>
+                  <a:ea typeface="ＭＳ Ｐゴシック" charset="-128"/>
+                  <a:cs typeface="ＭＳ Ｐゴシック" charset="-128"/>
+                </a:rPr>
+                <a:t>.</a:t>
+              </a:r>
+            </a:p>
+            <a:p>
+              <a:pPr marL="195012" indent="-195012" defTabSz="653064" fontAlgn="base">
+                <a:spcBef>
+                  <a:spcPts val="411"/>
+                </a:spcBef>
+                <a:spcAft>
+                  <a:spcPct val="0"/>
+                </a:spcAft>
+                <a:buClr>
+                  <a:schemeClr val="accent1"/>
+                </a:buClr>
+                <a:buSzPct val="85000"/>
+                <a:buFont typeface="Wingdings 2" charset="2"/>
+                <a:buChar char=""/>
+                <a:defRPr/>
+              </a:pPr>
+              <a:r>
+                <a:rPr lang="en-US" sz="2300" dirty="0" smtClean="0">
+                  <a:solidFill>
+                    <a:srgbClr val="000000"/>
+                  </a:solidFill>
+                  <a:ea typeface="ＭＳ Ｐゴシック" charset="-128"/>
+                  <a:cs typeface="ＭＳ Ｐゴシック" charset="-128"/>
+                </a:rPr>
+                <a:t>Extensive customizability.</a:t>
+              </a:r>
+              <a:endParaRPr lang="en-US" sz="2300" dirty="0" smtClean="0">
+                <a:solidFill>
+                  <a:srgbClr val="000000"/>
+                </a:solidFill>
                 <a:ea typeface="ＭＳ Ｐゴシック" charset="-128"/>
                 <a:cs typeface="ＭＳ Ｐゴシック" charset="-128"/>
               </a:endParaRPr>
             </a:p>
           </p:txBody>
         </p:sp>
+        <p:pic>
+          <p:nvPicPr>
+            <p:cNvPr id="694" name="Picture 693"/>
+            <p:cNvPicPr>
+              <a:picLocks noChangeAspect="1"/>
+            </p:cNvPicPr>
+            <p:nvPr/>
+          </p:nvPicPr>
+          <p:blipFill>
+            <a:blip r:embed="rId5"/>
+            <a:stretch>
+              <a:fillRect/>
+            </a:stretch>
+          </p:blipFill>
+          <p:spPr>
+            <a:xfrm>
+              <a:off x="23234726" y="8683964"/>
+              <a:ext cx="3730933" cy="665018"/>
+            </a:xfrm>
+            <a:prstGeom prst="rect">
+              <a:avLst/>
+            </a:prstGeom>
+          </p:spPr>
+        </p:pic>
       </p:grpSp>
-      <p:pic>
-        <p:nvPicPr>
-          <p:cNvPr id="691" name="Picture 690"/>
-          <p:cNvPicPr>
-            <a:picLocks noChangeAspect="1"/>
-          </p:cNvPicPr>
-          <p:nvPr/>
-        </p:nvPicPr>
-        <p:blipFill>
-          <a:blip r:embed="rId4"/>
-          <a:stretch>
-            <a:fillRect/>
-          </a:stretch>
-        </p:blipFill>
-        <p:spPr>
-          <a:xfrm>
-            <a:off x="27991924" y="4452394"/>
-            <a:ext cx="2968358" cy="2892318"/>
-          </a:xfrm>
-          <a:prstGeom prst="rect">
-            <a:avLst/>
-          </a:prstGeom>
-        </p:spPr>
-      </p:pic>
-      <p:sp>
-        <p:nvSpPr>
-          <p:cNvPr id="693" name="Content Placeholder 2"/>
-          <p:cNvSpPr txBox="1">
-            <a:spLocks/>
-          </p:cNvSpPr>
-          <p:nvPr/>
-        </p:nvSpPr>
-        <p:spPr bwMode="auto">
-          <a:xfrm>
-            <a:off x="22302264" y="4668899"/>
-            <a:ext cx="5695514" cy="4498668"/>
-          </a:xfrm>
-          <a:prstGeom prst="rect">
-            <a:avLst/>
-          </a:prstGeom>
-          <a:noFill/>
-          <a:ln w="9525">
-            <a:noFill/>
-            <a:miter lim="800000"/>
-            <a:headEnd/>
-            <a:tailEnd/>
-          </a:ln>
-        </p:spPr>
-        <p:txBody>
-          <a:bodyPr vert="horz" wrap="square" lIns="91440" tIns="45720" rIns="91440" bIns="45720" numCol="1" anchor="t" anchorCtr="0" compatLnSpc="1">
-            <a:prstTxWarp prst="textNoShape">
-              <a:avLst/>
-            </a:prstTxWarp>
-            <a:noAutofit/>
-          </a:bodyPr>
-          <a:lstStyle/>
-          <a:p>
-            <a:pPr marL="195012" indent="-195012" defTabSz="653064" fontAlgn="base">
-              <a:spcBef>
-                <a:spcPts val="411"/>
-              </a:spcBef>
-              <a:spcAft>
-                <a:spcPct val="0"/>
-              </a:spcAft>
-              <a:buClr>
-                <a:schemeClr val="accent1"/>
-              </a:buClr>
-              <a:buSzPct val="85000"/>
-              <a:buFont typeface="Wingdings 2" charset="2"/>
-              <a:buChar char=""/>
-              <a:defRPr/>
-            </a:pPr>
-            <a:r>
-              <a:rPr lang="en-US" sz="2300" dirty="0" smtClean="0">
-                <a:solidFill>
-                  <a:srgbClr val="000000"/>
-                </a:solidFill>
-                <a:ea typeface="ＭＳ Ｐゴシック" charset="-128"/>
-                <a:cs typeface="ＭＳ Ｐゴシック" charset="-128"/>
-              </a:rPr>
-              <a:t>Portable, easy to install, and use.</a:t>
-            </a:r>
-          </a:p>
-          <a:p>
-            <a:pPr marL="195012" indent="-195012" defTabSz="653064" fontAlgn="base">
-              <a:spcBef>
-                <a:spcPts val="411"/>
-              </a:spcBef>
-              <a:spcAft>
-                <a:spcPct val="0"/>
-              </a:spcAft>
-              <a:buClr>
-                <a:schemeClr val="accent1"/>
-              </a:buClr>
-              <a:buSzPct val="85000"/>
-              <a:buFont typeface="Wingdings 2" charset="2"/>
-              <a:buChar char=""/>
-              <a:defRPr/>
-            </a:pPr>
-            <a:r>
-              <a:rPr lang="en-US" sz="2300" dirty="0" smtClean="0">
-                <a:solidFill>
-                  <a:srgbClr val="000000"/>
-                </a:solidFill>
-                <a:ea typeface="ＭＳ Ｐゴシック" charset="-128"/>
-                <a:cs typeface="ＭＳ Ｐゴシック" charset="-128"/>
-              </a:rPr>
-              <a:t>Thorough documentation and tutorials.</a:t>
-            </a:r>
-          </a:p>
-          <a:p>
-            <a:pPr marL="195012" indent="-195012" defTabSz="653064" fontAlgn="base">
-              <a:spcBef>
-                <a:spcPts val="411"/>
-              </a:spcBef>
-              <a:spcAft>
-                <a:spcPct val="0"/>
-              </a:spcAft>
-              <a:buClr>
-                <a:schemeClr val="accent1"/>
-              </a:buClr>
-              <a:buSzPct val="85000"/>
-              <a:buFont typeface="Wingdings 2" charset="2"/>
-              <a:buChar char=""/>
-              <a:defRPr/>
-            </a:pPr>
-            <a:r>
-              <a:rPr lang="en-US" sz="2300" dirty="0" smtClean="0">
-                <a:solidFill>
-                  <a:srgbClr val="000000"/>
-                </a:solidFill>
-                <a:ea typeface="ＭＳ Ｐゴシック" charset="-128"/>
-                <a:cs typeface="ＭＳ Ｐゴシック" charset="-128"/>
-              </a:rPr>
-              <a:t>Industry-strength exception handling.</a:t>
-            </a:r>
-          </a:p>
-          <a:p>
-            <a:pPr marL="195012" indent="-195012" defTabSz="653064" fontAlgn="base">
-              <a:spcBef>
-                <a:spcPts val="411"/>
-              </a:spcBef>
-              <a:spcAft>
-                <a:spcPct val="0"/>
-              </a:spcAft>
-              <a:buClr>
-                <a:schemeClr val="accent1"/>
-              </a:buClr>
-              <a:buSzPct val="85000"/>
-              <a:buFont typeface="Wingdings 2" charset="2"/>
-              <a:buChar char=""/>
-              <a:defRPr/>
-            </a:pPr>
-            <a:r>
-              <a:rPr lang="en-US" sz="2300" dirty="0" smtClean="0">
-                <a:solidFill>
-                  <a:srgbClr val="000000"/>
-                </a:solidFill>
-                <a:ea typeface="ＭＳ Ｐゴシック" charset="-128"/>
-                <a:cs typeface="ＭＳ Ｐゴシック" charset="-128"/>
-              </a:rPr>
-              <a:t>PAPI integration for profiling performance.</a:t>
-            </a:r>
-          </a:p>
-          <a:p>
-            <a:pPr marL="195012" indent="-195012" defTabSz="653064" fontAlgn="base">
-              <a:spcBef>
-                <a:spcPts val="411"/>
-              </a:spcBef>
-              <a:spcAft>
-                <a:spcPct val="0"/>
-              </a:spcAft>
-              <a:buClr>
-                <a:schemeClr val="accent1"/>
-              </a:buClr>
-              <a:buSzPct val="85000"/>
-              <a:buFont typeface="Wingdings 2" charset="2"/>
-              <a:buChar char=""/>
-              <a:defRPr/>
-            </a:pPr>
-            <a:r>
-              <a:rPr lang="en-US" sz="2300" dirty="0" smtClean="0">
-                <a:solidFill>
-                  <a:srgbClr val="000000"/>
-                </a:solidFill>
-                <a:ea typeface="ＭＳ Ｐゴシック" charset="-128"/>
-                <a:cs typeface="ＭＳ Ｐゴシック" charset="-128"/>
-              </a:rPr>
-              <a:t>Growing list of sample applications.</a:t>
-            </a:r>
-          </a:p>
-          <a:p>
-            <a:pPr marL="195012" indent="-195012" defTabSz="653064" fontAlgn="base">
-              <a:spcBef>
-                <a:spcPts val="411"/>
-              </a:spcBef>
-              <a:spcAft>
-                <a:spcPct val="0"/>
-              </a:spcAft>
-              <a:buClr>
-                <a:schemeClr val="accent1"/>
-              </a:buClr>
-              <a:buSzPct val="85000"/>
-              <a:buFont typeface="Wingdings 2" charset="2"/>
-              <a:buChar char=""/>
-              <a:defRPr/>
-            </a:pPr>
-            <a:r>
-              <a:rPr lang="en-US" sz="2300" dirty="0" smtClean="0">
-                <a:solidFill>
-                  <a:srgbClr val="000000"/>
-                </a:solidFill>
-                <a:ea typeface="ＭＳ Ｐゴシック" charset="-128"/>
-                <a:cs typeface="ＭＳ Ｐゴシック" charset="-128"/>
-              </a:rPr>
-              <a:t>Online user-groups and support</a:t>
-            </a:r>
-            <a:r>
-              <a:rPr lang="en-US" sz="2300" dirty="0" smtClean="0">
-                <a:solidFill>
-                  <a:srgbClr val="000000"/>
-                </a:solidFill>
-                <a:ea typeface="ＭＳ Ｐゴシック" charset="-128"/>
-                <a:cs typeface="ＭＳ Ｐゴシック" charset="-128"/>
-              </a:rPr>
-              <a:t>.</a:t>
-            </a:r>
-          </a:p>
-          <a:p>
-            <a:pPr marL="195012" indent="-195012" defTabSz="653064" fontAlgn="base">
-              <a:spcBef>
-                <a:spcPts val="411"/>
-              </a:spcBef>
-              <a:spcAft>
-                <a:spcPct val="0"/>
-              </a:spcAft>
-              <a:buClr>
-                <a:schemeClr val="accent1"/>
-              </a:buClr>
-              <a:buSzPct val="85000"/>
-              <a:buFont typeface="Wingdings 2" charset="2"/>
-              <a:buChar char=""/>
-              <a:defRPr/>
-            </a:pPr>
-            <a:r>
-              <a:rPr lang="en-US" sz="2300" dirty="0" smtClean="0">
-                <a:solidFill>
-                  <a:srgbClr val="000000"/>
-                </a:solidFill>
-                <a:ea typeface="ＭＳ Ｐゴシック" charset="-128"/>
-                <a:cs typeface="ＭＳ Ｐゴシック" charset="-128"/>
-              </a:rPr>
-              <a:t>Growing list of examples.</a:t>
-            </a:r>
-          </a:p>
-          <a:p>
-            <a:pPr marL="195012" indent="-195012" defTabSz="653064" fontAlgn="base">
-              <a:spcBef>
-                <a:spcPts val="411"/>
-              </a:spcBef>
-              <a:spcAft>
-                <a:spcPct val="0"/>
-              </a:spcAft>
-              <a:buClr>
-                <a:schemeClr val="accent1"/>
-              </a:buClr>
-              <a:buSzPct val="85000"/>
-              <a:buFont typeface="Wingdings 2" charset="2"/>
-              <a:buChar char=""/>
-              <a:defRPr/>
-            </a:pPr>
-            <a:r>
-              <a:rPr lang="en-US" sz="2300" dirty="0" smtClean="0">
-                <a:solidFill>
-                  <a:srgbClr val="000000"/>
-                </a:solidFill>
-                <a:ea typeface="ＭＳ Ｐゴシック" charset="-128"/>
-                <a:cs typeface="ＭＳ Ｐゴシック" charset="-128"/>
-              </a:rPr>
-              <a:t>Portable atomic operations.</a:t>
-            </a:r>
-            <a:endParaRPr lang="en-US" sz="2300" dirty="0" smtClean="0">
-              <a:solidFill>
-                <a:srgbClr val="000000"/>
-              </a:solidFill>
-              <a:ea typeface="ＭＳ Ｐゴシック" charset="-128"/>
-              <a:cs typeface="ＭＳ Ｐゴシック" charset="-128"/>
-            </a:endParaRPr>
-          </a:p>
-        </p:txBody>
-      </p:sp>
-      <p:pic>
-        <p:nvPicPr>
-          <p:cNvPr id="694" name="Picture 693"/>
-          <p:cNvPicPr>
-            <a:picLocks noChangeAspect="1"/>
-          </p:cNvPicPr>
-          <p:nvPr/>
-        </p:nvPicPr>
-        <p:blipFill>
-          <a:blip r:embed="rId5"/>
-          <a:stretch>
-            <a:fillRect/>
-          </a:stretch>
-        </p:blipFill>
-        <p:spPr>
-          <a:xfrm>
-            <a:off x="27611862" y="9023874"/>
-            <a:ext cx="3730933" cy="665018"/>
-          </a:xfrm>
-          <a:prstGeom prst="rect">
-            <a:avLst/>
-          </a:prstGeom>
-        </p:spPr>
-      </p:pic>
       <p:grpSp>
         <p:nvGrpSpPr>
           <p:cNvPr id="170" name="Group 169"/>
@@ -10286,7 +10315,7 @@
         </p:nvGrpSpPr>
         <p:grpSpPr>
           <a:xfrm>
-            <a:off x="768026" y="14789816"/>
+            <a:off x="820607" y="14171984"/>
             <a:ext cx="9916923" cy="2813718"/>
             <a:chOff x="21884048" y="3670000"/>
             <a:chExt cx="9916923" cy="2813718"/>
@@ -10717,11 +10746,7 @@
                 </a:r>
                 <a:r>
                   <a:rPr lang="en-US" sz="4300" b="1" dirty="0" smtClean="0"/>
-                  <a:t>A Tool For Teaching  And Implementing Task </a:t>
-                </a:r>
-                <a:r>
-                  <a:rPr lang="en-US" sz="4300" b="1" dirty="0" smtClean="0"/>
-                  <a:t>Parallelism </a:t>
+                  <a:t>A Tool For Teaching  And Implementing Task Parallelism </a:t>
                 </a:r>
                 <a:endParaRPr lang="en-US" sz="3400" b="1" dirty="0"/>
               </a:p>
@@ -10983,10 +11008,10 @@
         </p:nvGrpSpPr>
         <p:grpSpPr>
           <a:xfrm>
-            <a:off x="820607" y="18160150"/>
-            <a:ext cx="9916923" cy="2731115"/>
-            <a:chOff x="943565" y="17603533"/>
-            <a:chExt cx="9916923" cy="2731115"/>
+            <a:off x="21996488" y="17612255"/>
+            <a:ext cx="9916923" cy="3351574"/>
+            <a:chOff x="1374468" y="18170083"/>
+            <a:chExt cx="9916923" cy="1983986"/>
           </a:xfrm>
         </p:grpSpPr>
         <p:sp>
@@ -10997,8 +11022,8 @@
           </p:nvSpPr>
           <p:spPr>
             <a:xfrm>
-              <a:off x="943565" y="17603533"/>
-              <a:ext cx="9916923" cy="2731115"/>
+              <a:off x="1374468" y="18170083"/>
+              <a:ext cx="9916923" cy="1983986"/>
             </a:xfrm>
             <a:prstGeom prst="roundRect">
               <a:avLst/>
@@ -11043,8 +11068,8 @@
           </p:nvSpPr>
           <p:spPr bwMode="auto">
             <a:xfrm>
-              <a:off x="3163815" y="17987552"/>
-              <a:ext cx="5829300" cy="259003"/>
+              <a:off x="3345158" y="18219380"/>
+              <a:ext cx="5829300" cy="410865"/>
             </a:xfrm>
             <a:prstGeom prst="rect">
               <a:avLst/>
@@ -11080,7 +11105,7 @@
                   <a:ea typeface="ＭＳ Ｐゴシック" charset="-128"/>
                   <a:cs typeface="ＭＳ Ｐゴシック" charset="-128"/>
                 </a:rPr>
-                <a:t>Research Aspects</a:t>
+                <a:t>Research Aids</a:t>
               </a:r>
               <a:endParaRPr lang="en-US" sz="2600" b="1" dirty="0" smtClean="0">
                 <a:latin typeface="Franklin Gothic Book"/>
@@ -11100,8 +11125,8 @@
           </p:nvSpPr>
           <p:spPr bwMode="auto">
             <a:xfrm>
-              <a:off x="5908386" y="18454186"/>
-              <a:ext cx="4586847" cy="1699879"/>
+              <a:off x="6337339" y="18797240"/>
+              <a:ext cx="4586847" cy="1133330"/>
             </a:xfrm>
             <a:prstGeom prst="rect">
               <a:avLst/>
@@ -11143,14 +11168,7 @@
                   <a:ea typeface="ＭＳ Ｐゴシック" charset="-128"/>
                   <a:cs typeface="ＭＳ Ｐゴシック" charset="-128"/>
                 </a:rPr>
-                <a:t>Spawn tasks on specific queues</a:t>
-              </a:r>
-              <a:r>
-                <a:rPr lang="en-US" sz="2300" dirty="0" smtClean="0">
-                  <a:ea typeface="ＭＳ Ｐゴシック" charset="-128"/>
-                  <a:cs typeface="ＭＳ Ｐゴシック" charset="-128"/>
-                </a:rPr>
-                <a:t>.</a:t>
+                <a:t>Spawn tasks on specific queues.</a:t>
               </a:r>
             </a:p>
             <a:p>
@@ -11174,7 +11192,14 @@
                   <a:ea typeface="ＭＳ Ｐゴシック" charset="-128"/>
                   <a:cs typeface="ＭＳ Ｐゴシック" charset="-128"/>
                 </a:rPr>
-                <a:t>Bind threads to processors.</a:t>
+                <a:t>Bind threads to </a:t>
+              </a:r>
+              <a:r>
+                <a:rPr lang="en-US" sz="2300" dirty="0" smtClean="0">
+                  <a:ea typeface="ＭＳ Ｐゴシック" charset="-128"/>
+                  <a:cs typeface="ＭＳ Ｐゴシック" charset="-128"/>
+                </a:rPr>
+                <a:t>processors.*</a:t>
               </a:r>
             </a:p>
             <a:p>
@@ -11198,26 +11223,8 @@
                   <a:ea typeface="ＭＳ Ｐゴシック" charset="-128"/>
                   <a:cs typeface="ＭＳ Ｐゴシック" charset="-128"/>
                 </a:rPr>
-                <a:t>Work</a:t>
+                <a:t>Work-stealing to work-sharing.</a:t>
               </a:r>
-              <a:r>
-                <a:rPr lang="en-US" sz="2300" dirty="0" smtClean="0">
-                  <a:ea typeface="ＭＳ Ｐゴシック" charset="-128"/>
-                  <a:cs typeface="ＭＳ Ｐゴシック" charset="-128"/>
-                </a:rPr>
-                <a:t>-stealing to work-</a:t>
-              </a:r>
-              <a:r>
-                <a:rPr lang="en-US" sz="2300" dirty="0" smtClean="0">
-                  <a:ea typeface="ＭＳ Ｐゴシック" charset="-128"/>
-                  <a:cs typeface="ＭＳ Ｐゴシック" charset="-128"/>
-                </a:rPr>
-                <a:t>sharing.</a:t>
-              </a:r>
-              <a:endParaRPr lang="en-US" sz="2300" dirty="0" smtClean="0">
-                <a:ea typeface="ＭＳ Ｐゴシック" charset="-128"/>
-                <a:cs typeface="ＭＳ Ｐゴシック" charset="-128"/>
-              </a:endParaRPr>
             </a:p>
             <a:p>
               <a:pPr marL="195012" indent="-195012" defTabSz="653064" fontAlgn="base">
@@ -11240,19 +11247,8 @@
                   <a:ea typeface="ＭＳ Ｐゴシック" charset="-128"/>
                   <a:cs typeface="ＭＳ Ｐゴシック" charset="-128"/>
                 </a:rPr>
-                <a:t>Tasks can have multiple </a:t>
+                <a:t>Tasks can have multiple parents.</a:t>
               </a:r>
-              <a:r>
-                <a:rPr lang="en-US" sz="2300" dirty="0" smtClean="0">
-                  <a:ea typeface="ＭＳ Ｐゴシック" charset="-128"/>
-                  <a:cs typeface="ＭＳ Ｐゴシック" charset="-128"/>
-                </a:rPr>
-                <a:t>parents.</a:t>
-              </a:r>
-              <a:endParaRPr lang="en-US" sz="2300" dirty="0" smtClean="0">
-                <a:ea typeface="ＭＳ Ｐゴシック" charset="-128"/>
-                <a:cs typeface="ＭＳ Ｐゴシック" charset="-128"/>
-              </a:endParaRPr>
             </a:p>
           </p:txBody>
         </p:sp>
@@ -11266,8 +11262,8 @@
           </p:nvSpPr>
           <p:spPr bwMode="auto">
             <a:xfrm>
-              <a:off x="1355471" y="18454186"/>
-              <a:ext cx="4586847" cy="1699879"/>
+              <a:off x="1786374" y="18797240"/>
+              <a:ext cx="4586847" cy="1133330"/>
             </a:xfrm>
             <a:prstGeom prst="rect">
               <a:avLst/>
@@ -11381,25 +11377,15 @@
                   <a:ea typeface="ＭＳ Ｐゴシック" charset="-128"/>
                   <a:cs typeface="ＭＳ Ｐゴシック" charset="-128"/>
                 </a:rPr>
-                <a:t>PAPI integration.</a:t>
+                <a:t>PAPI integration</a:t>
               </a:r>
-            </a:p>
-            <a:p>
-              <a:pPr marL="195012" indent="-195012" defTabSz="653064" fontAlgn="base">
-                <a:spcBef>
-                  <a:spcPts val="411"/>
-                </a:spcBef>
-                <a:spcAft>
-                  <a:spcPct val="0"/>
-                </a:spcAft>
-                <a:buClr>
-                  <a:schemeClr val="accent1"/>
-                </a:buClr>
-                <a:buSzPct val="85000"/>
-                <a:buFont typeface="Wingdings 2" charset="2"/>
-                <a:buChar char=""/>
-                <a:defRPr/>
-              </a:pPr>
+              <a:r>
+                <a:rPr lang="en-US" sz="2300" dirty="0" smtClean="0">
+                  <a:ea typeface="ＭＳ Ｐゴシック" charset="-128"/>
+                  <a:cs typeface="ＭＳ Ｐゴシック" charset="-128"/>
+                </a:rPr>
+                <a:t>.</a:t>
+              </a:r>
               <a:endParaRPr lang="en-US" sz="2300" dirty="0" smtClean="0">
                 <a:ea typeface="ＭＳ Ｐゴシック" charset="-128"/>
                 <a:cs typeface="ＭＳ Ｐゴシック" charset="-128"/>
